--- a/images/theory_analysis/Hadoop/Hadoop.pptx
+++ b/images/theory_analysis/Hadoop/Hadoop.pptx
@@ -5,10 +5,12 @@
     <p:sldMasterId id="2147483648" r:id="rId1"/>
   </p:sldMasterIdLst>
   <p:notesMasterIdLst>
-    <p:notesMasterId r:id="rId3"/>
+    <p:notesMasterId r:id="rId5"/>
   </p:notesMasterIdLst>
   <p:sldIdLst>
     <p:sldId id="421" r:id="rId2"/>
+    <p:sldId id="422" r:id="rId3"/>
+    <p:sldId id="423" r:id="rId4"/>
   </p:sldIdLst>
   <p:sldSz cx="9144000" cy="5143500" type="screen16x9"/>
   <p:notesSz cx="6858000" cy="9144000"/>
@@ -109,7 +111,7 @@
   </p:defaultTextStyle>
   <p:extLst>
     <p:ext uri="{EFAFB233-063F-42B5-8137-9DF3F51BA10A}">
-      <p15:sldGuideLst xmlns:p15="http://schemas.microsoft.com/office/powerpoint/2012/main" xmlns="">
+      <p15:sldGuideLst xmlns:p15="http://schemas.microsoft.com/office/powerpoint/2012/main">
         <p15:guide id="1" orient="horz" pos="2160">
           <p15:clr>
             <a:srgbClr val="A4A3A4"/>
@@ -555,6 +557,174 @@
     <p:extLst>
       <p:ext uri="{BB962C8B-B14F-4D97-AF65-F5344CB8AC3E}">
         <p14:creationId xmlns:p14="http://schemas.microsoft.com/office/powerpoint/2010/main" val="3362931700"/>
+      </p:ext>
+    </p:extLst>
+  </p:cSld>
+  <p:clrMapOvr>
+    <a:masterClrMapping/>
+  </p:clrMapOvr>
+</p:notes>
+</file>
+
+<file path=ppt/notesSlides/notesSlide2.xml><?xml version="1.0" encoding="utf-8"?>
+<p:notes xmlns:a="http://schemas.openxmlformats.org/drawingml/2006/main" xmlns:r="http://schemas.openxmlformats.org/officeDocument/2006/relationships" xmlns:p="http://schemas.openxmlformats.org/presentationml/2006/main">
+  <p:cSld>
+    <p:spTree>
+      <p:nvGrpSpPr>
+        <p:cNvPr id="1" name=""/>
+        <p:cNvGrpSpPr/>
+        <p:nvPr/>
+      </p:nvGrpSpPr>
+      <p:grpSpPr>
+        <a:xfrm>
+          <a:off x="0" y="0"/>
+          <a:ext cx="0" cy="0"/>
+          <a:chOff x="0" y="0"/>
+          <a:chExt cx="0" cy="0"/>
+        </a:xfrm>
+      </p:grpSpPr>
+      <p:sp>
+        <p:nvSpPr>
+          <p:cNvPr id="2" name="슬라이드 이미지 개체 틀 1"/>
+          <p:cNvSpPr>
+            <a:spLocks noGrp="1" noRot="1" noChangeAspect="1"/>
+          </p:cNvSpPr>
+          <p:nvPr>
+            <p:ph type="sldImg"/>
+          </p:nvPr>
+        </p:nvSpPr>
+        <p:spPr/>
+      </p:sp>
+      <p:sp>
+        <p:nvSpPr>
+          <p:cNvPr id="3" name="슬라이드 노트 개체 틀 2"/>
+          <p:cNvSpPr>
+            <a:spLocks noGrp="1"/>
+          </p:cNvSpPr>
+          <p:nvPr>
+            <p:ph type="body" idx="1"/>
+          </p:nvPr>
+        </p:nvSpPr>
+        <p:spPr/>
+        <p:txBody>
+          <a:bodyPr/>
+          <a:lstStyle/>
+          <a:p>
+            <a:endParaRPr lang="ko-KR" altLang="en-US"/>
+          </a:p>
+        </p:txBody>
+      </p:sp>
+      <p:sp>
+        <p:nvSpPr>
+          <p:cNvPr id="4" name="슬라이드 번호 개체 틀 3"/>
+          <p:cNvSpPr>
+            <a:spLocks noGrp="1"/>
+          </p:cNvSpPr>
+          <p:nvPr>
+            <p:ph type="sldNum" sz="quarter" idx="10"/>
+          </p:nvPr>
+        </p:nvSpPr>
+        <p:spPr/>
+        <p:txBody>
+          <a:bodyPr/>
+          <a:lstStyle/>
+          <a:p>
+            <a:fld id="{BA5DFA43-8D57-47FB-BC46-057616015C3B}" type="slidenum">
+              <a:rPr lang="ko-KR" altLang="en-US" smtClean="0"/>
+              <a:t>2</a:t>
+            </a:fld>
+            <a:endParaRPr lang="ko-KR" altLang="en-US"/>
+          </a:p>
+        </p:txBody>
+      </p:sp>
+    </p:spTree>
+    <p:extLst>
+      <p:ext uri="{BB962C8B-B14F-4D97-AF65-F5344CB8AC3E}">
+        <p14:creationId xmlns:p14="http://schemas.microsoft.com/office/powerpoint/2010/main" val="2405356823"/>
+      </p:ext>
+    </p:extLst>
+  </p:cSld>
+  <p:clrMapOvr>
+    <a:masterClrMapping/>
+  </p:clrMapOvr>
+</p:notes>
+</file>
+
+<file path=ppt/notesSlides/notesSlide3.xml><?xml version="1.0" encoding="utf-8"?>
+<p:notes xmlns:a="http://schemas.openxmlformats.org/drawingml/2006/main" xmlns:r="http://schemas.openxmlformats.org/officeDocument/2006/relationships" xmlns:p="http://schemas.openxmlformats.org/presentationml/2006/main">
+  <p:cSld>
+    <p:spTree>
+      <p:nvGrpSpPr>
+        <p:cNvPr id="1" name=""/>
+        <p:cNvGrpSpPr/>
+        <p:nvPr/>
+      </p:nvGrpSpPr>
+      <p:grpSpPr>
+        <a:xfrm>
+          <a:off x="0" y="0"/>
+          <a:ext cx="0" cy="0"/>
+          <a:chOff x="0" y="0"/>
+          <a:chExt cx="0" cy="0"/>
+        </a:xfrm>
+      </p:grpSpPr>
+      <p:sp>
+        <p:nvSpPr>
+          <p:cNvPr id="2" name="슬라이드 이미지 개체 틀 1"/>
+          <p:cNvSpPr>
+            <a:spLocks noGrp="1" noRot="1" noChangeAspect="1"/>
+          </p:cNvSpPr>
+          <p:nvPr>
+            <p:ph type="sldImg"/>
+          </p:nvPr>
+        </p:nvSpPr>
+        <p:spPr/>
+      </p:sp>
+      <p:sp>
+        <p:nvSpPr>
+          <p:cNvPr id="3" name="슬라이드 노트 개체 틀 2"/>
+          <p:cNvSpPr>
+            <a:spLocks noGrp="1"/>
+          </p:cNvSpPr>
+          <p:nvPr>
+            <p:ph type="body" idx="1"/>
+          </p:nvPr>
+        </p:nvSpPr>
+        <p:spPr/>
+        <p:txBody>
+          <a:bodyPr/>
+          <a:lstStyle/>
+          <a:p>
+            <a:endParaRPr lang="ko-KR" altLang="en-US"/>
+          </a:p>
+        </p:txBody>
+      </p:sp>
+      <p:sp>
+        <p:nvSpPr>
+          <p:cNvPr id="4" name="슬라이드 번호 개체 틀 3"/>
+          <p:cNvSpPr>
+            <a:spLocks noGrp="1"/>
+          </p:cNvSpPr>
+          <p:nvPr>
+            <p:ph type="sldNum" sz="quarter" idx="10"/>
+          </p:nvPr>
+        </p:nvSpPr>
+        <p:spPr/>
+        <p:txBody>
+          <a:bodyPr/>
+          <a:lstStyle/>
+          <a:p>
+            <a:fld id="{BA5DFA43-8D57-47FB-BC46-057616015C3B}" type="slidenum">
+              <a:rPr lang="ko-KR" altLang="en-US" smtClean="0"/>
+              <a:t>3</a:t>
+            </a:fld>
+            <a:endParaRPr lang="ko-KR" altLang="en-US"/>
+          </a:p>
+        </p:txBody>
+      </p:sp>
+    </p:spTree>
+    <p:extLst>
+      <p:ext uri="{BB962C8B-B14F-4D97-AF65-F5344CB8AC3E}">
+        <p14:creationId xmlns:p14="http://schemas.microsoft.com/office/powerpoint/2010/main" val="110523446"/>
       </p:ext>
     </p:extLst>
   </p:cSld>
@@ -3476,7 +3646,7 @@
           <p:cNvPr id="2" name="제목 1">
             <a:extLst>
               <a:ext uri="{FF2B5EF4-FFF2-40B4-BE49-F238E27FC236}">
-                <a16:creationId xmlns:a16="http://schemas.microsoft.com/office/drawing/2014/main" xmlns="" id="{8738443D-5E72-49E2-86AC-581D61C41C39}"/>
+                <a16:creationId xmlns:a16="http://schemas.microsoft.com/office/drawing/2014/main" id="{8738443D-5E72-49E2-86AC-581D61C41C39}"/>
               </a:ext>
             </a:extLst>
           </p:cNvPr>
@@ -3498,234 +3668,14 @@
           <a:lstStyle/>
           <a:p>
             <a:r>
-              <a:rPr lang="en-US" altLang="ko-KR" dirty="0" err="1" smtClean="0"/>
+              <a:rPr lang="en-US" altLang="ko-KR" dirty="0" err="1"/>
               <a:t>HDFS</a:t>
             </a:r>
             <a:r>
-              <a:rPr lang="en-US" altLang="ko-KR" dirty="0" smtClean="0"/>
+              <a:rPr lang="en-US" altLang="ko-KR" dirty="0"/>
               <a:t> Architecture</a:t>
             </a:r>
             <a:endParaRPr lang="ko-KR" altLang="en-US" dirty="0"/>
-          </a:p>
-        </p:txBody>
-      </p:sp>
-      <p:sp>
-        <p:nvSpPr>
-          <p:cNvPr id="3" name="모서리가 둥근 직사각형 2"/>
-          <p:cNvSpPr/>
-          <p:nvPr/>
-        </p:nvSpPr>
-        <p:spPr>
-          <a:xfrm>
-            <a:off x="683568" y="3003798"/>
-            <a:ext cx="1152128" cy="1224136"/>
-          </a:xfrm>
-          <a:prstGeom prst="roundRect">
-            <a:avLst>
-              <a:gd name="adj" fmla="val 4069"/>
-            </a:avLst>
-          </a:prstGeom>
-        </p:spPr>
-        <p:style>
-          <a:lnRef idx="2">
-            <a:schemeClr val="dk1"/>
-          </a:lnRef>
-          <a:fillRef idx="1">
-            <a:schemeClr val="lt1"/>
-          </a:fillRef>
-          <a:effectRef idx="0">
-            <a:schemeClr val="dk1"/>
-          </a:effectRef>
-          <a:fontRef idx="minor">
-            <a:schemeClr val="dk1"/>
-          </a:fontRef>
-        </p:style>
-        <p:txBody>
-          <a:bodyPr rtlCol="0" anchor="b"/>
-          <a:lstStyle/>
-          <a:p>
-            <a:pPr algn="ctr"/>
-            <a:r>
-              <a:rPr lang="en-US" altLang="ko-KR" sz="1400" dirty="0" smtClean="0"/>
-              <a:t>Data Node</a:t>
-            </a:r>
-            <a:endParaRPr lang="ko-KR" altLang="en-US" sz="1400" dirty="0"/>
-          </a:p>
-        </p:txBody>
-      </p:sp>
-      <p:sp>
-        <p:nvSpPr>
-          <p:cNvPr id="19" name="모서리가 둥근 직사각형 18"/>
-          <p:cNvSpPr/>
-          <p:nvPr/>
-        </p:nvSpPr>
-        <p:spPr>
-          <a:xfrm>
-            <a:off x="1979712" y="3003798"/>
-            <a:ext cx="1152128" cy="1224136"/>
-          </a:xfrm>
-          <a:prstGeom prst="roundRect">
-            <a:avLst>
-              <a:gd name="adj" fmla="val 4069"/>
-            </a:avLst>
-          </a:prstGeom>
-        </p:spPr>
-        <p:style>
-          <a:lnRef idx="2">
-            <a:schemeClr val="dk1"/>
-          </a:lnRef>
-          <a:fillRef idx="1">
-            <a:schemeClr val="lt1"/>
-          </a:fillRef>
-          <a:effectRef idx="0">
-            <a:schemeClr val="dk1"/>
-          </a:effectRef>
-          <a:fontRef idx="minor">
-            <a:schemeClr val="dk1"/>
-          </a:fontRef>
-        </p:style>
-        <p:txBody>
-          <a:bodyPr rtlCol="0" anchor="b"/>
-          <a:lstStyle/>
-          <a:p>
-            <a:pPr algn="ctr"/>
-            <a:r>
-              <a:rPr lang="en-US" altLang="ko-KR" sz="1400" dirty="0" smtClean="0"/>
-              <a:t>Data Node</a:t>
-            </a:r>
-            <a:endParaRPr lang="ko-KR" altLang="en-US" sz="1400" dirty="0"/>
-          </a:p>
-        </p:txBody>
-      </p:sp>
-      <p:sp>
-        <p:nvSpPr>
-          <p:cNvPr id="20" name="모서리가 둥근 직사각형 19"/>
-          <p:cNvSpPr/>
-          <p:nvPr/>
-        </p:nvSpPr>
-        <p:spPr>
-          <a:xfrm>
-            <a:off x="3275856" y="3003798"/>
-            <a:ext cx="1152128" cy="1224136"/>
-          </a:xfrm>
-          <a:prstGeom prst="roundRect">
-            <a:avLst>
-              <a:gd name="adj" fmla="val 4069"/>
-            </a:avLst>
-          </a:prstGeom>
-        </p:spPr>
-        <p:style>
-          <a:lnRef idx="2">
-            <a:schemeClr val="dk1"/>
-          </a:lnRef>
-          <a:fillRef idx="1">
-            <a:schemeClr val="lt1"/>
-          </a:fillRef>
-          <a:effectRef idx="0">
-            <a:schemeClr val="dk1"/>
-          </a:effectRef>
-          <a:fontRef idx="minor">
-            <a:schemeClr val="dk1"/>
-          </a:fontRef>
-        </p:style>
-        <p:txBody>
-          <a:bodyPr rtlCol="0" anchor="b"/>
-          <a:lstStyle/>
-          <a:p>
-            <a:pPr algn="ctr"/>
-            <a:r>
-              <a:rPr lang="en-US" altLang="ko-KR" sz="1400" dirty="0" smtClean="0"/>
-              <a:t>Data Node</a:t>
-            </a:r>
-            <a:endParaRPr lang="ko-KR" altLang="en-US" sz="1400" dirty="0"/>
-          </a:p>
-        </p:txBody>
-      </p:sp>
-      <p:sp>
-        <p:nvSpPr>
-          <p:cNvPr id="21" name="모서리가 둥근 직사각형 20"/>
-          <p:cNvSpPr/>
-          <p:nvPr/>
-        </p:nvSpPr>
-        <p:spPr>
-          <a:xfrm>
-            <a:off x="5796136" y="3003798"/>
-            <a:ext cx="1152128" cy="1224136"/>
-          </a:xfrm>
-          <a:prstGeom prst="roundRect">
-            <a:avLst>
-              <a:gd name="adj" fmla="val 4069"/>
-            </a:avLst>
-          </a:prstGeom>
-        </p:spPr>
-        <p:style>
-          <a:lnRef idx="2">
-            <a:schemeClr val="dk1"/>
-          </a:lnRef>
-          <a:fillRef idx="1">
-            <a:schemeClr val="lt1"/>
-          </a:fillRef>
-          <a:effectRef idx="0">
-            <a:schemeClr val="dk1"/>
-          </a:effectRef>
-          <a:fontRef idx="minor">
-            <a:schemeClr val="dk1"/>
-          </a:fontRef>
-        </p:style>
-        <p:txBody>
-          <a:bodyPr rtlCol="0" anchor="b"/>
-          <a:lstStyle/>
-          <a:p>
-            <a:pPr algn="ctr"/>
-            <a:r>
-              <a:rPr lang="en-US" altLang="ko-KR" sz="1400" dirty="0" smtClean="0"/>
-              <a:t>Data Node</a:t>
-            </a:r>
-            <a:endParaRPr lang="ko-KR" altLang="en-US" sz="1400" dirty="0"/>
-          </a:p>
-        </p:txBody>
-      </p:sp>
-      <p:sp>
-        <p:nvSpPr>
-          <p:cNvPr id="22" name="모서리가 둥근 직사각형 21"/>
-          <p:cNvSpPr/>
-          <p:nvPr/>
-        </p:nvSpPr>
-        <p:spPr>
-          <a:xfrm>
-            <a:off x="7092280" y="3003798"/>
-            <a:ext cx="1152128" cy="1224136"/>
-          </a:xfrm>
-          <a:prstGeom prst="roundRect">
-            <a:avLst>
-              <a:gd name="adj" fmla="val 4069"/>
-            </a:avLst>
-          </a:prstGeom>
-        </p:spPr>
-        <p:style>
-          <a:lnRef idx="2">
-            <a:schemeClr val="dk1"/>
-          </a:lnRef>
-          <a:fillRef idx="1">
-            <a:schemeClr val="lt1"/>
-          </a:fillRef>
-          <a:effectRef idx="0">
-            <a:schemeClr val="dk1"/>
-          </a:effectRef>
-          <a:fontRef idx="minor">
-            <a:schemeClr val="dk1"/>
-          </a:fontRef>
-        </p:style>
-        <p:txBody>
-          <a:bodyPr rtlCol="0" anchor="b"/>
-          <a:lstStyle/>
-          <a:p>
-            <a:pPr algn="ctr"/>
-            <a:r>
-              <a:rPr lang="en-US" altLang="ko-KR" sz="1400" dirty="0" smtClean="0"/>
-              <a:t>Data Node</a:t>
-            </a:r>
-            <a:endParaRPr lang="ko-KR" altLang="en-US" sz="1400" dirty="0"/>
           </a:p>
         </p:txBody>
       </p:sp>
@@ -3737,7 +3687,7 @@
         </p:nvSpPr>
         <p:spPr>
           <a:xfrm>
-            <a:off x="1763688" y="4515965"/>
+            <a:off x="1763688" y="4640237"/>
             <a:ext cx="1512168" cy="307777"/>
           </a:xfrm>
           <a:prstGeom prst="rect">
@@ -3753,7 +3703,7 @@
           <a:p>
             <a:pPr algn="ctr"/>
             <a:r>
-              <a:rPr lang="en-US" altLang="ko-KR" sz="1400" dirty="0" smtClean="0"/>
+              <a:rPr lang="en-US" altLang="ko-KR" sz="1400" dirty="0"/>
               <a:t>Rack A</a:t>
             </a:r>
             <a:endParaRPr lang="ko-KR" altLang="en-US" sz="1400" dirty="0"/>
@@ -3768,7 +3718,7 @@
         </p:nvSpPr>
         <p:spPr>
           <a:xfrm>
-            <a:off x="6282189" y="4515964"/>
+            <a:off x="6282189" y="4640236"/>
             <a:ext cx="1512168" cy="307777"/>
           </a:xfrm>
           <a:prstGeom prst="rect">
@@ -3784,7 +3734,7 @@
           <a:p>
             <a:pPr algn="ctr"/>
             <a:r>
-              <a:rPr lang="en-US" altLang="ko-KR" sz="1400" dirty="0" smtClean="0"/>
+              <a:rPr lang="en-US" altLang="ko-KR" sz="1400" dirty="0"/>
               <a:t>Rack B</a:t>
             </a:r>
             <a:endParaRPr lang="ko-KR" altLang="en-US" sz="1400" dirty="0"/>
@@ -3799,7 +3749,7 @@
         </p:nvSpPr>
         <p:spPr>
           <a:xfrm rot="16200000">
-            <a:off x="2375757" y="3039801"/>
+            <a:off x="2375757" y="3164073"/>
             <a:ext cx="288033" cy="2664295"/>
           </a:xfrm>
           <a:prstGeom prst="leftBrace">
@@ -3842,7 +3792,7 @@
         </p:nvSpPr>
         <p:spPr>
           <a:xfrm rot="16200000">
-            <a:off x="6894257" y="3705874"/>
+            <a:off x="6894257" y="3830146"/>
             <a:ext cx="288033" cy="1332147"/>
           </a:xfrm>
           <a:prstGeom prst="leftBrace">
@@ -3877,16 +3827,1167 @@
           </a:p>
         </p:txBody>
       </p:sp>
-      <p:sp>
-        <p:nvSpPr>
-          <p:cNvPr id="27" name="모서리가 둥근 직사각형 26"/>
+      <p:grpSp>
+        <p:nvGrpSpPr>
+          <p:cNvPr id="4" name="그룹 3">
+            <a:extLst>
+              <a:ext uri="{FF2B5EF4-FFF2-40B4-BE49-F238E27FC236}">
+                <a16:creationId xmlns:a16="http://schemas.microsoft.com/office/drawing/2014/main" id="{E4CBD3F0-0276-45C5-9B75-45FAF65CDA95}"/>
+              </a:ext>
+            </a:extLst>
+          </p:cNvPr>
+          <p:cNvGrpSpPr/>
+          <p:nvPr/>
+        </p:nvGrpSpPr>
+        <p:grpSpPr>
+          <a:xfrm>
+            <a:off x="1939209" y="3128070"/>
+            <a:ext cx="1152128" cy="1224136"/>
+            <a:chOff x="1979712" y="3003798"/>
+            <a:chExt cx="1152128" cy="1224136"/>
+          </a:xfrm>
+        </p:grpSpPr>
+        <p:sp>
+          <p:nvSpPr>
+            <p:cNvPr id="19" name="모서리가 둥근 직사각형 18"/>
+            <p:cNvSpPr/>
+            <p:nvPr/>
+          </p:nvSpPr>
+          <p:spPr>
+            <a:xfrm>
+              <a:off x="1979712" y="3003798"/>
+              <a:ext cx="1152128" cy="1224136"/>
+            </a:xfrm>
+            <a:prstGeom prst="roundRect">
+              <a:avLst>
+                <a:gd name="adj" fmla="val 4069"/>
+              </a:avLst>
+            </a:prstGeom>
+          </p:spPr>
+          <p:style>
+            <a:lnRef idx="2">
+              <a:schemeClr val="dk1"/>
+            </a:lnRef>
+            <a:fillRef idx="1">
+              <a:schemeClr val="lt1"/>
+            </a:fillRef>
+            <a:effectRef idx="0">
+              <a:schemeClr val="dk1"/>
+            </a:effectRef>
+            <a:fontRef idx="minor">
+              <a:schemeClr val="dk1"/>
+            </a:fontRef>
+          </p:style>
+          <p:txBody>
+            <a:bodyPr rtlCol="0" anchor="b"/>
+            <a:lstStyle/>
+            <a:p>
+              <a:pPr algn="ctr"/>
+              <a:r>
+                <a:rPr lang="en-US" altLang="ko-KR" sz="1400"/>
+                <a:t>Data Node</a:t>
+              </a:r>
+              <a:endParaRPr lang="ko-KR" altLang="en-US" sz="1400" dirty="0"/>
+            </a:p>
+          </p:txBody>
+        </p:sp>
+        <p:sp>
+          <p:nvSpPr>
+            <p:cNvPr id="35" name="모서리가 둥근 직사각형 34"/>
+            <p:cNvSpPr/>
+            <p:nvPr/>
+          </p:nvSpPr>
+          <p:spPr>
+            <a:xfrm>
+              <a:off x="2123728" y="3128207"/>
+              <a:ext cx="288032" cy="307639"/>
+            </a:xfrm>
+            <a:prstGeom prst="roundRect">
+              <a:avLst>
+                <a:gd name="adj" fmla="val 4069"/>
+              </a:avLst>
+            </a:prstGeom>
+          </p:spPr>
+          <p:style>
+            <a:lnRef idx="2">
+              <a:schemeClr val="dk1"/>
+            </a:lnRef>
+            <a:fillRef idx="1">
+              <a:schemeClr val="lt1"/>
+            </a:fillRef>
+            <a:effectRef idx="0">
+              <a:schemeClr val="dk1"/>
+            </a:effectRef>
+            <a:fontRef idx="minor">
+              <a:schemeClr val="dk1"/>
+            </a:fontRef>
+          </p:style>
+          <p:txBody>
+            <a:bodyPr rtlCol="0" anchor="b"/>
+            <a:lstStyle/>
+            <a:p>
+              <a:pPr algn="ctr"/>
+              <a:endParaRPr lang="ko-KR" altLang="en-US" sz="1400" dirty="0"/>
+            </a:p>
+          </p:txBody>
+        </p:sp>
+        <p:sp>
+          <p:nvSpPr>
+            <p:cNvPr id="41" name="모서리가 둥근 직사각형 40"/>
+            <p:cNvSpPr/>
+            <p:nvPr/>
+          </p:nvSpPr>
+          <p:spPr>
+            <a:xfrm>
+              <a:off x="2699792" y="3128207"/>
+              <a:ext cx="288032" cy="307639"/>
+            </a:xfrm>
+            <a:prstGeom prst="roundRect">
+              <a:avLst>
+                <a:gd name="adj" fmla="val 4069"/>
+              </a:avLst>
+            </a:prstGeom>
+          </p:spPr>
+          <p:style>
+            <a:lnRef idx="2">
+              <a:schemeClr val="dk1"/>
+            </a:lnRef>
+            <a:fillRef idx="1">
+              <a:schemeClr val="lt1"/>
+            </a:fillRef>
+            <a:effectRef idx="0">
+              <a:schemeClr val="dk1"/>
+            </a:effectRef>
+            <a:fontRef idx="minor">
+              <a:schemeClr val="dk1"/>
+            </a:fontRef>
+          </p:style>
+          <p:txBody>
+            <a:bodyPr rtlCol="0" anchor="b"/>
+            <a:lstStyle/>
+            <a:p>
+              <a:pPr algn="ctr"/>
+              <a:endParaRPr lang="ko-KR" altLang="en-US" sz="1400" dirty="0"/>
+            </a:p>
+          </p:txBody>
+        </p:sp>
+        <p:sp>
+          <p:nvSpPr>
+            <p:cNvPr id="42" name="모서리가 둥근 직사각형 41"/>
+            <p:cNvSpPr/>
+            <p:nvPr/>
+          </p:nvSpPr>
+          <p:spPr>
+            <a:xfrm>
+              <a:off x="2123728" y="3579862"/>
+              <a:ext cx="288032" cy="307639"/>
+            </a:xfrm>
+            <a:prstGeom prst="roundRect">
+              <a:avLst>
+                <a:gd name="adj" fmla="val 4069"/>
+              </a:avLst>
+            </a:prstGeom>
+          </p:spPr>
+          <p:style>
+            <a:lnRef idx="2">
+              <a:schemeClr val="dk1"/>
+            </a:lnRef>
+            <a:fillRef idx="1">
+              <a:schemeClr val="lt1"/>
+            </a:fillRef>
+            <a:effectRef idx="0">
+              <a:schemeClr val="dk1"/>
+            </a:effectRef>
+            <a:fontRef idx="minor">
+              <a:schemeClr val="dk1"/>
+            </a:fontRef>
+          </p:style>
+          <p:txBody>
+            <a:bodyPr rtlCol="0" anchor="b"/>
+            <a:lstStyle/>
+            <a:p>
+              <a:pPr algn="ctr"/>
+              <a:endParaRPr lang="ko-KR" altLang="en-US" sz="1400" dirty="0"/>
+            </a:p>
+          </p:txBody>
+        </p:sp>
+        <p:sp>
+          <p:nvSpPr>
+            <p:cNvPr id="43" name="모서리가 둥근 직사각형 42"/>
+            <p:cNvSpPr/>
+            <p:nvPr/>
+          </p:nvSpPr>
+          <p:spPr>
+            <a:xfrm>
+              <a:off x="2699792" y="3579862"/>
+              <a:ext cx="288032" cy="307639"/>
+            </a:xfrm>
+            <a:prstGeom prst="roundRect">
+              <a:avLst>
+                <a:gd name="adj" fmla="val 4069"/>
+              </a:avLst>
+            </a:prstGeom>
+          </p:spPr>
+          <p:style>
+            <a:lnRef idx="2">
+              <a:schemeClr val="dk1"/>
+            </a:lnRef>
+            <a:fillRef idx="1">
+              <a:schemeClr val="lt1"/>
+            </a:fillRef>
+            <a:effectRef idx="0">
+              <a:schemeClr val="dk1"/>
+            </a:effectRef>
+            <a:fontRef idx="minor">
+              <a:schemeClr val="dk1"/>
+            </a:fontRef>
+          </p:style>
+          <p:txBody>
+            <a:bodyPr rtlCol="0" anchor="b"/>
+            <a:lstStyle/>
+            <a:p>
+              <a:pPr algn="ctr"/>
+              <a:endParaRPr lang="ko-KR" altLang="en-US" sz="1400" dirty="0"/>
+            </a:p>
+          </p:txBody>
+        </p:sp>
+      </p:grpSp>
+      <p:grpSp>
+        <p:nvGrpSpPr>
+          <p:cNvPr id="23" name="그룹 22">
+            <a:extLst>
+              <a:ext uri="{FF2B5EF4-FFF2-40B4-BE49-F238E27FC236}">
+                <a16:creationId xmlns:a16="http://schemas.microsoft.com/office/drawing/2014/main" id="{342A61BC-982B-4E38-81C1-E9282268511A}"/>
+              </a:ext>
+            </a:extLst>
+          </p:cNvPr>
+          <p:cNvGrpSpPr/>
+          <p:nvPr/>
+        </p:nvGrpSpPr>
+        <p:grpSpPr>
+          <a:xfrm>
+            <a:off x="613624" y="3128070"/>
+            <a:ext cx="1152128" cy="1224136"/>
+            <a:chOff x="1979712" y="3003798"/>
+            <a:chExt cx="1152128" cy="1224136"/>
+          </a:xfrm>
+        </p:grpSpPr>
+        <p:sp>
+          <p:nvSpPr>
+            <p:cNvPr id="25" name="모서리가 둥근 직사각형 18">
+              <a:extLst>
+                <a:ext uri="{FF2B5EF4-FFF2-40B4-BE49-F238E27FC236}">
+                  <a16:creationId xmlns:a16="http://schemas.microsoft.com/office/drawing/2014/main" id="{E4DAA65D-0B5C-4320-8447-5DA2D58810D6}"/>
+                </a:ext>
+              </a:extLst>
+            </p:cNvPr>
+            <p:cNvSpPr/>
+            <p:nvPr/>
+          </p:nvSpPr>
+          <p:spPr>
+            <a:xfrm>
+              <a:off x="1979712" y="3003798"/>
+              <a:ext cx="1152128" cy="1224136"/>
+            </a:xfrm>
+            <a:prstGeom prst="roundRect">
+              <a:avLst>
+                <a:gd name="adj" fmla="val 4069"/>
+              </a:avLst>
+            </a:prstGeom>
+          </p:spPr>
+          <p:style>
+            <a:lnRef idx="2">
+              <a:schemeClr val="dk1"/>
+            </a:lnRef>
+            <a:fillRef idx="1">
+              <a:schemeClr val="lt1"/>
+            </a:fillRef>
+            <a:effectRef idx="0">
+              <a:schemeClr val="dk1"/>
+            </a:effectRef>
+            <a:fontRef idx="minor">
+              <a:schemeClr val="dk1"/>
+            </a:fontRef>
+          </p:style>
+          <p:txBody>
+            <a:bodyPr rtlCol="0" anchor="b"/>
+            <a:lstStyle/>
+            <a:p>
+              <a:pPr algn="ctr"/>
+              <a:r>
+                <a:rPr lang="en-US" altLang="ko-KR" sz="1400"/>
+                <a:t>Data Node</a:t>
+              </a:r>
+              <a:endParaRPr lang="ko-KR" altLang="en-US" sz="1400" dirty="0"/>
+            </a:p>
+          </p:txBody>
+        </p:sp>
+        <p:sp>
+          <p:nvSpPr>
+            <p:cNvPr id="31" name="모서리가 둥근 직사각형 34">
+              <a:extLst>
+                <a:ext uri="{FF2B5EF4-FFF2-40B4-BE49-F238E27FC236}">
+                  <a16:creationId xmlns:a16="http://schemas.microsoft.com/office/drawing/2014/main" id="{51DB3436-FBC1-4FD0-92E8-9695BC0A8486}"/>
+                </a:ext>
+              </a:extLst>
+            </p:cNvPr>
+            <p:cNvSpPr/>
+            <p:nvPr/>
+          </p:nvSpPr>
+          <p:spPr>
+            <a:xfrm>
+              <a:off x="2123728" y="3128207"/>
+              <a:ext cx="288032" cy="307639"/>
+            </a:xfrm>
+            <a:prstGeom prst="roundRect">
+              <a:avLst>
+                <a:gd name="adj" fmla="val 4069"/>
+              </a:avLst>
+            </a:prstGeom>
+          </p:spPr>
+          <p:style>
+            <a:lnRef idx="2">
+              <a:schemeClr val="dk1"/>
+            </a:lnRef>
+            <a:fillRef idx="1">
+              <a:schemeClr val="lt1"/>
+            </a:fillRef>
+            <a:effectRef idx="0">
+              <a:schemeClr val="dk1"/>
+            </a:effectRef>
+            <a:fontRef idx="minor">
+              <a:schemeClr val="dk1"/>
+            </a:fontRef>
+          </p:style>
+          <p:txBody>
+            <a:bodyPr rtlCol="0" anchor="b"/>
+            <a:lstStyle/>
+            <a:p>
+              <a:pPr algn="ctr"/>
+              <a:endParaRPr lang="ko-KR" altLang="en-US" sz="1400" dirty="0"/>
+            </a:p>
+          </p:txBody>
+        </p:sp>
+        <p:sp>
+          <p:nvSpPr>
+            <p:cNvPr id="32" name="모서리가 둥근 직사각형 40">
+              <a:extLst>
+                <a:ext uri="{FF2B5EF4-FFF2-40B4-BE49-F238E27FC236}">
+                  <a16:creationId xmlns:a16="http://schemas.microsoft.com/office/drawing/2014/main" id="{C7B91E22-A5E2-4089-B1B9-F12D8B89068B}"/>
+                </a:ext>
+              </a:extLst>
+            </p:cNvPr>
+            <p:cNvSpPr/>
+            <p:nvPr/>
+          </p:nvSpPr>
+          <p:spPr>
+            <a:xfrm>
+              <a:off x="2699792" y="3128207"/>
+              <a:ext cx="288032" cy="307639"/>
+            </a:xfrm>
+            <a:prstGeom prst="roundRect">
+              <a:avLst>
+                <a:gd name="adj" fmla="val 4069"/>
+              </a:avLst>
+            </a:prstGeom>
+          </p:spPr>
+          <p:style>
+            <a:lnRef idx="2">
+              <a:schemeClr val="dk1"/>
+            </a:lnRef>
+            <a:fillRef idx="1">
+              <a:schemeClr val="lt1"/>
+            </a:fillRef>
+            <a:effectRef idx="0">
+              <a:schemeClr val="dk1"/>
+            </a:effectRef>
+            <a:fontRef idx="minor">
+              <a:schemeClr val="dk1"/>
+            </a:fontRef>
+          </p:style>
+          <p:txBody>
+            <a:bodyPr rtlCol="0" anchor="b"/>
+            <a:lstStyle/>
+            <a:p>
+              <a:pPr algn="ctr"/>
+              <a:endParaRPr lang="ko-KR" altLang="en-US" sz="1400" dirty="0"/>
+            </a:p>
+          </p:txBody>
+        </p:sp>
+        <p:sp>
+          <p:nvSpPr>
+            <p:cNvPr id="33" name="모서리가 둥근 직사각형 41">
+              <a:extLst>
+                <a:ext uri="{FF2B5EF4-FFF2-40B4-BE49-F238E27FC236}">
+                  <a16:creationId xmlns:a16="http://schemas.microsoft.com/office/drawing/2014/main" id="{53076EB5-7891-4EAB-BC6C-19282E8464F1}"/>
+                </a:ext>
+              </a:extLst>
+            </p:cNvPr>
+            <p:cNvSpPr/>
+            <p:nvPr/>
+          </p:nvSpPr>
+          <p:spPr>
+            <a:xfrm>
+              <a:off x="2123728" y="3579862"/>
+              <a:ext cx="288032" cy="307639"/>
+            </a:xfrm>
+            <a:prstGeom prst="roundRect">
+              <a:avLst>
+                <a:gd name="adj" fmla="val 4069"/>
+              </a:avLst>
+            </a:prstGeom>
+          </p:spPr>
+          <p:style>
+            <a:lnRef idx="2">
+              <a:schemeClr val="dk1"/>
+            </a:lnRef>
+            <a:fillRef idx="1">
+              <a:schemeClr val="lt1"/>
+            </a:fillRef>
+            <a:effectRef idx="0">
+              <a:schemeClr val="dk1"/>
+            </a:effectRef>
+            <a:fontRef idx="minor">
+              <a:schemeClr val="dk1"/>
+            </a:fontRef>
+          </p:style>
+          <p:txBody>
+            <a:bodyPr rtlCol="0" anchor="b"/>
+            <a:lstStyle/>
+            <a:p>
+              <a:pPr algn="ctr"/>
+              <a:endParaRPr lang="ko-KR" altLang="en-US" sz="1400" dirty="0"/>
+            </a:p>
+          </p:txBody>
+        </p:sp>
+      </p:grpSp>
+      <p:grpSp>
+        <p:nvGrpSpPr>
+          <p:cNvPr id="36" name="그룹 35">
+            <a:extLst>
+              <a:ext uri="{FF2B5EF4-FFF2-40B4-BE49-F238E27FC236}">
+                <a16:creationId xmlns:a16="http://schemas.microsoft.com/office/drawing/2014/main" id="{3EC46D35-7A90-44D7-8278-41B8F2FC71B0}"/>
+              </a:ext>
+            </a:extLst>
+          </p:cNvPr>
+          <p:cNvGrpSpPr/>
+          <p:nvPr/>
+        </p:nvGrpSpPr>
+        <p:grpSpPr>
+          <a:xfrm>
+            <a:off x="3275857" y="3128070"/>
+            <a:ext cx="1152128" cy="1224136"/>
+            <a:chOff x="1979712" y="3003798"/>
+            <a:chExt cx="1152128" cy="1224136"/>
+          </a:xfrm>
+        </p:grpSpPr>
+        <p:sp>
+          <p:nvSpPr>
+            <p:cNvPr id="37" name="모서리가 둥근 직사각형 18">
+              <a:extLst>
+                <a:ext uri="{FF2B5EF4-FFF2-40B4-BE49-F238E27FC236}">
+                  <a16:creationId xmlns:a16="http://schemas.microsoft.com/office/drawing/2014/main" id="{447949EE-6621-47C9-971C-8366E2A9523F}"/>
+                </a:ext>
+              </a:extLst>
+            </p:cNvPr>
+            <p:cNvSpPr/>
+            <p:nvPr/>
+          </p:nvSpPr>
+          <p:spPr>
+            <a:xfrm>
+              <a:off x="1979712" y="3003798"/>
+              <a:ext cx="1152128" cy="1224136"/>
+            </a:xfrm>
+            <a:prstGeom prst="roundRect">
+              <a:avLst>
+                <a:gd name="adj" fmla="val 4069"/>
+              </a:avLst>
+            </a:prstGeom>
+          </p:spPr>
+          <p:style>
+            <a:lnRef idx="2">
+              <a:schemeClr val="dk1"/>
+            </a:lnRef>
+            <a:fillRef idx="1">
+              <a:schemeClr val="lt1"/>
+            </a:fillRef>
+            <a:effectRef idx="0">
+              <a:schemeClr val="dk1"/>
+            </a:effectRef>
+            <a:fontRef idx="minor">
+              <a:schemeClr val="dk1"/>
+            </a:fontRef>
+          </p:style>
+          <p:txBody>
+            <a:bodyPr rtlCol="0" anchor="b"/>
+            <a:lstStyle/>
+            <a:p>
+              <a:pPr algn="ctr"/>
+              <a:r>
+                <a:rPr lang="en-US" altLang="ko-KR" sz="1400"/>
+                <a:t>Data Node</a:t>
+              </a:r>
+              <a:endParaRPr lang="ko-KR" altLang="en-US" sz="1400" dirty="0"/>
+            </a:p>
+          </p:txBody>
+        </p:sp>
+        <p:sp>
+          <p:nvSpPr>
+            <p:cNvPr id="38" name="모서리가 둥근 직사각형 34">
+              <a:extLst>
+                <a:ext uri="{FF2B5EF4-FFF2-40B4-BE49-F238E27FC236}">
+                  <a16:creationId xmlns:a16="http://schemas.microsoft.com/office/drawing/2014/main" id="{C366851F-09C1-4E17-B3BC-FFF3536748B0}"/>
+                </a:ext>
+              </a:extLst>
+            </p:cNvPr>
+            <p:cNvSpPr/>
+            <p:nvPr/>
+          </p:nvSpPr>
+          <p:spPr>
+            <a:xfrm>
+              <a:off x="2123728" y="3128207"/>
+              <a:ext cx="288032" cy="307639"/>
+            </a:xfrm>
+            <a:prstGeom prst="roundRect">
+              <a:avLst>
+                <a:gd name="adj" fmla="val 4069"/>
+              </a:avLst>
+            </a:prstGeom>
+          </p:spPr>
+          <p:style>
+            <a:lnRef idx="2">
+              <a:schemeClr val="dk1"/>
+            </a:lnRef>
+            <a:fillRef idx="1">
+              <a:schemeClr val="lt1"/>
+            </a:fillRef>
+            <a:effectRef idx="0">
+              <a:schemeClr val="dk1"/>
+            </a:effectRef>
+            <a:fontRef idx="minor">
+              <a:schemeClr val="dk1"/>
+            </a:fontRef>
+          </p:style>
+          <p:txBody>
+            <a:bodyPr rtlCol="0" anchor="b"/>
+            <a:lstStyle/>
+            <a:p>
+              <a:pPr algn="ctr"/>
+              <a:endParaRPr lang="ko-KR" altLang="en-US" sz="1400" dirty="0"/>
+            </a:p>
+          </p:txBody>
+        </p:sp>
+        <p:sp>
+          <p:nvSpPr>
+            <p:cNvPr id="39" name="모서리가 둥근 직사각형 40">
+              <a:extLst>
+                <a:ext uri="{FF2B5EF4-FFF2-40B4-BE49-F238E27FC236}">
+                  <a16:creationId xmlns:a16="http://schemas.microsoft.com/office/drawing/2014/main" id="{BE8ED1CA-3731-4889-B293-FB1133752843}"/>
+                </a:ext>
+              </a:extLst>
+            </p:cNvPr>
+            <p:cNvSpPr/>
+            <p:nvPr/>
+          </p:nvSpPr>
+          <p:spPr>
+            <a:xfrm>
+              <a:off x="2699792" y="3128207"/>
+              <a:ext cx="288032" cy="307639"/>
+            </a:xfrm>
+            <a:prstGeom prst="roundRect">
+              <a:avLst>
+                <a:gd name="adj" fmla="val 4069"/>
+              </a:avLst>
+            </a:prstGeom>
+          </p:spPr>
+          <p:style>
+            <a:lnRef idx="2">
+              <a:schemeClr val="dk1"/>
+            </a:lnRef>
+            <a:fillRef idx="1">
+              <a:schemeClr val="lt1"/>
+            </a:fillRef>
+            <a:effectRef idx="0">
+              <a:schemeClr val="dk1"/>
+            </a:effectRef>
+            <a:fontRef idx="minor">
+              <a:schemeClr val="dk1"/>
+            </a:fontRef>
+          </p:style>
+          <p:txBody>
+            <a:bodyPr rtlCol="0" anchor="b"/>
+            <a:lstStyle/>
+            <a:p>
+              <a:pPr algn="ctr"/>
+              <a:endParaRPr lang="ko-KR" altLang="en-US" sz="1400" dirty="0"/>
+            </a:p>
+          </p:txBody>
+        </p:sp>
+        <p:sp>
+          <p:nvSpPr>
+            <p:cNvPr id="40" name="모서리가 둥근 직사각형 41">
+              <a:extLst>
+                <a:ext uri="{FF2B5EF4-FFF2-40B4-BE49-F238E27FC236}">
+                  <a16:creationId xmlns:a16="http://schemas.microsoft.com/office/drawing/2014/main" id="{A4E86251-4C93-4239-A8F1-325115918867}"/>
+                </a:ext>
+              </a:extLst>
+            </p:cNvPr>
+            <p:cNvSpPr/>
+            <p:nvPr/>
+          </p:nvSpPr>
+          <p:spPr>
+            <a:xfrm>
+              <a:off x="2123728" y="3579862"/>
+              <a:ext cx="288032" cy="307639"/>
+            </a:xfrm>
+            <a:prstGeom prst="roundRect">
+              <a:avLst>
+                <a:gd name="adj" fmla="val 4069"/>
+              </a:avLst>
+            </a:prstGeom>
+          </p:spPr>
+          <p:style>
+            <a:lnRef idx="2">
+              <a:schemeClr val="dk1"/>
+            </a:lnRef>
+            <a:fillRef idx="1">
+              <a:schemeClr val="lt1"/>
+            </a:fillRef>
+            <a:effectRef idx="0">
+              <a:schemeClr val="dk1"/>
+            </a:effectRef>
+            <a:fontRef idx="minor">
+              <a:schemeClr val="dk1"/>
+            </a:fontRef>
+          </p:style>
+          <p:txBody>
+            <a:bodyPr rtlCol="0" anchor="b"/>
+            <a:lstStyle/>
+            <a:p>
+              <a:pPr algn="ctr"/>
+              <a:endParaRPr lang="ko-KR" altLang="en-US" sz="1400" dirty="0"/>
+            </a:p>
+          </p:txBody>
+        </p:sp>
+      </p:grpSp>
+      <p:grpSp>
+        <p:nvGrpSpPr>
+          <p:cNvPr id="45" name="그룹 44">
+            <a:extLst>
+              <a:ext uri="{FF2B5EF4-FFF2-40B4-BE49-F238E27FC236}">
+                <a16:creationId xmlns:a16="http://schemas.microsoft.com/office/drawing/2014/main" id="{346422BE-21F7-4565-A08C-0EE7FDE238E5}"/>
+              </a:ext>
+            </a:extLst>
+          </p:cNvPr>
+          <p:cNvGrpSpPr/>
+          <p:nvPr/>
+        </p:nvGrpSpPr>
+        <p:grpSpPr>
+          <a:xfrm>
+            <a:off x="5796136" y="3128070"/>
+            <a:ext cx="1152128" cy="1224136"/>
+            <a:chOff x="1979712" y="3003798"/>
+            <a:chExt cx="1152128" cy="1224136"/>
+          </a:xfrm>
+        </p:grpSpPr>
+        <p:sp>
+          <p:nvSpPr>
+            <p:cNvPr id="46" name="모서리가 둥근 직사각형 18">
+              <a:extLst>
+                <a:ext uri="{FF2B5EF4-FFF2-40B4-BE49-F238E27FC236}">
+                  <a16:creationId xmlns:a16="http://schemas.microsoft.com/office/drawing/2014/main" id="{51BD0C12-2C36-4B79-A248-884CB05DC550}"/>
+                </a:ext>
+              </a:extLst>
+            </p:cNvPr>
+            <p:cNvSpPr/>
+            <p:nvPr/>
+          </p:nvSpPr>
+          <p:spPr>
+            <a:xfrm>
+              <a:off x="1979712" y="3003798"/>
+              <a:ext cx="1152128" cy="1224136"/>
+            </a:xfrm>
+            <a:prstGeom prst="roundRect">
+              <a:avLst>
+                <a:gd name="adj" fmla="val 4069"/>
+              </a:avLst>
+            </a:prstGeom>
+          </p:spPr>
+          <p:style>
+            <a:lnRef idx="2">
+              <a:schemeClr val="dk1"/>
+            </a:lnRef>
+            <a:fillRef idx="1">
+              <a:schemeClr val="lt1"/>
+            </a:fillRef>
+            <a:effectRef idx="0">
+              <a:schemeClr val="dk1"/>
+            </a:effectRef>
+            <a:fontRef idx="minor">
+              <a:schemeClr val="dk1"/>
+            </a:fontRef>
+          </p:style>
+          <p:txBody>
+            <a:bodyPr rtlCol="0" anchor="b"/>
+            <a:lstStyle/>
+            <a:p>
+              <a:pPr algn="ctr"/>
+              <a:r>
+                <a:rPr lang="en-US" altLang="ko-KR" sz="1400"/>
+                <a:t>Data Node</a:t>
+              </a:r>
+              <a:endParaRPr lang="ko-KR" altLang="en-US" sz="1400" dirty="0"/>
+            </a:p>
+          </p:txBody>
+        </p:sp>
+        <p:sp>
+          <p:nvSpPr>
+            <p:cNvPr id="47" name="모서리가 둥근 직사각형 34">
+              <a:extLst>
+                <a:ext uri="{FF2B5EF4-FFF2-40B4-BE49-F238E27FC236}">
+                  <a16:creationId xmlns:a16="http://schemas.microsoft.com/office/drawing/2014/main" id="{F143A0D7-943F-4882-8CC4-6F389CB53B57}"/>
+                </a:ext>
+              </a:extLst>
+            </p:cNvPr>
+            <p:cNvSpPr/>
+            <p:nvPr/>
+          </p:nvSpPr>
+          <p:spPr>
+            <a:xfrm>
+              <a:off x="2123728" y="3128207"/>
+              <a:ext cx="288032" cy="307639"/>
+            </a:xfrm>
+            <a:prstGeom prst="roundRect">
+              <a:avLst>
+                <a:gd name="adj" fmla="val 4069"/>
+              </a:avLst>
+            </a:prstGeom>
+          </p:spPr>
+          <p:style>
+            <a:lnRef idx="2">
+              <a:schemeClr val="dk1"/>
+            </a:lnRef>
+            <a:fillRef idx="1">
+              <a:schemeClr val="lt1"/>
+            </a:fillRef>
+            <a:effectRef idx="0">
+              <a:schemeClr val="dk1"/>
+            </a:effectRef>
+            <a:fontRef idx="minor">
+              <a:schemeClr val="dk1"/>
+            </a:fontRef>
+          </p:style>
+          <p:txBody>
+            <a:bodyPr rtlCol="0" anchor="b"/>
+            <a:lstStyle/>
+            <a:p>
+              <a:pPr algn="ctr"/>
+              <a:endParaRPr lang="ko-KR" altLang="en-US" sz="1400" dirty="0"/>
+            </a:p>
+          </p:txBody>
+        </p:sp>
+        <p:sp>
+          <p:nvSpPr>
+            <p:cNvPr id="48" name="모서리가 둥근 직사각형 40">
+              <a:extLst>
+                <a:ext uri="{FF2B5EF4-FFF2-40B4-BE49-F238E27FC236}">
+                  <a16:creationId xmlns:a16="http://schemas.microsoft.com/office/drawing/2014/main" id="{9EE9E9B9-6D4F-459F-8B7C-1BFD98D1B823}"/>
+                </a:ext>
+              </a:extLst>
+            </p:cNvPr>
+            <p:cNvSpPr/>
+            <p:nvPr/>
+          </p:nvSpPr>
+          <p:spPr>
+            <a:xfrm>
+              <a:off x="2699792" y="3128207"/>
+              <a:ext cx="288032" cy="307639"/>
+            </a:xfrm>
+            <a:prstGeom prst="roundRect">
+              <a:avLst>
+                <a:gd name="adj" fmla="val 4069"/>
+              </a:avLst>
+            </a:prstGeom>
+          </p:spPr>
+          <p:style>
+            <a:lnRef idx="2">
+              <a:schemeClr val="dk1"/>
+            </a:lnRef>
+            <a:fillRef idx="1">
+              <a:schemeClr val="lt1"/>
+            </a:fillRef>
+            <a:effectRef idx="0">
+              <a:schemeClr val="dk1"/>
+            </a:effectRef>
+            <a:fontRef idx="minor">
+              <a:schemeClr val="dk1"/>
+            </a:fontRef>
+          </p:style>
+          <p:txBody>
+            <a:bodyPr rtlCol="0" anchor="b"/>
+            <a:lstStyle/>
+            <a:p>
+              <a:pPr algn="ctr"/>
+              <a:endParaRPr lang="ko-KR" altLang="en-US" sz="1400" dirty="0"/>
+            </a:p>
+          </p:txBody>
+        </p:sp>
+        <p:sp>
+          <p:nvSpPr>
+            <p:cNvPr id="49" name="모서리가 둥근 직사각형 41">
+              <a:extLst>
+                <a:ext uri="{FF2B5EF4-FFF2-40B4-BE49-F238E27FC236}">
+                  <a16:creationId xmlns:a16="http://schemas.microsoft.com/office/drawing/2014/main" id="{28F4D104-9CD4-49B4-9DD7-D5CA9188CE00}"/>
+                </a:ext>
+              </a:extLst>
+            </p:cNvPr>
+            <p:cNvSpPr/>
+            <p:nvPr/>
+          </p:nvSpPr>
+          <p:spPr>
+            <a:xfrm>
+              <a:off x="2123728" y="3579862"/>
+              <a:ext cx="288032" cy="307639"/>
+            </a:xfrm>
+            <a:prstGeom prst="roundRect">
+              <a:avLst>
+                <a:gd name="adj" fmla="val 4069"/>
+              </a:avLst>
+            </a:prstGeom>
+          </p:spPr>
+          <p:style>
+            <a:lnRef idx="2">
+              <a:schemeClr val="dk1"/>
+            </a:lnRef>
+            <a:fillRef idx="1">
+              <a:schemeClr val="lt1"/>
+            </a:fillRef>
+            <a:effectRef idx="0">
+              <a:schemeClr val="dk1"/>
+            </a:effectRef>
+            <a:fontRef idx="minor">
+              <a:schemeClr val="dk1"/>
+            </a:fontRef>
+          </p:style>
+          <p:txBody>
+            <a:bodyPr rtlCol="0" anchor="b"/>
+            <a:lstStyle/>
+            <a:p>
+              <a:pPr algn="ctr"/>
+              <a:endParaRPr lang="ko-KR" altLang="en-US" sz="1400" dirty="0"/>
+            </a:p>
+          </p:txBody>
+        </p:sp>
+      </p:grpSp>
+      <p:grpSp>
+        <p:nvGrpSpPr>
+          <p:cNvPr id="51" name="그룹 50">
+            <a:extLst>
+              <a:ext uri="{FF2B5EF4-FFF2-40B4-BE49-F238E27FC236}">
+                <a16:creationId xmlns:a16="http://schemas.microsoft.com/office/drawing/2014/main" id="{3EB80419-83CC-4387-ABD1-C0B2EC659FE4}"/>
+              </a:ext>
+            </a:extLst>
+          </p:cNvPr>
+          <p:cNvGrpSpPr/>
+          <p:nvPr/>
+        </p:nvGrpSpPr>
+        <p:grpSpPr>
+          <a:xfrm>
+            <a:off x="7128283" y="3128070"/>
+            <a:ext cx="1152128" cy="1224136"/>
+            <a:chOff x="1979712" y="3003798"/>
+            <a:chExt cx="1152128" cy="1224136"/>
+          </a:xfrm>
+        </p:grpSpPr>
+        <p:sp>
+          <p:nvSpPr>
+            <p:cNvPr id="52" name="모서리가 둥근 직사각형 18">
+              <a:extLst>
+                <a:ext uri="{FF2B5EF4-FFF2-40B4-BE49-F238E27FC236}">
+                  <a16:creationId xmlns:a16="http://schemas.microsoft.com/office/drawing/2014/main" id="{4EABDA9D-921C-4A30-8C03-DDCB09DBF3CB}"/>
+                </a:ext>
+              </a:extLst>
+            </p:cNvPr>
+            <p:cNvSpPr/>
+            <p:nvPr/>
+          </p:nvSpPr>
+          <p:spPr>
+            <a:xfrm>
+              <a:off x="1979712" y="3003798"/>
+              <a:ext cx="1152128" cy="1224136"/>
+            </a:xfrm>
+            <a:prstGeom prst="roundRect">
+              <a:avLst>
+                <a:gd name="adj" fmla="val 4069"/>
+              </a:avLst>
+            </a:prstGeom>
+          </p:spPr>
+          <p:style>
+            <a:lnRef idx="2">
+              <a:schemeClr val="dk1"/>
+            </a:lnRef>
+            <a:fillRef idx="1">
+              <a:schemeClr val="lt1"/>
+            </a:fillRef>
+            <a:effectRef idx="0">
+              <a:schemeClr val="dk1"/>
+            </a:effectRef>
+            <a:fontRef idx="minor">
+              <a:schemeClr val="dk1"/>
+            </a:fontRef>
+          </p:style>
+          <p:txBody>
+            <a:bodyPr rtlCol="0" anchor="b"/>
+            <a:lstStyle/>
+            <a:p>
+              <a:pPr algn="ctr"/>
+              <a:r>
+                <a:rPr lang="en-US" altLang="ko-KR" sz="1400"/>
+                <a:t>Data Node</a:t>
+              </a:r>
+              <a:endParaRPr lang="ko-KR" altLang="en-US" sz="1400" dirty="0"/>
+            </a:p>
+          </p:txBody>
+        </p:sp>
+        <p:sp>
+          <p:nvSpPr>
+            <p:cNvPr id="54" name="모서리가 둥근 직사각형 40">
+              <a:extLst>
+                <a:ext uri="{FF2B5EF4-FFF2-40B4-BE49-F238E27FC236}">
+                  <a16:creationId xmlns:a16="http://schemas.microsoft.com/office/drawing/2014/main" id="{08B10766-8517-475B-9870-2CFD1F30A555}"/>
+                </a:ext>
+              </a:extLst>
+            </p:cNvPr>
+            <p:cNvSpPr/>
+            <p:nvPr/>
+          </p:nvSpPr>
+          <p:spPr>
+            <a:xfrm>
+              <a:off x="2699792" y="3128207"/>
+              <a:ext cx="288032" cy="307639"/>
+            </a:xfrm>
+            <a:prstGeom prst="roundRect">
+              <a:avLst>
+                <a:gd name="adj" fmla="val 4069"/>
+              </a:avLst>
+            </a:prstGeom>
+          </p:spPr>
+          <p:style>
+            <a:lnRef idx="2">
+              <a:schemeClr val="dk1"/>
+            </a:lnRef>
+            <a:fillRef idx="1">
+              <a:schemeClr val="lt1"/>
+            </a:fillRef>
+            <a:effectRef idx="0">
+              <a:schemeClr val="dk1"/>
+            </a:effectRef>
+            <a:fontRef idx="minor">
+              <a:schemeClr val="dk1"/>
+            </a:fontRef>
+          </p:style>
+          <p:txBody>
+            <a:bodyPr rtlCol="0" anchor="b"/>
+            <a:lstStyle/>
+            <a:p>
+              <a:pPr algn="ctr"/>
+              <a:endParaRPr lang="ko-KR" altLang="en-US" sz="1400" dirty="0"/>
+            </a:p>
+          </p:txBody>
+        </p:sp>
+        <p:sp>
+          <p:nvSpPr>
+            <p:cNvPr id="55" name="모서리가 둥근 직사각형 41">
+              <a:extLst>
+                <a:ext uri="{FF2B5EF4-FFF2-40B4-BE49-F238E27FC236}">
+                  <a16:creationId xmlns:a16="http://schemas.microsoft.com/office/drawing/2014/main" id="{0347983C-1715-469A-B171-8EB284A9B128}"/>
+                </a:ext>
+              </a:extLst>
+            </p:cNvPr>
+            <p:cNvSpPr/>
+            <p:nvPr/>
+          </p:nvSpPr>
+          <p:spPr>
+            <a:xfrm>
+              <a:off x="2123728" y="3579862"/>
+              <a:ext cx="288032" cy="307639"/>
+            </a:xfrm>
+            <a:prstGeom prst="roundRect">
+              <a:avLst>
+                <a:gd name="adj" fmla="val 4069"/>
+              </a:avLst>
+            </a:prstGeom>
+          </p:spPr>
+          <p:style>
+            <a:lnRef idx="2">
+              <a:schemeClr val="dk1"/>
+            </a:lnRef>
+            <a:fillRef idx="1">
+              <a:schemeClr val="lt1"/>
+            </a:fillRef>
+            <a:effectRef idx="0">
+              <a:schemeClr val="dk1"/>
+            </a:effectRef>
+            <a:fontRef idx="minor">
+              <a:schemeClr val="dk1"/>
+            </a:fontRef>
+          </p:style>
+          <p:txBody>
+            <a:bodyPr rtlCol="0" anchor="b"/>
+            <a:lstStyle/>
+            <a:p>
+              <a:pPr algn="ctr"/>
+              <a:endParaRPr lang="ko-KR" altLang="en-US" sz="1400" dirty="0"/>
+            </a:p>
+          </p:txBody>
+        </p:sp>
+        <p:sp>
+          <p:nvSpPr>
+            <p:cNvPr id="56" name="모서리가 둥근 직사각형 42">
+              <a:extLst>
+                <a:ext uri="{FF2B5EF4-FFF2-40B4-BE49-F238E27FC236}">
+                  <a16:creationId xmlns:a16="http://schemas.microsoft.com/office/drawing/2014/main" id="{DDBB2DD7-2C0E-401D-96C4-86C2FC84B40F}"/>
+                </a:ext>
+              </a:extLst>
+            </p:cNvPr>
+            <p:cNvSpPr/>
+            <p:nvPr/>
+          </p:nvSpPr>
+          <p:spPr>
+            <a:xfrm>
+              <a:off x="2699792" y="3579862"/>
+              <a:ext cx="288032" cy="307639"/>
+            </a:xfrm>
+            <a:prstGeom prst="roundRect">
+              <a:avLst>
+                <a:gd name="adj" fmla="val 4069"/>
+              </a:avLst>
+            </a:prstGeom>
+          </p:spPr>
+          <p:style>
+            <a:lnRef idx="2">
+              <a:schemeClr val="dk1"/>
+            </a:lnRef>
+            <a:fillRef idx="1">
+              <a:schemeClr val="lt1"/>
+            </a:fillRef>
+            <a:effectRef idx="0">
+              <a:schemeClr val="dk1"/>
+            </a:effectRef>
+            <a:fontRef idx="minor">
+              <a:schemeClr val="dk1"/>
+            </a:fontRef>
+          </p:style>
+          <p:txBody>
+            <a:bodyPr rtlCol="0" anchor="b"/>
+            <a:lstStyle/>
+            <a:p>
+              <a:pPr algn="ctr"/>
+              <a:endParaRPr lang="ko-KR" altLang="en-US" sz="1400" dirty="0"/>
+            </a:p>
+          </p:txBody>
+        </p:sp>
+      </p:grpSp>
+      <p:cxnSp>
+        <p:nvCxnSpPr>
+          <p:cNvPr id="8" name="직선 화살표 연결선 7">
+            <a:extLst>
+              <a:ext uri="{FF2B5EF4-FFF2-40B4-BE49-F238E27FC236}">
+                <a16:creationId xmlns:a16="http://schemas.microsoft.com/office/drawing/2014/main" id="{567F7E65-650C-4857-BB31-19C2A6DB51BB}"/>
+              </a:ext>
+            </a:extLst>
+          </p:cNvPr>
+          <p:cNvCxnSpPr>
+            <a:cxnSpLocks/>
+            <a:stCxn id="37" idx="3"/>
+            <a:endCxn id="46" idx="1"/>
+          </p:cNvCxnSpPr>
+          <p:nvPr/>
+        </p:nvCxnSpPr>
+        <p:spPr>
+          <a:xfrm>
+            <a:off x="4427985" y="3740138"/>
+            <a:ext cx="1368151" cy="0"/>
+          </a:xfrm>
+          <a:prstGeom prst="straightConnector1">
+            <a:avLst/>
+          </a:prstGeom>
+          <a:ln w="28575">
+            <a:solidFill>
+              <a:schemeClr val="tx1"/>
+            </a:solidFill>
+            <a:headEnd type="arrow" w="med" len="med"/>
+            <a:tailEnd type="arrow" w="med" len="med"/>
+          </a:ln>
+        </p:spPr>
+        <p:style>
+          <a:lnRef idx="1">
+            <a:schemeClr val="accent1"/>
+          </a:lnRef>
+          <a:fillRef idx="0">
+            <a:schemeClr val="accent1"/>
+          </a:fillRef>
+          <a:effectRef idx="0">
+            <a:schemeClr val="accent1"/>
+          </a:effectRef>
+          <a:fontRef idx="minor">
+            <a:schemeClr val="tx1"/>
+          </a:fontRef>
+        </p:style>
+      </p:cxnSp>
+      <p:sp>
+        <p:nvSpPr>
+          <p:cNvPr id="9" name="TextBox 8">
+            <a:extLst>
+              <a:ext uri="{FF2B5EF4-FFF2-40B4-BE49-F238E27FC236}">
+                <a16:creationId xmlns:a16="http://schemas.microsoft.com/office/drawing/2014/main" id="{68294817-A488-45A8-B973-326D41B1515E}"/>
+              </a:ext>
+            </a:extLst>
+          </p:cNvPr>
+          <p:cNvSpPr txBox="1"/>
+          <p:nvPr/>
+        </p:nvSpPr>
+        <p:spPr>
+          <a:xfrm>
+            <a:off x="4572810" y="3435846"/>
+            <a:ext cx="1078500" cy="307777"/>
+          </a:xfrm>
+          <a:prstGeom prst="rect">
+            <a:avLst/>
+          </a:prstGeom>
+          <a:noFill/>
+        </p:spPr>
+        <p:txBody>
+          <a:bodyPr wrap="none" rtlCol="0">
+            <a:spAutoFit/>
+          </a:bodyPr>
+          <a:lstStyle/>
+          <a:p>
+            <a:pPr algn="ctr"/>
+            <a:r>
+              <a:rPr lang="en-US" altLang="ko-KR" sz="1400"/>
+              <a:t>Replication</a:t>
+            </a:r>
+            <a:endParaRPr lang="ko-KR" altLang="en-US" sz="1400"/>
+          </a:p>
+        </p:txBody>
+      </p:sp>
+      <p:sp>
+        <p:nvSpPr>
+          <p:cNvPr id="57" name="모서리가 둥근 직사각형 18">
+            <a:extLst>
+              <a:ext uri="{FF2B5EF4-FFF2-40B4-BE49-F238E27FC236}">
+                <a16:creationId xmlns:a16="http://schemas.microsoft.com/office/drawing/2014/main" id="{37FF3A74-AA80-46B4-88CF-B271893BBCCF}"/>
+              </a:ext>
+            </a:extLst>
+          </p:cNvPr>
           <p:cNvSpPr/>
           <p:nvPr/>
         </p:nvSpPr>
         <p:spPr>
           <a:xfrm>
-            <a:off x="827584" y="3128207"/>
-            <a:ext cx="288032" cy="307639"/>
+            <a:off x="2195736" y="2371163"/>
+            <a:ext cx="1080120" cy="560627"/>
           </a:xfrm>
           <a:prstGeom prst="roundRect">
             <a:avLst>
@@ -3909,24 +5010,182 @@
           </a:fontRef>
         </p:style>
         <p:txBody>
-          <a:bodyPr rtlCol="0" anchor="b"/>
+          <a:bodyPr rtlCol="0" anchor="ctr"/>
           <a:lstStyle/>
           <a:p>
             <a:pPr algn="ctr"/>
+            <a:r>
+              <a:rPr lang="en-US" altLang="ko-KR" sz="1400"/>
+              <a:t>Client</a:t>
+            </a:r>
             <a:endParaRPr lang="ko-KR" altLang="en-US" sz="1400" dirty="0"/>
           </a:p>
         </p:txBody>
       </p:sp>
-      <p:sp>
-        <p:nvSpPr>
-          <p:cNvPr id="28" name="모서리가 둥근 직사각형 27"/>
+      <p:grpSp>
+        <p:nvGrpSpPr>
+          <p:cNvPr id="172" name="그룹 171">
+            <a:extLst>
+              <a:ext uri="{FF2B5EF4-FFF2-40B4-BE49-F238E27FC236}">
+                <a16:creationId xmlns:a16="http://schemas.microsoft.com/office/drawing/2014/main" id="{AFDB73E2-CC56-46A7-9786-4FCFACA81201}"/>
+              </a:ext>
+            </a:extLst>
+          </p:cNvPr>
+          <p:cNvGrpSpPr/>
+          <p:nvPr/>
+        </p:nvGrpSpPr>
+        <p:grpSpPr>
+          <a:xfrm>
+            <a:off x="4644008" y="843558"/>
+            <a:ext cx="2623400" cy="1735909"/>
+            <a:chOff x="4932040" y="915566"/>
+            <a:chExt cx="2623400" cy="1780457"/>
+          </a:xfrm>
+        </p:grpSpPr>
+        <p:sp>
+          <p:nvSpPr>
+            <p:cNvPr id="58" name="모서리가 둥근 직사각형 18">
+              <a:extLst>
+                <a:ext uri="{FF2B5EF4-FFF2-40B4-BE49-F238E27FC236}">
+                  <a16:creationId xmlns:a16="http://schemas.microsoft.com/office/drawing/2014/main" id="{271773C0-B6D3-4AF9-B241-96B25F3262A1}"/>
+                </a:ext>
+              </a:extLst>
+            </p:cNvPr>
+            <p:cNvSpPr/>
+            <p:nvPr/>
+          </p:nvSpPr>
+          <p:spPr>
+            <a:xfrm>
+              <a:off x="4932040" y="915566"/>
+              <a:ext cx="2623400" cy="1780457"/>
+            </a:xfrm>
+            <a:prstGeom prst="roundRect">
+              <a:avLst>
+                <a:gd name="adj" fmla="val 4069"/>
+              </a:avLst>
+            </a:prstGeom>
+          </p:spPr>
+          <p:style>
+            <a:lnRef idx="2">
+              <a:schemeClr val="dk1"/>
+            </a:lnRef>
+            <a:fillRef idx="1">
+              <a:schemeClr val="lt1"/>
+            </a:fillRef>
+            <a:effectRef idx="0">
+              <a:schemeClr val="dk1"/>
+            </a:effectRef>
+            <a:fontRef idx="minor">
+              <a:schemeClr val="dk1"/>
+            </a:fontRef>
+          </p:style>
+          <p:txBody>
+            <a:bodyPr rtlCol="0" anchor="t"/>
+            <a:lstStyle/>
+            <a:p>
+              <a:pPr algn="ctr"/>
+              <a:r>
+                <a:rPr lang="en-US" altLang="ko-KR" sz="1400"/>
+                <a:t>Name Node</a:t>
+              </a:r>
+              <a:endParaRPr lang="ko-KR" altLang="en-US" sz="1400" dirty="0"/>
+            </a:p>
+          </p:txBody>
+        </p:sp>
+        <p:sp>
+          <p:nvSpPr>
+            <p:cNvPr id="59" name="모서리가 둥근 직사각형 18">
+              <a:extLst>
+                <a:ext uri="{FF2B5EF4-FFF2-40B4-BE49-F238E27FC236}">
+                  <a16:creationId xmlns:a16="http://schemas.microsoft.com/office/drawing/2014/main" id="{A28EA0BC-59F6-4F72-BD0E-9F3B07D97837}"/>
+                </a:ext>
+              </a:extLst>
+            </p:cNvPr>
+            <p:cNvSpPr/>
+            <p:nvPr/>
+          </p:nvSpPr>
+          <p:spPr>
+            <a:xfrm>
+              <a:off x="5066460" y="1256000"/>
+              <a:ext cx="2344964" cy="1328664"/>
+            </a:xfrm>
+            <a:prstGeom prst="roundRect">
+              <a:avLst>
+                <a:gd name="adj" fmla="val 4069"/>
+              </a:avLst>
+            </a:prstGeom>
+          </p:spPr>
+          <p:style>
+            <a:lnRef idx="2">
+              <a:schemeClr val="dk1"/>
+            </a:lnRef>
+            <a:fillRef idx="1">
+              <a:schemeClr val="lt1"/>
+            </a:fillRef>
+            <a:effectRef idx="0">
+              <a:schemeClr val="dk1"/>
+            </a:effectRef>
+            <a:fontRef idx="minor">
+              <a:schemeClr val="dk1"/>
+            </a:fontRef>
+          </p:style>
+          <p:txBody>
+            <a:bodyPr rtlCol="0" anchor="t"/>
+            <a:lstStyle/>
+            <a:p>
+              <a:pPr algn="ctr"/>
+              <a:r>
+                <a:rPr lang="en-US" altLang="ko-KR" sz="1400"/>
+                <a:t>Meta Data</a:t>
+              </a:r>
+            </a:p>
+            <a:p>
+              <a:endParaRPr lang="en-US" altLang="ko-KR" sz="1200"/>
+            </a:p>
+            <a:p>
+              <a:r>
+                <a:rPr lang="en-US" altLang="ko-KR" sz="1200"/>
+                <a:t>Name = /home/supsup/data1</a:t>
+              </a:r>
+            </a:p>
+            <a:p>
+              <a:r>
+                <a:rPr lang="en-US" altLang="ko-KR" sz="1200"/>
+                <a:t>BLK A = DN 1, DN 4</a:t>
+              </a:r>
+            </a:p>
+            <a:p>
+              <a:r>
+                <a:rPr lang="en-US" altLang="ko-KR" sz="1200"/>
+                <a:t>Name = /home/supsup/data2</a:t>
+              </a:r>
+            </a:p>
+            <a:p>
+              <a:r>
+                <a:rPr lang="en-US" altLang="ko-KR" sz="1200"/>
+                <a:t>BLK B = DN 6, DN 3</a:t>
+              </a:r>
+              <a:endParaRPr lang="ko-KR" altLang="en-US" sz="1200" dirty="0"/>
+            </a:p>
+          </p:txBody>
+        </p:sp>
+      </p:grpSp>
+      <p:sp>
+        <p:nvSpPr>
+          <p:cNvPr id="60" name="모서리가 둥근 직사각형 18">
+            <a:extLst>
+              <a:ext uri="{FF2B5EF4-FFF2-40B4-BE49-F238E27FC236}">
+                <a16:creationId xmlns:a16="http://schemas.microsoft.com/office/drawing/2014/main" id="{A8E62340-5B58-47AF-ABFF-AE5D42F73FD2}"/>
+              </a:ext>
+            </a:extLst>
+          </p:cNvPr>
           <p:cNvSpPr/>
           <p:nvPr/>
         </p:nvSpPr>
         <p:spPr>
           <a:xfrm>
-            <a:off x="1403648" y="3128207"/>
-            <a:ext cx="288032" cy="307639"/>
+            <a:off x="1331640" y="1291043"/>
+            <a:ext cx="1080120" cy="560627"/>
           </a:xfrm>
           <a:prstGeom prst="roundRect">
             <a:avLst>
@@ -3949,258 +5208,1003 @@
           </a:fontRef>
         </p:style>
         <p:txBody>
-          <a:bodyPr rtlCol="0" anchor="b"/>
+          <a:bodyPr rtlCol="0" anchor="ctr"/>
           <a:lstStyle/>
           <a:p>
             <a:pPr algn="ctr"/>
+            <a:r>
+              <a:rPr lang="en-US" altLang="ko-KR" sz="1400"/>
+              <a:t>Client</a:t>
+            </a:r>
             <a:endParaRPr lang="ko-KR" altLang="en-US" sz="1400" dirty="0"/>
           </a:p>
         </p:txBody>
       </p:sp>
-      <p:sp>
-        <p:nvSpPr>
-          <p:cNvPr id="29" name="모서리가 둥근 직사각형 28"/>
+      <p:cxnSp>
+        <p:nvCxnSpPr>
+          <p:cNvPr id="61" name="직선 화살표 연결선 60">
+            <a:extLst>
+              <a:ext uri="{FF2B5EF4-FFF2-40B4-BE49-F238E27FC236}">
+                <a16:creationId xmlns:a16="http://schemas.microsoft.com/office/drawing/2014/main" id="{86485563-F321-4DD1-B7CE-81A35D2E3FE5}"/>
+              </a:ext>
+            </a:extLst>
+          </p:cNvPr>
+          <p:cNvCxnSpPr>
+            <a:cxnSpLocks/>
+            <a:stCxn id="60" idx="2"/>
+            <a:endCxn id="32" idx="0"/>
+          </p:cNvCxnSpPr>
+          <p:nvPr/>
+        </p:nvCxnSpPr>
+        <p:spPr>
+          <a:xfrm flipH="1">
+            <a:off x="1477720" y="1851670"/>
+            <a:ext cx="393980" cy="1400809"/>
+          </a:xfrm>
+          <a:prstGeom prst="straightConnector1">
+            <a:avLst/>
+          </a:prstGeom>
+          <a:ln w="28575">
+            <a:solidFill>
+              <a:srgbClr val="C00000"/>
+            </a:solidFill>
+            <a:headEnd type="arrow" w="med" len="med"/>
+            <a:tailEnd type="arrow" w="med" len="med"/>
+          </a:ln>
+        </p:spPr>
+        <p:style>
+          <a:lnRef idx="1">
+            <a:schemeClr val="accent1"/>
+          </a:lnRef>
+          <a:fillRef idx="0">
+            <a:schemeClr val="accent1"/>
+          </a:fillRef>
+          <a:effectRef idx="0">
+            <a:schemeClr val="accent1"/>
+          </a:effectRef>
+          <a:fontRef idx="minor">
+            <a:schemeClr val="tx1"/>
+          </a:fontRef>
+        </p:style>
+      </p:cxnSp>
+      <p:cxnSp>
+        <p:nvCxnSpPr>
+          <p:cNvPr id="62" name="직선 화살표 연결선 61">
+            <a:extLst>
+              <a:ext uri="{FF2B5EF4-FFF2-40B4-BE49-F238E27FC236}">
+                <a16:creationId xmlns:a16="http://schemas.microsoft.com/office/drawing/2014/main" id="{989EFF16-7B53-4392-8546-2753BD668DD2}"/>
+              </a:ext>
+            </a:extLst>
+          </p:cNvPr>
+          <p:cNvCxnSpPr>
+            <a:cxnSpLocks/>
+            <a:stCxn id="60" idx="2"/>
+            <a:endCxn id="48" idx="0"/>
+          </p:cNvCxnSpPr>
+          <p:nvPr/>
+        </p:nvCxnSpPr>
+        <p:spPr>
+          <a:xfrm>
+            <a:off x="1871700" y="1851670"/>
+            <a:ext cx="4788532" cy="1400809"/>
+          </a:xfrm>
+          <a:prstGeom prst="straightConnector1">
+            <a:avLst/>
+          </a:prstGeom>
+          <a:ln w="28575">
+            <a:solidFill>
+              <a:srgbClr val="C00000"/>
+            </a:solidFill>
+            <a:headEnd type="arrow" w="med" len="med"/>
+            <a:tailEnd type="arrow" w="med" len="med"/>
+          </a:ln>
+        </p:spPr>
+        <p:style>
+          <a:lnRef idx="1">
+            <a:schemeClr val="accent1"/>
+          </a:lnRef>
+          <a:fillRef idx="0">
+            <a:schemeClr val="accent1"/>
+          </a:fillRef>
+          <a:effectRef idx="0">
+            <a:schemeClr val="accent1"/>
+          </a:effectRef>
+          <a:fontRef idx="minor">
+            <a:schemeClr val="tx1"/>
+          </a:fontRef>
+        </p:style>
+      </p:cxnSp>
+      <p:cxnSp>
+        <p:nvCxnSpPr>
+          <p:cNvPr id="63" name="직선 화살표 연결선 62">
+            <a:extLst>
+              <a:ext uri="{FF2B5EF4-FFF2-40B4-BE49-F238E27FC236}">
+                <a16:creationId xmlns:a16="http://schemas.microsoft.com/office/drawing/2014/main" id="{10421B65-D171-4EE8-A7C1-6F9B1A4DE11C}"/>
+              </a:ext>
+            </a:extLst>
+          </p:cNvPr>
+          <p:cNvCxnSpPr>
+            <a:cxnSpLocks/>
+            <a:stCxn id="57" idx="3"/>
+            <a:endCxn id="58" idx="1"/>
+          </p:cNvCxnSpPr>
+          <p:nvPr/>
+        </p:nvCxnSpPr>
+        <p:spPr>
+          <a:xfrm flipV="1">
+            <a:off x="3275856" y="1711513"/>
+            <a:ext cx="1368152" cy="939964"/>
+          </a:xfrm>
+          <a:prstGeom prst="straightConnector1">
+            <a:avLst/>
+          </a:prstGeom>
+          <a:ln w="28575">
+            <a:solidFill>
+              <a:schemeClr val="tx2"/>
+            </a:solidFill>
+            <a:headEnd type="arrow" w="med" len="med"/>
+            <a:tailEnd type="arrow" w="med" len="med"/>
+          </a:ln>
+        </p:spPr>
+        <p:style>
+          <a:lnRef idx="1">
+            <a:schemeClr val="accent1"/>
+          </a:lnRef>
+          <a:fillRef idx="0">
+            <a:schemeClr val="accent1"/>
+          </a:fillRef>
+          <a:effectRef idx="0">
+            <a:schemeClr val="accent1"/>
+          </a:effectRef>
+          <a:fontRef idx="minor">
+            <a:schemeClr val="tx1"/>
+          </a:fontRef>
+        </p:style>
+      </p:cxnSp>
+      <p:cxnSp>
+        <p:nvCxnSpPr>
+          <p:cNvPr id="66" name="직선 화살표 연결선 65">
+            <a:extLst>
+              <a:ext uri="{FF2B5EF4-FFF2-40B4-BE49-F238E27FC236}">
+                <a16:creationId xmlns:a16="http://schemas.microsoft.com/office/drawing/2014/main" id="{50C16C91-1345-4FFD-B2D9-B55BD83CED3F}"/>
+              </a:ext>
+            </a:extLst>
+          </p:cNvPr>
+          <p:cNvCxnSpPr>
+            <a:cxnSpLocks/>
+            <a:stCxn id="57" idx="3"/>
+            <a:endCxn id="40" idx="0"/>
+          </p:cNvCxnSpPr>
+          <p:nvPr/>
+        </p:nvCxnSpPr>
+        <p:spPr>
+          <a:xfrm>
+            <a:off x="3275856" y="2651477"/>
+            <a:ext cx="288033" cy="1052657"/>
+          </a:xfrm>
+          <a:prstGeom prst="straightConnector1">
+            <a:avLst/>
+          </a:prstGeom>
+          <a:ln w="28575">
+            <a:solidFill>
+              <a:schemeClr val="tx2"/>
+            </a:solidFill>
+            <a:headEnd type="none" w="med" len="med"/>
+            <a:tailEnd type="arrow" w="med" len="med"/>
+          </a:ln>
+        </p:spPr>
+        <p:style>
+          <a:lnRef idx="1">
+            <a:schemeClr val="accent1"/>
+          </a:lnRef>
+          <a:fillRef idx="0">
+            <a:schemeClr val="accent1"/>
+          </a:fillRef>
+          <a:effectRef idx="0">
+            <a:schemeClr val="accent1"/>
+          </a:effectRef>
+          <a:fontRef idx="minor">
+            <a:schemeClr val="tx1"/>
+          </a:fontRef>
+        </p:style>
+      </p:cxnSp>
+      <p:cxnSp>
+        <p:nvCxnSpPr>
+          <p:cNvPr id="71" name="직선 화살표 연결선 70">
+            <a:extLst>
+              <a:ext uri="{FF2B5EF4-FFF2-40B4-BE49-F238E27FC236}">
+                <a16:creationId xmlns:a16="http://schemas.microsoft.com/office/drawing/2014/main" id="{83760EB7-8186-412B-AD59-34E768B672E7}"/>
+              </a:ext>
+            </a:extLst>
+          </p:cNvPr>
+          <p:cNvCxnSpPr>
+            <a:cxnSpLocks/>
+            <a:stCxn id="40" idx="3"/>
+            <a:endCxn id="49" idx="1"/>
+          </p:cNvCxnSpPr>
+          <p:nvPr/>
+        </p:nvCxnSpPr>
+        <p:spPr>
+          <a:xfrm>
+            <a:off x="3707905" y="3857954"/>
+            <a:ext cx="2232247" cy="0"/>
+          </a:xfrm>
+          <a:prstGeom prst="straightConnector1">
+            <a:avLst/>
+          </a:prstGeom>
+          <a:ln w="28575">
+            <a:solidFill>
+              <a:schemeClr val="tx2"/>
+            </a:solidFill>
+            <a:headEnd type="none" w="med" len="med"/>
+            <a:tailEnd type="arrow" w="med" len="med"/>
+          </a:ln>
+        </p:spPr>
+        <p:style>
+          <a:lnRef idx="1">
+            <a:schemeClr val="accent1"/>
+          </a:lnRef>
+          <a:fillRef idx="0">
+            <a:schemeClr val="accent1"/>
+          </a:fillRef>
+          <a:effectRef idx="0">
+            <a:schemeClr val="accent1"/>
+          </a:effectRef>
+          <a:fontRef idx="minor">
+            <a:schemeClr val="tx1"/>
+          </a:fontRef>
+        </p:style>
+      </p:cxnSp>
+      <p:sp>
+        <p:nvSpPr>
+          <p:cNvPr id="131" name="타원 130">
+            <a:extLst>
+              <a:ext uri="{FF2B5EF4-FFF2-40B4-BE49-F238E27FC236}">
+                <a16:creationId xmlns:a16="http://schemas.microsoft.com/office/drawing/2014/main" id="{5F83F9E5-52FB-4808-9C34-197CE38E96AE}"/>
+              </a:ext>
+            </a:extLst>
+          </p:cNvPr>
           <p:cNvSpPr/>
           <p:nvPr/>
         </p:nvSpPr>
         <p:spPr>
           <a:xfrm>
-            <a:off x="827584" y="3579862"/>
-            <a:ext cx="288032" cy="307639"/>
+            <a:off x="3335125" y="1364548"/>
+            <a:ext cx="288032" cy="288032"/>
           </a:xfrm>
-          <a:prstGeom prst="roundRect">
-            <a:avLst>
-              <a:gd name="adj" fmla="val 4069"/>
-            </a:avLst>
+          <a:prstGeom prst="ellipse">
+            <a:avLst/>
           </a:prstGeom>
+          <a:noFill/>
+          <a:ln>
+            <a:solidFill>
+              <a:srgbClr val="C00000"/>
+            </a:solidFill>
+          </a:ln>
         </p:spPr>
         <p:style>
           <a:lnRef idx="2">
-            <a:schemeClr val="dk1"/>
+            <a:schemeClr val="accent1">
+              <a:shade val="50000"/>
+            </a:schemeClr>
           </a:lnRef>
           <a:fillRef idx="1">
-            <a:schemeClr val="lt1"/>
+            <a:schemeClr val="accent1"/>
           </a:fillRef>
           <a:effectRef idx="0">
-            <a:schemeClr val="dk1"/>
+            <a:schemeClr val="accent1"/>
           </a:effectRef>
           <a:fontRef idx="minor">
-            <a:schemeClr val="dk1"/>
+            <a:schemeClr val="lt1"/>
           </a:fontRef>
         </p:style>
         <p:txBody>
-          <a:bodyPr rtlCol="0" anchor="b"/>
+          <a:bodyPr rtlCol="0" anchor="ctr"/>
           <a:lstStyle/>
           <a:p>
             <a:pPr algn="ctr"/>
-            <a:endParaRPr lang="ko-KR" altLang="en-US" sz="1400" dirty="0"/>
-          </a:p>
-        </p:txBody>
-      </p:sp>
-      <p:sp>
-        <p:nvSpPr>
-          <p:cNvPr id="30" name="모서리가 둥근 직사각형 29"/>
+            <a:r>
+              <a:rPr lang="en-US" altLang="ko-KR" sz="1600">
+                <a:solidFill>
+                  <a:srgbClr val="C00000"/>
+                </a:solidFill>
+              </a:rPr>
+              <a:t>1</a:t>
+            </a:r>
+            <a:endParaRPr lang="ko-KR" altLang="en-US" sz="1600">
+              <a:solidFill>
+                <a:srgbClr val="C00000"/>
+              </a:solidFill>
+            </a:endParaRPr>
+          </a:p>
+        </p:txBody>
+      </p:sp>
+      <p:sp>
+        <p:nvSpPr>
+          <p:cNvPr id="132" name="타원 131">
+            <a:extLst>
+              <a:ext uri="{FF2B5EF4-FFF2-40B4-BE49-F238E27FC236}">
+                <a16:creationId xmlns:a16="http://schemas.microsoft.com/office/drawing/2014/main" id="{41F245C1-92AD-4CF7-8116-948BE87AA5B6}"/>
+              </a:ext>
+            </a:extLst>
+          </p:cNvPr>
           <p:cNvSpPr/>
           <p:nvPr/>
         </p:nvSpPr>
         <p:spPr>
           <a:xfrm>
-            <a:off x="1403648" y="3579862"/>
-            <a:ext cx="288032" cy="307639"/>
+            <a:off x="2870096" y="1885578"/>
+            <a:ext cx="288032" cy="288032"/>
           </a:xfrm>
-          <a:prstGeom prst="roundRect">
-            <a:avLst>
-              <a:gd name="adj" fmla="val 4069"/>
-            </a:avLst>
+          <a:prstGeom prst="ellipse">
+            <a:avLst/>
           </a:prstGeom>
+          <a:noFill/>
+          <a:ln>
+            <a:solidFill>
+              <a:srgbClr val="C00000"/>
+            </a:solidFill>
+          </a:ln>
         </p:spPr>
         <p:style>
           <a:lnRef idx="2">
-            <a:schemeClr val="dk1"/>
+            <a:schemeClr val="accent1">
+              <a:shade val="50000"/>
+            </a:schemeClr>
           </a:lnRef>
           <a:fillRef idx="1">
-            <a:schemeClr val="lt1"/>
+            <a:schemeClr val="accent1"/>
           </a:fillRef>
           <a:effectRef idx="0">
-            <a:schemeClr val="dk1"/>
+            <a:schemeClr val="accent1"/>
           </a:effectRef>
           <a:fontRef idx="minor">
-            <a:schemeClr val="dk1"/>
+            <a:schemeClr val="lt1"/>
           </a:fontRef>
         </p:style>
         <p:txBody>
-          <a:bodyPr rtlCol="0" anchor="b"/>
+          <a:bodyPr rtlCol="0" anchor="ctr"/>
           <a:lstStyle/>
           <a:p>
             <a:pPr algn="ctr"/>
-            <a:endParaRPr lang="ko-KR" altLang="en-US" sz="1400" dirty="0"/>
-          </a:p>
-        </p:txBody>
-      </p:sp>
-      <p:sp>
-        <p:nvSpPr>
-          <p:cNvPr id="35" name="모서리가 둥근 직사각형 34"/>
+            <a:r>
+              <a:rPr lang="en-US" altLang="ko-KR" sz="1600">
+                <a:solidFill>
+                  <a:srgbClr val="C00000"/>
+                </a:solidFill>
+              </a:rPr>
+              <a:t>2</a:t>
+            </a:r>
+            <a:endParaRPr lang="ko-KR" altLang="en-US" sz="1600">
+              <a:solidFill>
+                <a:srgbClr val="C00000"/>
+              </a:solidFill>
+            </a:endParaRPr>
+          </a:p>
+        </p:txBody>
+      </p:sp>
+      <p:sp>
+        <p:nvSpPr>
+          <p:cNvPr id="134" name="타원 133">
+            <a:extLst>
+              <a:ext uri="{FF2B5EF4-FFF2-40B4-BE49-F238E27FC236}">
+                <a16:creationId xmlns:a16="http://schemas.microsoft.com/office/drawing/2014/main" id="{7110AE48-F3F2-439B-ADE3-190898A23765}"/>
+              </a:ext>
+            </a:extLst>
+          </p:cNvPr>
           <p:cNvSpPr/>
           <p:nvPr/>
         </p:nvSpPr>
         <p:spPr>
           <a:xfrm>
-            <a:off x="2123728" y="3128207"/>
-            <a:ext cx="288032" cy="307639"/>
+            <a:off x="1391605" y="2352380"/>
+            <a:ext cx="288032" cy="288032"/>
           </a:xfrm>
-          <a:prstGeom prst="roundRect">
-            <a:avLst>
-              <a:gd name="adj" fmla="val 4069"/>
-            </a:avLst>
+          <a:prstGeom prst="ellipse">
+            <a:avLst/>
           </a:prstGeom>
+          <a:noFill/>
+          <a:ln>
+            <a:solidFill>
+              <a:srgbClr val="C00000"/>
+            </a:solidFill>
+          </a:ln>
         </p:spPr>
         <p:style>
           <a:lnRef idx="2">
-            <a:schemeClr val="dk1"/>
+            <a:schemeClr val="accent1">
+              <a:shade val="50000"/>
+            </a:schemeClr>
           </a:lnRef>
           <a:fillRef idx="1">
-            <a:schemeClr val="lt1"/>
+            <a:schemeClr val="accent1"/>
           </a:fillRef>
           <a:effectRef idx="0">
-            <a:schemeClr val="dk1"/>
+            <a:schemeClr val="accent1"/>
           </a:effectRef>
           <a:fontRef idx="minor">
-            <a:schemeClr val="dk1"/>
+            <a:schemeClr val="lt1"/>
           </a:fontRef>
         </p:style>
         <p:txBody>
-          <a:bodyPr rtlCol="0" anchor="b"/>
+          <a:bodyPr rtlCol="0" anchor="ctr"/>
           <a:lstStyle/>
           <a:p>
             <a:pPr algn="ctr"/>
-            <a:endParaRPr lang="ko-KR" altLang="en-US" sz="1400" dirty="0"/>
-          </a:p>
-        </p:txBody>
-      </p:sp>
-      <p:sp>
-        <p:nvSpPr>
-          <p:cNvPr id="41" name="모서리가 둥근 직사각형 40"/>
+            <a:r>
+              <a:rPr lang="en-US" altLang="ko-KR" sz="1600">
+                <a:solidFill>
+                  <a:srgbClr val="C00000"/>
+                </a:solidFill>
+              </a:rPr>
+              <a:t>2</a:t>
+            </a:r>
+            <a:endParaRPr lang="ko-KR" altLang="en-US" sz="1600">
+              <a:solidFill>
+                <a:srgbClr val="C00000"/>
+              </a:solidFill>
+            </a:endParaRPr>
+          </a:p>
+        </p:txBody>
+      </p:sp>
+      <p:cxnSp>
+        <p:nvCxnSpPr>
+          <p:cNvPr id="136" name="직선 화살표 연결선 135">
+            <a:extLst>
+              <a:ext uri="{FF2B5EF4-FFF2-40B4-BE49-F238E27FC236}">
+                <a16:creationId xmlns:a16="http://schemas.microsoft.com/office/drawing/2014/main" id="{6B28761E-A6ED-418A-9384-3AEDDF0E8035}"/>
+              </a:ext>
+            </a:extLst>
+          </p:cNvPr>
+          <p:cNvCxnSpPr>
+            <a:cxnSpLocks/>
+            <a:stCxn id="60" idx="3"/>
+            <a:endCxn id="58" idx="1"/>
+          </p:cNvCxnSpPr>
+          <p:nvPr/>
+        </p:nvCxnSpPr>
+        <p:spPr>
+          <a:xfrm>
+            <a:off x="2411760" y="1571357"/>
+            <a:ext cx="2232248" cy="140156"/>
+          </a:xfrm>
+          <a:prstGeom prst="straightConnector1">
+            <a:avLst/>
+          </a:prstGeom>
+          <a:ln w="28575">
+            <a:solidFill>
+              <a:srgbClr val="C00000"/>
+            </a:solidFill>
+            <a:headEnd type="arrow" w="med" len="med"/>
+            <a:tailEnd type="arrow" w="med" len="med"/>
+          </a:ln>
+        </p:spPr>
+        <p:style>
+          <a:lnRef idx="1">
+            <a:schemeClr val="accent1"/>
+          </a:lnRef>
+          <a:fillRef idx="0">
+            <a:schemeClr val="accent1"/>
+          </a:fillRef>
+          <a:effectRef idx="0">
+            <a:schemeClr val="accent1"/>
+          </a:effectRef>
+          <a:fontRef idx="minor">
+            <a:schemeClr val="tx1"/>
+          </a:fontRef>
+        </p:style>
+      </p:cxnSp>
+      <p:sp>
+        <p:nvSpPr>
+          <p:cNvPr id="157" name="타원 156">
+            <a:extLst>
+              <a:ext uri="{FF2B5EF4-FFF2-40B4-BE49-F238E27FC236}">
+                <a16:creationId xmlns:a16="http://schemas.microsoft.com/office/drawing/2014/main" id="{E2D3238C-CC38-4EA9-848F-B8073443BA43}"/>
+              </a:ext>
+            </a:extLst>
+          </p:cNvPr>
           <p:cNvSpPr/>
           <p:nvPr/>
         </p:nvSpPr>
         <p:spPr>
           <a:xfrm>
-            <a:off x="2699792" y="3128207"/>
-            <a:ext cx="288032" cy="307639"/>
+            <a:off x="3707904" y="1932145"/>
+            <a:ext cx="288032" cy="288032"/>
           </a:xfrm>
-          <a:prstGeom prst="roundRect">
-            <a:avLst>
-              <a:gd name="adj" fmla="val 4069"/>
-            </a:avLst>
+          <a:prstGeom prst="ellipse">
+            <a:avLst/>
           </a:prstGeom>
+          <a:noFill/>
+          <a:ln>
+            <a:solidFill>
+              <a:schemeClr val="tx2"/>
+            </a:solidFill>
+          </a:ln>
         </p:spPr>
         <p:style>
           <a:lnRef idx="2">
-            <a:schemeClr val="dk1"/>
+            <a:schemeClr val="accent1">
+              <a:shade val="50000"/>
+            </a:schemeClr>
           </a:lnRef>
           <a:fillRef idx="1">
-            <a:schemeClr val="lt1"/>
+            <a:schemeClr val="accent1"/>
           </a:fillRef>
           <a:effectRef idx="0">
-            <a:schemeClr val="dk1"/>
+            <a:schemeClr val="accent1"/>
           </a:effectRef>
           <a:fontRef idx="minor">
-            <a:schemeClr val="dk1"/>
+            <a:schemeClr val="lt1"/>
           </a:fontRef>
         </p:style>
         <p:txBody>
-          <a:bodyPr rtlCol="0" anchor="b"/>
+          <a:bodyPr rtlCol="0" anchor="ctr"/>
           <a:lstStyle/>
           <a:p>
             <a:pPr algn="ctr"/>
-            <a:endParaRPr lang="ko-KR" altLang="en-US" sz="1400" dirty="0"/>
-          </a:p>
-        </p:txBody>
-      </p:sp>
-      <p:sp>
-        <p:nvSpPr>
-          <p:cNvPr id="42" name="모서리가 둥근 직사각형 41"/>
+            <a:r>
+              <a:rPr lang="en-US" altLang="ko-KR" sz="1600">
+                <a:solidFill>
+                  <a:schemeClr val="tx2"/>
+                </a:solidFill>
+              </a:rPr>
+              <a:t>1</a:t>
+            </a:r>
+            <a:endParaRPr lang="ko-KR" altLang="en-US" sz="1600">
+              <a:solidFill>
+                <a:schemeClr val="tx2"/>
+              </a:solidFill>
+            </a:endParaRPr>
+          </a:p>
+        </p:txBody>
+      </p:sp>
+      <p:sp>
+        <p:nvSpPr>
+          <p:cNvPr id="158" name="타원 157">
+            <a:extLst>
+              <a:ext uri="{FF2B5EF4-FFF2-40B4-BE49-F238E27FC236}">
+                <a16:creationId xmlns:a16="http://schemas.microsoft.com/office/drawing/2014/main" id="{134F2EDF-DF55-410C-B63E-254D82DF66FB}"/>
+              </a:ext>
+            </a:extLst>
+          </p:cNvPr>
           <p:cNvSpPr/>
           <p:nvPr/>
         </p:nvSpPr>
         <p:spPr>
           <a:xfrm>
-            <a:off x="2123728" y="3579862"/>
-            <a:ext cx="288032" cy="307639"/>
+            <a:off x="3363104" y="2757294"/>
+            <a:ext cx="288032" cy="288032"/>
           </a:xfrm>
-          <a:prstGeom prst="roundRect">
-            <a:avLst>
-              <a:gd name="adj" fmla="val 4069"/>
-            </a:avLst>
+          <a:prstGeom prst="ellipse">
+            <a:avLst/>
           </a:prstGeom>
+          <a:noFill/>
+          <a:ln>
+            <a:solidFill>
+              <a:schemeClr val="tx2"/>
+            </a:solidFill>
+          </a:ln>
         </p:spPr>
         <p:style>
           <a:lnRef idx="2">
-            <a:schemeClr val="dk1"/>
+            <a:schemeClr val="accent1">
+              <a:shade val="50000"/>
+            </a:schemeClr>
           </a:lnRef>
           <a:fillRef idx="1">
-            <a:schemeClr val="lt1"/>
+            <a:schemeClr val="accent1"/>
           </a:fillRef>
           <a:effectRef idx="0">
-            <a:schemeClr val="dk1"/>
+            <a:schemeClr val="accent1"/>
           </a:effectRef>
           <a:fontRef idx="minor">
-            <a:schemeClr val="dk1"/>
+            <a:schemeClr val="lt1"/>
           </a:fontRef>
         </p:style>
         <p:txBody>
-          <a:bodyPr rtlCol="0" anchor="b"/>
+          <a:bodyPr rtlCol="0" anchor="ctr"/>
           <a:lstStyle/>
           <a:p>
             <a:pPr algn="ctr"/>
-            <a:endParaRPr lang="ko-KR" altLang="en-US" sz="1400" dirty="0"/>
-          </a:p>
-        </p:txBody>
-      </p:sp>
-      <p:sp>
-        <p:nvSpPr>
-          <p:cNvPr id="43" name="모서리가 둥근 직사각형 42"/>
+            <a:r>
+              <a:rPr lang="en-US" altLang="ko-KR" sz="1600">
+                <a:solidFill>
+                  <a:schemeClr val="tx2"/>
+                </a:solidFill>
+              </a:rPr>
+              <a:t>2</a:t>
+            </a:r>
+            <a:endParaRPr lang="ko-KR" altLang="en-US" sz="1600">
+              <a:solidFill>
+                <a:schemeClr val="tx2"/>
+              </a:solidFill>
+            </a:endParaRPr>
+          </a:p>
+        </p:txBody>
+      </p:sp>
+      <p:sp>
+        <p:nvSpPr>
+          <p:cNvPr id="160" name="타원 159">
+            <a:extLst>
+              <a:ext uri="{FF2B5EF4-FFF2-40B4-BE49-F238E27FC236}">
+                <a16:creationId xmlns:a16="http://schemas.microsoft.com/office/drawing/2014/main" id="{059A2C3A-01C4-4EEC-B6C8-A026A244E886}"/>
+              </a:ext>
+            </a:extLst>
+          </p:cNvPr>
           <p:cNvSpPr/>
           <p:nvPr/>
         </p:nvSpPr>
         <p:spPr>
           <a:xfrm>
-            <a:off x="2699792" y="3579862"/>
-            <a:ext cx="288032" cy="307639"/>
+            <a:off x="4664772" y="3858487"/>
+            <a:ext cx="288032" cy="288032"/>
           </a:xfrm>
-          <a:prstGeom prst="roundRect">
-            <a:avLst>
-              <a:gd name="adj" fmla="val 4069"/>
-            </a:avLst>
+          <a:prstGeom prst="ellipse">
+            <a:avLst/>
           </a:prstGeom>
+          <a:noFill/>
+          <a:ln>
+            <a:solidFill>
+              <a:schemeClr val="tx2"/>
+            </a:solidFill>
+          </a:ln>
         </p:spPr>
         <p:style>
           <a:lnRef idx="2">
-            <a:schemeClr val="dk1"/>
+            <a:schemeClr val="accent1">
+              <a:shade val="50000"/>
+            </a:schemeClr>
           </a:lnRef>
           <a:fillRef idx="1">
-            <a:schemeClr val="lt1"/>
+            <a:schemeClr val="accent1"/>
           </a:fillRef>
           <a:effectRef idx="0">
-            <a:schemeClr val="dk1"/>
+            <a:schemeClr val="accent1"/>
           </a:effectRef>
           <a:fontRef idx="minor">
-            <a:schemeClr val="dk1"/>
+            <a:schemeClr val="lt1"/>
           </a:fontRef>
         </p:style>
         <p:txBody>
-          <a:bodyPr rtlCol="0" anchor="b"/>
+          <a:bodyPr rtlCol="0" anchor="ctr"/>
           <a:lstStyle/>
           <a:p>
             <a:pPr algn="ctr"/>
-            <a:endParaRPr lang="ko-KR" altLang="en-US" sz="1400" dirty="0"/>
-          </a:p>
-        </p:txBody>
-      </p:sp>
+            <a:r>
+              <a:rPr lang="en-US" altLang="ko-KR" sz="1600">
+                <a:solidFill>
+                  <a:schemeClr val="tx2"/>
+                </a:solidFill>
+              </a:rPr>
+              <a:t>3</a:t>
+            </a:r>
+            <a:endParaRPr lang="ko-KR" altLang="en-US" sz="1600">
+              <a:solidFill>
+                <a:schemeClr val="tx2"/>
+              </a:solidFill>
+            </a:endParaRPr>
+          </a:p>
+        </p:txBody>
+      </p:sp>
+      <p:grpSp>
+        <p:nvGrpSpPr>
+          <p:cNvPr id="171" name="그룹 170">
+            <a:extLst>
+              <a:ext uri="{FF2B5EF4-FFF2-40B4-BE49-F238E27FC236}">
+                <a16:creationId xmlns:a16="http://schemas.microsoft.com/office/drawing/2014/main" id="{365E04FF-332D-448A-AE7C-B0C7F5BB229E}"/>
+              </a:ext>
+            </a:extLst>
+          </p:cNvPr>
+          <p:cNvGrpSpPr/>
+          <p:nvPr/>
+        </p:nvGrpSpPr>
+        <p:grpSpPr>
+          <a:xfrm>
+            <a:off x="7380312" y="1851670"/>
+            <a:ext cx="828091" cy="571462"/>
+            <a:chOff x="4499992" y="4569920"/>
+            <a:chExt cx="1045170" cy="571462"/>
+          </a:xfrm>
+        </p:grpSpPr>
+        <p:cxnSp>
+          <p:nvCxnSpPr>
+            <p:cNvPr id="161" name="직선 화살표 연결선 160">
+              <a:extLst>
+                <a:ext uri="{FF2B5EF4-FFF2-40B4-BE49-F238E27FC236}">
+                  <a16:creationId xmlns:a16="http://schemas.microsoft.com/office/drawing/2014/main" id="{3353C20F-317C-4897-9D26-E51FDE4CD3C6}"/>
+                </a:ext>
+              </a:extLst>
+            </p:cNvPr>
+            <p:cNvCxnSpPr>
+              <a:cxnSpLocks/>
+              <a:endCxn id="166" idx="1"/>
+            </p:cNvCxnSpPr>
+            <p:nvPr/>
+          </p:nvCxnSpPr>
+          <p:spPr>
+            <a:xfrm>
+              <a:off x="4499992" y="4723809"/>
+              <a:ext cx="432048" cy="0"/>
+            </a:xfrm>
+            <a:prstGeom prst="straightConnector1">
+              <a:avLst/>
+            </a:prstGeom>
+            <a:ln w="28575">
+              <a:solidFill>
+                <a:srgbClr val="C00000"/>
+              </a:solidFill>
+              <a:headEnd type="none" w="med" len="med"/>
+              <a:tailEnd type="none" w="med" len="med"/>
+            </a:ln>
+          </p:spPr>
+          <p:style>
+            <a:lnRef idx="1">
+              <a:schemeClr val="accent1"/>
+            </a:lnRef>
+            <a:fillRef idx="0">
+              <a:schemeClr val="accent1"/>
+            </a:fillRef>
+            <a:effectRef idx="0">
+              <a:schemeClr val="accent1"/>
+            </a:effectRef>
+            <a:fontRef idx="minor">
+              <a:schemeClr val="tx1"/>
+            </a:fontRef>
+          </p:style>
+        </p:cxnSp>
+        <p:sp>
+          <p:nvSpPr>
+            <p:cNvPr id="166" name="TextBox 165">
+              <a:extLst>
+                <a:ext uri="{FF2B5EF4-FFF2-40B4-BE49-F238E27FC236}">
+                  <a16:creationId xmlns:a16="http://schemas.microsoft.com/office/drawing/2014/main" id="{F569DF29-EBD8-4606-BED5-287D91FB85A1}"/>
+                </a:ext>
+              </a:extLst>
+            </p:cNvPr>
+            <p:cNvSpPr txBox="1"/>
+            <p:nvPr/>
+          </p:nvSpPr>
+          <p:spPr>
+            <a:xfrm>
+              <a:off x="4932040" y="4569920"/>
+              <a:ext cx="584776" cy="307777"/>
+            </a:xfrm>
+            <a:prstGeom prst="rect">
+              <a:avLst/>
+            </a:prstGeom>
+            <a:noFill/>
+          </p:spPr>
+          <p:txBody>
+            <a:bodyPr wrap="none" rtlCol="0">
+              <a:spAutoFit/>
+            </a:bodyPr>
+            <a:lstStyle/>
+            <a:p>
+              <a:pPr algn="ctr"/>
+              <a:r>
+                <a:rPr lang="en-US" altLang="ko-KR" sz="1400"/>
+                <a:t>Read</a:t>
+              </a:r>
+              <a:endParaRPr lang="ko-KR" altLang="en-US" sz="1400"/>
+            </a:p>
+          </p:txBody>
+        </p:sp>
+        <p:cxnSp>
+          <p:nvCxnSpPr>
+            <p:cNvPr id="168" name="직선 화살표 연결선 167">
+              <a:extLst>
+                <a:ext uri="{FF2B5EF4-FFF2-40B4-BE49-F238E27FC236}">
+                  <a16:creationId xmlns:a16="http://schemas.microsoft.com/office/drawing/2014/main" id="{E3342519-5CCB-40AA-81C2-C390DDF48A81}"/>
+                </a:ext>
+              </a:extLst>
+            </p:cNvPr>
+            <p:cNvCxnSpPr>
+              <a:cxnSpLocks/>
+              <a:endCxn id="169" idx="1"/>
+            </p:cNvCxnSpPr>
+            <p:nvPr/>
+          </p:nvCxnSpPr>
+          <p:spPr>
+            <a:xfrm>
+              <a:off x="4499992" y="4987494"/>
+              <a:ext cx="422756" cy="0"/>
+            </a:xfrm>
+            <a:prstGeom prst="straightConnector1">
+              <a:avLst/>
+            </a:prstGeom>
+            <a:ln w="28575">
+              <a:solidFill>
+                <a:schemeClr val="tx2"/>
+              </a:solidFill>
+              <a:headEnd type="none" w="med" len="med"/>
+              <a:tailEnd type="none" w="med" len="med"/>
+            </a:ln>
+          </p:spPr>
+          <p:style>
+            <a:lnRef idx="1">
+              <a:schemeClr val="accent1"/>
+            </a:lnRef>
+            <a:fillRef idx="0">
+              <a:schemeClr val="accent1"/>
+            </a:fillRef>
+            <a:effectRef idx="0">
+              <a:schemeClr val="accent1"/>
+            </a:effectRef>
+            <a:fontRef idx="minor">
+              <a:schemeClr val="tx1"/>
+            </a:fontRef>
+          </p:style>
+        </p:cxnSp>
+        <p:sp>
+          <p:nvSpPr>
+            <p:cNvPr id="169" name="TextBox 168">
+              <a:extLst>
+                <a:ext uri="{FF2B5EF4-FFF2-40B4-BE49-F238E27FC236}">
+                  <a16:creationId xmlns:a16="http://schemas.microsoft.com/office/drawing/2014/main" id="{092411D7-2EB1-421A-9BE1-7CBC71A2054A}"/>
+                </a:ext>
+              </a:extLst>
+            </p:cNvPr>
+            <p:cNvSpPr txBox="1"/>
+            <p:nvPr/>
+          </p:nvSpPr>
+          <p:spPr>
+            <a:xfrm>
+              <a:off x="4922748" y="4833605"/>
+              <a:ext cx="622414" cy="307777"/>
+            </a:xfrm>
+            <a:prstGeom prst="rect">
+              <a:avLst/>
+            </a:prstGeom>
+            <a:noFill/>
+          </p:spPr>
+          <p:txBody>
+            <a:bodyPr wrap="none" rtlCol="0">
+              <a:spAutoFit/>
+            </a:bodyPr>
+            <a:lstStyle/>
+            <a:p>
+              <a:pPr algn="ctr"/>
+              <a:r>
+                <a:rPr lang="en-US" altLang="ko-KR" sz="1400"/>
+                <a:t>Write</a:t>
+              </a:r>
+              <a:endParaRPr lang="ko-KR" altLang="en-US" sz="1400"/>
+            </a:p>
+          </p:txBody>
+        </p:sp>
+      </p:grpSp>
     </p:spTree>
     <p:extLst>
       <p:ext uri="{BB962C8B-B14F-4D97-AF65-F5344CB8AC3E}">
         <p14:creationId xmlns:p14="http://schemas.microsoft.com/office/powerpoint/2010/main" val="680371589"/>
+      </p:ext>
+    </p:extLst>
+  </p:cSld>
+  <p:clrMapOvr>
+    <a:masterClrMapping/>
+  </p:clrMapOvr>
+</p:sld>
+</file>
+
+<file path=ppt/slides/slide2.xml><?xml version="1.0" encoding="utf-8"?>
+<p:sld xmlns:a="http://schemas.openxmlformats.org/drawingml/2006/main" xmlns:r="http://schemas.openxmlformats.org/officeDocument/2006/relationships" xmlns:p="http://schemas.openxmlformats.org/presentationml/2006/main">
+  <p:cSld>
+    <p:spTree>
+      <p:nvGrpSpPr>
+        <p:cNvPr id="1" name=""/>
+        <p:cNvGrpSpPr/>
+        <p:nvPr/>
+      </p:nvGrpSpPr>
+      <p:grpSpPr>
+        <a:xfrm>
+          <a:off x="0" y="0"/>
+          <a:ext cx="0" cy="0"/>
+          <a:chOff x="0" y="0"/>
+          <a:chExt cx="0" cy="0"/>
+        </a:xfrm>
+      </p:grpSpPr>
+      <p:sp>
+        <p:nvSpPr>
+          <p:cNvPr id="2" name="제목 1">
+            <a:extLst>
+              <a:ext uri="{FF2B5EF4-FFF2-40B4-BE49-F238E27FC236}">
+                <a16:creationId xmlns:a16="http://schemas.microsoft.com/office/drawing/2014/main" id="{8738443D-5E72-49E2-86AC-581D61C41C39}"/>
+              </a:ext>
+            </a:extLst>
+          </p:cNvPr>
+          <p:cNvSpPr>
+            <a:spLocks noGrp="1"/>
+          </p:cNvSpPr>
+          <p:nvPr>
+            <p:ph type="title"/>
+          </p:nvPr>
+        </p:nvSpPr>
+        <p:spPr>
+          <a:xfrm>
+            <a:off x="457200" y="-92546"/>
+            <a:ext cx="8229600" cy="857250"/>
+          </a:xfrm>
+        </p:spPr>
+        <p:txBody>
+          <a:bodyPr/>
+          <a:lstStyle/>
+          <a:p>
+            <a:r>
+              <a:rPr lang="en-US" altLang="ko-KR"/>
+              <a:t>YARN Architecture</a:t>
+            </a:r>
+            <a:endParaRPr lang="ko-KR" altLang="en-US" dirty="0"/>
+          </a:p>
+        </p:txBody>
+      </p:sp>
+    </p:spTree>
+    <p:extLst>
+      <p:ext uri="{BB962C8B-B14F-4D97-AF65-F5344CB8AC3E}">
+        <p14:creationId xmlns:p14="http://schemas.microsoft.com/office/powerpoint/2010/main" val="3724021028"/>
+      </p:ext>
+    </p:extLst>
+  </p:cSld>
+  <p:clrMapOvr>
+    <a:masterClrMapping/>
+  </p:clrMapOvr>
+</p:sld>
+</file>
+
+<file path=ppt/slides/slide3.xml><?xml version="1.0" encoding="utf-8"?>
+<p:sld xmlns:a="http://schemas.openxmlformats.org/drawingml/2006/main" xmlns:r="http://schemas.openxmlformats.org/officeDocument/2006/relationships" xmlns:p="http://schemas.openxmlformats.org/presentationml/2006/main">
+  <p:cSld>
+    <p:spTree>
+      <p:nvGrpSpPr>
+        <p:cNvPr id="1" name=""/>
+        <p:cNvGrpSpPr/>
+        <p:nvPr/>
+      </p:nvGrpSpPr>
+      <p:grpSpPr>
+        <a:xfrm>
+          <a:off x="0" y="0"/>
+          <a:ext cx="0" cy="0"/>
+          <a:chOff x="0" y="0"/>
+          <a:chExt cx="0" cy="0"/>
+        </a:xfrm>
+      </p:grpSpPr>
+      <p:sp>
+        <p:nvSpPr>
+          <p:cNvPr id="2" name="제목 1">
+            <a:extLst>
+              <a:ext uri="{FF2B5EF4-FFF2-40B4-BE49-F238E27FC236}">
+                <a16:creationId xmlns:a16="http://schemas.microsoft.com/office/drawing/2014/main" id="{8738443D-5E72-49E2-86AC-581D61C41C39}"/>
+              </a:ext>
+            </a:extLst>
+          </p:cNvPr>
+          <p:cNvSpPr>
+            <a:spLocks noGrp="1"/>
+          </p:cNvSpPr>
+          <p:nvPr>
+            <p:ph type="title"/>
+          </p:nvPr>
+        </p:nvSpPr>
+        <p:spPr>
+          <a:xfrm>
+            <a:off x="457200" y="-92546"/>
+            <a:ext cx="8229600" cy="857250"/>
+          </a:xfrm>
+        </p:spPr>
+        <p:txBody>
+          <a:bodyPr/>
+          <a:lstStyle/>
+          <a:p>
+            <a:r>
+              <a:rPr lang="en-US" altLang="ko-KR"/>
+              <a:t>HDFS + YARN Architecture</a:t>
+            </a:r>
+            <a:endParaRPr lang="ko-KR" altLang="en-US" dirty="0"/>
+          </a:p>
+        </p:txBody>
+      </p:sp>
+    </p:spTree>
+    <p:extLst>
+      <p:ext uri="{BB962C8B-B14F-4D97-AF65-F5344CB8AC3E}">
+        <p14:creationId xmlns:p14="http://schemas.microsoft.com/office/powerpoint/2010/main" val="711309843"/>
       </p:ext>
     </p:extLst>
   </p:cSld>

--- a/images/theory_analysis/Hadoop/Hadoop.pptx
+++ b/images/theory_analysis/Hadoop/Hadoop.pptx
@@ -8,9 +8,9 @@
     <p:notesMasterId r:id="rId5"/>
   </p:notesMasterIdLst>
   <p:sldIdLst>
-    <p:sldId id="421" r:id="rId2"/>
-    <p:sldId id="422" r:id="rId3"/>
-    <p:sldId id="423" r:id="rId4"/>
+    <p:sldId id="424" r:id="rId2"/>
+    <p:sldId id="421" r:id="rId3"/>
+    <p:sldId id="422" r:id="rId4"/>
   </p:sldIdLst>
   <p:sldSz cx="9144000" cy="5143500" type="screen16x9"/>
   <p:notesSz cx="6858000" cy="9144000"/>
@@ -215,7 +215,7 @@
           <a:p>
             <a:fld id="{6CD5550B-26C4-49A9-A5BA-636EF7BE6CE9}" type="datetimeFigureOut">
               <a:rPr lang="ko-KR" altLang="en-US" smtClean="0"/>
-              <a:t>2018-09-20</a:t>
+              <a:t>2018-09-22</a:t>
             </a:fld>
             <a:endParaRPr lang="ko-KR" altLang="en-US"/>
           </a:p>
@@ -556,7 +556,7 @@
     </p:spTree>
     <p:extLst>
       <p:ext uri="{BB962C8B-B14F-4D97-AF65-F5344CB8AC3E}">
-        <p14:creationId xmlns:p14="http://schemas.microsoft.com/office/powerpoint/2010/main" val="3362931700"/>
+        <p14:creationId xmlns:p14="http://schemas.microsoft.com/office/powerpoint/2010/main" val="655273090"/>
       </p:ext>
     </p:extLst>
   </p:cSld>
@@ -640,7 +640,7 @@
     </p:spTree>
     <p:extLst>
       <p:ext uri="{BB962C8B-B14F-4D97-AF65-F5344CB8AC3E}">
-        <p14:creationId xmlns:p14="http://schemas.microsoft.com/office/powerpoint/2010/main" val="2405356823"/>
+        <p14:creationId xmlns:p14="http://schemas.microsoft.com/office/powerpoint/2010/main" val="3362931700"/>
       </p:ext>
     </p:extLst>
   </p:cSld>
@@ -724,7 +724,7 @@
     </p:spTree>
     <p:extLst>
       <p:ext uri="{BB962C8B-B14F-4D97-AF65-F5344CB8AC3E}">
-        <p14:creationId xmlns:p14="http://schemas.microsoft.com/office/powerpoint/2010/main" val="110523446"/>
+        <p14:creationId xmlns:p14="http://schemas.microsoft.com/office/powerpoint/2010/main" val="2405356823"/>
       </p:ext>
     </p:extLst>
   </p:cSld>
@@ -913,7 +913,7 @@
           <a:p>
             <a:fld id="{FB30EDBD-1C2D-4C1E-B459-B60219FAB484}" type="datetimeFigureOut">
               <a:rPr lang="ko-KR" altLang="en-US" smtClean="0"/>
-              <a:t>2018-09-20</a:t>
+              <a:t>2018-09-22</a:t>
             </a:fld>
             <a:endParaRPr lang="ko-KR" altLang="en-US"/>
           </a:p>
@@ -1076,7 +1076,7 @@
           <a:p>
             <a:fld id="{FB30EDBD-1C2D-4C1E-B459-B60219FAB484}" type="datetimeFigureOut">
               <a:rPr lang="ko-KR" altLang="en-US" smtClean="0"/>
-              <a:t>2018-09-20</a:t>
+              <a:t>2018-09-22</a:t>
             </a:fld>
             <a:endParaRPr lang="ko-KR" altLang="en-US"/>
           </a:p>
@@ -1249,7 +1249,7 @@
           <a:p>
             <a:fld id="{FB30EDBD-1C2D-4C1E-B459-B60219FAB484}" type="datetimeFigureOut">
               <a:rPr lang="ko-KR" altLang="en-US" smtClean="0"/>
-              <a:t>2018-09-20</a:t>
+              <a:t>2018-09-22</a:t>
             </a:fld>
             <a:endParaRPr lang="ko-KR" altLang="en-US"/>
           </a:p>
@@ -1412,7 +1412,7 @@
           <a:p>
             <a:fld id="{FB30EDBD-1C2D-4C1E-B459-B60219FAB484}" type="datetimeFigureOut">
               <a:rPr lang="ko-KR" altLang="en-US" smtClean="0"/>
-              <a:t>2018-09-20</a:t>
+              <a:t>2018-09-22</a:t>
             </a:fld>
             <a:endParaRPr lang="ko-KR" altLang="en-US"/>
           </a:p>
@@ -1652,7 +1652,7 @@
           <a:p>
             <a:fld id="{FB30EDBD-1C2D-4C1E-B459-B60219FAB484}" type="datetimeFigureOut">
               <a:rPr lang="ko-KR" altLang="en-US" smtClean="0"/>
-              <a:t>2018-09-20</a:t>
+              <a:t>2018-09-22</a:t>
             </a:fld>
             <a:endParaRPr lang="ko-KR" altLang="en-US"/>
           </a:p>
@@ -1932,7 +1932,7 @@
           <a:p>
             <a:fld id="{FB30EDBD-1C2D-4C1E-B459-B60219FAB484}" type="datetimeFigureOut">
               <a:rPr lang="ko-KR" altLang="en-US" smtClean="0"/>
-              <a:t>2018-09-20</a:t>
+              <a:t>2018-09-22</a:t>
             </a:fld>
             <a:endParaRPr lang="ko-KR" altLang="en-US"/>
           </a:p>
@@ -2346,7 +2346,7 @@
           <a:p>
             <a:fld id="{FB30EDBD-1C2D-4C1E-B459-B60219FAB484}" type="datetimeFigureOut">
               <a:rPr lang="ko-KR" altLang="en-US" smtClean="0"/>
-              <a:t>2018-09-20</a:t>
+              <a:t>2018-09-22</a:t>
             </a:fld>
             <a:endParaRPr lang="ko-KR" altLang="en-US"/>
           </a:p>
@@ -2458,7 +2458,7 @@
           <a:p>
             <a:fld id="{FB30EDBD-1C2D-4C1E-B459-B60219FAB484}" type="datetimeFigureOut">
               <a:rPr lang="ko-KR" altLang="en-US" smtClean="0"/>
-              <a:t>2018-09-20</a:t>
+              <a:t>2018-09-22</a:t>
             </a:fld>
             <a:endParaRPr lang="ko-KR" altLang="en-US"/>
           </a:p>
@@ -2548,7 +2548,7 @@
           <a:p>
             <a:fld id="{FB30EDBD-1C2D-4C1E-B459-B60219FAB484}" type="datetimeFigureOut">
               <a:rPr lang="ko-KR" altLang="en-US" smtClean="0"/>
-              <a:t>2018-09-20</a:t>
+              <a:t>2018-09-22</a:t>
             </a:fld>
             <a:endParaRPr lang="ko-KR" altLang="en-US"/>
           </a:p>
@@ -2818,7 +2818,7 @@
           <a:p>
             <a:fld id="{FB30EDBD-1C2D-4C1E-B459-B60219FAB484}" type="datetimeFigureOut">
               <a:rPr lang="ko-KR" altLang="en-US" smtClean="0"/>
-              <a:t>2018-09-20</a:t>
+              <a:t>2018-09-22</a:t>
             </a:fld>
             <a:endParaRPr lang="ko-KR" altLang="en-US"/>
           </a:p>
@@ -3065,7 +3065,7 @@
           <a:p>
             <a:fld id="{FB30EDBD-1C2D-4C1E-B459-B60219FAB484}" type="datetimeFigureOut">
               <a:rPr lang="ko-KR" altLang="en-US" smtClean="0"/>
-              <a:t>2018-09-20</a:t>
+              <a:t>2018-09-22</a:t>
             </a:fld>
             <a:endParaRPr lang="ko-KR" altLang="en-US"/>
           </a:p>
@@ -3271,7 +3271,7 @@
           <a:p>
             <a:fld id="{FB30EDBD-1C2D-4C1E-B459-B60219FAB484}" type="datetimeFigureOut">
               <a:rPr lang="ko-KR" altLang="en-US" smtClean="0"/>
-              <a:t>2018-09-20</a:t>
+              <a:t>2018-09-22</a:t>
             </a:fld>
             <a:endParaRPr lang="ko-KR" altLang="en-US"/>
           </a:p>
@@ -3668,6 +3668,298 @@
           <a:lstStyle/>
           <a:p>
             <a:r>
+              <a:rPr lang="en-US" altLang="ko-KR"/>
+              <a:t>Hadoop</a:t>
+            </a:r>
+            <a:endParaRPr lang="ko-KR" altLang="en-US" dirty="0"/>
+          </a:p>
+        </p:txBody>
+      </p:sp>
+      <p:sp>
+        <p:nvSpPr>
+          <p:cNvPr id="3" name="사각형: 둥근 모서리 2">
+            <a:extLst>
+              <a:ext uri="{FF2B5EF4-FFF2-40B4-BE49-F238E27FC236}">
+                <a16:creationId xmlns:a16="http://schemas.microsoft.com/office/drawing/2014/main" id="{DBF2CBF9-70F2-440D-B8EA-17C0B928765A}"/>
+              </a:ext>
+            </a:extLst>
+          </p:cNvPr>
+          <p:cNvSpPr/>
+          <p:nvPr/>
+        </p:nvSpPr>
+        <p:spPr>
+          <a:xfrm>
+            <a:off x="2457480" y="3154660"/>
+            <a:ext cx="4320480" cy="857250"/>
+          </a:xfrm>
+          <a:prstGeom prst="roundRect">
+            <a:avLst>
+              <a:gd name="adj" fmla="val 0"/>
+            </a:avLst>
+          </a:prstGeom>
+        </p:spPr>
+        <p:style>
+          <a:lnRef idx="2">
+            <a:schemeClr val="dk1"/>
+          </a:lnRef>
+          <a:fillRef idx="1">
+            <a:schemeClr val="lt1"/>
+          </a:fillRef>
+          <a:effectRef idx="0">
+            <a:schemeClr val="dk1"/>
+          </a:effectRef>
+          <a:fontRef idx="minor">
+            <a:schemeClr val="dk1"/>
+          </a:fontRef>
+        </p:style>
+        <p:txBody>
+          <a:bodyPr rtlCol="0" anchor="ctr"/>
+          <a:lstStyle/>
+          <a:p>
+            <a:pPr algn="ctr"/>
+            <a:r>
+              <a:rPr lang="en-US" altLang="ko-KR"/>
+              <a:t>HDFS</a:t>
+            </a:r>
+          </a:p>
+          <a:p>
+            <a:pPr algn="ctr"/>
+            <a:r>
+              <a:rPr lang="en-US" altLang="ko-KR" sz="1400"/>
+              <a:t>(Redundant, Reliable Storage)</a:t>
+            </a:r>
+            <a:endParaRPr lang="ko-KR" altLang="en-US" sz="1400"/>
+          </a:p>
+        </p:txBody>
+      </p:sp>
+      <p:sp>
+        <p:nvSpPr>
+          <p:cNvPr id="4" name="사각형: 둥근 모서리 3">
+            <a:extLst>
+              <a:ext uri="{FF2B5EF4-FFF2-40B4-BE49-F238E27FC236}">
+                <a16:creationId xmlns:a16="http://schemas.microsoft.com/office/drawing/2014/main" id="{232541BA-0E21-4D84-AC9E-8EA8F51FB4F8}"/>
+              </a:ext>
+            </a:extLst>
+          </p:cNvPr>
+          <p:cNvSpPr/>
+          <p:nvPr/>
+        </p:nvSpPr>
+        <p:spPr>
+          <a:xfrm>
+            <a:off x="2457480" y="2297410"/>
+            <a:ext cx="4320480" cy="857250"/>
+          </a:xfrm>
+          <a:prstGeom prst="roundRect">
+            <a:avLst>
+              <a:gd name="adj" fmla="val 0"/>
+            </a:avLst>
+          </a:prstGeom>
+        </p:spPr>
+        <p:style>
+          <a:lnRef idx="2">
+            <a:schemeClr val="dk1"/>
+          </a:lnRef>
+          <a:fillRef idx="1">
+            <a:schemeClr val="lt1"/>
+          </a:fillRef>
+          <a:effectRef idx="0">
+            <a:schemeClr val="dk1"/>
+          </a:effectRef>
+          <a:fontRef idx="minor">
+            <a:schemeClr val="dk1"/>
+          </a:fontRef>
+        </p:style>
+        <p:txBody>
+          <a:bodyPr rtlCol="0" anchor="ctr"/>
+          <a:lstStyle/>
+          <a:p>
+            <a:pPr algn="ctr"/>
+            <a:r>
+              <a:rPr lang="en-US" altLang="ko-KR"/>
+              <a:t>YARN</a:t>
+            </a:r>
+          </a:p>
+          <a:p>
+            <a:pPr algn="ctr"/>
+            <a:r>
+              <a:rPr lang="en-US" altLang="ko-KR" sz="1400"/>
+              <a:t>(Cluster Resource Management)</a:t>
+            </a:r>
+            <a:endParaRPr lang="ko-KR" altLang="en-US" sz="1400"/>
+          </a:p>
+        </p:txBody>
+      </p:sp>
+      <p:sp>
+        <p:nvSpPr>
+          <p:cNvPr id="5" name="사각형: 둥근 모서리 4">
+            <a:extLst>
+              <a:ext uri="{FF2B5EF4-FFF2-40B4-BE49-F238E27FC236}">
+                <a16:creationId xmlns:a16="http://schemas.microsoft.com/office/drawing/2014/main" id="{A0C524DF-8CE4-4E7A-BC40-668CFABFDD26}"/>
+              </a:ext>
+            </a:extLst>
+          </p:cNvPr>
+          <p:cNvSpPr/>
+          <p:nvPr/>
+        </p:nvSpPr>
+        <p:spPr>
+          <a:xfrm>
+            <a:off x="2457480" y="1440160"/>
+            <a:ext cx="2088232" cy="857250"/>
+          </a:xfrm>
+          <a:prstGeom prst="roundRect">
+            <a:avLst>
+              <a:gd name="adj" fmla="val 0"/>
+            </a:avLst>
+          </a:prstGeom>
+        </p:spPr>
+        <p:style>
+          <a:lnRef idx="2">
+            <a:schemeClr val="dk1"/>
+          </a:lnRef>
+          <a:fillRef idx="1">
+            <a:schemeClr val="lt1"/>
+          </a:fillRef>
+          <a:effectRef idx="0">
+            <a:schemeClr val="dk1"/>
+          </a:effectRef>
+          <a:fontRef idx="minor">
+            <a:schemeClr val="dk1"/>
+          </a:fontRef>
+        </p:style>
+        <p:txBody>
+          <a:bodyPr rtlCol="0" anchor="ctr"/>
+          <a:lstStyle/>
+          <a:p>
+            <a:pPr algn="ctr"/>
+            <a:r>
+              <a:rPr lang="en-US" altLang="ko-KR"/>
+              <a:t>MapReduce</a:t>
+            </a:r>
+          </a:p>
+          <a:p>
+            <a:pPr algn="ctr"/>
+            <a:r>
+              <a:rPr lang="en-US" altLang="ko-KR" sz="1400"/>
+              <a:t>(Data Processing)</a:t>
+            </a:r>
+            <a:endParaRPr lang="ko-KR" altLang="en-US" sz="1400"/>
+          </a:p>
+        </p:txBody>
+      </p:sp>
+      <p:sp>
+        <p:nvSpPr>
+          <p:cNvPr id="6" name="사각형: 둥근 모서리 5">
+            <a:extLst>
+              <a:ext uri="{FF2B5EF4-FFF2-40B4-BE49-F238E27FC236}">
+                <a16:creationId xmlns:a16="http://schemas.microsoft.com/office/drawing/2014/main" id="{2F80FC8D-2F83-462A-B052-08254EC92DAF}"/>
+              </a:ext>
+            </a:extLst>
+          </p:cNvPr>
+          <p:cNvSpPr/>
+          <p:nvPr/>
+        </p:nvSpPr>
+        <p:spPr>
+          <a:xfrm>
+            <a:off x="4689728" y="1440160"/>
+            <a:ext cx="2088232" cy="857250"/>
+          </a:xfrm>
+          <a:prstGeom prst="roundRect">
+            <a:avLst>
+              <a:gd name="adj" fmla="val 0"/>
+            </a:avLst>
+          </a:prstGeom>
+        </p:spPr>
+        <p:style>
+          <a:lnRef idx="2">
+            <a:schemeClr val="dk1"/>
+          </a:lnRef>
+          <a:fillRef idx="1">
+            <a:schemeClr val="lt1"/>
+          </a:fillRef>
+          <a:effectRef idx="0">
+            <a:schemeClr val="dk1"/>
+          </a:effectRef>
+          <a:fontRef idx="minor">
+            <a:schemeClr val="dk1"/>
+          </a:fontRef>
+        </p:style>
+        <p:txBody>
+          <a:bodyPr rtlCol="0" anchor="ctr"/>
+          <a:lstStyle/>
+          <a:p>
+            <a:pPr algn="ctr"/>
+            <a:r>
+              <a:rPr lang="en-US" altLang="ko-KR"/>
+              <a:t>Others</a:t>
+            </a:r>
+          </a:p>
+          <a:p>
+            <a:pPr algn="ctr"/>
+            <a:r>
+              <a:rPr lang="en-US" altLang="ko-KR" sz="1400"/>
+              <a:t>(Data Processing)</a:t>
+            </a:r>
+            <a:endParaRPr lang="ko-KR" altLang="en-US" sz="1400"/>
+          </a:p>
+        </p:txBody>
+      </p:sp>
+    </p:spTree>
+    <p:extLst>
+      <p:ext uri="{BB962C8B-B14F-4D97-AF65-F5344CB8AC3E}">
+        <p14:creationId xmlns:p14="http://schemas.microsoft.com/office/powerpoint/2010/main" val="2468242050"/>
+      </p:ext>
+    </p:extLst>
+  </p:cSld>
+  <p:clrMapOvr>
+    <a:masterClrMapping/>
+  </p:clrMapOvr>
+</p:sld>
+</file>
+
+<file path=ppt/slides/slide2.xml><?xml version="1.0" encoding="utf-8"?>
+<p:sld xmlns:a="http://schemas.openxmlformats.org/drawingml/2006/main" xmlns:r="http://schemas.openxmlformats.org/officeDocument/2006/relationships" xmlns:p="http://schemas.openxmlformats.org/presentationml/2006/main">
+  <p:cSld>
+    <p:spTree>
+      <p:nvGrpSpPr>
+        <p:cNvPr id="1" name=""/>
+        <p:cNvGrpSpPr/>
+        <p:nvPr/>
+      </p:nvGrpSpPr>
+      <p:grpSpPr>
+        <a:xfrm>
+          <a:off x="0" y="0"/>
+          <a:ext cx="0" cy="0"/>
+          <a:chOff x="0" y="0"/>
+          <a:chExt cx="0" cy="0"/>
+        </a:xfrm>
+      </p:grpSpPr>
+      <p:sp>
+        <p:nvSpPr>
+          <p:cNvPr id="2" name="제목 1">
+            <a:extLst>
+              <a:ext uri="{FF2B5EF4-FFF2-40B4-BE49-F238E27FC236}">
+                <a16:creationId xmlns:a16="http://schemas.microsoft.com/office/drawing/2014/main" id="{8738443D-5E72-49E2-86AC-581D61C41C39}"/>
+              </a:ext>
+            </a:extLst>
+          </p:cNvPr>
+          <p:cNvSpPr>
+            <a:spLocks noGrp="1"/>
+          </p:cNvSpPr>
+          <p:nvPr>
+            <p:ph type="title"/>
+          </p:nvPr>
+        </p:nvSpPr>
+        <p:spPr>
+          <a:xfrm>
+            <a:off x="457200" y="-92546"/>
+            <a:ext cx="8229600" cy="857250"/>
+          </a:xfrm>
+        </p:spPr>
+        <p:txBody>
+          <a:bodyPr/>
+          <a:lstStyle/>
+          <a:p>
+            <a:r>
               <a:rPr lang="en-US" altLang="ko-KR" dirty="0" err="1"/>
               <a:t>HDFS</a:t>
             </a:r>
@@ -4116,7 +4408,7 @@
               <a:pPr algn="ctr"/>
               <a:r>
                 <a:rPr lang="en-US" altLang="ko-KR" sz="1400"/>
-                <a:t>Data Node</a:t>
+                <a:t>Data Node </a:t>
               </a:r>
               <a:endParaRPr lang="ko-KR" altLang="en-US" sz="1400" dirty="0"/>
             </a:p>
@@ -5163,7 +5455,7 @@
             <a:p>
               <a:r>
                 <a:rPr lang="en-US" altLang="ko-KR" sz="1200"/>
-                <a:t>BLK B = DN 6, DN 3</a:t>
+                <a:t>BLK B = DN 3, DN 4</a:t>
               </a:r>
               <a:endParaRPr lang="ko-KR" altLang="en-US" sz="1200" dirty="0"/>
             </a:p>
@@ -5469,7 +5761,7 @@
         </p:nvSpPr>
         <p:spPr>
           <a:xfrm>
-            <a:off x="3335125" y="1364548"/>
+            <a:off x="3335125" y="1349308"/>
             <a:ext cx="288032" cy="288032"/>
           </a:xfrm>
           <a:prstGeom prst="ellipse">
@@ -6086,70 +6378,6 @@
 </p:sld>
 </file>
 
-<file path=ppt/slides/slide2.xml><?xml version="1.0" encoding="utf-8"?>
-<p:sld xmlns:a="http://schemas.openxmlformats.org/drawingml/2006/main" xmlns:r="http://schemas.openxmlformats.org/officeDocument/2006/relationships" xmlns:p="http://schemas.openxmlformats.org/presentationml/2006/main">
-  <p:cSld>
-    <p:spTree>
-      <p:nvGrpSpPr>
-        <p:cNvPr id="1" name=""/>
-        <p:cNvGrpSpPr/>
-        <p:nvPr/>
-      </p:nvGrpSpPr>
-      <p:grpSpPr>
-        <a:xfrm>
-          <a:off x="0" y="0"/>
-          <a:ext cx="0" cy="0"/>
-          <a:chOff x="0" y="0"/>
-          <a:chExt cx="0" cy="0"/>
-        </a:xfrm>
-      </p:grpSpPr>
-      <p:sp>
-        <p:nvSpPr>
-          <p:cNvPr id="2" name="제목 1">
-            <a:extLst>
-              <a:ext uri="{FF2B5EF4-FFF2-40B4-BE49-F238E27FC236}">
-                <a16:creationId xmlns:a16="http://schemas.microsoft.com/office/drawing/2014/main" id="{8738443D-5E72-49E2-86AC-581D61C41C39}"/>
-              </a:ext>
-            </a:extLst>
-          </p:cNvPr>
-          <p:cNvSpPr>
-            <a:spLocks noGrp="1"/>
-          </p:cNvSpPr>
-          <p:nvPr>
-            <p:ph type="title"/>
-          </p:nvPr>
-        </p:nvSpPr>
-        <p:spPr>
-          <a:xfrm>
-            <a:off x="457200" y="-92546"/>
-            <a:ext cx="8229600" cy="857250"/>
-          </a:xfrm>
-        </p:spPr>
-        <p:txBody>
-          <a:bodyPr/>
-          <a:lstStyle/>
-          <a:p>
-            <a:r>
-              <a:rPr lang="en-US" altLang="ko-KR"/>
-              <a:t>YARN Architecture</a:t>
-            </a:r>
-            <a:endParaRPr lang="ko-KR" altLang="en-US" dirty="0"/>
-          </a:p>
-        </p:txBody>
-      </p:sp>
-    </p:spTree>
-    <p:extLst>
-      <p:ext uri="{BB962C8B-B14F-4D97-AF65-F5344CB8AC3E}">
-        <p14:creationId xmlns:p14="http://schemas.microsoft.com/office/powerpoint/2010/main" val="3724021028"/>
-      </p:ext>
-    </p:extLst>
-  </p:cSld>
-  <p:clrMapOvr>
-    <a:masterClrMapping/>
-  </p:clrMapOvr>
-</p:sld>
-</file>
-
 <file path=ppt/slides/slide3.xml><?xml version="1.0" encoding="utf-8"?>
 <p:sld xmlns:a="http://schemas.openxmlformats.org/drawingml/2006/main" xmlns:r="http://schemas.openxmlformats.org/officeDocument/2006/relationships" xmlns:p="http://schemas.openxmlformats.org/presentationml/2006/main">
   <p:cSld>
@@ -6195,16 +6423,1669 @@
           <a:p>
             <a:r>
               <a:rPr lang="en-US" altLang="ko-KR"/>
-              <a:t>HDFS + YARN Architecture</a:t>
+              <a:t>YARN Architecture</a:t>
             </a:r>
             <a:endParaRPr lang="ko-KR" altLang="en-US" dirty="0"/>
           </a:p>
         </p:txBody>
       </p:sp>
+      <p:grpSp>
+        <p:nvGrpSpPr>
+          <p:cNvPr id="11" name="그룹 10">
+            <a:extLst>
+              <a:ext uri="{FF2B5EF4-FFF2-40B4-BE49-F238E27FC236}">
+                <a16:creationId xmlns:a16="http://schemas.microsoft.com/office/drawing/2014/main" id="{A3600E39-BA08-4E0B-B5FE-308568D4E97E}"/>
+              </a:ext>
+            </a:extLst>
+          </p:cNvPr>
+          <p:cNvGrpSpPr/>
+          <p:nvPr/>
+        </p:nvGrpSpPr>
+        <p:grpSpPr>
+          <a:xfrm>
+            <a:off x="5580112" y="1059582"/>
+            <a:ext cx="1597142" cy="1080120"/>
+            <a:chOff x="2339752" y="2355726"/>
+            <a:chExt cx="1885174" cy="1080120"/>
+          </a:xfrm>
+        </p:grpSpPr>
+        <p:sp>
+          <p:nvSpPr>
+            <p:cNvPr id="4" name="모서리가 둥근 직사각형 18">
+              <a:extLst>
+                <a:ext uri="{FF2B5EF4-FFF2-40B4-BE49-F238E27FC236}">
+                  <a16:creationId xmlns:a16="http://schemas.microsoft.com/office/drawing/2014/main" id="{90910971-3F87-488C-9CD0-4E04E8DEA3B0}"/>
+                </a:ext>
+              </a:extLst>
+            </p:cNvPr>
+            <p:cNvSpPr/>
+            <p:nvPr/>
+          </p:nvSpPr>
+          <p:spPr>
+            <a:xfrm>
+              <a:off x="2339752" y="2355726"/>
+              <a:ext cx="1885174" cy="1080120"/>
+            </a:xfrm>
+            <a:prstGeom prst="roundRect">
+              <a:avLst>
+                <a:gd name="adj" fmla="val 4853"/>
+              </a:avLst>
+            </a:prstGeom>
+          </p:spPr>
+          <p:style>
+            <a:lnRef idx="2">
+              <a:schemeClr val="dk1"/>
+            </a:lnRef>
+            <a:fillRef idx="1">
+              <a:schemeClr val="lt1"/>
+            </a:fillRef>
+            <a:effectRef idx="0">
+              <a:schemeClr val="dk1"/>
+            </a:effectRef>
+            <a:fontRef idx="minor">
+              <a:schemeClr val="dk1"/>
+            </a:fontRef>
+          </p:style>
+          <p:txBody>
+            <a:bodyPr rtlCol="0" anchor="t"/>
+            <a:lstStyle/>
+            <a:p>
+              <a:pPr algn="ctr"/>
+              <a:r>
+                <a:rPr lang="en-US" altLang="ko-KR" sz="1400"/>
+                <a:t>Node</a:t>
+              </a:r>
+              <a:endParaRPr lang="ko-KR" altLang="en-US" sz="1400" dirty="0"/>
+            </a:p>
+          </p:txBody>
+        </p:sp>
+        <p:sp>
+          <p:nvSpPr>
+            <p:cNvPr id="6" name="모서리가 둥근 직사각형 18">
+              <a:extLst>
+                <a:ext uri="{FF2B5EF4-FFF2-40B4-BE49-F238E27FC236}">
+                  <a16:creationId xmlns:a16="http://schemas.microsoft.com/office/drawing/2014/main" id="{F5302ADF-D203-4131-A3B2-4F84C5314C62}"/>
+                </a:ext>
+              </a:extLst>
+            </p:cNvPr>
+            <p:cNvSpPr/>
+            <p:nvPr/>
+          </p:nvSpPr>
+          <p:spPr>
+            <a:xfrm>
+              <a:off x="2490252" y="2715766"/>
+              <a:ext cx="1584176" cy="576064"/>
+            </a:xfrm>
+            <a:prstGeom prst="roundRect">
+              <a:avLst>
+                <a:gd name="adj" fmla="val 9948"/>
+              </a:avLst>
+            </a:prstGeom>
+          </p:spPr>
+          <p:style>
+            <a:lnRef idx="2">
+              <a:schemeClr val="dk1"/>
+            </a:lnRef>
+            <a:fillRef idx="1">
+              <a:schemeClr val="lt1"/>
+            </a:fillRef>
+            <a:effectRef idx="0">
+              <a:schemeClr val="dk1"/>
+            </a:effectRef>
+            <a:fontRef idx="minor">
+              <a:schemeClr val="dk1"/>
+            </a:fontRef>
+          </p:style>
+          <p:txBody>
+            <a:bodyPr rtlCol="0" anchor="ctr"/>
+            <a:lstStyle/>
+            <a:p>
+              <a:pPr algn="ctr"/>
+              <a:r>
+                <a:rPr lang="en-US" altLang="ko-KR" sz="1400"/>
+                <a:t>Resource Manager</a:t>
+              </a:r>
+              <a:endParaRPr lang="ko-KR" altLang="en-US" sz="1400" dirty="0"/>
+            </a:p>
+          </p:txBody>
+        </p:sp>
+      </p:grpSp>
+      <p:sp>
+        <p:nvSpPr>
+          <p:cNvPr id="30" name="타원 29">
+            <a:extLst>
+              <a:ext uri="{FF2B5EF4-FFF2-40B4-BE49-F238E27FC236}">
+                <a16:creationId xmlns:a16="http://schemas.microsoft.com/office/drawing/2014/main" id="{0006BDA6-9444-4FFD-B5BD-EED6E274CFFA}"/>
+              </a:ext>
+            </a:extLst>
+          </p:cNvPr>
+          <p:cNvSpPr/>
+          <p:nvPr/>
+        </p:nvSpPr>
+        <p:spPr>
+          <a:xfrm>
+            <a:off x="3923928" y="1419622"/>
+            <a:ext cx="1368152" cy="576064"/>
+          </a:xfrm>
+          <a:prstGeom prst="ellipse">
+            <a:avLst/>
+          </a:prstGeom>
+        </p:spPr>
+        <p:style>
+          <a:lnRef idx="2">
+            <a:schemeClr val="dk1"/>
+          </a:lnRef>
+          <a:fillRef idx="1">
+            <a:schemeClr val="lt1"/>
+          </a:fillRef>
+          <a:effectRef idx="0">
+            <a:schemeClr val="dk1"/>
+          </a:effectRef>
+          <a:fontRef idx="minor">
+            <a:schemeClr val="dk1"/>
+          </a:fontRef>
+        </p:style>
+        <p:txBody>
+          <a:bodyPr rtlCol="0" anchor="ctr"/>
+          <a:lstStyle/>
+          <a:p>
+            <a:pPr algn="ctr"/>
+            <a:r>
+              <a:rPr lang="en-US" altLang="ko-KR" sz="1400"/>
+              <a:t>Client</a:t>
+            </a:r>
+            <a:endParaRPr lang="ko-KR" altLang="en-US" sz="1400"/>
+          </a:p>
+        </p:txBody>
+      </p:sp>
+      <p:grpSp>
+        <p:nvGrpSpPr>
+          <p:cNvPr id="33" name="그룹 32">
+            <a:extLst>
+              <a:ext uri="{FF2B5EF4-FFF2-40B4-BE49-F238E27FC236}">
+                <a16:creationId xmlns:a16="http://schemas.microsoft.com/office/drawing/2014/main" id="{9A86C010-2B27-4338-B55B-6A29AE919A29}"/>
+              </a:ext>
+            </a:extLst>
+          </p:cNvPr>
+          <p:cNvGrpSpPr/>
+          <p:nvPr/>
+        </p:nvGrpSpPr>
+        <p:grpSpPr>
+          <a:xfrm>
+            <a:off x="5740640" y="2499742"/>
+            <a:ext cx="1855696" cy="2232248"/>
+            <a:chOff x="4588512" y="2715766"/>
+            <a:chExt cx="1855696" cy="2232248"/>
+          </a:xfrm>
+        </p:grpSpPr>
+        <p:sp>
+          <p:nvSpPr>
+            <p:cNvPr id="25" name="모서리가 둥근 직사각형 18">
+              <a:extLst>
+                <a:ext uri="{FF2B5EF4-FFF2-40B4-BE49-F238E27FC236}">
+                  <a16:creationId xmlns:a16="http://schemas.microsoft.com/office/drawing/2014/main" id="{6AEE18CE-E129-4D51-AA94-179034642DC8}"/>
+                </a:ext>
+              </a:extLst>
+            </p:cNvPr>
+            <p:cNvSpPr/>
+            <p:nvPr/>
+          </p:nvSpPr>
+          <p:spPr>
+            <a:xfrm>
+              <a:off x="4588512" y="2715766"/>
+              <a:ext cx="1855696" cy="2232248"/>
+            </a:xfrm>
+            <a:prstGeom prst="roundRect">
+              <a:avLst>
+                <a:gd name="adj" fmla="val 4069"/>
+              </a:avLst>
+            </a:prstGeom>
+          </p:spPr>
+          <p:style>
+            <a:lnRef idx="2">
+              <a:schemeClr val="dk1"/>
+            </a:lnRef>
+            <a:fillRef idx="1">
+              <a:schemeClr val="lt1"/>
+            </a:fillRef>
+            <a:effectRef idx="0">
+              <a:schemeClr val="dk1"/>
+            </a:effectRef>
+            <a:fontRef idx="minor">
+              <a:schemeClr val="dk1"/>
+            </a:fontRef>
+          </p:style>
+          <p:txBody>
+            <a:bodyPr rtlCol="0" anchor="b"/>
+            <a:lstStyle/>
+            <a:p>
+              <a:pPr algn="ctr"/>
+              <a:r>
+                <a:rPr lang="en-US" altLang="ko-KR" sz="1400"/>
+                <a:t>Node</a:t>
+              </a:r>
+              <a:endParaRPr lang="ko-KR" altLang="en-US" sz="1400" dirty="0"/>
+            </a:p>
+          </p:txBody>
+        </p:sp>
+        <p:sp>
+          <p:nvSpPr>
+            <p:cNvPr id="26" name="모서리가 둥근 직사각형 18">
+              <a:extLst>
+                <a:ext uri="{FF2B5EF4-FFF2-40B4-BE49-F238E27FC236}">
+                  <a16:creationId xmlns:a16="http://schemas.microsoft.com/office/drawing/2014/main" id="{D48DB822-70CE-4692-84EA-0B6DB2416FCB}"/>
+                </a:ext>
+              </a:extLst>
+            </p:cNvPr>
+            <p:cNvSpPr/>
+            <p:nvPr/>
+          </p:nvSpPr>
+          <p:spPr>
+            <a:xfrm>
+              <a:off x="4716016" y="2830894"/>
+              <a:ext cx="1584176" cy="400214"/>
+            </a:xfrm>
+            <a:prstGeom prst="roundRect">
+              <a:avLst>
+                <a:gd name="adj" fmla="val 14647"/>
+              </a:avLst>
+            </a:prstGeom>
+          </p:spPr>
+          <p:style>
+            <a:lnRef idx="2">
+              <a:schemeClr val="dk1"/>
+            </a:lnRef>
+            <a:fillRef idx="1">
+              <a:schemeClr val="lt1"/>
+            </a:fillRef>
+            <a:effectRef idx="0">
+              <a:schemeClr val="dk1"/>
+            </a:effectRef>
+            <a:fontRef idx="minor">
+              <a:schemeClr val="dk1"/>
+            </a:fontRef>
+          </p:style>
+          <p:txBody>
+            <a:bodyPr rtlCol="0" anchor="ctr"/>
+            <a:lstStyle/>
+            <a:p>
+              <a:pPr algn="ctr"/>
+              <a:r>
+                <a:rPr lang="en-US" altLang="ko-KR" sz="1400"/>
+                <a:t>Node Manager</a:t>
+              </a:r>
+              <a:endParaRPr lang="ko-KR" altLang="en-US" sz="1400" dirty="0"/>
+            </a:p>
+          </p:txBody>
+        </p:sp>
+        <p:sp>
+          <p:nvSpPr>
+            <p:cNvPr id="29" name="타원 28">
+              <a:extLst>
+                <a:ext uri="{FF2B5EF4-FFF2-40B4-BE49-F238E27FC236}">
+                  <a16:creationId xmlns:a16="http://schemas.microsoft.com/office/drawing/2014/main" id="{2BEC81A8-29EC-4B48-BA5A-8B4A17017AFB}"/>
+                </a:ext>
+              </a:extLst>
+            </p:cNvPr>
+            <p:cNvSpPr/>
+            <p:nvPr/>
+          </p:nvSpPr>
+          <p:spPr>
+            <a:xfrm>
+              <a:off x="4716016" y="3363838"/>
+              <a:ext cx="1584176" cy="576064"/>
+            </a:xfrm>
+            <a:prstGeom prst="ellipse">
+              <a:avLst/>
+            </a:prstGeom>
+          </p:spPr>
+          <p:style>
+            <a:lnRef idx="2">
+              <a:schemeClr val="dk1"/>
+            </a:lnRef>
+            <a:fillRef idx="1">
+              <a:schemeClr val="lt1"/>
+            </a:fillRef>
+            <a:effectRef idx="0">
+              <a:schemeClr val="dk1"/>
+            </a:effectRef>
+            <a:fontRef idx="minor">
+              <a:schemeClr val="dk1"/>
+            </a:fontRef>
+          </p:style>
+          <p:txBody>
+            <a:bodyPr rtlCol="0" anchor="ctr"/>
+            <a:lstStyle/>
+            <a:p>
+              <a:pPr algn="ctr"/>
+              <a:r>
+                <a:rPr lang="en-US" altLang="ko-KR" sz="1400"/>
+                <a:t>Container</a:t>
+              </a:r>
+              <a:endParaRPr lang="ko-KR" altLang="en-US" sz="1400"/>
+            </a:p>
+          </p:txBody>
+        </p:sp>
+        <p:sp>
+          <p:nvSpPr>
+            <p:cNvPr id="32" name="타원 31">
+              <a:extLst>
+                <a:ext uri="{FF2B5EF4-FFF2-40B4-BE49-F238E27FC236}">
+                  <a16:creationId xmlns:a16="http://schemas.microsoft.com/office/drawing/2014/main" id="{063B64BF-6FC2-4B18-B822-0D3C058F948F}"/>
+                </a:ext>
+              </a:extLst>
+            </p:cNvPr>
+            <p:cNvSpPr/>
+            <p:nvPr/>
+          </p:nvSpPr>
+          <p:spPr>
+            <a:xfrm>
+              <a:off x="4716016" y="4011910"/>
+              <a:ext cx="1584176" cy="576064"/>
+            </a:xfrm>
+            <a:prstGeom prst="ellipse">
+              <a:avLst/>
+            </a:prstGeom>
+          </p:spPr>
+          <p:style>
+            <a:lnRef idx="2">
+              <a:schemeClr val="dk1"/>
+            </a:lnRef>
+            <a:fillRef idx="1">
+              <a:schemeClr val="lt1"/>
+            </a:fillRef>
+            <a:effectRef idx="0">
+              <a:schemeClr val="dk1"/>
+            </a:effectRef>
+            <a:fontRef idx="minor">
+              <a:schemeClr val="dk1"/>
+            </a:fontRef>
+          </p:style>
+          <p:txBody>
+            <a:bodyPr rtlCol="0" anchor="ctr"/>
+            <a:lstStyle/>
+            <a:p>
+              <a:pPr algn="ctr"/>
+              <a:r>
+                <a:rPr lang="en-US" altLang="ko-KR" sz="1400"/>
+                <a:t>App Master</a:t>
+              </a:r>
+              <a:endParaRPr lang="ko-KR" altLang="en-US" sz="1400"/>
+            </a:p>
+          </p:txBody>
+        </p:sp>
+      </p:grpSp>
+      <p:grpSp>
+        <p:nvGrpSpPr>
+          <p:cNvPr id="34" name="그룹 33">
+            <a:extLst>
+              <a:ext uri="{FF2B5EF4-FFF2-40B4-BE49-F238E27FC236}">
+                <a16:creationId xmlns:a16="http://schemas.microsoft.com/office/drawing/2014/main" id="{9BE38D30-A714-43C7-A232-EC5DC17B29CB}"/>
+              </a:ext>
+            </a:extLst>
+          </p:cNvPr>
+          <p:cNvGrpSpPr/>
+          <p:nvPr/>
+        </p:nvGrpSpPr>
+        <p:grpSpPr>
+          <a:xfrm>
+            <a:off x="3678461" y="2499742"/>
+            <a:ext cx="1855696" cy="2232248"/>
+            <a:chOff x="4588512" y="2715766"/>
+            <a:chExt cx="1855696" cy="2232248"/>
+          </a:xfrm>
+        </p:grpSpPr>
+        <p:sp>
+          <p:nvSpPr>
+            <p:cNvPr id="35" name="모서리가 둥근 직사각형 18">
+              <a:extLst>
+                <a:ext uri="{FF2B5EF4-FFF2-40B4-BE49-F238E27FC236}">
+                  <a16:creationId xmlns:a16="http://schemas.microsoft.com/office/drawing/2014/main" id="{C82D4484-29CF-4C5C-94F6-3E611E578082}"/>
+                </a:ext>
+              </a:extLst>
+            </p:cNvPr>
+            <p:cNvSpPr/>
+            <p:nvPr/>
+          </p:nvSpPr>
+          <p:spPr>
+            <a:xfrm>
+              <a:off x="4588512" y="2715766"/>
+              <a:ext cx="1855696" cy="2232248"/>
+            </a:xfrm>
+            <a:prstGeom prst="roundRect">
+              <a:avLst>
+                <a:gd name="adj" fmla="val 4069"/>
+              </a:avLst>
+            </a:prstGeom>
+          </p:spPr>
+          <p:style>
+            <a:lnRef idx="2">
+              <a:schemeClr val="dk1"/>
+            </a:lnRef>
+            <a:fillRef idx="1">
+              <a:schemeClr val="lt1"/>
+            </a:fillRef>
+            <a:effectRef idx="0">
+              <a:schemeClr val="dk1"/>
+            </a:effectRef>
+            <a:fontRef idx="minor">
+              <a:schemeClr val="dk1"/>
+            </a:fontRef>
+          </p:style>
+          <p:txBody>
+            <a:bodyPr rtlCol="0" anchor="b"/>
+            <a:lstStyle/>
+            <a:p>
+              <a:pPr algn="ctr"/>
+              <a:r>
+                <a:rPr lang="en-US" altLang="ko-KR" sz="1400"/>
+                <a:t>Node</a:t>
+              </a:r>
+              <a:endParaRPr lang="ko-KR" altLang="en-US" sz="1400" dirty="0"/>
+            </a:p>
+          </p:txBody>
+        </p:sp>
+        <p:sp>
+          <p:nvSpPr>
+            <p:cNvPr id="36" name="모서리가 둥근 직사각형 18">
+              <a:extLst>
+                <a:ext uri="{FF2B5EF4-FFF2-40B4-BE49-F238E27FC236}">
+                  <a16:creationId xmlns:a16="http://schemas.microsoft.com/office/drawing/2014/main" id="{49DD9DEF-515F-4613-B0A2-804648D3051B}"/>
+                </a:ext>
+              </a:extLst>
+            </p:cNvPr>
+            <p:cNvSpPr/>
+            <p:nvPr/>
+          </p:nvSpPr>
+          <p:spPr>
+            <a:xfrm>
+              <a:off x="4716016" y="2830894"/>
+              <a:ext cx="1584176" cy="400214"/>
+            </a:xfrm>
+            <a:prstGeom prst="roundRect">
+              <a:avLst>
+                <a:gd name="adj" fmla="val 16762"/>
+              </a:avLst>
+            </a:prstGeom>
+          </p:spPr>
+          <p:style>
+            <a:lnRef idx="2">
+              <a:schemeClr val="dk1"/>
+            </a:lnRef>
+            <a:fillRef idx="1">
+              <a:schemeClr val="lt1"/>
+            </a:fillRef>
+            <a:effectRef idx="0">
+              <a:schemeClr val="dk1"/>
+            </a:effectRef>
+            <a:fontRef idx="minor">
+              <a:schemeClr val="dk1"/>
+            </a:fontRef>
+          </p:style>
+          <p:txBody>
+            <a:bodyPr rtlCol="0" anchor="ctr"/>
+            <a:lstStyle/>
+            <a:p>
+              <a:pPr algn="ctr"/>
+              <a:r>
+                <a:rPr lang="en-US" altLang="ko-KR" sz="1400"/>
+                <a:t>Node Manager</a:t>
+              </a:r>
+              <a:endParaRPr lang="ko-KR" altLang="en-US" sz="1400" dirty="0"/>
+            </a:p>
+          </p:txBody>
+        </p:sp>
+        <p:sp>
+          <p:nvSpPr>
+            <p:cNvPr id="37" name="타원 36">
+              <a:extLst>
+                <a:ext uri="{FF2B5EF4-FFF2-40B4-BE49-F238E27FC236}">
+                  <a16:creationId xmlns:a16="http://schemas.microsoft.com/office/drawing/2014/main" id="{D329FBA2-B77D-4E7E-BF42-A15EA9A82853}"/>
+                </a:ext>
+              </a:extLst>
+            </p:cNvPr>
+            <p:cNvSpPr/>
+            <p:nvPr/>
+          </p:nvSpPr>
+          <p:spPr>
+            <a:xfrm>
+              <a:off x="4716016" y="3363838"/>
+              <a:ext cx="1584176" cy="576064"/>
+            </a:xfrm>
+            <a:prstGeom prst="ellipse">
+              <a:avLst/>
+            </a:prstGeom>
+          </p:spPr>
+          <p:style>
+            <a:lnRef idx="2">
+              <a:schemeClr val="dk1"/>
+            </a:lnRef>
+            <a:fillRef idx="1">
+              <a:schemeClr val="lt1"/>
+            </a:fillRef>
+            <a:effectRef idx="0">
+              <a:schemeClr val="dk1"/>
+            </a:effectRef>
+            <a:fontRef idx="minor">
+              <a:schemeClr val="dk1"/>
+            </a:fontRef>
+          </p:style>
+          <p:txBody>
+            <a:bodyPr rtlCol="0" anchor="ctr"/>
+            <a:lstStyle/>
+            <a:p>
+              <a:pPr algn="ctr"/>
+              <a:r>
+                <a:rPr lang="en-US" altLang="ko-KR" sz="1400"/>
+                <a:t>App Master</a:t>
+              </a:r>
+              <a:endParaRPr lang="ko-KR" altLang="en-US" sz="1400"/>
+            </a:p>
+          </p:txBody>
+        </p:sp>
+        <p:sp>
+          <p:nvSpPr>
+            <p:cNvPr id="38" name="타원 37">
+              <a:extLst>
+                <a:ext uri="{FF2B5EF4-FFF2-40B4-BE49-F238E27FC236}">
+                  <a16:creationId xmlns:a16="http://schemas.microsoft.com/office/drawing/2014/main" id="{8CB86B7F-4412-4AF3-B74B-6B6EF03CD3DA}"/>
+                </a:ext>
+              </a:extLst>
+            </p:cNvPr>
+            <p:cNvSpPr/>
+            <p:nvPr/>
+          </p:nvSpPr>
+          <p:spPr>
+            <a:xfrm>
+              <a:off x="4716016" y="4011910"/>
+              <a:ext cx="1584176" cy="576064"/>
+            </a:xfrm>
+            <a:prstGeom prst="ellipse">
+              <a:avLst/>
+            </a:prstGeom>
+          </p:spPr>
+          <p:style>
+            <a:lnRef idx="2">
+              <a:schemeClr val="dk1"/>
+            </a:lnRef>
+            <a:fillRef idx="1">
+              <a:schemeClr val="lt1"/>
+            </a:fillRef>
+            <a:effectRef idx="0">
+              <a:schemeClr val="dk1"/>
+            </a:effectRef>
+            <a:fontRef idx="minor">
+              <a:schemeClr val="dk1"/>
+            </a:fontRef>
+          </p:style>
+          <p:txBody>
+            <a:bodyPr rtlCol="0" anchor="ctr"/>
+            <a:lstStyle/>
+            <a:p>
+              <a:pPr algn="ctr"/>
+              <a:r>
+                <a:rPr lang="en-US" altLang="ko-KR" sz="1400"/>
+                <a:t>Container</a:t>
+              </a:r>
+              <a:endParaRPr lang="ko-KR" altLang="en-US" sz="1400"/>
+            </a:p>
+          </p:txBody>
+        </p:sp>
+      </p:grpSp>
+      <p:grpSp>
+        <p:nvGrpSpPr>
+          <p:cNvPr id="39" name="그룹 38">
+            <a:extLst>
+              <a:ext uri="{FF2B5EF4-FFF2-40B4-BE49-F238E27FC236}">
+                <a16:creationId xmlns:a16="http://schemas.microsoft.com/office/drawing/2014/main" id="{041B3429-195D-4E8E-A031-AFDBF3481C8B}"/>
+              </a:ext>
+            </a:extLst>
+          </p:cNvPr>
+          <p:cNvGrpSpPr/>
+          <p:nvPr/>
+        </p:nvGrpSpPr>
+        <p:grpSpPr>
+          <a:xfrm>
+            <a:off x="1619672" y="2499742"/>
+            <a:ext cx="1855696" cy="2232248"/>
+            <a:chOff x="4588512" y="2715766"/>
+            <a:chExt cx="1855696" cy="2232248"/>
+          </a:xfrm>
+        </p:grpSpPr>
+        <p:sp>
+          <p:nvSpPr>
+            <p:cNvPr id="40" name="모서리가 둥근 직사각형 18">
+              <a:extLst>
+                <a:ext uri="{FF2B5EF4-FFF2-40B4-BE49-F238E27FC236}">
+                  <a16:creationId xmlns:a16="http://schemas.microsoft.com/office/drawing/2014/main" id="{8BCD1206-46E7-48C1-8D0E-79201C2239CB}"/>
+                </a:ext>
+              </a:extLst>
+            </p:cNvPr>
+            <p:cNvSpPr/>
+            <p:nvPr/>
+          </p:nvSpPr>
+          <p:spPr>
+            <a:xfrm>
+              <a:off x="4588512" y="2715766"/>
+              <a:ext cx="1855696" cy="2232248"/>
+            </a:xfrm>
+            <a:prstGeom prst="roundRect">
+              <a:avLst>
+                <a:gd name="adj" fmla="val 4069"/>
+              </a:avLst>
+            </a:prstGeom>
+          </p:spPr>
+          <p:style>
+            <a:lnRef idx="2">
+              <a:schemeClr val="dk1"/>
+            </a:lnRef>
+            <a:fillRef idx="1">
+              <a:schemeClr val="lt1"/>
+            </a:fillRef>
+            <a:effectRef idx="0">
+              <a:schemeClr val="dk1"/>
+            </a:effectRef>
+            <a:fontRef idx="minor">
+              <a:schemeClr val="dk1"/>
+            </a:fontRef>
+          </p:style>
+          <p:txBody>
+            <a:bodyPr rtlCol="0" anchor="b"/>
+            <a:lstStyle/>
+            <a:p>
+              <a:pPr algn="ctr"/>
+              <a:r>
+                <a:rPr lang="en-US" altLang="ko-KR" sz="1400"/>
+                <a:t>Node</a:t>
+              </a:r>
+              <a:endParaRPr lang="ko-KR" altLang="en-US" sz="1400" dirty="0"/>
+            </a:p>
+          </p:txBody>
+        </p:sp>
+        <p:sp>
+          <p:nvSpPr>
+            <p:cNvPr id="41" name="모서리가 둥근 직사각형 18">
+              <a:extLst>
+                <a:ext uri="{FF2B5EF4-FFF2-40B4-BE49-F238E27FC236}">
+                  <a16:creationId xmlns:a16="http://schemas.microsoft.com/office/drawing/2014/main" id="{8385447B-8931-4CDC-A0D2-091BF7CB022F}"/>
+                </a:ext>
+              </a:extLst>
+            </p:cNvPr>
+            <p:cNvSpPr/>
+            <p:nvPr/>
+          </p:nvSpPr>
+          <p:spPr>
+            <a:xfrm>
+              <a:off x="4716016" y="2830894"/>
+              <a:ext cx="1584176" cy="400214"/>
+            </a:xfrm>
+            <a:prstGeom prst="roundRect">
+              <a:avLst>
+                <a:gd name="adj" fmla="val 12531"/>
+              </a:avLst>
+            </a:prstGeom>
+          </p:spPr>
+          <p:style>
+            <a:lnRef idx="2">
+              <a:schemeClr val="dk1"/>
+            </a:lnRef>
+            <a:fillRef idx="1">
+              <a:schemeClr val="lt1"/>
+            </a:fillRef>
+            <a:effectRef idx="0">
+              <a:schemeClr val="dk1"/>
+            </a:effectRef>
+            <a:fontRef idx="minor">
+              <a:schemeClr val="dk1"/>
+            </a:fontRef>
+          </p:style>
+          <p:txBody>
+            <a:bodyPr rtlCol="0" anchor="ctr"/>
+            <a:lstStyle/>
+            <a:p>
+              <a:pPr algn="ctr"/>
+              <a:r>
+                <a:rPr lang="en-US" altLang="ko-KR" sz="1400"/>
+                <a:t>Node Manager</a:t>
+              </a:r>
+              <a:endParaRPr lang="ko-KR" altLang="en-US" sz="1400" dirty="0"/>
+            </a:p>
+          </p:txBody>
+        </p:sp>
+        <p:sp>
+          <p:nvSpPr>
+            <p:cNvPr id="42" name="타원 41">
+              <a:extLst>
+                <a:ext uri="{FF2B5EF4-FFF2-40B4-BE49-F238E27FC236}">
+                  <a16:creationId xmlns:a16="http://schemas.microsoft.com/office/drawing/2014/main" id="{F1C4200D-7DB9-4A55-AAFB-2DA167EC27B7}"/>
+                </a:ext>
+              </a:extLst>
+            </p:cNvPr>
+            <p:cNvSpPr/>
+            <p:nvPr/>
+          </p:nvSpPr>
+          <p:spPr>
+            <a:xfrm>
+              <a:off x="4716016" y="3363838"/>
+              <a:ext cx="1584176" cy="576064"/>
+            </a:xfrm>
+            <a:prstGeom prst="ellipse">
+              <a:avLst/>
+            </a:prstGeom>
+          </p:spPr>
+          <p:style>
+            <a:lnRef idx="2">
+              <a:schemeClr val="dk1"/>
+            </a:lnRef>
+            <a:fillRef idx="1">
+              <a:schemeClr val="lt1"/>
+            </a:fillRef>
+            <a:effectRef idx="0">
+              <a:schemeClr val="dk1"/>
+            </a:effectRef>
+            <a:fontRef idx="minor">
+              <a:schemeClr val="dk1"/>
+            </a:fontRef>
+          </p:style>
+          <p:txBody>
+            <a:bodyPr rtlCol="0" anchor="ctr"/>
+            <a:lstStyle/>
+            <a:p>
+              <a:pPr algn="ctr"/>
+              <a:r>
+                <a:rPr lang="en-US" altLang="ko-KR" sz="1400"/>
+                <a:t>Container</a:t>
+              </a:r>
+              <a:endParaRPr lang="ko-KR" altLang="en-US" sz="1400"/>
+            </a:p>
+          </p:txBody>
+        </p:sp>
+        <p:sp>
+          <p:nvSpPr>
+            <p:cNvPr id="43" name="타원 42">
+              <a:extLst>
+                <a:ext uri="{FF2B5EF4-FFF2-40B4-BE49-F238E27FC236}">
+                  <a16:creationId xmlns:a16="http://schemas.microsoft.com/office/drawing/2014/main" id="{4DD7207F-BE20-4232-B346-EA201B5A8D78}"/>
+                </a:ext>
+              </a:extLst>
+            </p:cNvPr>
+            <p:cNvSpPr/>
+            <p:nvPr/>
+          </p:nvSpPr>
+          <p:spPr>
+            <a:xfrm>
+              <a:off x="4716016" y="4011910"/>
+              <a:ext cx="1584176" cy="576064"/>
+            </a:xfrm>
+            <a:prstGeom prst="ellipse">
+              <a:avLst/>
+            </a:prstGeom>
+          </p:spPr>
+          <p:style>
+            <a:lnRef idx="2">
+              <a:schemeClr val="dk1"/>
+            </a:lnRef>
+            <a:fillRef idx="1">
+              <a:schemeClr val="lt1"/>
+            </a:fillRef>
+            <a:effectRef idx="0">
+              <a:schemeClr val="dk1"/>
+            </a:effectRef>
+            <a:fontRef idx="minor">
+              <a:schemeClr val="dk1"/>
+            </a:fontRef>
+          </p:style>
+          <p:txBody>
+            <a:bodyPr rtlCol="0" anchor="ctr"/>
+            <a:lstStyle/>
+            <a:p>
+              <a:pPr algn="ctr"/>
+              <a:r>
+                <a:rPr lang="en-US" altLang="ko-KR" sz="1400"/>
+                <a:t>Container</a:t>
+              </a:r>
+              <a:endParaRPr lang="ko-KR" altLang="en-US" sz="1400"/>
+            </a:p>
+          </p:txBody>
+        </p:sp>
+      </p:grpSp>
+      <p:cxnSp>
+        <p:nvCxnSpPr>
+          <p:cNvPr id="45" name="직선 화살표 연결선 44">
+            <a:extLst>
+              <a:ext uri="{FF2B5EF4-FFF2-40B4-BE49-F238E27FC236}">
+                <a16:creationId xmlns:a16="http://schemas.microsoft.com/office/drawing/2014/main" id="{63CD95EA-9302-411A-9FCB-C8FDCBFA495D}"/>
+              </a:ext>
+            </a:extLst>
+          </p:cNvPr>
+          <p:cNvCxnSpPr>
+            <a:cxnSpLocks/>
+            <a:stCxn id="41" idx="0"/>
+            <a:endCxn id="6" idx="2"/>
+          </p:cNvCxnSpPr>
+          <p:nvPr/>
+        </p:nvCxnSpPr>
+        <p:spPr>
+          <a:xfrm flipV="1">
+            <a:off x="2539264" y="1995686"/>
+            <a:ext cx="3839420" cy="619184"/>
+          </a:xfrm>
+          <a:prstGeom prst="straightConnector1">
+            <a:avLst/>
+          </a:prstGeom>
+          <a:ln w="28575">
+            <a:solidFill>
+              <a:srgbClr val="C00000"/>
+            </a:solidFill>
+            <a:headEnd type="none" w="med" len="med"/>
+            <a:tailEnd type="arrow" w="med" len="med"/>
+          </a:ln>
+        </p:spPr>
+        <p:style>
+          <a:lnRef idx="1">
+            <a:schemeClr val="accent1"/>
+          </a:lnRef>
+          <a:fillRef idx="0">
+            <a:schemeClr val="accent1"/>
+          </a:fillRef>
+          <a:effectRef idx="0">
+            <a:schemeClr val="accent1"/>
+          </a:effectRef>
+          <a:fontRef idx="minor">
+            <a:schemeClr val="tx1"/>
+          </a:fontRef>
+        </p:style>
+      </p:cxnSp>
+      <p:cxnSp>
+        <p:nvCxnSpPr>
+          <p:cNvPr id="48" name="직선 화살표 연결선 47">
+            <a:extLst>
+              <a:ext uri="{FF2B5EF4-FFF2-40B4-BE49-F238E27FC236}">
+                <a16:creationId xmlns:a16="http://schemas.microsoft.com/office/drawing/2014/main" id="{A9100779-8D7F-447C-B48B-26391BE18849}"/>
+              </a:ext>
+            </a:extLst>
+          </p:cNvPr>
+          <p:cNvCxnSpPr>
+            <a:cxnSpLocks/>
+            <a:stCxn id="36" idx="0"/>
+            <a:endCxn id="6" idx="2"/>
+          </p:cNvCxnSpPr>
+          <p:nvPr/>
+        </p:nvCxnSpPr>
+        <p:spPr>
+          <a:xfrm flipV="1">
+            <a:off x="4598053" y="1995686"/>
+            <a:ext cx="1780631" cy="619184"/>
+          </a:xfrm>
+          <a:prstGeom prst="straightConnector1">
+            <a:avLst/>
+          </a:prstGeom>
+          <a:ln w="28575">
+            <a:solidFill>
+              <a:srgbClr val="C00000"/>
+            </a:solidFill>
+            <a:headEnd type="none" w="med" len="med"/>
+            <a:tailEnd type="arrow" w="med" len="med"/>
+          </a:ln>
+        </p:spPr>
+        <p:style>
+          <a:lnRef idx="1">
+            <a:schemeClr val="accent1"/>
+          </a:lnRef>
+          <a:fillRef idx="0">
+            <a:schemeClr val="accent1"/>
+          </a:fillRef>
+          <a:effectRef idx="0">
+            <a:schemeClr val="accent1"/>
+          </a:effectRef>
+          <a:fontRef idx="minor">
+            <a:schemeClr val="tx1"/>
+          </a:fontRef>
+        </p:style>
+      </p:cxnSp>
+      <p:cxnSp>
+        <p:nvCxnSpPr>
+          <p:cNvPr id="51" name="직선 화살표 연결선 50">
+            <a:extLst>
+              <a:ext uri="{FF2B5EF4-FFF2-40B4-BE49-F238E27FC236}">
+                <a16:creationId xmlns:a16="http://schemas.microsoft.com/office/drawing/2014/main" id="{3933F28B-AC51-417E-BC5B-2AD39C7EFC81}"/>
+              </a:ext>
+            </a:extLst>
+          </p:cNvPr>
+          <p:cNvCxnSpPr>
+            <a:cxnSpLocks/>
+            <a:stCxn id="26" idx="0"/>
+            <a:endCxn id="6" idx="2"/>
+          </p:cNvCxnSpPr>
+          <p:nvPr/>
+        </p:nvCxnSpPr>
+        <p:spPr>
+          <a:xfrm flipH="1" flipV="1">
+            <a:off x="6378684" y="1995686"/>
+            <a:ext cx="281548" cy="619184"/>
+          </a:xfrm>
+          <a:prstGeom prst="straightConnector1">
+            <a:avLst/>
+          </a:prstGeom>
+          <a:ln w="28575">
+            <a:solidFill>
+              <a:srgbClr val="C00000"/>
+            </a:solidFill>
+            <a:headEnd type="none" w="med" len="med"/>
+            <a:tailEnd type="arrow" w="med" len="med"/>
+          </a:ln>
+        </p:spPr>
+        <p:style>
+          <a:lnRef idx="1">
+            <a:schemeClr val="accent1"/>
+          </a:lnRef>
+          <a:fillRef idx="0">
+            <a:schemeClr val="accent1"/>
+          </a:fillRef>
+          <a:effectRef idx="0">
+            <a:schemeClr val="accent1"/>
+          </a:effectRef>
+          <a:fontRef idx="minor">
+            <a:schemeClr val="tx1"/>
+          </a:fontRef>
+        </p:style>
+      </p:cxnSp>
+      <p:cxnSp>
+        <p:nvCxnSpPr>
+          <p:cNvPr id="54" name="직선 화살표 연결선 53">
+            <a:extLst>
+              <a:ext uri="{FF2B5EF4-FFF2-40B4-BE49-F238E27FC236}">
+                <a16:creationId xmlns:a16="http://schemas.microsoft.com/office/drawing/2014/main" id="{6AA93637-C65C-4B5A-8B53-8E544BBE6A7F}"/>
+              </a:ext>
+            </a:extLst>
+          </p:cNvPr>
+          <p:cNvCxnSpPr>
+            <a:cxnSpLocks/>
+            <a:stCxn id="42" idx="6"/>
+            <a:endCxn id="37" idx="2"/>
+          </p:cNvCxnSpPr>
+          <p:nvPr/>
+        </p:nvCxnSpPr>
+        <p:spPr>
+          <a:xfrm>
+            <a:off x="3331352" y="3435846"/>
+            <a:ext cx="474613" cy="0"/>
+          </a:xfrm>
+          <a:prstGeom prst="straightConnector1">
+            <a:avLst/>
+          </a:prstGeom>
+          <a:ln w="28575">
+            <a:solidFill>
+              <a:schemeClr val="tx2"/>
+            </a:solidFill>
+            <a:headEnd type="none" w="med" len="med"/>
+            <a:tailEnd type="arrow" w="med" len="med"/>
+          </a:ln>
+        </p:spPr>
+        <p:style>
+          <a:lnRef idx="1">
+            <a:schemeClr val="accent1"/>
+          </a:lnRef>
+          <a:fillRef idx="0">
+            <a:schemeClr val="accent1"/>
+          </a:fillRef>
+          <a:effectRef idx="0">
+            <a:schemeClr val="accent1"/>
+          </a:effectRef>
+          <a:fontRef idx="minor">
+            <a:schemeClr val="tx1"/>
+          </a:fontRef>
+        </p:style>
+      </p:cxnSp>
+      <p:cxnSp>
+        <p:nvCxnSpPr>
+          <p:cNvPr id="57" name="직선 화살표 연결선 56">
+            <a:extLst>
+              <a:ext uri="{FF2B5EF4-FFF2-40B4-BE49-F238E27FC236}">
+                <a16:creationId xmlns:a16="http://schemas.microsoft.com/office/drawing/2014/main" id="{3A100D49-C29F-4AB6-B28A-334EF96F16AF}"/>
+              </a:ext>
+            </a:extLst>
+          </p:cNvPr>
+          <p:cNvCxnSpPr>
+            <a:cxnSpLocks/>
+            <a:stCxn id="43" idx="6"/>
+            <a:endCxn id="37" idx="2"/>
+          </p:cNvCxnSpPr>
+          <p:nvPr/>
+        </p:nvCxnSpPr>
+        <p:spPr>
+          <a:xfrm flipV="1">
+            <a:off x="3331352" y="3435846"/>
+            <a:ext cx="474613" cy="648072"/>
+          </a:xfrm>
+          <a:prstGeom prst="straightConnector1">
+            <a:avLst/>
+          </a:prstGeom>
+          <a:ln w="28575">
+            <a:solidFill>
+              <a:schemeClr val="tx2"/>
+            </a:solidFill>
+            <a:headEnd type="none" w="med" len="med"/>
+            <a:tailEnd type="arrow" w="med" len="med"/>
+          </a:ln>
+        </p:spPr>
+        <p:style>
+          <a:lnRef idx="1">
+            <a:schemeClr val="accent1"/>
+          </a:lnRef>
+          <a:fillRef idx="0">
+            <a:schemeClr val="accent1"/>
+          </a:fillRef>
+          <a:effectRef idx="0">
+            <a:schemeClr val="accent1"/>
+          </a:effectRef>
+          <a:fontRef idx="minor">
+            <a:schemeClr val="tx1"/>
+          </a:fontRef>
+        </p:style>
+      </p:cxnSp>
+      <p:cxnSp>
+        <p:nvCxnSpPr>
+          <p:cNvPr id="60" name="직선 화살표 연결선 59">
+            <a:extLst>
+              <a:ext uri="{FF2B5EF4-FFF2-40B4-BE49-F238E27FC236}">
+                <a16:creationId xmlns:a16="http://schemas.microsoft.com/office/drawing/2014/main" id="{4DEC1018-A708-4DC7-B2AD-00ABDB42B1D6}"/>
+              </a:ext>
+            </a:extLst>
+          </p:cNvPr>
+          <p:cNvCxnSpPr>
+            <a:cxnSpLocks/>
+            <a:stCxn id="38" idx="6"/>
+            <a:endCxn id="32" idx="2"/>
+          </p:cNvCxnSpPr>
+          <p:nvPr/>
+        </p:nvCxnSpPr>
+        <p:spPr>
+          <a:xfrm>
+            <a:off x="5390141" y="4083918"/>
+            <a:ext cx="478003" cy="0"/>
+          </a:xfrm>
+          <a:prstGeom prst="straightConnector1">
+            <a:avLst/>
+          </a:prstGeom>
+          <a:ln w="28575">
+            <a:solidFill>
+              <a:schemeClr val="tx2"/>
+            </a:solidFill>
+            <a:headEnd type="none" w="med" len="med"/>
+            <a:tailEnd type="arrow" w="med" len="med"/>
+          </a:ln>
+        </p:spPr>
+        <p:style>
+          <a:lnRef idx="1">
+            <a:schemeClr val="accent1"/>
+          </a:lnRef>
+          <a:fillRef idx="0">
+            <a:schemeClr val="accent1"/>
+          </a:fillRef>
+          <a:effectRef idx="0">
+            <a:schemeClr val="accent1"/>
+          </a:effectRef>
+          <a:fontRef idx="minor">
+            <a:schemeClr val="tx1"/>
+          </a:fontRef>
+        </p:style>
+      </p:cxnSp>
+      <p:cxnSp>
+        <p:nvCxnSpPr>
+          <p:cNvPr id="65" name="직선 화살표 연결선 64">
+            <a:extLst>
+              <a:ext uri="{FF2B5EF4-FFF2-40B4-BE49-F238E27FC236}">
+                <a16:creationId xmlns:a16="http://schemas.microsoft.com/office/drawing/2014/main" id="{795CA74B-6E12-4088-BBAC-31A825D66510}"/>
+              </a:ext>
+            </a:extLst>
+          </p:cNvPr>
+          <p:cNvCxnSpPr>
+            <a:cxnSpLocks/>
+            <a:stCxn id="29" idx="2"/>
+            <a:endCxn id="37" idx="6"/>
+          </p:cNvCxnSpPr>
+          <p:nvPr/>
+        </p:nvCxnSpPr>
+        <p:spPr>
+          <a:xfrm flipH="1">
+            <a:off x="5390141" y="3435846"/>
+            <a:ext cx="478003" cy="0"/>
+          </a:xfrm>
+          <a:prstGeom prst="straightConnector1">
+            <a:avLst/>
+          </a:prstGeom>
+          <a:ln w="28575">
+            <a:solidFill>
+              <a:schemeClr val="tx2"/>
+            </a:solidFill>
+            <a:headEnd type="none" w="med" len="med"/>
+            <a:tailEnd type="arrow" w="med" len="med"/>
+          </a:ln>
+        </p:spPr>
+        <p:style>
+          <a:lnRef idx="1">
+            <a:schemeClr val="accent1"/>
+          </a:lnRef>
+          <a:fillRef idx="0">
+            <a:schemeClr val="accent1"/>
+          </a:fillRef>
+          <a:effectRef idx="0">
+            <a:schemeClr val="accent1"/>
+          </a:effectRef>
+          <a:fontRef idx="minor">
+            <a:schemeClr val="tx1"/>
+          </a:fontRef>
+        </p:style>
+      </p:cxnSp>
+      <p:cxnSp>
+        <p:nvCxnSpPr>
+          <p:cNvPr id="68" name="직선 화살표 연결선 67">
+            <a:extLst>
+              <a:ext uri="{FF2B5EF4-FFF2-40B4-BE49-F238E27FC236}">
+                <a16:creationId xmlns:a16="http://schemas.microsoft.com/office/drawing/2014/main" id="{0F057480-7171-4B87-B299-002A985D1F30}"/>
+              </a:ext>
+            </a:extLst>
+          </p:cNvPr>
+          <p:cNvCxnSpPr>
+            <a:cxnSpLocks/>
+            <a:stCxn id="37" idx="0"/>
+            <a:endCxn id="6" idx="2"/>
+          </p:cNvCxnSpPr>
+          <p:nvPr/>
+        </p:nvCxnSpPr>
+        <p:spPr>
+          <a:xfrm flipV="1">
+            <a:off x="4598053" y="1995686"/>
+            <a:ext cx="1780631" cy="1152128"/>
+          </a:xfrm>
+          <a:prstGeom prst="straightConnector1">
+            <a:avLst/>
+          </a:prstGeom>
+          <a:ln w="28575">
+            <a:solidFill>
+              <a:schemeClr val="accent3">
+                <a:lumMod val="75000"/>
+              </a:schemeClr>
+            </a:solidFill>
+            <a:headEnd type="none" w="med" len="med"/>
+            <a:tailEnd type="arrow" w="med" len="med"/>
+          </a:ln>
+        </p:spPr>
+        <p:style>
+          <a:lnRef idx="1">
+            <a:schemeClr val="accent1"/>
+          </a:lnRef>
+          <a:fillRef idx="0">
+            <a:schemeClr val="accent1"/>
+          </a:fillRef>
+          <a:effectRef idx="0">
+            <a:schemeClr val="accent1"/>
+          </a:effectRef>
+          <a:fontRef idx="minor">
+            <a:schemeClr val="tx1"/>
+          </a:fontRef>
+        </p:style>
+      </p:cxnSp>
+      <p:cxnSp>
+        <p:nvCxnSpPr>
+          <p:cNvPr id="71" name="직선 화살표 연결선 70">
+            <a:extLst>
+              <a:ext uri="{FF2B5EF4-FFF2-40B4-BE49-F238E27FC236}">
+                <a16:creationId xmlns:a16="http://schemas.microsoft.com/office/drawing/2014/main" id="{3F847CB0-C800-488D-9A1C-5C275B3B32E1}"/>
+              </a:ext>
+            </a:extLst>
+          </p:cNvPr>
+          <p:cNvCxnSpPr>
+            <a:cxnSpLocks/>
+            <a:stCxn id="32" idx="0"/>
+            <a:endCxn id="6" idx="2"/>
+          </p:cNvCxnSpPr>
+          <p:nvPr/>
+        </p:nvCxnSpPr>
+        <p:spPr>
+          <a:xfrm flipH="1" flipV="1">
+            <a:off x="6378684" y="1995686"/>
+            <a:ext cx="281548" cy="1800200"/>
+          </a:xfrm>
+          <a:prstGeom prst="straightConnector1">
+            <a:avLst/>
+          </a:prstGeom>
+          <a:ln w="28575">
+            <a:solidFill>
+              <a:schemeClr val="accent3">
+                <a:lumMod val="75000"/>
+              </a:schemeClr>
+            </a:solidFill>
+            <a:headEnd type="none" w="med" len="med"/>
+            <a:tailEnd type="arrow" w="med" len="med"/>
+          </a:ln>
+        </p:spPr>
+        <p:style>
+          <a:lnRef idx="1">
+            <a:schemeClr val="accent1"/>
+          </a:lnRef>
+          <a:fillRef idx="0">
+            <a:schemeClr val="accent1"/>
+          </a:fillRef>
+          <a:effectRef idx="0">
+            <a:schemeClr val="accent1"/>
+          </a:effectRef>
+          <a:fontRef idx="minor">
+            <a:schemeClr val="tx1"/>
+          </a:fontRef>
+        </p:style>
+      </p:cxnSp>
+      <p:cxnSp>
+        <p:nvCxnSpPr>
+          <p:cNvPr id="75" name="직선 화살표 연결선 74">
+            <a:extLst>
+              <a:ext uri="{FF2B5EF4-FFF2-40B4-BE49-F238E27FC236}">
+                <a16:creationId xmlns:a16="http://schemas.microsoft.com/office/drawing/2014/main" id="{3E79A9E3-D35C-4D13-9C35-D56D0A88D17F}"/>
+              </a:ext>
+            </a:extLst>
+          </p:cNvPr>
+          <p:cNvCxnSpPr>
+            <a:cxnSpLocks/>
+            <a:stCxn id="30" idx="6"/>
+            <a:endCxn id="6" idx="1"/>
+          </p:cNvCxnSpPr>
+          <p:nvPr/>
+        </p:nvCxnSpPr>
+        <p:spPr>
+          <a:xfrm>
+            <a:off x="5292080" y="1707654"/>
+            <a:ext cx="415537" cy="0"/>
+          </a:xfrm>
+          <a:prstGeom prst="straightConnector1">
+            <a:avLst/>
+          </a:prstGeom>
+          <a:ln w="28575">
+            <a:solidFill>
+              <a:schemeClr val="accent5">
+                <a:lumMod val="75000"/>
+              </a:schemeClr>
+            </a:solidFill>
+            <a:headEnd type="none" w="med" len="med"/>
+            <a:tailEnd type="arrow" w="med" len="med"/>
+          </a:ln>
+        </p:spPr>
+        <p:style>
+          <a:lnRef idx="1">
+            <a:schemeClr val="accent1"/>
+          </a:lnRef>
+          <a:fillRef idx="0">
+            <a:schemeClr val="accent1"/>
+          </a:fillRef>
+          <a:effectRef idx="0">
+            <a:schemeClr val="accent1"/>
+          </a:effectRef>
+          <a:fontRef idx="minor">
+            <a:schemeClr val="tx1"/>
+          </a:fontRef>
+        </p:style>
+      </p:cxnSp>
+      <p:grpSp>
+        <p:nvGrpSpPr>
+          <p:cNvPr id="98" name="그룹 97">
+            <a:extLst>
+              <a:ext uri="{FF2B5EF4-FFF2-40B4-BE49-F238E27FC236}">
+                <a16:creationId xmlns:a16="http://schemas.microsoft.com/office/drawing/2014/main" id="{B2F6CFF1-DF54-4F02-88FB-F2B7EAF8E248}"/>
+              </a:ext>
+            </a:extLst>
+          </p:cNvPr>
+          <p:cNvGrpSpPr/>
+          <p:nvPr/>
+        </p:nvGrpSpPr>
+        <p:grpSpPr>
+          <a:xfrm>
+            <a:off x="1691680" y="987574"/>
+            <a:ext cx="2088232" cy="1231410"/>
+            <a:chOff x="1187624" y="987574"/>
+            <a:chExt cx="2088232" cy="1231410"/>
+          </a:xfrm>
+        </p:grpSpPr>
+        <p:cxnSp>
+          <p:nvCxnSpPr>
+            <p:cNvPr id="79" name="직선 화살표 연결선 78">
+              <a:extLst>
+                <a:ext uri="{FF2B5EF4-FFF2-40B4-BE49-F238E27FC236}">
+                  <a16:creationId xmlns:a16="http://schemas.microsoft.com/office/drawing/2014/main" id="{FEDAA768-BFC9-4E6D-9A55-597FD6687A4E}"/>
+                </a:ext>
+              </a:extLst>
+            </p:cNvPr>
+            <p:cNvCxnSpPr>
+              <a:cxnSpLocks/>
+              <a:endCxn id="82" idx="1"/>
+            </p:cNvCxnSpPr>
+            <p:nvPr/>
+          </p:nvCxnSpPr>
+          <p:spPr>
+            <a:xfrm>
+              <a:off x="1187624" y="1141463"/>
+              <a:ext cx="360040" cy="0"/>
+            </a:xfrm>
+            <a:prstGeom prst="straightConnector1">
+              <a:avLst/>
+            </a:prstGeom>
+            <a:ln w="28575">
+              <a:solidFill>
+                <a:schemeClr val="accent5">
+                  <a:lumMod val="75000"/>
+                </a:schemeClr>
+              </a:solidFill>
+              <a:headEnd type="none" w="med" len="med"/>
+              <a:tailEnd type="arrow" w="med" len="med"/>
+            </a:ln>
+          </p:spPr>
+          <p:style>
+            <a:lnRef idx="1">
+              <a:schemeClr val="accent1"/>
+            </a:lnRef>
+            <a:fillRef idx="0">
+              <a:schemeClr val="accent1"/>
+            </a:fillRef>
+            <a:effectRef idx="0">
+              <a:schemeClr val="accent1"/>
+            </a:effectRef>
+            <a:fontRef idx="minor">
+              <a:schemeClr val="tx1"/>
+            </a:fontRef>
+          </p:style>
+        </p:cxnSp>
+        <p:sp>
+          <p:nvSpPr>
+            <p:cNvPr id="82" name="TextBox 81">
+              <a:extLst>
+                <a:ext uri="{FF2B5EF4-FFF2-40B4-BE49-F238E27FC236}">
+                  <a16:creationId xmlns:a16="http://schemas.microsoft.com/office/drawing/2014/main" id="{08C76C99-553F-4622-9C6A-7756B2CFA84F}"/>
+                </a:ext>
+              </a:extLst>
+            </p:cNvPr>
+            <p:cNvSpPr txBox="1"/>
+            <p:nvPr/>
+          </p:nvSpPr>
+          <p:spPr>
+            <a:xfrm>
+              <a:off x="1547664" y="987574"/>
+              <a:ext cx="1728192" cy="307777"/>
+            </a:xfrm>
+            <a:prstGeom prst="rect">
+              <a:avLst/>
+            </a:prstGeom>
+            <a:noFill/>
+          </p:spPr>
+          <p:txBody>
+            <a:bodyPr wrap="square" rtlCol="0">
+              <a:spAutoFit/>
+            </a:bodyPr>
+            <a:lstStyle/>
+            <a:p>
+              <a:pPr algn="ctr"/>
+              <a:r>
+                <a:rPr lang="en-US" altLang="ko-KR" sz="1400"/>
+                <a:t>Job Submission</a:t>
+              </a:r>
+              <a:endParaRPr lang="ko-KR" altLang="en-US" sz="1400"/>
+            </a:p>
+          </p:txBody>
+        </p:sp>
+        <p:cxnSp>
+          <p:nvCxnSpPr>
+            <p:cNvPr id="85" name="직선 화살표 연결선 84">
+              <a:extLst>
+                <a:ext uri="{FF2B5EF4-FFF2-40B4-BE49-F238E27FC236}">
+                  <a16:creationId xmlns:a16="http://schemas.microsoft.com/office/drawing/2014/main" id="{BCF7F299-0FD2-4EDF-891C-D717BDED0371}"/>
+                </a:ext>
+              </a:extLst>
+            </p:cNvPr>
+            <p:cNvCxnSpPr>
+              <a:cxnSpLocks/>
+              <a:endCxn id="86" idx="1"/>
+            </p:cNvCxnSpPr>
+            <p:nvPr/>
+          </p:nvCxnSpPr>
+          <p:spPr>
+            <a:xfrm>
+              <a:off x="1187624" y="1450737"/>
+              <a:ext cx="360040" cy="0"/>
+            </a:xfrm>
+            <a:prstGeom prst="straightConnector1">
+              <a:avLst/>
+            </a:prstGeom>
+            <a:ln w="28575">
+              <a:solidFill>
+                <a:schemeClr val="tx2"/>
+              </a:solidFill>
+              <a:headEnd type="none" w="med" len="med"/>
+              <a:tailEnd type="arrow" w="med" len="med"/>
+            </a:ln>
+          </p:spPr>
+          <p:style>
+            <a:lnRef idx="1">
+              <a:schemeClr val="accent1"/>
+            </a:lnRef>
+            <a:fillRef idx="0">
+              <a:schemeClr val="accent1"/>
+            </a:fillRef>
+            <a:effectRef idx="0">
+              <a:schemeClr val="accent1"/>
+            </a:effectRef>
+            <a:fontRef idx="minor">
+              <a:schemeClr val="tx1"/>
+            </a:fontRef>
+          </p:style>
+        </p:cxnSp>
+        <p:sp>
+          <p:nvSpPr>
+            <p:cNvPr id="86" name="TextBox 85">
+              <a:extLst>
+                <a:ext uri="{FF2B5EF4-FFF2-40B4-BE49-F238E27FC236}">
+                  <a16:creationId xmlns:a16="http://schemas.microsoft.com/office/drawing/2014/main" id="{2AEA4195-EC52-4EB4-BC56-00DCD87AC0CA}"/>
+                </a:ext>
+              </a:extLst>
+            </p:cNvPr>
+            <p:cNvSpPr txBox="1"/>
+            <p:nvPr/>
+          </p:nvSpPr>
+          <p:spPr>
+            <a:xfrm>
+              <a:off x="1547664" y="1296848"/>
+              <a:ext cx="1728192" cy="307777"/>
+            </a:xfrm>
+            <a:prstGeom prst="rect">
+              <a:avLst/>
+            </a:prstGeom>
+            <a:noFill/>
+          </p:spPr>
+          <p:txBody>
+            <a:bodyPr wrap="square" rtlCol="0">
+              <a:spAutoFit/>
+            </a:bodyPr>
+            <a:lstStyle/>
+            <a:p>
+              <a:pPr algn="ctr"/>
+              <a:r>
+                <a:rPr lang="en-US" altLang="ko-KR" sz="1400"/>
+                <a:t>MapReduce Status</a:t>
+              </a:r>
+              <a:endParaRPr lang="ko-KR" altLang="en-US" sz="1400"/>
+            </a:p>
+          </p:txBody>
+        </p:sp>
+        <p:cxnSp>
+          <p:nvCxnSpPr>
+            <p:cNvPr id="87" name="직선 화살표 연결선 86">
+              <a:extLst>
+                <a:ext uri="{FF2B5EF4-FFF2-40B4-BE49-F238E27FC236}">
+                  <a16:creationId xmlns:a16="http://schemas.microsoft.com/office/drawing/2014/main" id="{DB4483B7-6B6E-4872-82B2-9F46BC8C4410}"/>
+                </a:ext>
+              </a:extLst>
+            </p:cNvPr>
+            <p:cNvCxnSpPr>
+              <a:cxnSpLocks/>
+              <a:endCxn id="88" idx="1"/>
+            </p:cNvCxnSpPr>
+            <p:nvPr/>
+          </p:nvCxnSpPr>
+          <p:spPr>
+            <a:xfrm>
+              <a:off x="1187624" y="1755822"/>
+              <a:ext cx="360040" cy="0"/>
+            </a:xfrm>
+            <a:prstGeom prst="straightConnector1">
+              <a:avLst/>
+            </a:prstGeom>
+            <a:ln w="28575">
+              <a:solidFill>
+                <a:srgbClr val="C00000"/>
+              </a:solidFill>
+              <a:headEnd type="none" w="med" len="med"/>
+              <a:tailEnd type="arrow" w="med" len="med"/>
+            </a:ln>
+          </p:spPr>
+          <p:style>
+            <a:lnRef idx="1">
+              <a:schemeClr val="accent1"/>
+            </a:lnRef>
+            <a:fillRef idx="0">
+              <a:schemeClr val="accent1"/>
+            </a:fillRef>
+            <a:effectRef idx="0">
+              <a:schemeClr val="accent1"/>
+            </a:effectRef>
+            <a:fontRef idx="minor">
+              <a:schemeClr val="tx1"/>
+            </a:fontRef>
+          </p:style>
+        </p:cxnSp>
+        <p:sp>
+          <p:nvSpPr>
+            <p:cNvPr id="88" name="TextBox 87">
+              <a:extLst>
+                <a:ext uri="{FF2B5EF4-FFF2-40B4-BE49-F238E27FC236}">
+                  <a16:creationId xmlns:a16="http://schemas.microsoft.com/office/drawing/2014/main" id="{E48ABFB1-B00A-4E38-8BD4-CD95ECE0BA7A}"/>
+                </a:ext>
+              </a:extLst>
+            </p:cNvPr>
+            <p:cNvSpPr txBox="1"/>
+            <p:nvPr/>
+          </p:nvSpPr>
+          <p:spPr>
+            <a:xfrm>
+              <a:off x="1547664" y="1601933"/>
+              <a:ext cx="1728192" cy="307777"/>
+            </a:xfrm>
+            <a:prstGeom prst="rect">
+              <a:avLst/>
+            </a:prstGeom>
+            <a:noFill/>
+          </p:spPr>
+          <p:txBody>
+            <a:bodyPr wrap="square" rtlCol="0">
+              <a:spAutoFit/>
+            </a:bodyPr>
+            <a:lstStyle/>
+            <a:p>
+              <a:pPr algn="ctr"/>
+              <a:r>
+                <a:rPr lang="en-US" altLang="ko-KR" sz="1400"/>
+                <a:t>Node Status</a:t>
+              </a:r>
+              <a:endParaRPr lang="ko-KR" altLang="en-US" sz="1400"/>
+            </a:p>
+          </p:txBody>
+        </p:sp>
+        <p:cxnSp>
+          <p:nvCxnSpPr>
+            <p:cNvPr id="89" name="직선 화살표 연결선 88">
+              <a:extLst>
+                <a:ext uri="{FF2B5EF4-FFF2-40B4-BE49-F238E27FC236}">
+                  <a16:creationId xmlns:a16="http://schemas.microsoft.com/office/drawing/2014/main" id="{DBE2957A-8326-4EB5-88A9-1B4699318030}"/>
+                </a:ext>
+              </a:extLst>
+            </p:cNvPr>
+            <p:cNvCxnSpPr>
+              <a:cxnSpLocks/>
+              <a:endCxn id="90" idx="1"/>
+            </p:cNvCxnSpPr>
+            <p:nvPr/>
+          </p:nvCxnSpPr>
+          <p:spPr>
+            <a:xfrm>
+              <a:off x="1187624" y="2065096"/>
+              <a:ext cx="360040" cy="0"/>
+            </a:xfrm>
+            <a:prstGeom prst="straightConnector1">
+              <a:avLst/>
+            </a:prstGeom>
+            <a:ln w="28575">
+              <a:solidFill>
+                <a:schemeClr val="accent3">
+                  <a:lumMod val="75000"/>
+                </a:schemeClr>
+              </a:solidFill>
+              <a:headEnd type="none" w="med" len="med"/>
+              <a:tailEnd type="arrow" w="med" len="med"/>
+            </a:ln>
+          </p:spPr>
+          <p:style>
+            <a:lnRef idx="1">
+              <a:schemeClr val="accent1"/>
+            </a:lnRef>
+            <a:fillRef idx="0">
+              <a:schemeClr val="accent1"/>
+            </a:fillRef>
+            <a:effectRef idx="0">
+              <a:schemeClr val="accent1"/>
+            </a:effectRef>
+            <a:fontRef idx="minor">
+              <a:schemeClr val="tx1"/>
+            </a:fontRef>
+          </p:style>
+        </p:cxnSp>
+        <p:sp>
+          <p:nvSpPr>
+            <p:cNvPr id="90" name="TextBox 89">
+              <a:extLst>
+                <a:ext uri="{FF2B5EF4-FFF2-40B4-BE49-F238E27FC236}">
+                  <a16:creationId xmlns:a16="http://schemas.microsoft.com/office/drawing/2014/main" id="{B1BA5C7E-8007-4B30-8EFA-359BE83561CF}"/>
+                </a:ext>
+              </a:extLst>
+            </p:cNvPr>
+            <p:cNvSpPr txBox="1"/>
+            <p:nvPr/>
+          </p:nvSpPr>
+          <p:spPr>
+            <a:xfrm>
+              <a:off x="1547664" y="1911207"/>
+              <a:ext cx="1728192" cy="307777"/>
+            </a:xfrm>
+            <a:prstGeom prst="rect">
+              <a:avLst/>
+            </a:prstGeom>
+            <a:noFill/>
+          </p:spPr>
+          <p:txBody>
+            <a:bodyPr wrap="square" rtlCol="0">
+              <a:spAutoFit/>
+            </a:bodyPr>
+            <a:lstStyle/>
+            <a:p>
+              <a:pPr algn="ctr"/>
+              <a:r>
+                <a:rPr lang="en-US" altLang="ko-KR" sz="1400"/>
+                <a:t>Resource Request</a:t>
+              </a:r>
+              <a:endParaRPr lang="ko-KR" altLang="en-US" sz="1400"/>
+            </a:p>
+          </p:txBody>
+        </p:sp>
+      </p:grpSp>
     </p:spTree>
     <p:extLst>
       <p:ext uri="{BB962C8B-B14F-4D97-AF65-F5344CB8AC3E}">
-        <p14:creationId xmlns:p14="http://schemas.microsoft.com/office/powerpoint/2010/main" val="711309843"/>
+        <p14:creationId xmlns:p14="http://schemas.microsoft.com/office/powerpoint/2010/main" val="3724021028"/>
       </p:ext>
     </p:extLst>
   </p:cSld>

--- a/images/theory_analysis/Hadoop/Hadoop.pptx
+++ b/images/theory_analysis/Hadoop/Hadoop.pptx
@@ -111,7 +111,7 @@
   </p:defaultTextStyle>
   <p:extLst>
     <p:ext uri="{EFAFB233-063F-42B5-8137-9DF3F51BA10A}">
-      <p15:sldGuideLst xmlns:p15="http://schemas.microsoft.com/office/powerpoint/2012/main">
+      <p15:sldGuideLst xmlns="" xmlns:p15="http://schemas.microsoft.com/office/powerpoint/2012/main">
         <p15:guide id="1" orient="horz" pos="2160">
           <p15:clr>
             <a:srgbClr val="A4A3A4"/>
@@ -215,7 +215,7 @@
           <a:p>
             <a:fld id="{6CD5550B-26C4-49A9-A5BA-636EF7BE6CE9}" type="datetimeFigureOut">
               <a:rPr lang="ko-KR" altLang="en-US" smtClean="0"/>
-              <a:t>2018-09-22</a:t>
+              <a:t>2018-09-27</a:t>
             </a:fld>
             <a:endParaRPr lang="ko-KR" altLang="en-US"/>
           </a:p>
@@ -913,7 +913,7 @@
           <a:p>
             <a:fld id="{FB30EDBD-1C2D-4C1E-B459-B60219FAB484}" type="datetimeFigureOut">
               <a:rPr lang="ko-KR" altLang="en-US" smtClean="0"/>
-              <a:t>2018-09-22</a:t>
+              <a:t>2018-09-27</a:t>
             </a:fld>
             <a:endParaRPr lang="ko-KR" altLang="en-US"/>
           </a:p>
@@ -1076,7 +1076,7 @@
           <a:p>
             <a:fld id="{FB30EDBD-1C2D-4C1E-B459-B60219FAB484}" type="datetimeFigureOut">
               <a:rPr lang="ko-KR" altLang="en-US" smtClean="0"/>
-              <a:t>2018-09-22</a:t>
+              <a:t>2018-09-27</a:t>
             </a:fld>
             <a:endParaRPr lang="ko-KR" altLang="en-US"/>
           </a:p>
@@ -1249,7 +1249,7 @@
           <a:p>
             <a:fld id="{FB30EDBD-1C2D-4C1E-B459-B60219FAB484}" type="datetimeFigureOut">
               <a:rPr lang="ko-KR" altLang="en-US" smtClean="0"/>
-              <a:t>2018-09-22</a:t>
+              <a:t>2018-09-27</a:t>
             </a:fld>
             <a:endParaRPr lang="ko-KR" altLang="en-US"/>
           </a:p>
@@ -1412,7 +1412,7 @@
           <a:p>
             <a:fld id="{FB30EDBD-1C2D-4C1E-B459-B60219FAB484}" type="datetimeFigureOut">
               <a:rPr lang="ko-KR" altLang="en-US" smtClean="0"/>
-              <a:t>2018-09-22</a:t>
+              <a:t>2018-09-27</a:t>
             </a:fld>
             <a:endParaRPr lang="ko-KR" altLang="en-US"/>
           </a:p>
@@ -1652,7 +1652,7 @@
           <a:p>
             <a:fld id="{FB30EDBD-1C2D-4C1E-B459-B60219FAB484}" type="datetimeFigureOut">
               <a:rPr lang="ko-KR" altLang="en-US" smtClean="0"/>
-              <a:t>2018-09-22</a:t>
+              <a:t>2018-09-27</a:t>
             </a:fld>
             <a:endParaRPr lang="ko-KR" altLang="en-US"/>
           </a:p>
@@ -1932,7 +1932,7 @@
           <a:p>
             <a:fld id="{FB30EDBD-1C2D-4C1E-B459-B60219FAB484}" type="datetimeFigureOut">
               <a:rPr lang="ko-KR" altLang="en-US" smtClean="0"/>
-              <a:t>2018-09-22</a:t>
+              <a:t>2018-09-27</a:t>
             </a:fld>
             <a:endParaRPr lang="ko-KR" altLang="en-US"/>
           </a:p>
@@ -2346,7 +2346,7 @@
           <a:p>
             <a:fld id="{FB30EDBD-1C2D-4C1E-B459-B60219FAB484}" type="datetimeFigureOut">
               <a:rPr lang="ko-KR" altLang="en-US" smtClean="0"/>
-              <a:t>2018-09-22</a:t>
+              <a:t>2018-09-27</a:t>
             </a:fld>
             <a:endParaRPr lang="ko-KR" altLang="en-US"/>
           </a:p>
@@ -2458,7 +2458,7 @@
           <a:p>
             <a:fld id="{FB30EDBD-1C2D-4C1E-B459-B60219FAB484}" type="datetimeFigureOut">
               <a:rPr lang="ko-KR" altLang="en-US" smtClean="0"/>
-              <a:t>2018-09-22</a:t>
+              <a:t>2018-09-27</a:t>
             </a:fld>
             <a:endParaRPr lang="ko-KR" altLang="en-US"/>
           </a:p>
@@ -2548,7 +2548,7 @@
           <a:p>
             <a:fld id="{FB30EDBD-1C2D-4C1E-B459-B60219FAB484}" type="datetimeFigureOut">
               <a:rPr lang="ko-KR" altLang="en-US" smtClean="0"/>
-              <a:t>2018-09-22</a:t>
+              <a:t>2018-09-27</a:t>
             </a:fld>
             <a:endParaRPr lang="ko-KR" altLang="en-US"/>
           </a:p>
@@ -2818,7 +2818,7 @@
           <a:p>
             <a:fld id="{FB30EDBD-1C2D-4C1E-B459-B60219FAB484}" type="datetimeFigureOut">
               <a:rPr lang="ko-KR" altLang="en-US" smtClean="0"/>
-              <a:t>2018-09-22</a:t>
+              <a:t>2018-09-27</a:t>
             </a:fld>
             <a:endParaRPr lang="ko-KR" altLang="en-US"/>
           </a:p>
@@ -3065,7 +3065,7 @@
           <a:p>
             <a:fld id="{FB30EDBD-1C2D-4C1E-B459-B60219FAB484}" type="datetimeFigureOut">
               <a:rPr lang="ko-KR" altLang="en-US" smtClean="0"/>
-              <a:t>2018-09-22</a:t>
+              <a:t>2018-09-27</a:t>
             </a:fld>
             <a:endParaRPr lang="ko-KR" altLang="en-US"/>
           </a:p>
@@ -3271,7 +3271,7 @@
           <a:p>
             <a:fld id="{FB30EDBD-1C2D-4C1E-B459-B60219FAB484}" type="datetimeFigureOut">
               <a:rPr lang="ko-KR" altLang="en-US" smtClean="0"/>
-              <a:t>2018-09-22</a:t>
+              <a:t>2018-09-27</a:t>
             </a:fld>
             <a:endParaRPr lang="ko-KR" altLang="en-US"/>
           </a:p>
@@ -3646,7 +3646,7 @@
           <p:cNvPr id="2" name="제목 1">
             <a:extLst>
               <a:ext uri="{FF2B5EF4-FFF2-40B4-BE49-F238E27FC236}">
-                <a16:creationId xmlns:a16="http://schemas.microsoft.com/office/drawing/2014/main" id="{8738443D-5E72-49E2-86AC-581D61C41C39}"/>
+                <a16:creationId xmlns="" xmlns:a16="http://schemas.microsoft.com/office/drawing/2014/main" id="{8738443D-5E72-49E2-86AC-581D61C41C39}"/>
               </a:ext>
             </a:extLst>
           </p:cNvPr>
@@ -3680,7 +3680,7 @@
           <p:cNvPr id="3" name="사각형: 둥근 모서리 2">
             <a:extLst>
               <a:ext uri="{FF2B5EF4-FFF2-40B4-BE49-F238E27FC236}">
-                <a16:creationId xmlns:a16="http://schemas.microsoft.com/office/drawing/2014/main" id="{DBF2CBF9-70F2-440D-B8EA-17C0B928765A}"/>
+                <a16:creationId xmlns="" xmlns:a16="http://schemas.microsoft.com/office/drawing/2014/main" id="{DBF2CBF9-70F2-440D-B8EA-17C0B928765A}"/>
               </a:ext>
             </a:extLst>
           </p:cNvPr>
@@ -3737,7 +3737,7 @@
           <p:cNvPr id="4" name="사각형: 둥근 모서리 3">
             <a:extLst>
               <a:ext uri="{FF2B5EF4-FFF2-40B4-BE49-F238E27FC236}">
-                <a16:creationId xmlns:a16="http://schemas.microsoft.com/office/drawing/2014/main" id="{232541BA-0E21-4D84-AC9E-8EA8F51FB4F8}"/>
+                <a16:creationId xmlns="" xmlns:a16="http://schemas.microsoft.com/office/drawing/2014/main" id="{232541BA-0E21-4D84-AC9E-8EA8F51FB4F8}"/>
               </a:ext>
             </a:extLst>
           </p:cNvPr>
@@ -3794,7 +3794,7 @@
           <p:cNvPr id="5" name="사각형: 둥근 모서리 4">
             <a:extLst>
               <a:ext uri="{FF2B5EF4-FFF2-40B4-BE49-F238E27FC236}">
-                <a16:creationId xmlns:a16="http://schemas.microsoft.com/office/drawing/2014/main" id="{A0C524DF-8CE4-4E7A-BC40-668CFABFDD26}"/>
+                <a16:creationId xmlns="" xmlns:a16="http://schemas.microsoft.com/office/drawing/2014/main" id="{A0C524DF-8CE4-4E7A-BC40-668CFABFDD26}"/>
               </a:ext>
             </a:extLst>
           </p:cNvPr>
@@ -3851,7 +3851,7 @@
           <p:cNvPr id="6" name="사각형: 둥근 모서리 5">
             <a:extLst>
               <a:ext uri="{FF2B5EF4-FFF2-40B4-BE49-F238E27FC236}">
-                <a16:creationId xmlns:a16="http://schemas.microsoft.com/office/drawing/2014/main" id="{2F80FC8D-2F83-462A-B052-08254EC92DAF}"/>
+                <a16:creationId xmlns="" xmlns:a16="http://schemas.microsoft.com/office/drawing/2014/main" id="{2F80FC8D-2F83-462A-B052-08254EC92DAF}"/>
               </a:ext>
             </a:extLst>
           </p:cNvPr>
@@ -3938,7 +3938,7 @@
           <p:cNvPr id="2" name="제목 1">
             <a:extLst>
               <a:ext uri="{FF2B5EF4-FFF2-40B4-BE49-F238E27FC236}">
-                <a16:creationId xmlns:a16="http://schemas.microsoft.com/office/drawing/2014/main" id="{8738443D-5E72-49E2-86AC-581D61C41C39}"/>
+                <a16:creationId xmlns="" xmlns:a16="http://schemas.microsoft.com/office/drawing/2014/main" id="{8738443D-5E72-49E2-86AC-581D61C41C39}"/>
               </a:ext>
             </a:extLst>
           </p:cNvPr>
@@ -3979,7 +3979,7 @@
         </p:nvSpPr>
         <p:spPr>
           <a:xfrm>
-            <a:off x="1763688" y="4640237"/>
+            <a:off x="1455591" y="4712245"/>
             <a:ext cx="1512168" cy="307777"/>
           </a:xfrm>
           <a:prstGeom prst="rect">
@@ -4010,7 +4010,7 @@
         </p:nvSpPr>
         <p:spPr>
           <a:xfrm>
-            <a:off x="6282189" y="4640236"/>
+            <a:off x="5822814" y="4712244"/>
             <a:ext cx="1512168" cy="307777"/>
           </a:xfrm>
           <a:prstGeom prst="rect">
@@ -4041,50 +4041,7 @@
         </p:nvSpPr>
         <p:spPr>
           <a:xfrm rot="16200000">
-            <a:off x="2375757" y="3164073"/>
-            <a:ext cx="288033" cy="2664295"/>
-          </a:xfrm>
-          <a:prstGeom prst="leftBrace">
-            <a:avLst/>
-          </a:prstGeom>
-          <a:ln w="19050">
-            <a:solidFill>
-              <a:schemeClr val="tx1"/>
-            </a:solidFill>
-          </a:ln>
-        </p:spPr>
-        <p:style>
-          <a:lnRef idx="1">
-            <a:schemeClr val="accent1"/>
-          </a:lnRef>
-          <a:fillRef idx="0">
-            <a:schemeClr val="accent1"/>
-          </a:fillRef>
-          <a:effectRef idx="0">
-            <a:schemeClr val="accent1"/>
-          </a:effectRef>
-          <a:fontRef idx="minor">
-            <a:schemeClr val="tx1"/>
-          </a:fontRef>
-        </p:style>
-        <p:txBody>
-          <a:bodyPr rtlCol="0" anchor="ctr"/>
-          <a:lstStyle/>
-          <a:p>
-            <a:pPr algn="ctr"/>
-            <a:endParaRPr lang="ko-KR" altLang="en-US"/>
-          </a:p>
-        </p:txBody>
-      </p:sp>
-      <p:sp>
-        <p:nvSpPr>
-          <p:cNvPr id="26" name="왼쪽 중괄호 25"/>
-          <p:cNvSpPr/>
-          <p:nvPr/>
-        </p:nvSpPr>
-        <p:spPr>
-          <a:xfrm rot="16200000">
-            <a:off x="6894257" y="3830146"/>
+            <a:off x="2067659" y="3902154"/>
             <a:ext cx="288033" cy="1332147"/>
           </a:xfrm>
           <a:prstGeom prst="leftBrace">
@@ -4119,12 +4076,55 @@
           </a:p>
         </p:txBody>
       </p:sp>
+      <p:sp>
+        <p:nvSpPr>
+          <p:cNvPr id="26" name="왼쪽 중괄호 25"/>
+          <p:cNvSpPr/>
+          <p:nvPr/>
+        </p:nvSpPr>
+        <p:spPr>
+          <a:xfrm rot="16200000">
+            <a:off x="6434882" y="3902154"/>
+            <a:ext cx="288033" cy="1332147"/>
+          </a:xfrm>
+          <a:prstGeom prst="leftBrace">
+            <a:avLst/>
+          </a:prstGeom>
+          <a:ln w="19050">
+            <a:solidFill>
+              <a:schemeClr val="tx1"/>
+            </a:solidFill>
+          </a:ln>
+        </p:spPr>
+        <p:style>
+          <a:lnRef idx="1">
+            <a:schemeClr val="accent1"/>
+          </a:lnRef>
+          <a:fillRef idx="0">
+            <a:schemeClr val="accent1"/>
+          </a:fillRef>
+          <a:effectRef idx="0">
+            <a:schemeClr val="accent1"/>
+          </a:effectRef>
+          <a:fontRef idx="minor">
+            <a:schemeClr val="tx1"/>
+          </a:fontRef>
+        </p:style>
+        <p:txBody>
+          <a:bodyPr rtlCol="0" anchor="ctr"/>
+          <a:lstStyle/>
+          <a:p>
+            <a:pPr algn="ctr"/>
+            <a:endParaRPr lang="ko-KR" altLang="en-US"/>
+          </a:p>
+        </p:txBody>
+      </p:sp>
       <p:grpSp>
         <p:nvGrpSpPr>
           <p:cNvPr id="4" name="그룹 3">
             <a:extLst>
               <a:ext uri="{FF2B5EF4-FFF2-40B4-BE49-F238E27FC236}">
-                <a16:creationId xmlns:a16="http://schemas.microsoft.com/office/drawing/2014/main" id="{E4CBD3F0-0276-45C5-9B75-45FAF65CDA95}"/>
+                <a16:creationId xmlns="" xmlns:a16="http://schemas.microsoft.com/office/drawing/2014/main" id="{E4CBD3F0-0276-45C5-9B75-45FAF65CDA95}"/>
               </a:ext>
             </a:extLst>
           </p:cNvPr>
@@ -4133,7 +4133,7 @@
         </p:nvGrpSpPr>
         <p:grpSpPr>
           <a:xfrm>
-            <a:off x="1939209" y="3128070"/>
+            <a:off x="2297185" y="3200078"/>
             <a:ext cx="1152128" cy="1224136"/>
             <a:chOff x="1979712" y="3003798"/>
             <a:chExt cx="1152128" cy="1224136"/>
@@ -4176,10 +4176,14 @@
             <a:p>
               <a:pPr algn="ctr"/>
               <a:r>
-                <a:rPr lang="en-US" altLang="ko-KR" sz="1400"/>
-                <a:t>Data Node</a:t>
+                <a:rPr lang="en-US" altLang="ko-KR" sz="1200" dirty="0"/>
+                <a:t>Data </a:t>
               </a:r>
-              <a:endParaRPr lang="ko-KR" altLang="en-US" sz="1400" dirty="0"/>
+              <a:r>
+                <a:rPr lang="en-US" altLang="ko-KR" sz="1200" dirty="0" smtClean="0"/>
+                <a:t>Node B</a:t>
+              </a:r>
+              <a:endParaRPr lang="ko-KR" altLang="en-US" sz="1200" dirty="0"/>
             </a:p>
           </p:txBody>
         </p:sp>
@@ -4199,6 +4203,12 @@
                 <a:gd name="adj" fmla="val 4069"/>
               </a:avLst>
             </a:prstGeom>
+            <a:solidFill>
+              <a:schemeClr val="accent5">
+                <a:lumMod val="60000"/>
+                <a:lumOff val="40000"/>
+              </a:schemeClr>
+            </a:solidFill>
           </p:spPr>
           <p:style>
             <a:lnRef idx="2">
@@ -4239,6 +4249,12 @@
                 <a:gd name="adj" fmla="val 4069"/>
               </a:avLst>
             </a:prstGeom>
+            <a:solidFill>
+              <a:schemeClr val="accent6">
+                <a:lumMod val="60000"/>
+                <a:lumOff val="40000"/>
+              </a:schemeClr>
+            </a:solidFill>
           </p:spPr>
           <p:style>
             <a:lnRef idx="2">
@@ -4279,46 +4295,12 @@
                 <a:gd name="adj" fmla="val 4069"/>
               </a:avLst>
             </a:prstGeom>
-          </p:spPr>
-          <p:style>
-            <a:lnRef idx="2">
-              <a:schemeClr val="dk1"/>
-            </a:lnRef>
-            <a:fillRef idx="1">
-              <a:schemeClr val="lt1"/>
-            </a:fillRef>
-            <a:effectRef idx="0">
-              <a:schemeClr val="dk1"/>
-            </a:effectRef>
-            <a:fontRef idx="minor">
-              <a:schemeClr val="dk1"/>
-            </a:fontRef>
-          </p:style>
-          <p:txBody>
-            <a:bodyPr rtlCol="0" anchor="b"/>
-            <a:lstStyle/>
-            <a:p>
-              <a:pPr algn="ctr"/>
-              <a:endParaRPr lang="ko-KR" altLang="en-US" sz="1400" dirty="0"/>
-            </a:p>
-          </p:txBody>
-        </p:sp>
-        <p:sp>
-          <p:nvSpPr>
-            <p:cNvPr id="43" name="모서리가 둥근 직사각형 42"/>
-            <p:cNvSpPr/>
-            <p:nvPr/>
-          </p:nvSpPr>
-          <p:spPr>
-            <a:xfrm>
-              <a:off x="2699792" y="3579862"/>
-              <a:ext cx="288032" cy="307639"/>
-            </a:xfrm>
-            <a:prstGeom prst="roundRect">
-              <a:avLst>
-                <a:gd name="adj" fmla="val 4069"/>
-              </a:avLst>
-            </a:prstGeom>
+            <a:solidFill>
+              <a:schemeClr val="accent4">
+                <a:lumMod val="60000"/>
+                <a:lumOff val="40000"/>
+              </a:schemeClr>
+            </a:solidFill>
           </p:spPr>
           <p:style>
             <a:lnRef idx="2">
@@ -4349,7 +4331,7 @@
           <p:cNvPr id="23" name="그룹 22">
             <a:extLst>
               <a:ext uri="{FF2B5EF4-FFF2-40B4-BE49-F238E27FC236}">
-                <a16:creationId xmlns:a16="http://schemas.microsoft.com/office/drawing/2014/main" id="{342A61BC-982B-4E38-81C1-E9282268511A}"/>
+                <a16:creationId xmlns="" xmlns:a16="http://schemas.microsoft.com/office/drawing/2014/main" id="{342A61BC-982B-4E38-81C1-E9282268511A}"/>
               </a:ext>
             </a:extLst>
           </p:cNvPr>
@@ -4358,7 +4340,7 @@
         </p:nvGrpSpPr>
         <p:grpSpPr>
           <a:xfrm>
-            <a:off x="613624" y="3128070"/>
+            <a:off x="971600" y="3200078"/>
             <a:ext cx="1152128" cy="1224136"/>
             <a:chOff x="1979712" y="3003798"/>
             <a:chExt cx="1152128" cy="1224136"/>
@@ -4369,7 +4351,7 @@
             <p:cNvPr id="25" name="모서리가 둥근 직사각형 18">
               <a:extLst>
                 <a:ext uri="{FF2B5EF4-FFF2-40B4-BE49-F238E27FC236}">
-                  <a16:creationId xmlns:a16="http://schemas.microsoft.com/office/drawing/2014/main" id="{E4DAA65D-0B5C-4320-8447-5DA2D58810D6}"/>
+                  <a16:creationId xmlns="" xmlns:a16="http://schemas.microsoft.com/office/drawing/2014/main" id="{E4DAA65D-0B5C-4320-8447-5DA2D58810D6}"/>
                 </a:ext>
               </a:extLst>
             </p:cNvPr>
@@ -4407,10 +4389,14 @@
             <a:p>
               <a:pPr algn="ctr"/>
               <a:r>
-                <a:rPr lang="en-US" altLang="ko-KR" sz="1400"/>
-                <a:t>Data Node </a:t>
+                <a:rPr lang="en-US" altLang="ko-KR" sz="1200" dirty="0"/>
+                <a:t>Data </a:t>
               </a:r>
-              <a:endParaRPr lang="ko-KR" altLang="en-US" sz="1400" dirty="0"/>
+              <a:r>
+                <a:rPr lang="en-US" altLang="ko-KR" sz="1200" dirty="0" smtClean="0"/>
+                <a:t>Node A </a:t>
+              </a:r>
+              <a:endParaRPr lang="ko-KR" altLang="en-US" sz="1200" dirty="0"/>
             </a:p>
           </p:txBody>
         </p:sp>
@@ -4419,7 +4405,7 @@
             <p:cNvPr id="31" name="모서리가 둥근 직사각형 34">
               <a:extLst>
                 <a:ext uri="{FF2B5EF4-FFF2-40B4-BE49-F238E27FC236}">
-                  <a16:creationId xmlns:a16="http://schemas.microsoft.com/office/drawing/2014/main" id="{51DB3436-FBC1-4FD0-92E8-9695BC0A8486}"/>
+                  <a16:creationId xmlns="" xmlns:a16="http://schemas.microsoft.com/office/drawing/2014/main" id="{51DB3436-FBC1-4FD0-92E8-9695BC0A8486}"/>
                 </a:ext>
               </a:extLst>
             </p:cNvPr>
@@ -4436,6 +4422,12 @@
                 <a:gd name="adj" fmla="val 4069"/>
               </a:avLst>
             </a:prstGeom>
+            <a:solidFill>
+              <a:schemeClr val="accent3">
+                <a:lumMod val="60000"/>
+                <a:lumOff val="40000"/>
+              </a:schemeClr>
+            </a:solidFill>
           </p:spPr>
           <p:style>
             <a:lnRef idx="2">
@@ -4465,7 +4457,7 @@
             <p:cNvPr id="32" name="모서리가 둥근 직사각형 40">
               <a:extLst>
                 <a:ext uri="{FF2B5EF4-FFF2-40B4-BE49-F238E27FC236}">
-                  <a16:creationId xmlns:a16="http://schemas.microsoft.com/office/drawing/2014/main" id="{C7B91E22-A5E2-4089-B1B9-F12D8B89068B}"/>
+                  <a16:creationId xmlns="" xmlns:a16="http://schemas.microsoft.com/office/drawing/2014/main" id="{C7B91E22-A5E2-4089-B1B9-F12D8B89068B}"/>
                 </a:ext>
               </a:extLst>
             </p:cNvPr>
@@ -4482,6 +4474,12 @@
                 <a:gd name="adj" fmla="val 4069"/>
               </a:avLst>
             </a:prstGeom>
+            <a:solidFill>
+              <a:schemeClr val="accent5">
+                <a:lumMod val="60000"/>
+                <a:lumOff val="40000"/>
+              </a:schemeClr>
+            </a:solidFill>
           </p:spPr>
           <p:style>
             <a:lnRef idx="2">
@@ -4511,7 +4509,7 @@
             <p:cNvPr id="33" name="모서리가 둥근 직사각형 41">
               <a:extLst>
                 <a:ext uri="{FF2B5EF4-FFF2-40B4-BE49-F238E27FC236}">
-                  <a16:creationId xmlns:a16="http://schemas.microsoft.com/office/drawing/2014/main" id="{53076EB5-7891-4EAB-BC6C-19282E8464F1}"/>
+                  <a16:creationId xmlns="" xmlns:a16="http://schemas.microsoft.com/office/drawing/2014/main" id="{53076EB5-7891-4EAB-BC6C-19282E8464F1}"/>
                 </a:ext>
               </a:extLst>
             </p:cNvPr>
@@ -4528,6 +4526,12 @@
                 <a:gd name="adj" fmla="val 4069"/>
               </a:avLst>
             </a:prstGeom>
+            <a:solidFill>
+              <a:schemeClr val="accent4">
+                <a:lumMod val="60000"/>
+                <a:lumOff val="40000"/>
+              </a:schemeClr>
+            </a:solidFill>
           </p:spPr>
           <p:style>
             <a:lnRef idx="2">
@@ -4555,10 +4559,10 @@
       </p:grpSp>
       <p:grpSp>
         <p:nvGrpSpPr>
-          <p:cNvPr id="36" name="그룹 35">
+          <p:cNvPr id="45" name="그룹 44">
             <a:extLst>
               <a:ext uri="{FF2B5EF4-FFF2-40B4-BE49-F238E27FC236}">
-                <a16:creationId xmlns:a16="http://schemas.microsoft.com/office/drawing/2014/main" id="{3EC46D35-7A90-44D7-8278-41B8F2FC71B0}"/>
+                <a16:creationId xmlns="" xmlns:a16="http://schemas.microsoft.com/office/drawing/2014/main" id="{346422BE-21F7-4565-A08C-0EE7FDE238E5}"/>
               </a:ext>
             </a:extLst>
           </p:cNvPr>
@@ -4567,7 +4571,7 @@
         </p:nvGrpSpPr>
         <p:grpSpPr>
           <a:xfrm>
-            <a:off x="3275857" y="3128070"/>
+            <a:off x="5336761" y="3200078"/>
             <a:ext cx="1152128" cy="1224136"/>
             <a:chOff x="1979712" y="3003798"/>
             <a:chExt cx="1152128" cy="1224136"/>
@@ -4575,10 +4579,10 @@
         </p:grpSpPr>
         <p:sp>
           <p:nvSpPr>
-            <p:cNvPr id="37" name="모서리가 둥근 직사각형 18">
+            <p:cNvPr id="46" name="모서리가 둥근 직사각형 18">
               <a:extLst>
                 <a:ext uri="{FF2B5EF4-FFF2-40B4-BE49-F238E27FC236}">
-                  <a16:creationId xmlns:a16="http://schemas.microsoft.com/office/drawing/2014/main" id="{447949EE-6621-47C9-971C-8366E2A9523F}"/>
+                  <a16:creationId xmlns="" xmlns:a16="http://schemas.microsoft.com/office/drawing/2014/main" id="{51BD0C12-2C36-4B79-A248-884CB05DC550}"/>
                 </a:ext>
               </a:extLst>
             </p:cNvPr>
@@ -4616,19 +4620,23 @@
             <a:p>
               <a:pPr algn="ctr"/>
               <a:r>
-                <a:rPr lang="en-US" altLang="ko-KR" sz="1400"/>
-                <a:t>Data Node</a:t>
+                <a:rPr lang="en-US" altLang="ko-KR" sz="1200" dirty="0"/>
+                <a:t>Data </a:t>
               </a:r>
-              <a:endParaRPr lang="ko-KR" altLang="en-US" sz="1400" dirty="0"/>
+              <a:r>
+                <a:rPr lang="en-US" altLang="ko-KR" sz="1200" dirty="0" smtClean="0"/>
+                <a:t>Node C</a:t>
+              </a:r>
+              <a:endParaRPr lang="ko-KR" altLang="en-US" sz="1200" dirty="0"/>
             </a:p>
           </p:txBody>
         </p:sp>
         <p:sp>
           <p:nvSpPr>
-            <p:cNvPr id="38" name="모서리가 둥근 직사각형 34">
+            <p:cNvPr id="47" name="모서리가 둥근 직사각형 34">
               <a:extLst>
                 <a:ext uri="{FF2B5EF4-FFF2-40B4-BE49-F238E27FC236}">
-                  <a16:creationId xmlns:a16="http://schemas.microsoft.com/office/drawing/2014/main" id="{C366851F-09C1-4E17-B3BC-FFF3536748B0}"/>
+                  <a16:creationId xmlns="" xmlns:a16="http://schemas.microsoft.com/office/drawing/2014/main" id="{F143A0D7-943F-4882-8CC4-6F389CB53B57}"/>
                 </a:ext>
               </a:extLst>
             </p:cNvPr>
@@ -4645,6 +4653,12 @@
                 <a:gd name="adj" fmla="val 4069"/>
               </a:avLst>
             </a:prstGeom>
+            <a:solidFill>
+              <a:schemeClr val="accent5">
+                <a:lumMod val="60000"/>
+                <a:lumOff val="40000"/>
+              </a:schemeClr>
+            </a:solidFill>
           </p:spPr>
           <p:style>
             <a:lnRef idx="2">
@@ -4671,10 +4685,10 @@
         </p:sp>
         <p:sp>
           <p:nvSpPr>
-            <p:cNvPr id="39" name="모서리가 둥근 직사각형 40">
+            <p:cNvPr id="48" name="모서리가 둥근 직사각형 40">
               <a:extLst>
                 <a:ext uri="{FF2B5EF4-FFF2-40B4-BE49-F238E27FC236}">
-                  <a16:creationId xmlns:a16="http://schemas.microsoft.com/office/drawing/2014/main" id="{BE8ED1CA-3731-4889-B293-FB1133752843}"/>
+                  <a16:creationId xmlns="" xmlns:a16="http://schemas.microsoft.com/office/drawing/2014/main" id="{9EE9E9B9-6D4F-459F-8B7C-1BFD98D1B823}"/>
                 </a:ext>
               </a:extLst>
             </p:cNvPr>
@@ -4691,6 +4705,12 @@
                 <a:gd name="adj" fmla="val 4069"/>
               </a:avLst>
             </a:prstGeom>
+            <a:solidFill>
+              <a:schemeClr val="accent3">
+                <a:lumMod val="60000"/>
+                <a:lumOff val="40000"/>
+              </a:schemeClr>
+            </a:solidFill>
           </p:spPr>
           <p:style>
             <a:lnRef idx="2">
@@ -4717,10 +4737,10 @@
         </p:sp>
         <p:sp>
           <p:nvSpPr>
-            <p:cNvPr id="40" name="모서리가 둥근 직사각형 41">
+            <p:cNvPr id="49" name="모서리가 둥근 직사각형 41">
               <a:extLst>
                 <a:ext uri="{FF2B5EF4-FFF2-40B4-BE49-F238E27FC236}">
-                  <a16:creationId xmlns:a16="http://schemas.microsoft.com/office/drawing/2014/main" id="{A4E86251-4C93-4239-A8F1-325115918867}"/>
+                  <a16:creationId xmlns="" xmlns:a16="http://schemas.microsoft.com/office/drawing/2014/main" id="{28F4D104-9CD4-49B4-9DD7-D5CA9188CE00}"/>
                 </a:ext>
               </a:extLst>
             </p:cNvPr>
@@ -4737,6 +4757,12 @@
                 <a:gd name="adj" fmla="val 4069"/>
               </a:avLst>
             </a:prstGeom>
+            <a:solidFill>
+              <a:schemeClr val="accent6">
+                <a:lumMod val="60000"/>
+                <a:lumOff val="40000"/>
+              </a:schemeClr>
+            </a:solidFill>
           </p:spPr>
           <p:style>
             <a:lnRef idx="2">
@@ -4764,10 +4790,10 @@
       </p:grpSp>
       <p:grpSp>
         <p:nvGrpSpPr>
-          <p:cNvPr id="45" name="그룹 44">
+          <p:cNvPr id="51" name="그룹 50">
             <a:extLst>
               <a:ext uri="{FF2B5EF4-FFF2-40B4-BE49-F238E27FC236}">
-                <a16:creationId xmlns:a16="http://schemas.microsoft.com/office/drawing/2014/main" id="{346422BE-21F7-4565-A08C-0EE7FDE238E5}"/>
+                <a16:creationId xmlns="" xmlns:a16="http://schemas.microsoft.com/office/drawing/2014/main" id="{3EB80419-83CC-4387-ABD1-C0B2EC659FE4}"/>
               </a:ext>
             </a:extLst>
           </p:cNvPr>
@@ -4776,7 +4802,7 @@
         </p:nvGrpSpPr>
         <p:grpSpPr>
           <a:xfrm>
-            <a:off x="5796136" y="3128070"/>
+            <a:off x="6668908" y="3200078"/>
             <a:ext cx="1152128" cy="1224136"/>
             <a:chOff x="1979712" y="3003798"/>
             <a:chExt cx="1152128" cy="1224136"/>
@@ -4784,10 +4810,10 @@
         </p:grpSpPr>
         <p:sp>
           <p:nvSpPr>
-            <p:cNvPr id="46" name="모서리가 둥근 직사각형 18">
+            <p:cNvPr id="52" name="모서리가 둥근 직사각형 18">
               <a:extLst>
                 <a:ext uri="{FF2B5EF4-FFF2-40B4-BE49-F238E27FC236}">
-                  <a16:creationId xmlns:a16="http://schemas.microsoft.com/office/drawing/2014/main" id="{51BD0C12-2C36-4B79-A248-884CB05DC550}"/>
+                  <a16:creationId xmlns="" xmlns:a16="http://schemas.microsoft.com/office/drawing/2014/main" id="{4EABDA9D-921C-4A30-8C03-DDCB09DBF3CB}"/>
                 </a:ext>
               </a:extLst>
             </p:cNvPr>
@@ -4825,65 +4851,23 @@
             <a:p>
               <a:pPr algn="ctr"/>
               <a:r>
-                <a:rPr lang="en-US" altLang="ko-KR" sz="1400"/>
-                <a:t>Data Node</a:t>
+                <a:rPr lang="en-US" altLang="ko-KR" sz="1200" dirty="0"/>
+                <a:t>Data </a:t>
               </a:r>
-              <a:endParaRPr lang="ko-KR" altLang="en-US" sz="1400" dirty="0"/>
+              <a:r>
+                <a:rPr lang="en-US" altLang="ko-KR" sz="1200" dirty="0" smtClean="0"/>
+                <a:t>Node D</a:t>
+              </a:r>
+              <a:endParaRPr lang="ko-KR" altLang="en-US" sz="1200" dirty="0"/>
             </a:p>
           </p:txBody>
         </p:sp>
         <p:sp>
           <p:nvSpPr>
-            <p:cNvPr id="47" name="모서리가 둥근 직사각형 34">
+            <p:cNvPr id="54" name="모서리가 둥근 직사각형 40">
               <a:extLst>
                 <a:ext uri="{FF2B5EF4-FFF2-40B4-BE49-F238E27FC236}">
-                  <a16:creationId xmlns:a16="http://schemas.microsoft.com/office/drawing/2014/main" id="{F143A0D7-943F-4882-8CC4-6F389CB53B57}"/>
-                </a:ext>
-              </a:extLst>
-            </p:cNvPr>
-            <p:cNvSpPr/>
-            <p:nvPr/>
-          </p:nvSpPr>
-          <p:spPr>
-            <a:xfrm>
-              <a:off x="2123728" y="3128207"/>
-              <a:ext cx="288032" cy="307639"/>
-            </a:xfrm>
-            <a:prstGeom prst="roundRect">
-              <a:avLst>
-                <a:gd name="adj" fmla="val 4069"/>
-              </a:avLst>
-            </a:prstGeom>
-          </p:spPr>
-          <p:style>
-            <a:lnRef idx="2">
-              <a:schemeClr val="dk1"/>
-            </a:lnRef>
-            <a:fillRef idx="1">
-              <a:schemeClr val="lt1"/>
-            </a:fillRef>
-            <a:effectRef idx="0">
-              <a:schemeClr val="dk1"/>
-            </a:effectRef>
-            <a:fontRef idx="minor">
-              <a:schemeClr val="dk1"/>
-            </a:fontRef>
-          </p:style>
-          <p:txBody>
-            <a:bodyPr rtlCol="0" anchor="b"/>
-            <a:lstStyle/>
-            <a:p>
-              <a:pPr algn="ctr"/>
-              <a:endParaRPr lang="ko-KR" altLang="en-US" sz="1400" dirty="0"/>
-            </a:p>
-          </p:txBody>
-        </p:sp>
-        <p:sp>
-          <p:nvSpPr>
-            <p:cNvPr id="48" name="모서리가 둥근 직사각형 40">
-              <a:extLst>
-                <a:ext uri="{FF2B5EF4-FFF2-40B4-BE49-F238E27FC236}">
-                  <a16:creationId xmlns:a16="http://schemas.microsoft.com/office/drawing/2014/main" id="{9EE9E9B9-6D4F-459F-8B7C-1BFD98D1B823}"/>
+                  <a16:creationId xmlns="" xmlns:a16="http://schemas.microsoft.com/office/drawing/2014/main" id="{08B10766-8517-475B-9870-2CFD1F30A555}"/>
                 </a:ext>
               </a:extLst>
             </p:cNvPr>
@@ -4900,169 +4884,12 @@
                 <a:gd name="adj" fmla="val 4069"/>
               </a:avLst>
             </a:prstGeom>
-          </p:spPr>
-          <p:style>
-            <a:lnRef idx="2">
-              <a:schemeClr val="dk1"/>
-            </a:lnRef>
-            <a:fillRef idx="1">
-              <a:schemeClr val="lt1"/>
-            </a:fillRef>
-            <a:effectRef idx="0">
-              <a:schemeClr val="dk1"/>
-            </a:effectRef>
-            <a:fontRef idx="minor">
-              <a:schemeClr val="dk1"/>
-            </a:fontRef>
-          </p:style>
-          <p:txBody>
-            <a:bodyPr rtlCol="0" anchor="b"/>
-            <a:lstStyle/>
-            <a:p>
-              <a:pPr algn="ctr"/>
-              <a:endParaRPr lang="ko-KR" altLang="en-US" sz="1400" dirty="0"/>
-            </a:p>
-          </p:txBody>
-        </p:sp>
-        <p:sp>
-          <p:nvSpPr>
-            <p:cNvPr id="49" name="모서리가 둥근 직사각형 41">
-              <a:extLst>
-                <a:ext uri="{FF2B5EF4-FFF2-40B4-BE49-F238E27FC236}">
-                  <a16:creationId xmlns:a16="http://schemas.microsoft.com/office/drawing/2014/main" id="{28F4D104-9CD4-49B4-9DD7-D5CA9188CE00}"/>
-                </a:ext>
-              </a:extLst>
-            </p:cNvPr>
-            <p:cNvSpPr/>
-            <p:nvPr/>
-          </p:nvSpPr>
-          <p:spPr>
-            <a:xfrm>
-              <a:off x="2123728" y="3579862"/>
-              <a:ext cx="288032" cy="307639"/>
-            </a:xfrm>
-            <a:prstGeom prst="roundRect">
-              <a:avLst>
-                <a:gd name="adj" fmla="val 4069"/>
-              </a:avLst>
-            </a:prstGeom>
-          </p:spPr>
-          <p:style>
-            <a:lnRef idx="2">
-              <a:schemeClr val="dk1"/>
-            </a:lnRef>
-            <a:fillRef idx="1">
-              <a:schemeClr val="lt1"/>
-            </a:fillRef>
-            <a:effectRef idx="0">
-              <a:schemeClr val="dk1"/>
-            </a:effectRef>
-            <a:fontRef idx="minor">
-              <a:schemeClr val="dk1"/>
-            </a:fontRef>
-          </p:style>
-          <p:txBody>
-            <a:bodyPr rtlCol="0" anchor="b"/>
-            <a:lstStyle/>
-            <a:p>
-              <a:pPr algn="ctr"/>
-              <a:endParaRPr lang="ko-KR" altLang="en-US" sz="1400" dirty="0"/>
-            </a:p>
-          </p:txBody>
-        </p:sp>
-      </p:grpSp>
-      <p:grpSp>
-        <p:nvGrpSpPr>
-          <p:cNvPr id="51" name="그룹 50">
-            <a:extLst>
-              <a:ext uri="{FF2B5EF4-FFF2-40B4-BE49-F238E27FC236}">
-                <a16:creationId xmlns:a16="http://schemas.microsoft.com/office/drawing/2014/main" id="{3EB80419-83CC-4387-ABD1-C0B2EC659FE4}"/>
-              </a:ext>
-            </a:extLst>
-          </p:cNvPr>
-          <p:cNvGrpSpPr/>
-          <p:nvPr/>
-        </p:nvGrpSpPr>
-        <p:grpSpPr>
-          <a:xfrm>
-            <a:off x="7128283" y="3128070"/>
-            <a:ext cx="1152128" cy="1224136"/>
-            <a:chOff x="1979712" y="3003798"/>
-            <a:chExt cx="1152128" cy="1224136"/>
-          </a:xfrm>
-        </p:grpSpPr>
-        <p:sp>
-          <p:nvSpPr>
-            <p:cNvPr id="52" name="모서리가 둥근 직사각형 18">
-              <a:extLst>
-                <a:ext uri="{FF2B5EF4-FFF2-40B4-BE49-F238E27FC236}">
-                  <a16:creationId xmlns:a16="http://schemas.microsoft.com/office/drawing/2014/main" id="{4EABDA9D-921C-4A30-8C03-DDCB09DBF3CB}"/>
-                </a:ext>
-              </a:extLst>
-            </p:cNvPr>
-            <p:cNvSpPr/>
-            <p:nvPr/>
-          </p:nvSpPr>
-          <p:spPr>
-            <a:xfrm>
-              <a:off x="1979712" y="3003798"/>
-              <a:ext cx="1152128" cy="1224136"/>
-            </a:xfrm>
-            <a:prstGeom prst="roundRect">
-              <a:avLst>
-                <a:gd name="adj" fmla="val 4069"/>
-              </a:avLst>
-            </a:prstGeom>
-          </p:spPr>
-          <p:style>
-            <a:lnRef idx="2">
-              <a:schemeClr val="dk1"/>
-            </a:lnRef>
-            <a:fillRef idx="1">
-              <a:schemeClr val="lt1"/>
-            </a:fillRef>
-            <a:effectRef idx="0">
-              <a:schemeClr val="dk1"/>
-            </a:effectRef>
-            <a:fontRef idx="minor">
-              <a:schemeClr val="dk1"/>
-            </a:fontRef>
-          </p:style>
-          <p:txBody>
-            <a:bodyPr rtlCol="0" anchor="b"/>
-            <a:lstStyle/>
-            <a:p>
-              <a:pPr algn="ctr"/>
-              <a:r>
-                <a:rPr lang="en-US" altLang="ko-KR" sz="1400"/>
-                <a:t>Data Node</a:t>
-              </a:r>
-              <a:endParaRPr lang="ko-KR" altLang="en-US" sz="1400" dirty="0"/>
-            </a:p>
-          </p:txBody>
-        </p:sp>
-        <p:sp>
-          <p:nvSpPr>
-            <p:cNvPr id="54" name="모서리가 둥근 직사각형 40">
-              <a:extLst>
-                <a:ext uri="{FF2B5EF4-FFF2-40B4-BE49-F238E27FC236}">
-                  <a16:creationId xmlns:a16="http://schemas.microsoft.com/office/drawing/2014/main" id="{08B10766-8517-475B-9870-2CFD1F30A555}"/>
-                </a:ext>
-              </a:extLst>
-            </p:cNvPr>
-            <p:cNvSpPr/>
-            <p:nvPr/>
-          </p:nvSpPr>
-          <p:spPr>
-            <a:xfrm>
-              <a:off x="2699792" y="3128207"/>
-              <a:ext cx="288032" cy="307639"/>
-            </a:xfrm>
-            <a:prstGeom prst="roundRect">
-              <a:avLst>
-                <a:gd name="adj" fmla="val 4069"/>
-              </a:avLst>
-            </a:prstGeom>
+            <a:solidFill>
+              <a:schemeClr val="accent3">
+                <a:lumMod val="60000"/>
+                <a:lumOff val="40000"/>
+              </a:schemeClr>
+            </a:solidFill>
           </p:spPr>
           <p:style>
             <a:lnRef idx="2">
@@ -5092,7 +4919,7 @@
             <p:cNvPr id="55" name="모서리가 둥근 직사각형 41">
               <a:extLst>
                 <a:ext uri="{FF2B5EF4-FFF2-40B4-BE49-F238E27FC236}">
-                  <a16:creationId xmlns:a16="http://schemas.microsoft.com/office/drawing/2014/main" id="{0347983C-1715-469A-B171-8EB284A9B128}"/>
+                  <a16:creationId xmlns="" xmlns:a16="http://schemas.microsoft.com/office/drawing/2014/main" id="{0347983C-1715-469A-B171-8EB284A9B128}"/>
                 </a:ext>
               </a:extLst>
             </p:cNvPr>
@@ -5109,52 +4936,12 @@
                 <a:gd name="adj" fmla="val 4069"/>
               </a:avLst>
             </a:prstGeom>
-          </p:spPr>
-          <p:style>
-            <a:lnRef idx="2">
-              <a:schemeClr val="dk1"/>
-            </a:lnRef>
-            <a:fillRef idx="1">
-              <a:schemeClr val="lt1"/>
-            </a:fillRef>
-            <a:effectRef idx="0">
-              <a:schemeClr val="dk1"/>
-            </a:effectRef>
-            <a:fontRef idx="minor">
-              <a:schemeClr val="dk1"/>
-            </a:fontRef>
-          </p:style>
-          <p:txBody>
-            <a:bodyPr rtlCol="0" anchor="b"/>
-            <a:lstStyle/>
-            <a:p>
-              <a:pPr algn="ctr"/>
-              <a:endParaRPr lang="ko-KR" altLang="en-US" sz="1400" dirty="0"/>
-            </a:p>
-          </p:txBody>
-        </p:sp>
-        <p:sp>
-          <p:nvSpPr>
-            <p:cNvPr id="56" name="모서리가 둥근 직사각형 42">
-              <a:extLst>
-                <a:ext uri="{FF2B5EF4-FFF2-40B4-BE49-F238E27FC236}">
-                  <a16:creationId xmlns:a16="http://schemas.microsoft.com/office/drawing/2014/main" id="{DDBB2DD7-2C0E-401D-96C4-86C2FC84B40F}"/>
-                </a:ext>
-              </a:extLst>
-            </p:cNvPr>
-            <p:cNvSpPr/>
-            <p:nvPr/>
-          </p:nvSpPr>
-          <p:spPr>
-            <a:xfrm>
-              <a:off x="2699792" y="3579862"/>
-              <a:ext cx="288032" cy="307639"/>
-            </a:xfrm>
-            <a:prstGeom prst="roundRect">
-              <a:avLst>
-                <a:gd name="adj" fmla="val 4069"/>
-              </a:avLst>
-            </a:prstGeom>
+            <a:solidFill>
+              <a:schemeClr val="accent6">
+                <a:lumMod val="60000"/>
+                <a:lumOff val="40000"/>
+              </a:schemeClr>
+            </a:solidFill>
           </p:spPr>
           <p:style>
             <a:lnRef idx="2">
@@ -5180,96 +4967,12 @@
           </p:txBody>
         </p:sp>
       </p:grpSp>
-      <p:cxnSp>
-        <p:nvCxnSpPr>
-          <p:cNvPr id="8" name="직선 화살표 연결선 7">
-            <a:extLst>
-              <a:ext uri="{FF2B5EF4-FFF2-40B4-BE49-F238E27FC236}">
-                <a16:creationId xmlns:a16="http://schemas.microsoft.com/office/drawing/2014/main" id="{567F7E65-650C-4857-BB31-19C2A6DB51BB}"/>
-              </a:ext>
-            </a:extLst>
-          </p:cNvPr>
-          <p:cNvCxnSpPr>
-            <a:cxnSpLocks/>
-            <a:stCxn id="37" idx="3"/>
-            <a:endCxn id="46" idx="1"/>
-          </p:cNvCxnSpPr>
-          <p:nvPr/>
-        </p:nvCxnSpPr>
-        <p:spPr>
-          <a:xfrm>
-            <a:off x="4427985" y="3740138"/>
-            <a:ext cx="1368151" cy="0"/>
-          </a:xfrm>
-          <a:prstGeom prst="straightConnector1">
-            <a:avLst/>
-          </a:prstGeom>
-          <a:ln w="28575">
-            <a:solidFill>
-              <a:schemeClr val="tx1"/>
-            </a:solidFill>
-            <a:headEnd type="arrow" w="med" len="med"/>
-            <a:tailEnd type="arrow" w="med" len="med"/>
-          </a:ln>
-        </p:spPr>
-        <p:style>
-          <a:lnRef idx="1">
-            <a:schemeClr val="accent1"/>
-          </a:lnRef>
-          <a:fillRef idx="0">
-            <a:schemeClr val="accent1"/>
-          </a:fillRef>
-          <a:effectRef idx="0">
-            <a:schemeClr val="accent1"/>
-          </a:effectRef>
-          <a:fontRef idx="minor">
-            <a:schemeClr val="tx1"/>
-          </a:fontRef>
-        </p:style>
-      </p:cxnSp>
-      <p:sp>
-        <p:nvSpPr>
-          <p:cNvPr id="9" name="TextBox 8">
-            <a:extLst>
-              <a:ext uri="{FF2B5EF4-FFF2-40B4-BE49-F238E27FC236}">
-                <a16:creationId xmlns:a16="http://schemas.microsoft.com/office/drawing/2014/main" id="{68294817-A488-45A8-B973-326D41B1515E}"/>
-              </a:ext>
-            </a:extLst>
-          </p:cNvPr>
-          <p:cNvSpPr txBox="1"/>
-          <p:nvPr/>
-        </p:nvSpPr>
-        <p:spPr>
-          <a:xfrm>
-            <a:off x="4572810" y="3435846"/>
-            <a:ext cx="1078500" cy="307777"/>
-          </a:xfrm>
-          <a:prstGeom prst="rect">
-            <a:avLst/>
-          </a:prstGeom>
-          <a:noFill/>
-        </p:spPr>
-        <p:txBody>
-          <a:bodyPr wrap="none" rtlCol="0">
-            <a:spAutoFit/>
-          </a:bodyPr>
-          <a:lstStyle/>
-          <a:p>
-            <a:pPr algn="ctr"/>
-            <a:r>
-              <a:rPr lang="en-US" altLang="ko-KR" sz="1400"/>
-              <a:t>Replication</a:t>
-            </a:r>
-            <a:endParaRPr lang="ko-KR" altLang="en-US" sz="1400"/>
-          </a:p>
-        </p:txBody>
-      </p:sp>
       <p:sp>
         <p:nvSpPr>
           <p:cNvPr id="57" name="모서리가 둥근 직사각형 18">
             <a:extLst>
               <a:ext uri="{FF2B5EF4-FFF2-40B4-BE49-F238E27FC236}">
-                <a16:creationId xmlns:a16="http://schemas.microsoft.com/office/drawing/2014/main" id="{37FF3A74-AA80-46B4-88CF-B271893BBCCF}"/>
+                <a16:creationId xmlns="" xmlns:a16="http://schemas.microsoft.com/office/drawing/2014/main" id="{37FF3A74-AA80-46B4-88CF-B271893BBCCF}"/>
               </a:ext>
             </a:extLst>
           </p:cNvPr>
@@ -5278,7 +4981,7 @@
         </p:nvSpPr>
         <p:spPr>
           <a:xfrm>
-            <a:off x="2195736" y="2371163"/>
+            <a:off x="2411760" y="2443171"/>
             <a:ext cx="1080120" cy="560627"/>
           </a:xfrm>
           <a:prstGeom prst="roundRect">
@@ -5319,7 +5022,7 @@
           <p:cNvPr id="172" name="그룹 171">
             <a:extLst>
               <a:ext uri="{FF2B5EF4-FFF2-40B4-BE49-F238E27FC236}">
-                <a16:creationId xmlns:a16="http://schemas.microsoft.com/office/drawing/2014/main" id="{AFDB73E2-CC56-46A7-9786-4FCFACA81201}"/>
+                <a16:creationId xmlns="" xmlns:a16="http://schemas.microsoft.com/office/drawing/2014/main" id="{AFDB73E2-CC56-46A7-9786-4FCFACA81201}"/>
               </a:ext>
             </a:extLst>
           </p:cNvPr>
@@ -5328,7 +5031,7 @@
         </p:nvGrpSpPr>
         <p:grpSpPr>
           <a:xfrm>
-            <a:off x="4644008" y="843558"/>
+            <a:off x="4644008" y="771550"/>
             <a:ext cx="2623400" cy="1735909"/>
             <a:chOff x="4932040" y="915566"/>
             <a:chExt cx="2623400" cy="1780457"/>
@@ -5339,7 +5042,7 @@
             <p:cNvPr id="58" name="모서리가 둥근 직사각형 18">
               <a:extLst>
                 <a:ext uri="{FF2B5EF4-FFF2-40B4-BE49-F238E27FC236}">
-                  <a16:creationId xmlns:a16="http://schemas.microsoft.com/office/drawing/2014/main" id="{271773C0-B6D3-4AF9-B241-96B25F3262A1}"/>
+                  <a16:creationId xmlns="" xmlns:a16="http://schemas.microsoft.com/office/drawing/2014/main" id="{271773C0-B6D3-4AF9-B241-96B25F3262A1}"/>
                 </a:ext>
               </a:extLst>
             </p:cNvPr>
@@ -5389,7 +5092,7 @@
             <p:cNvPr id="59" name="모서리가 둥근 직사각형 18">
               <a:extLst>
                 <a:ext uri="{FF2B5EF4-FFF2-40B4-BE49-F238E27FC236}">
-                  <a16:creationId xmlns:a16="http://schemas.microsoft.com/office/drawing/2014/main" id="{A28EA0BC-59F6-4F72-BD0E-9F3B07D97837}"/>
+                  <a16:creationId xmlns="" xmlns:a16="http://schemas.microsoft.com/office/drawing/2014/main" id="{A28EA0BC-59F6-4F72-BD0E-9F3B07D97837}"/>
                 </a:ext>
               </a:extLst>
             </p:cNvPr>
@@ -5467,7 +5170,7 @@
           <p:cNvPr id="60" name="모서리가 둥근 직사각형 18">
             <a:extLst>
               <a:ext uri="{FF2B5EF4-FFF2-40B4-BE49-F238E27FC236}">
-                <a16:creationId xmlns:a16="http://schemas.microsoft.com/office/drawing/2014/main" id="{A8E62340-5B58-47AF-ABFF-AE5D42F73FD2}"/>
+                <a16:creationId xmlns="" xmlns:a16="http://schemas.microsoft.com/office/drawing/2014/main" id="{A8E62340-5B58-47AF-ABFF-AE5D42F73FD2}"/>
               </a:ext>
             </a:extLst>
           </p:cNvPr>
@@ -5476,7 +5179,7 @@
         </p:nvSpPr>
         <p:spPr>
           <a:xfrm>
-            <a:off x="1331640" y="1291043"/>
+            <a:off x="1331640" y="1219035"/>
             <a:ext cx="1080120" cy="560627"/>
           </a:xfrm>
           <a:prstGeom prst="roundRect">
@@ -5517,21 +5220,19 @@
           <p:cNvPr id="61" name="직선 화살표 연결선 60">
             <a:extLst>
               <a:ext uri="{FF2B5EF4-FFF2-40B4-BE49-F238E27FC236}">
-                <a16:creationId xmlns:a16="http://schemas.microsoft.com/office/drawing/2014/main" id="{86485563-F321-4DD1-B7CE-81A35D2E3FE5}"/>
+                <a16:creationId xmlns="" xmlns:a16="http://schemas.microsoft.com/office/drawing/2014/main" id="{86485563-F321-4DD1-B7CE-81A35D2E3FE5}"/>
               </a:ext>
             </a:extLst>
           </p:cNvPr>
           <p:cNvCxnSpPr>
             <a:cxnSpLocks/>
-            <a:stCxn id="60" idx="2"/>
-            <a:endCxn id="32" idx="0"/>
           </p:cNvCxnSpPr>
           <p:nvPr/>
         </p:nvCxnSpPr>
         <p:spPr>
           <a:xfrm flipH="1">
-            <a:off x="1477720" y="1851670"/>
-            <a:ext cx="393980" cy="1400809"/>
+            <a:off x="1475656" y="1779662"/>
+            <a:ext cx="324036" cy="1420416"/>
           </a:xfrm>
           <a:prstGeom prst="straightConnector1">
             <a:avLst/>
@@ -5540,54 +5241,7 @@
             <a:solidFill>
               <a:srgbClr val="C00000"/>
             </a:solidFill>
-            <a:headEnd type="arrow" w="med" len="med"/>
-            <a:tailEnd type="arrow" w="med" len="med"/>
-          </a:ln>
-        </p:spPr>
-        <p:style>
-          <a:lnRef idx="1">
-            <a:schemeClr val="accent1"/>
-          </a:lnRef>
-          <a:fillRef idx="0">
-            <a:schemeClr val="accent1"/>
-          </a:fillRef>
-          <a:effectRef idx="0">
-            <a:schemeClr val="accent1"/>
-          </a:effectRef>
-          <a:fontRef idx="minor">
-            <a:schemeClr val="tx1"/>
-          </a:fontRef>
-        </p:style>
-      </p:cxnSp>
-      <p:cxnSp>
-        <p:nvCxnSpPr>
-          <p:cNvPr id="62" name="직선 화살표 연결선 61">
-            <a:extLst>
-              <a:ext uri="{FF2B5EF4-FFF2-40B4-BE49-F238E27FC236}">
-                <a16:creationId xmlns:a16="http://schemas.microsoft.com/office/drawing/2014/main" id="{989EFF16-7B53-4392-8546-2753BD668DD2}"/>
-              </a:ext>
-            </a:extLst>
-          </p:cNvPr>
-          <p:cNvCxnSpPr>
-            <a:cxnSpLocks/>
-            <a:stCxn id="60" idx="2"/>
-            <a:endCxn id="48" idx="0"/>
-          </p:cNvCxnSpPr>
-          <p:nvPr/>
-        </p:nvCxnSpPr>
-        <p:spPr>
-          <a:xfrm>
-            <a:off x="1871700" y="1851670"/>
-            <a:ext cx="4788532" cy="1400809"/>
-          </a:xfrm>
-          <a:prstGeom prst="straightConnector1">
-            <a:avLst/>
-          </a:prstGeom>
-          <a:ln w="28575">
-            <a:solidFill>
-              <a:srgbClr val="C00000"/>
-            </a:solidFill>
-            <a:headEnd type="arrow" w="med" len="med"/>
+            <a:headEnd type="none" w="med" len="med"/>
             <a:tailEnd type="arrow" w="med" len="med"/>
           </a:ln>
         </p:spPr>
@@ -5611,21 +5265,19 @@
           <p:cNvPr id="63" name="직선 화살표 연결선 62">
             <a:extLst>
               <a:ext uri="{FF2B5EF4-FFF2-40B4-BE49-F238E27FC236}">
-                <a16:creationId xmlns:a16="http://schemas.microsoft.com/office/drawing/2014/main" id="{10421B65-D171-4EE8-A7C1-6F9B1A4DE11C}"/>
+                <a16:creationId xmlns="" xmlns:a16="http://schemas.microsoft.com/office/drawing/2014/main" id="{10421B65-D171-4EE8-A7C1-6F9B1A4DE11C}"/>
               </a:ext>
             </a:extLst>
           </p:cNvPr>
           <p:cNvCxnSpPr>
             <a:cxnSpLocks/>
-            <a:stCxn id="57" idx="3"/>
-            <a:endCxn id="58" idx="1"/>
           </p:cNvCxnSpPr>
           <p:nvPr/>
         </p:nvCxnSpPr>
         <p:spPr>
           <a:xfrm flipV="1">
-            <a:off x="3275856" y="1711513"/>
-            <a:ext cx="1368152" cy="939964"/>
+            <a:off x="3491880" y="1703794"/>
+            <a:ext cx="1152128" cy="1083980"/>
           </a:xfrm>
           <a:prstGeom prst="straightConnector1">
             <a:avLst/>
@@ -5635,7 +5287,7 @@
               <a:schemeClr val="tx2"/>
             </a:solidFill>
             <a:headEnd type="arrow" w="med" len="med"/>
-            <a:tailEnd type="arrow" w="med" len="med"/>
+            <a:tailEnd type="none" w="med" len="med"/>
           </a:ln>
         </p:spPr>
         <p:style>
@@ -5653,106 +5305,12 @@
           </a:fontRef>
         </p:style>
       </p:cxnSp>
-      <p:cxnSp>
-        <p:nvCxnSpPr>
-          <p:cNvPr id="66" name="직선 화살표 연결선 65">
-            <a:extLst>
-              <a:ext uri="{FF2B5EF4-FFF2-40B4-BE49-F238E27FC236}">
-                <a16:creationId xmlns:a16="http://schemas.microsoft.com/office/drawing/2014/main" id="{50C16C91-1345-4FFD-B2D9-B55BD83CED3F}"/>
-              </a:ext>
-            </a:extLst>
-          </p:cNvPr>
-          <p:cNvCxnSpPr>
-            <a:cxnSpLocks/>
-            <a:stCxn id="57" idx="3"/>
-            <a:endCxn id="40" idx="0"/>
-          </p:cNvCxnSpPr>
-          <p:nvPr/>
-        </p:nvCxnSpPr>
-        <p:spPr>
-          <a:xfrm>
-            <a:off x="3275856" y="2651477"/>
-            <a:ext cx="288033" cy="1052657"/>
-          </a:xfrm>
-          <a:prstGeom prst="straightConnector1">
-            <a:avLst/>
-          </a:prstGeom>
-          <a:ln w="28575">
-            <a:solidFill>
-              <a:schemeClr val="tx2"/>
-            </a:solidFill>
-            <a:headEnd type="none" w="med" len="med"/>
-            <a:tailEnd type="arrow" w="med" len="med"/>
-          </a:ln>
-        </p:spPr>
-        <p:style>
-          <a:lnRef idx="1">
-            <a:schemeClr val="accent1"/>
-          </a:lnRef>
-          <a:fillRef idx="0">
-            <a:schemeClr val="accent1"/>
-          </a:fillRef>
-          <a:effectRef idx="0">
-            <a:schemeClr val="accent1"/>
-          </a:effectRef>
-          <a:fontRef idx="minor">
-            <a:schemeClr val="tx1"/>
-          </a:fontRef>
-        </p:style>
-      </p:cxnSp>
-      <p:cxnSp>
-        <p:nvCxnSpPr>
-          <p:cNvPr id="71" name="직선 화살표 연결선 70">
-            <a:extLst>
-              <a:ext uri="{FF2B5EF4-FFF2-40B4-BE49-F238E27FC236}">
-                <a16:creationId xmlns:a16="http://schemas.microsoft.com/office/drawing/2014/main" id="{83760EB7-8186-412B-AD59-34E768B672E7}"/>
-              </a:ext>
-            </a:extLst>
-          </p:cNvPr>
-          <p:cNvCxnSpPr>
-            <a:cxnSpLocks/>
-            <a:stCxn id="40" idx="3"/>
-            <a:endCxn id="49" idx="1"/>
-          </p:cNvCxnSpPr>
-          <p:nvPr/>
-        </p:nvCxnSpPr>
-        <p:spPr>
-          <a:xfrm>
-            <a:off x="3707905" y="3857954"/>
-            <a:ext cx="2232247" cy="0"/>
-          </a:xfrm>
-          <a:prstGeom prst="straightConnector1">
-            <a:avLst/>
-          </a:prstGeom>
-          <a:ln w="28575">
-            <a:solidFill>
-              <a:schemeClr val="tx2"/>
-            </a:solidFill>
-            <a:headEnd type="none" w="med" len="med"/>
-            <a:tailEnd type="arrow" w="med" len="med"/>
-          </a:ln>
-        </p:spPr>
-        <p:style>
-          <a:lnRef idx="1">
-            <a:schemeClr val="accent1"/>
-          </a:lnRef>
-          <a:fillRef idx="0">
-            <a:schemeClr val="accent1"/>
-          </a:fillRef>
-          <a:effectRef idx="0">
-            <a:schemeClr val="accent1"/>
-          </a:effectRef>
-          <a:fontRef idx="minor">
-            <a:schemeClr val="tx1"/>
-          </a:fontRef>
-        </p:style>
-      </p:cxnSp>
       <p:sp>
         <p:nvSpPr>
           <p:cNvPr id="131" name="타원 130">
             <a:extLst>
               <a:ext uri="{FF2B5EF4-FFF2-40B4-BE49-F238E27FC236}">
-                <a16:creationId xmlns:a16="http://schemas.microsoft.com/office/drawing/2014/main" id="{5F83F9E5-52FB-4808-9C34-197CE38E96AE}"/>
+                <a16:creationId xmlns="" xmlns:a16="http://schemas.microsoft.com/office/drawing/2014/main" id="{5F83F9E5-52FB-4808-9C34-197CE38E96AE}"/>
               </a:ext>
             </a:extLst>
           </p:cNvPr>
@@ -5761,7 +5319,7 @@
         </p:nvSpPr>
         <p:spPr>
           <a:xfrm>
-            <a:off x="3335125" y="1349308"/>
+            <a:off x="3335125" y="1203598"/>
             <a:ext cx="288032" cy="288032"/>
           </a:xfrm>
           <a:prstGeom prst="ellipse">
@@ -5796,14 +5354,14 @@
           <a:p>
             <a:pPr algn="ctr"/>
             <a:r>
-              <a:rPr lang="en-US" altLang="ko-KR" sz="1600">
+              <a:rPr lang="en-US" altLang="ko-KR" sz="1600" dirty="0">
                 <a:solidFill>
                   <a:srgbClr val="C00000"/>
                 </a:solidFill>
               </a:rPr>
               <a:t>1</a:t>
             </a:r>
-            <a:endParaRPr lang="ko-KR" altLang="en-US" sz="1600">
+            <a:endParaRPr lang="ko-KR" altLang="en-US" sz="1600" dirty="0">
               <a:solidFill>
                 <a:srgbClr val="C00000"/>
               </a:solidFill>
@@ -5816,7 +5374,7 @@
           <p:cNvPr id="132" name="타원 131">
             <a:extLst>
               <a:ext uri="{FF2B5EF4-FFF2-40B4-BE49-F238E27FC236}">
-                <a16:creationId xmlns:a16="http://schemas.microsoft.com/office/drawing/2014/main" id="{41F245C1-92AD-4CF7-8116-948BE87AA5B6}"/>
+                <a16:creationId xmlns="" xmlns:a16="http://schemas.microsoft.com/office/drawing/2014/main" id="{41F245C1-92AD-4CF7-8116-948BE87AA5B6}"/>
               </a:ext>
             </a:extLst>
           </p:cNvPr>
@@ -5825,7 +5383,7 @@
         </p:nvSpPr>
         <p:spPr>
           <a:xfrm>
-            <a:off x="2870096" y="1885578"/>
+            <a:off x="1823340" y="2355726"/>
             <a:ext cx="288032" cy="288032"/>
           </a:xfrm>
           <a:prstGeom prst="ellipse">
@@ -5860,14 +5418,14 @@
           <a:p>
             <a:pPr algn="ctr"/>
             <a:r>
-              <a:rPr lang="en-US" altLang="ko-KR" sz="1600">
+              <a:rPr lang="en-US" altLang="ko-KR" sz="1600" dirty="0">
                 <a:solidFill>
                   <a:srgbClr val="C00000"/>
                 </a:solidFill>
               </a:rPr>
-              <a:t>2</a:t>
-            </a:r>
-            <a:endParaRPr lang="ko-KR" altLang="en-US" sz="1600">
+              <a:t>4</a:t>
+            </a:r>
+            <a:endParaRPr lang="ko-KR" altLang="en-US" sz="1600" dirty="0">
               <a:solidFill>
                 <a:srgbClr val="C00000"/>
               </a:solidFill>
@@ -5880,7 +5438,7 @@
           <p:cNvPr id="134" name="타원 133">
             <a:extLst>
               <a:ext uri="{FF2B5EF4-FFF2-40B4-BE49-F238E27FC236}">
-                <a16:creationId xmlns:a16="http://schemas.microsoft.com/office/drawing/2014/main" id="{7110AE48-F3F2-439B-ADE3-190898A23765}"/>
+                <a16:creationId xmlns="" xmlns:a16="http://schemas.microsoft.com/office/drawing/2014/main" id="{7110AE48-F3F2-439B-ADE3-190898A23765}"/>
               </a:ext>
             </a:extLst>
           </p:cNvPr>
@@ -5889,7 +5447,7 @@
         </p:nvSpPr>
         <p:spPr>
           <a:xfrm>
-            <a:off x="1391605" y="2352380"/>
+            <a:off x="1343996" y="2355726"/>
             <a:ext cx="288032" cy="288032"/>
           </a:xfrm>
           <a:prstGeom prst="ellipse">
@@ -5924,14 +5482,14 @@
           <a:p>
             <a:pPr algn="ctr"/>
             <a:r>
-              <a:rPr lang="en-US" altLang="ko-KR" sz="1600">
+              <a:rPr lang="en-US" altLang="ko-KR" sz="1600" dirty="0">
                 <a:solidFill>
                   <a:srgbClr val="C00000"/>
                 </a:solidFill>
               </a:rPr>
-              <a:t>2</a:t>
-            </a:r>
-            <a:endParaRPr lang="ko-KR" altLang="en-US" sz="1600">
+              <a:t>3</a:t>
+            </a:r>
+            <a:endParaRPr lang="ko-KR" altLang="en-US" sz="1600" dirty="0">
               <a:solidFill>
                 <a:srgbClr val="C00000"/>
               </a:solidFill>
@@ -5944,20 +5502,18 @@
           <p:cNvPr id="136" name="직선 화살표 연결선 135">
             <a:extLst>
               <a:ext uri="{FF2B5EF4-FFF2-40B4-BE49-F238E27FC236}">
-                <a16:creationId xmlns:a16="http://schemas.microsoft.com/office/drawing/2014/main" id="{6B28761E-A6ED-418A-9384-3AEDDF0E8035}"/>
+                <a16:creationId xmlns="" xmlns:a16="http://schemas.microsoft.com/office/drawing/2014/main" id="{6B28761E-A6ED-418A-9384-3AEDDF0E8035}"/>
               </a:ext>
             </a:extLst>
           </p:cNvPr>
           <p:cNvCxnSpPr>
             <a:cxnSpLocks/>
-            <a:stCxn id="60" idx="3"/>
-            <a:endCxn id="58" idx="1"/>
           </p:cNvCxnSpPr>
           <p:nvPr/>
         </p:nvCxnSpPr>
         <p:spPr>
           <a:xfrm>
-            <a:off x="2411760" y="1571357"/>
+            <a:off x="2411760" y="1423482"/>
             <a:ext cx="2232248" cy="140156"/>
           </a:xfrm>
           <a:prstGeom prst="straightConnector1">
@@ -5967,7 +5523,7 @@
             <a:solidFill>
               <a:srgbClr val="C00000"/>
             </a:solidFill>
-            <a:headEnd type="arrow" w="med" len="med"/>
+            <a:headEnd type="none" w="med" len="med"/>
             <a:tailEnd type="arrow" w="med" len="med"/>
           </a:ln>
         </p:spPr>
@@ -5991,7 +5547,7 @@
           <p:cNvPr id="157" name="타원 156">
             <a:extLst>
               <a:ext uri="{FF2B5EF4-FFF2-40B4-BE49-F238E27FC236}">
-                <a16:creationId xmlns:a16="http://schemas.microsoft.com/office/drawing/2014/main" id="{E2D3238C-CC38-4EA9-848F-B8073443BA43}"/>
+                <a16:creationId xmlns="" xmlns:a16="http://schemas.microsoft.com/office/drawing/2014/main" id="{E2D3238C-CC38-4EA9-848F-B8073443BA43}"/>
               </a:ext>
             </a:extLst>
           </p:cNvPr>
@@ -6000,7 +5556,7 @@
         </p:nvSpPr>
         <p:spPr>
           <a:xfrm>
-            <a:off x="3707904" y="1932145"/>
+            <a:off x="3779912" y="1888738"/>
             <a:ext cx="288032" cy="288032"/>
           </a:xfrm>
           <a:prstGeom prst="ellipse">
@@ -6055,7 +5611,7 @@
           <p:cNvPr id="158" name="타원 157">
             <a:extLst>
               <a:ext uri="{FF2B5EF4-FFF2-40B4-BE49-F238E27FC236}">
-                <a16:creationId xmlns:a16="http://schemas.microsoft.com/office/drawing/2014/main" id="{134F2EDF-DF55-410C-B63E-254D82DF66FB}"/>
+                <a16:creationId xmlns="" xmlns:a16="http://schemas.microsoft.com/office/drawing/2014/main" id="{134F2EDF-DF55-410C-B63E-254D82DF66FB}"/>
               </a:ext>
             </a:extLst>
           </p:cNvPr>
@@ -6064,7 +5620,7 @@
         </p:nvSpPr>
         <p:spPr>
           <a:xfrm>
-            <a:off x="3363104" y="2757294"/>
+            <a:off x="4061766" y="2176770"/>
             <a:ext cx="288032" cy="288032"/>
           </a:xfrm>
           <a:prstGeom prst="ellipse">
@@ -6114,76 +5670,12 @@
           </a:p>
         </p:txBody>
       </p:sp>
-      <p:sp>
-        <p:nvSpPr>
-          <p:cNvPr id="160" name="타원 159">
-            <a:extLst>
-              <a:ext uri="{FF2B5EF4-FFF2-40B4-BE49-F238E27FC236}">
-                <a16:creationId xmlns:a16="http://schemas.microsoft.com/office/drawing/2014/main" id="{059A2C3A-01C4-4EEC-B6C8-A026A244E886}"/>
-              </a:ext>
-            </a:extLst>
-          </p:cNvPr>
-          <p:cNvSpPr/>
-          <p:nvPr/>
-        </p:nvSpPr>
-        <p:spPr>
-          <a:xfrm>
-            <a:off x="4664772" y="3858487"/>
-            <a:ext cx="288032" cy="288032"/>
-          </a:xfrm>
-          <a:prstGeom prst="ellipse">
-            <a:avLst/>
-          </a:prstGeom>
-          <a:noFill/>
-          <a:ln>
-            <a:solidFill>
-              <a:schemeClr val="tx2"/>
-            </a:solidFill>
-          </a:ln>
-        </p:spPr>
-        <p:style>
-          <a:lnRef idx="2">
-            <a:schemeClr val="accent1">
-              <a:shade val="50000"/>
-            </a:schemeClr>
-          </a:lnRef>
-          <a:fillRef idx="1">
-            <a:schemeClr val="accent1"/>
-          </a:fillRef>
-          <a:effectRef idx="0">
-            <a:schemeClr val="accent1"/>
-          </a:effectRef>
-          <a:fontRef idx="minor">
-            <a:schemeClr val="lt1"/>
-          </a:fontRef>
-        </p:style>
-        <p:txBody>
-          <a:bodyPr rtlCol="0" anchor="ctr"/>
-          <a:lstStyle/>
-          <a:p>
-            <a:pPr algn="ctr"/>
-            <a:r>
-              <a:rPr lang="en-US" altLang="ko-KR" sz="1600">
-                <a:solidFill>
-                  <a:schemeClr val="tx2"/>
-                </a:solidFill>
-              </a:rPr>
-              <a:t>3</a:t>
-            </a:r>
-            <a:endParaRPr lang="ko-KR" altLang="en-US" sz="1600">
-              <a:solidFill>
-                <a:schemeClr val="tx2"/>
-              </a:solidFill>
-            </a:endParaRPr>
-          </a:p>
-        </p:txBody>
-      </p:sp>
       <p:grpSp>
         <p:nvGrpSpPr>
           <p:cNvPr id="171" name="그룹 170">
             <a:extLst>
               <a:ext uri="{FF2B5EF4-FFF2-40B4-BE49-F238E27FC236}">
-                <a16:creationId xmlns:a16="http://schemas.microsoft.com/office/drawing/2014/main" id="{365E04FF-332D-448A-AE7C-B0C7F5BB229E}"/>
+                <a16:creationId xmlns="" xmlns:a16="http://schemas.microsoft.com/office/drawing/2014/main" id="{365E04FF-332D-448A-AE7C-B0C7F5BB229E}"/>
               </a:ext>
             </a:extLst>
           </p:cNvPr>
@@ -6192,7 +5684,7 @@
         </p:nvGrpSpPr>
         <p:grpSpPr>
           <a:xfrm>
-            <a:off x="7380312" y="1851670"/>
+            <a:off x="3923928" y="4011910"/>
             <a:ext cx="828091" cy="571462"/>
             <a:chOff x="4499992" y="4569920"/>
             <a:chExt cx="1045170" cy="571462"/>
@@ -6203,7 +5695,7 @@
             <p:cNvPr id="161" name="직선 화살표 연결선 160">
               <a:extLst>
                 <a:ext uri="{FF2B5EF4-FFF2-40B4-BE49-F238E27FC236}">
-                  <a16:creationId xmlns:a16="http://schemas.microsoft.com/office/drawing/2014/main" id="{3353C20F-317C-4897-9D26-E51FDE4CD3C6}"/>
+                  <a16:creationId xmlns="" xmlns:a16="http://schemas.microsoft.com/office/drawing/2014/main" id="{3353C20F-317C-4897-9D26-E51FDE4CD3C6}"/>
                 </a:ext>
               </a:extLst>
             </p:cNvPr>
@@ -6249,7 +5741,7 @@
             <p:cNvPr id="166" name="TextBox 165">
               <a:extLst>
                 <a:ext uri="{FF2B5EF4-FFF2-40B4-BE49-F238E27FC236}">
-                  <a16:creationId xmlns:a16="http://schemas.microsoft.com/office/drawing/2014/main" id="{F569DF29-EBD8-4606-BED5-287D91FB85A1}"/>
+                  <a16:creationId xmlns="" xmlns:a16="http://schemas.microsoft.com/office/drawing/2014/main" id="{F569DF29-EBD8-4606-BED5-287D91FB85A1}"/>
                 </a:ext>
               </a:extLst>
             </p:cNvPr>
@@ -6274,10 +5766,10 @@
             <a:p>
               <a:pPr algn="ctr"/>
               <a:r>
-                <a:rPr lang="en-US" altLang="ko-KR" sz="1400"/>
+                <a:rPr lang="en-US" altLang="ko-KR" sz="1400" dirty="0"/>
                 <a:t>Read</a:t>
               </a:r>
-              <a:endParaRPr lang="ko-KR" altLang="en-US" sz="1400"/>
+              <a:endParaRPr lang="ko-KR" altLang="en-US" sz="1400" dirty="0"/>
             </a:p>
           </p:txBody>
         </p:sp>
@@ -6286,7 +5778,7 @@
             <p:cNvPr id="168" name="직선 화살표 연결선 167">
               <a:extLst>
                 <a:ext uri="{FF2B5EF4-FFF2-40B4-BE49-F238E27FC236}">
-                  <a16:creationId xmlns:a16="http://schemas.microsoft.com/office/drawing/2014/main" id="{E3342519-5CCB-40AA-81C2-C390DDF48A81}"/>
+                  <a16:creationId xmlns="" xmlns:a16="http://schemas.microsoft.com/office/drawing/2014/main" id="{E3342519-5CCB-40AA-81C2-C390DDF48A81}"/>
                 </a:ext>
               </a:extLst>
             </p:cNvPr>
@@ -6332,7 +5824,7 @@
             <p:cNvPr id="169" name="TextBox 168">
               <a:extLst>
                 <a:ext uri="{FF2B5EF4-FFF2-40B4-BE49-F238E27FC236}">
-                  <a16:creationId xmlns:a16="http://schemas.microsoft.com/office/drawing/2014/main" id="{092411D7-2EB1-421A-9BE1-7CBC71A2054A}"/>
+                  <a16:creationId xmlns="" xmlns:a16="http://schemas.microsoft.com/office/drawing/2014/main" id="{092411D7-2EB1-421A-9BE1-7CBC71A2054A}"/>
                 </a:ext>
               </a:extLst>
             </p:cNvPr>
@@ -6357,14 +5849,1174 @@
             <a:p>
               <a:pPr algn="ctr"/>
               <a:r>
-                <a:rPr lang="en-US" altLang="ko-KR" sz="1400"/>
+                <a:rPr lang="en-US" altLang="ko-KR" sz="1400" dirty="0"/>
                 <a:t>Write</a:t>
               </a:r>
-              <a:endParaRPr lang="ko-KR" altLang="en-US" sz="1400"/>
+              <a:endParaRPr lang="ko-KR" altLang="en-US" sz="1400" dirty="0"/>
             </a:p>
           </p:txBody>
         </p:sp>
       </p:grpSp>
+      <p:cxnSp>
+        <p:nvCxnSpPr>
+          <p:cNvPr id="64" name="직선 화살표 연결선 63">
+            <a:extLst>
+              <a:ext uri="{FF2B5EF4-FFF2-40B4-BE49-F238E27FC236}">
+                <a16:creationId xmlns="" xmlns:a16="http://schemas.microsoft.com/office/drawing/2014/main" id="{6B28761E-A6ED-418A-9384-3AEDDF0E8035}"/>
+              </a:ext>
+            </a:extLst>
+          </p:cNvPr>
+          <p:cNvCxnSpPr>
+            <a:cxnSpLocks/>
+          </p:cNvCxnSpPr>
+          <p:nvPr/>
+        </p:nvCxnSpPr>
+        <p:spPr>
+          <a:xfrm>
+            <a:off x="2411760" y="1563638"/>
+            <a:ext cx="2232248" cy="140156"/>
+          </a:xfrm>
+          <a:prstGeom prst="straightConnector1">
+            <a:avLst/>
+          </a:prstGeom>
+          <a:ln w="28575">
+            <a:solidFill>
+              <a:srgbClr val="C00000"/>
+            </a:solidFill>
+            <a:headEnd type="arrow" w="med" len="med"/>
+            <a:tailEnd type="none" w="med" len="med"/>
+          </a:ln>
+        </p:spPr>
+        <p:style>
+          <a:lnRef idx="1">
+            <a:schemeClr val="accent1"/>
+          </a:lnRef>
+          <a:fillRef idx="0">
+            <a:schemeClr val="accent1"/>
+          </a:fillRef>
+          <a:effectRef idx="0">
+            <a:schemeClr val="accent1"/>
+          </a:effectRef>
+          <a:fontRef idx="minor">
+            <a:schemeClr val="tx1"/>
+          </a:fontRef>
+        </p:style>
+      </p:cxnSp>
+      <p:sp>
+        <p:nvSpPr>
+          <p:cNvPr id="65" name="타원 64">
+            <a:extLst>
+              <a:ext uri="{FF2B5EF4-FFF2-40B4-BE49-F238E27FC236}">
+                <a16:creationId xmlns="" xmlns:a16="http://schemas.microsoft.com/office/drawing/2014/main" id="{41F245C1-92AD-4CF7-8116-948BE87AA5B6}"/>
+              </a:ext>
+            </a:extLst>
+          </p:cNvPr>
+          <p:cNvSpPr/>
+          <p:nvPr/>
+        </p:nvSpPr>
+        <p:spPr>
+          <a:xfrm>
+            <a:off x="3247278" y="1633713"/>
+            <a:ext cx="288032" cy="288032"/>
+          </a:xfrm>
+          <a:prstGeom prst="ellipse">
+            <a:avLst/>
+          </a:prstGeom>
+          <a:noFill/>
+          <a:ln>
+            <a:solidFill>
+              <a:srgbClr val="C00000"/>
+            </a:solidFill>
+          </a:ln>
+        </p:spPr>
+        <p:style>
+          <a:lnRef idx="2">
+            <a:schemeClr val="accent1">
+              <a:shade val="50000"/>
+            </a:schemeClr>
+          </a:lnRef>
+          <a:fillRef idx="1">
+            <a:schemeClr val="accent1"/>
+          </a:fillRef>
+          <a:effectRef idx="0">
+            <a:schemeClr val="accent1"/>
+          </a:effectRef>
+          <a:fontRef idx="minor">
+            <a:schemeClr val="lt1"/>
+          </a:fontRef>
+        </p:style>
+        <p:txBody>
+          <a:bodyPr rtlCol="0" anchor="ctr"/>
+          <a:lstStyle/>
+          <a:p>
+            <a:pPr algn="ctr"/>
+            <a:r>
+              <a:rPr lang="en-US" altLang="ko-KR" sz="1600">
+                <a:solidFill>
+                  <a:srgbClr val="C00000"/>
+                </a:solidFill>
+              </a:rPr>
+              <a:t>2</a:t>
+            </a:r>
+            <a:endParaRPr lang="ko-KR" altLang="en-US" sz="1600">
+              <a:solidFill>
+                <a:srgbClr val="C00000"/>
+              </a:solidFill>
+            </a:endParaRPr>
+          </a:p>
+        </p:txBody>
+      </p:sp>
+      <p:sp>
+        <p:nvSpPr>
+          <p:cNvPr id="67" name="모서리가 둥근 직사각형 66"/>
+          <p:cNvSpPr/>
+          <p:nvPr/>
+        </p:nvSpPr>
+        <p:spPr>
+          <a:xfrm>
+            <a:off x="7388988" y="3776675"/>
+            <a:ext cx="288032" cy="307639"/>
+          </a:xfrm>
+          <a:prstGeom prst="roundRect">
+            <a:avLst>
+              <a:gd name="adj" fmla="val 4069"/>
+            </a:avLst>
+          </a:prstGeom>
+          <a:solidFill>
+            <a:schemeClr val="accent4">
+              <a:lumMod val="60000"/>
+              <a:lumOff val="40000"/>
+            </a:schemeClr>
+          </a:solidFill>
+        </p:spPr>
+        <p:style>
+          <a:lnRef idx="2">
+            <a:schemeClr val="dk1"/>
+          </a:lnRef>
+          <a:fillRef idx="1">
+            <a:schemeClr val="lt1"/>
+          </a:fillRef>
+          <a:effectRef idx="0">
+            <a:schemeClr val="dk1"/>
+          </a:effectRef>
+          <a:fontRef idx="minor">
+            <a:schemeClr val="dk1"/>
+          </a:fontRef>
+        </p:style>
+        <p:txBody>
+          <a:bodyPr rtlCol="0" anchor="b"/>
+          <a:lstStyle/>
+          <a:p>
+            <a:pPr algn="ctr"/>
+            <a:endParaRPr lang="ko-KR" altLang="en-US" sz="1400" dirty="0"/>
+          </a:p>
+        </p:txBody>
+      </p:sp>
+      <p:cxnSp>
+        <p:nvCxnSpPr>
+          <p:cNvPr id="68" name="직선 화살표 연결선 67">
+            <a:extLst>
+              <a:ext uri="{FF2B5EF4-FFF2-40B4-BE49-F238E27FC236}">
+                <a16:creationId xmlns="" xmlns:a16="http://schemas.microsoft.com/office/drawing/2014/main" id="{86485563-F321-4DD1-B7CE-81A35D2E3FE5}"/>
+              </a:ext>
+            </a:extLst>
+          </p:cNvPr>
+          <p:cNvCxnSpPr>
+            <a:cxnSpLocks/>
+          </p:cNvCxnSpPr>
+          <p:nvPr/>
+        </p:nvCxnSpPr>
+        <p:spPr>
+          <a:xfrm flipH="1">
+            <a:off x="1655676" y="1779662"/>
+            <a:ext cx="324036" cy="1420416"/>
+          </a:xfrm>
+          <a:prstGeom prst="straightConnector1">
+            <a:avLst/>
+          </a:prstGeom>
+          <a:ln w="28575">
+            <a:solidFill>
+              <a:srgbClr val="C00000"/>
+            </a:solidFill>
+            <a:headEnd type="arrow" w="med" len="med"/>
+            <a:tailEnd type="none" w="med" len="med"/>
+          </a:ln>
+        </p:spPr>
+        <p:style>
+          <a:lnRef idx="1">
+            <a:schemeClr val="accent1"/>
+          </a:lnRef>
+          <a:fillRef idx="0">
+            <a:schemeClr val="accent1"/>
+          </a:fillRef>
+          <a:effectRef idx="0">
+            <a:schemeClr val="accent1"/>
+          </a:effectRef>
+          <a:fontRef idx="minor">
+            <a:schemeClr val="tx1"/>
+          </a:fontRef>
+        </p:style>
+      </p:cxnSp>
+      <p:cxnSp>
+        <p:nvCxnSpPr>
+          <p:cNvPr id="69" name="직선 화살표 연결선 68">
+            <a:extLst>
+              <a:ext uri="{FF2B5EF4-FFF2-40B4-BE49-F238E27FC236}">
+                <a16:creationId xmlns="" xmlns:a16="http://schemas.microsoft.com/office/drawing/2014/main" id="{86485563-F321-4DD1-B7CE-81A35D2E3FE5}"/>
+              </a:ext>
+            </a:extLst>
+          </p:cNvPr>
+          <p:cNvCxnSpPr>
+            <a:cxnSpLocks/>
+          </p:cNvCxnSpPr>
+          <p:nvPr/>
+        </p:nvCxnSpPr>
+        <p:spPr>
+          <a:xfrm flipH="1" flipV="1">
+            <a:off x="1691680" y="1779662"/>
+            <a:ext cx="4041125" cy="1420416"/>
+          </a:xfrm>
+          <a:prstGeom prst="straightConnector1">
+            <a:avLst/>
+          </a:prstGeom>
+          <a:ln w="28575">
+            <a:solidFill>
+              <a:srgbClr val="C00000"/>
+            </a:solidFill>
+            <a:headEnd type="arrow" w="med" len="med"/>
+            <a:tailEnd type="none" w="med" len="med"/>
+          </a:ln>
+        </p:spPr>
+        <p:style>
+          <a:lnRef idx="1">
+            <a:schemeClr val="accent1"/>
+          </a:lnRef>
+          <a:fillRef idx="0">
+            <a:schemeClr val="accent1"/>
+          </a:fillRef>
+          <a:effectRef idx="0">
+            <a:schemeClr val="accent1"/>
+          </a:effectRef>
+          <a:fontRef idx="minor">
+            <a:schemeClr val="tx1"/>
+          </a:fontRef>
+        </p:style>
+      </p:cxnSp>
+      <p:cxnSp>
+        <p:nvCxnSpPr>
+          <p:cNvPr id="70" name="직선 화살표 연결선 69">
+            <a:extLst>
+              <a:ext uri="{FF2B5EF4-FFF2-40B4-BE49-F238E27FC236}">
+                <a16:creationId xmlns="" xmlns:a16="http://schemas.microsoft.com/office/drawing/2014/main" id="{86485563-F321-4DD1-B7CE-81A35D2E3FE5}"/>
+              </a:ext>
+            </a:extLst>
+          </p:cNvPr>
+          <p:cNvCxnSpPr>
+            <a:cxnSpLocks/>
+          </p:cNvCxnSpPr>
+          <p:nvPr/>
+        </p:nvCxnSpPr>
+        <p:spPr>
+          <a:xfrm flipH="1" flipV="1">
+            <a:off x="1971035" y="1779662"/>
+            <a:ext cx="4041125" cy="1420416"/>
+          </a:xfrm>
+          <a:prstGeom prst="straightConnector1">
+            <a:avLst/>
+          </a:prstGeom>
+          <a:ln w="28575">
+            <a:solidFill>
+              <a:srgbClr val="C00000"/>
+            </a:solidFill>
+            <a:headEnd type="none" w="med" len="med"/>
+            <a:tailEnd type="arrow" w="med" len="med"/>
+          </a:ln>
+        </p:spPr>
+        <p:style>
+          <a:lnRef idx="1">
+            <a:schemeClr val="accent1"/>
+          </a:lnRef>
+          <a:fillRef idx="0">
+            <a:schemeClr val="accent1"/>
+          </a:fillRef>
+          <a:effectRef idx="0">
+            <a:schemeClr val="accent1"/>
+          </a:effectRef>
+          <a:fontRef idx="minor">
+            <a:schemeClr val="tx1"/>
+          </a:fontRef>
+        </p:style>
+      </p:cxnSp>
+      <p:sp>
+        <p:nvSpPr>
+          <p:cNvPr id="73" name="타원 72">
+            <a:extLst>
+              <a:ext uri="{FF2B5EF4-FFF2-40B4-BE49-F238E27FC236}">
+                <a16:creationId xmlns="" xmlns:a16="http://schemas.microsoft.com/office/drawing/2014/main" id="{7110AE48-F3F2-439B-ADE3-190898A23765}"/>
+              </a:ext>
+            </a:extLst>
+          </p:cNvPr>
+          <p:cNvSpPr/>
+          <p:nvPr/>
+        </p:nvSpPr>
+        <p:spPr>
+          <a:xfrm>
+            <a:off x="2123728" y="1995686"/>
+            <a:ext cx="288032" cy="288032"/>
+          </a:xfrm>
+          <a:prstGeom prst="ellipse">
+            <a:avLst/>
+          </a:prstGeom>
+          <a:noFill/>
+          <a:ln>
+            <a:solidFill>
+              <a:srgbClr val="C00000"/>
+            </a:solidFill>
+          </a:ln>
+        </p:spPr>
+        <p:style>
+          <a:lnRef idx="2">
+            <a:schemeClr val="accent1">
+              <a:shade val="50000"/>
+            </a:schemeClr>
+          </a:lnRef>
+          <a:fillRef idx="1">
+            <a:schemeClr val="accent1"/>
+          </a:fillRef>
+          <a:effectRef idx="0">
+            <a:schemeClr val="accent1"/>
+          </a:effectRef>
+          <a:fontRef idx="minor">
+            <a:schemeClr val="lt1"/>
+          </a:fontRef>
+        </p:style>
+        <p:txBody>
+          <a:bodyPr rtlCol="0" anchor="ctr"/>
+          <a:lstStyle/>
+          <a:p>
+            <a:pPr algn="ctr"/>
+            <a:r>
+              <a:rPr lang="en-US" altLang="ko-KR" sz="1600" dirty="0">
+                <a:solidFill>
+                  <a:srgbClr val="C00000"/>
+                </a:solidFill>
+              </a:rPr>
+              <a:t>3</a:t>
+            </a:r>
+            <a:endParaRPr lang="ko-KR" altLang="en-US" sz="1600" dirty="0">
+              <a:solidFill>
+                <a:srgbClr val="C00000"/>
+              </a:solidFill>
+            </a:endParaRPr>
+          </a:p>
+        </p:txBody>
+      </p:sp>
+      <p:sp>
+        <p:nvSpPr>
+          <p:cNvPr id="74" name="타원 73">
+            <a:extLst>
+              <a:ext uri="{FF2B5EF4-FFF2-40B4-BE49-F238E27FC236}">
+                <a16:creationId xmlns="" xmlns:a16="http://schemas.microsoft.com/office/drawing/2014/main" id="{41F245C1-92AD-4CF7-8116-948BE87AA5B6}"/>
+              </a:ext>
+            </a:extLst>
+          </p:cNvPr>
+          <p:cNvSpPr/>
+          <p:nvPr/>
+        </p:nvSpPr>
+        <p:spPr>
+          <a:xfrm>
+            <a:off x="2555776" y="1745588"/>
+            <a:ext cx="288032" cy="288032"/>
+          </a:xfrm>
+          <a:prstGeom prst="ellipse">
+            <a:avLst/>
+          </a:prstGeom>
+          <a:noFill/>
+          <a:ln>
+            <a:solidFill>
+              <a:srgbClr val="C00000"/>
+            </a:solidFill>
+          </a:ln>
+        </p:spPr>
+        <p:style>
+          <a:lnRef idx="2">
+            <a:schemeClr val="accent1">
+              <a:shade val="50000"/>
+            </a:schemeClr>
+          </a:lnRef>
+          <a:fillRef idx="1">
+            <a:schemeClr val="accent1"/>
+          </a:fillRef>
+          <a:effectRef idx="0">
+            <a:schemeClr val="accent1"/>
+          </a:effectRef>
+          <a:fontRef idx="minor">
+            <a:schemeClr val="lt1"/>
+          </a:fontRef>
+        </p:style>
+        <p:txBody>
+          <a:bodyPr rtlCol="0" anchor="ctr"/>
+          <a:lstStyle/>
+          <a:p>
+            <a:pPr algn="ctr"/>
+            <a:r>
+              <a:rPr lang="en-US" altLang="ko-KR" sz="1600" dirty="0">
+                <a:solidFill>
+                  <a:srgbClr val="C00000"/>
+                </a:solidFill>
+              </a:rPr>
+              <a:t>4</a:t>
+            </a:r>
+            <a:endParaRPr lang="ko-KR" altLang="en-US" sz="1600" dirty="0">
+              <a:solidFill>
+                <a:srgbClr val="C00000"/>
+              </a:solidFill>
+            </a:endParaRPr>
+          </a:p>
+        </p:txBody>
+      </p:sp>
+      <p:cxnSp>
+        <p:nvCxnSpPr>
+          <p:cNvPr id="91" name="직선 화살표 연결선 90">
+            <a:extLst>
+              <a:ext uri="{FF2B5EF4-FFF2-40B4-BE49-F238E27FC236}">
+                <a16:creationId xmlns="" xmlns:a16="http://schemas.microsoft.com/office/drawing/2014/main" id="{10421B65-D171-4EE8-A7C1-6F9B1A4DE11C}"/>
+              </a:ext>
+            </a:extLst>
+          </p:cNvPr>
+          <p:cNvCxnSpPr>
+            <a:cxnSpLocks/>
+          </p:cNvCxnSpPr>
+          <p:nvPr/>
+        </p:nvCxnSpPr>
+        <p:spPr>
+          <a:xfrm flipV="1">
+            <a:off x="3491880" y="1545449"/>
+            <a:ext cx="1152128" cy="1083980"/>
+          </a:xfrm>
+          <a:prstGeom prst="straightConnector1">
+            <a:avLst/>
+          </a:prstGeom>
+          <a:ln w="28575">
+            <a:solidFill>
+              <a:schemeClr val="tx2"/>
+            </a:solidFill>
+            <a:headEnd type="none" w="med" len="med"/>
+            <a:tailEnd type="arrow" w="med" len="med"/>
+          </a:ln>
+        </p:spPr>
+        <p:style>
+          <a:lnRef idx="1">
+            <a:schemeClr val="accent1"/>
+          </a:lnRef>
+          <a:fillRef idx="0">
+            <a:schemeClr val="accent1"/>
+          </a:fillRef>
+          <a:effectRef idx="0">
+            <a:schemeClr val="accent1"/>
+          </a:effectRef>
+          <a:fontRef idx="minor">
+            <a:schemeClr val="tx1"/>
+          </a:fontRef>
+        </p:style>
+      </p:cxnSp>
+      <p:cxnSp>
+        <p:nvCxnSpPr>
+          <p:cNvPr id="92" name="직선 화살표 연결선 91">
+            <a:extLst>
+              <a:ext uri="{FF2B5EF4-FFF2-40B4-BE49-F238E27FC236}">
+                <a16:creationId xmlns="" xmlns:a16="http://schemas.microsoft.com/office/drawing/2014/main" id="{10421B65-D171-4EE8-A7C1-6F9B1A4DE11C}"/>
+              </a:ext>
+            </a:extLst>
+          </p:cNvPr>
+          <p:cNvCxnSpPr>
+            <a:cxnSpLocks/>
+          </p:cNvCxnSpPr>
+          <p:nvPr/>
+        </p:nvCxnSpPr>
+        <p:spPr>
+          <a:xfrm flipH="1">
+            <a:off x="2771800" y="3003798"/>
+            <a:ext cx="78571" cy="196280"/>
+          </a:xfrm>
+          <a:prstGeom prst="straightConnector1">
+            <a:avLst/>
+          </a:prstGeom>
+          <a:ln w="28575">
+            <a:solidFill>
+              <a:schemeClr val="tx2"/>
+            </a:solidFill>
+            <a:headEnd type="none" w="med" len="med"/>
+            <a:tailEnd type="arrow" w="med" len="med"/>
+          </a:ln>
+        </p:spPr>
+        <p:style>
+          <a:lnRef idx="1">
+            <a:schemeClr val="accent1"/>
+          </a:lnRef>
+          <a:fillRef idx="0">
+            <a:schemeClr val="accent1"/>
+          </a:fillRef>
+          <a:effectRef idx="0">
+            <a:schemeClr val="accent1"/>
+          </a:effectRef>
+          <a:fontRef idx="minor">
+            <a:schemeClr val="tx1"/>
+          </a:fontRef>
+        </p:style>
+      </p:cxnSp>
+      <p:cxnSp>
+        <p:nvCxnSpPr>
+          <p:cNvPr id="97" name="직선 화살표 연결선 96">
+            <a:extLst>
+              <a:ext uri="{FF2B5EF4-FFF2-40B4-BE49-F238E27FC236}">
+                <a16:creationId xmlns="" xmlns:a16="http://schemas.microsoft.com/office/drawing/2014/main" id="{10421B65-D171-4EE8-A7C1-6F9B1A4DE11C}"/>
+              </a:ext>
+            </a:extLst>
+          </p:cNvPr>
+          <p:cNvCxnSpPr>
+            <a:cxnSpLocks/>
+          </p:cNvCxnSpPr>
+          <p:nvPr/>
+        </p:nvCxnSpPr>
+        <p:spPr>
+          <a:xfrm flipH="1">
+            <a:off x="2981261" y="3003798"/>
+            <a:ext cx="78571" cy="196280"/>
+          </a:xfrm>
+          <a:prstGeom prst="straightConnector1">
+            <a:avLst/>
+          </a:prstGeom>
+          <a:ln w="28575">
+            <a:solidFill>
+              <a:schemeClr val="tx2"/>
+            </a:solidFill>
+            <a:headEnd type="arrow" w="med" len="med"/>
+            <a:tailEnd type="none" w="med" len="med"/>
+          </a:ln>
+        </p:spPr>
+        <p:style>
+          <a:lnRef idx="1">
+            <a:schemeClr val="accent1"/>
+          </a:lnRef>
+          <a:fillRef idx="0">
+            <a:schemeClr val="accent1"/>
+          </a:fillRef>
+          <a:effectRef idx="0">
+            <a:schemeClr val="accent1"/>
+          </a:effectRef>
+          <a:fontRef idx="minor">
+            <a:schemeClr val="tx1"/>
+          </a:fontRef>
+        </p:style>
+      </p:cxnSp>
+      <p:sp>
+        <p:nvSpPr>
+          <p:cNvPr id="100" name="타원 99">
+            <a:extLst>
+              <a:ext uri="{FF2B5EF4-FFF2-40B4-BE49-F238E27FC236}">
+                <a16:creationId xmlns="" xmlns:a16="http://schemas.microsoft.com/office/drawing/2014/main" id="{059A2C3A-01C4-4EEC-B6C8-A026A244E886}"/>
+              </a:ext>
+            </a:extLst>
+          </p:cNvPr>
+          <p:cNvSpPr/>
+          <p:nvPr/>
+        </p:nvSpPr>
+        <p:spPr>
+          <a:xfrm>
+            <a:off x="2471068" y="2931790"/>
+            <a:ext cx="288032" cy="288032"/>
+          </a:xfrm>
+          <a:prstGeom prst="ellipse">
+            <a:avLst/>
+          </a:prstGeom>
+          <a:solidFill>
+            <a:schemeClr val="bg1"/>
+          </a:solidFill>
+          <a:ln>
+            <a:solidFill>
+              <a:schemeClr val="tx2"/>
+            </a:solidFill>
+          </a:ln>
+        </p:spPr>
+        <p:style>
+          <a:lnRef idx="2">
+            <a:schemeClr val="accent1">
+              <a:shade val="50000"/>
+            </a:schemeClr>
+          </a:lnRef>
+          <a:fillRef idx="1">
+            <a:schemeClr val="accent1"/>
+          </a:fillRef>
+          <a:effectRef idx="0">
+            <a:schemeClr val="accent1"/>
+          </a:effectRef>
+          <a:fontRef idx="minor">
+            <a:schemeClr val="lt1"/>
+          </a:fontRef>
+        </p:style>
+        <p:txBody>
+          <a:bodyPr rtlCol="0" anchor="ctr"/>
+          <a:lstStyle/>
+          <a:p>
+            <a:pPr algn="ctr"/>
+            <a:r>
+              <a:rPr lang="en-US" altLang="ko-KR" sz="1600">
+                <a:solidFill>
+                  <a:schemeClr val="tx2"/>
+                </a:solidFill>
+              </a:rPr>
+              <a:t>3</a:t>
+            </a:r>
+            <a:endParaRPr lang="ko-KR" altLang="en-US" sz="1600">
+              <a:solidFill>
+                <a:schemeClr val="tx2"/>
+              </a:solidFill>
+            </a:endParaRPr>
+          </a:p>
+        </p:txBody>
+      </p:sp>
+      <p:sp>
+        <p:nvSpPr>
+          <p:cNvPr id="101" name="타원 100">
+            <a:extLst>
+              <a:ext uri="{FF2B5EF4-FFF2-40B4-BE49-F238E27FC236}">
+                <a16:creationId xmlns="" xmlns:a16="http://schemas.microsoft.com/office/drawing/2014/main" id="{059A2C3A-01C4-4EEC-B6C8-A026A244E886}"/>
+              </a:ext>
+            </a:extLst>
+          </p:cNvPr>
+          <p:cNvSpPr/>
+          <p:nvPr/>
+        </p:nvSpPr>
+        <p:spPr>
+          <a:xfrm>
+            <a:off x="3072532" y="3003798"/>
+            <a:ext cx="288032" cy="288032"/>
+          </a:xfrm>
+          <a:prstGeom prst="ellipse">
+            <a:avLst/>
+          </a:prstGeom>
+          <a:solidFill>
+            <a:schemeClr val="bg1"/>
+          </a:solidFill>
+          <a:ln>
+            <a:solidFill>
+              <a:schemeClr val="tx2"/>
+            </a:solidFill>
+          </a:ln>
+        </p:spPr>
+        <p:style>
+          <a:lnRef idx="2">
+            <a:schemeClr val="accent1">
+              <a:shade val="50000"/>
+            </a:schemeClr>
+          </a:lnRef>
+          <a:fillRef idx="1">
+            <a:schemeClr val="accent1"/>
+          </a:fillRef>
+          <a:effectRef idx="0">
+            <a:schemeClr val="accent1"/>
+          </a:effectRef>
+          <a:fontRef idx="minor">
+            <a:schemeClr val="lt1"/>
+          </a:fontRef>
+        </p:style>
+        <p:txBody>
+          <a:bodyPr rtlCol="0" anchor="ctr"/>
+          <a:lstStyle/>
+          <a:p>
+            <a:pPr algn="ctr"/>
+            <a:r>
+              <a:rPr lang="en-US" altLang="ko-KR" sz="1600" dirty="0">
+                <a:solidFill>
+                  <a:schemeClr val="tx2"/>
+                </a:solidFill>
+              </a:rPr>
+              <a:t>8</a:t>
+            </a:r>
+            <a:endParaRPr lang="ko-KR" altLang="en-US" sz="1600" dirty="0">
+              <a:solidFill>
+                <a:schemeClr val="tx2"/>
+              </a:solidFill>
+            </a:endParaRPr>
+          </a:p>
+        </p:txBody>
+      </p:sp>
+      <p:cxnSp>
+        <p:nvCxnSpPr>
+          <p:cNvPr id="102" name="직선 화살표 연결선 101">
+            <a:extLst>
+              <a:ext uri="{FF2B5EF4-FFF2-40B4-BE49-F238E27FC236}">
+                <a16:creationId xmlns="" xmlns:a16="http://schemas.microsoft.com/office/drawing/2014/main" id="{10421B65-D171-4EE8-A7C1-6F9B1A4DE11C}"/>
+              </a:ext>
+            </a:extLst>
+          </p:cNvPr>
+          <p:cNvCxnSpPr>
+            <a:cxnSpLocks/>
+          </p:cNvCxnSpPr>
+          <p:nvPr/>
+        </p:nvCxnSpPr>
+        <p:spPr>
+          <a:xfrm>
+            <a:off x="3449313" y="3651870"/>
+            <a:ext cx="1887448" cy="0"/>
+          </a:xfrm>
+          <a:prstGeom prst="straightConnector1">
+            <a:avLst/>
+          </a:prstGeom>
+          <a:ln w="28575">
+            <a:solidFill>
+              <a:schemeClr val="tx2"/>
+            </a:solidFill>
+            <a:headEnd type="none" w="med" len="med"/>
+            <a:tailEnd type="arrow" w="med" len="med"/>
+          </a:ln>
+        </p:spPr>
+        <p:style>
+          <a:lnRef idx="1">
+            <a:schemeClr val="accent1"/>
+          </a:lnRef>
+          <a:fillRef idx="0">
+            <a:schemeClr val="accent1"/>
+          </a:fillRef>
+          <a:effectRef idx="0">
+            <a:schemeClr val="accent1"/>
+          </a:effectRef>
+          <a:fontRef idx="minor">
+            <a:schemeClr val="tx1"/>
+          </a:fontRef>
+        </p:style>
+      </p:cxnSp>
+      <p:sp>
+        <p:nvSpPr>
+          <p:cNvPr id="105" name="타원 104">
+            <a:extLst>
+              <a:ext uri="{FF2B5EF4-FFF2-40B4-BE49-F238E27FC236}">
+                <a16:creationId xmlns="" xmlns:a16="http://schemas.microsoft.com/office/drawing/2014/main" id="{059A2C3A-01C4-4EEC-B6C8-A026A244E886}"/>
+              </a:ext>
+            </a:extLst>
+          </p:cNvPr>
+          <p:cNvSpPr/>
+          <p:nvPr/>
+        </p:nvSpPr>
+        <p:spPr>
+          <a:xfrm>
+            <a:off x="4184633" y="3651870"/>
+            <a:ext cx="288032" cy="288032"/>
+          </a:xfrm>
+          <a:prstGeom prst="ellipse">
+            <a:avLst/>
+          </a:prstGeom>
+          <a:solidFill>
+            <a:schemeClr val="bg1"/>
+          </a:solidFill>
+          <a:ln>
+            <a:solidFill>
+              <a:schemeClr val="tx2"/>
+            </a:solidFill>
+          </a:ln>
+        </p:spPr>
+        <p:style>
+          <a:lnRef idx="2">
+            <a:schemeClr val="accent1">
+              <a:shade val="50000"/>
+            </a:schemeClr>
+          </a:lnRef>
+          <a:fillRef idx="1">
+            <a:schemeClr val="accent1"/>
+          </a:fillRef>
+          <a:effectRef idx="0">
+            <a:schemeClr val="accent1"/>
+          </a:effectRef>
+          <a:fontRef idx="minor">
+            <a:schemeClr val="lt1"/>
+          </a:fontRef>
+        </p:style>
+        <p:txBody>
+          <a:bodyPr rtlCol="0" anchor="ctr"/>
+          <a:lstStyle/>
+          <a:p>
+            <a:pPr algn="ctr"/>
+            <a:r>
+              <a:rPr lang="en-US" altLang="ko-KR" sz="1600" dirty="0">
+                <a:solidFill>
+                  <a:schemeClr val="tx2"/>
+                </a:solidFill>
+              </a:rPr>
+              <a:t>4</a:t>
+            </a:r>
+            <a:endParaRPr lang="ko-KR" altLang="en-US" sz="1600" dirty="0">
+              <a:solidFill>
+                <a:schemeClr val="tx2"/>
+              </a:solidFill>
+            </a:endParaRPr>
+          </a:p>
+        </p:txBody>
+      </p:sp>
+      <p:cxnSp>
+        <p:nvCxnSpPr>
+          <p:cNvPr id="106" name="직선 화살표 연결선 105">
+            <a:extLst>
+              <a:ext uri="{FF2B5EF4-FFF2-40B4-BE49-F238E27FC236}">
+                <a16:creationId xmlns="" xmlns:a16="http://schemas.microsoft.com/office/drawing/2014/main" id="{10421B65-D171-4EE8-A7C1-6F9B1A4DE11C}"/>
+              </a:ext>
+            </a:extLst>
+          </p:cNvPr>
+          <p:cNvCxnSpPr>
+            <a:cxnSpLocks/>
+          </p:cNvCxnSpPr>
+          <p:nvPr/>
+        </p:nvCxnSpPr>
+        <p:spPr>
+          <a:xfrm>
+            <a:off x="3449313" y="3507854"/>
+            <a:ext cx="1887448" cy="0"/>
+          </a:xfrm>
+          <a:prstGeom prst="straightConnector1">
+            <a:avLst/>
+          </a:prstGeom>
+          <a:ln w="28575">
+            <a:solidFill>
+              <a:schemeClr val="tx2"/>
+            </a:solidFill>
+            <a:headEnd type="arrow" w="med" len="med"/>
+            <a:tailEnd type="none" w="med" len="med"/>
+          </a:ln>
+        </p:spPr>
+        <p:style>
+          <a:lnRef idx="1">
+            <a:schemeClr val="accent1"/>
+          </a:lnRef>
+          <a:fillRef idx="0">
+            <a:schemeClr val="accent1"/>
+          </a:fillRef>
+          <a:effectRef idx="0">
+            <a:schemeClr val="accent1"/>
+          </a:effectRef>
+          <a:fontRef idx="minor">
+            <a:schemeClr val="tx1"/>
+          </a:fontRef>
+        </p:style>
+      </p:cxnSp>
+      <p:sp>
+        <p:nvSpPr>
+          <p:cNvPr id="109" name="타원 108">
+            <a:extLst>
+              <a:ext uri="{FF2B5EF4-FFF2-40B4-BE49-F238E27FC236}">
+                <a16:creationId xmlns="" xmlns:a16="http://schemas.microsoft.com/office/drawing/2014/main" id="{059A2C3A-01C4-4EEC-B6C8-A026A244E886}"/>
+              </a:ext>
+            </a:extLst>
+          </p:cNvPr>
+          <p:cNvSpPr/>
+          <p:nvPr/>
+        </p:nvSpPr>
+        <p:spPr>
+          <a:xfrm>
+            <a:off x="4184633" y="3219822"/>
+            <a:ext cx="288032" cy="288032"/>
+          </a:xfrm>
+          <a:prstGeom prst="ellipse">
+            <a:avLst/>
+          </a:prstGeom>
+          <a:solidFill>
+            <a:schemeClr val="bg1"/>
+          </a:solidFill>
+          <a:ln>
+            <a:solidFill>
+              <a:schemeClr val="tx2"/>
+            </a:solidFill>
+          </a:ln>
+        </p:spPr>
+        <p:style>
+          <a:lnRef idx="2">
+            <a:schemeClr val="accent1">
+              <a:shade val="50000"/>
+            </a:schemeClr>
+          </a:lnRef>
+          <a:fillRef idx="1">
+            <a:schemeClr val="accent1"/>
+          </a:fillRef>
+          <a:effectRef idx="0">
+            <a:schemeClr val="accent1"/>
+          </a:effectRef>
+          <a:fontRef idx="minor">
+            <a:schemeClr val="lt1"/>
+          </a:fontRef>
+        </p:style>
+        <p:txBody>
+          <a:bodyPr rtlCol="0" anchor="ctr"/>
+          <a:lstStyle/>
+          <a:p>
+            <a:pPr algn="ctr"/>
+            <a:r>
+              <a:rPr lang="en-US" altLang="ko-KR" sz="1600" dirty="0">
+                <a:solidFill>
+                  <a:schemeClr val="tx2"/>
+                </a:solidFill>
+              </a:rPr>
+              <a:t>7</a:t>
+            </a:r>
+            <a:endParaRPr lang="ko-KR" altLang="en-US" sz="1600" dirty="0">
+              <a:solidFill>
+                <a:schemeClr val="tx2"/>
+              </a:solidFill>
+            </a:endParaRPr>
+          </a:p>
+        </p:txBody>
+      </p:sp>
+      <p:sp>
+        <p:nvSpPr>
+          <p:cNvPr id="110" name="TextBox 109"/>
+          <p:cNvSpPr txBox="1"/>
+          <p:nvPr/>
+        </p:nvSpPr>
+        <p:spPr>
+          <a:xfrm>
+            <a:off x="3572565" y="4568229"/>
+            <a:ext cx="1512168" cy="307777"/>
+          </a:xfrm>
+          <a:prstGeom prst="rect">
+            <a:avLst/>
+          </a:prstGeom>
+          <a:noFill/>
+        </p:spPr>
+        <p:txBody>
+          <a:bodyPr wrap="square" rtlCol="0">
+            <a:spAutoFit/>
+          </a:bodyPr>
+          <a:lstStyle/>
+          <a:p>
+            <a:pPr algn="ctr"/>
+            <a:r>
+              <a:rPr lang="en-US" altLang="ko-KR" sz="1400" dirty="0" smtClean="0"/>
+              <a:t>Replication : 3</a:t>
+            </a:r>
+            <a:endParaRPr lang="ko-KR" altLang="en-US" sz="1400" dirty="0"/>
+          </a:p>
+        </p:txBody>
+      </p:sp>
+      <p:cxnSp>
+        <p:nvCxnSpPr>
+          <p:cNvPr id="62" name="직선 화살표 연결선 61">
+            <a:extLst>
+              <a:ext uri="{FF2B5EF4-FFF2-40B4-BE49-F238E27FC236}">
+                <a16:creationId xmlns="" xmlns:a16="http://schemas.microsoft.com/office/drawing/2014/main" id="{10421B65-D171-4EE8-A7C1-6F9B1A4DE11C}"/>
+              </a:ext>
+            </a:extLst>
+          </p:cNvPr>
+          <p:cNvCxnSpPr>
+            <a:cxnSpLocks/>
+          </p:cNvCxnSpPr>
+          <p:nvPr/>
+        </p:nvCxnSpPr>
+        <p:spPr>
+          <a:xfrm>
+            <a:off x="6488889" y="3651870"/>
+            <a:ext cx="180019" cy="0"/>
+          </a:xfrm>
+          <a:prstGeom prst="straightConnector1">
+            <a:avLst/>
+          </a:prstGeom>
+          <a:ln w="28575">
+            <a:solidFill>
+              <a:schemeClr val="tx2"/>
+            </a:solidFill>
+            <a:headEnd type="none" w="med" len="med"/>
+            <a:tailEnd type="arrow" w="med" len="med"/>
+          </a:ln>
+        </p:spPr>
+        <p:style>
+          <a:lnRef idx="1">
+            <a:schemeClr val="accent1"/>
+          </a:lnRef>
+          <a:fillRef idx="0">
+            <a:schemeClr val="accent1"/>
+          </a:fillRef>
+          <a:effectRef idx="0">
+            <a:schemeClr val="accent1"/>
+          </a:effectRef>
+          <a:fontRef idx="minor">
+            <a:schemeClr val="tx1"/>
+          </a:fontRef>
+        </p:style>
+      </p:cxnSp>
+      <p:cxnSp>
+        <p:nvCxnSpPr>
+          <p:cNvPr id="66" name="직선 화살표 연결선 65">
+            <a:extLst>
+              <a:ext uri="{FF2B5EF4-FFF2-40B4-BE49-F238E27FC236}">
+                <a16:creationId xmlns="" xmlns:a16="http://schemas.microsoft.com/office/drawing/2014/main" id="{10421B65-D171-4EE8-A7C1-6F9B1A4DE11C}"/>
+              </a:ext>
+            </a:extLst>
+          </p:cNvPr>
+          <p:cNvCxnSpPr>
+            <a:cxnSpLocks/>
+          </p:cNvCxnSpPr>
+          <p:nvPr/>
+        </p:nvCxnSpPr>
+        <p:spPr>
+          <a:xfrm>
+            <a:off x="6488889" y="3507854"/>
+            <a:ext cx="180019" cy="0"/>
+          </a:xfrm>
+          <a:prstGeom prst="straightConnector1">
+            <a:avLst/>
+          </a:prstGeom>
+          <a:ln w="28575">
+            <a:solidFill>
+              <a:schemeClr val="tx2"/>
+            </a:solidFill>
+            <a:headEnd type="arrow" w="med" len="med"/>
+            <a:tailEnd type="none" w="med" len="med"/>
+          </a:ln>
+        </p:spPr>
+        <p:style>
+          <a:lnRef idx="1">
+            <a:schemeClr val="accent1"/>
+          </a:lnRef>
+          <a:fillRef idx="0">
+            <a:schemeClr val="accent1"/>
+          </a:fillRef>
+          <a:effectRef idx="0">
+            <a:schemeClr val="accent1"/>
+          </a:effectRef>
+          <a:fontRef idx="minor">
+            <a:schemeClr val="tx1"/>
+          </a:fontRef>
+        </p:style>
+      </p:cxnSp>
+      <p:sp>
+        <p:nvSpPr>
+          <p:cNvPr id="71" name="타원 70">
+            <a:extLst>
+              <a:ext uri="{FF2B5EF4-FFF2-40B4-BE49-F238E27FC236}">
+                <a16:creationId xmlns="" xmlns:a16="http://schemas.microsoft.com/office/drawing/2014/main" id="{059A2C3A-01C4-4EEC-B6C8-A026A244E886}"/>
+              </a:ext>
+            </a:extLst>
+          </p:cNvPr>
+          <p:cNvSpPr/>
+          <p:nvPr/>
+        </p:nvSpPr>
+        <p:spPr>
+          <a:xfrm>
+            <a:off x="6434882" y="3723878"/>
+            <a:ext cx="288032" cy="288032"/>
+          </a:xfrm>
+          <a:prstGeom prst="ellipse">
+            <a:avLst/>
+          </a:prstGeom>
+          <a:solidFill>
+            <a:schemeClr val="bg1"/>
+          </a:solidFill>
+          <a:ln>
+            <a:solidFill>
+              <a:schemeClr val="tx2"/>
+            </a:solidFill>
+          </a:ln>
+        </p:spPr>
+        <p:style>
+          <a:lnRef idx="2">
+            <a:schemeClr val="accent1">
+              <a:shade val="50000"/>
+            </a:schemeClr>
+          </a:lnRef>
+          <a:fillRef idx="1">
+            <a:schemeClr val="accent1"/>
+          </a:fillRef>
+          <a:effectRef idx="0">
+            <a:schemeClr val="accent1"/>
+          </a:effectRef>
+          <a:fontRef idx="minor">
+            <a:schemeClr val="lt1"/>
+          </a:fontRef>
+        </p:style>
+        <p:txBody>
+          <a:bodyPr rtlCol="0" anchor="ctr"/>
+          <a:lstStyle/>
+          <a:p>
+            <a:pPr algn="ctr"/>
+            <a:r>
+              <a:rPr lang="en-US" altLang="ko-KR" sz="1600" dirty="0">
+                <a:solidFill>
+                  <a:schemeClr val="tx2"/>
+                </a:solidFill>
+              </a:rPr>
+              <a:t>5</a:t>
+            </a:r>
+            <a:endParaRPr lang="ko-KR" altLang="en-US" sz="1600" dirty="0">
+              <a:solidFill>
+                <a:schemeClr val="tx2"/>
+              </a:solidFill>
+            </a:endParaRPr>
+          </a:p>
+        </p:txBody>
+      </p:sp>
+      <p:sp>
+        <p:nvSpPr>
+          <p:cNvPr id="72" name="타원 71">
+            <a:extLst>
+              <a:ext uri="{FF2B5EF4-FFF2-40B4-BE49-F238E27FC236}">
+                <a16:creationId xmlns="" xmlns:a16="http://schemas.microsoft.com/office/drawing/2014/main" id="{059A2C3A-01C4-4EEC-B6C8-A026A244E886}"/>
+              </a:ext>
+            </a:extLst>
+          </p:cNvPr>
+          <p:cNvSpPr/>
+          <p:nvPr/>
+        </p:nvSpPr>
+        <p:spPr>
+          <a:xfrm>
+            <a:off x="6434882" y="3180471"/>
+            <a:ext cx="288032" cy="288032"/>
+          </a:xfrm>
+          <a:prstGeom prst="ellipse">
+            <a:avLst/>
+          </a:prstGeom>
+          <a:solidFill>
+            <a:schemeClr val="bg1"/>
+          </a:solidFill>
+          <a:ln>
+            <a:solidFill>
+              <a:schemeClr val="tx2"/>
+            </a:solidFill>
+          </a:ln>
+        </p:spPr>
+        <p:style>
+          <a:lnRef idx="2">
+            <a:schemeClr val="accent1">
+              <a:shade val="50000"/>
+            </a:schemeClr>
+          </a:lnRef>
+          <a:fillRef idx="1">
+            <a:schemeClr val="accent1"/>
+          </a:fillRef>
+          <a:effectRef idx="0">
+            <a:schemeClr val="accent1"/>
+          </a:effectRef>
+          <a:fontRef idx="minor">
+            <a:schemeClr val="lt1"/>
+          </a:fontRef>
+        </p:style>
+        <p:txBody>
+          <a:bodyPr rtlCol="0" anchor="ctr"/>
+          <a:lstStyle/>
+          <a:p>
+            <a:pPr algn="ctr"/>
+            <a:r>
+              <a:rPr lang="en-US" altLang="ko-KR" sz="1600" dirty="0">
+                <a:solidFill>
+                  <a:schemeClr val="tx2"/>
+                </a:solidFill>
+              </a:rPr>
+              <a:t>6</a:t>
+            </a:r>
+            <a:endParaRPr lang="ko-KR" altLang="en-US" sz="1600" dirty="0">
+              <a:solidFill>
+                <a:schemeClr val="tx2"/>
+              </a:solidFill>
+            </a:endParaRPr>
+          </a:p>
+        </p:txBody>
+      </p:sp>
     </p:spTree>
     <p:extLst>
       <p:ext uri="{BB962C8B-B14F-4D97-AF65-F5344CB8AC3E}">
@@ -6400,7 +7052,7 @@
           <p:cNvPr id="2" name="제목 1">
             <a:extLst>
               <a:ext uri="{FF2B5EF4-FFF2-40B4-BE49-F238E27FC236}">
-                <a16:creationId xmlns:a16="http://schemas.microsoft.com/office/drawing/2014/main" id="{8738443D-5E72-49E2-86AC-581D61C41C39}"/>
+                <a16:creationId xmlns="" xmlns:a16="http://schemas.microsoft.com/office/drawing/2014/main" id="{8738443D-5E72-49E2-86AC-581D61C41C39}"/>
               </a:ext>
             </a:extLst>
           </p:cNvPr>
@@ -6434,7 +7086,7 @@
           <p:cNvPr id="11" name="그룹 10">
             <a:extLst>
               <a:ext uri="{FF2B5EF4-FFF2-40B4-BE49-F238E27FC236}">
-                <a16:creationId xmlns:a16="http://schemas.microsoft.com/office/drawing/2014/main" id="{A3600E39-BA08-4E0B-B5FE-308568D4E97E}"/>
+                <a16:creationId xmlns="" xmlns:a16="http://schemas.microsoft.com/office/drawing/2014/main" id="{A3600E39-BA08-4E0B-B5FE-308568D4E97E}"/>
               </a:ext>
             </a:extLst>
           </p:cNvPr>
@@ -6454,7 +7106,7 @@
             <p:cNvPr id="4" name="모서리가 둥근 직사각형 18">
               <a:extLst>
                 <a:ext uri="{FF2B5EF4-FFF2-40B4-BE49-F238E27FC236}">
-                  <a16:creationId xmlns:a16="http://schemas.microsoft.com/office/drawing/2014/main" id="{90910971-3F87-488C-9CD0-4E04E8DEA3B0}"/>
+                  <a16:creationId xmlns="" xmlns:a16="http://schemas.microsoft.com/office/drawing/2014/main" id="{90910971-3F87-488C-9CD0-4E04E8DEA3B0}"/>
                 </a:ext>
               </a:extLst>
             </p:cNvPr>
@@ -6504,7 +7156,7 @@
             <p:cNvPr id="6" name="모서리가 둥근 직사각형 18">
               <a:extLst>
                 <a:ext uri="{FF2B5EF4-FFF2-40B4-BE49-F238E27FC236}">
-                  <a16:creationId xmlns:a16="http://schemas.microsoft.com/office/drawing/2014/main" id="{F5302ADF-D203-4131-A3B2-4F84C5314C62}"/>
+                  <a16:creationId xmlns="" xmlns:a16="http://schemas.microsoft.com/office/drawing/2014/main" id="{F5302ADF-D203-4131-A3B2-4F84C5314C62}"/>
                 </a:ext>
               </a:extLst>
             </p:cNvPr>
@@ -6555,7 +7207,7 @@
           <p:cNvPr id="30" name="타원 29">
             <a:extLst>
               <a:ext uri="{FF2B5EF4-FFF2-40B4-BE49-F238E27FC236}">
-                <a16:creationId xmlns:a16="http://schemas.microsoft.com/office/drawing/2014/main" id="{0006BDA6-9444-4FFD-B5BD-EED6E274CFFA}"/>
+                <a16:creationId xmlns="" xmlns:a16="http://schemas.microsoft.com/office/drawing/2014/main" id="{0006BDA6-9444-4FFD-B5BD-EED6E274CFFA}"/>
               </a:ext>
             </a:extLst>
           </p:cNvPr>
@@ -6603,7 +7255,7 @@
           <p:cNvPr id="33" name="그룹 32">
             <a:extLst>
               <a:ext uri="{FF2B5EF4-FFF2-40B4-BE49-F238E27FC236}">
-                <a16:creationId xmlns:a16="http://schemas.microsoft.com/office/drawing/2014/main" id="{9A86C010-2B27-4338-B55B-6A29AE919A29}"/>
+                <a16:creationId xmlns="" xmlns:a16="http://schemas.microsoft.com/office/drawing/2014/main" id="{9A86C010-2B27-4338-B55B-6A29AE919A29}"/>
               </a:ext>
             </a:extLst>
           </p:cNvPr>
@@ -6623,7 +7275,7 @@
             <p:cNvPr id="25" name="모서리가 둥근 직사각형 18">
               <a:extLst>
                 <a:ext uri="{FF2B5EF4-FFF2-40B4-BE49-F238E27FC236}">
-                  <a16:creationId xmlns:a16="http://schemas.microsoft.com/office/drawing/2014/main" id="{6AEE18CE-E129-4D51-AA94-179034642DC8}"/>
+                  <a16:creationId xmlns="" xmlns:a16="http://schemas.microsoft.com/office/drawing/2014/main" id="{6AEE18CE-E129-4D51-AA94-179034642DC8}"/>
                 </a:ext>
               </a:extLst>
             </p:cNvPr>
@@ -6673,7 +7325,7 @@
             <p:cNvPr id="26" name="모서리가 둥근 직사각형 18">
               <a:extLst>
                 <a:ext uri="{FF2B5EF4-FFF2-40B4-BE49-F238E27FC236}">
-                  <a16:creationId xmlns:a16="http://schemas.microsoft.com/office/drawing/2014/main" id="{D48DB822-70CE-4692-84EA-0B6DB2416FCB}"/>
+                  <a16:creationId xmlns="" xmlns:a16="http://schemas.microsoft.com/office/drawing/2014/main" id="{D48DB822-70CE-4692-84EA-0B6DB2416FCB}"/>
                 </a:ext>
               </a:extLst>
             </p:cNvPr>
@@ -6723,7 +7375,7 @@
             <p:cNvPr id="29" name="타원 28">
               <a:extLst>
                 <a:ext uri="{FF2B5EF4-FFF2-40B4-BE49-F238E27FC236}">
-                  <a16:creationId xmlns:a16="http://schemas.microsoft.com/office/drawing/2014/main" id="{2BEC81A8-29EC-4B48-BA5A-8B4A17017AFB}"/>
+                  <a16:creationId xmlns="" xmlns:a16="http://schemas.microsoft.com/office/drawing/2014/main" id="{2BEC81A8-29EC-4B48-BA5A-8B4A17017AFB}"/>
                 </a:ext>
               </a:extLst>
             </p:cNvPr>
@@ -6771,7 +7423,7 @@
             <p:cNvPr id="32" name="타원 31">
               <a:extLst>
                 <a:ext uri="{FF2B5EF4-FFF2-40B4-BE49-F238E27FC236}">
-                  <a16:creationId xmlns:a16="http://schemas.microsoft.com/office/drawing/2014/main" id="{063B64BF-6FC2-4B18-B822-0D3C058F948F}"/>
+                  <a16:creationId xmlns="" xmlns:a16="http://schemas.microsoft.com/office/drawing/2014/main" id="{063B64BF-6FC2-4B18-B822-0D3C058F948F}"/>
                 </a:ext>
               </a:extLst>
             </p:cNvPr>
@@ -6820,7 +7472,7 @@
           <p:cNvPr id="34" name="그룹 33">
             <a:extLst>
               <a:ext uri="{FF2B5EF4-FFF2-40B4-BE49-F238E27FC236}">
-                <a16:creationId xmlns:a16="http://schemas.microsoft.com/office/drawing/2014/main" id="{9BE38D30-A714-43C7-A232-EC5DC17B29CB}"/>
+                <a16:creationId xmlns="" xmlns:a16="http://schemas.microsoft.com/office/drawing/2014/main" id="{9BE38D30-A714-43C7-A232-EC5DC17B29CB}"/>
               </a:ext>
             </a:extLst>
           </p:cNvPr>
@@ -6840,7 +7492,7 @@
             <p:cNvPr id="35" name="모서리가 둥근 직사각형 18">
               <a:extLst>
                 <a:ext uri="{FF2B5EF4-FFF2-40B4-BE49-F238E27FC236}">
-                  <a16:creationId xmlns:a16="http://schemas.microsoft.com/office/drawing/2014/main" id="{C82D4484-29CF-4C5C-94F6-3E611E578082}"/>
+                  <a16:creationId xmlns="" xmlns:a16="http://schemas.microsoft.com/office/drawing/2014/main" id="{C82D4484-29CF-4C5C-94F6-3E611E578082}"/>
                 </a:ext>
               </a:extLst>
             </p:cNvPr>
@@ -6890,7 +7542,7 @@
             <p:cNvPr id="36" name="모서리가 둥근 직사각형 18">
               <a:extLst>
                 <a:ext uri="{FF2B5EF4-FFF2-40B4-BE49-F238E27FC236}">
-                  <a16:creationId xmlns:a16="http://schemas.microsoft.com/office/drawing/2014/main" id="{49DD9DEF-515F-4613-B0A2-804648D3051B}"/>
+                  <a16:creationId xmlns="" xmlns:a16="http://schemas.microsoft.com/office/drawing/2014/main" id="{49DD9DEF-515F-4613-B0A2-804648D3051B}"/>
                 </a:ext>
               </a:extLst>
             </p:cNvPr>
@@ -6940,7 +7592,7 @@
             <p:cNvPr id="37" name="타원 36">
               <a:extLst>
                 <a:ext uri="{FF2B5EF4-FFF2-40B4-BE49-F238E27FC236}">
-                  <a16:creationId xmlns:a16="http://schemas.microsoft.com/office/drawing/2014/main" id="{D329FBA2-B77D-4E7E-BF42-A15EA9A82853}"/>
+                  <a16:creationId xmlns="" xmlns:a16="http://schemas.microsoft.com/office/drawing/2014/main" id="{D329FBA2-B77D-4E7E-BF42-A15EA9A82853}"/>
                 </a:ext>
               </a:extLst>
             </p:cNvPr>
@@ -6988,7 +7640,7 @@
             <p:cNvPr id="38" name="타원 37">
               <a:extLst>
                 <a:ext uri="{FF2B5EF4-FFF2-40B4-BE49-F238E27FC236}">
-                  <a16:creationId xmlns:a16="http://schemas.microsoft.com/office/drawing/2014/main" id="{8CB86B7F-4412-4AF3-B74B-6B6EF03CD3DA}"/>
+                  <a16:creationId xmlns="" xmlns:a16="http://schemas.microsoft.com/office/drawing/2014/main" id="{8CB86B7F-4412-4AF3-B74B-6B6EF03CD3DA}"/>
                 </a:ext>
               </a:extLst>
             </p:cNvPr>
@@ -7037,7 +7689,7 @@
           <p:cNvPr id="39" name="그룹 38">
             <a:extLst>
               <a:ext uri="{FF2B5EF4-FFF2-40B4-BE49-F238E27FC236}">
-                <a16:creationId xmlns:a16="http://schemas.microsoft.com/office/drawing/2014/main" id="{041B3429-195D-4E8E-A031-AFDBF3481C8B}"/>
+                <a16:creationId xmlns="" xmlns:a16="http://schemas.microsoft.com/office/drawing/2014/main" id="{041B3429-195D-4E8E-A031-AFDBF3481C8B}"/>
               </a:ext>
             </a:extLst>
           </p:cNvPr>
@@ -7057,7 +7709,7 @@
             <p:cNvPr id="40" name="모서리가 둥근 직사각형 18">
               <a:extLst>
                 <a:ext uri="{FF2B5EF4-FFF2-40B4-BE49-F238E27FC236}">
-                  <a16:creationId xmlns:a16="http://schemas.microsoft.com/office/drawing/2014/main" id="{8BCD1206-46E7-48C1-8D0E-79201C2239CB}"/>
+                  <a16:creationId xmlns="" xmlns:a16="http://schemas.microsoft.com/office/drawing/2014/main" id="{8BCD1206-46E7-48C1-8D0E-79201C2239CB}"/>
                 </a:ext>
               </a:extLst>
             </p:cNvPr>
@@ -7107,7 +7759,7 @@
             <p:cNvPr id="41" name="모서리가 둥근 직사각형 18">
               <a:extLst>
                 <a:ext uri="{FF2B5EF4-FFF2-40B4-BE49-F238E27FC236}">
-                  <a16:creationId xmlns:a16="http://schemas.microsoft.com/office/drawing/2014/main" id="{8385447B-8931-4CDC-A0D2-091BF7CB022F}"/>
+                  <a16:creationId xmlns="" xmlns:a16="http://schemas.microsoft.com/office/drawing/2014/main" id="{8385447B-8931-4CDC-A0D2-091BF7CB022F}"/>
                 </a:ext>
               </a:extLst>
             </p:cNvPr>
@@ -7157,7 +7809,7 @@
             <p:cNvPr id="42" name="타원 41">
               <a:extLst>
                 <a:ext uri="{FF2B5EF4-FFF2-40B4-BE49-F238E27FC236}">
-                  <a16:creationId xmlns:a16="http://schemas.microsoft.com/office/drawing/2014/main" id="{F1C4200D-7DB9-4A55-AAFB-2DA167EC27B7}"/>
+                  <a16:creationId xmlns="" xmlns:a16="http://schemas.microsoft.com/office/drawing/2014/main" id="{F1C4200D-7DB9-4A55-AAFB-2DA167EC27B7}"/>
                 </a:ext>
               </a:extLst>
             </p:cNvPr>
@@ -7205,7 +7857,7 @@
             <p:cNvPr id="43" name="타원 42">
               <a:extLst>
                 <a:ext uri="{FF2B5EF4-FFF2-40B4-BE49-F238E27FC236}">
-                  <a16:creationId xmlns:a16="http://schemas.microsoft.com/office/drawing/2014/main" id="{4DD7207F-BE20-4232-B346-EA201B5A8D78}"/>
+                  <a16:creationId xmlns="" xmlns:a16="http://schemas.microsoft.com/office/drawing/2014/main" id="{4DD7207F-BE20-4232-B346-EA201B5A8D78}"/>
                 </a:ext>
               </a:extLst>
             </p:cNvPr>
@@ -7254,7 +7906,7 @@
           <p:cNvPr id="45" name="직선 화살표 연결선 44">
             <a:extLst>
               <a:ext uri="{FF2B5EF4-FFF2-40B4-BE49-F238E27FC236}">
-                <a16:creationId xmlns:a16="http://schemas.microsoft.com/office/drawing/2014/main" id="{63CD95EA-9302-411A-9FCB-C8FDCBFA495D}"/>
+                <a16:creationId xmlns="" xmlns:a16="http://schemas.microsoft.com/office/drawing/2014/main" id="{63CD95EA-9302-411A-9FCB-C8FDCBFA495D}"/>
               </a:ext>
             </a:extLst>
           </p:cNvPr>
@@ -7301,7 +7953,7 @@
           <p:cNvPr id="48" name="직선 화살표 연결선 47">
             <a:extLst>
               <a:ext uri="{FF2B5EF4-FFF2-40B4-BE49-F238E27FC236}">
-                <a16:creationId xmlns:a16="http://schemas.microsoft.com/office/drawing/2014/main" id="{A9100779-8D7F-447C-B48B-26391BE18849}"/>
+                <a16:creationId xmlns="" xmlns:a16="http://schemas.microsoft.com/office/drawing/2014/main" id="{A9100779-8D7F-447C-B48B-26391BE18849}"/>
               </a:ext>
             </a:extLst>
           </p:cNvPr>
@@ -7348,7 +8000,7 @@
           <p:cNvPr id="51" name="직선 화살표 연결선 50">
             <a:extLst>
               <a:ext uri="{FF2B5EF4-FFF2-40B4-BE49-F238E27FC236}">
-                <a16:creationId xmlns:a16="http://schemas.microsoft.com/office/drawing/2014/main" id="{3933F28B-AC51-417E-BC5B-2AD39C7EFC81}"/>
+                <a16:creationId xmlns="" xmlns:a16="http://schemas.microsoft.com/office/drawing/2014/main" id="{3933F28B-AC51-417E-BC5B-2AD39C7EFC81}"/>
               </a:ext>
             </a:extLst>
           </p:cNvPr>
@@ -7395,7 +8047,7 @@
           <p:cNvPr id="54" name="직선 화살표 연결선 53">
             <a:extLst>
               <a:ext uri="{FF2B5EF4-FFF2-40B4-BE49-F238E27FC236}">
-                <a16:creationId xmlns:a16="http://schemas.microsoft.com/office/drawing/2014/main" id="{6AA93637-C65C-4B5A-8B53-8E544BBE6A7F}"/>
+                <a16:creationId xmlns="" xmlns:a16="http://schemas.microsoft.com/office/drawing/2014/main" id="{6AA93637-C65C-4B5A-8B53-8E544BBE6A7F}"/>
               </a:ext>
             </a:extLst>
           </p:cNvPr>
@@ -7442,7 +8094,7 @@
           <p:cNvPr id="57" name="직선 화살표 연결선 56">
             <a:extLst>
               <a:ext uri="{FF2B5EF4-FFF2-40B4-BE49-F238E27FC236}">
-                <a16:creationId xmlns:a16="http://schemas.microsoft.com/office/drawing/2014/main" id="{3A100D49-C29F-4AB6-B28A-334EF96F16AF}"/>
+                <a16:creationId xmlns="" xmlns:a16="http://schemas.microsoft.com/office/drawing/2014/main" id="{3A100D49-C29F-4AB6-B28A-334EF96F16AF}"/>
               </a:ext>
             </a:extLst>
           </p:cNvPr>
@@ -7489,7 +8141,7 @@
           <p:cNvPr id="60" name="직선 화살표 연결선 59">
             <a:extLst>
               <a:ext uri="{FF2B5EF4-FFF2-40B4-BE49-F238E27FC236}">
-                <a16:creationId xmlns:a16="http://schemas.microsoft.com/office/drawing/2014/main" id="{4DEC1018-A708-4DC7-B2AD-00ABDB42B1D6}"/>
+                <a16:creationId xmlns="" xmlns:a16="http://schemas.microsoft.com/office/drawing/2014/main" id="{4DEC1018-A708-4DC7-B2AD-00ABDB42B1D6}"/>
               </a:ext>
             </a:extLst>
           </p:cNvPr>
@@ -7536,7 +8188,7 @@
           <p:cNvPr id="65" name="직선 화살표 연결선 64">
             <a:extLst>
               <a:ext uri="{FF2B5EF4-FFF2-40B4-BE49-F238E27FC236}">
-                <a16:creationId xmlns:a16="http://schemas.microsoft.com/office/drawing/2014/main" id="{795CA74B-6E12-4088-BBAC-31A825D66510}"/>
+                <a16:creationId xmlns="" xmlns:a16="http://schemas.microsoft.com/office/drawing/2014/main" id="{795CA74B-6E12-4088-BBAC-31A825D66510}"/>
               </a:ext>
             </a:extLst>
           </p:cNvPr>
@@ -7583,7 +8235,7 @@
           <p:cNvPr id="68" name="직선 화살표 연결선 67">
             <a:extLst>
               <a:ext uri="{FF2B5EF4-FFF2-40B4-BE49-F238E27FC236}">
-                <a16:creationId xmlns:a16="http://schemas.microsoft.com/office/drawing/2014/main" id="{0F057480-7171-4B87-B299-002A985D1F30}"/>
+                <a16:creationId xmlns="" xmlns:a16="http://schemas.microsoft.com/office/drawing/2014/main" id="{0F057480-7171-4B87-B299-002A985D1F30}"/>
               </a:ext>
             </a:extLst>
           </p:cNvPr>
@@ -7632,7 +8284,7 @@
           <p:cNvPr id="71" name="직선 화살표 연결선 70">
             <a:extLst>
               <a:ext uri="{FF2B5EF4-FFF2-40B4-BE49-F238E27FC236}">
-                <a16:creationId xmlns:a16="http://schemas.microsoft.com/office/drawing/2014/main" id="{3F847CB0-C800-488D-9A1C-5C275B3B32E1}"/>
+                <a16:creationId xmlns="" xmlns:a16="http://schemas.microsoft.com/office/drawing/2014/main" id="{3F847CB0-C800-488D-9A1C-5C275B3B32E1}"/>
               </a:ext>
             </a:extLst>
           </p:cNvPr>
@@ -7681,7 +8333,7 @@
           <p:cNvPr id="75" name="직선 화살표 연결선 74">
             <a:extLst>
               <a:ext uri="{FF2B5EF4-FFF2-40B4-BE49-F238E27FC236}">
-                <a16:creationId xmlns:a16="http://schemas.microsoft.com/office/drawing/2014/main" id="{3E79A9E3-D35C-4D13-9C35-D56D0A88D17F}"/>
+                <a16:creationId xmlns="" xmlns:a16="http://schemas.microsoft.com/office/drawing/2014/main" id="{3E79A9E3-D35C-4D13-9C35-D56D0A88D17F}"/>
               </a:ext>
             </a:extLst>
           </p:cNvPr>
@@ -7730,7 +8382,7 @@
           <p:cNvPr id="98" name="그룹 97">
             <a:extLst>
               <a:ext uri="{FF2B5EF4-FFF2-40B4-BE49-F238E27FC236}">
-                <a16:creationId xmlns:a16="http://schemas.microsoft.com/office/drawing/2014/main" id="{B2F6CFF1-DF54-4F02-88FB-F2B7EAF8E248}"/>
+                <a16:creationId xmlns="" xmlns:a16="http://schemas.microsoft.com/office/drawing/2014/main" id="{B2F6CFF1-DF54-4F02-88FB-F2B7EAF8E248}"/>
               </a:ext>
             </a:extLst>
           </p:cNvPr>
@@ -7750,7 +8402,7 @@
             <p:cNvPr id="79" name="직선 화살표 연결선 78">
               <a:extLst>
                 <a:ext uri="{FF2B5EF4-FFF2-40B4-BE49-F238E27FC236}">
-                  <a16:creationId xmlns:a16="http://schemas.microsoft.com/office/drawing/2014/main" id="{FEDAA768-BFC9-4E6D-9A55-597FD6687A4E}"/>
+                  <a16:creationId xmlns="" xmlns:a16="http://schemas.microsoft.com/office/drawing/2014/main" id="{FEDAA768-BFC9-4E6D-9A55-597FD6687A4E}"/>
                 </a:ext>
               </a:extLst>
             </p:cNvPr>
@@ -7798,7 +8450,7 @@
             <p:cNvPr id="82" name="TextBox 81">
               <a:extLst>
                 <a:ext uri="{FF2B5EF4-FFF2-40B4-BE49-F238E27FC236}">
-                  <a16:creationId xmlns:a16="http://schemas.microsoft.com/office/drawing/2014/main" id="{08C76C99-553F-4622-9C6A-7756B2CFA84F}"/>
+                  <a16:creationId xmlns="" xmlns:a16="http://schemas.microsoft.com/office/drawing/2014/main" id="{08C76C99-553F-4622-9C6A-7756B2CFA84F}"/>
                 </a:ext>
               </a:extLst>
             </p:cNvPr>
@@ -7835,7 +8487,7 @@
             <p:cNvPr id="85" name="직선 화살표 연결선 84">
               <a:extLst>
                 <a:ext uri="{FF2B5EF4-FFF2-40B4-BE49-F238E27FC236}">
-                  <a16:creationId xmlns:a16="http://schemas.microsoft.com/office/drawing/2014/main" id="{BCF7F299-0FD2-4EDF-891C-D717BDED0371}"/>
+                  <a16:creationId xmlns="" xmlns:a16="http://schemas.microsoft.com/office/drawing/2014/main" id="{BCF7F299-0FD2-4EDF-891C-D717BDED0371}"/>
                 </a:ext>
               </a:extLst>
             </p:cNvPr>
@@ -7881,7 +8533,7 @@
             <p:cNvPr id="86" name="TextBox 85">
               <a:extLst>
                 <a:ext uri="{FF2B5EF4-FFF2-40B4-BE49-F238E27FC236}">
-                  <a16:creationId xmlns:a16="http://schemas.microsoft.com/office/drawing/2014/main" id="{2AEA4195-EC52-4EB4-BC56-00DCD87AC0CA}"/>
+                  <a16:creationId xmlns="" xmlns:a16="http://schemas.microsoft.com/office/drawing/2014/main" id="{2AEA4195-EC52-4EB4-BC56-00DCD87AC0CA}"/>
                 </a:ext>
               </a:extLst>
             </p:cNvPr>
@@ -7918,7 +8570,7 @@
             <p:cNvPr id="87" name="직선 화살표 연결선 86">
               <a:extLst>
                 <a:ext uri="{FF2B5EF4-FFF2-40B4-BE49-F238E27FC236}">
-                  <a16:creationId xmlns:a16="http://schemas.microsoft.com/office/drawing/2014/main" id="{DB4483B7-6B6E-4872-82B2-9F46BC8C4410}"/>
+                  <a16:creationId xmlns="" xmlns:a16="http://schemas.microsoft.com/office/drawing/2014/main" id="{DB4483B7-6B6E-4872-82B2-9F46BC8C4410}"/>
                 </a:ext>
               </a:extLst>
             </p:cNvPr>
@@ -7964,7 +8616,7 @@
             <p:cNvPr id="88" name="TextBox 87">
               <a:extLst>
                 <a:ext uri="{FF2B5EF4-FFF2-40B4-BE49-F238E27FC236}">
-                  <a16:creationId xmlns:a16="http://schemas.microsoft.com/office/drawing/2014/main" id="{E48ABFB1-B00A-4E38-8BD4-CD95ECE0BA7A}"/>
+                  <a16:creationId xmlns="" xmlns:a16="http://schemas.microsoft.com/office/drawing/2014/main" id="{E48ABFB1-B00A-4E38-8BD4-CD95ECE0BA7A}"/>
                 </a:ext>
               </a:extLst>
             </p:cNvPr>
@@ -8001,7 +8653,7 @@
             <p:cNvPr id="89" name="직선 화살표 연결선 88">
               <a:extLst>
                 <a:ext uri="{FF2B5EF4-FFF2-40B4-BE49-F238E27FC236}">
-                  <a16:creationId xmlns:a16="http://schemas.microsoft.com/office/drawing/2014/main" id="{DBE2957A-8326-4EB5-88A9-1B4699318030}"/>
+                  <a16:creationId xmlns="" xmlns:a16="http://schemas.microsoft.com/office/drawing/2014/main" id="{DBE2957A-8326-4EB5-88A9-1B4699318030}"/>
                 </a:ext>
               </a:extLst>
             </p:cNvPr>
@@ -8049,7 +8701,7 @@
             <p:cNvPr id="90" name="TextBox 89">
               <a:extLst>
                 <a:ext uri="{FF2B5EF4-FFF2-40B4-BE49-F238E27FC236}">
-                  <a16:creationId xmlns:a16="http://schemas.microsoft.com/office/drawing/2014/main" id="{B1BA5C7E-8007-4B30-8EFA-359BE83561CF}"/>
+                  <a16:creationId xmlns="" xmlns:a16="http://schemas.microsoft.com/office/drawing/2014/main" id="{B1BA5C7E-8007-4B30-8EFA-359BE83561CF}"/>
                 </a:ext>
               </a:extLst>
             </p:cNvPr>

--- a/images/theory_analysis/Hadoop/Hadoop.pptx
+++ b/images/theory_analysis/Hadoop/Hadoop.pptx
@@ -5,12 +5,16 @@
     <p:sldMasterId id="2147483648" r:id="rId1"/>
   </p:sldMasterIdLst>
   <p:notesMasterIdLst>
-    <p:notesMasterId r:id="rId5"/>
+    <p:notesMasterId r:id="rId9"/>
   </p:notesMasterIdLst>
   <p:sldIdLst>
     <p:sldId id="424" r:id="rId2"/>
     <p:sldId id="421" r:id="rId3"/>
-    <p:sldId id="422" r:id="rId4"/>
+    <p:sldId id="426" r:id="rId4"/>
+    <p:sldId id="429" r:id="rId5"/>
+    <p:sldId id="428" r:id="rId6"/>
+    <p:sldId id="422" r:id="rId7"/>
+    <p:sldId id="425" r:id="rId8"/>
   </p:sldIdLst>
   <p:sldSz cx="9144000" cy="5143500" type="screen16x9"/>
   <p:notesSz cx="6858000" cy="9144000"/>
@@ -111,7 +115,7 @@
   </p:defaultTextStyle>
   <p:extLst>
     <p:ext uri="{EFAFB233-063F-42B5-8137-9DF3F51BA10A}">
-      <p15:sldGuideLst xmlns="" xmlns:p15="http://schemas.microsoft.com/office/powerpoint/2012/main">
+      <p15:sldGuideLst xmlns:p15="http://schemas.microsoft.com/office/powerpoint/2012/main" xmlns="">
         <p15:guide id="1" orient="horz" pos="2160">
           <p15:clr>
             <a:srgbClr val="A4A3A4"/>
@@ -215,7 +219,7 @@
           <a:p>
             <a:fld id="{6CD5550B-26C4-49A9-A5BA-636EF7BE6CE9}" type="datetimeFigureOut">
               <a:rPr lang="ko-KR" altLang="en-US" smtClean="0"/>
-              <a:t>2018-09-27</a:t>
+              <a:t>2018-10-01</a:t>
             </a:fld>
             <a:endParaRPr lang="ko-KR" altLang="en-US"/>
           </a:p>
@@ -734,6 +738,258 @@
 </p:notes>
 </file>
 
+<file path=ppt/notesSlides/notesSlide4.xml><?xml version="1.0" encoding="utf-8"?>
+<p:notes xmlns:a="http://schemas.openxmlformats.org/drawingml/2006/main" xmlns:r="http://schemas.openxmlformats.org/officeDocument/2006/relationships" xmlns:p="http://schemas.openxmlformats.org/presentationml/2006/main">
+  <p:cSld>
+    <p:spTree>
+      <p:nvGrpSpPr>
+        <p:cNvPr id="1" name=""/>
+        <p:cNvGrpSpPr/>
+        <p:nvPr/>
+      </p:nvGrpSpPr>
+      <p:grpSpPr>
+        <a:xfrm>
+          <a:off x="0" y="0"/>
+          <a:ext cx="0" cy="0"/>
+          <a:chOff x="0" y="0"/>
+          <a:chExt cx="0" cy="0"/>
+        </a:xfrm>
+      </p:grpSpPr>
+      <p:sp>
+        <p:nvSpPr>
+          <p:cNvPr id="2" name="슬라이드 이미지 개체 틀 1"/>
+          <p:cNvSpPr>
+            <a:spLocks noGrp="1" noRot="1" noChangeAspect="1"/>
+          </p:cNvSpPr>
+          <p:nvPr>
+            <p:ph type="sldImg"/>
+          </p:nvPr>
+        </p:nvSpPr>
+        <p:spPr/>
+      </p:sp>
+      <p:sp>
+        <p:nvSpPr>
+          <p:cNvPr id="3" name="슬라이드 노트 개체 틀 2"/>
+          <p:cNvSpPr>
+            <a:spLocks noGrp="1"/>
+          </p:cNvSpPr>
+          <p:nvPr>
+            <p:ph type="body" idx="1"/>
+          </p:nvPr>
+        </p:nvSpPr>
+        <p:spPr/>
+        <p:txBody>
+          <a:bodyPr/>
+          <a:lstStyle/>
+          <a:p>
+            <a:endParaRPr lang="ko-KR" altLang="en-US"/>
+          </a:p>
+        </p:txBody>
+      </p:sp>
+      <p:sp>
+        <p:nvSpPr>
+          <p:cNvPr id="4" name="슬라이드 번호 개체 틀 3"/>
+          <p:cNvSpPr>
+            <a:spLocks noGrp="1"/>
+          </p:cNvSpPr>
+          <p:nvPr>
+            <p:ph type="sldNum" sz="quarter" idx="10"/>
+          </p:nvPr>
+        </p:nvSpPr>
+        <p:spPr/>
+        <p:txBody>
+          <a:bodyPr/>
+          <a:lstStyle/>
+          <a:p>
+            <a:fld id="{BA5DFA43-8D57-47FB-BC46-057616015C3B}" type="slidenum">
+              <a:rPr lang="ko-KR" altLang="en-US" smtClean="0"/>
+              <a:t>4</a:t>
+            </a:fld>
+            <a:endParaRPr lang="ko-KR" altLang="en-US"/>
+          </a:p>
+        </p:txBody>
+      </p:sp>
+    </p:spTree>
+    <p:extLst>
+      <p:ext uri="{BB962C8B-B14F-4D97-AF65-F5344CB8AC3E}">
+        <p14:creationId xmlns:p14="http://schemas.microsoft.com/office/powerpoint/2010/main" val="2405356823"/>
+      </p:ext>
+    </p:extLst>
+  </p:cSld>
+  <p:clrMapOvr>
+    <a:masterClrMapping/>
+  </p:clrMapOvr>
+</p:notes>
+</file>
+
+<file path=ppt/notesSlides/notesSlide5.xml><?xml version="1.0" encoding="utf-8"?>
+<p:notes xmlns:a="http://schemas.openxmlformats.org/drawingml/2006/main" xmlns:r="http://schemas.openxmlformats.org/officeDocument/2006/relationships" xmlns:p="http://schemas.openxmlformats.org/presentationml/2006/main">
+  <p:cSld>
+    <p:spTree>
+      <p:nvGrpSpPr>
+        <p:cNvPr id="1" name=""/>
+        <p:cNvGrpSpPr/>
+        <p:nvPr/>
+      </p:nvGrpSpPr>
+      <p:grpSpPr>
+        <a:xfrm>
+          <a:off x="0" y="0"/>
+          <a:ext cx="0" cy="0"/>
+          <a:chOff x="0" y="0"/>
+          <a:chExt cx="0" cy="0"/>
+        </a:xfrm>
+      </p:grpSpPr>
+      <p:sp>
+        <p:nvSpPr>
+          <p:cNvPr id="2" name="슬라이드 이미지 개체 틀 1"/>
+          <p:cNvSpPr>
+            <a:spLocks noGrp="1" noRot="1" noChangeAspect="1"/>
+          </p:cNvSpPr>
+          <p:nvPr>
+            <p:ph type="sldImg"/>
+          </p:nvPr>
+        </p:nvSpPr>
+        <p:spPr/>
+      </p:sp>
+      <p:sp>
+        <p:nvSpPr>
+          <p:cNvPr id="3" name="슬라이드 노트 개체 틀 2"/>
+          <p:cNvSpPr>
+            <a:spLocks noGrp="1"/>
+          </p:cNvSpPr>
+          <p:nvPr>
+            <p:ph type="body" idx="1"/>
+          </p:nvPr>
+        </p:nvSpPr>
+        <p:spPr/>
+        <p:txBody>
+          <a:bodyPr/>
+          <a:lstStyle/>
+          <a:p>
+            <a:endParaRPr lang="ko-KR" altLang="en-US"/>
+          </a:p>
+        </p:txBody>
+      </p:sp>
+      <p:sp>
+        <p:nvSpPr>
+          <p:cNvPr id="4" name="슬라이드 번호 개체 틀 3"/>
+          <p:cNvSpPr>
+            <a:spLocks noGrp="1"/>
+          </p:cNvSpPr>
+          <p:nvPr>
+            <p:ph type="sldNum" sz="quarter" idx="10"/>
+          </p:nvPr>
+        </p:nvSpPr>
+        <p:spPr/>
+        <p:txBody>
+          <a:bodyPr/>
+          <a:lstStyle/>
+          <a:p>
+            <a:fld id="{BA5DFA43-8D57-47FB-BC46-057616015C3B}" type="slidenum">
+              <a:rPr lang="ko-KR" altLang="en-US" smtClean="0"/>
+              <a:t>6</a:t>
+            </a:fld>
+            <a:endParaRPr lang="ko-KR" altLang="en-US"/>
+          </a:p>
+        </p:txBody>
+      </p:sp>
+    </p:spTree>
+    <p:extLst>
+      <p:ext uri="{BB962C8B-B14F-4D97-AF65-F5344CB8AC3E}">
+        <p14:creationId xmlns:p14="http://schemas.microsoft.com/office/powerpoint/2010/main" val="2405356823"/>
+      </p:ext>
+    </p:extLst>
+  </p:cSld>
+  <p:clrMapOvr>
+    <a:masterClrMapping/>
+  </p:clrMapOvr>
+</p:notes>
+</file>
+
+<file path=ppt/notesSlides/notesSlide6.xml><?xml version="1.0" encoding="utf-8"?>
+<p:notes xmlns:a="http://schemas.openxmlformats.org/drawingml/2006/main" xmlns:r="http://schemas.openxmlformats.org/officeDocument/2006/relationships" xmlns:p="http://schemas.openxmlformats.org/presentationml/2006/main">
+  <p:cSld>
+    <p:spTree>
+      <p:nvGrpSpPr>
+        <p:cNvPr id="1" name=""/>
+        <p:cNvGrpSpPr/>
+        <p:nvPr/>
+      </p:nvGrpSpPr>
+      <p:grpSpPr>
+        <a:xfrm>
+          <a:off x="0" y="0"/>
+          <a:ext cx="0" cy="0"/>
+          <a:chOff x="0" y="0"/>
+          <a:chExt cx="0" cy="0"/>
+        </a:xfrm>
+      </p:grpSpPr>
+      <p:sp>
+        <p:nvSpPr>
+          <p:cNvPr id="2" name="슬라이드 이미지 개체 틀 1"/>
+          <p:cNvSpPr>
+            <a:spLocks noGrp="1" noRot="1" noChangeAspect="1"/>
+          </p:cNvSpPr>
+          <p:nvPr>
+            <p:ph type="sldImg"/>
+          </p:nvPr>
+        </p:nvSpPr>
+        <p:spPr/>
+      </p:sp>
+      <p:sp>
+        <p:nvSpPr>
+          <p:cNvPr id="3" name="슬라이드 노트 개체 틀 2"/>
+          <p:cNvSpPr>
+            <a:spLocks noGrp="1"/>
+          </p:cNvSpPr>
+          <p:nvPr>
+            <p:ph type="body" idx="1"/>
+          </p:nvPr>
+        </p:nvSpPr>
+        <p:spPr/>
+        <p:txBody>
+          <a:bodyPr/>
+          <a:lstStyle/>
+          <a:p>
+            <a:endParaRPr lang="ko-KR" altLang="en-US"/>
+          </a:p>
+        </p:txBody>
+      </p:sp>
+      <p:sp>
+        <p:nvSpPr>
+          <p:cNvPr id="4" name="슬라이드 번호 개체 틀 3"/>
+          <p:cNvSpPr>
+            <a:spLocks noGrp="1"/>
+          </p:cNvSpPr>
+          <p:nvPr>
+            <p:ph type="sldNum" sz="quarter" idx="10"/>
+          </p:nvPr>
+        </p:nvSpPr>
+        <p:spPr/>
+        <p:txBody>
+          <a:bodyPr/>
+          <a:lstStyle/>
+          <a:p>
+            <a:fld id="{BA5DFA43-8D57-47FB-BC46-057616015C3B}" type="slidenum">
+              <a:rPr lang="ko-KR" altLang="en-US" smtClean="0"/>
+              <a:t>7</a:t>
+            </a:fld>
+            <a:endParaRPr lang="ko-KR" altLang="en-US"/>
+          </a:p>
+        </p:txBody>
+      </p:sp>
+    </p:spTree>
+    <p:extLst>
+      <p:ext uri="{BB962C8B-B14F-4D97-AF65-F5344CB8AC3E}">
+        <p14:creationId xmlns:p14="http://schemas.microsoft.com/office/powerpoint/2010/main" val="2405356823"/>
+      </p:ext>
+    </p:extLst>
+  </p:cSld>
+  <p:clrMapOvr>
+    <a:masterClrMapping/>
+  </p:clrMapOvr>
+</p:notes>
+</file>
+
 <file path=ppt/slideLayouts/slideLayout1.xml><?xml version="1.0" encoding="utf-8"?>
 <p:sldLayout xmlns:a="http://schemas.openxmlformats.org/drawingml/2006/main" xmlns:r="http://schemas.openxmlformats.org/officeDocument/2006/relationships" xmlns:p="http://schemas.openxmlformats.org/presentationml/2006/main" type="title" preserve="1">
   <p:cSld name="제목 슬라이드">
@@ -913,7 +1169,7 @@
           <a:p>
             <a:fld id="{FB30EDBD-1C2D-4C1E-B459-B60219FAB484}" type="datetimeFigureOut">
               <a:rPr lang="ko-KR" altLang="en-US" smtClean="0"/>
-              <a:t>2018-09-27</a:t>
+              <a:t>2018-10-01</a:t>
             </a:fld>
             <a:endParaRPr lang="ko-KR" altLang="en-US"/>
           </a:p>
@@ -1076,7 +1332,7 @@
           <a:p>
             <a:fld id="{FB30EDBD-1C2D-4C1E-B459-B60219FAB484}" type="datetimeFigureOut">
               <a:rPr lang="ko-KR" altLang="en-US" smtClean="0"/>
-              <a:t>2018-09-27</a:t>
+              <a:t>2018-10-01</a:t>
             </a:fld>
             <a:endParaRPr lang="ko-KR" altLang="en-US"/>
           </a:p>
@@ -1249,7 +1505,7 @@
           <a:p>
             <a:fld id="{FB30EDBD-1C2D-4C1E-B459-B60219FAB484}" type="datetimeFigureOut">
               <a:rPr lang="ko-KR" altLang="en-US" smtClean="0"/>
-              <a:t>2018-09-27</a:t>
+              <a:t>2018-10-01</a:t>
             </a:fld>
             <a:endParaRPr lang="ko-KR" altLang="en-US"/>
           </a:p>
@@ -1412,7 +1668,7 @@
           <a:p>
             <a:fld id="{FB30EDBD-1C2D-4C1E-B459-B60219FAB484}" type="datetimeFigureOut">
               <a:rPr lang="ko-KR" altLang="en-US" smtClean="0"/>
-              <a:t>2018-09-27</a:t>
+              <a:t>2018-10-01</a:t>
             </a:fld>
             <a:endParaRPr lang="ko-KR" altLang="en-US"/>
           </a:p>
@@ -1652,7 +1908,7 @@
           <a:p>
             <a:fld id="{FB30EDBD-1C2D-4C1E-B459-B60219FAB484}" type="datetimeFigureOut">
               <a:rPr lang="ko-KR" altLang="en-US" smtClean="0"/>
-              <a:t>2018-09-27</a:t>
+              <a:t>2018-10-01</a:t>
             </a:fld>
             <a:endParaRPr lang="ko-KR" altLang="en-US"/>
           </a:p>
@@ -1932,7 +2188,7 @@
           <a:p>
             <a:fld id="{FB30EDBD-1C2D-4C1E-B459-B60219FAB484}" type="datetimeFigureOut">
               <a:rPr lang="ko-KR" altLang="en-US" smtClean="0"/>
-              <a:t>2018-09-27</a:t>
+              <a:t>2018-10-01</a:t>
             </a:fld>
             <a:endParaRPr lang="ko-KR" altLang="en-US"/>
           </a:p>
@@ -2346,7 +2602,7 @@
           <a:p>
             <a:fld id="{FB30EDBD-1C2D-4C1E-B459-B60219FAB484}" type="datetimeFigureOut">
               <a:rPr lang="ko-KR" altLang="en-US" smtClean="0"/>
-              <a:t>2018-09-27</a:t>
+              <a:t>2018-10-01</a:t>
             </a:fld>
             <a:endParaRPr lang="ko-KR" altLang="en-US"/>
           </a:p>
@@ -2458,7 +2714,7 @@
           <a:p>
             <a:fld id="{FB30EDBD-1C2D-4C1E-B459-B60219FAB484}" type="datetimeFigureOut">
               <a:rPr lang="ko-KR" altLang="en-US" smtClean="0"/>
-              <a:t>2018-09-27</a:t>
+              <a:t>2018-10-01</a:t>
             </a:fld>
             <a:endParaRPr lang="ko-KR" altLang="en-US"/>
           </a:p>
@@ -2548,7 +2804,7 @@
           <a:p>
             <a:fld id="{FB30EDBD-1C2D-4C1E-B459-B60219FAB484}" type="datetimeFigureOut">
               <a:rPr lang="ko-KR" altLang="en-US" smtClean="0"/>
-              <a:t>2018-09-27</a:t>
+              <a:t>2018-10-01</a:t>
             </a:fld>
             <a:endParaRPr lang="ko-KR" altLang="en-US"/>
           </a:p>
@@ -2818,7 +3074,7 @@
           <a:p>
             <a:fld id="{FB30EDBD-1C2D-4C1E-B459-B60219FAB484}" type="datetimeFigureOut">
               <a:rPr lang="ko-KR" altLang="en-US" smtClean="0"/>
-              <a:t>2018-09-27</a:t>
+              <a:t>2018-10-01</a:t>
             </a:fld>
             <a:endParaRPr lang="ko-KR" altLang="en-US"/>
           </a:p>
@@ -3065,7 +3321,7 @@
           <a:p>
             <a:fld id="{FB30EDBD-1C2D-4C1E-B459-B60219FAB484}" type="datetimeFigureOut">
               <a:rPr lang="ko-KR" altLang="en-US" smtClean="0"/>
-              <a:t>2018-09-27</a:t>
+              <a:t>2018-10-01</a:t>
             </a:fld>
             <a:endParaRPr lang="ko-KR" altLang="en-US"/>
           </a:p>
@@ -3271,7 +3527,7 @@
           <a:p>
             <a:fld id="{FB30EDBD-1C2D-4C1E-B459-B60219FAB484}" type="datetimeFigureOut">
               <a:rPr lang="ko-KR" altLang="en-US" smtClean="0"/>
-              <a:t>2018-09-27</a:t>
+              <a:t>2018-10-01</a:t>
             </a:fld>
             <a:endParaRPr lang="ko-KR" altLang="en-US"/>
           </a:p>
@@ -3646,7 +3902,7 @@
           <p:cNvPr id="2" name="제목 1">
             <a:extLst>
               <a:ext uri="{FF2B5EF4-FFF2-40B4-BE49-F238E27FC236}">
-                <a16:creationId xmlns="" xmlns:a16="http://schemas.microsoft.com/office/drawing/2014/main" id="{8738443D-5E72-49E2-86AC-581D61C41C39}"/>
+                <a16:creationId xmlns:a16="http://schemas.microsoft.com/office/drawing/2014/main" xmlns="" id="{8738443D-5E72-49E2-86AC-581D61C41C39}"/>
               </a:ext>
             </a:extLst>
           </p:cNvPr>
@@ -3680,7 +3936,7 @@
           <p:cNvPr id="3" name="사각형: 둥근 모서리 2">
             <a:extLst>
               <a:ext uri="{FF2B5EF4-FFF2-40B4-BE49-F238E27FC236}">
-                <a16:creationId xmlns="" xmlns:a16="http://schemas.microsoft.com/office/drawing/2014/main" id="{DBF2CBF9-70F2-440D-B8EA-17C0B928765A}"/>
+                <a16:creationId xmlns:a16="http://schemas.microsoft.com/office/drawing/2014/main" xmlns="" id="{DBF2CBF9-70F2-440D-B8EA-17C0B928765A}"/>
               </a:ext>
             </a:extLst>
           </p:cNvPr>
@@ -3737,7 +3993,7 @@
           <p:cNvPr id="4" name="사각형: 둥근 모서리 3">
             <a:extLst>
               <a:ext uri="{FF2B5EF4-FFF2-40B4-BE49-F238E27FC236}">
-                <a16:creationId xmlns="" xmlns:a16="http://schemas.microsoft.com/office/drawing/2014/main" id="{232541BA-0E21-4D84-AC9E-8EA8F51FB4F8}"/>
+                <a16:creationId xmlns:a16="http://schemas.microsoft.com/office/drawing/2014/main" xmlns="" id="{232541BA-0E21-4D84-AC9E-8EA8F51FB4F8}"/>
               </a:ext>
             </a:extLst>
           </p:cNvPr>
@@ -3794,7 +4050,7 @@
           <p:cNvPr id="5" name="사각형: 둥근 모서리 4">
             <a:extLst>
               <a:ext uri="{FF2B5EF4-FFF2-40B4-BE49-F238E27FC236}">
-                <a16:creationId xmlns="" xmlns:a16="http://schemas.microsoft.com/office/drawing/2014/main" id="{A0C524DF-8CE4-4E7A-BC40-668CFABFDD26}"/>
+                <a16:creationId xmlns:a16="http://schemas.microsoft.com/office/drawing/2014/main" xmlns="" id="{A0C524DF-8CE4-4E7A-BC40-668CFABFDD26}"/>
               </a:ext>
             </a:extLst>
           </p:cNvPr>
@@ -3851,7 +4107,7 @@
           <p:cNvPr id="6" name="사각형: 둥근 모서리 5">
             <a:extLst>
               <a:ext uri="{FF2B5EF4-FFF2-40B4-BE49-F238E27FC236}">
-                <a16:creationId xmlns="" xmlns:a16="http://schemas.microsoft.com/office/drawing/2014/main" id="{2F80FC8D-2F83-462A-B052-08254EC92DAF}"/>
+                <a16:creationId xmlns:a16="http://schemas.microsoft.com/office/drawing/2014/main" xmlns="" id="{2F80FC8D-2F83-462A-B052-08254EC92DAF}"/>
               </a:ext>
             </a:extLst>
           </p:cNvPr>
@@ -3938,7 +4194,7 @@
           <p:cNvPr id="2" name="제목 1">
             <a:extLst>
               <a:ext uri="{FF2B5EF4-FFF2-40B4-BE49-F238E27FC236}">
-                <a16:creationId xmlns="" xmlns:a16="http://schemas.microsoft.com/office/drawing/2014/main" id="{8738443D-5E72-49E2-86AC-581D61C41C39}"/>
+                <a16:creationId xmlns:a16="http://schemas.microsoft.com/office/drawing/2014/main" xmlns="" id="{8738443D-5E72-49E2-86AC-581D61C41C39}"/>
               </a:ext>
             </a:extLst>
           </p:cNvPr>
@@ -4124,7 +4380,7 @@
           <p:cNvPr id="4" name="그룹 3">
             <a:extLst>
               <a:ext uri="{FF2B5EF4-FFF2-40B4-BE49-F238E27FC236}">
-                <a16:creationId xmlns="" xmlns:a16="http://schemas.microsoft.com/office/drawing/2014/main" id="{E4CBD3F0-0276-45C5-9B75-45FAF65CDA95}"/>
+                <a16:creationId xmlns:a16="http://schemas.microsoft.com/office/drawing/2014/main" xmlns="" id="{E4CBD3F0-0276-45C5-9B75-45FAF65CDA95}"/>
               </a:ext>
             </a:extLst>
           </p:cNvPr>
@@ -4331,7 +4587,7 @@
           <p:cNvPr id="23" name="그룹 22">
             <a:extLst>
               <a:ext uri="{FF2B5EF4-FFF2-40B4-BE49-F238E27FC236}">
-                <a16:creationId xmlns="" xmlns:a16="http://schemas.microsoft.com/office/drawing/2014/main" id="{342A61BC-982B-4E38-81C1-E9282268511A}"/>
+                <a16:creationId xmlns:a16="http://schemas.microsoft.com/office/drawing/2014/main" xmlns="" id="{342A61BC-982B-4E38-81C1-E9282268511A}"/>
               </a:ext>
             </a:extLst>
           </p:cNvPr>
@@ -4351,7 +4607,7 @@
             <p:cNvPr id="25" name="모서리가 둥근 직사각형 18">
               <a:extLst>
                 <a:ext uri="{FF2B5EF4-FFF2-40B4-BE49-F238E27FC236}">
-                  <a16:creationId xmlns="" xmlns:a16="http://schemas.microsoft.com/office/drawing/2014/main" id="{E4DAA65D-0B5C-4320-8447-5DA2D58810D6}"/>
+                  <a16:creationId xmlns:a16="http://schemas.microsoft.com/office/drawing/2014/main" xmlns="" id="{E4DAA65D-0B5C-4320-8447-5DA2D58810D6}"/>
                 </a:ext>
               </a:extLst>
             </p:cNvPr>
@@ -4405,7 +4661,7 @@
             <p:cNvPr id="31" name="모서리가 둥근 직사각형 34">
               <a:extLst>
                 <a:ext uri="{FF2B5EF4-FFF2-40B4-BE49-F238E27FC236}">
-                  <a16:creationId xmlns="" xmlns:a16="http://schemas.microsoft.com/office/drawing/2014/main" id="{51DB3436-FBC1-4FD0-92E8-9695BC0A8486}"/>
+                  <a16:creationId xmlns:a16="http://schemas.microsoft.com/office/drawing/2014/main" xmlns="" id="{51DB3436-FBC1-4FD0-92E8-9695BC0A8486}"/>
                 </a:ext>
               </a:extLst>
             </p:cNvPr>
@@ -4457,7 +4713,7 @@
             <p:cNvPr id="32" name="모서리가 둥근 직사각형 40">
               <a:extLst>
                 <a:ext uri="{FF2B5EF4-FFF2-40B4-BE49-F238E27FC236}">
-                  <a16:creationId xmlns="" xmlns:a16="http://schemas.microsoft.com/office/drawing/2014/main" id="{C7B91E22-A5E2-4089-B1B9-F12D8B89068B}"/>
+                  <a16:creationId xmlns:a16="http://schemas.microsoft.com/office/drawing/2014/main" xmlns="" id="{C7B91E22-A5E2-4089-B1B9-F12D8B89068B}"/>
                 </a:ext>
               </a:extLst>
             </p:cNvPr>
@@ -4509,7 +4765,7 @@
             <p:cNvPr id="33" name="모서리가 둥근 직사각형 41">
               <a:extLst>
                 <a:ext uri="{FF2B5EF4-FFF2-40B4-BE49-F238E27FC236}">
-                  <a16:creationId xmlns="" xmlns:a16="http://schemas.microsoft.com/office/drawing/2014/main" id="{53076EB5-7891-4EAB-BC6C-19282E8464F1}"/>
+                  <a16:creationId xmlns:a16="http://schemas.microsoft.com/office/drawing/2014/main" xmlns="" id="{53076EB5-7891-4EAB-BC6C-19282E8464F1}"/>
                 </a:ext>
               </a:extLst>
             </p:cNvPr>
@@ -4562,7 +4818,7 @@
           <p:cNvPr id="45" name="그룹 44">
             <a:extLst>
               <a:ext uri="{FF2B5EF4-FFF2-40B4-BE49-F238E27FC236}">
-                <a16:creationId xmlns="" xmlns:a16="http://schemas.microsoft.com/office/drawing/2014/main" id="{346422BE-21F7-4565-A08C-0EE7FDE238E5}"/>
+                <a16:creationId xmlns:a16="http://schemas.microsoft.com/office/drawing/2014/main" xmlns="" id="{346422BE-21F7-4565-A08C-0EE7FDE238E5}"/>
               </a:ext>
             </a:extLst>
           </p:cNvPr>
@@ -4582,7 +4838,7 @@
             <p:cNvPr id="46" name="모서리가 둥근 직사각형 18">
               <a:extLst>
                 <a:ext uri="{FF2B5EF4-FFF2-40B4-BE49-F238E27FC236}">
-                  <a16:creationId xmlns="" xmlns:a16="http://schemas.microsoft.com/office/drawing/2014/main" id="{51BD0C12-2C36-4B79-A248-884CB05DC550}"/>
+                  <a16:creationId xmlns:a16="http://schemas.microsoft.com/office/drawing/2014/main" xmlns="" id="{51BD0C12-2C36-4B79-A248-884CB05DC550}"/>
                 </a:ext>
               </a:extLst>
             </p:cNvPr>
@@ -4636,7 +4892,7 @@
             <p:cNvPr id="47" name="모서리가 둥근 직사각형 34">
               <a:extLst>
                 <a:ext uri="{FF2B5EF4-FFF2-40B4-BE49-F238E27FC236}">
-                  <a16:creationId xmlns="" xmlns:a16="http://schemas.microsoft.com/office/drawing/2014/main" id="{F143A0D7-943F-4882-8CC4-6F389CB53B57}"/>
+                  <a16:creationId xmlns:a16="http://schemas.microsoft.com/office/drawing/2014/main" xmlns="" id="{F143A0D7-943F-4882-8CC4-6F389CB53B57}"/>
                 </a:ext>
               </a:extLst>
             </p:cNvPr>
@@ -4688,7 +4944,7 @@
             <p:cNvPr id="48" name="모서리가 둥근 직사각형 40">
               <a:extLst>
                 <a:ext uri="{FF2B5EF4-FFF2-40B4-BE49-F238E27FC236}">
-                  <a16:creationId xmlns="" xmlns:a16="http://schemas.microsoft.com/office/drawing/2014/main" id="{9EE9E9B9-6D4F-459F-8B7C-1BFD98D1B823}"/>
+                  <a16:creationId xmlns:a16="http://schemas.microsoft.com/office/drawing/2014/main" xmlns="" id="{9EE9E9B9-6D4F-459F-8B7C-1BFD98D1B823}"/>
                 </a:ext>
               </a:extLst>
             </p:cNvPr>
@@ -4740,7 +4996,7 @@
             <p:cNvPr id="49" name="모서리가 둥근 직사각형 41">
               <a:extLst>
                 <a:ext uri="{FF2B5EF4-FFF2-40B4-BE49-F238E27FC236}">
-                  <a16:creationId xmlns="" xmlns:a16="http://schemas.microsoft.com/office/drawing/2014/main" id="{28F4D104-9CD4-49B4-9DD7-D5CA9188CE00}"/>
+                  <a16:creationId xmlns:a16="http://schemas.microsoft.com/office/drawing/2014/main" xmlns="" id="{28F4D104-9CD4-49B4-9DD7-D5CA9188CE00}"/>
                 </a:ext>
               </a:extLst>
             </p:cNvPr>
@@ -4793,7 +5049,7 @@
           <p:cNvPr id="51" name="그룹 50">
             <a:extLst>
               <a:ext uri="{FF2B5EF4-FFF2-40B4-BE49-F238E27FC236}">
-                <a16:creationId xmlns="" xmlns:a16="http://schemas.microsoft.com/office/drawing/2014/main" id="{3EB80419-83CC-4387-ABD1-C0B2EC659FE4}"/>
+                <a16:creationId xmlns:a16="http://schemas.microsoft.com/office/drawing/2014/main" xmlns="" id="{3EB80419-83CC-4387-ABD1-C0B2EC659FE4}"/>
               </a:ext>
             </a:extLst>
           </p:cNvPr>
@@ -4813,7 +5069,7 @@
             <p:cNvPr id="52" name="모서리가 둥근 직사각형 18">
               <a:extLst>
                 <a:ext uri="{FF2B5EF4-FFF2-40B4-BE49-F238E27FC236}">
-                  <a16:creationId xmlns="" xmlns:a16="http://schemas.microsoft.com/office/drawing/2014/main" id="{4EABDA9D-921C-4A30-8C03-DDCB09DBF3CB}"/>
+                  <a16:creationId xmlns:a16="http://schemas.microsoft.com/office/drawing/2014/main" xmlns="" id="{4EABDA9D-921C-4A30-8C03-DDCB09DBF3CB}"/>
                 </a:ext>
               </a:extLst>
             </p:cNvPr>
@@ -4867,7 +5123,7 @@
             <p:cNvPr id="54" name="모서리가 둥근 직사각형 40">
               <a:extLst>
                 <a:ext uri="{FF2B5EF4-FFF2-40B4-BE49-F238E27FC236}">
-                  <a16:creationId xmlns="" xmlns:a16="http://schemas.microsoft.com/office/drawing/2014/main" id="{08B10766-8517-475B-9870-2CFD1F30A555}"/>
+                  <a16:creationId xmlns:a16="http://schemas.microsoft.com/office/drawing/2014/main" xmlns="" id="{08B10766-8517-475B-9870-2CFD1F30A555}"/>
                 </a:ext>
               </a:extLst>
             </p:cNvPr>
@@ -4919,7 +5175,7 @@
             <p:cNvPr id="55" name="모서리가 둥근 직사각형 41">
               <a:extLst>
                 <a:ext uri="{FF2B5EF4-FFF2-40B4-BE49-F238E27FC236}">
-                  <a16:creationId xmlns="" xmlns:a16="http://schemas.microsoft.com/office/drawing/2014/main" id="{0347983C-1715-469A-B171-8EB284A9B128}"/>
+                  <a16:creationId xmlns:a16="http://schemas.microsoft.com/office/drawing/2014/main" xmlns="" id="{0347983C-1715-469A-B171-8EB284A9B128}"/>
                 </a:ext>
               </a:extLst>
             </p:cNvPr>
@@ -4972,7 +5228,7 @@
           <p:cNvPr id="57" name="모서리가 둥근 직사각형 18">
             <a:extLst>
               <a:ext uri="{FF2B5EF4-FFF2-40B4-BE49-F238E27FC236}">
-                <a16:creationId xmlns="" xmlns:a16="http://schemas.microsoft.com/office/drawing/2014/main" id="{37FF3A74-AA80-46B4-88CF-B271893BBCCF}"/>
+                <a16:creationId xmlns:a16="http://schemas.microsoft.com/office/drawing/2014/main" xmlns="" id="{37FF3A74-AA80-46B4-88CF-B271893BBCCF}"/>
               </a:ext>
             </a:extLst>
           </p:cNvPr>
@@ -5022,7 +5278,7 @@
           <p:cNvPr id="172" name="그룹 171">
             <a:extLst>
               <a:ext uri="{FF2B5EF4-FFF2-40B4-BE49-F238E27FC236}">
-                <a16:creationId xmlns="" xmlns:a16="http://schemas.microsoft.com/office/drawing/2014/main" id="{AFDB73E2-CC56-46A7-9786-4FCFACA81201}"/>
+                <a16:creationId xmlns:a16="http://schemas.microsoft.com/office/drawing/2014/main" xmlns="" id="{AFDB73E2-CC56-46A7-9786-4FCFACA81201}"/>
               </a:ext>
             </a:extLst>
           </p:cNvPr>
@@ -5042,7 +5298,7 @@
             <p:cNvPr id="58" name="모서리가 둥근 직사각형 18">
               <a:extLst>
                 <a:ext uri="{FF2B5EF4-FFF2-40B4-BE49-F238E27FC236}">
-                  <a16:creationId xmlns="" xmlns:a16="http://schemas.microsoft.com/office/drawing/2014/main" id="{271773C0-B6D3-4AF9-B241-96B25F3262A1}"/>
+                  <a16:creationId xmlns:a16="http://schemas.microsoft.com/office/drawing/2014/main" xmlns="" id="{271773C0-B6D3-4AF9-B241-96B25F3262A1}"/>
                 </a:ext>
               </a:extLst>
             </p:cNvPr>
@@ -5092,7 +5348,7 @@
             <p:cNvPr id="59" name="모서리가 둥근 직사각형 18">
               <a:extLst>
                 <a:ext uri="{FF2B5EF4-FFF2-40B4-BE49-F238E27FC236}">
-                  <a16:creationId xmlns="" xmlns:a16="http://schemas.microsoft.com/office/drawing/2014/main" id="{A28EA0BC-59F6-4F72-BD0E-9F3B07D97837}"/>
+                  <a16:creationId xmlns:a16="http://schemas.microsoft.com/office/drawing/2014/main" xmlns="" id="{A28EA0BC-59F6-4F72-BD0E-9F3B07D97837}"/>
                 </a:ext>
               </a:extLst>
             </p:cNvPr>
@@ -5170,7 +5426,7 @@
           <p:cNvPr id="60" name="모서리가 둥근 직사각형 18">
             <a:extLst>
               <a:ext uri="{FF2B5EF4-FFF2-40B4-BE49-F238E27FC236}">
-                <a16:creationId xmlns="" xmlns:a16="http://schemas.microsoft.com/office/drawing/2014/main" id="{A8E62340-5B58-47AF-ABFF-AE5D42F73FD2}"/>
+                <a16:creationId xmlns:a16="http://schemas.microsoft.com/office/drawing/2014/main" xmlns="" id="{A8E62340-5B58-47AF-ABFF-AE5D42F73FD2}"/>
               </a:ext>
             </a:extLst>
           </p:cNvPr>
@@ -5220,7 +5476,7 @@
           <p:cNvPr id="61" name="직선 화살표 연결선 60">
             <a:extLst>
               <a:ext uri="{FF2B5EF4-FFF2-40B4-BE49-F238E27FC236}">
-                <a16:creationId xmlns="" xmlns:a16="http://schemas.microsoft.com/office/drawing/2014/main" id="{86485563-F321-4DD1-B7CE-81A35D2E3FE5}"/>
+                <a16:creationId xmlns:a16="http://schemas.microsoft.com/office/drawing/2014/main" xmlns="" id="{86485563-F321-4DD1-B7CE-81A35D2E3FE5}"/>
               </a:ext>
             </a:extLst>
           </p:cNvPr>
@@ -5265,7 +5521,7 @@
           <p:cNvPr id="63" name="직선 화살표 연결선 62">
             <a:extLst>
               <a:ext uri="{FF2B5EF4-FFF2-40B4-BE49-F238E27FC236}">
-                <a16:creationId xmlns="" xmlns:a16="http://schemas.microsoft.com/office/drawing/2014/main" id="{10421B65-D171-4EE8-A7C1-6F9B1A4DE11C}"/>
+                <a16:creationId xmlns:a16="http://schemas.microsoft.com/office/drawing/2014/main" xmlns="" id="{10421B65-D171-4EE8-A7C1-6F9B1A4DE11C}"/>
               </a:ext>
             </a:extLst>
           </p:cNvPr>
@@ -5310,7 +5566,7 @@
           <p:cNvPr id="131" name="타원 130">
             <a:extLst>
               <a:ext uri="{FF2B5EF4-FFF2-40B4-BE49-F238E27FC236}">
-                <a16:creationId xmlns="" xmlns:a16="http://schemas.microsoft.com/office/drawing/2014/main" id="{5F83F9E5-52FB-4808-9C34-197CE38E96AE}"/>
+                <a16:creationId xmlns:a16="http://schemas.microsoft.com/office/drawing/2014/main" xmlns="" id="{5F83F9E5-52FB-4808-9C34-197CE38E96AE}"/>
               </a:ext>
             </a:extLst>
           </p:cNvPr>
@@ -5374,7 +5630,7 @@
           <p:cNvPr id="132" name="타원 131">
             <a:extLst>
               <a:ext uri="{FF2B5EF4-FFF2-40B4-BE49-F238E27FC236}">
-                <a16:creationId xmlns="" xmlns:a16="http://schemas.microsoft.com/office/drawing/2014/main" id="{41F245C1-92AD-4CF7-8116-948BE87AA5B6}"/>
+                <a16:creationId xmlns:a16="http://schemas.microsoft.com/office/drawing/2014/main" xmlns="" id="{41F245C1-92AD-4CF7-8116-948BE87AA5B6}"/>
               </a:ext>
             </a:extLst>
           </p:cNvPr>
@@ -5438,7 +5694,7 @@
           <p:cNvPr id="134" name="타원 133">
             <a:extLst>
               <a:ext uri="{FF2B5EF4-FFF2-40B4-BE49-F238E27FC236}">
-                <a16:creationId xmlns="" xmlns:a16="http://schemas.microsoft.com/office/drawing/2014/main" id="{7110AE48-F3F2-439B-ADE3-190898A23765}"/>
+                <a16:creationId xmlns:a16="http://schemas.microsoft.com/office/drawing/2014/main" xmlns="" id="{7110AE48-F3F2-439B-ADE3-190898A23765}"/>
               </a:ext>
             </a:extLst>
           </p:cNvPr>
@@ -5502,7 +5758,7 @@
           <p:cNvPr id="136" name="직선 화살표 연결선 135">
             <a:extLst>
               <a:ext uri="{FF2B5EF4-FFF2-40B4-BE49-F238E27FC236}">
-                <a16:creationId xmlns="" xmlns:a16="http://schemas.microsoft.com/office/drawing/2014/main" id="{6B28761E-A6ED-418A-9384-3AEDDF0E8035}"/>
+                <a16:creationId xmlns:a16="http://schemas.microsoft.com/office/drawing/2014/main" xmlns="" id="{6B28761E-A6ED-418A-9384-3AEDDF0E8035}"/>
               </a:ext>
             </a:extLst>
           </p:cNvPr>
@@ -5547,7 +5803,7 @@
           <p:cNvPr id="157" name="타원 156">
             <a:extLst>
               <a:ext uri="{FF2B5EF4-FFF2-40B4-BE49-F238E27FC236}">
-                <a16:creationId xmlns="" xmlns:a16="http://schemas.microsoft.com/office/drawing/2014/main" id="{E2D3238C-CC38-4EA9-848F-B8073443BA43}"/>
+                <a16:creationId xmlns:a16="http://schemas.microsoft.com/office/drawing/2014/main" xmlns="" id="{E2D3238C-CC38-4EA9-848F-B8073443BA43}"/>
               </a:ext>
             </a:extLst>
           </p:cNvPr>
@@ -5611,7 +5867,7 @@
           <p:cNvPr id="158" name="타원 157">
             <a:extLst>
               <a:ext uri="{FF2B5EF4-FFF2-40B4-BE49-F238E27FC236}">
-                <a16:creationId xmlns="" xmlns:a16="http://schemas.microsoft.com/office/drawing/2014/main" id="{134F2EDF-DF55-410C-B63E-254D82DF66FB}"/>
+                <a16:creationId xmlns:a16="http://schemas.microsoft.com/office/drawing/2014/main" xmlns="" id="{134F2EDF-DF55-410C-B63E-254D82DF66FB}"/>
               </a:ext>
             </a:extLst>
           </p:cNvPr>
@@ -5675,7 +5931,7 @@
           <p:cNvPr id="171" name="그룹 170">
             <a:extLst>
               <a:ext uri="{FF2B5EF4-FFF2-40B4-BE49-F238E27FC236}">
-                <a16:creationId xmlns="" xmlns:a16="http://schemas.microsoft.com/office/drawing/2014/main" id="{365E04FF-332D-448A-AE7C-B0C7F5BB229E}"/>
+                <a16:creationId xmlns:a16="http://schemas.microsoft.com/office/drawing/2014/main" xmlns="" id="{365E04FF-332D-448A-AE7C-B0C7F5BB229E}"/>
               </a:ext>
             </a:extLst>
           </p:cNvPr>
@@ -5695,7 +5951,7 @@
             <p:cNvPr id="161" name="직선 화살표 연결선 160">
               <a:extLst>
                 <a:ext uri="{FF2B5EF4-FFF2-40B4-BE49-F238E27FC236}">
-                  <a16:creationId xmlns="" xmlns:a16="http://schemas.microsoft.com/office/drawing/2014/main" id="{3353C20F-317C-4897-9D26-E51FDE4CD3C6}"/>
+                  <a16:creationId xmlns:a16="http://schemas.microsoft.com/office/drawing/2014/main" xmlns="" id="{3353C20F-317C-4897-9D26-E51FDE4CD3C6}"/>
                 </a:ext>
               </a:extLst>
             </p:cNvPr>
@@ -5741,7 +5997,7 @@
             <p:cNvPr id="166" name="TextBox 165">
               <a:extLst>
                 <a:ext uri="{FF2B5EF4-FFF2-40B4-BE49-F238E27FC236}">
-                  <a16:creationId xmlns="" xmlns:a16="http://schemas.microsoft.com/office/drawing/2014/main" id="{F569DF29-EBD8-4606-BED5-287D91FB85A1}"/>
+                  <a16:creationId xmlns:a16="http://schemas.microsoft.com/office/drawing/2014/main" xmlns="" id="{F569DF29-EBD8-4606-BED5-287D91FB85A1}"/>
                 </a:ext>
               </a:extLst>
             </p:cNvPr>
@@ -5778,7 +6034,7 @@
             <p:cNvPr id="168" name="직선 화살표 연결선 167">
               <a:extLst>
                 <a:ext uri="{FF2B5EF4-FFF2-40B4-BE49-F238E27FC236}">
-                  <a16:creationId xmlns="" xmlns:a16="http://schemas.microsoft.com/office/drawing/2014/main" id="{E3342519-5CCB-40AA-81C2-C390DDF48A81}"/>
+                  <a16:creationId xmlns:a16="http://schemas.microsoft.com/office/drawing/2014/main" xmlns="" id="{E3342519-5CCB-40AA-81C2-C390DDF48A81}"/>
                 </a:ext>
               </a:extLst>
             </p:cNvPr>
@@ -5824,7 +6080,7 @@
             <p:cNvPr id="169" name="TextBox 168">
               <a:extLst>
                 <a:ext uri="{FF2B5EF4-FFF2-40B4-BE49-F238E27FC236}">
-                  <a16:creationId xmlns="" xmlns:a16="http://schemas.microsoft.com/office/drawing/2014/main" id="{092411D7-2EB1-421A-9BE1-7CBC71A2054A}"/>
+                  <a16:creationId xmlns:a16="http://schemas.microsoft.com/office/drawing/2014/main" xmlns="" id="{092411D7-2EB1-421A-9BE1-7CBC71A2054A}"/>
                 </a:ext>
               </a:extLst>
             </p:cNvPr>
@@ -5862,7 +6118,7 @@
           <p:cNvPr id="64" name="직선 화살표 연결선 63">
             <a:extLst>
               <a:ext uri="{FF2B5EF4-FFF2-40B4-BE49-F238E27FC236}">
-                <a16:creationId xmlns="" xmlns:a16="http://schemas.microsoft.com/office/drawing/2014/main" id="{6B28761E-A6ED-418A-9384-3AEDDF0E8035}"/>
+                <a16:creationId xmlns:a16="http://schemas.microsoft.com/office/drawing/2014/main" xmlns="" id="{6B28761E-A6ED-418A-9384-3AEDDF0E8035}"/>
               </a:ext>
             </a:extLst>
           </p:cNvPr>
@@ -5907,7 +6163,7 @@
           <p:cNvPr id="65" name="타원 64">
             <a:extLst>
               <a:ext uri="{FF2B5EF4-FFF2-40B4-BE49-F238E27FC236}">
-                <a16:creationId xmlns="" xmlns:a16="http://schemas.microsoft.com/office/drawing/2014/main" id="{41F245C1-92AD-4CF7-8116-948BE87AA5B6}"/>
+                <a16:creationId xmlns:a16="http://schemas.microsoft.com/office/drawing/2014/main" xmlns="" id="{41F245C1-92AD-4CF7-8116-948BE87AA5B6}"/>
               </a:ext>
             </a:extLst>
           </p:cNvPr>
@@ -6017,7 +6273,7 @@
           <p:cNvPr id="68" name="직선 화살표 연결선 67">
             <a:extLst>
               <a:ext uri="{FF2B5EF4-FFF2-40B4-BE49-F238E27FC236}">
-                <a16:creationId xmlns="" xmlns:a16="http://schemas.microsoft.com/office/drawing/2014/main" id="{86485563-F321-4DD1-B7CE-81A35D2E3FE5}"/>
+                <a16:creationId xmlns:a16="http://schemas.microsoft.com/office/drawing/2014/main" xmlns="" id="{86485563-F321-4DD1-B7CE-81A35D2E3FE5}"/>
               </a:ext>
             </a:extLst>
           </p:cNvPr>
@@ -6062,7 +6318,7 @@
           <p:cNvPr id="69" name="직선 화살표 연결선 68">
             <a:extLst>
               <a:ext uri="{FF2B5EF4-FFF2-40B4-BE49-F238E27FC236}">
-                <a16:creationId xmlns="" xmlns:a16="http://schemas.microsoft.com/office/drawing/2014/main" id="{86485563-F321-4DD1-B7CE-81A35D2E3FE5}"/>
+                <a16:creationId xmlns:a16="http://schemas.microsoft.com/office/drawing/2014/main" xmlns="" id="{86485563-F321-4DD1-B7CE-81A35D2E3FE5}"/>
               </a:ext>
             </a:extLst>
           </p:cNvPr>
@@ -6107,7 +6363,7 @@
           <p:cNvPr id="70" name="직선 화살표 연결선 69">
             <a:extLst>
               <a:ext uri="{FF2B5EF4-FFF2-40B4-BE49-F238E27FC236}">
-                <a16:creationId xmlns="" xmlns:a16="http://schemas.microsoft.com/office/drawing/2014/main" id="{86485563-F321-4DD1-B7CE-81A35D2E3FE5}"/>
+                <a16:creationId xmlns:a16="http://schemas.microsoft.com/office/drawing/2014/main" xmlns="" id="{86485563-F321-4DD1-B7CE-81A35D2E3FE5}"/>
               </a:ext>
             </a:extLst>
           </p:cNvPr>
@@ -6152,7 +6408,7 @@
           <p:cNvPr id="73" name="타원 72">
             <a:extLst>
               <a:ext uri="{FF2B5EF4-FFF2-40B4-BE49-F238E27FC236}">
-                <a16:creationId xmlns="" xmlns:a16="http://schemas.microsoft.com/office/drawing/2014/main" id="{7110AE48-F3F2-439B-ADE3-190898A23765}"/>
+                <a16:creationId xmlns:a16="http://schemas.microsoft.com/office/drawing/2014/main" xmlns="" id="{7110AE48-F3F2-439B-ADE3-190898A23765}"/>
               </a:ext>
             </a:extLst>
           </p:cNvPr>
@@ -6216,7 +6472,7 @@
           <p:cNvPr id="74" name="타원 73">
             <a:extLst>
               <a:ext uri="{FF2B5EF4-FFF2-40B4-BE49-F238E27FC236}">
-                <a16:creationId xmlns="" xmlns:a16="http://schemas.microsoft.com/office/drawing/2014/main" id="{41F245C1-92AD-4CF7-8116-948BE87AA5B6}"/>
+                <a16:creationId xmlns:a16="http://schemas.microsoft.com/office/drawing/2014/main" xmlns="" id="{41F245C1-92AD-4CF7-8116-948BE87AA5B6}"/>
               </a:ext>
             </a:extLst>
           </p:cNvPr>
@@ -6280,7 +6536,7 @@
           <p:cNvPr id="91" name="직선 화살표 연결선 90">
             <a:extLst>
               <a:ext uri="{FF2B5EF4-FFF2-40B4-BE49-F238E27FC236}">
-                <a16:creationId xmlns="" xmlns:a16="http://schemas.microsoft.com/office/drawing/2014/main" id="{10421B65-D171-4EE8-A7C1-6F9B1A4DE11C}"/>
+                <a16:creationId xmlns:a16="http://schemas.microsoft.com/office/drawing/2014/main" xmlns="" id="{10421B65-D171-4EE8-A7C1-6F9B1A4DE11C}"/>
               </a:ext>
             </a:extLst>
           </p:cNvPr>
@@ -6325,7 +6581,7 @@
           <p:cNvPr id="92" name="직선 화살표 연결선 91">
             <a:extLst>
               <a:ext uri="{FF2B5EF4-FFF2-40B4-BE49-F238E27FC236}">
-                <a16:creationId xmlns="" xmlns:a16="http://schemas.microsoft.com/office/drawing/2014/main" id="{10421B65-D171-4EE8-A7C1-6F9B1A4DE11C}"/>
+                <a16:creationId xmlns:a16="http://schemas.microsoft.com/office/drawing/2014/main" xmlns="" id="{10421B65-D171-4EE8-A7C1-6F9B1A4DE11C}"/>
               </a:ext>
             </a:extLst>
           </p:cNvPr>
@@ -6370,7 +6626,7 @@
           <p:cNvPr id="97" name="직선 화살표 연결선 96">
             <a:extLst>
               <a:ext uri="{FF2B5EF4-FFF2-40B4-BE49-F238E27FC236}">
-                <a16:creationId xmlns="" xmlns:a16="http://schemas.microsoft.com/office/drawing/2014/main" id="{10421B65-D171-4EE8-A7C1-6F9B1A4DE11C}"/>
+                <a16:creationId xmlns:a16="http://schemas.microsoft.com/office/drawing/2014/main" xmlns="" id="{10421B65-D171-4EE8-A7C1-6F9B1A4DE11C}"/>
               </a:ext>
             </a:extLst>
           </p:cNvPr>
@@ -6415,7 +6671,7 @@
           <p:cNvPr id="100" name="타원 99">
             <a:extLst>
               <a:ext uri="{FF2B5EF4-FFF2-40B4-BE49-F238E27FC236}">
-                <a16:creationId xmlns="" xmlns:a16="http://schemas.microsoft.com/office/drawing/2014/main" id="{059A2C3A-01C4-4EEC-B6C8-A026A244E886}"/>
+                <a16:creationId xmlns:a16="http://schemas.microsoft.com/office/drawing/2014/main" xmlns="" id="{059A2C3A-01C4-4EEC-B6C8-A026A244E886}"/>
               </a:ext>
             </a:extLst>
           </p:cNvPr>
@@ -6481,7 +6737,7 @@
           <p:cNvPr id="101" name="타원 100">
             <a:extLst>
               <a:ext uri="{FF2B5EF4-FFF2-40B4-BE49-F238E27FC236}">
-                <a16:creationId xmlns="" xmlns:a16="http://schemas.microsoft.com/office/drawing/2014/main" id="{059A2C3A-01C4-4EEC-B6C8-A026A244E886}"/>
+                <a16:creationId xmlns:a16="http://schemas.microsoft.com/office/drawing/2014/main" xmlns="" id="{059A2C3A-01C4-4EEC-B6C8-A026A244E886}"/>
               </a:ext>
             </a:extLst>
           </p:cNvPr>
@@ -6547,7 +6803,7 @@
           <p:cNvPr id="102" name="직선 화살표 연결선 101">
             <a:extLst>
               <a:ext uri="{FF2B5EF4-FFF2-40B4-BE49-F238E27FC236}">
-                <a16:creationId xmlns="" xmlns:a16="http://schemas.microsoft.com/office/drawing/2014/main" id="{10421B65-D171-4EE8-A7C1-6F9B1A4DE11C}"/>
+                <a16:creationId xmlns:a16="http://schemas.microsoft.com/office/drawing/2014/main" xmlns="" id="{10421B65-D171-4EE8-A7C1-6F9B1A4DE11C}"/>
               </a:ext>
             </a:extLst>
           </p:cNvPr>
@@ -6592,7 +6848,7 @@
           <p:cNvPr id="105" name="타원 104">
             <a:extLst>
               <a:ext uri="{FF2B5EF4-FFF2-40B4-BE49-F238E27FC236}">
-                <a16:creationId xmlns="" xmlns:a16="http://schemas.microsoft.com/office/drawing/2014/main" id="{059A2C3A-01C4-4EEC-B6C8-A026A244E886}"/>
+                <a16:creationId xmlns:a16="http://schemas.microsoft.com/office/drawing/2014/main" xmlns="" id="{059A2C3A-01C4-4EEC-B6C8-A026A244E886}"/>
               </a:ext>
             </a:extLst>
           </p:cNvPr>
@@ -6658,7 +6914,7 @@
           <p:cNvPr id="106" name="직선 화살표 연결선 105">
             <a:extLst>
               <a:ext uri="{FF2B5EF4-FFF2-40B4-BE49-F238E27FC236}">
-                <a16:creationId xmlns="" xmlns:a16="http://schemas.microsoft.com/office/drawing/2014/main" id="{10421B65-D171-4EE8-A7C1-6F9B1A4DE11C}"/>
+                <a16:creationId xmlns:a16="http://schemas.microsoft.com/office/drawing/2014/main" xmlns="" id="{10421B65-D171-4EE8-A7C1-6F9B1A4DE11C}"/>
               </a:ext>
             </a:extLst>
           </p:cNvPr>
@@ -6703,7 +6959,7 @@
           <p:cNvPr id="109" name="타원 108">
             <a:extLst>
               <a:ext uri="{FF2B5EF4-FFF2-40B4-BE49-F238E27FC236}">
-                <a16:creationId xmlns="" xmlns:a16="http://schemas.microsoft.com/office/drawing/2014/main" id="{059A2C3A-01C4-4EEC-B6C8-A026A244E886}"/>
+                <a16:creationId xmlns:a16="http://schemas.microsoft.com/office/drawing/2014/main" xmlns="" id="{059A2C3A-01C4-4EEC-B6C8-A026A244E886}"/>
               </a:ext>
             </a:extLst>
           </p:cNvPr>
@@ -6800,7 +7056,7 @@
           <p:cNvPr id="62" name="직선 화살표 연결선 61">
             <a:extLst>
               <a:ext uri="{FF2B5EF4-FFF2-40B4-BE49-F238E27FC236}">
-                <a16:creationId xmlns="" xmlns:a16="http://schemas.microsoft.com/office/drawing/2014/main" id="{10421B65-D171-4EE8-A7C1-6F9B1A4DE11C}"/>
+                <a16:creationId xmlns:a16="http://schemas.microsoft.com/office/drawing/2014/main" xmlns="" id="{10421B65-D171-4EE8-A7C1-6F9B1A4DE11C}"/>
               </a:ext>
             </a:extLst>
           </p:cNvPr>
@@ -6845,7 +7101,7 @@
           <p:cNvPr id="66" name="직선 화살표 연결선 65">
             <a:extLst>
               <a:ext uri="{FF2B5EF4-FFF2-40B4-BE49-F238E27FC236}">
-                <a16:creationId xmlns="" xmlns:a16="http://schemas.microsoft.com/office/drawing/2014/main" id="{10421B65-D171-4EE8-A7C1-6F9B1A4DE11C}"/>
+                <a16:creationId xmlns:a16="http://schemas.microsoft.com/office/drawing/2014/main" xmlns="" id="{10421B65-D171-4EE8-A7C1-6F9B1A4DE11C}"/>
               </a:ext>
             </a:extLst>
           </p:cNvPr>
@@ -6890,7 +7146,7 @@
           <p:cNvPr id="71" name="타원 70">
             <a:extLst>
               <a:ext uri="{FF2B5EF4-FFF2-40B4-BE49-F238E27FC236}">
-                <a16:creationId xmlns="" xmlns:a16="http://schemas.microsoft.com/office/drawing/2014/main" id="{059A2C3A-01C4-4EEC-B6C8-A026A244E886}"/>
+                <a16:creationId xmlns:a16="http://schemas.microsoft.com/office/drawing/2014/main" xmlns="" id="{059A2C3A-01C4-4EEC-B6C8-A026A244E886}"/>
               </a:ext>
             </a:extLst>
           </p:cNvPr>
@@ -6956,7 +7212,7 @@
           <p:cNvPr id="72" name="타원 71">
             <a:extLst>
               <a:ext uri="{FF2B5EF4-FFF2-40B4-BE49-F238E27FC236}">
-                <a16:creationId xmlns="" xmlns:a16="http://schemas.microsoft.com/office/drawing/2014/main" id="{059A2C3A-01C4-4EEC-B6C8-A026A244E886}"/>
+                <a16:creationId xmlns:a16="http://schemas.microsoft.com/office/drawing/2014/main" xmlns="" id="{059A2C3A-01C4-4EEC-B6C8-A026A244E886}"/>
               </a:ext>
             </a:extLst>
           </p:cNvPr>
@@ -7081,12 +7337,4611 @@
           </a:p>
         </p:txBody>
       </p:sp>
+      <p:sp>
+        <p:nvSpPr>
+          <p:cNvPr id="4" name="모서리가 둥근 직사각형 18">
+            <a:extLst>
+              <a:ext uri="{FF2B5EF4-FFF2-40B4-BE49-F238E27FC236}">
+                <a16:creationId xmlns="" xmlns:a16="http://schemas.microsoft.com/office/drawing/2014/main" id="{90910971-3F87-488C-9CD0-4E04E8DEA3B0}"/>
+              </a:ext>
+            </a:extLst>
+          </p:cNvPr>
+          <p:cNvSpPr/>
+          <p:nvPr/>
+        </p:nvSpPr>
+        <p:spPr>
+          <a:xfrm>
+            <a:off x="5148062" y="843558"/>
+            <a:ext cx="2448274" cy="1258374"/>
+          </a:xfrm>
+          <a:prstGeom prst="roundRect">
+            <a:avLst>
+              <a:gd name="adj" fmla="val 4853"/>
+            </a:avLst>
+          </a:prstGeom>
+        </p:spPr>
+        <p:style>
+          <a:lnRef idx="2">
+            <a:schemeClr val="dk1"/>
+          </a:lnRef>
+          <a:fillRef idx="1">
+            <a:schemeClr val="lt1"/>
+          </a:fillRef>
+          <a:effectRef idx="0">
+            <a:schemeClr val="dk1"/>
+          </a:effectRef>
+          <a:fontRef idx="minor">
+            <a:schemeClr val="dk1"/>
+          </a:fontRef>
+        </p:style>
+        <p:txBody>
+          <a:bodyPr rtlCol="0" anchor="t"/>
+          <a:lstStyle/>
+          <a:p>
+            <a:pPr algn="ctr"/>
+            <a:r>
+              <a:rPr lang="en-US" altLang="ko-KR" sz="1400" dirty="0"/>
+              <a:t>Node</a:t>
+            </a:r>
+            <a:endParaRPr lang="ko-KR" altLang="en-US" sz="1400" dirty="0"/>
+          </a:p>
+        </p:txBody>
+      </p:sp>
+      <p:sp>
+        <p:nvSpPr>
+          <p:cNvPr id="6" name="모서리가 둥근 직사각형 18">
+            <a:extLst>
+              <a:ext uri="{FF2B5EF4-FFF2-40B4-BE49-F238E27FC236}">
+                <a16:creationId xmlns="" xmlns:a16="http://schemas.microsoft.com/office/drawing/2014/main" id="{F5302ADF-D203-4131-A3B2-4F84C5314C62}"/>
+              </a:ext>
+            </a:extLst>
+          </p:cNvPr>
+          <p:cNvSpPr/>
+          <p:nvPr/>
+        </p:nvSpPr>
+        <p:spPr>
+          <a:xfrm>
+            <a:off x="5254831" y="1177176"/>
+            <a:ext cx="2234738" cy="818510"/>
+          </a:xfrm>
+          <a:prstGeom prst="roundRect">
+            <a:avLst>
+              <a:gd name="adj" fmla="val 9948"/>
+            </a:avLst>
+          </a:prstGeom>
+        </p:spPr>
+        <p:style>
+          <a:lnRef idx="2">
+            <a:schemeClr val="dk1"/>
+          </a:lnRef>
+          <a:fillRef idx="1">
+            <a:schemeClr val="lt1"/>
+          </a:fillRef>
+          <a:effectRef idx="0">
+            <a:schemeClr val="dk1"/>
+          </a:effectRef>
+          <a:fontRef idx="minor">
+            <a:schemeClr val="dk1"/>
+          </a:fontRef>
+        </p:style>
+        <p:txBody>
+          <a:bodyPr rtlCol="0" anchor="t"/>
+          <a:lstStyle/>
+          <a:p>
+            <a:pPr algn="ctr"/>
+            <a:r>
+              <a:rPr lang="en-US" altLang="ko-KR" sz="1400" dirty="0"/>
+              <a:t>Resource Manager</a:t>
+            </a:r>
+            <a:endParaRPr lang="ko-KR" altLang="en-US" sz="1400" dirty="0"/>
+          </a:p>
+        </p:txBody>
+      </p:sp>
+      <p:sp>
+        <p:nvSpPr>
+          <p:cNvPr id="30" name="타원 29">
+            <a:extLst>
+              <a:ext uri="{FF2B5EF4-FFF2-40B4-BE49-F238E27FC236}">
+                <a16:creationId xmlns="" xmlns:a16="http://schemas.microsoft.com/office/drawing/2014/main" id="{0006BDA6-9444-4FFD-B5BD-EED6E274CFFA}"/>
+              </a:ext>
+            </a:extLst>
+          </p:cNvPr>
+          <p:cNvSpPr/>
+          <p:nvPr/>
+        </p:nvSpPr>
+        <p:spPr>
+          <a:xfrm>
+            <a:off x="3641078" y="1298636"/>
+            <a:ext cx="930922" cy="576064"/>
+          </a:xfrm>
+          <a:prstGeom prst="ellipse">
+            <a:avLst/>
+          </a:prstGeom>
+        </p:spPr>
+        <p:style>
+          <a:lnRef idx="2">
+            <a:schemeClr val="dk1"/>
+          </a:lnRef>
+          <a:fillRef idx="1">
+            <a:schemeClr val="lt1"/>
+          </a:fillRef>
+          <a:effectRef idx="0">
+            <a:schemeClr val="dk1"/>
+          </a:effectRef>
+          <a:fontRef idx="minor">
+            <a:schemeClr val="dk1"/>
+          </a:fontRef>
+        </p:style>
+        <p:txBody>
+          <a:bodyPr rtlCol="0" anchor="ctr"/>
+          <a:lstStyle/>
+          <a:p>
+            <a:pPr algn="ctr"/>
+            <a:r>
+              <a:rPr lang="en-US" altLang="ko-KR" sz="1400"/>
+              <a:t>Client</a:t>
+            </a:r>
+            <a:endParaRPr lang="ko-KR" altLang="en-US" sz="1400"/>
+          </a:p>
+        </p:txBody>
+      </p:sp>
+      <p:sp>
+        <p:nvSpPr>
+          <p:cNvPr id="25" name="모서리가 둥근 직사각형 18">
+            <a:extLst>
+              <a:ext uri="{FF2B5EF4-FFF2-40B4-BE49-F238E27FC236}">
+                <a16:creationId xmlns="" xmlns:a16="http://schemas.microsoft.com/office/drawing/2014/main" id="{6AEE18CE-E129-4D51-AA94-179034642DC8}"/>
+              </a:ext>
+            </a:extLst>
+          </p:cNvPr>
+          <p:cNvSpPr/>
+          <p:nvPr/>
+        </p:nvSpPr>
+        <p:spPr>
+          <a:xfrm>
+            <a:off x="5740640" y="2499742"/>
+            <a:ext cx="1855696" cy="2088232"/>
+          </a:xfrm>
+          <a:prstGeom prst="roundRect">
+            <a:avLst>
+              <a:gd name="adj" fmla="val 4069"/>
+            </a:avLst>
+          </a:prstGeom>
+        </p:spPr>
+        <p:style>
+          <a:lnRef idx="2">
+            <a:schemeClr val="dk1"/>
+          </a:lnRef>
+          <a:fillRef idx="1">
+            <a:schemeClr val="lt1"/>
+          </a:fillRef>
+          <a:effectRef idx="0">
+            <a:schemeClr val="dk1"/>
+          </a:effectRef>
+          <a:fontRef idx="minor">
+            <a:schemeClr val="dk1"/>
+          </a:fontRef>
+        </p:style>
+        <p:txBody>
+          <a:bodyPr rtlCol="0" anchor="b"/>
+          <a:lstStyle/>
+          <a:p>
+            <a:pPr algn="ctr"/>
+            <a:r>
+              <a:rPr lang="en-US" altLang="ko-KR" sz="1400" dirty="0"/>
+              <a:t>Node</a:t>
+            </a:r>
+            <a:endParaRPr lang="ko-KR" altLang="en-US" sz="1400" dirty="0"/>
+          </a:p>
+        </p:txBody>
+      </p:sp>
+      <p:sp>
+        <p:nvSpPr>
+          <p:cNvPr id="26" name="모서리가 둥근 직사각형 18">
+            <a:extLst>
+              <a:ext uri="{FF2B5EF4-FFF2-40B4-BE49-F238E27FC236}">
+                <a16:creationId xmlns="" xmlns:a16="http://schemas.microsoft.com/office/drawing/2014/main" id="{D48DB822-70CE-4692-84EA-0B6DB2416FCB}"/>
+              </a:ext>
+            </a:extLst>
+          </p:cNvPr>
+          <p:cNvSpPr/>
+          <p:nvPr/>
+        </p:nvSpPr>
+        <p:spPr>
+          <a:xfrm>
+            <a:off x="5868144" y="2614870"/>
+            <a:ext cx="1584176" cy="400214"/>
+          </a:xfrm>
+          <a:prstGeom prst="roundRect">
+            <a:avLst>
+              <a:gd name="adj" fmla="val 14647"/>
+            </a:avLst>
+          </a:prstGeom>
+        </p:spPr>
+        <p:style>
+          <a:lnRef idx="2">
+            <a:schemeClr val="dk1"/>
+          </a:lnRef>
+          <a:fillRef idx="1">
+            <a:schemeClr val="lt1"/>
+          </a:fillRef>
+          <a:effectRef idx="0">
+            <a:schemeClr val="dk1"/>
+          </a:effectRef>
+          <a:fontRef idx="minor">
+            <a:schemeClr val="dk1"/>
+          </a:fontRef>
+        </p:style>
+        <p:txBody>
+          <a:bodyPr rtlCol="0" anchor="ctr"/>
+          <a:lstStyle/>
+          <a:p>
+            <a:pPr algn="ctr"/>
+            <a:r>
+              <a:rPr lang="en-US" altLang="ko-KR" sz="1400" dirty="0"/>
+              <a:t>Node Manager</a:t>
+            </a:r>
+            <a:endParaRPr lang="ko-KR" altLang="en-US" sz="1400" dirty="0"/>
+          </a:p>
+        </p:txBody>
+      </p:sp>
+      <p:sp>
+        <p:nvSpPr>
+          <p:cNvPr id="35" name="모서리가 둥근 직사각형 18">
+            <a:extLst>
+              <a:ext uri="{FF2B5EF4-FFF2-40B4-BE49-F238E27FC236}">
+                <a16:creationId xmlns="" xmlns:a16="http://schemas.microsoft.com/office/drawing/2014/main" id="{C82D4484-29CF-4C5C-94F6-3E611E578082}"/>
+              </a:ext>
+            </a:extLst>
+          </p:cNvPr>
+          <p:cNvSpPr/>
+          <p:nvPr/>
+        </p:nvSpPr>
+        <p:spPr>
+          <a:xfrm>
+            <a:off x="3678461" y="2499742"/>
+            <a:ext cx="1855696" cy="2088232"/>
+          </a:xfrm>
+          <a:prstGeom prst="roundRect">
+            <a:avLst>
+              <a:gd name="adj" fmla="val 4069"/>
+            </a:avLst>
+          </a:prstGeom>
+        </p:spPr>
+        <p:style>
+          <a:lnRef idx="2">
+            <a:schemeClr val="dk1"/>
+          </a:lnRef>
+          <a:fillRef idx="1">
+            <a:schemeClr val="lt1"/>
+          </a:fillRef>
+          <a:effectRef idx="0">
+            <a:schemeClr val="dk1"/>
+          </a:effectRef>
+          <a:fontRef idx="minor">
+            <a:schemeClr val="dk1"/>
+          </a:fontRef>
+        </p:style>
+        <p:txBody>
+          <a:bodyPr rtlCol="0" anchor="b"/>
+          <a:lstStyle/>
+          <a:p>
+            <a:pPr algn="ctr"/>
+            <a:r>
+              <a:rPr lang="en-US" altLang="ko-KR" sz="1400"/>
+              <a:t>Node</a:t>
+            </a:r>
+            <a:endParaRPr lang="ko-KR" altLang="en-US" sz="1400" dirty="0"/>
+          </a:p>
+        </p:txBody>
+      </p:sp>
+      <p:sp>
+        <p:nvSpPr>
+          <p:cNvPr id="36" name="모서리가 둥근 직사각형 18">
+            <a:extLst>
+              <a:ext uri="{FF2B5EF4-FFF2-40B4-BE49-F238E27FC236}">
+                <a16:creationId xmlns="" xmlns:a16="http://schemas.microsoft.com/office/drawing/2014/main" id="{49DD9DEF-515F-4613-B0A2-804648D3051B}"/>
+              </a:ext>
+            </a:extLst>
+          </p:cNvPr>
+          <p:cNvSpPr/>
+          <p:nvPr/>
+        </p:nvSpPr>
+        <p:spPr>
+          <a:xfrm>
+            <a:off x="3805965" y="2614870"/>
+            <a:ext cx="1584176" cy="400214"/>
+          </a:xfrm>
+          <a:prstGeom prst="roundRect">
+            <a:avLst>
+              <a:gd name="adj" fmla="val 16762"/>
+            </a:avLst>
+          </a:prstGeom>
+        </p:spPr>
+        <p:style>
+          <a:lnRef idx="2">
+            <a:schemeClr val="dk1"/>
+          </a:lnRef>
+          <a:fillRef idx="1">
+            <a:schemeClr val="lt1"/>
+          </a:fillRef>
+          <a:effectRef idx="0">
+            <a:schemeClr val="dk1"/>
+          </a:effectRef>
+          <a:fontRef idx="minor">
+            <a:schemeClr val="dk1"/>
+          </a:fontRef>
+        </p:style>
+        <p:txBody>
+          <a:bodyPr rtlCol="0" anchor="ctr"/>
+          <a:lstStyle/>
+          <a:p>
+            <a:pPr algn="ctr"/>
+            <a:r>
+              <a:rPr lang="en-US" altLang="ko-KR" sz="1400"/>
+              <a:t>Node Manager</a:t>
+            </a:r>
+            <a:endParaRPr lang="ko-KR" altLang="en-US" sz="1400" dirty="0"/>
+          </a:p>
+        </p:txBody>
+      </p:sp>
+      <p:sp>
+        <p:nvSpPr>
+          <p:cNvPr id="40" name="모서리가 둥근 직사각형 18">
+            <a:extLst>
+              <a:ext uri="{FF2B5EF4-FFF2-40B4-BE49-F238E27FC236}">
+                <a16:creationId xmlns="" xmlns:a16="http://schemas.microsoft.com/office/drawing/2014/main" id="{8BCD1206-46E7-48C1-8D0E-79201C2239CB}"/>
+              </a:ext>
+            </a:extLst>
+          </p:cNvPr>
+          <p:cNvSpPr/>
+          <p:nvPr/>
+        </p:nvSpPr>
+        <p:spPr>
+          <a:xfrm>
+            <a:off x="1619672" y="2499742"/>
+            <a:ext cx="1855696" cy="2088232"/>
+          </a:xfrm>
+          <a:prstGeom prst="roundRect">
+            <a:avLst>
+              <a:gd name="adj" fmla="val 4069"/>
+            </a:avLst>
+          </a:prstGeom>
+        </p:spPr>
+        <p:style>
+          <a:lnRef idx="2">
+            <a:schemeClr val="dk1"/>
+          </a:lnRef>
+          <a:fillRef idx="1">
+            <a:schemeClr val="lt1"/>
+          </a:fillRef>
+          <a:effectRef idx="0">
+            <a:schemeClr val="dk1"/>
+          </a:effectRef>
+          <a:fontRef idx="minor">
+            <a:schemeClr val="dk1"/>
+          </a:fontRef>
+        </p:style>
+        <p:txBody>
+          <a:bodyPr rtlCol="0" anchor="b"/>
+          <a:lstStyle/>
+          <a:p>
+            <a:pPr algn="ctr"/>
+            <a:r>
+              <a:rPr lang="en-US" altLang="ko-KR" sz="1400" dirty="0"/>
+              <a:t>Node</a:t>
+            </a:r>
+            <a:endParaRPr lang="ko-KR" altLang="en-US" sz="1400" dirty="0"/>
+          </a:p>
+        </p:txBody>
+      </p:sp>
+      <p:sp>
+        <p:nvSpPr>
+          <p:cNvPr id="41" name="모서리가 둥근 직사각형 18">
+            <a:extLst>
+              <a:ext uri="{FF2B5EF4-FFF2-40B4-BE49-F238E27FC236}">
+                <a16:creationId xmlns="" xmlns:a16="http://schemas.microsoft.com/office/drawing/2014/main" id="{8385447B-8931-4CDC-A0D2-091BF7CB022F}"/>
+              </a:ext>
+            </a:extLst>
+          </p:cNvPr>
+          <p:cNvSpPr/>
+          <p:nvPr/>
+        </p:nvSpPr>
+        <p:spPr>
+          <a:xfrm>
+            <a:off x="1747176" y="2614870"/>
+            <a:ext cx="1584176" cy="400214"/>
+          </a:xfrm>
+          <a:prstGeom prst="roundRect">
+            <a:avLst>
+              <a:gd name="adj" fmla="val 12531"/>
+            </a:avLst>
+          </a:prstGeom>
+        </p:spPr>
+        <p:style>
+          <a:lnRef idx="2">
+            <a:schemeClr val="dk1"/>
+          </a:lnRef>
+          <a:fillRef idx="1">
+            <a:schemeClr val="lt1"/>
+          </a:fillRef>
+          <a:effectRef idx="0">
+            <a:schemeClr val="dk1"/>
+          </a:effectRef>
+          <a:fontRef idx="minor">
+            <a:schemeClr val="dk1"/>
+          </a:fontRef>
+        </p:style>
+        <p:txBody>
+          <a:bodyPr rtlCol="0" anchor="ctr"/>
+          <a:lstStyle/>
+          <a:p>
+            <a:pPr algn="ctr"/>
+            <a:r>
+              <a:rPr lang="en-US" altLang="ko-KR" sz="1400"/>
+              <a:t>Node Manager</a:t>
+            </a:r>
+            <a:endParaRPr lang="ko-KR" altLang="en-US" sz="1400" dirty="0"/>
+          </a:p>
+        </p:txBody>
+      </p:sp>
+      <p:sp>
+        <p:nvSpPr>
+          <p:cNvPr id="71" name="모서리가 둥근 직사각형 18">
+            <a:extLst>
+              <a:ext uri="{FF2B5EF4-FFF2-40B4-BE49-F238E27FC236}">
+                <a16:creationId xmlns="" xmlns:a16="http://schemas.microsoft.com/office/drawing/2014/main" id="{8385447B-8931-4CDC-A0D2-091BF7CB022F}"/>
+              </a:ext>
+            </a:extLst>
+          </p:cNvPr>
+          <p:cNvSpPr/>
+          <p:nvPr/>
+        </p:nvSpPr>
+        <p:spPr>
+          <a:xfrm>
+            <a:off x="1871700" y="3219822"/>
+            <a:ext cx="1335128" cy="432048"/>
+          </a:xfrm>
+          <a:prstGeom prst="roundRect">
+            <a:avLst>
+              <a:gd name="adj" fmla="val 12531"/>
+            </a:avLst>
+          </a:prstGeom>
+          <a:solidFill>
+            <a:schemeClr val="accent3">
+              <a:lumMod val="40000"/>
+              <a:lumOff val="60000"/>
+            </a:schemeClr>
+          </a:solidFill>
+        </p:spPr>
+        <p:style>
+          <a:lnRef idx="2">
+            <a:schemeClr val="dk1"/>
+          </a:lnRef>
+          <a:fillRef idx="1">
+            <a:schemeClr val="lt1"/>
+          </a:fillRef>
+          <a:effectRef idx="0">
+            <a:schemeClr val="dk1"/>
+          </a:effectRef>
+          <a:fontRef idx="minor">
+            <a:schemeClr val="dk1"/>
+          </a:fontRef>
+        </p:style>
+        <p:txBody>
+          <a:bodyPr rtlCol="0" anchor="ctr"/>
+          <a:lstStyle/>
+          <a:p>
+            <a:pPr algn="ctr"/>
+            <a:r>
+              <a:rPr lang="en-US" altLang="ko-KR" sz="1100" dirty="0" smtClean="0"/>
+              <a:t>Container –</a:t>
+            </a:r>
+          </a:p>
+          <a:p>
+            <a:pPr algn="ctr"/>
+            <a:r>
+              <a:rPr lang="en-US" altLang="ko-KR" sz="1100" dirty="0" smtClean="0"/>
+              <a:t>App A</a:t>
+            </a:r>
+            <a:endParaRPr lang="ko-KR" altLang="en-US" sz="1100" dirty="0"/>
+          </a:p>
+        </p:txBody>
+      </p:sp>
+      <p:sp>
+        <p:nvSpPr>
+          <p:cNvPr id="58" name="모서리가 둥근 직사각형 18">
+            <a:extLst>
+              <a:ext uri="{FF2B5EF4-FFF2-40B4-BE49-F238E27FC236}">
+                <a16:creationId xmlns="" xmlns:a16="http://schemas.microsoft.com/office/drawing/2014/main" id="{D48DB822-70CE-4692-84EA-0B6DB2416FCB}"/>
+              </a:ext>
+            </a:extLst>
+          </p:cNvPr>
+          <p:cNvSpPr/>
+          <p:nvPr/>
+        </p:nvSpPr>
+        <p:spPr>
+          <a:xfrm>
+            <a:off x="6372198" y="1523464"/>
+            <a:ext cx="1008111" cy="400214"/>
+          </a:xfrm>
+          <a:prstGeom prst="roundRect">
+            <a:avLst>
+              <a:gd name="adj" fmla="val 14647"/>
+            </a:avLst>
+          </a:prstGeom>
+        </p:spPr>
+        <p:style>
+          <a:lnRef idx="2">
+            <a:schemeClr val="dk1"/>
+          </a:lnRef>
+          <a:fillRef idx="1">
+            <a:schemeClr val="lt1"/>
+          </a:fillRef>
+          <a:effectRef idx="0">
+            <a:schemeClr val="dk1"/>
+          </a:effectRef>
+          <a:fontRef idx="minor">
+            <a:schemeClr val="dk1"/>
+          </a:fontRef>
+        </p:style>
+        <p:txBody>
+          <a:bodyPr rtlCol="0" anchor="ctr"/>
+          <a:lstStyle/>
+          <a:p>
+            <a:pPr algn="ctr"/>
+            <a:r>
+              <a:rPr lang="en-US" altLang="ko-KR" sz="1200" dirty="0" smtClean="0"/>
+              <a:t>Application Manager</a:t>
+            </a:r>
+            <a:endParaRPr lang="ko-KR" altLang="en-US" sz="1200" dirty="0"/>
+          </a:p>
+        </p:txBody>
+      </p:sp>
+      <p:sp>
+        <p:nvSpPr>
+          <p:cNvPr id="70" name="모서리가 둥근 직사각형 18">
+            <a:extLst>
+              <a:ext uri="{FF2B5EF4-FFF2-40B4-BE49-F238E27FC236}">
+                <a16:creationId xmlns="" xmlns:a16="http://schemas.microsoft.com/office/drawing/2014/main" id="{D48DB822-70CE-4692-84EA-0B6DB2416FCB}"/>
+              </a:ext>
+            </a:extLst>
+          </p:cNvPr>
+          <p:cNvSpPr/>
+          <p:nvPr/>
+        </p:nvSpPr>
+        <p:spPr>
+          <a:xfrm>
+            <a:off x="5364089" y="1523464"/>
+            <a:ext cx="1008111" cy="400214"/>
+          </a:xfrm>
+          <a:prstGeom prst="roundRect">
+            <a:avLst>
+              <a:gd name="adj" fmla="val 14647"/>
+            </a:avLst>
+          </a:prstGeom>
+        </p:spPr>
+        <p:style>
+          <a:lnRef idx="2">
+            <a:schemeClr val="dk1"/>
+          </a:lnRef>
+          <a:fillRef idx="1">
+            <a:schemeClr val="lt1"/>
+          </a:fillRef>
+          <a:effectRef idx="0">
+            <a:schemeClr val="dk1"/>
+          </a:effectRef>
+          <a:fontRef idx="minor">
+            <a:schemeClr val="dk1"/>
+          </a:fontRef>
+        </p:style>
+        <p:txBody>
+          <a:bodyPr rtlCol="0" anchor="ctr"/>
+          <a:lstStyle/>
+          <a:p>
+            <a:pPr algn="ctr"/>
+            <a:r>
+              <a:rPr lang="en-US" altLang="ko-KR" sz="1200" dirty="0" smtClean="0"/>
+              <a:t>Scheduler</a:t>
+            </a:r>
+            <a:endParaRPr lang="ko-KR" altLang="en-US" sz="1200" dirty="0"/>
+          </a:p>
+        </p:txBody>
+      </p:sp>
+      <p:cxnSp>
+        <p:nvCxnSpPr>
+          <p:cNvPr id="45" name="직선 화살표 연결선 44">
+            <a:extLst>
+              <a:ext uri="{FF2B5EF4-FFF2-40B4-BE49-F238E27FC236}">
+                <a16:creationId xmlns:a16="http://schemas.microsoft.com/office/drawing/2014/main" xmlns="" id="{63CD95EA-9302-411A-9FCB-C8FDCBFA495D}"/>
+              </a:ext>
+            </a:extLst>
+          </p:cNvPr>
+          <p:cNvCxnSpPr>
+            <a:cxnSpLocks/>
+          </p:cNvCxnSpPr>
+          <p:nvPr/>
+        </p:nvCxnSpPr>
+        <p:spPr>
+          <a:xfrm flipV="1">
+            <a:off x="2539264" y="1995686"/>
+            <a:ext cx="3839420" cy="619184"/>
+          </a:xfrm>
+          <a:prstGeom prst="straightConnector1">
+            <a:avLst/>
+          </a:prstGeom>
+          <a:ln w="28575">
+            <a:solidFill>
+              <a:srgbClr val="C00000"/>
+            </a:solidFill>
+            <a:headEnd type="none" w="med" len="med"/>
+            <a:tailEnd type="arrow" w="med" len="med"/>
+          </a:ln>
+        </p:spPr>
+        <p:style>
+          <a:lnRef idx="1">
+            <a:schemeClr val="accent1"/>
+          </a:lnRef>
+          <a:fillRef idx="0">
+            <a:schemeClr val="accent1"/>
+          </a:fillRef>
+          <a:effectRef idx="0">
+            <a:schemeClr val="accent1"/>
+          </a:effectRef>
+          <a:fontRef idx="minor">
+            <a:schemeClr val="tx1"/>
+          </a:fontRef>
+        </p:style>
+      </p:cxnSp>
+      <p:cxnSp>
+        <p:nvCxnSpPr>
+          <p:cNvPr id="48" name="직선 화살표 연결선 47">
+            <a:extLst>
+              <a:ext uri="{FF2B5EF4-FFF2-40B4-BE49-F238E27FC236}">
+                <a16:creationId xmlns:a16="http://schemas.microsoft.com/office/drawing/2014/main" xmlns="" id="{A9100779-8D7F-447C-B48B-26391BE18849}"/>
+              </a:ext>
+            </a:extLst>
+          </p:cNvPr>
+          <p:cNvCxnSpPr>
+            <a:cxnSpLocks/>
+          </p:cNvCxnSpPr>
+          <p:nvPr/>
+        </p:nvCxnSpPr>
+        <p:spPr>
+          <a:xfrm flipV="1">
+            <a:off x="4598053" y="1995686"/>
+            <a:ext cx="1780631" cy="619184"/>
+          </a:xfrm>
+          <a:prstGeom prst="straightConnector1">
+            <a:avLst/>
+          </a:prstGeom>
+          <a:ln w="28575">
+            <a:solidFill>
+              <a:srgbClr val="C00000"/>
+            </a:solidFill>
+            <a:headEnd type="none" w="med" len="med"/>
+            <a:tailEnd type="arrow" w="med" len="med"/>
+          </a:ln>
+        </p:spPr>
+        <p:style>
+          <a:lnRef idx="1">
+            <a:schemeClr val="accent1"/>
+          </a:lnRef>
+          <a:fillRef idx="0">
+            <a:schemeClr val="accent1"/>
+          </a:fillRef>
+          <a:effectRef idx="0">
+            <a:schemeClr val="accent1"/>
+          </a:effectRef>
+          <a:fontRef idx="minor">
+            <a:schemeClr val="tx1"/>
+          </a:fontRef>
+        </p:style>
+      </p:cxnSp>
+      <p:cxnSp>
+        <p:nvCxnSpPr>
+          <p:cNvPr id="49" name="직선 화살표 연결선 48">
+            <a:extLst>
+              <a:ext uri="{FF2B5EF4-FFF2-40B4-BE49-F238E27FC236}">
+                <a16:creationId xmlns:a16="http://schemas.microsoft.com/office/drawing/2014/main" xmlns="" id="{3933F28B-AC51-417E-BC5B-2AD39C7EFC81}"/>
+              </a:ext>
+            </a:extLst>
+          </p:cNvPr>
+          <p:cNvCxnSpPr>
+            <a:cxnSpLocks/>
+          </p:cNvCxnSpPr>
+          <p:nvPr/>
+        </p:nvCxnSpPr>
+        <p:spPr>
+          <a:xfrm flipH="1" flipV="1">
+            <a:off x="6378684" y="1995686"/>
+            <a:ext cx="281548" cy="619184"/>
+          </a:xfrm>
+          <a:prstGeom prst="straightConnector1">
+            <a:avLst/>
+          </a:prstGeom>
+          <a:ln w="28575">
+            <a:solidFill>
+              <a:srgbClr val="C00000"/>
+            </a:solidFill>
+            <a:headEnd type="none" w="med" len="med"/>
+            <a:tailEnd type="arrow" w="med" len="med"/>
+          </a:ln>
+        </p:spPr>
+        <p:style>
+          <a:lnRef idx="1">
+            <a:schemeClr val="accent1"/>
+          </a:lnRef>
+          <a:fillRef idx="0">
+            <a:schemeClr val="accent1"/>
+          </a:fillRef>
+          <a:effectRef idx="0">
+            <a:schemeClr val="accent1"/>
+          </a:effectRef>
+          <a:fontRef idx="minor">
+            <a:schemeClr val="tx1"/>
+          </a:fontRef>
+        </p:style>
+      </p:cxnSp>
+      <p:cxnSp>
+        <p:nvCxnSpPr>
+          <p:cNvPr id="50" name="직선 화살표 연결선 49">
+            <a:extLst>
+              <a:ext uri="{FF2B5EF4-FFF2-40B4-BE49-F238E27FC236}">
+                <a16:creationId xmlns:a16="http://schemas.microsoft.com/office/drawing/2014/main" xmlns="" id="{6AA93637-C65C-4B5A-8B53-8E544BBE6A7F}"/>
+              </a:ext>
+            </a:extLst>
+          </p:cNvPr>
+          <p:cNvCxnSpPr>
+            <a:cxnSpLocks/>
+            <a:stCxn id="71" idx="3"/>
+            <a:endCxn id="76" idx="1"/>
+          </p:cNvCxnSpPr>
+          <p:nvPr/>
+        </p:nvCxnSpPr>
+        <p:spPr>
+          <a:xfrm>
+            <a:off x="3206828" y="3435846"/>
+            <a:ext cx="731917" cy="0"/>
+          </a:xfrm>
+          <a:prstGeom prst="straightConnector1">
+            <a:avLst/>
+          </a:prstGeom>
+          <a:ln w="28575">
+            <a:solidFill>
+              <a:schemeClr val="tx2"/>
+            </a:solidFill>
+            <a:headEnd type="none" w="med" len="med"/>
+            <a:tailEnd type="arrow" w="med" len="med"/>
+          </a:ln>
+        </p:spPr>
+        <p:style>
+          <a:lnRef idx="1">
+            <a:schemeClr val="accent1"/>
+          </a:lnRef>
+          <a:fillRef idx="0">
+            <a:schemeClr val="accent1"/>
+          </a:fillRef>
+          <a:effectRef idx="0">
+            <a:schemeClr val="accent1"/>
+          </a:effectRef>
+          <a:fontRef idx="minor">
+            <a:schemeClr val="tx1"/>
+          </a:fontRef>
+        </p:style>
+      </p:cxnSp>
+      <p:cxnSp>
+        <p:nvCxnSpPr>
+          <p:cNvPr id="51" name="직선 화살표 연결선 50">
+            <a:extLst>
+              <a:ext uri="{FF2B5EF4-FFF2-40B4-BE49-F238E27FC236}">
+                <a16:creationId xmlns:a16="http://schemas.microsoft.com/office/drawing/2014/main" xmlns="" id="{3A100D49-C29F-4AB6-B28A-334EF96F16AF}"/>
+              </a:ext>
+            </a:extLst>
+          </p:cNvPr>
+          <p:cNvCxnSpPr>
+            <a:cxnSpLocks/>
+            <a:stCxn id="74" idx="3"/>
+            <a:endCxn id="76" idx="1"/>
+          </p:cNvCxnSpPr>
+          <p:nvPr/>
+        </p:nvCxnSpPr>
+        <p:spPr>
+          <a:xfrm flipV="1">
+            <a:off x="3206828" y="3435846"/>
+            <a:ext cx="731917" cy="540060"/>
+          </a:xfrm>
+          <a:prstGeom prst="straightConnector1">
+            <a:avLst/>
+          </a:prstGeom>
+          <a:ln w="28575">
+            <a:solidFill>
+              <a:schemeClr val="tx2"/>
+            </a:solidFill>
+            <a:headEnd type="none" w="med" len="med"/>
+            <a:tailEnd type="arrow" w="med" len="med"/>
+          </a:ln>
+        </p:spPr>
+        <p:style>
+          <a:lnRef idx="1">
+            <a:schemeClr val="accent1"/>
+          </a:lnRef>
+          <a:fillRef idx="0">
+            <a:schemeClr val="accent1"/>
+          </a:fillRef>
+          <a:effectRef idx="0">
+            <a:schemeClr val="accent1"/>
+          </a:effectRef>
+          <a:fontRef idx="minor">
+            <a:schemeClr val="tx1"/>
+          </a:fontRef>
+        </p:style>
+      </p:cxnSp>
+      <p:cxnSp>
+        <p:nvCxnSpPr>
+          <p:cNvPr id="53" name="직선 화살표 연결선 52">
+            <a:extLst>
+              <a:ext uri="{FF2B5EF4-FFF2-40B4-BE49-F238E27FC236}">
+                <a16:creationId xmlns:a16="http://schemas.microsoft.com/office/drawing/2014/main" xmlns="" id="{4DEC1018-A708-4DC7-B2AD-00ABDB42B1D6}"/>
+              </a:ext>
+            </a:extLst>
+          </p:cNvPr>
+          <p:cNvCxnSpPr>
+            <a:cxnSpLocks/>
+            <a:endCxn id="78" idx="1"/>
+          </p:cNvCxnSpPr>
+          <p:nvPr/>
+        </p:nvCxnSpPr>
+        <p:spPr>
+          <a:xfrm>
+            <a:off x="5273873" y="3975906"/>
+            <a:ext cx="718795" cy="0"/>
+          </a:xfrm>
+          <a:prstGeom prst="straightConnector1">
+            <a:avLst/>
+          </a:prstGeom>
+          <a:ln w="28575">
+            <a:solidFill>
+              <a:schemeClr val="tx2"/>
+            </a:solidFill>
+            <a:headEnd type="none" w="med" len="med"/>
+            <a:tailEnd type="arrow" w="med" len="med"/>
+          </a:ln>
+        </p:spPr>
+        <p:style>
+          <a:lnRef idx="1">
+            <a:schemeClr val="accent1"/>
+          </a:lnRef>
+          <a:fillRef idx="0">
+            <a:schemeClr val="accent1"/>
+          </a:fillRef>
+          <a:effectRef idx="0">
+            <a:schemeClr val="accent1"/>
+          </a:effectRef>
+          <a:fontRef idx="minor">
+            <a:schemeClr val="tx1"/>
+          </a:fontRef>
+        </p:style>
+      </p:cxnSp>
+      <p:cxnSp>
+        <p:nvCxnSpPr>
+          <p:cNvPr id="54" name="직선 화살표 연결선 53">
+            <a:extLst>
+              <a:ext uri="{FF2B5EF4-FFF2-40B4-BE49-F238E27FC236}">
+                <a16:creationId xmlns:a16="http://schemas.microsoft.com/office/drawing/2014/main" xmlns="" id="{795CA74B-6E12-4088-BBAC-31A825D66510}"/>
+              </a:ext>
+            </a:extLst>
+          </p:cNvPr>
+          <p:cNvCxnSpPr>
+            <a:cxnSpLocks/>
+            <a:stCxn id="79" idx="1"/>
+          </p:cNvCxnSpPr>
+          <p:nvPr/>
+        </p:nvCxnSpPr>
+        <p:spPr>
+          <a:xfrm flipH="1">
+            <a:off x="5273873" y="3435846"/>
+            <a:ext cx="718795" cy="0"/>
+          </a:xfrm>
+          <a:prstGeom prst="straightConnector1">
+            <a:avLst/>
+          </a:prstGeom>
+          <a:ln w="28575">
+            <a:solidFill>
+              <a:schemeClr val="tx2"/>
+            </a:solidFill>
+            <a:headEnd type="none" w="med" len="med"/>
+            <a:tailEnd type="arrow" w="med" len="med"/>
+          </a:ln>
+        </p:spPr>
+        <p:style>
+          <a:lnRef idx="1">
+            <a:schemeClr val="accent1"/>
+          </a:lnRef>
+          <a:fillRef idx="0">
+            <a:schemeClr val="accent1"/>
+          </a:fillRef>
+          <a:effectRef idx="0">
+            <a:schemeClr val="accent1"/>
+          </a:effectRef>
+          <a:fontRef idx="minor">
+            <a:schemeClr val="tx1"/>
+          </a:fontRef>
+        </p:style>
+      </p:cxnSp>
+      <p:cxnSp>
+        <p:nvCxnSpPr>
+          <p:cNvPr id="55" name="직선 화살표 연결선 54">
+            <a:extLst>
+              <a:ext uri="{FF2B5EF4-FFF2-40B4-BE49-F238E27FC236}">
+                <a16:creationId xmlns:a16="http://schemas.microsoft.com/office/drawing/2014/main" xmlns="" id="{0F057480-7171-4B87-B299-002A985D1F30}"/>
+              </a:ext>
+            </a:extLst>
+          </p:cNvPr>
+          <p:cNvCxnSpPr>
+            <a:cxnSpLocks/>
+            <a:stCxn id="76" idx="0"/>
+          </p:cNvCxnSpPr>
+          <p:nvPr/>
+        </p:nvCxnSpPr>
+        <p:spPr>
+          <a:xfrm flipV="1">
+            <a:off x="4606309" y="1995686"/>
+            <a:ext cx="1772375" cy="1224136"/>
+          </a:xfrm>
+          <a:prstGeom prst="straightConnector1">
+            <a:avLst/>
+          </a:prstGeom>
+          <a:ln w="28575">
+            <a:solidFill>
+              <a:schemeClr val="accent3">
+                <a:lumMod val="75000"/>
+              </a:schemeClr>
+            </a:solidFill>
+            <a:headEnd type="none" w="med" len="med"/>
+            <a:tailEnd type="arrow" w="med" len="med"/>
+          </a:ln>
+        </p:spPr>
+        <p:style>
+          <a:lnRef idx="1">
+            <a:schemeClr val="accent1"/>
+          </a:lnRef>
+          <a:fillRef idx="0">
+            <a:schemeClr val="accent1"/>
+          </a:fillRef>
+          <a:effectRef idx="0">
+            <a:schemeClr val="accent1"/>
+          </a:effectRef>
+          <a:fontRef idx="minor">
+            <a:schemeClr val="tx1"/>
+          </a:fontRef>
+        </p:style>
+      </p:cxnSp>
+      <p:cxnSp>
+        <p:nvCxnSpPr>
+          <p:cNvPr id="57" name="직선 화살표 연결선 56">
+            <a:extLst>
+              <a:ext uri="{FF2B5EF4-FFF2-40B4-BE49-F238E27FC236}">
+                <a16:creationId xmlns:a16="http://schemas.microsoft.com/office/drawing/2014/main" xmlns="" id="{3E79A9E3-D35C-4D13-9C35-D56D0A88D17F}"/>
+              </a:ext>
+            </a:extLst>
+          </p:cNvPr>
+          <p:cNvCxnSpPr>
+            <a:cxnSpLocks/>
+            <a:stCxn id="30" idx="6"/>
+          </p:cNvCxnSpPr>
+          <p:nvPr/>
+        </p:nvCxnSpPr>
+        <p:spPr>
+          <a:xfrm flipV="1">
+            <a:off x="4572000" y="1586431"/>
+            <a:ext cx="682831" cy="237"/>
+          </a:xfrm>
+          <a:prstGeom prst="straightConnector1">
+            <a:avLst/>
+          </a:prstGeom>
+          <a:ln w="28575">
+            <a:solidFill>
+              <a:schemeClr val="accent5">
+                <a:lumMod val="75000"/>
+              </a:schemeClr>
+            </a:solidFill>
+            <a:headEnd type="none" w="med" len="med"/>
+            <a:tailEnd type="arrow" w="med" len="med"/>
+          </a:ln>
+        </p:spPr>
+        <p:style>
+          <a:lnRef idx="1">
+            <a:schemeClr val="accent1"/>
+          </a:lnRef>
+          <a:fillRef idx="0">
+            <a:schemeClr val="accent1"/>
+          </a:fillRef>
+          <a:effectRef idx="0">
+            <a:schemeClr val="accent1"/>
+          </a:effectRef>
+          <a:fontRef idx="minor">
+            <a:schemeClr val="tx1"/>
+          </a:fontRef>
+        </p:style>
+      </p:cxnSp>
+      <p:grpSp>
+        <p:nvGrpSpPr>
+          <p:cNvPr id="60" name="그룹 59">
+            <a:extLst>
+              <a:ext uri="{FF2B5EF4-FFF2-40B4-BE49-F238E27FC236}">
+                <a16:creationId xmlns:a16="http://schemas.microsoft.com/office/drawing/2014/main" xmlns="" id="{B2F6CFF1-DF54-4F02-88FB-F2B7EAF8E248}"/>
+              </a:ext>
+            </a:extLst>
+          </p:cNvPr>
+          <p:cNvGrpSpPr/>
+          <p:nvPr/>
+        </p:nvGrpSpPr>
+        <p:grpSpPr>
+          <a:xfrm>
+            <a:off x="1691680" y="987574"/>
+            <a:ext cx="2088232" cy="1231410"/>
+            <a:chOff x="1187624" y="987574"/>
+            <a:chExt cx="2088232" cy="1231410"/>
+          </a:xfrm>
+        </p:grpSpPr>
+        <p:cxnSp>
+          <p:nvCxnSpPr>
+            <p:cNvPr id="61" name="직선 화살표 연결선 60">
+              <a:extLst>
+                <a:ext uri="{FF2B5EF4-FFF2-40B4-BE49-F238E27FC236}">
+                  <a16:creationId xmlns:a16="http://schemas.microsoft.com/office/drawing/2014/main" xmlns="" id="{FEDAA768-BFC9-4E6D-9A55-597FD6687A4E}"/>
+                </a:ext>
+              </a:extLst>
+            </p:cNvPr>
+            <p:cNvCxnSpPr>
+              <a:cxnSpLocks/>
+              <a:endCxn id="63" idx="1"/>
+            </p:cNvCxnSpPr>
+            <p:nvPr/>
+          </p:nvCxnSpPr>
+          <p:spPr>
+            <a:xfrm>
+              <a:off x="1187624" y="1141463"/>
+              <a:ext cx="360040" cy="0"/>
+            </a:xfrm>
+            <a:prstGeom prst="straightConnector1">
+              <a:avLst/>
+            </a:prstGeom>
+            <a:ln w="28575">
+              <a:solidFill>
+                <a:schemeClr val="accent5">
+                  <a:lumMod val="75000"/>
+                </a:schemeClr>
+              </a:solidFill>
+              <a:headEnd type="none" w="med" len="med"/>
+              <a:tailEnd type="arrow" w="med" len="med"/>
+            </a:ln>
+          </p:spPr>
+          <p:style>
+            <a:lnRef idx="1">
+              <a:schemeClr val="accent1"/>
+            </a:lnRef>
+            <a:fillRef idx="0">
+              <a:schemeClr val="accent1"/>
+            </a:fillRef>
+            <a:effectRef idx="0">
+              <a:schemeClr val="accent1"/>
+            </a:effectRef>
+            <a:fontRef idx="minor">
+              <a:schemeClr val="tx1"/>
+            </a:fontRef>
+          </p:style>
+        </p:cxnSp>
+        <p:sp>
+          <p:nvSpPr>
+            <p:cNvPr id="63" name="TextBox 62">
+              <a:extLst>
+                <a:ext uri="{FF2B5EF4-FFF2-40B4-BE49-F238E27FC236}">
+                  <a16:creationId xmlns:a16="http://schemas.microsoft.com/office/drawing/2014/main" xmlns="" id="{08C76C99-553F-4622-9C6A-7756B2CFA84F}"/>
+                </a:ext>
+              </a:extLst>
+            </p:cNvPr>
+            <p:cNvSpPr txBox="1"/>
+            <p:nvPr/>
+          </p:nvSpPr>
+          <p:spPr>
+            <a:xfrm>
+              <a:off x="1547664" y="987574"/>
+              <a:ext cx="1728192" cy="307777"/>
+            </a:xfrm>
+            <a:prstGeom prst="rect">
+              <a:avLst/>
+            </a:prstGeom>
+            <a:noFill/>
+          </p:spPr>
+          <p:txBody>
+            <a:bodyPr wrap="square" rtlCol="0">
+              <a:spAutoFit/>
+            </a:bodyPr>
+            <a:lstStyle/>
+            <a:p>
+              <a:r>
+                <a:rPr lang="en-US" altLang="ko-KR" sz="1400" dirty="0"/>
+                <a:t>Job Submission</a:t>
+              </a:r>
+              <a:endParaRPr lang="ko-KR" altLang="en-US" sz="1400" dirty="0"/>
+            </a:p>
+          </p:txBody>
+        </p:sp>
+        <p:cxnSp>
+          <p:nvCxnSpPr>
+            <p:cNvPr id="64" name="직선 화살표 연결선 63">
+              <a:extLst>
+                <a:ext uri="{FF2B5EF4-FFF2-40B4-BE49-F238E27FC236}">
+                  <a16:creationId xmlns:a16="http://schemas.microsoft.com/office/drawing/2014/main" xmlns="" id="{BCF7F299-0FD2-4EDF-891C-D717BDED0371}"/>
+                </a:ext>
+              </a:extLst>
+            </p:cNvPr>
+            <p:cNvCxnSpPr>
+              <a:cxnSpLocks/>
+              <a:endCxn id="65" idx="1"/>
+            </p:cNvCxnSpPr>
+            <p:nvPr/>
+          </p:nvCxnSpPr>
+          <p:spPr>
+            <a:xfrm>
+              <a:off x="1187624" y="1450737"/>
+              <a:ext cx="360040" cy="0"/>
+            </a:xfrm>
+            <a:prstGeom prst="straightConnector1">
+              <a:avLst/>
+            </a:prstGeom>
+            <a:ln w="28575">
+              <a:solidFill>
+                <a:schemeClr val="tx2"/>
+              </a:solidFill>
+              <a:headEnd type="none" w="med" len="med"/>
+              <a:tailEnd type="arrow" w="med" len="med"/>
+            </a:ln>
+          </p:spPr>
+          <p:style>
+            <a:lnRef idx="1">
+              <a:schemeClr val="accent1"/>
+            </a:lnRef>
+            <a:fillRef idx="0">
+              <a:schemeClr val="accent1"/>
+            </a:fillRef>
+            <a:effectRef idx="0">
+              <a:schemeClr val="accent1"/>
+            </a:effectRef>
+            <a:fontRef idx="minor">
+              <a:schemeClr val="tx1"/>
+            </a:fontRef>
+          </p:style>
+        </p:cxnSp>
+        <p:sp>
+          <p:nvSpPr>
+            <p:cNvPr id="65" name="TextBox 64">
+              <a:extLst>
+                <a:ext uri="{FF2B5EF4-FFF2-40B4-BE49-F238E27FC236}">
+                  <a16:creationId xmlns:a16="http://schemas.microsoft.com/office/drawing/2014/main" xmlns="" id="{2AEA4195-EC52-4EB4-BC56-00DCD87AC0CA}"/>
+                </a:ext>
+              </a:extLst>
+            </p:cNvPr>
+            <p:cNvSpPr txBox="1"/>
+            <p:nvPr/>
+          </p:nvSpPr>
+          <p:spPr>
+            <a:xfrm>
+              <a:off x="1547664" y="1296848"/>
+              <a:ext cx="1728192" cy="307777"/>
+            </a:xfrm>
+            <a:prstGeom prst="rect">
+              <a:avLst/>
+            </a:prstGeom>
+            <a:noFill/>
+          </p:spPr>
+          <p:txBody>
+            <a:bodyPr wrap="square" rtlCol="0">
+              <a:spAutoFit/>
+            </a:bodyPr>
+            <a:lstStyle/>
+            <a:p>
+              <a:r>
+                <a:rPr lang="en-US" altLang="ko-KR" sz="1400" dirty="0" smtClean="0"/>
+                <a:t>Task </a:t>
+              </a:r>
+              <a:r>
+                <a:rPr lang="en-US" altLang="ko-KR" sz="1400" dirty="0" smtClean="0"/>
+                <a:t>Status</a:t>
+              </a:r>
+              <a:endParaRPr lang="ko-KR" altLang="en-US" sz="1400" dirty="0"/>
+            </a:p>
+          </p:txBody>
+        </p:sp>
+        <p:cxnSp>
+          <p:nvCxnSpPr>
+            <p:cNvPr id="66" name="직선 화살표 연결선 65">
+              <a:extLst>
+                <a:ext uri="{FF2B5EF4-FFF2-40B4-BE49-F238E27FC236}">
+                  <a16:creationId xmlns:a16="http://schemas.microsoft.com/office/drawing/2014/main" xmlns="" id="{DB4483B7-6B6E-4872-82B2-9F46BC8C4410}"/>
+                </a:ext>
+              </a:extLst>
+            </p:cNvPr>
+            <p:cNvCxnSpPr>
+              <a:cxnSpLocks/>
+              <a:endCxn id="67" idx="1"/>
+            </p:cNvCxnSpPr>
+            <p:nvPr/>
+          </p:nvCxnSpPr>
+          <p:spPr>
+            <a:xfrm>
+              <a:off x="1187624" y="1755822"/>
+              <a:ext cx="360040" cy="0"/>
+            </a:xfrm>
+            <a:prstGeom prst="straightConnector1">
+              <a:avLst/>
+            </a:prstGeom>
+            <a:ln w="28575">
+              <a:solidFill>
+                <a:srgbClr val="C00000"/>
+              </a:solidFill>
+              <a:headEnd type="none" w="med" len="med"/>
+              <a:tailEnd type="arrow" w="med" len="med"/>
+            </a:ln>
+          </p:spPr>
+          <p:style>
+            <a:lnRef idx="1">
+              <a:schemeClr val="accent1"/>
+            </a:lnRef>
+            <a:fillRef idx="0">
+              <a:schemeClr val="accent1"/>
+            </a:fillRef>
+            <a:effectRef idx="0">
+              <a:schemeClr val="accent1"/>
+            </a:effectRef>
+            <a:fontRef idx="minor">
+              <a:schemeClr val="tx1"/>
+            </a:fontRef>
+          </p:style>
+        </p:cxnSp>
+        <p:sp>
+          <p:nvSpPr>
+            <p:cNvPr id="67" name="TextBox 66">
+              <a:extLst>
+                <a:ext uri="{FF2B5EF4-FFF2-40B4-BE49-F238E27FC236}">
+                  <a16:creationId xmlns:a16="http://schemas.microsoft.com/office/drawing/2014/main" xmlns="" id="{E48ABFB1-B00A-4E38-8BD4-CD95ECE0BA7A}"/>
+                </a:ext>
+              </a:extLst>
+            </p:cNvPr>
+            <p:cNvSpPr txBox="1"/>
+            <p:nvPr/>
+          </p:nvSpPr>
+          <p:spPr>
+            <a:xfrm>
+              <a:off x="1547664" y="1601933"/>
+              <a:ext cx="1728192" cy="307777"/>
+            </a:xfrm>
+            <a:prstGeom prst="rect">
+              <a:avLst/>
+            </a:prstGeom>
+            <a:noFill/>
+          </p:spPr>
+          <p:txBody>
+            <a:bodyPr wrap="square" rtlCol="0">
+              <a:spAutoFit/>
+            </a:bodyPr>
+            <a:lstStyle/>
+            <a:p>
+              <a:r>
+                <a:rPr lang="en-US" altLang="ko-KR" sz="1400" dirty="0"/>
+                <a:t>Node Status</a:t>
+              </a:r>
+              <a:endParaRPr lang="ko-KR" altLang="en-US" sz="1400" dirty="0"/>
+            </a:p>
+          </p:txBody>
+        </p:sp>
+        <p:cxnSp>
+          <p:nvCxnSpPr>
+            <p:cNvPr id="68" name="직선 화살표 연결선 67">
+              <a:extLst>
+                <a:ext uri="{FF2B5EF4-FFF2-40B4-BE49-F238E27FC236}">
+                  <a16:creationId xmlns:a16="http://schemas.microsoft.com/office/drawing/2014/main" xmlns="" id="{DBE2957A-8326-4EB5-88A9-1B4699318030}"/>
+                </a:ext>
+              </a:extLst>
+            </p:cNvPr>
+            <p:cNvCxnSpPr>
+              <a:cxnSpLocks/>
+              <a:endCxn id="69" idx="1"/>
+            </p:cNvCxnSpPr>
+            <p:nvPr/>
+          </p:nvCxnSpPr>
+          <p:spPr>
+            <a:xfrm>
+              <a:off x="1187624" y="2065096"/>
+              <a:ext cx="360040" cy="0"/>
+            </a:xfrm>
+            <a:prstGeom prst="straightConnector1">
+              <a:avLst/>
+            </a:prstGeom>
+            <a:ln w="28575">
+              <a:solidFill>
+                <a:schemeClr val="accent3">
+                  <a:lumMod val="75000"/>
+                </a:schemeClr>
+              </a:solidFill>
+              <a:headEnd type="none" w="med" len="med"/>
+              <a:tailEnd type="arrow" w="med" len="med"/>
+            </a:ln>
+          </p:spPr>
+          <p:style>
+            <a:lnRef idx="1">
+              <a:schemeClr val="accent1"/>
+            </a:lnRef>
+            <a:fillRef idx="0">
+              <a:schemeClr val="accent1"/>
+            </a:fillRef>
+            <a:effectRef idx="0">
+              <a:schemeClr val="accent1"/>
+            </a:effectRef>
+            <a:fontRef idx="minor">
+              <a:schemeClr val="tx1"/>
+            </a:fontRef>
+          </p:style>
+        </p:cxnSp>
+        <p:sp>
+          <p:nvSpPr>
+            <p:cNvPr id="69" name="TextBox 68">
+              <a:extLst>
+                <a:ext uri="{FF2B5EF4-FFF2-40B4-BE49-F238E27FC236}">
+                  <a16:creationId xmlns:a16="http://schemas.microsoft.com/office/drawing/2014/main" xmlns="" id="{B1BA5C7E-8007-4B30-8EFA-359BE83561CF}"/>
+                </a:ext>
+              </a:extLst>
+            </p:cNvPr>
+            <p:cNvSpPr txBox="1"/>
+            <p:nvPr/>
+          </p:nvSpPr>
+          <p:spPr>
+            <a:xfrm>
+              <a:off x="1547664" y="1911207"/>
+              <a:ext cx="1728192" cy="307777"/>
+            </a:xfrm>
+            <a:prstGeom prst="rect">
+              <a:avLst/>
+            </a:prstGeom>
+            <a:noFill/>
+          </p:spPr>
+          <p:txBody>
+            <a:bodyPr wrap="square" rtlCol="0">
+              <a:spAutoFit/>
+            </a:bodyPr>
+            <a:lstStyle/>
+            <a:p>
+              <a:r>
+                <a:rPr lang="en-US" altLang="ko-KR" sz="1400" dirty="0"/>
+                <a:t>Resource Request</a:t>
+              </a:r>
+              <a:endParaRPr lang="ko-KR" altLang="en-US" sz="1400" dirty="0"/>
+            </a:p>
+          </p:txBody>
+        </p:sp>
+      </p:grpSp>
+      <p:sp>
+        <p:nvSpPr>
+          <p:cNvPr id="74" name="모서리가 둥근 직사각형 18">
+            <a:extLst>
+              <a:ext uri="{FF2B5EF4-FFF2-40B4-BE49-F238E27FC236}">
+                <a16:creationId xmlns="" xmlns:a16="http://schemas.microsoft.com/office/drawing/2014/main" id="{8385447B-8931-4CDC-A0D2-091BF7CB022F}"/>
+              </a:ext>
+            </a:extLst>
+          </p:cNvPr>
+          <p:cNvSpPr/>
+          <p:nvPr/>
+        </p:nvSpPr>
+        <p:spPr>
+          <a:xfrm>
+            <a:off x="1871700" y="3759882"/>
+            <a:ext cx="1335128" cy="432048"/>
+          </a:xfrm>
+          <a:prstGeom prst="roundRect">
+            <a:avLst>
+              <a:gd name="adj" fmla="val 12531"/>
+            </a:avLst>
+          </a:prstGeom>
+          <a:solidFill>
+            <a:schemeClr val="accent3">
+              <a:lumMod val="40000"/>
+              <a:lumOff val="60000"/>
+            </a:schemeClr>
+          </a:solidFill>
+        </p:spPr>
+        <p:style>
+          <a:lnRef idx="2">
+            <a:schemeClr val="dk1"/>
+          </a:lnRef>
+          <a:fillRef idx="1">
+            <a:schemeClr val="lt1"/>
+          </a:fillRef>
+          <a:effectRef idx="0">
+            <a:schemeClr val="dk1"/>
+          </a:effectRef>
+          <a:fontRef idx="minor">
+            <a:schemeClr val="dk1"/>
+          </a:fontRef>
+        </p:style>
+        <p:txBody>
+          <a:bodyPr rtlCol="0" anchor="ctr"/>
+          <a:lstStyle/>
+          <a:p>
+            <a:pPr algn="ctr"/>
+            <a:r>
+              <a:rPr lang="en-US" altLang="ko-KR" sz="1100" dirty="0" smtClean="0"/>
+              <a:t>Container –</a:t>
+            </a:r>
+          </a:p>
+          <a:p>
+            <a:pPr algn="ctr"/>
+            <a:r>
+              <a:rPr lang="en-US" altLang="ko-KR" sz="1100" dirty="0" smtClean="0"/>
+              <a:t>App A</a:t>
+            </a:r>
+            <a:endParaRPr lang="ko-KR" altLang="en-US" sz="1100" dirty="0"/>
+          </a:p>
+        </p:txBody>
+      </p:sp>
+      <p:sp>
+        <p:nvSpPr>
+          <p:cNvPr id="76" name="모서리가 둥근 직사각형 18">
+            <a:extLst>
+              <a:ext uri="{FF2B5EF4-FFF2-40B4-BE49-F238E27FC236}">
+                <a16:creationId xmlns="" xmlns:a16="http://schemas.microsoft.com/office/drawing/2014/main" id="{8385447B-8931-4CDC-A0D2-091BF7CB022F}"/>
+              </a:ext>
+            </a:extLst>
+          </p:cNvPr>
+          <p:cNvSpPr/>
+          <p:nvPr/>
+        </p:nvSpPr>
+        <p:spPr>
+          <a:xfrm>
+            <a:off x="3938745" y="3219822"/>
+            <a:ext cx="1335128" cy="432048"/>
+          </a:xfrm>
+          <a:prstGeom prst="roundRect">
+            <a:avLst>
+              <a:gd name="adj" fmla="val 12531"/>
+            </a:avLst>
+          </a:prstGeom>
+          <a:solidFill>
+            <a:schemeClr val="accent3">
+              <a:lumMod val="40000"/>
+              <a:lumOff val="60000"/>
+            </a:schemeClr>
+          </a:solidFill>
+        </p:spPr>
+        <p:style>
+          <a:lnRef idx="2">
+            <a:schemeClr val="dk1"/>
+          </a:lnRef>
+          <a:fillRef idx="1">
+            <a:schemeClr val="lt1"/>
+          </a:fillRef>
+          <a:effectRef idx="0">
+            <a:schemeClr val="dk1"/>
+          </a:effectRef>
+          <a:fontRef idx="minor">
+            <a:schemeClr val="dk1"/>
+          </a:fontRef>
+        </p:style>
+        <p:txBody>
+          <a:bodyPr rtlCol="0" anchor="ctr"/>
+          <a:lstStyle/>
+          <a:p>
+            <a:pPr algn="ctr"/>
+            <a:r>
+              <a:rPr lang="en-US" altLang="ko-KR" sz="1100" dirty="0" smtClean="0"/>
+              <a:t>Container –</a:t>
+            </a:r>
+          </a:p>
+          <a:p>
+            <a:pPr algn="ctr"/>
+            <a:r>
+              <a:rPr lang="en-US" altLang="ko-KR" sz="1100" dirty="0" smtClean="0"/>
+              <a:t>App Master A</a:t>
+            </a:r>
+            <a:endParaRPr lang="ko-KR" altLang="en-US" sz="1100" dirty="0"/>
+          </a:p>
+        </p:txBody>
+      </p:sp>
+      <p:sp>
+        <p:nvSpPr>
+          <p:cNvPr id="77" name="모서리가 둥근 직사각형 18">
+            <a:extLst>
+              <a:ext uri="{FF2B5EF4-FFF2-40B4-BE49-F238E27FC236}">
+                <a16:creationId xmlns="" xmlns:a16="http://schemas.microsoft.com/office/drawing/2014/main" id="{8385447B-8931-4CDC-A0D2-091BF7CB022F}"/>
+              </a:ext>
+            </a:extLst>
+          </p:cNvPr>
+          <p:cNvSpPr/>
+          <p:nvPr/>
+        </p:nvSpPr>
+        <p:spPr>
+          <a:xfrm>
+            <a:off x="3938745" y="3759882"/>
+            <a:ext cx="1335128" cy="432048"/>
+          </a:xfrm>
+          <a:prstGeom prst="roundRect">
+            <a:avLst>
+              <a:gd name="adj" fmla="val 12531"/>
+            </a:avLst>
+          </a:prstGeom>
+          <a:solidFill>
+            <a:schemeClr val="accent5">
+              <a:lumMod val="40000"/>
+              <a:lumOff val="60000"/>
+            </a:schemeClr>
+          </a:solidFill>
+        </p:spPr>
+        <p:style>
+          <a:lnRef idx="2">
+            <a:schemeClr val="dk1"/>
+          </a:lnRef>
+          <a:fillRef idx="1">
+            <a:schemeClr val="lt1"/>
+          </a:fillRef>
+          <a:effectRef idx="0">
+            <a:schemeClr val="dk1"/>
+          </a:effectRef>
+          <a:fontRef idx="minor">
+            <a:schemeClr val="dk1"/>
+          </a:fontRef>
+        </p:style>
+        <p:txBody>
+          <a:bodyPr rtlCol="0" anchor="ctr"/>
+          <a:lstStyle/>
+          <a:p>
+            <a:pPr algn="ctr"/>
+            <a:r>
+              <a:rPr lang="en-US" altLang="ko-KR" sz="1100" dirty="0" smtClean="0"/>
+              <a:t>Container –</a:t>
+            </a:r>
+          </a:p>
+          <a:p>
+            <a:pPr algn="ctr"/>
+            <a:r>
+              <a:rPr lang="en-US" altLang="ko-KR" sz="1100" dirty="0" smtClean="0"/>
+              <a:t>App B</a:t>
+            </a:r>
+            <a:endParaRPr lang="ko-KR" altLang="en-US" sz="1100" dirty="0"/>
+          </a:p>
+        </p:txBody>
+      </p:sp>
+      <p:sp>
+        <p:nvSpPr>
+          <p:cNvPr id="78" name="모서리가 둥근 직사각형 18">
+            <a:extLst>
+              <a:ext uri="{FF2B5EF4-FFF2-40B4-BE49-F238E27FC236}">
+                <a16:creationId xmlns="" xmlns:a16="http://schemas.microsoft.com/office/drawing/2014/main" id="{8385447B-8931-4CDC-A0D2-091BF7CB022F}"/>
+              </a:ext>
+            </a:extLst>
+          </p:cNvPr>
+          <p:cNvSpPr/>
+          <p:nvPr/>
+        </p:nvSpPr>
+        <p:spPr>
+          <a:xfrm>
+            <a:off x="5992668" y="3759882"/>
+            <a:ext cx="1335128" cy="432048"/>
+          </a:xfrm>
+          <a:prstGeom prst="roundRect">
+            <a:avLst>
+              <a:gd name="adj" fmla="val 12531"/>
+            </a:avLst>
+          </a:prstGeom>
+          <a:solidFill>
+            <a:schemeClr val="accent5">
+              <a:lumMod val="40000"/>
+              <a:lumOff val="60000"/>
+            </a:schemeClr>
+          </a:solidFill>
+        </p:spPr>
+        <p:style>
+          <a:lnRef idx="2">
+            <a:schemeClr val="dk1"/>
+          </a:lnRef>
+          <a:fillRef idx="1">
+            <a:schemeClr val="lt1"/>
+          </a:fillRef>
+          <a:effectRef idx="0">
+            <a:schemeClr val="dk1"/>
+          </a:effectRef>
+          <a:fontRef idx="minor">
+            <a:schemeClr val="dk1"/>
+          </a:fontRef>
+        </p:style>
+        <p:txBody>
+          <a:bodyPr rtlCol="0" anchor="ctr"/>
+          <a:lstStyle/>
+          <a:p>
+            <a:pPr algn="ctr"/>
+            <a:r>
+              <a:rPr lang="en-US" altLang="ko-KR" sz="1100" dirty="0" smtClean="0"/>
+              <a:t>Container –</a:t>
+            </a:r>
+          </a:p>
+          <a:p>
+            <a:pPr algn="ctr"/>
+            <a:r>
+              <a:rPr lang="en-US" altLang="ko-KR" sz="1100" dirty="0" smtClean="0"/>
+              <a:t>App Master B</a:t>
+            </a:r>
+            <a:endParaRPr lang="ko-KR" altLang="en-US" sz="1100" dirty="0"/>
+          </a:p>
+        </p:txBody>
+      </p:sp>
+      <p:sp>
+        <p:nvSpPr>
+          <p:cNvPr id="79" name="모서리가 둥근 직사각형 18">
+            <a:extLst>
+              <a:ext uri="{FF2B5EF4-FFF2-40B4-BE49-F238E27FC236}">
+                <a16:creationId xmlns="" xmlns:a16="http://schemas.microsoft.com/office/drawing/2014/main" id="{8385447B-8931-4CDC-A0D2-091BF7CB022F}"/>
+              </a:ext>
+            </a:extLst>
+          </p:cNvPr>
+          <p:cNvSpPr/>
+          <p:nvPr/>
+        </p:nvSpPr>
+        <p:spPr>
+          <a:xfrm>
+            <a:off x="5992668" y="3219822"/>
+            <a:ext cx="1335128" cy="432048"/>
+          </a:xfrm>
+          <a:prstGeom prst="roundRect">
+            <a:avLst>
+              <a:gd name="adj" fmla="val 12531"/>
+            </a:avLst>
+          </a:prstGeom>
+          <a:solidFill>
+            <a:schemeClr val="accent3">
+              <a:lumMod val="40000"/>
+              <a:lumOff val="60000"/>
+            </a:schemeClr>
+          </a:solidFill>
+        </p:spPr>
+        <p:style>
+          <a:lnRef idx="2">
+            <a:schemeClr val="dk1"/>
+          </a:lnRef>
+          <a:fillRef idx="1">
+            <a:schemeClr val="lt1"/>
+          </a:fillRef>
+          <a:effectRef idx="0">
+            <a:schemeClr val="dk1"/>
+          </a:effectRef>
+          <a:fontRef idx="minor">
+            <a:schemeClr val="dk1"/>
+          </a:fontRef>
+        </p:style>
+        <p:txBody>
+          <a:bodyPr rtlCol="0" anchor="ctr"/>
+          <a:lstStyle/>
+          <a:p>
+            <a:pPr algn="ctr"/>
+            <a:r>
+              <a:rPr lang="en-US" altLang="ko-KR" sz="1100" dirty="0" smtClean="0"/>
+              <a:t>Container –</a:t>
+            </a:r>
+          </a:p>
+          <a:p>
+            <a:pPr algn="ctr"/>
+            <a:r>
+              <a:rPr lang="en-US" altLang="ko-KR" sz="1100" dirty="0" smtClean="0"/>
+              <a:t>App A</a:t>
+            </a:r>
+            <a:endParaRPr lang="ko-KR" altLang="en-US" sz="1100" dirty="0"/>
+          </a:p>
+        </p:txBody>
+      </p:sp>
+      <p:cxnSp>
+        <p:nvCxnSpPr>
+          <p:cNvPr id="56" name="직선 화살표 연결선 55">
+            <a:extLst>
+              <a:ext uri="{FF2B5EF4-FFF2-40B4-BE49-F238E27FC236}">
+                <a16:creationId xmlns:a16="http://schemas.microsoft.com/office/drawing/2014/main" xmlns="" id="{3F847CB0-C800-488D-9A1C-5C275B3B32E1}"/>
+              </a:ext>
+            </a:extLst>
+          </p:cNvPr>
+          <p:cNvCxnSpPr>
+            <a:cxnSpLocks/>
+            <a:stCxn id="78" idx="0"/>
+          </p:cNvCxnSpPr>
+          <p:nvPr/>
+        </p:nvCxnSpPr>
+        <p:spPr>
+          <a:xfrm flipH="1" flipV="1">
+            <a:off x="6378684" y="1995686"/>
+            <a:ext cx="281548" cy="1764196"/>
+          </a:xfrm>
+          <a:prstGeom prst="straightConnector1">
+            <a:avLst/>
+          </a:prstGeom>
+          <a:ln w="28575">
+            <a:solidFill>
+              <a:schemeClr val="accent3">
+                <a:lumMod val="75000"/>
+              </a:schemeClr>
+            </a:solidFill>
+            <a:headEnd type="none" w="med" len="med"/>
+            <a:tailEnd type="arrow" w="med" len="med"/>
+          </a:ln>
+        </p:spPr>
+        <p:style>
+          <a:lnRef idx="1">
+            <a:schemeClr val="accent1"/>
+          </a:lnRef>
+          <a:fillRef idx="0">
+            <a:schemeClr val="accent1"/>
+          </a:fillRef>
+          <a:effectRef idx="0">
+            <a:schemeClr val="accent1"/>
+          </a:effectRef>
+          <a:fontRef idx="minor">
+            <a:schemeClr val="tx1"/>
+          </a:fontRef>
+        </p:style>
+      </p:cxnSp>
+    </p:spTree>
+    <p:extLst>
+      <p:ext uri="{BB962C8B-B14F-4D97-AF65-F5344CB8AC3E}">
+        <p14:creationId xmlns:p14="http://schemas.microsoft.com/office/powerpoint/2010/main" val="3774132599"/>
+      </p:ext>
+    </p:extLst>
+  </p:cSld>
+  <p:clrMapOvr>
+    <a:masterClrMapping/>
+  </p:clrMapOvr>
+</p:sld>
+</file>
+
+<file path=ppt/slides/slide4.xml><?xml version="1.0" encoding="utf-8"?>
+<p:sld xmlns:a="http://schemas.openxmlformats.org/drawingml/2006/main" xmlns:r="http://schemas.openxmlformats.org/officeDocument/2006/relationships" xmlns:p="http://schemas.openxmlformats.org/presentationml/2006/main">
+  <p:cSld>
+    <p:spTree>
+      <p:nvGrpSpPr>
+        <p:cNvPr id="1" name=""/>
+        <p:cNvGrpSpPr/>
+        <p:nvPr/>
+      </p:nvGrpSpPr>
+      <p:grpSpPr>
+        <a:xfrm>
+          <a:off x="0" y="0"/>
+          <a:ext cx="0" cy="0"/>
+          <a:chOff x="0" y="0"/>
+          <a:chExt cx="0" cy="0"/>
+        </a:xfrm>
+      </p:grpSpPr>
+      <p:sp>
+        <p:nvSpPr>
+          <p:cNvPr id="2" name="제목 1">
+            <a:extLst>
+              <a:ext uri="{FF2B5EF4-FFF2-40B4-BE49-F238E27FC236}">
+                <a16:creationId xmlns="" xmlns:a16="http://schemas.microsoft.com/office/drawing/2014/main" id="{8738443D-5E72-49E2-86AC-581D61C41C39}"/>
+              </a:ext>
+            </a:extLst>
+          </p:cNvPr>
+          <p:cNvSpPr>
+            <a:spLocks noGrp="1"/>
+          </p:cNvSpPr>
+          <p:nvPr>
+            <p:ph type="title"/>
+          </p:nvPr>
+        </p:nvSpPr>
+        <p:spPr>
+          <a:xfrm>
+            <a:off x="457200" y="-164554"/>
+            <a:ext cx="8229600" cy="857250"/>
+          </a:xfrm>
+        </p:spPr>
+        <p:txBody>
+          <a:bodyPr/>
+          <a:lstStyle/>
+          <a:p>
+            <a:r>
+              <a:rPr lang="en-US" altLang="ko-KR" dirty="0"/>
+              <a:t>YARN </a:t>
+            </a:r>
+            <a:r>
+              <a:rPr lang="en-US" altLang="ko-KR" dirty="0" smtClean="0"/>
+              <a:t>Job Submission</a:t>
+            </a:r>
+            <a:endParaRPr lang="ko-KR" altLang="en-US" dirty="0"/>
+          </a:p>
+        </p:txBody>
+      </p:sp>
+      <p:grpSp>
+        <p:nvGrpSpPr>
+          <p:cNvPr id="107" name="그룹 106"/>
+          <p:cNvGrpSpPr/>
+          <p:nvPr/>
+        </p:nvGrpSpPr>
+        <p:grpSpPr>
+          <a:xfrm>
+            <a:off x="1331640" y="1043665"/>
+            <a:ext cx="2020013" cy="808005"/>
+            <a:chOff x="1043608" y="915566"/>
+            <a:chExt cx="1800200" cy="720080"/>
+          </a:xfrm>
+        </p:grpSpPr>
+        <p:sp>
+          <p:nvSpPr>
+            <p:cNvPr id="44" name="모서리가 둥근 직사각형 18">
+              <a:extLst>
+                <a:ext uri="{FF2B5EF4-FFF2-40B4-BE49-F238E27FC236}">
+                  <a16:creationId xmlns="" xmlns:a16="http://schemas.microsoft.com/office/drawing/2014/main" id="{90910971-3F87-488C-9CD0-4E04E8DEA3B0}"/>
+                </a:ext>
+              </a:extLst>
+            </p:cNvPr>
+            <p:cNvSpPr/>
+            <p:nvPr/>
+          </p:nvSpPr>
+          <p:spPr>
+            <a:xfrm>
+              <a:off x="1043608" y="915566"/>
+              <a:ext cx="1800200" cy="720080"/>
+            </a:xfrm>
+            <a:prstGeom prst="roundRect">
+              <a:avLst>
+                <a:gd name="adj" fmla="val 4853"/>
+              </a:avLst>
+            </a:prstGeom>
+          </p:spPr>
+          <p:style>
+            <a:lnRef idx="2">
+              <a:schemeClr val="dk1"/>
+            </a:lnRef>
+            <a:fillRef idx="1">
+              <a:schemeClr val="lt1"/>
+            </a:fillRef>
+            <a:effectRef idx="0">
+              <a:schemeClr val="dk1"/>
+            </a:effectRef>
+            <a:fontRef idx="minor">
+              <a:schemeClr val="dk1"/>
+            </a:fontRef>
+          </p:style>
+          <p:txBody>
+            <a:bodyPr rtlCol="0" anchor="t"/>
+            <a:lstStyle/>
+            <a:p>
+              <a:pPr algn="ctr"/>
+              <a:r>
+                <a:rPr lang="en-US" altLang="ko-KR" sz="1400" dirty="0" smtClean="0"/>
+                <a:t>Client</a:t>
+              </a:r>
+              <a:endParaRPr lang="ko-KR" altLang="en-US" sz="1400" dirty="0"/>
+            </a:p>
+          </p:txBody>
+        </p:sp>
+        <p:sp>
+          <p:nvSpPr>
+            <p:cNvPr id="46" name="모서리가 둥근 직사각형 18">
+              <a:extLst>
+                <a:ext uri="{FF2B5EF4-FFF2-40B4-BE49-F238E27FC236}">
+                  <a16:creationId xmlns="" xmlns:a16="http://schemas.microsoft.com/office/drawing/2014/main" id="{90910971-3F87-488C-9CD0-4E04E8DEA3B0}"/>
+                </a:ext>
+              </a:extLst>
+            </p:cNvPr>
+            <p:cNvSpPr/>
+            <p:nvPr/>
+          </p:nvSpPr>
+          <p:spPr>
+            <a:xfrm>
+              <a:off x="1115616" y="1275606"/>
+              <a:ext cx="627033" cy="288032"/>
+            </a:xfrm>
+            <a:prstGeom prst="roundRect">
+              <a:avLst>
+                <a:gd name="adj" fmla="val 4853"/>
+              </a:avLst>
+            </a:prstGeom>
+          </p:spPr>
+          <p:style>
+            <a:lnRef idx="2">
+              <a:schemeClr val="dk1"/>
+            </a:lnRef>
+            <a:fillRef idx="1">
+              <a:schemeClr val="lt1"/>
+            </a:fillRef>
+            <a:effectRef idx="0">
+              <a:schemeClr val="dk1"/>
+            </a:effectRef>
+            <a:fontRef idx="minor">
+              <a:schemeClr val="dk1"/>
+            </a:fontRef>
+          </p:style>
+          <p:txBody>
+            <a:bodyPr rtlCol="0" anchor="ctr"/>
+            <a:lstStyle/>
+            <a:p>
+              <a:pPr algn="ctr"/>
+              <a:r>
+                <a:rPr lang="en-US" altLang="ko-KR" sz="1200" dirty="0" smtClean="0"/>
+                <a:t>App</a:t>
+              </a:r>
+              <a:endParaRPr lang="ko-KR" altLang="en-US" sz="1200" dirty="0"/>
+            </a:p>
+          </p:txBody>
+        </p:sp>
+        <p:sp>
+          <p:nvSpPr>
+            <p:cNvPr id="47" name="모서리가 둥근 직사각형 18">
+              <a:extLst>
+                <a:ext uri="{FF2B5EF4-FFF2-40B4-BE49-F238E27FC236}">
+                  <a16:creationId xmlns="" xmlns:a16="http://schemas.microsoft.com/office/drawing/2014/main" id="{90910971-3F87-488C-9CD0-4E04E8DEA3B0}"/>
+                </a:ext>
+              </a:extLst>
+            </p:cNvPr>
+            <p:cNvSpPr/>
+            <p:nvPr/>
+          </p:nvSpPr>
+          <p:spPr>
+            <a:xfrm>
+              <a:off x="2144767" y="1275606"/>
+              <a:ext cx="627033" cy="288032"/>
+            </a:xfrm>
+            <a:prstGeom prst="roundRect">
+              <a:avLst>
+                <a:gd name="adj" fmla="val 4853"/>
+              </a:avLst>
+            </a:prstGeom>
+          </p:spPr>
+          <p:style>
+            <a:lnRef idx="2">
+              <a:schemeClr val="dk1"/>
+            </a:lnRef>
+            <a:fillRef idx="1">
+              <a:schemeClr val="lt1"/>
+            </a:fillRef>
+            <a:effectRef idx="0">
+              <a:schemeClr val="dk1"/>
+            </a:effectRef>
+            <a:fontRef idx="minor">
+              <a:schemeClr val="dk1"/>
+            </a:fontRef>
+          </p:style>
+          <p:txBody>
+            <a:bodyPr rtlCol="0" anchor="ctr"/>
+            <a:lstStyle/>
+            <a:p>
+              <a:pPr algn="ctr"/>
+              <a:r>
+                <a:rPr lang="en-US" altLang="ko-KR" sz="1200" dirty="0" smtClean="0"/>
+                <a:t>Job</a:t>
+              </a:r>
+              <a:endParaRPr lang="ko-KR" altLang="en-US" sz="1200" dirty="0"/>
+            </a:p>
+          </p:txBody>
+        </p:sp>
+      </p:grpSp>
+      <p:cxnSp>
+        <p:nvCxnSpPr>
+          <p:cNvPr id="52" name="직선 화살표 연결선 51">
+            <a:extLst>
+              <a:ext uri="{FF2B5EF4-FFF2-40B4-BE49-F238E27FC236}">
+                <a16:creationId xmlns:a16="http://schemas.microsoft.com/office/drawing/2014/main" xmlns="" id="{6B28761E-A6ED-418A-9384-3AEDDF0E8035}"/>
+              </a:ext>
+            </a:extLst>
+          </p:cNvPr>
+          <p:cNvCxnSpPr>
+            <a:cxnSpLocks/>
+            <a:stCxn id="46" idx="3"/>
+            <a:endCxn id="47" idx="1"/>
+          </p:cNvCxnSpPr>
+          <p:nvPr/>
+        </p:nvCxnSpPr>
+        <p:spPr>
+          <a:xfrm>
+            <a:off x="2116038" y="1609269"/>
+            <a:ext cx="451218" cy="0"/>
+          </a:xfrm>
+          <a:prstGeom prst="straightConnector1">
+            <a:avLst/>
+          </a:prstGeom>
+          <a:ln w="28575">
+            <a:solidFill>
+              <a:srgbClr val="C00000"/>
+            </a:solidFill>
+            <a:headEnd type="none" w="med" len="med"/>
+            <a:tailEnd type="arrow" w="med" len="med"/>
+          </a:ln>
+        </p:spPr>
+        <p:style>
+          <a:lnRef idx="1">
+            <a:schemeClr val="accent1"/>
+          </a:lnRef>
+          <a:fillRef idx="0">
+            <a:schemeClr val="accent1"/>
+          </a:fillRef>
+          <a:effectRef idx="0">
+            <a:schemeClr val="accent1"/>
+          </a:effectRef>
+          <a:fontRef idx="minor">
+            <a:schemeClr val="tx1"/>
+          </a:fontRef>
+        </p:style>
+      </p:cxnSp>
+      <p:sp>
+        <p:nvSpPr>
+          <p:cNvPr id="79" name="모서리가 둥근 직사각형 18">
+            <a:extLst>
+              <a:ext uri="{FF2B5EF4-FFF2-40B4-BE49-F238E27FC236}">
+                <a16:creationId xmlns="" xmlns:a16="http://schemas.microsoft.com/office/drawing/2014/main" id="{90910971-3F87-488C-9CD0-4E04E8DEA3B0}"/>
+              </a:ext>
+            </a:extLst>
+          </p:cNvPr>
+          <p:cNvSpPr/>
+          <p:nvPr/>
+        </p:nvSpPr>
+        <p:spPr>
+          <a:xfrm>
+            <a:off x="1331638" y="3185584"/>
+            <a:ext cx="2448274" cy="1258374"/>
+          </a:xfrm>
+          <a:prstGeom prst="roundRect">
+            <a:avLst>
+              <a:gd name="adj" fmla="val 4853"/>
+            </a:avLst>
+          </a:prstGeom>
+        </p:spPr>
+        <p:style>
+          <a:lnRef idx="2">
+            <a:schemeClr val="dk1"/>
+          </a:lnRef>
+          <a:fillRef idx="1">
+            <a:schemeClr val="lt1"/>
+          </a:fillRef>
+          <a:effectRef idx="0">
+            <a:schemeClr val="dk1"/>
+          </a:effectRef>
+          <a:fontRef idx="minor">
+            <a:schemeClr val="dk1"/>
+          </a:fontRef>
+        </p:style>
+        <p:txBody>
+          <a:bodyPr rtlCol="0" anchor="b"/>
+          <a:lstStyle/>
+          <a:p>
+            <a:pPr algn="ctr"/>
+            <a:r>
+              <a:rPr lang="en-US" altLang="ko-KR" sz="1400" dirty="0"/>
+              <a:t>Node</a:t>
+            </a:r>
+            <a:endParaRPr lang="ko-KR" altLang="en-US" sz="1400" dirty="0"/>
+          </a:p>
+        </p:txBody>
+      </p:sp>
+      <p:sp>
+        <p:nvSpPr>
+          <p:cNvPr id="80" name="모서리가 둥근 직사각형 18">
+            <a:extLst>
+              <a:ext uri="{FF2B5EF4-FFF2-40B4-BE49-F238E27FC236}">
+                <a16:creationId xmlns="" xmlns:a16="http://schemas.microsoft.com/office/drawing/2014/main" id="{F5302ADF-D203-4131-A3B2-4F84C5314C62}"/>
+              </a:ext>
+            </a:extLst>
+          </p:cNvPr>
+          <p:cNvSpPr/>
+          <p:nvPr/>
+        </p:nvSpPr>
+        <p:spPr>
+          <a:xfrm>
+            <a:off x="1438407" y="3291830"/>
+            <a:ext cx="2234738" cy="818510"/>
+          </a:xfrm>
+          <a:prstGeom prst="roundRect">
+            <a:avLst>
+              <a:gd name="adj" fmla="val 9948"/>
+            </a:avLst>
+          </a:prstGeom>
+        </p:spPr>
+        <p:style>
+          <a:lnRef idx="2">
+            <a:schemeClr val="dk1"/>
+          </a:lnRef>
+          <a:fillRef idx="1">
+            <a:schemeClr val="lt1"/>
+          </a:fillRef>
+          <a:effectRef idx="0">
+            <a:schemeClr val="dk1"/>
+          </a:effectRef>
+          <a:fontRef idx="minor">
+            <a:schemeClr val="dk1"/>
+          </a:fontRef>
+        </p:style>
+        <p:txBody>
+          <a:bodyPr rtlCol="0" anchor="t"/>
+          <a:lstStyle/>
+          <a:p>
+            <a:pPr algn="ctr"/>
+            <a:r>
+              <a:rPr lang="en-US" altLang="ko-KR" sz="1400" dirty="0"/>
+              <a:t>Resource Manager</a:t>
+            </a:r>
+            <a:endParaRPr lang="ko-KR" altLang="en-US" sz="1400" dirty="0"/>
+          </a:p>
+        </p:txBody>
+      </p:sp>
+      <p:sp>
+        <p:nvSpPr>
+          <p:cNvPr id="81" name="모서리가 둥근 직사각형 18">
+            <a:extLst>
+              <a:ext uri="{FF2B5EF4-FFF2-40B4-BE49-F238E27FC236}">
+                <a16:creationId xmlns="" xmlns:a16="http://schemas.microsoft.com/office/drawing/2014/main" id="{D48DB822-70CE-4692-84EA-0B6DB2416FCB}"/>
+              </a:ext>
+            </a:extLst>
+          </p:cNvPr>
+          <p:cNvSpPr/>
+          <p:nvPr/>
+        </p:nvSpPr>
+        <p:spPr>
+          <a:xfrm>
+            <a:off x="2555774" y="3638118"/>
+            <a:ext cx="1008111" cy="400214"/>
+          </a:xfrm>
+          <a:prstGeom prst="roundRect">
+            <a:avLst>
+              <a:gd name="adj" fmla="val 14647"/>
+            </a:avLst>
+          </a:prstGeom>
+        </p:spPr>
+        <p:style>
+          <a:lnRef idx="2">
+            <a:schemeClr val="dk1"/>
+          </a:lnRef>
+          <a:fillRef idx="1">
+            <a:schemeClr val="lt1"/>
+          </a:fillRef>
+          <a:effectRef idx="0">
+            <a:schemeClr val="dk1"/>
+          </a:effectRef>
+          <a:fontRef idx="minor">
+            <a:schemeClr val="dk1"/>
+          </a:fontRef>
+        </p:style>
+        <p:txBody>
+          <a:bodyPr rtlCol="0" anchor="ctr"/>
+          <a:lstStyle/>
+          <a:p>
+            <a:pPr algn="ctr"/>
+            <a:r>
+              <a:rPr lang="en-US" altLang="ko-KR" sz="1200" dirty="0" smtClean="0"/>
+              <a:t>Application Manager</a:t>
+            </a:r>
+            <a:endParaRPr lang="ko-KR" altLang="en-US" sz="1200" dirty="0"/>
+          </a:p>
+        </p:txBody>
+      </p:sp>
+      <p:sp>
+        <p:nvSpPr>
+          <p:cNvPr id="82" name="모서리가 둥근 직사각형 18">
+            <a:extLst>
+              <a:ext uri="{FF2B5EF4-FFF2-40B4-BE49-F238E27FC236}">
+                <a16:creationId xmlns="" xmlns:a16="http://schemas.microsoft.com/office/drawing/2014/main" id="{D48DB822-70CE-4692-84EA-0B6DB2416FCB}"/>
+              </a:ext>
+            </a:extLst>
+          </p:cNvPr>
+          <p:cNvSpPr/>
+          <p:nvPr/>
+        </p:nvSpPr>
+        <p:spPr>
+          <a:xfrm>
+            <a:off x="1547665" y="3638118"/>
+            <a:ext cx="1008111" cy="400214"/>
+          </a:xfrm>
+          <a:prstGeom prst="roundRect">
+            <a:avLst>
+              <a:gd name="adj" fmla="val 14647"/>
+            </a:avLst>
+          </a:prstGeom>
+        </p:spPr>
+        <p:style>
+          <a:lnRef idx="2">
+            <a:schemeClr val="dk1"/>
+          </a:lnRef>
+          <a:fillRef idx="1">
+            <a:schemeClr val="lt1"/>
+          </a:fillRef>
+          <a:effectRef idx="0">
+            <a:schemeClr val="dk1"/>
+          </a:effectRef>
+          <a:fontRef idx="minor">
+            <a:schemeClr val="dk1"/>
+          </a:fontRef>
+        </p:style>
+        <p:txBody>
+          <a:bodyPr rtlCol="0" anchor="ctr"/>
+          <a:lstStyle/>
+          <a:p>
+            <a:pPr algn="ctr"/>
+            <a:r>
+              <a:rPr lang="en-US" altLang="ko-KR" sz="1200" dirty="0" smtClean="0"/>
+              <a:t>Scheduler</a:t>
+            </a:r>
+            <a:endParaRPr lang="ko-KR" altLang="en-US" sz="1200" dirty="0"/>
+          </a:p>
+        </p:txBody>
+      </p:sp>
+      <p:sp>
+        <p:nvSpPr>
+          <p:cNvPr id="84" name="모서리가 둥근 직사각형 18">
+            <a:extLst>
+              <a:ext uri="{FF2B5EF4-FFF2-40B4-BE49-F238E27FC236}">
+                <a16:creationId xmlns="" xmlns:a16="http://schemas.microsoft.com/office/drawing/2014/main" id="{C82D4484-29CF-4C5C-94F6-3E611E578082}"/>
+              </a:ext>
+            </a:extLst>
+          </p:cNvPr>
+          <p:cNvSpPr/>
+          <p:nvPr/>
+        </p:nvSpPr>
+        <p:spPr>
+          <a:xfrm>
+            <a:off x="4329248" y="2643758"/>
+            <a:ext cx="1855696" cy="2376264"/>
+          </a:xfrm>
+          <a:prstGeom prst="roundRect">
+            <a:avLst>
+              <a:gd name="adj" fmla="val 4069"/>
+            </a:avLst>
+          </a:prstGeom>
+        </p:spPr>
+        <p:style>
+          <a:lnRef idx="2">
+            <a:schemeClr val="dk1"/>
+          </a:lnRef>
+          <a:fillRef idx="1">
+            <a:schemeClr val="lt1"/>
+          </a:fillRef>
+          <a:effectRef idx="0">
+            <a:schemeClr val="dk1"/>
+          </a:effectRef>
+          <a:fontRef idx="minor">
+            <a:schemeClr val="dk1"/>
+          </a:fontRef>
+        </p:style>
+        <p:txBody>
+          <a:bodyPr rtlCol="0" anchor="b"/>
+          <a:lstStyle/>
+          <a:p>
+            <a:pPr algn="ctr"/>
+            <a:r>
+              <a:rPr lang="en-US" altLang="ko-KR" sz="1400" dirty="0"/>
+              <a:t>Node</a:t>
+            </a:r>
+            <a:endParaRPr lang="ko-KR" altLang="en-US" sz="1400" dirty="0"/>
+          </a:p>
+        </p:txBody>
+      </p:sp>
+      <p:sp>
+        <p:nvSpPr>
+          <p:cNvPr id="85" name="모서리가 둥근 직사각형 18">
+            <a:extLst>
+              <a:ext uri="{FF2B5EF4-FFF2-40B4-BE49-F238E27FC236}">
+                <a16:creationId xmlns="" xmlns:a16="http://schemas.microsoft.com/office/drawing/2014/main" id="{49DD9DEF-515F-4613-B0A2-804648D3051B}"/>
+              </a:ext>
+            </a:extLst>
+          </p:cNvPr>
+          <p:cNvSpPr/>
+          <p:nvPr/>
+        </p:nvSpPr>
+        <p:spPr>
+          <a:xfrm>
+            <a:off x="4456752" y="2758886"/>
+            <a:ext cx="1584176" cy="400214"/>
+          </a:xfrm>
+          <a:prstGeom prst="roundRect">
+            <a:avLst>
+              <a:gd name="adj" fmla="val 16762"/>
+            </a:avLst>
+          </a:prstGeom>
+        </p:spPr>
+        <p:style>
+          <a:lnRef idx="2">
+            <a:schemeClr val="dk1"/>
+          </a:lnRef>
+          <a:fillRef idx="1">
+            <a:schemeClr val="lt1"/>
+          </a:fillRef>
+          <a:effectRef idx="0">
+            <a:schemeClr val="dk1"/>
+          </a:effectRef>
+          <a:fontRef idx="minor">
+            <a:schemeClr val="dk1"/>
+          </a:fontRef>
+        </p:style>
+        <p:txBody>
+          <a:bodyPr rtlCol="0" anchor="ctr"/>
+          <a:lstStyle/>
+          <a:p>
+            <a:pPr algn="ctr"/>
+            <a:r>
+              <a:rPr lang="en-US" altLang="ko-KR" sz="1400" dirty="0"/>
+              <a:t>Node Manager</a:t>
+            </a:r>
+            <a:endParaRPr lang="ko-KR" altLang="en-US" sz="1400" dirty="0"/>
+          </a:p>
+        </p:txBody>
+      </p:sp>
+      <p:sp>
+        <p:nvSpPr>
+          <p:cNvPr id="91" name="모서리가 둥근 직사각형 18">
+            <a:extLst>
+              <a:ext uri="{FF2B5EF4-FFF2-40B4-BE49-F238E27FC236}">
+                <a16:creationId xmlns="" xmlns:a16="http://schemas.microsoft.com/office/drawing/2014/main" id="{49DD9DEF-515F-4613-B0A2-804648D3051B}"/>
+              </a:ext>
+            </a:extLst>
+          </p:cNvPr>
+          <p:cNvSpPr/>
+          <p:nvPr/>
+        </p:nvSpPr>
+        <p:spPr>
+          <a:xfrm>
+            <a:off x="4456752" y="3291830"/>
+            <a:ext cx="1584176" cy="1368152"/>
+          </a:xfrm>
+          <a:prstGeom prst="roundRect">
+            <a:avLst>
+              <a:gd name="adj" fmla="val 6833"/>
+            </a:avLst>
+          </a:prstGeom>
+        </p:spPr>
+        <p:style>
+          <a:lnRef idx="2">
+            <a:schemeClr val="dk1"/>
+          </a:lnRef>
+          <a:fillRef idx="1">
+            <a:schemeClr val="lt1"/>
+          </a:fillRef>
+          <a:effectRef idx="0">
+            <a:schemeClr val="dk1"/>
+          </a:effectRef>
+          <a:fontRef idx="minor">
+            <a:schemeClr val="dk1"/>
+          </a:fontRef>
+        </p:style>
+        <p:txBody>
+          <a:bodyPr rtlCol="0" anchor="b"/>
+          <a:lstStyle/>
+          <a:p>
+            <a:pPr algn="ctr"/>
+            <a:r>
+              <a:rPr lang="en-US" altLang="ko-KR" sz="1400" dirty="0" smtClean="0"/>
+              <a:t>Container (</a:t>
+            </a:r>
+            <a:r>
+              <a:rPr lang="en-US" altLang="ko-KR" sz="1400" dirty="0" err="1" smtClean="0"/>
+              <a:t>JVM</a:t>
+            </a:r>
+            <a:r>
+              <a:rPr lang="en-US" altLang="ko-KR" sz="1400" dirty="0" smtClean="0"/>
+              <a:t>)</a:t>
+            </a:r>
+            <a:endParaRPr lang="ko-KR" altLang="en-US" sz="1400" dirty="0"/>
+          </a:p>
+        </p:txBody>
+      </p:sp>
+      <p:sp>
+        <p:nvSpPr>
+          <p:cNvPr id="95" name="모서리가 둥근 직사각형 18">
+            <a:extLst>
+              <a:ext uri="{FF2B5EF4-FFF2-40B4-BE49-F238E27FC236}">
+                <a16:creationId xmlns="" xmlns:a16="http://schemas.microsoft.com/office/drawing/2014/main" id="{49DD9DEF-515F-4613-B0A2-804648D3051B}"/>
+              </a:ext>
+            </a:extLst>
+          </p:cNvPr>
+          <p:cNvSpPr/>
+          <p:nvPr/>
+        </p:nvSpPr>
+        <p:spPr>
+          <a:xfrm>
+            <a:off x="4582296" y="3579862"/>
+            <a:ext cx="1331126" cy="576064"/>
+          </a:xfrm>
+          <a:prstGeom prst="roundRect">
+            <a:avLst>
+              <a:gd name="adj" fmla="val 16762"/>
+            </a:avLst>
+          </a:prstGeom>
+        </p:spPr>
+        <p:style>
+          <a:lnRef idx="2">
+            <a:schemeClr val="dk1"/>
+          </a:lnRef>
+          <a:fillRef idx="1">
+            <a:schemeClr val="lt1"/>
+          </a:fillRef>
+          <a:effectRef idx="0">
+            <a:schemeClr val="dk1"/>
+          </a:effectRef>
+          <a:fontRef idx="minor">
+            <a:schemeClr val="dk1"/>
+          </a:fontRef>
+        </p:style>
+        <p:txBody>
+          <a:bodyPr rtlCol="0" anchor="ctr"/>
+          <a:lstStyle/>
+          <a:p>
+            <a:pPr algn="ctr"/>
+            <a:r>
+              <a:rPr lang="en-US" altLang="ko-KR" sz="1400" dirty="0" smtClean="0"/>
+              <a:t>App Master</a:t>
+            </a:r>
+            <a:endParaRPr lang="ko-KR" altLang="en-US" sz="1400" dirty="0"/>
+          </a:p>
+        </p:txBody>
+      </p:sp>
+      <p:cxnSp>
+        <p:nvCxnSpPr>
+          <p:cNvPr id="97" name="직선 화살표 연결선 96">
+            <a:extLst>
+              <a:ext uri="{FF2B5EF4-FFF2-40B4-BE49-F238E27FC236}">
+                <a16:creationId xmlns:a16="http://schemas.microsoft.com/office/drawing/2014/main" xmlns="" id="{6B28761E-A6ED-418A-9384-3AEDDF0E8035}"/>
+              </a:ext>
+            </a:extLst>
+          </p:cNvPr>
+          <p:cNvCxnSpPr>
+            <a:cxnSpLocks/>
+            <a:stCxn id="85" idx="2"/>
+            <a:endCxn id="95" idx="0"/>
+          </p:cNvCxnSpPr>
+          <p:nvPr/>
+        </p:nvCxnSpPr>
+        <p:spPr>
+          <a:xfrm flipH="1">
+            <a:off x="5247859" y="3159100"/>
+            <a:ext cx="981" cy="420762"/>
+          </a:xfrm>
+          <a:prstGeom prst="straightConnector1">
+            <a:avLst/>
+          </a:prstGeom>
+          <a:ln w="28575">
+            <a:solidFill>
+              <a:srgbClr val="C00000"/>
+            </a:solidFill>
+            <a:headEnd type="none" w="med" len="med"/>
+            <a:tailEnd type="arrow" w="med" len="med"/>
+          </a:ln>
+        </p:spPr>
+        <p:style>
+          <a:lnRef idx="1">
+            <a:schemeClr val="accent1"/>
+          </a:lnRef>
+          <a:fillRef idx="0">
+            <a:schemeClr val="accent1"/>
+          </a:fillRef>
+          <a:effectRef idx="0">
+            <a:schemeClr val="accent1"/>
+          </a:effectRef>
+          <a:fontRef idx="minor">
+            <a:schemeClr val="tx1"/>
+          </a:fontRef>
+        </p:style>
+      </p:cxnSp>
+      <p:grpSp>
+        <p:nvGrpSpPr>
+          <p:cNvPr id="113" name="그룹 112"/>
+          <p:cNvGrpSpPr/>
+          <p:nvPr/>
+        </p:nvGrpSpPr>
+        <p:grpSpPr>
+          <a:xfrm>
+            <a:off x="5292080" y="699542"/>
+            <a:ext cx="2448272" cy="1542529"/>
+            <a:chOff x="971600" y="2715766"/>
+            <a:chExt cx="2448272" cy="1542529"/>
+          </a:xfrm>
+        </p:grpSpPr>
+        <p:sp>
+          <p:nvSpPr>
+            <p:cNvPr id="7" name="구름 6"/>
+            <p:cNvSpPr/>
+            <p:nvPr/>
+          </p:nvSpPr>
+          <p:spPr>
+            <a:xfrm>
+              <a:off x="971600" y="2715766"/>
+              <a:ext cx="2448272" cy="1542529"/>
+            </a:xfrm>
+            <a:prstGeom prst="cloud">
+              <a:avLst/>
+            </a:prstGeom>
+          </p:spPr>
+          <p:style>
+            <a:lnRef idx="2">
+              <a:schemeClr val="dk1"/>
+            </a:lnRef>
+            <a:fillRef idx="1">
+              <a:schemeClr val="lt1"/>
+            </a:fillRef>
+            <a:effectRef idx="0">
+              <a:schemeClr val="dk1"/>
+            </a:effectRef>
+            <a:fontRef idx="minor">
+              <a:schemeClr val="dk1"/>
+            </a:fontRef>
+          </p:style>
+          <p:txBody>
+            <a:bodyPr rtlCol="0" anchor="t"/>
+            <a:lstStyle/>
+            <a:p>
+              <a:pPr algn="ctr"/>
+              <a:r>
+                <a:rPr lang="en-US" altLang="ko-KR" sz="1200" dirty="0" smtClean="0"/>
+                <a:t>Shared</a:t>
+              </a:r>
+            </a:p>
+            <a:p>
+              <a:pPr algn="ctr"/>
+              <a:r>
+                <a:rPr lang="en-US" altLang="ko-KR" sz="1200" dirty="0" err="1" smtClean="0"/>
+                <a:t>Filesystem</a:t>
+              </a:r>
+              <a:r>
+                <a:rPr lang="en-US" altLang="ko-KR" sz="1200" dirty="0" smtClean="0"/>
+                <a:t> (</a:t>
+              </a:r>
+              <a:r>
+                <a:rPr lang="en-US" altLang="ko-KR" sz="1200" dirty="0" err="1" smtClean="0"/>
+                <a:t>HDFS</a:t>
+              </a:r>
+              <a:r>
+                <a:rPr lang="en-US" altLang="ko-KR" sz="1400" dirty="0" smtClean="0"/>
+                <a:t>)</a:t>
+              </a:r>
+              <a:endParaRPr lang="ko-KR" altLang="en-US" sz="1400" dirty="0"/>
+            </a:p>
+          </p:txBody>
+        </p:sp>
+        <p:sp>
+          <p:nvSpPr>
+            <p:cNvPr id="108" name="모서리가 둥근 직사각형 18">
+              <a:extLst>
+                <a:ext uri="{FF2B5EF4-FFF2-40B4-BE49-F238E27FC236}">
+                  <a16:creationId xmlns="" xmlns:a16="http://schemas.microsoft.com/office/drawing/2014/main" id="{90910971-3F87-488C-9CD0-4E04E8DEA3B0}"/>
+                </a:ext>
+              </a:extLst>
+            </p:cNvPr>
+            <p:cNvSpPr/>
+            <p:nvPr/>
+          </p:nvSpPr>
+          <p:spPr>
+            <a:xfrm>
+              <a:off x="2256815" y="3472684"/>
+              <a:ext cx="803017" cy="323202"/>
+            </a:xfrm>
+            <a:prstGeom prst="roundRect">
+              <a:avLst>
+                <a:gd name="adj" fmla="val 26899"/>
+              </a:avLst>
+            </a:prstGeom>
+          </p:spPr>
+          <p:style>
+            <a:lnRef idx="2">
+              <a:schemeClr val="dk1"/>
+            </a:lnRef>
+            <a:fillRef idx="1">
+              <a:schemeClr val="lt1"/>
+            </a:fillRef>
+            <a:effectRef idx="0">
+              <a:schemeClr val="dk1"/>
+            </a:effectRef>
+            <a:fontRef idx="minor">
+              <a:schemeClr val="dk1"/>
+            </a:fontRef>
+          </p:style>
+          <p:txBody>
+            <a:bodyPr rtlCol="0" anchor="ctr"/>
+            <a:lstStyle/>
+            <a:p>
+              <a:pPr algn="ctr"/>
+              <a:r>
+                <a:rPr lang="en-US" altLang="ko-KR" sz="1200" dirty="0" smtClean="0"/>
+                <a:t>File</a:t>
+              </a:r>
+              <a:endParaRPr lang="ko-KR" altLang="en-US" sz="1200" dirty="0"/>
+            </a:p>
+          </p:txBody>
+        </p:sp>
+        <p:sp>
+          <p:nvSpPr>
+            <p:cNvPr id="109" name="모서리가 둥근 직사각형 18">
+              <a:extLst>
+                <a:ext uri="{FF2B5EF4-FFF2-40B4-BE49-F238E27FC236}">
+                  <a16:creationId xmlns="" xmlns:a16="http://schemas.microsoft.com/office/drawing/2014/main" id="{90910971-3F87-488C-9CD0-4E04E8DEA3B0}"/>
+                </a:ext>
+              </a:extLst>
+            </p:cNvPr>
+            <p:cNvSpPr/>
+            <p:nvPr/>
+          </p:nvSpPr>
+          <p:spPr>
+            <a:xfrm>
+              <a:off x="1320711" y="3472684"/>
+              <a:ext cx="803017" cy="323202"/>
+            </a:xfrm>
+            <a:prstGeom prst="roundRect">
+              <a:avLst>
+                <a:gd name="adj" fmla="val 28736"/>
+              </a:avLst>
+            </a:prstGeom>
+          </p:spPr>
+          <p:style>
+            <a:lnRef idx="2">
+              <a:schemeClr val="dk1"/>
+            </a:lnRef>
+            <a:fillRef idx="1">
+              <a:schemeClr val="lt1"/>
+            </a:fillRef>
+            <a:effectRef idx="0">
+              <a:schemeClr val="dk1"/>
+            </a:effectRef>
+            <a:fontRef idx="minor">
+              <a:schemeClr val="dk1"/>
+            </a:fontRef>
+          </p:style>
+          <p:txBody>
+            <a:bodyPr rtlCol="0" anchor="ctr"/>
+            <a:lstStyle/>
+            <a:p>
+              <a:pPr algn="ctr"/>
+              <a:r>
+                <a:rPr lang="en-US" altLang="ko-KR" sz="1200" dirty="0" smtClean="0"/>
+                <a:t>Task Jar</a:t>
+              </a:r>
+              <a:endParaRPr lang="ko-KR" altLang="en-US" sz="1200" dirty="0"/>
+            </a:p>
+          </p:txBody>
+        </p:sp>
+      </p:grpSp>
+      <p:sp>
+        <p:nvSpPr>
+          <p:cNvPr id="88" name="모서리가 둥근 직사각형 18">
+            <a:extLst>
+              <a:ext uri="{FF2B5EF4-FFF2-40B4-BE49-F238E27FC236}">
+                <a16:creationId xmlns="" xmlns:a16="http://schemas.microsoft.com/office/drawing/2014/main" id="{C82D4484-29CF-4C5C-94F6-3E611E578082}"/>
+              </a:ext>
+            </a:extLst>
+          </p:cNvPr>
+          <p:cNvSpPr/>
+          <p:nvPr/>
+        </p:nvSpPr>
+        <p:spPr>
+          <a:xfrm>
+            <a:off x="6804248" y="2636642"/>
+            <a:ext cx="1855696" cy="2383380"/>
+          </a:xfrm>
+          <a:prstGeom prst="roundRect">
+            <a:avLst>
+              <a:gd name="adj" fmla="val 4069"/>
+            </a:avLst>
+          </a:prstGeom>
+        </p:spPr>
+        <p:style>
+          <a:lnRef idx="2">
+            <a:schemeClr val="dk1"/>
+          </a:lnRef>
+          <a:fillRef idx="1">
+            <a:schemeClr val="lt1"/>
+          </a:fillRef>
+          <a:effectRef idx="0">
+            <a:schemeClr val="dk1"/>
+          </a:effectRef>
+          <a:fontRef idx="minor">
+            <a:schemeClr val="dk1"/>
+          </a:fontRef>
+        </p:style>
+        <p:txBody>
+          <a:bodyPr rtlCol="0" anchor="b"/>
+          <a:lstStyle/>
+          <a:p>
+            <a:pPr algn="ctr"/>
+            <a:r>
+              <a:rPr lang="en-US" altLang="ko-KR" sz="1400" dirty="0"/>
+              <a:t>Node</a:t>
+            </a:r>
+            <a:endParaRPr lang="ko-KR" altLang="en-US" sz="1400" dirty="0"/>
+          </a:p>
+        </p:txBody>
+      </p:sp>
+      <p:sp>
+        <p:nvSpPr>
+          <p:cNvPr id="89" name="모서리가 둥근 직사각형 18">
+            <a:extLst>
+              <a:ext uri="{FF2B5EF4-FFF2-40B4-BE49-F238E27FC236}">
+                <a16:creationId xmlns="" xmlns:a16="http://schemas.microsoft.com/office/drawing/2014/main" id="{49DD9DEF-515F-4613-B0A2-804648D3051B}"/>
+              </a:ext>
+            </a:extLst>
+          </p:cNvPr>
+          <p:cNvSpPr/>
+          <p:nvPr/>
+        </p:nvSpPr>
+        <p:spPr>
+          <a:xfrm>
+            <a:off x="6931752" y="2751770"/>
+            <a:ext cx="1584176" cy="400214"/>
+          </a:xfrm>
+          <a:prstGeom prst="roundRect">
+            <a:avLst>
+              <a:gd name="adj" fmla="val 16762"/>
+            </a:avLst>
+          </a:prstGeom>
+        </p:spPr>
+        <p:style>
+          <a:lnRef idx="2">
+            <a:schemeClr val="dk1"/>
+          </a:lnRef>
+          <a:fillRef idx="1">
+            <a:schemeClr val="lt1"/>
+          </a:fillRef>
+          <a:effectRef idx="0">
+            <a:schemeClr val="dk1"/>
+          </a:effectRef>
+          <a:fontRef idx="minor">
+            <a:schemeClr val="dk1"/>
+          </a:fontRef>
+        </p:style>
+        <p:txBody>
+          <a:bodyPr rtlCol="0" anchor="ctr"/>
+          <a:lstStyle/>
+          <a:p>
+            <a:pPr algn="ctr"/>
+            <a:r>
+              <a:rPr lang="en-US" altLang="ko-KR" sz="1400" dirty="0"/>
+              <a:t>Node Manager</a:t>
+            </a:r>
+            <a:endParaRPr lang="ko-KR" altLang="en-US" sz="1400" dirty="0"/>
+          </a:p>
+        </p:txBody>
+      </p:sp>
+      <p:sp>
+        <p:nvSpPr>
+          <p:cNvPr id="92" name="모서리가 둥근 직사각형 18">
+            <a:extLst>
+              <a:ext uri="{FF2B5EF4-FFF2-40B4-BE49-F238E27FC236}">
+                <a16:creationId xmlns="" xmlns:a16="http://schemas.microsoft.com/office/drawing/2014/main" id="{49DD9DEF-515F-4613-B0A2-804648D3051B}"/>
+              </a:ext>
+            </a:extLst>
+          </p:cNvPr>
+          <p:cNvSpPr/>
+          <p:nvPr/>
+        </p:nvSpPr>
+        <p:spPr>
+          <a:xfrm>
+            <a:off x="6931752" y="3284714"/>
+            <a:ext cx="1584176" cy="1375268"/>
+          </a:xfrm>
+          <a:prstGeom prst="roundRect">
+            <a:avLst>
+              <a:gd name="adj" fmla="val 6833"/>
+            </a:avLst>
+          </a:prstGeom>
+        </p:spPr>
+        <p:style>
+          <a:lnRef idx="2">
+            <a:schemeClr val="dk1"/>
+          </a:lnRef>
+          <a:fillRef idx="1">
+            <a:schemeClr val="lt1"/>
+          </a:fillRef>
+          <a:effectRef idx="0">
+            <a:schemeClr val="dk1"/>
+          </a:effectRef>
+          <a:fontRef idx="minor">
+            <a:schemeClr val="dk1"/>
+          </a:fontRef>
+        </p:style>
+        <p:txBody>
+          <a:bodyPr rtlCol="0" anchor="b"/>
+          <a:lstStyle/>
+          <a:p>
+            <a:pPr algn="ctr"/>
+            <a:r>
+              <a:rPr lang="en-US" altLang="ko-KR" sz="1400" dirty="0" smtClean="0"/>
+              <a:t>Container (</a:t>
+            </a:r>
+            <a:r>
+              <a:rPr lang="en-US" altLang="ko-KR" sz="1400" dirty="0" err="1" smtClean="0"/>
+              <a:t>JVM</a:t>
+            </a:r>
+            <a:r>
+              <a:rPr lang="en-US" altLang="ko-KR" sz="1400" dirty="0" smtClean="0"/>
+              <a:t>)</a:t>
+            </a:r>
+            <a:endParaRPr lang="ko-KR" altLang="en-US" sz="1400" dirty="0"/>
+          </a:p>
+        </p:txBody>
+      </p:sp>
+      <p:cxnSp>
+        <p:nvCxnSpPr>
+          <p:cNvPr id="114" name="직선 화살표 연결선 113">
+            <a:extLst>
+              <a:ext uri="{FF2B5EF4-FFF2-40B4-BE49-F238E27FC236}">
+                <a16:creationId xmlns:a16="http://schemas.microsoft.com/office/drawing/2014/main" xmlns="" id="{6B28761E-A6ED-418A-9384-3AEDDF0E8035}"/>
+              </a:ext>
+            </a:extLst>
+          </p:cNvPr>
+          <p:cNvCxnSpPr>
+            <a:cxnSpLocks/>
+            <a:stCxn id="92" idx="0"/>
+            <a:endCxn id="89" idx="2"/>
+          </p:cNvCxnSpPr>
+          <p:nvPr/>
+        </p:nvCxnSpPr>
+        <p:spPr>
+          <a:xfrm flipV="1">
+            <a:off x="7723840" y="3151984"/>
+            <a:ext cx="0" cy="132730"/>
+          </a:xfrm>
+          <a:prstGeom prst="straightConnector1">
+            <a:avLst/>
+          </a:prstGeom>
+          <a:ln w="28575">
+            <a:solidFill>
+              <a:srgbClr val="C00000"/>
+            </a:solidFill>
+            <a:headEnd type="arrow" w="med" len="med"/>
+            <a:tailEnd type="none" w="med" len="med"/>
+          </a:ln>
+        </p:spPr>
+        <p:style>
+          <a:lnRef idx="1">
+            <a:schemeClr val="accent1"/>
+          </a:lnRef>
+          <a:fillRef idx="0">
+            <a:schemeClr val="accent1"/>
+          </a:fillRef>
+          <a:effectRef idx="0">
+            <a:schemeClr val="accent1"/>
+          </a:effectRef>
+          <a:fontRef idx="minor">
+            <a:schemeClr val="tx1"/>
+          </a:fontRef>
+        </p:style>
+      </p:cxnSp>
+      <p:sp>
+        <p:nvSpPr>
+          <p:cNvPr id="123" name="모서리가 둥근 직사각형 18">
+            <a:extLst>
+              <a:ext uri="{FF2B5EF4-FFF2-40B4-BE49-F238E27FC236}">
+                <a16:creationId xmlns="" xmlns:a16="http://schemas.microsoft.com/office/drawing/2014/main" id="{49DD9DEF-515F-4613-B0A2-804648D3051B}"/>
+              </a:ext>
+            </a:extLst>
+          </p:cNvPr>
+          <p:cNvSpPr/>
+          <p:nvPr/>
+        </p:nvSpPr>
+        <p:spPr>
+          <a:xfrm>
+            <a:off x="7066533" y="3386412"/>
+            <a:ext cx="1331126" cy="366354"/>
+          </a:xfrm>
+          <a:prstGeom prst="roundRect">
+            <a:avLst>
+              <a:gd name="adj" fmla="val 16762"/>
+            </a:avLst>
+          </a:prstGeom>
+        </p:spPr>
+        <p:style>
+          <a:lnRef idx="2">
+            <a:schemeClr val="dk1"/>
+          </a:lnRef>
+          <a:fillRef idx="1">
+            <a:schemeClr val="lt1"/>
+          </a:fillRef>
+          <a:effectRef idx="0">
+            <a:schemeClr val="dk1"/>
+          </a:effectRef>
+          <a:fontRef idx="minor">
+            <a:schemeClr val="dk1"/>
+          </a:fontRef>
+        </p:style>
+        <p:txBody>
+          <a:bodyPr rtlCol="0" anchor="ctr"/>
+          <a:lstStyle/>
+          <a:p>
+            <a:pPr algn="ctr"/>
+            <a:r>
+              <a:rPr lang="en-US" altLang="ko-KR" sz="1400" dirty="0" smtClean="0"/>
+              <a:t>Yarn Child</a:t>
+            </a:r>
+            <a:endParaRPr lang="ko-KR" altLang="en-US" sz="1400" dirty="0"/>
+          </a:p>
+        </p:txBody>
+      </p:sp>
+      <p:sp>
+        <p:nvSpPr>
+          <p:cNvPr id="130" name="모서리가 둥근 직사각형 18">
+            <a:extLst>
+              <a:ext uri="{FF2B5EF4-FFF2-40B4-BE49-F238E27FC236}">
+                <a16:creationId xmlns="" xmlns:a16="http://schemas.microsoft.com/office/drawing/2014/main" id="{49DD9DEF-515F-4613-B0A2-804648D3051B}"/>
+              </a:ext>
+            </a:extLst>
+          </p:cNvPr>
+          <p:cNvSpPr/>
+          <p:nvPr/>
+        </p:nvSpPr>
+        <p:spPr>
+          <a:xfrm>
+            <a:off x="7066533" y="3965478"/>
+            <a:ext cx="1331126" cy="366354"/>
+          </a:xfrm>
+          <a:prstGeom prst="roundRect">
+            <a:avLst>
+              <a:gd name="adj" fmla="val 16762"/>
+            </a:avLst>
+          </a:prstGeom>
+        </p:spPr>
+        <p:style>
+          <a:lnRef idx="2">
+            <a:schemeClr val="dk1"/>
+          </a:lnRef>
+          <a:fillRef idx="1">
+            <a:schemeClr val="lt1"/>
+          </a:fillRef>
+          <a:effectRef idx="0">
+            <a:schemeClr val="dk1"/>
+          </a:effectRef>
+          <a:fontRef idx="minor">
+            <a:schemeClr val="dk1"/>
+          </a:fontRef>
+        </p:style>
+        <p:txBody>
+          <a:bodyPr rtlCol="0" anchor="ctr"/>
+          <a:lstStyle/>
+          <a:p>
+            <a:pPr algn="ctr"/>
+            <a:r>
+              <a:rPr lang="en-US" altLang="ko-KR" sz="1400" dirty="0" smtClean="0"/>
+              <a:t>Task</a:t>
+            </a:r>
+            <a:endParaRPr lang="ko-KR" altLang="en-US" sz="1400" dirty="0"/>
+          </a:p>
+        </p:txBody>
+      </p:sp>
+      <p:cxnSp>
+        <p:nvCxnSpPr>
+          <p:cNvPr id="145" name="직선 화살표 연결선 144">
+            <a:extLst>
+              <a:ext uri="{FF2B5EF4-FFF2-40B4-BE49-F238E27FC236}">
+                <a16:creationId xmlns:a16="http://schemas.microsoft.com/office/drawing/2014/main" xmlns="" id="{6B28761E-A6ED-418A-9384-3AEDDF0E8035}"/>
+              </a:ext>
+            </a:extLst>
+          </p:cNvPr>
+          <p:cNvCxnSpPr>
+            <a:cxnSpLocks/>
+          </p:cNvCxnSpPr>
+          <p:nvPr/>
+        </p:nvCxnSpPr>
+        <p:spPr>
+          <a:xfrm flipH="1">
+            <a:off x="2483768" y="1770870"/>
+            <a:ext cx="363279" cy="1520960"/>
+          </a:xfrm>
+          <a:prstGeom prst="straightConnector1">
+            <a:avLst/>
+          </a:prstGeom>
+          <a:ln w="28575">
+            <a:solidFill>
+              <a:srgbClr val="C00000"/>
+            </a:solidFill>
+            <a:headEnd type="none" w="med" len="med"/>
+            <a:tailEnd type="arrow" w="med" len="med"/>
+          </a:ln>
+        </p:spPr>
+        <p:style>
+          <a:lnRef idx="1">
+            <a:schemeClr val="accent1"/>
+          </a:lnRef>
+          <a:fillRef idx="0">
+            <a:schemeClr val="accent1"/>
+          </a:fillRef>
+          <a:effectRef idx="0">
+            <a:schemeClr val="accent1"/>
+          </a:effectRef>
+          <a:fontRef idx="minor">
+            <a:schemeClr val="tx1"/>
+          </a:fontRef>
+        </p:style>
+      </p:cxnSp>
+      <p:cxnSp>
+        <p:nvCxnSpPr>
+          <p:cNvPr id="151" name="직선 화살표 연결선 150">
+            <a:extLst>
+              <a:ext uri="{FF2B5EF4-FFF2-40B4-BE49-F238E27FC236}">
+                <a16:creationId xmlns:a16="http://schemas.microsoft.com/office/drawing/2014/main" xmlns="" id="{6B28761E-A6ED-418A-9384-3AEDDF0E8035}"/>
+              </a:ext>
+            </a:extLst>
+          </p:cNvPr>
+          <p:cNvCxnSpPr>
+            <a:cxnSpLocks/>
+            <a:stCxn id="47" idx="3"/>
+            <a:endCxn id="7" idx="2"/>
+          </p:cNvCxnSpPr>
+          <p:nvPr/>
+        </p:nvCxnSpPr>
+        <p:spPr>
+          <a:xfrm flipV="1">
+            <a:off x="3270853" y="1470807"/>
+            <a:ext cx="2028821" cy="138462"/>
+          </a:xfrm>
+          <a:prstGeom prst="straightConnector1">
+            <a:avLst/>
+          </a:prstGeom>
+          <a:ln w="28575">
+            <a:solidFill>
+              <a:srgbClr val="C00000"/>
+            </a:solidFill>
+            <a:headEnd type="none" w="med" len="med"/>
+            <a:tailEnd type="arrow" w="med" len="med"/>
+          </a:ln>
+        </p:spPr>
+        <p:style>
+          <a:lnRef idx="1">
+            <a:schemeClr val="accent1"/>
+          </a:lnRef>
+          <a:fillRef idx="0">
+            <a:schemeClr val="accent1"/>
+          </a:fillRef>
+          <a:effectRef idx="0">
+            <a:schemeClr val="accent1"/>
+          </a:effectRef>
+          <a:fontRef idx="minor">
+            <a:schemeClr val="tx1"/>
+          </a:fontRef>
+        </p:style>
+      </p:cxnSp>
+      <p:cxnSp>
+        <p:nvCxnSpPr>
+          <p:cNvPr id="155" name="직선 화살표 연결선 154">
+            <a:extLst>
+              <a:ext uri="{FF2B5EF4-FFF2-40B4-BE49-F238E27FC236}">
+                <a16:creationId xmlns:a16="http://schemas.microsoft.com/office/drawing/2014/main" xmlns="" id="{6B28761E-A6ED-418A-9384-3AEDDF0E8035}"/>
+              </a:ext>
+            </a:extLst>
+          </p:cNvPr>
+          <p:cNvCxnSpPr>
+            <a:cxnSpLocks/>
+            <a:stCxn id="80" idx="3"/>
+            <a:endCxn id="85" idx="1"/>
+          </p:cNvCxnSpPr>
+          <p:nvPr/>
+        </p:nvCxnSpPr>
+        <p:spPr>
+          <a:xfrm flipV="1">
+            <a:off x="3673145" y="2958993"/>
+            <a:ext cx="783607" cy="742092"/>
+          </a:xfrm>
+          <a:prstGeom prst="straightConnector1">
+            <a:avLst/>
+          </a:prstGeom>
+          <a:ln w="28575">
+            <a:solidFill>
+              <a:srgbClr val="C00000"/>
+            </a:solidFill>
+            <a:headEnd type="none" w="med" len="med"/>
+            <a:tailEnd type="arrow" w="med" len="med"/>
+          </a:ln>
+        </p:spPr>
+        <p:style>
+          <a:lnRef idx="1">
+            <a:schemeClr val="accent1"/>
+          </a:lnRef>
+          <a:fillRef idx="0">
+            <a:schemeClr val="accent1"/>
+          </a:fillRef>
+          <a:effectRef idx="0">
+            <a:schemeClr val="accent1"/>
+          </a:effectRef>
+          <a:fontRef idx="minor">
+            <a:schemeClr val="tx1"/>
+          </a:fontRef>
+        </p:style>
+      </p:cxnSp>
+      <p:cxnSp>
+        <p:nvCxnSpPr>
+          <p:cNvPr id="159" name="직선 화살표 연결선 158">
+            <a:extLst>
+              <a:ext uri="{FF2B5EF4-FFF2-40B4-BE49-F238E27FC236}">
+                <a16:creationId xmlns:a16="http://schemas.microsoft.com/office/drawing/2014/main" xmlns="" id="{6B28761E-A6ED-418A-9384-3AEDDF0E8035}"/>
+              </a:ext>
+            </a:extLst>
+          </p:cNvPr>
+          <p:cNvCxnSpPr>
+            <a:cxnSpLocks/>
+            <a:stCxn id="95" idx="3"/>
+            <a:endCxn id="89" idx="1"/>
+          </p:cNvCxnSpPr>
+          <p:nvPr/>
+        </p:nvCxnSpPr>
+        <p:spPr>
+          <a:xfrm flipV="1">
+            <a:off x="5913422" y="2951877"/>
+            <a:ext cx="1018330" cy="916017"/>
+          </a:xfrm>
+          <a:prstGeom prst="straightConnector1">
+            <a:avLst/>
+          </a:prstGeom>
+          <a:ln w="28575">
+            <a:solidFill>
+              <a:srgbClr val="C00000"/>
+            </a:solidFill>
+            <a:headEnd type="none" w="med" len="med"/>
+            <a:tailEnd type="arrow" w="med" len="med"/>
+          </a:ln>
+        </p:spPr>
+        <p:style>
+          <a:lnRef idx="1">
+            <a:schemeClr val="accent1"/>
+          </a:lnRef>
+          <a:fillRef idx="0">
+            <a:schemeClr val="accent1"/>
+          </a:fillRef>
+          <a:effectRef idx="0">
+            <a:schemeClr val="accent1"/>
+          </a:effectRef>
+          <a:fontRef idx="minor">
+            <a:schemeClr val="tx1"/>
+          </a:fontRef>
+        </p:style>
+      </p:cxnSp>
+      <p:cxnSp>
+        <p:nvCxnSpPr>
+          <p:cNvPr id="162" name="직선 화살표 연결선 161">
+            <a:extLst>
+              <a:ext uri="{FF2B5EF4-FFF2-40B4-BE49-F238E27FC236}">
+                <a16:creationId xmlns:a16="http://schemas.microsoft.com/office/drawing/2014/main" xmlns="" id="{6B28761E-A6ED-418A-9384-3AEDDF0E8035}"/>
+              </a:ext>
+            </a:extLst>
+          </p:cNvPr>
+          <p:cNvCxnSpPr>
+            <a:cxnSpLocks/>
+          </p:cNvCxnSpPr>
+          <p:nvPr/>
+        </p:nvCxnSpPr>
+        <p:spPr>
+          <a:xfrm flipH="1" flipV="1">
+            <a:off x="3673145" y="3701085"/>
+            <a:ext cx="909151" cy="94801"/>
+          </a:xfrm>
+          <a:prstGeom prst="straightConnector1">
+            <a:avLst/>
+          </a:prstGeom>
+          <a:ln w="28575">
+            <a:solidFill>
+              <a:srgbClr val="C00000"/>
+            </a:solidFill>
+            <a:headEnd type="none" w="med" len="med"/>
+            <a:tailEnd type="arrow" w="med" len="med"/>
+          </a:ln>
+        </p:spPr>
+        <p:style>
+          <a:lnRef idx="1">
+            <a:schemeClr val="accent1"/>
+          </a:lnRef>
+          <a:fillRef idx="0">
+            <a:schemeClr val="accent1"/>
+          </a:fillRef>
+          <a:effectRef idx="0">
+            <a:schemeClr val="accent1"/>
+          </a:effectRef>
+          <a:fontRef idx="minor">
+            <a:schemeClr val="tx1"/>
+          </a:fontRef>
+        </p:style>
+      </p:cxnSp>
+      <p:cxnSp>
+        <p:nvCxnSpPr>
+          <p:cNvPr id="165" name="직선 화살표 연결선 164">
+            <a:extLst>
+              <a:ext uri="{FF2B5EF4-FFF2-40B4-BE49-F238E27FC236}">
+                <a16:creationId xmlns:a16="http://schemas.microsoft.com/office/drawing/2014/main" xmlns="" id="{6B28761E-A6ED-418A-9384-3AEDDF0E8035}"/>
+              </a:ext>
+            </a:extLst>
+          </p:cNvPr>
+          <p:cNvCxnSpPr>
+            <a:cxnSpLocks/>
+            <a:stCxn id="95" idx="0"/>
+          </p:cNvCxnSpPr>
+          <p:nvPr/>
+        </p:nvCxnSpPr>
+        <p:spPr>
+          <a:xfrm flipV="1">
+            <a:off x="5247859" y="2240428"/>
+            <a:ext cx="1268357" cy="1339434"/>
+          </a:xfrm>
+          <a:prstGeom prst="straightConnector1">
+            <a:avLst/>
+          </a:prstGeom>
+          <a:ln w="28575">
+            <a:solidFill>
+              <a:srgbClr val="C00000"/>
+            </a:solidFill>
+            <a:headEnd type="none" w="med" len="med"/>
+            <a:tailEnd type="arrow" w="med" len="med"/>
+          </a:ln>
+        </p:spPr>
+        <p:style>
+          <a:lnRef idx="1">
+            <a:schemeClr val="accent1"/>
+          </a:lnRef>
+          <a:fillRef idx="0">
+            <a:schemeClr val="accent1"/>
+          </a:fillRef>
+          <a:effectRef idx="0">
+            <a:schemeClr val="accent1"/>
+          </a:effectRef>
+          <a:fontRef idx="minor">
+            <a:schemeClr val="tx1"/>
+          </a:fontRef>
+        </p:style>
+      </p:cxnSp>
+      <p:cxnSp>
+        <p:nvCxnSpPr>
+          <p:cNvPr id="168" name="직선 화살표 연결선 167">
+            <a:extLst>
+              <a:ext uri="{FF2B5EF4-FFF2-40B4-BE49-F238E27FC236}">
+                <a16:creationId xmlns:a16="http://schemas.microsoft.com/office/drawing/2014/main" xmlns="" id="{6B28761E-A6ED-418A-9384-3AEDDF0E8035}"/>
+              </a:ext>
+            </a:extLst>
+          </p:cNvPr>
+          <p:cNvCxnSpPr>
+            <a:cxnSpLocks/>
+            <a:endCxn id="123" idx="0"/>
+          </p:cNvCxnSpPr>
+          <p:nvPr/>
+        </p:nvCxnSpPr>
+        <p:spPr>
+          <a:xfrm>
+            <a:off x="6732240" y="2240428"/>
+            <a:ext cx="999856" cy="1145984"/>
+          </a:xfrm>
+          <a:prstGeom prst="straightConnector1">
+            <a:avLst/>
+          </a:prstGeom>
+          <a:ln w="28575">
+            <a:solidFill>
+              <a:srgbClr val="C00000"/>
+            </a:solidFill>
+            <a:headEnd type="none" w="med" len="med"/>
+            <a:tailEnd type="arrow" w="med" len="med"/>
+          </a:ln>
+        </p:spPr>
+        <p:style>
+          <a:lnRef idx="1">
+            <a:schemeClr val="accent1"/>
+          </a:lnRef>
+          <a:fillRef idx="0">
+            <a:schemeClr val="accent1"/>
+          </a:fillRef>
+          <a:effectRef idx="0">
+            <a:schemeClr val="accent1"/>
+          </a:effectRef>
+          <a:fontRef idx="minor">
+            <a:schemeClr val="tx1"/>
+          </a:fontRef>
+        </p:style>
+      </p:cxnSp>
+      <p:cxnSp>
+        <p:nvCxnSpPr>
+          <p:cNvPr id="172" name="직선 화살표 연결선 171">
+            <a:extLst>
+              <a:ext uri="{FF2B5EF4-FFF2-40B4-BE49-F238E27FC236}">
+                <a16:creationId xmlns:a16="http://schemas.microsoft.com/office/drawing/2014/main" xmlns="" id="{6B28761E-A6ED-418A-9384-3AEDDF0E8035}"/>
+              </a:ext>
+            </a:extLst>
+          </p:cNvPr>
+          <p:cNvCxnSpPr>
+            <a:cxnSpLocks/>
+            <a:stCxn id="130" idx="0"/>
+            <a:endCxn id="123" idx="2"/>
+          </p:cNvCxnSpPr>
+          <p:nvPr/>
+        </p:nvCxnSpPr>
+        <p:spPr>
+          <a:xfrm flipV="1">
+            <a:off x="7732096" y="3752766"/>
+            <a:ext cx="0" cy="212712"/>
+          </a:xfrm>
+          <a:prstGeom prst="straightConnector1">
+            <a:avLst/>
+          </a:prstGeom>
+          <a:ln w="28575">
+            <a:solidFill>
+              <a:srgbClr val="C00000"/>
+            </a:solidFill>
+            <a:headEnd type="arrow" w="med" len="med"/>
+            <a:tailEnd type="none" w="med" len="med"/>
+          </a:ln>
+        </p:spPr>
+        <p:style>
+          <a:lnRef idx="1">
+            <a:schemeClr val="accent1"/>
+          </a:lnRef>
+          <a:fillRef idx="0">
+            <a:schemeClr val="accent1"/>
+          </a:fillRef>
+          <a:effectRef idx="0">
+            <a:schemeClr val="accent1"/>
+          </a:effectRef>
+          <a:fontRef idx="minor">
+            <a:schemeClr val="tx1"/>
+          </a:fontRef>
+        </p:style>
+      </p:cxnSp>
+      <p:sp>
+        <p:nvSpPr>
+          <p:cNvPr id="175" name="타원 174">
+            <a:extLst>
+              <a:ext uri="{FF2B5EF4-FFF2-40B4-BE49-F238E27FC236}">
+                <a16:creationId xmlns:a16="http://schemas.microsoft.com/office/drawing/2014/main" xmlns="" id="{5F83F9E5-52FB-4808-9C34-197CE38E96AE}"/>
+              </a:ext>
+            </a:extLst>
+          </p:cNvPr>
+          <p:cNvSpPr/>
+          <p:nvPr/>
+        </p:nvSpPr>
+        <p:spPr>
+          <a:xfrm>
+            <a:off x="2195736" y="1610070"/>
+            <a:ext cx="288032" cy="288032"/>
+          </a:xfrm>
+          <a:prstGeom prst="ellipse">
+            <a:avLst/>
+          </a:prstGeom>
+          <a:solidFill>
+            <a:schemeClr val="bg1"/>
+          </a:solidFill>
+          <a:ln>
+            <a:solidFill>
+              <a:srgbClr val="C00000"/>
+            </a:solidFill>
+          </a:ln>
+        </p:spPr>
+        <p:style>
+          <a:lnRef idx="2">
+            <a:schemeClr val="accent1">
+              <a:shade val="50000"/>
+            </a:schemeClr>
+          </a:lnRef>
+          <a:fillRef idx="1">
+            <a:schemeClr val="accent1"/>
+          </a:fillRef>
+          <a:effectRef idx="0">
+            <a:schemeClr val="accent1"/>
+          </a:effectRef>
+          <a:fontRef idx="minor">
+            <a:schemeClr val="lt1"/>
+          </a:fontRef>
+        </p:style>
+        <p:txBody>
+          <a:bodyPr rtlCol="0" anchor="ctr"/>
+          <a:lstStyle/>
+          <a:p>
+            <a:pPr algn="ctr"/>
+            <a:r>
+              <a:rPr lang="en-US" altLang="ko-KR" sz="1600" dirty="0">
+                <a:solidFill>
+                  <a:srgbClr val="C00000"/>
+                </a:solidFill>
+              </a:rPr>
+              <a:t>1</a:t>
+            </a:r>
+            <a:endParaRPr lang="ko-KR" altLang="en-US" sz="1600" dirty="0">
+              <a:solidFill>
+                <a:srgbClr val="C00000"/>
+              </a:solidFill>
+            </a:endParaRPr>
+          </a:p>
+        </p:txBody>
+      </p:sp>
+      <p:sp>
+        <p:nvSpPr>
+          <p:cNvPr id="176" name="타원 175">
+            <a:extLst>
+              <a:ext uri="{FF2B5EF4-FFF2-40B4-BE49-F238E27FC236}">
+                <a16:creationId xmlns:a16="http://schemas.microsoft.com/office/drawing/2014/main" xmlns="" id="{5F83F9E5-52FB-4808-9C34-197CE38E96AE}"/>
+              </a:ext>
+            </a:extLst>
+          </p:cNvPr>
+          <p:cNvSpPr/>
+          <p:nvPr/>
+        </p:nvSpPr>
+        <p:spPr>
+          <a:xfrm>
+            <a:off x="2432616" y="2139702"/>
+            <a:ext cx="288032" cy="288032"/>
+          </a:xfrm>
+          <a:prstGeom prst="ellipse">
+            <a:avLst/>
+          </a:prstGeom>
+          <a:solidFill>
+            <a:schemeClr val="bg1"/>
+          </a:solidFill>
+          <a:ln>
+            <a:solidFill>
+              <a:srgbClr val="C00000"/>
+            </a:solidFill>
+          </a:ln>
+        </p:spPr>
+        <p:style>
+          <a:lnRef idx="2">
+            <a:schemeClr val="accent1">
+              <a:shade val="50000"/>
+            </a:schemeClr>
+          </a:lnRef>
+          <a:fillRef idx="1">
+            <a:schemeClr val="accent1"/>
+          </a:fillRef>
+          <a:effectRef idx="0">
+            <a:schemeClr val="accent1"/>
+          </a:effectRef>
+          <a:fontRef idx="minor">
+            <a:schemeClr val="lt1"/>
+          </a:fontRef>
+        </p:style>
+        <p:txBody>
+          <a:bodyPr rtlCol="0" anchor="ctr"/>
+          <a:lstStyle/>
+          <a:p>
+            <a:pPr algn="ctr"/>
+            <a:r>
+              <a:rPr lang="en-US" altLang="ko-KR" sz="1600" dirty="0">
+                <a:solidFill>
+                  <a:srgbClr val="C00000"/>
+                </a:solidFill>
+              </a:rPr>
+              <a:t>2</a:t>
+            </a:r>
+            <a:endParaRPr lang="ko-KR" altLang="en-US" sz="1600" dirty="0">
+              <a:solidFill>
+                <a:srgbClr val="C00000"/>
+              </a:solidFill>
+            </a:endParaRPr>
+          </a:p>
+        </p:txBody>
+      </p:sp>
+      <p:sp>
+        <p:nvSpPr>
+          <p:cNvPr id="177" name="타원 176">
+            <a:extLst>
+              <a:ext uri="{FF2B5EF4-FFF2-40B4-BE49-F238E27FC236}">
+                <a16:creationId xmlns:a16="http://schemas.microsoft.com/office/drawing/2014/main" xmlns="" id="{5F83F9E5-52FB-4808-9C34-197CE38E96AE}"/>
+              </a:ext>
+            </a:extLst>
+          </p:cNvPr>
+          <p:cNvSpPr/>
+          <p:nvPr/>
+        </p:nvSpPr>
+        <p:spPr>
+          <a:xfrm>
+            <a:off x="4093520" y="1256424"/>
+            <a:ext cx="288032" cy="288032"/>
+          </a:xfrm>
+          <a:prstGeom prst="ellipse">
+            <a:avLst/>
+          </a:prstGeom>
+          <a:solidFill>
+            <a:schemeClr val="bg1"/>
+          </a:solidFill>
+          <a:ln>
+            <a:solidFill>
+              <a:srgbClr val="C00000"/>
+            </a:solidFill>
+          </a:ln>
+        </p:spPr>
+        <p:style>
+          <a:lnRef idx="2">
+            <a:schemeClr val="accent1">
+              <a:shade val="50000"/>
+            </a:schemeClr>
+          </a:lnRef>
+          <a:fillRef idx="1">
+            <a:schemeClr val="accent1"/>
+          </a:fillRef>
+          <a:effectRef idx="0">
+            <a:schemeClr val="accent1"/>
+          </a:effectRef>
+          <a:fontRef idx="minor">
+            <a:schemeClr val="lt1"/>
+          </a:fontRef>
+        </p:style>
+        <p:txBody>
+          <a:bodyPr rtlCol="0" anchor="ctr"/>
+          <a:lstStyle/>
+          <a:p>
+            <a:pPr algn="ctr"/>
+            <a:r>
+              <a:rPr lang="en-US" altLang="ko-KR" sz="1600" dirty="0">
+                <a:solidFill>
+                  <a:srgbClr val="C00000"/>
+                </a:solidFill>
+              </a:rPr>
+              <a:t>4</a:t>
+            </a:r>
+            <a:endParaRPr lang="ko-KR" altLang="en-US" sz="1600" dirty="0">
+              <a:solidFill>
+                <a:srgbClr val="C00000"/>
+              </a:solidFill>
+            </a:endParaRPr>
+          </a:p>
+        </p:txBody>
+      </p:sp>
+      <p:sp>
+        <p:nvSpPr>
+          <p:cNvPr id="179" name="타원 178">
+            <a:extLst>
+              <a:ext uri="{FF2B5EF4-FFF2-40B4-BE49-F238E27FC236}">
+                <a16:creationId xmlns:a16="http://schemas.microsoft.com/office/drawing/2014/main" xmlns="" id="{5F83F9E5-52FB-4808-9C34-197CE38E96AE}"/>
+              </a:ext>
+            </a:extLst>
+          </p:cNvPr>
+          <p:cNvSpPr/>
+          <p:nvPr/>
+        </p:nvSpPr>
+        <p:spPr>
+          <a:xfrm>
+            <a:off x="2347820" y="2499742"/>
+            <a:ext cx="288032" cy="288032"/>
+          </a:xfrm>
+          <a:prstGeom prst="ellipse">
+            <a:avLst/>
+          </a:prstGeom>
+          <a:solidFill>
+            <a:schemeClr val="bg1"/>
+          </a:solidFill>
+          <a:ln>
+            <a:solidFill>
+              <a:srgbClr val="C00000"/>
+            </a:solidFill>
+          </a:ln>
+        </p:spPr>
+        <p:style>
+          <a:lnRef idx="2">
+            <a:schemeClr val="accent1">
+              <a:shade val="50000"/>
+            </a:schemeClr>
+          </a:lnRef>
+          <a:fillRef idx="1">
+            <a:schemeClr val="accent1"/>
+          </a:fillRef>
+          <a:effectRef idx="0">
+            <a:schemeClr val="accent1"/>
+          </a:effectRef>
+          <a:fontRef idx="minor">
+            <a:schemeClr val="lt1"/>
+          </a:fontRef>
+        </p:style>
+        <p:txBody>
+          <a:bodyPr rtlCol="0" anchor="ctr"/>
+          <a:lstStyle/>
+          <a:p>
+            <a:pPr algn="ctr"/>
+            <a:r>
+              <a:rPr lang="en-US" altLang="ko-KR" sz="1600" dirty="0">
+                <a:solidFill>
+                  <a:srgbClr val="C00000"/>
+                </a:solidFill>
+              </a:rPr>
+              <a:t>5</a:t>
+            </a:r>
+            <a:endParaRPr lang="ko-KR" altLang="en-US" sz="1600" dirty="0">
+              <a:solidFill>
+                <a:srgbClr val="C00000"/>
+              </a:solidFill>
+            </a:endParaRPr>
+          </a:p>
+        </p:txBody>
+      </p:sp>
+      <p:cxnSp>
+        <p:nvCxnSpPr>
+          <p:cNvPr id="180" name="직선 화살표 연결선 179">
+            <a:extLst>
+              <a:ext uri="{FF2B5EF4-FFF2-40B4-BE49-F238E27FC236}">
+                <a16:creationId xmlns:a16="http://schemas.microsoft.com/office/drawing/2014/main" xmlns="" id="{6B28761E-A6ED-418A-9384-3AEDDF0E8035}"/>
+              </a:ext>
+            </a:extLst>
+          </p:cNvPr>
+          <p:cNvCxnSpPr>
+            <a:cxnSpLocks/>
+          </p:cNvCxnSpPr>
+          <p:nvPr/>
+        </p:nvCxnSpPr>
+        <p:spPr>
+          <a:xfrm flipH="1" flipV="1">
+            <a:off x="3673145" y="3845101"/>
+            <a:ext cx="909151" cy="94801"/>
+          </a:xfrm>
+          <a:prstGeom prst="straightConnector1">
+            <a:avLst/>
+          </a:prstGeom>
+          <a:ln w="28575">
+            <a:solidFill>
+              <a:srgbClr val="C00000"/>
+            </a:solidFill>
+            <a:headEnd type="arrow" w="med" len="med"/>
+            <a:tailEnd type="none" w="med" len="med"/>
+          </a:ln>
+        </p:spPr>
+        <p:style>
+          <a:lnRef idx="1">
+            <a:schemeClr val="accent1"/>
+          </a:lnRef>
+          <a:fillRef idx="0">
+            <a:schemeClr val="accent1"/>
+          </a:fillRef>
+          <a:effectRef idx="0">
+            <a:schemeClr val="accent1"/>
+          </a:effectRef>
+          <a:fontRef idx="minor">
+            <a:schemeClr val="tx1"/>
+          </a:fontRef>
+        </p:style>
+      </p:cxnSp>
+      <p:sp>
+        <p:nvSpPr>
+          <p:cNvPr id="181" name="타원 180">
+            <a:extLst>
+              <a:ext uri="{FF2B5EF4-FFF2-40B4-BE49-F238E27FC236}">
+                <a16:creationId xmlns:a16="http://schemas.microsoft.com/office/drawing/2014/main" xmlns="" id="{5F83F9E5-52FB-4808-9C34-197CE38E96AE}"/>
+              </a:ext>
+            </a:extLst>
+          </p:cNvPr>
+          <p:cNvSpPr/>
+          <p:nvPr/>
+        </p:nvSpPr>
+        <p:spPr>
+          <a:xfrm>
+            <a:off x="3779912" y="3128632"/>
+            <a:ext cx="288032" cy="288032"/>
+          </a:xfrm>
+          <a:prstGeom prst="ellipse">
+            <a:avLst/>
+          </a:prstGeom>
+          <a:solidFill>
+            <a:schemeClr val="bg1"/>
+          </a:solidFill>
+          <a:ln>
+            <a:solidFill>
+              <a:srgbClr val="C00000"/>
+            </a:solidFill>
+          </a:ln>
+        </p:spPr>
+        <p:style>
+          <a:lnRef idx="2">
+            <a:schemeClr val="accent1">
+              <a:shade val="50000"/>
+            </a:schemeClr>
+          </a:lnRef>
+          <a:fillRef idx="1">
+            <a:schemeClr val="accent1"/>
+          </a:fillRef>
+          <a:effectRef idx="0">
+            <a:schemeClr val="accent1"/>
+          </a:effectRef>
+          <a:fontRef idx="minor">
+            <a:schemeClr val="lt1"/>
+          </a:fontRef>
+        </p:style>
+        <p:txBody>
+          <a:bodyPr rtlCol="0" anchor="ctr"/>
+          <a:lstStyle/>
+          <a:p>
+            <a:pPr algn="ctr"/>
+            <a:r>
+              <a:rPr lang="en-US" altLang="ko-KR" sz="1600" dirty="0">
+                <a:solidFill>
+                  <a:srgbClr val="C00000"/>
+                </a:solidFill>
+              </a:rPr>
+              <a:t>6</a:t>
+            </a:r>
+            <a:endParaRPr lang="ko-KR" altLang="en-US" sz="1600" dirty="0">
+              <a:solidFill>
+                <a:srgbClr val="C00000"/>
+              </a:solidFill>
+            </a:endParaRPr>
+          </a:p>
+        </p:txBody>
+      </p:sp>
+      <p:cxnSp>
+        <p:nvCxnSpPr>
+          <p:cNvPr id="182" name="직선 화살표 연결선 181">
+            <a:extLst>
+              <a:ext uri="{FF2B5EF4-FFF2-40B4-BE49-F238E27FC236}">
+                <a16:creationId xmlns:a16="http://schemas.microsoft.com/office/drawing/2014/main" xmlns="" id="{6B28761E-A6ED-418A-9384-3AEDDF0E8035}"/>
+              </a:ext>
+            </a:extLst>
+          </p:cNvPr>
+          <p:cNvCxnSpPr>
+            <a:cxnSpLocks/>
+          </p:cNvCxnSpPr>
+          <p:nvPr/>
+        </p:nvCxnSpPr>
+        <p:spPr>
+          <a:xfrm flipH="1">
+            <a:off x="2699792" y="1770870"/>
+            <a:ext cx="363279" cy="1520960"/>
+          </a:xfrm>
+          <a:prstGeom prst="straightConnector1">
+            <a:avLst/>
+          </a:prstGeom>
+          <a:ln w="28575">
+            <a:solidFill>
+              <a:srgbClr val="C00000"/>
+            </a:solidFill>
+            <a:headEnd type="arrow" w="med" len="med"/>
+            <a:tailEnd type="none" w="med" len="med"/>
+          </a:ln>
+        </p:spPr>
+        <p:style>
+          <a:lnRef idx="1">
+            <a:schemeClr val="accent1"/>
+          </a:lnRef>
+          <a:fillRef idx="0">
+            <a:schemeClr val="accent1"/>
+          </a:fillRef>
+          <a:effectRef idx="0">
+            <a:schemeClr val="accent1"/>
+          </a:effectRef>
+          <a:fontRef idx="minor">
+            <a:schemeClr val="tx1"/>
+          </a:fontRef>
+        </p:style>
+      </p:cxnSp>
+      <p:sp>
+        <p:nvSpPr>
+          <p:cNvPr id="183" name="타원 182">
+            <a:extLst>
+              <a:ext uri="{FF2B5EF4-FFF2-40B4-BE49-F238E27FC236}">
+                <a16:creationId xmlns:a16="http://schemas.microsoft.com/office/drawing/2014/main" xmlns="" id="{5F83F9E5-52FB-4808-9C34-197CE38E96AE}"/>
+              </a:ext>
+            </a:extLst>
+          </p:cNvPr>
+          <p:cNvSpPr/>
+          <p:nvPr/>
+        </p:nvSpPr>
+        <p:spPr>
+          <a:xfrm>
+            <a:off x="2915816" y="2283718"/>
+            <a:ext cx="288032" cy="288032"/>
+          </a:xfrm>
+          <a:prstGeom prst="ellipse">
+            <a:avLst/>
+          </a:prstGeom>
+          <a:solidFill>
+            <a:schemeClr val="bg1"/>
+          </a:solidFill>
+          <a:ln>
+            <a:solidFill>
+              <a:srgbClr val="C00000"/>
+            </a:solidFill>
+          </a:ln>
+        </p:spPr>
+        <p:style>
+          <a:lnRef idx="2">
+            <a:schemeClr val="accent1">
+              <a:shade val="50000"/>
+            </a:schemeClr>
+          </a:lnRef>
+          <a:fillRef idx="1">
+            <a:schemeClr val="accent1"/>
+          </a:fillRef>
+          <a:effectRef idx="0">
+            <a:schemeClr val="accent1"/>
+          </a:effectRef>
+          <a:fontRef idx="minor">
+            <a:schemeClr val="lt1"/>
+          </a:fontRef>
+        </p:style>
+        <p:txBody>
+          <a:bodyPr rtlCol="0" anchor="ctr"/>
+          <a:lstStyle/>
+          <a:p>
+            <a:pPr algn="ctr"/>
+            <a:r>
+              <a:rPr lang="en-US" altLang="ko-KR" sz="1600" dirty="0">
+                <a:solidFill>
+                  <a:srgbClr val="C00000"/>
+                </a:solidFill>
+              </a:rPr>
+              <a:t>3</a:t>
+            </a:r>
+            <a:endParaRPr lang="ko-KR" altLang="en-US" sz="1600" dirty="0">
+              <a:solidFill>
+                <a:srgbClr val="C00000"/>
+              </a:solidFill>
+            </a:endParaRPr>
+          </a:p>
+        </p:txBody>
+      </p:sp>
+      <p:sp>
+        <p:nvSpPr>
+          <p:cNvPr id="184" name="타원 183">
+            <a:extLst>
+              <a:ext uri="{FF2B5EF4-FFF2-40B4-BE49-F238E27FC236}">
+                <a16:creationId xmlns:a16="http://schemas.microsoft.com/office/drawing/2014/main" xmlns="" id="{5F83F9E5-52FB-4808-9C34-197CE38E96AE}"/>
+              </a:ext>
+            </a:extLst>
+          </p:cNvPr>
+          <p:cNvSpPr/>
+          <p:nvPr/>
+        </p:nvSpPr>
+        <p:spPr>
+          <a:xfrm>
+            <a:off x="4957616" y="3219822"/>
+            <a:ext cx="288032" cy="288032"/>
+          </a:xfrm>
+          <a:prstGeom prst="ellipse">
+            <a:avLst/>
+          </a:prstGeom>
+          <a:solidFill>
+            <a:schemeClr val="bg1"/>
+          </a:solidFill>
+          <a:ln>
+            <a:solidFill>
+              <a:srgbClr val="C00000"/>
+            </a:solidFill>
+          </a:ln>
+        </p:spPr>
+        <p:style>
+          <a:lnRef idx="2">
+            <a:schemeClr val="accent1">
+              <a:shade val="50000"/>
+            </a:schemeClr>
+          </a:lnRef>
+          <a:fillRef idx="1">
+            <a:schemeClr val="accent1"/>
+          </a:fillRef>
+          <a:effectRef idx="0">
+            <a:schemeClr val="accent1"/>
+          </a:effectRef>
+          <a:fontRef idx="minor">
+            <a:schemeClr val="lt1"/>
+          </a:fontRef>
+        </p:style>
+        <p:txBody>
+          <a:bodyPr rtlCol="0" anchor="ctr"/>
+          <a:lstStyle/>
+          <a:p>
+            <a:pPr algn="ctr"/>
+            <a:r>
+              <a:rPr lang="en-US" altLang="ko-KR" sz="1600" dirty="0">
+                <a:solidFill>
+                  <a:srgbClr val="C00000"/>
+                </a:solidFill>
+              </a:rPr>
+              <a:t>7</a:t>
+            </a:r>
+            <a:endParaRPr lang="ko-KR" altLang="en-US" sz="1600" dirty="0">
+              <a:solidFill>
+                <a:srgbClr val="C00000"/>
+              </a:solidFill>
+            </a:endParaRPr>
+          </a:p>
+        </p:txBody>
+      </p:sp>
+      <p:sp>
+        <p:nvSpPr>
+          <p:cNvPr id="185" name="타원 184">
+            <a:extLst>
+              <a:ext uri="{FF2B5EF4-FFF2-40B4-BE49-F238E27FC236}">
+                <a16:creationId xmlns:a16="http://schemas.microsoft.com/office/drawing/2014/main" xmlns="" id="{5F83F9E5-52FB-4808-9C34-197CE38E96AE}"/>
+              </a:ext>
+            </a:extLst>
+          </p:cNvPr>
+          <p:cNvSpPr/>
+          <p:nvPr/>
+        </p:nvSpPr>
+        <p:spPr>
+          <a:xfrm>
+            <a:off x="3995936" y="3469490"/>
+            <a:ext cx="288032" cy="288032"/>
+          </a:xfrm>
+          <a:prstGeom prst="ellipse">
+            <a:avLst/>
+          </a:prstGeom>
+          <a:solidFill>
+            <a:schemeClr val="bg1"/>
+          </a:solidFill>
+          <a:ln>
+            <a:solidFill>
+              <a:srgbClr val="C00000"/>
+            </a:solidFill>
+          </a:ln>
+        </p:spPr>
+        <p:style>
+          <a:lnRef idx="2">
+            <a:schemeClr val="accent1">
+              <a:shade val="50000"/>
+            </a:schemeClr>
+          </a:lnRef>
+          <a:fillRef idx="1">
+            <a:schemeClr val="accent1"/>
+          </a:fillRef>
+          <a:effectRef idx="0">
+            <a:schemeClr val="accent1"/>
+          </a:effectRef>
+          <a:fontRef idx="minor">
+            <a:schemeClr val="lt1"/>
+          </a:fontRef>
+        </p:style>
+        <p:txBody>
+          <a:bodyPr rtlCol="0" anchor="ctr"/>
+          <a:lstStyle/>
+          <a:p>
+            <a:pPr algn="ctr"/>
+            <a:r>
+              <a:rPr lang="en-US" altLang="ko-KR" sz="1600" dirty="0">
+                <a:solidFill>
+                  <a:srgbClr val="C00000"/>
+                </a:solidFill>
+              </a:rPr>
+              <a:t>8</a:t>
+            </a:r>
+            <a:endParaRPr lang="ko-KR" altLang="en-US" sz="1600" dirty="0">
+              <a:solidFill>
+                <a:srgbClr val="C00000"/>
+              </a:solidFill>
+            </a:endParaRPr>
+          </a:p>
+        </p:txBody>
+      </p:sp>
+      <p:sp>
+        <p:nvSpPr>
+          <p:cNvPr id="186" name="타원 185">
+            <a:extLst>
+              <a:ext uri="{FF2B5EF4-FFF2-40B4-BE49-F238E27FC236}">
+                <a16:creationId xmlns:a16="http://schemas.microsoft.com/office/drawing/2014/main" xmlns="" id="{5F83F9E5-52FB-4808-9C34-197CE38E96AE}"/>
+              </a:ext>
+            </a:extLst>
+          </p:cNvPr>
+          <p:cNvSpPr/>
+          <p:nvPr/>
+        </p:nvSpPr>
+        <p:spPr>
+          <a:xfrm>
+            <a:off x="3996492" y="3886513"/>
+            <a:ext cx="288032" cy="288032"/>
+          </a:xfrm>
+          <a:prstGeom prst="ellipse">
+            <a:avLst/>
+          </a:prstGeom>
+          <a:solidFill>
+            <a:schemeClr val="bg1"/>
+          </a:solidFill>
+          <a:ln>
+            <a:solidFill>
+              <a:srgbClr val="C00000"/>
+            </a:solidFill>
+          </a:ln>
+        </p:spPr>
+        <p:style>
+          <a:lnRef idx="2">
+            <a:schemeClr val="accent1">
+              <a:shade val="50000"/>
+            </a:schemeClr>
+          </a:lnRef>
+          <a:fillRef idx="1">
+            <a:schemeClr val="accent1"/>
+          </a:fillRef>
+          <a:effectRef idx="0">
+            <a:schemeClr val="accent1"/>
+          </a:effectRef>
+          <a:fontRef idx="minor">
+            <a:schemeClr val="lt1"/>
+          </a:fontRef>
+        </p:style>
+        <p:txBody>
+          <a:bodyPr rtlCol="0" anchor="ctr"/>
+          <a:lstStyle/>
+          <a:p>
+            <a:pPr algn="ctr"/>
+            <a:r>
+              <a:rPr lang="en-US" altLang="ko-KR" sz="1600" dirty="0">
+                <a:solidFill>
+                  <a:srgbClr val="C00000"/>
+                </a:solidFill>
+              </a:rPr>
+              <a:t>9</a:t>
+            </a:r>
+            <a:endParaRPr lang="ko-KR" altLang="en-US" sz="1600" dirty="0">
+              <a:solidFill>
+                <a:srgbClr val="C00000"/>
+              </a:solidFill>
+            </a:endParaRPr>
+          </a:p>
+        </p:txBody>
+      </p:sp>
+      <p:cxnSp>
+        <p:nvCxnSpPr>
+          <p:cNvPr id="188" name="직선 화살표 연결선 187">
+            <a:extLst>
+              <a:ext uri="{FF2B5EF4-FFF2-40B4-BE49-F238E27FC236}">
+                <a16:creationId xmlns:a16="http://schemas.microsoft.com/office/drawing/2014/main" xmlns="" id="{6B28761E-A6ED-418A-9384-3AEDDF0E8035}"/>
+              </a:ext>
+            </a:extLst>
+          </p:cNvPr>
+          <p:cNvCxnSpPr>
+            <a:cxnSpLocks/>
+          </p:cNvCxnSpPr>
+          <p:nvPr/>
+        </p:nvCxnSpPr>
+        <p:spPr>
+          <a:xfrm flipV="1">
+            <a:off x="5390016" y="2240428"/>
+            <a:ext cx="1342224" cy="1341239"/>
+          </a:xfrm>
+          <a:prstGeom prst="straightConnector1">
+            <a:avLst/>
+          </a:prstGeom>
+          <a:ln w="28575">
+            <a:solidFill>
+              <a:srgbClr val="C00000"/>
+            </a:solidFill>
+            <a:headEnd type="arrow" w="med" len="med"/>
+            <a:tailEnd type="none" w="med" len="med"/>
+          </a:ln>
+        </p:spPr>
+        <p:style>
+          <a:lnRef idx="1">
+            <a:schemeClr val="accent1"/>
+          </a:lnRef>
+          <a:fillRef idx="0">
+            <a:schemeClr val="accent1"/>
+          </a:fillRef>
+          <a:effectRef idx="0">
+            <a:schemeClr val="accent1"/>
+          </a:effectRef>
+          <a:fontRef idx="minor">
+            <a:schemeClr val="tx1"/>
+          </a:fontRef>
+        </p:style>
+      </p:cxnSp>
+      <p:sp>
+        <p:nvSpPr>
+          <p:cNvPr id="191" name="타원 190">
+            <a:extLst>
+              <a:ext uri="{FF2B5EF4-FFF2-40B4-BE49-F238E27FC236}">
+                <a16:creationId xmlns:a16="http://schemas.microsoft.com/office/drawing/2014/main" xmlns="" id="{5F83F9E5-52FB-4808-9C34-197CE38E96AE}"/>
+              </a:ext>
+            </a:extLst>
+          </p:cNvPr>
+          <p:cNvSpPr/>
+          <p:nvPr/>
+        </p:nvSpPr>
+        <p:spPr>
+          <a:xfrm>
+            <a:off x="6281010" y="3439457"/>
+            <a:ext cx="504056" cy="284421"/>
+          </a:xfrm>
+          <a:prstGeom prst="ellipse">
+            <a:avLst/>
+          </a:prstGeom>
+          <a:solidFill>
+            <a:schemeClr val="bg1"/>
+          </a:solidFill>
+          <a:ln>
+            <a:solidFill>
+              <a:srgbClr val="C00000"/>
+            </a:solidFill>
+          </a:ln>
+        </p:spPr>
+        <p:style>
+          <a:lnRef idx="2">
+            <a:schemeClr val="accent1">
+              <a:shade val="50000"/>
+            </a:schemeClr>
+          </a:lnRef>
+          <a:fillRef idx="1">
+            <a:schemeClr val="accent1"/>
+          </a:fillRef>
+          <a:effectRef idx="0">
+            <a:schemeClr val="accent1"/>
+          </a:effectRef>
+          <a:fontRef idx="minor">
+            <a:schemeClr val="lt1"/>
+          </a:fontRef>
+        </p:style>
+        <p:txBody>
+          <a:bodyPr rtlCol="0" anchor="ctr"/>
+          <a:lstStyle/>
+          <a:p>
+            <a:pPr algn="ctr"/>
+            <a:r>
+              <a:rPr lang="en-US" altLang="ko-KR" sz="1100" dirty="0" smtClean="0">
+                <a:solidFill>
+                  <a:srgbClr val="C00000"/>
+                </a:solidFill>
+              </a:rPr>
+              <a:t>1</a:t>
+            </a:r>
+            <a:r>
+              <a:rPr lang="en-US" altLang="ko-KR" sz="1100" dirty="0">
+                <a:solidFill>
+                  <a:srgbClr val="C00000"/>
+                </a:solidFill>
+              </a:rPr>
+              <a:t>2</a:t>
+            </a:r>
+            <a:endParaRPr lang="ko-KR" altLang="en-US" sz="1100" dirty="0">
+              <a:solidFill>
+                <a:srgbClr val="C00000"/>
+              </a:solidFill>
+            </a:endParaRPr>
+          </a:p>
+        </p:txBody>
+      </p:sp>
+      <p:sp>
+        <p:nvSpPr>
+          <p:cNvPr id="192" name="타원 191">
+            <a:extLst>
+              <a:ext uri="{FF2B5EF4-FFF2-40B4-BE49-F238E27FC236}">
+                <a16:creationId xmlns:a16="http://schemas.microsoft.com/office/drawing/2014/main" xmlns="" id="{5F83F9E5-52FB-4808-9C34-197CE38E96AE}"/>
+              </a:ext>
+            </a:extLst>
+          </p:cNvPr>
+          <p:cNvSpPr/>
+          <p:nvPr/>
+        </p:nvSpPr>
+        <p:spPr>
+          <a:xfrm>
+            <a:off x="7780390" y="3060235"/>
+            <a:ext cx="504056" cy="284421"/>
+          </a:xfrm>
+          <a:prstGeom prst="ellipse">
+            <a:avLst/>
+          </a:prstGeom>
+          <a:solidFill>
+            <a:schemeClr val="bg1"/>
+          </a:solidFill>
+          <a:ln>
+            <a:solidFill>
+              <a:srgbClr val="C00000"/>
+            </a:solidFill>
+          </a:ln>
+        </p:spPr>
+        <p:style>
+          <a:lnRef idx="2">
+            <a:schemeClr val="accent1">
+              <a:shade val="50000"/>
+            </a:schemeClr>
+          </a:lnRef>
+          <a:fillRef idx="1">
+            <a:schemeClr val="accent1"/>
+          </a:fillRef>
+          <a:effectRef idx="0">
+            <a:schemeClr val="accent1"/>
+          </a:effectRef>
+          <a:fontRef idx="minor">
+            <a:schemeClr val="lt1"/>
+          </a:fontRef>
+        </p:style>
+        <p:txBody>
+          <a:bodyPr rtlCol="0" anchor="ctr"/>
+          <a:lstStyle/>
+          <a:p>
+            <a:pPr algn="ctr"/>
+            <a:r>
+              <a:rPr lang="en-US" altLang="ko-KR" sz="1100" dirty="0" smtClean="0">
+                <a:solidFill>
+                  <a:srgbClr val="C00000"/>
+                </a:solidFill>
+              </a:rPr>
+              <a:t>13</a:t>
+            </a:r>
+            <a:endParaRPr lang="ko-KR" altLang="en-US" sz="1100" dirty="0">
+              <a:solidFill>
+                <a:srgbClr val="C00000"/>
+              </a:solidFill>
+            </a:endParaRPr>
+          </a:p>
+        </p:txBody>
+      </p:sp>
+      <p:sp>
+        <p:nvSpPr>
+          <p:cNvPr id="193" name="타원 192">
+            <a:extLst>
+              <a:ext uri="{FF2B5EF4-FFF2-40B4-BE49-F238E27FC236}">
+                <a16:creationId xmlns:a16="http://schemas.microsoft.com/office/drawing/2014/main" xmlns="" id="{5F83F9E5-52FB-4808-9C34-197CE38E96AE}"/>
+              </a:ext>
+            </a:extLst>
+          </p:cNvPr>
+          <p:cNvSpPr/>
+          <p:nvPr/>
+        </p:nvSpPr>
+        <p:spPr>
+          <a:xfrm>
+            <a:off x="6929082" y="2283718"/>
+            <a:ext cx="504056" cy="284421"/>
+          </a:xfrm>
+          <a:prstGeom prst="ellipse">
+            <a:avLst/>
+          </a:prstGeom>
+          <a:solidFill>
+            <a:schemeClr val="bg1"/>
+          </a:solidFill>
+          <a:ln>
+            <a:solidFill>
+              <a:srgbClr val="C00000"/>
+            </a:solidFill>
+          </a:ln>
+        </p:spPr>
+        <p:style>
+          <a:lnRef idx="2">
+            <a:schemeClr val="accent1">
+              <a:shade val="50000"/>
+            </a:schemeClr>
+          </a:lnRef>
+          <a:fillRef idx="1">
+            <a:schemeClr val="accent1"/>
+          </a:fillRef>
+          <a:effectRef idx="0">
+            <a:schemeClr val="accent1"/>
+          </a:effectRef>
+          <a:fontRef idx="minor">
+            <a:schemeClr val="lt1"/>
+          </a:fontRef>
+        </p:style>
+        <p:txBody>
+          <a:bodyPr rtlCol="0" anchor="ctr"/>
+          <a:lstStyle/>
+          <a:p>
+            <a:pPr algn="ctr"/>
+            <a:r>
+              <a:rPr lang="en-US" altLang="ko-KR" sz="1100" dirty="0" smtClean="0">
+                <a:solidFill>
+                  <a:srgbClr val="C00000"/>
+                </a:solidFill>
+              </a:rPr>
+              <a:t>14</a:t>
+            </a:r>
+            <a:endParaRPr lang="ko-KR" altLang="en-US" sz="1100" dirty="0">
+              <a:solidFill>
+                <a:srgbClr val="C00000"/>
+              </a:solidFill>
+            </a:endParaRPr>
+          </a:p>
+        </p:txBody>
+      </p:sp>
+      <p:sp>
+        <p:nvSpPr>
+          <p:cNvPr id="194" name="타원 193">
+            <a:extLst>
+              <a:ext uri="{FF2B5EF4-FFF2-40B4-BE49-F238E27FC236}">
+                <a16:creationId xmlns:a16="http://schemas.microsoft.com/office/drawing/2014/main" xmlns="" id="{5F83F9E5-52FB-4808-9C34-197CE38E96AE}"/>
+              </a:ext>
+            </a:extLst>
+          </p:cNvPr>
+          <p:cNvSpPr/>
+          <p:nvPr/>
+        </p:nvSpPr>
+        <p:spPr>
+          <a:xfrm>
+            <a:off x="7786784" y="3723878"/>
+            <a:ext cx="504056" cy="284421"/>
+          </a:xfrm>
+          <a:prstGeom prst="ellipse">
+            <a:avLst/>
+          </a:prstGeom>
+          <a:solidFill>
+            <a:schemeClr val="bg1"/>
+          </a:solidFill>
+          <a:ln>
+            <a:solidFill>
+              <a:srgbClr val="C00000"/>
+            </a:solidFill>
+          </a:ln>
+        </p:spPr>
+        <p:style>
+          <a:lnRef idx="2">
+            <a:schemeClr val="accent1">
+              <a:shade val="50000"/>
+            </a:schemeClr>
+          </a:lnRef>
+          <a:fillRef idx="1">
+            <a:schemeClr val="accent1"/>
+          </a:fillRef>
+          <a:effectRef idx="0">
+            <a:schemeClr val="accent1"/>
+          </a:effectRef>
+          <a:fontRef idx="minor">
+            <a:schemeClr val="lt1"/>
+          </a:fontRef>
+        </p:style>
+        <p:txBody>
+          <a:bodyPr rtlCol="0" anchor="ctr"/>
+          <a:lstStyle/>
+          <a:p>
+            <a:pPr algn="ctr"/>
+            <a:r>
+              <a:rPr lang="en-US" altLang="ko-KR" sz="1100" dirty="0" smtClean="0">
+                <a:solidFill>
+                  <a:srgbClr val="C00000"/>
+                </a:solidFill>
+              </a:rPr>
+              <a:t>15</a:t>
+            </a:r>
+            <a:endParaRPr lang="ko-KR" altLang="en-US" sz="1100" dirty="0">
+              <a:solidFill>
+                <a:srgbClr val="C00000"/>
+              </a:solidFill>
+            </a:endParaRPr>
+          </a:p>
+        </p:txBody>
+      </p:sp>
+      <p:sp>
+        <p:nvSpPr>
+          <p:cNvPr id="198" name="타원 197">
+            <a:extLst>
+              <a:ext uri="{FF2B5EF4-FFF2-40B4-BE49-F238E27FC236}">
+                <a16:creationId xmlns:a16="http://schemas.microsoft.com/office/drawing/2014/main" xmlns="" id="{5F83F9E5-52FB-4808-9C34-197CE38E96AE}"/>
+              </a:ext>
+            </a:extLst>
+          </p:cNvPr>
+          <p:cNvSpPr/>
+          <p:nvPr/>
+        </p:nvSpPr>
+        <p:spPr>
+          <a:xfrm>
+            <a:off x="5804204" y="2283718"/>
+            <a:ext cx="504056" cy="284421"/>
+          </a:xfrm>
+          <a:prstGeom prst="ellipse">
+            <a:avLst/>
+          </a:prstGeom>
+          <a:solidFill>
+            <a:schemeClr val="bg1"/>
+          </a:solidFill>
+          <a:ln>
+            <a:solidFill>
+              <a:srgbClr val="C00000"/>
+            </a:solidFill>
+          </a:ln>
+        </p:spPr>
+        <p:style>
+          <a:lnRef idx="2">
+            <a:schemeClr val="accent1">
+              <a:shade val="50000"/>
+            </a:schemeClr>
+          </a:lnRef>
+          <a:fillRef idx="1">
+            <a:schemeClr val="accent1"/>
+          </a:fillRef>
+          <a:effectRef idx="0">
+            <a:schemeClr val="accent1"/>
+          </a:effectRef>
+          <a:fontRef idx="minor">
+            <a:schemeClr val="lt1"/>
+          </a:fontRef>
+        </p:style>
+        <p:txBody>
+          <a:bodyPr rtlCol="0" anchor="ctr"/>
+          <a:lstStyle/>
+          <a:p>
+            <a:pPr algn="ctr"/>
+            <a:r>
+              <a:rPr lang="en-US" altLang="ko-KR" sz="1100" dirty="0" smtClean="0">
+                <a:solidFill>
+                  <a:srgbClr val="C00000"/>
+                </a:solidFill>
+              </a:rPr>
+              <a:t>10</a:t>
+            </a:r>
+            <a:endParaRPr lang="ko-KR" altLang="en-US" sz="1100" dirty="0">
+              <a:solidFill>
+                <a:srgbClr val="C00000"/>
+              </a:solidFill>
+            </a:endParaRPr>
+          </a:p>
+        </p:txBody>
+      </p:sp>
+      <p:sp>
+        <p:nvSpPr>
+          <p:cNvPr id="199" name="타원 198">
+            <a:extLst>
+              <a:ext uri="{FF2B5EF4-FFF2-40B4-BE49-F238E27FC236}">
+                <a16:creationId xmlns:a16="http://schemas.microsoft.com/office/drawing/2014/main" xmlns="" id="{5F83F9E5-52FB-4808-9C34-197CE38E96AE}"/>
+              </a:ext>
+            </a:extLst>
+          </p:cNvPr>
+          <p:cNvSpPr/>
+          <p:nvPr/>
+        </p:nvSpPr>
+        <p:spPr>
+          <a:xfrm>
+            <a:off x="6372200" y="2478886"/>
+            <a:ext cx="504056" cy="284421"/>
+          </a:xfrm>
+          <a:prstGeom prst="ellipse">
+            <a:avLst/>
+          </a:prstGeom>
+          <a:solidFill>
+            <a:schemeClr val="bg1"/>
+          </a:solidFill>
+          <a:ln>
+            <a:solidFill>
+              <a:srgbClr val="C00000"/>
+            </a:solidFill>
+          </a:ln>
+        </p:spPr>
+        <p:style>
+          <a:lnRef idx="2">
+            <a:schemeClr val="accent1">
+              <a:shade val="50000"/>
+            </a:schemeClr>
+          </a:lnRef>
+          <a:fillRef idx="1">
+            <a:schemeClr val="accent1"/>
+          </a:fillRef>
+          <a:effectRef idx="0">
+            <a:schemeClr val="accent1"/>
+          </a:effectRef>
+          <a:fontRef idx="minor">
+            <a:schemeClr val="lt1"/>
+          </a:fontRef>
+        </p:style>
+        <p:txBody>
+          <a:bodyPr rtlCol="0" anchor="ctr"/>
+          <a:lstStyle/>
+          <a:p>
+            <a:pPr algn="ctr"/>
+            <a:r>
+              <a:rPr lang="en-US" altLang="ko-KR" sz="1100" dirty="0" smtClean="0">
+                <a:solidFill>
+                  <a:srgbClr val="C00000"/>
+                </a:solidFill>
+              </a:rPr>
+              <a:t>11</a:t>
+            </a:r>
+            <a:endParaRPr lang="ko-KR" altLang="en-US" sz="1100" dirty="0">
+              <a:solidFill>
+                <a:srgbClr val="C00000"/>
+              </a:solidFill>
+            </a:endParaRPr>
+          </a:p>
+        </p:txBody>
+      </p:sp>
+    </p:spTree>
+    <p:extLst>
+      <p:ext uri="{BB962C8B-B14F-4D97-AF65-F5344CB8AC3E}">
+        <p14:creationId xmlns:p14="http://schemas.microsoft.com/office/powerpoint/2010/main" val="3985661728"/>
+      </p:ext>
+    </p:extLst>
+  </p:cSld>
+  <p:clrMapOvr>
+    <a:masterClrMapping/>
+  </p:clrMapOvr>
+</p:sld>
+</file>
+
+<file path=ppt/slides/slide5.xml><?xml version="1.0" encoding="utf-8"?>
+<p:sld xmlns:a="http://schemas.openxmlformats.org/drawingml/2006/main" xmlns:r="http://schemas.openxmlformats.org/officeDocument/2006/relationships" xmlns:p="http://schemas.openxmlformats.org/presentationml/2006/main">
+  <p:cSld>
+    <p:spTree>
+      <p:nvGrpSpPr>
+        <p:cNvPr id="1" name=""/>
+        <p:cNvGrpSpPr/>
+        <p:nvPr/>
+      </p:nvGrpSpPr>
+      <p:grpSpPr>
+        <a:xfrm>
+          <a:off x="0" y="0"/>
+          <a:ext cx="0" cy="0"/>
+          <a:chOff x="0" y="0"/>
+          <a:chExt cx="0" cy="0"/>
+        </a:xfrm>
+      </p:grpSpPr>
+      <p:sp>
+        <p:nvSpPr>
+          <p:cNvPr id="2" name="제목 1"/>
+          <p:cNvSpPr>
+            <a:spLocks noGrp="1"/>
+          </p:cNvSpPr>
+          <p:nvPr>
+            <p:ph type="title"/>
+          </p:nvPr>
+        </p:nvSpPr>
+        <p:spPr/>
+        <p:txBody>
+          <a:bodyPr/>
+          <a:lstStyle/>
+          <a:p>
+            <a:endParaRPr lang="ko-KR" altLang="en-US"/>
+          </a:p>
+        </p:txBody>
+      </p:sp>
+      <p:sp>
+        <p:nvSpPr>
+          <p:cNvPr id="3" name="내용 개체 틀 2"/>
+          <p:cNvSpPr>
+            <a:spLocks noGrp="1"/>
+          </p:cNvSpPr>
+          <p:nvPr>
+            <p:ph idx="1"/>
+          </p:nvPr>
+        </p:nvSpPr>
+        <p:spPr/>
+        <p:txBody>
+          <a:bodyPr/>
+          <a:lstStyle/>
+          <a:p>
+            <a:endParaRPr lang="ko-KR" altLang="en-US"/>
+          </a:p>
+        </p:txBody>
+      </p:sp>
+    </p:spTree>
+    <p:extLst>
+      <p:ext uri="{BB962C8B-B14F-4D97-AF65-F5344CB8AC3E}">
+        <p14:creationId xmlns:p14="http://schemas.microsoft.com/office/powerpoint/2010/main" val="1327338083"/>
+      </p:ext>
+    </p:extLst>
+  </p:cSld>
+  <p:clrMapOvr>
+    <a:masterClrMapping/>
+  </p:clrMapOvr>
+</p:sld>
+</file>
+
+<file path=ppt/slides/slide6.xml><?xml version="1.0" encoding="utf-8"?>
+<p:sld xmlns:a="http://schemas.openxmlformats.org/drawingml/2006/main" xmlns:r="http://schemas.openxmlformats.org/officeDocument/2006/relationships" xmlns:p="http://schemas.openxmlformats.org/presentationml/2006/main">
+  <p:cSld>
+    <p:spTree>
+      <p:nvGrpSpPr>
+        <p:cNvPr id="1" name=""/>
+        <p:cNvGrpSpPr/>
+        <p:nvPr/>
+      </p:nvGrpSpPr>
+      <p:grpSpPr>
+        <a:xfrm>
+          <a:off x="0" y="0"/>
+          <a:ext cx="0" cy="0"/>
+          <a:chOff x="0" y="0"/>
+          <a:chExt cx="0" cy="0"/>
+        </a:xfrm>
+      </p:grpSpPr>
+      <p:sp>
+        <p:nvSpPr>
+          <p:cNvPr id="2" name="제목 1">
+            <a:extLst>
+              <a:ext uri="{FF2B5EF4-FFF2-40B4-BE49-F238E27FC236}">
+                <a16:creationId xmlns:a16="http://schemas.microsoft.com/office/drawing/2014/main" xmlns="" id="{8738443D-5E72-49E2-86AC-581D61C41C39}"/>
+              </a:ext>
+            </a:extLst>
+          </p:cNvPr>
+          <p:cNvSpPr>
+            <a:spLocks noGrp="1"/>
+          </p:cNvSpPr>
+          <p:nvPr>
+            <p:ph type="title"/>
+          </p:nvPr>
+        </p:nvSpPr>
+        <p:spPr>
+          <a:xfrm>
+            <a:off x="457200" y="-92546"/>
+            <a:ext cx="8229600" cy="857250"/>
+          </a:xfrm>
+        </p:spPr>
+        <p:txBody>
+          <a:bodyPr/>
+          <a:lstStyle/>
+          <a:p>
+            <a:r>
+              <a:rPr lang="en-US" altLang="ko-KR"/>
+              <a:t>YARN Architecture</a:t>
+            </a:r>
+            <a:endParaRPr lang="ko-KR" altLang="en-US" dirty="0"/>
+          </a:p>
+        </p:txBody>
+      </p:sp>
       <p:grpSp>
         <p:nvGrpSpPr>
           <p:cNvPr id="11" name="그룹 10">
             <a:extLst>
               <a:ext uri="{FF2B5EF4-FFF2-40B4-BE49-F238E27FC236}">
-                <a16:creationId xmlns="" xmlns:a16="http://schemas.microsoft.com/office/drawing/2014/main" id="{A3600E39-BA08-4E0B-B5FE-308568D4E97E}"/>
+                <a16:creationId xmlns:a16="http://schemas.microsoft.com/office/drawing/2014/main" xmlns="" id="{A3600E39-BA08-4E0B-B5FE-308568D4E97E}"/>
               </a:ext>
             </a:extLst>
           </p:cNvPr>
@@ -7106,7 +11961,7 @@
             <p:cNvPr id="4" name="모서리가 둥근 직사각형 18">
               <a:extLst>
                 <a:ext uri="{FF2B5EF4-FFF2-40B4-BE49-F238E27FC236}">
-                  <a16:creationId xmlns="" xmlns:a16="http://schemas.microsoft.com/office/drawing/2014/main" id="{90910971-3F87-488C-9CD0-4E04E8DEA3B0}"/>
+                  <a16:creationId xmlns:a16="http://schemas.microsoft.com/office/drawing/2014/main" xmlns="" id="{90910971-3F87-488C-9CD0-4E04E8DEA3B0}"/>
                 </a:ext>
               </a:extLst>
             </p:cNvPr>
@@ -7156,7 +12011,7 @@
             <p:cNvPr id="6" name="모서리가 둥근 직사각형 18">
               <a:extLst>
                 <a:ext uri="{FF2B5EF4-FFF2-40B4-BE49-F238E27FC236}">
-                  <a16:creationId xmlns="" xmlns:a16="http://schemas.microsoft.com/office/drawing/2014/main" id="{F5302ADF-D203-4131-A3B2-4F84C5314C62}"/>
+                  <a16:creationId xmlns:a16="http://schemas.microsoft.com/office/drawing/2014/main" xmlns="" id="{F5302ADF-D203-4131-A3B2-4F84C5314C62}"/>
                 </a:ext>
               </a:extLst>
             </p:cNvPr>
@@ -7207,6 +12062,1710 @@
           <p:cNvPr id="30" name="타원 29">
             <a:extLst>
               <a:ext uri="{FF2B5EF4-FFF2-40B4-BE49-F238E27FC236}">
+                <a16:creationId xmlns:a16="http://schemas.microsoft.com/office/drawing/2014/main" xmlns="" id="{0006BDA6-9444-4FFD-B5BD-EED6E274CFFA}"/>
+              </a:ext>
+            </a:extLst>
+          </p:cNvPr>
+          <p:cNvSpPr/>
+          <p:nvPr/>
+        </p:nvSpPr>
+        <p:spPr>
+          <a:xfrm>
+            <a:off x="3923928" y="1419622"/>
+            <a:ext cx="1368152" cy="576064"/>
+          </a:xfrm>
+          <a:prstGeom prst="ellipse">
+            <a:avLst/>
+          </a:prstGeom>
+        </p:spPr>
+        <p:style>
+          <a:lnRef idx="2">
+            <a:schemeClr val="dk1"/>
+          </a:lnRef>
+          <a:fillRef idx="1">
+            <a:schemeClr val="lt1"/>
+          </a:fillRef>
+          <a:effectRef idx="0">
+            <a:schemeClr val="dk1"/>
+          </a:effectRef>
+          <a:fontRef idx="minor">
+            <a:schemeClr val="dk1"/>
+          </a:fontRef>
+        </p:style>
+        <p:txBody>
+          <a:bodyPr rtlCol="0" anchor="ctr"/>
+          <a:lstStyle/>
+          <a:p>
+            <a:pPr algn="ctr"/>
+            <a:r>
+              <a:rPr lang="en-US" altLang="ko-KR" sz="1400"/>
+              <a:t>Client</a:t>
+            </a:r>
+            <a:endParaRPr lang="ko-KR" altLang="en-US" sz="1400"/>
+          </a:p>
+        </p:txBody>
+      </p:sp>
+      <p:grpSp>
+        <p:nvGrpSpPr>
+          <p:cNvPr id="33" name="그룹 32">
+            <a:extLst>
+              <a:ext uri="{FF2B5EF4-FFF2-40B4-BE49-F238E27FC236}">
+                <a16:creationId xmlns:a16="http://schemas.microsoft.com/office/drawing/2014/main" xmlns="" id="{9A86C010-2B27-4338-B55B-6A29AE919A29}"/>
+              </a:ext>
+            </a:extLst>
+          </p:cNvPr>
+          <p:cNvGrpSpPr/>
+          <p:nvPr/>
+        </p:nvGrpSpPr>
+        <p:grpSpPr>
+          <a:xfrm>
+            <a:off x="5740640" y="2499742"/>
+            <a:ext cx="1855696" cy="2232248"/>
+            <a:chOff x="4588512" y="2715766"/>
+            <a:chExt cx="1855696" cy="2232248"/>
+          </a:xfrm>
+        </p:grpSpPr>
+        <p:sp>
+          <p:nvSpPr>
+            <p:cNvPr id="25" name="모서리가 둥근 직사각형 18">
+              <a:extLst>
+                <a:ext uri="{FF2B5EF4-FFF2-40B4-BE49-F238E27FC236}">
+                  <a16:creationId xmlns:a16="http://schemas.microsoft.com/office/drawing/2014/main" xmlns="" id="{6AEE18CE-E129-4D51-AA94-179034642DC8}"/>
+                </a:ext>
+              </a:extLst>
+            </p:cNvPr>
+            <p:cNvSpPr/>
+            <p:nvPr/>
+          </p:nvSpPr>
+          <p:spPr>
+            <a:xfrm>
+              <a:off x="4588512" y="2715766"/>
+              <a:ext cx="1855696" cy="2232248"/>
+            </a:xfrm>
+            <a:prstGeom prst="roundRect">
+              <a:avLst>
+                <a:gd name="adj" fmla="val 4069"/>
+              </a:avLst>
+            </a:prstGeom>
+          </p:spPr>
+          <p:style>
+            <a:lnRef idx="2">
+              <a:schemeClr val="dk1"/>
+            </a:lnRef>
+            <a:fillRef idx="1">
+              <a:schemeClr val="lt1"/>
+            </a:fillRef>
+            <a:effectRef idx="0">
+              <a:schemeClr val="dk1"/>
+            </a:effectRef>
+            <a:fontRef idx="minor">
+              <a:schemeClr val="dk1"/>
+            </a:fontRef>
+          </p:style>
+          <p:txBody>
+            <a:bodyPr rtlCol="0" anchor="b"/>
+            <a:lstStyle/>
+            <a:p>
+              <a:pPr algn="ctr"/>
+              <a:r>
+                <a:rPr lang="en-US" altLang="ko-KR" sz="1400"/>
+                <a:t>Node</a:t>
+              </a:r>
+              <a:endParaRPr lang="ko-KR" altLang="en-US" sz="1400" dirty="0"/>
+            </a:p>
+          </p:txBody>
+        </p:sp>
+        <p:sp>
+          <p:nvSpPr>
+            <p:cNvPr id="26" name="모서리가 둥근 직사각형 18">
+              <a:extLst>
+                <a:ext uri="{FF2B5EF4-FFF2-40B4-BE49-F238E27FC236}">
+                  <a16:creationId xmlns:a16="http://schemas.microsoft.com/office/drawing/2014/main" xmlns="" id="{D48DB822-70CE-4692-84EA-0B6DB2416FCB}"/>
+                </a:ext>
+              </a:extLst>
+            </p:cNvPr>
+            <p:cNvSpPr/>
+            <p:nvPr/>
+          </p:nvSpPr>
+          <p:spPr>
+            <a:xfrm>
+              <a:off x="4716016" y="2830894"/>
+              <a:ext cx="1584176" cy="400214"/>
+            </a:xfrm>
+            <a:prstGeom prst="roundRect">
+              <a:avLst>
+                <a:gd name="adj" fmla="val 14647"/>
+              </a:avLst>
+            </a:prstGeom>
+          </p:spPr>
+          <p:style>
+            <a:lnRef idx="2">
+              <a:schemeClr val="dk1"/>
+            </a:lnRef>
+            <a:fillRef idx="1">
+              <a:schemeClr val="lt1"/>
+            </a:fillRef>
+            <a:effectRef idx="0">
+              <a:schemeClr val="dk1"/>
+            </a:effectRef>
+            <a:fontRef idx="minor">
+              <a:schemeClr val="dk1"/>
+            </a:fontRef>
+          </p:style>
+          <p:txBody>
+            <a:bodyPr rtlCol="0" anchor="ctr"/>
+            <a:lstStyle/>
+            <a:p>
+              <a:pPr algn="ctr"/>
+              <a:r>
+                <a:rPr lang="en-US" altLang="ko-KR" sz="1400"/>
+                <a:t>Node Manager</a:t>
+              </a:r>
+              <a:endParaRPr lang="ko-KR" altLang="en-US" sz="1400" dirty="0"/>
+            </a:p>
+          </p:txBody>
+        </p:sp>
+        <p:sp>
+          <p:nvSpPr>
+            <p:cNvPr id="29" name="타원 28">
+              <a:extLst>
+                <a:ext uri="{FF2B5EF4-FFF2-40B4-BE49-F238E27FC236}">
+                  <a16:creationId xmlns:a16="http://schemas.microsoft.com/office/drawing/2014/main" xmlns="" id="{2BEC81A8-29EC-4B48-BA5A-8B4A17017AFB}"/>
+                </a:ext>
+              </a:extLst>
+            </p:cNvPr>
+            <p:cNvSpPr/>
+            <p:nvPr/>
+          </p:nvSpPr>
+          <p:spPr>
+            <a:xfrm>
+              <a:off x="4716016" y="3363838"/>
+              <a:ext cx="1584176" cy="576064"/>
+            </a:xfrm>
+            <a:prstGeom prst="ellipse">
+              <a:avLst/>
+            </a:prstGeom>
+          </p:spPr>
+          <p:style>
+            <a:lnRef idx="2">
+              <a:schemeClr val="dk1"/>
+            </a:lnRef>
+            <a:fillRef idx="1">
+              <a:schemeClr val="lt1"/>
+            </a:fillRef>
+            <a:effectRef idx="0">
+              <a:schemeClr val="dk1"/>
+            </a:effectRef>
+            <a:fontRef idx="minor">
+              <a:schemeClr val="dk1"/>
+            </a:fontRef>
+          </p:style>
+          <p:txBody>
+            <a:bodyPr rtlCol="0" anchor="ctr"/>
+            <a:lstStyle/>
+            <a:p>
+              <a:pPr algn="ctr"/>
+              <a:r>
+                <a:rPr lang="en-US" altLang="ko-KR" sz="1400"/>
+                <a:t>Container</a:t>
+              </a:r>
+              <a:endParaRPr lang="ko-KR" altLang="en-US" sz="1400"/>
+            </a:p>
+          </p:txBody>
+        </p:sp>
+        <p:sp>
+          <p:nvSpPr>
+            <p:cNvPr id="32" name="타원 31">
+              <a:extLst>
+                <a:ext uri="{FF2B5EF4-FFF2-40B4-BE49-F238E27FC236}">
+                  <a16:creationId xmlns:a16="http://schemas.microsoft.com/office/drawing/2014/main" xmlns="" id="{063B64BF-6FC2-4B18-B822-0D3C058F948F}"/>
+                </a:ext>
+              </a:extLst>
+            </p:cNvPr>
+            <p:cNvSpPr/>
+            <p:nvPr/>
+          </p:nvSpPr>
+          <p:spPr>
+            <a:xfrm>
+              <a:off x="4716016" y="4011910"/>
+              <a:ext cx="1584176" cy="576064"/>
+            </a:xfrm>
+            <a:prstGeom prst="ellipse">
+              <a:avLst/>
+            </a:prstGeom>
+          </p:spPr>
+          <p:style>
+            <a:lnRef idx="2">
+              <a:schemeClr val="dk1"/>
+            </a:lnRef>
+            <a:fillRef idx="1">
+              <a:schemeClr val="lt1"/>
+            </a:fillRef>
+            <a:effectRef idx="0">
+              <a:schemeClr val="dk1"/>
+            </a:effectRef>
+            <a:fontRef idx="minor">
+              <a:schemeClr val="dk1"/>
+            </a:fontRef>
+          </p:style>
+          <p:txBody>
+            <a:bodyPr rtlCol="0" anchor="ctr"/>
+            <a:lstStyle/>
+            <a:p>
+              <a:pPr algn="ctr"/>
+              <a:r>
+                <a:rPr lang="en-US" altLang="ko-KR" sz="1400"/>
+                <a:t>App Master</a:t>
+              </a:r>
+              <a:endParaRPr lang="ko-KR" altLang="en-US" sz="1400"/>
+            </a:p>
+          </p:txBody>
+        </p:sp>
+      </p:grpSp>
+      <p:grpSp>
+        <p:nvGrpSpPr>
+          <p:cNvPr id="34" name="그룹 33">
+            <a:extLst>
+              <a:ext uri="{FF2B5EF4-FFF2-40B4-BE49-F238E27FC236}">
+                <a16:creationId xmlns:a16="http://schemas.microsoft.com/office/drawing/2014/main" xmlns="" id="{9BE38D30-A714-43C7-A232-EC5DC17B29CB}"/>
+              </a:ext>
+            </a:extLst>
+          </p:cNvPr>
+          <p:cNvGrpSpPr/>
+          <p:nvPr/>
+        </p:nvGrpSpPr>
+        <p:grpSpPr>
+          <a:xfrm>
+            <a:off x="3678461" y="2499742"/>
+            <a:ext cx="1855696" cy="2232248"/>
+            <a:chOff x="4588512" y="2715766"/>
+            <a:chExt cx="1855696" cy="2232248"/>
+          </a:xfrm>
+        </p:grpSpPr>
+        <p:sp>
+          <p:nvSpPr>
+            <p:cNvPr id="35" name="모서리가 둥근 직사각형 18">
+              <a:extLst>
+                <a:ext uri="{FF2B5EF4-FFF2-40B4-BE49-F238E27FC236}">
+                  <a16:creationId xmlns:a16="http://schemas.microsoft.com/office/drawing/2014/main" xmlns="" id="{C82D4484-29CF-4C5C-94F6-3E611E578082}"/>
+                </a:ext>
+              </a:extLst>
+            </p:cNvPr>
+            <p:cNvSpPr/>
+            <p:nvPr/>
+          </p:nvSpPr>
+          <p:spPr>
+            <a:xfrm>
+              <a:off x="4588512" y="2715766"/>
+              <a:ext cx="1855696" cy="2232248"/>
+            </a:xfrm>
+            <a:prstGeom prst="roundRect">
+              <a:avLst>
+                <a:gd name="adj" fmla="val 4069"/>
+              </a:avLst>
+            </a:prstGeom>
+          </p:spPr>
+          <p:style>
+            <a:lnRef idx="2">
+              <a:schemeClr val="dk1"/>
+            </a:lnRef>
+            <a:fillRef idx="1">
+              <a:schemeClr val="lt1"/>
+            </a:fillRef>
+            <a:effectRef idx="0">
+              <a:schemeClr val="dk1"/>
+            </a:effectRef>
+            <a:fontRef idx="minor">
+              <a:schemeClr val="dk1"/>
+            </a:fontRef>
+          </p:style>
+          <p:txBody>
+            <a:bodyPr rtlCol="0" anchor="b"/>
+            <a:lstStyle/>
+            <a:p>
+              <a:pPr algn="ctr"/>
+              <a:r>
+                <a:rPr lang="en-US" altLang="ko-KR" sz="1400"/>
+                <a:t>Node</a:t>
+              </a:r>
+              <a:endParaRPr lang="ko-KR" altLang="en-US" sz="1400" dirty="0"/>
+            </a:p>
+          </p:txBody>
+        </p:sp>
+        <p:sp>
+          <p:nvSpPr>
+            <p:cNvPr id="36" name="모서리가 둥근 직사각형 18">
+              <a:extLst>
+                <a:ext uri="{FF2B5EF4-FFF2-40B4-BE49-F238E27FC236}">
+                  <a16:creationId xmlns:a16="http://schemas.microsoft.com/office/drawing/2014/main" xmlns="" id="{49DD9DEF-515F-4613-B0A2-804648D3051B}"/>
+                </a:ext>
+              </a:extLst>
+            </p:cNvPr>
+            <p:cNvSpPr/>
+            <p:nvPr/>
+          </p:nvSpPr>
+          <p:spPr>
+            <a:xfrm>
+              <a:off x="4716016" y="2830894"/>
+              <a:ext cx="1584176" cy="400214"/>
+            </a:xfrm>
+            <a:prstGeom prst="roundRect">
+              <a:avLst>
+                <a:gd name="adj" fmla="val 16762"/>
+              </a:avLst>
+            </a:prstGeom>
+          </p:spPr>
+          <p:style>
+            <a:lnRef idx="2">
+              <a:schemeClr val="dk1"/>
+            </a:lnRef>
+            <a:fillRef idx="1">
+              <a:schemeClr val="lt1"/>
+            </a:fillRef>
+            <a:effectRef idx="0">
+              <a:schemeClr val="dk1"/>
+            </a:effectRef>
+            <a:fontRef idx="minor">
+              <a:schemeClr val="dk1"/>
+            </a:fontRef>
+          </p:style>
+          <p:txBody>
+            <a:bodyPr rtlCol="0" anchor="ctr"/>
+            <a:lstStyle/>
+            <a:p>
+              <a:pPr algn="ctr"/>
+              <a:r>
+                <a:rPr lang="en-US" altLang="ko-KR" sz="1400"/>
+                <a:t>Node Manager</a:t>
+              </a:r>
+              <a:endParaRPr lang="ko-KR" altLang="en-US" sz="1400" dirty="0"/>
+            </a:p>
+          </p:txBody>
+        </p:sp>
+        <p:sp>
+          <p:nvSpPr>
+            <p:cNvPr id="37" name="타원 36">
+              <a:extLst>
+                <a:ext uri="{FF2B5EF4-FFF2-40B4-BE49-F238E27FC236}">
+                  <a16:creationId xmlns:a16="http://schemas.microsoft.com/office/drawing/2014/main" xmlns="" id="{D329FBA2-B77D-4E7E-BF42-A15EA9A82853}"/>
+                </a:ext>
+              </a:extLst>
+            </p:cNvPr>
+            <p:cNvSpPr/>
+            <p:nvPr/>
+          </p:nvSpPr>
+          <p:spPr>
+            <a:xfrm>
+              <a:off x="4716016" y="3363838"/>
+              <a:ext cx="1584176" cy="576064"/>
+            </a:xfrm>
+            <a:prstGeom prst="ellipse">
+              <a:avLst/>
+            </a:prstGeom>
+          </p:spPr>
+          <p:style>
+            <a:lnRef idx="2">
+              <a:schemeClr val="dk1"/>
+            </a:lnRef>
+            <a:fillRef idx="1">
+              <a:schemeClr val="lt1"/>
+            </a:fillRef>
+            <a:effectRef idx="0">
+              <a:schemeClr val="dk1"/>
+            </a:effectRef>
+            <a:fontRef idx="minor">
+              <a:schemeClr val="dk1"/>
+            </a:fontRef>
+          </p:style>
+          <p:txBody>
+            <a:bodyPr rtlCol="0" anchor="ctr"/>
+            <a:lstStyle/>
+            <a:p>
+              <a:pPr algn="ctr"/>
+              <a:r>
+                <a:rPr lang="en-US" altLang="ko-KR" sz="1400"/>
+                <a:t>App Master</a:t>
+              </a:r>
+              <a:endParaRPr lang="ko-KR" altLang="en-US" sz="1400"/>
+            </a:p>
+          </p:txBody>
+        </p:sp>
+        <p:sp>
+          <p:nvSpPr>
+            <p:cNvPr id="38" name="타원 37">
+              <a:extLst>
+                <a:ext uri="{FF2B5EF4-FFF2-40B4-BE49-F238E27FC236}">
+                  <a16:creationId xmlns:a16="http://schemas.microsoft.com/office/drawing/2014/main" xmlns="" id="{8CB86B7F-4412-4AF3-B74B-6B6EF03CD3DA}"/>
+                </a:ext>
+              </a:extLst>
+            </p:cNvPr>
+            <p:cNvSpPr/>
+            <p:nvPr/>
+          </p:nvSpPr>
+          <p:spPr>
+            <a:xfrm>
+              <a:off x="4716016" y="4011910"/>
+              <a:ext cx="1584176" cy="576064"/>
+            </a:xfrm>
+            <a:prstGeom prst="ellipse">
+              <a:avLst/>
+            </a:prstGeom>
+          </p:spPr>
+          <p:style>
+            <a:lnRef idx="2">
+              <a:schemeClr val="dk1"/>
+            </a:lnRef>
+            <a:fillRef idx="1">
+              <a:schemeClr val="lt1"/>
+            </a:fillRef>
+            <a:effectRef idx="0">
+              <a:schemeClr val="dk1"/>
+            </a:effectRef>
+            <a:fontRef idx="minor">
+              <a:schemeClr val="dk1"/>
+            </a:fontRef>
+          </p:style>
+          <p:txBody>
+            <a:bodyPr rtlCol="0" anchor="ctr"/>
+            <a:lstStyle/>
+            <a:p>
+              <a:pPr algn="ctr"/>
+              <a:r>
+                <a:rPr lang="en-US" altLang="ko-KR" sz="1400"/>
+                <a:t>Container</a:t>
+              </a:r>
+              <a:endParaRPr lang="ko-KR" altLang="en-US" sz="1400"/>
+            </a:p>
+          </p:txBody>
+        </p:sp>
+      </p:grpSp>
+      <p:grpSp>
+        <p:nvGrpSpPr>
+          <p:cNvPr id="39" name="그룹 38">
+            <a:extLst>
+              <a:ext uri="{FF2B5EF4-FFF2-40B4-BE49-F238E27FC236}">
+                <a16:creationId xmlns:a16="http://schemas.microsoft.com/office/drawing/2014/main" xmlns="" id="{041B3429-195D-4E8E-A031-AFDBF3481C8B}"/>
+              </a:ext>
+            </a:extLst>
+          </p:cNvPr>
+          <p:cNvGrpSpPr/>
+          <p:nvPr/>
+        </p:nvGrpSpPr>
+        <p:grpSpPr>
+          <a:xfrm>
+            <a:off x="1619672" y="2499742"/>
+            <a:ext cx="1855696" cy="2232248"/>
+            <a:chOff x="4588512" y="2715766"/>
+            <a:chExt cx="1855696" cy="2232248"/>
+          </a:xfrm>
+        </p:grpSpPr>
+        <p:sp>
+          <p:nvSpPr>
+            <p:cNvPr id="40" name="모서리가 둥근 직사각형 18">
+              <a:extLst>
+                <a:ext uri="{FF2B5EF4-FFF2-40B4-BE49-F238E27FC236}">
+                  <a16:creationId xmlns:a16="http://schemas.microsoft.com/office/drawing/2014/main" xmlns="" id="{8BCD1206-46E7-48C1-8D0E-79201C2239CB}"/>
+                </a:ext>
+              </a:extLst>
+            </p:cNvPr>
+            <p:cNvSpPr/>
+            <p:nvPr/>
+          </p:nvSpPr>
+          <p:spPr>
+            <a:xfrm>
+              <a:off x="4588512" y="2715766"/>
+              <a:ext cx="1855696" cy="2232248"/>
+            </a:xfrm>
+            <a:prstGeom prst="roundRect">
+              <a:avLst>
+                <a:gd name="adj" fmla="val 4069"/>
+              </a:avLst>
+            </a:prstGeom>
+          </p:spPr>
+          <p:style>
+            <a:lnRef idx="2">
+              <a:schemeClr val="dk1"/>
+            </a:lnRef>
+            <a:fillRef idx="1">
+              <a:schemeClr val="lt1"/>
+            </a:fillRef>
+            <a:effectRef idx="0">
+              <a:schemeClr val="dk1"/>
+            </a:effectRef>
+            <a:fontRef idx="minor">
+              <a:schemeClr val="dk1"/>
+            </a:fontRef>
+          </p:style>
+          <p:txBody>
+            <a:bodyPr rtlCol="0" anchor="b"/>
+            <a:lstStyle/>
+            <a:p>
+              <a:pPr algn="ctr"/>
+              <a:r>
+                <a:rPr lang="en-US" altLang="ko-KR" sz="1400"/>
+                <a:t>Node</a:t>
+              </a:r>
+              <a:endParaRPr lang="ko-KR" altLang="en-US" sz="1400" dirty="0"/>
+            </a:p>
+          </p:txBody>
+        </p:sp>
+        <p:sp>
+          <p:nvSpPr>
+            <p:cNvPr id="41" name="모서리가 둥근 직사각형 18">
+              <a:extLst>
+                <a:ext uri="{FF2B5EF4-FFF2-40B4-BE49-F238E27FC236}">
+                  <a16:creationId xmlns:a16="http://schemas.microsoft.com/office/drawing/2014/main" xmlns="" id="{8385447B-8931-4CDC-A0D2-091BF7CB022F}"/>
+                </a:ext>
+              </a:extLst>
+            </p:cNvPr>
+            <p:cNvSpPr/>
+            <p:nvPr/>
+          </p:nvSpPr>
+          <p:spPr>
+            <a:xfrm>
+              <a:off x="4716016" y="2830894"/>
+              <a:ext cx="1584176" cy="400214"/>
+            </a:xfrm>
+            <a:prstGeom prst="roundRect">
+              <a:avLst>
+                <a:gd name="adj" fmla="val 12531"/>
+              </a:avLst>
+            </a:prstGeom>
+          </p:spPr>
+          <p:style>
+            <a:lnRef idx="2">
+              <a:schemeClr val="dk1"/>
+            </a:lnRef>
+            <a:fillRef idx="1">
+              <a:schemeClr val="lt1"/>
+            </a:fillRef>
+            <a:effectRef idx="0">
+              <a:schemeClr val="dk1"/>
+            </a:effectRef>
+            <a:fontRef idx="minor">
+              <a:schemeClr val="dk1"/>
+            </a:fontRef>
+          </p:style>
+          <p:txBody>
+            <a:bodyPr rtlCol="0" anchor="ctr"/>
+            <a:lstStyle/>
+            <a:p>
+              <a:pPr algn="ctr"/>
+              <a:r>
+                <a:rPr lang="en-US" altLang="ko-KR" sz="1400"/>
+                <a:t>Node Manager</a:t>
+              </a:r>
+              <a:endParaRPr lang="ko-KR" altLang="en-US" sz="1400" dirty="0"/>
+            </a:p>
+          </p:txBody>
+        </p:sp>
+        <p:sp>
+          <p:nvSpPr>
+            <p:cNvPr id="42" name="타원 41">
+              <a:extLst>
+                <a:ext uri="{FF2B5EF4-FFF2-40B4-BE49-F238E27FC236}">
+                  <a16:creationId xmlns:a16="http://schemas.microsoft.com/office/drawing/2014/main" xmlns="" id="{F1C4200D-7DB9-4A55-AAFB-2DA167EC27B7}"/>
+                </a:ext>
+              </a:extLst>
+            </p:cNvPr>
+            <p:cNvSpPr/>
+            <p:nvPr/>
+          </p:nvSpPr>
+          <p:spPr>
+            <a:xfrm>
+              <a:off x="4716016" y="3363838"/>
+              <a:ext cx="1584176" cy="576064"/>
+            </a:xfrm>
+            <a:prstGeom prst="ellipse">
+              <a:avLst/>
+            </a:prstGeom>
+          </p:spPr>
+          <p:style>
+            <a:lnRef idx="2">
+              <a:schemeClr val="dk1"/>
+            </a:lnRef>
+            <a:fillRef idx="1">
+              <a:schemeClr val="lt1"/>
+            </a:fillRef>
+            <a:effectRef idx="0">
+              <a:schemeClr val="dk1"/>
+            </a:effectRef>
+            <a:fontRef idx="minor">
+              <a:schemeClr val="dk1"/>
+            </a:fontRef>
+          </p:style>
+          <p:txBody>
+            <a:bodyPr rtlCol="0" anchor="ctr"/>
+            <a:lstStyle/>
+            <a:p>
+              <a:pPr algn="ctr"/>
+              <a:r>
+                <a:rPr lang="en-US" altLang="ko-KR" sz="1400"/>
+                <a:t>Container</a:t>
+              </a:r>
+              <a:endParaRPr lang="ko-KR" altLang="en-US" sz="1400"/>
+            </a:p>
+          </p:txBody>
+        </p:sp>
+        <p:sp>
+          <p:nvSpPr>
+            <p:cNvPr id="43" name="타원 42">
+              <a:extLst>
+                <a:ext uri="{FF2B5EF4-FFF2-40B4-BE49-F238E27FC236}">
+                  <a16:creationId xmlns:a16="http://schemas.microsoft.com/office/drawing/2014/main" xmlns="" id="{4DD7207F-BE20-4232-B346-EA201B5A8D78}"/>
+                </a:ext>
+              </a:extLst>
+            </p:cNvPr>
+            <p:cNvSpPr/>
+            <p:nvPr/>
+          </p:nvSpPr>
+          <p:spPr>
+            <a:xfrm>
+              <a:off x="4716016" y="4011910"/>
+              <a:ext cx="1584176" cy="576064"/>
+            </a:xfrm>
+            <a:prstGeom prst="ellipse">
+              <a:avLst/>
+            </a:prstGeom>
+          </p:spPr>
+          <p:style>
+            <a:lnRef idx="2">
+              <a:schemeClr val="dk1"/>
+            </a:lnRef>
+            <a:fillRef idx="1">
+              <a:schemeClr val="lt1"/>
+            </a:fillRef>
+            <a:effectRef idx="0">
+              <a:schemeClr val="dk1"/>
+            </a:effectRef>
+            <a:fontRef idx="minor">
+              <a:schemeClr val="dk1"/>
+            </a:fontRef>
+          </p:style>
+          <p:txBody>
+            <a:bodyPr rtlCol="0" anchor="ctr"/>
+            <a:lstStyle/>
+            <a:p>
+              <a:pPr algn="ctr"/>
+              <a:r>
+                <a:rPr lang="en-US" altLang="ko-KR" sz="1400"/>
+                <a:t>Container</a:t>
+              </a:r>
+              <a:endParaRPr lang="ko-KR" altLang="en-US" sz="1400"/>
+            </a:p>
+          </p:txBody>
+        </p:sp>
+      </p:grpSp>
+      <p:cxnSp>
+        <p:nvCxnSpPr>
+          <p:cNvPr id="45" name="직선 화살표 연결선 44">
+            <a:extLst>
+              <a:ext uri="{FF2B5EF4-FFF2-40B4-BE49-F238E27FC236}">
+                <a16:creationId xmlns:a16="http://schemas.microsoft.com/office/drawing/2014/main" xmlns="" id="{63CD95EA-9302-411A-9FCB-C8FDCBFA495D}"/>
+              </a:ext>
+            </a:extLst>
+          </p:cNvPr>
+          <p:cNvCxnSpPr>
+            <a:cxnSpLocks/>
+            <a:stCxn id="41" idx="0"/>
+            <a:endCxn id="6" idx="2"/>
+          </p:cNvCxnSpPr>
+          <p:nvPr/>
+        </p:nvCxnSpPr>
+        <p:spPr>
+          <a:xfrm flipV="1">
+            <a:off x="2539264" y="1995686"/>
+            <a:ext cx="3839420" cy="619184"/>
+          </a:xfrm>
+          <a:prstGeom prst="straightConnector1">
+            <a:avLst/>
+          </a:prstGeom>
+          <a:ln w="28575">
+            <a:solidFill>
+              <a:srgbClr val="C00000"/>
+            </a:solidFill>
+            <a:headEnd type="none" w="med" len="med"/>
+            <a:tailEnd type="arrow" w="med" len="med"/>
+          </a:ln>
+        </p:spPr>
+        <p:style>
+          <a:lnRef idx="1">
+            <a:schemeClr val="accent1"/>
+          </a:lnRef>
+          <a:fillRef idx="0">
+            <a:schemeClr val="accent1"/>
+          </a:fillRef>
+          <a:effectRef idx="0">
+            <a:schemeClr val="accent1"/>
+          </a:effectRef>
+          <a:fontRef idx="minor">
+            <a:schemeClr val="tx1"/>
+          </a:fontRef>
+        </p:style>
+      </p:cxnSp>
+      <p:cxnSp>
+        <p:nvCxnSpPr>
+          <p:cNvPr id="48" name="직선 화살표 연결선 47">
+            <a:extLst>
+              <a:ext uri="{FF2B5EF4-FFF2-40B4-BE49-F238E27FC236}">
+                <a16:creationId xmlns:a16="http://schemas.microsoft.com/office/drawing/2014/main" xmlns="" id="{A9100779-8D7F-447C-B48B-26391BE18849}"/>
+              </a:ext>
+            </a:extLst>
+          </p:cNvPr>
+          <p:cNvCxnSpPr>
+            <a:cxnSpLocks/>
+            <a:stCxn id="36" idx="0"/>
+            <a:endCxn id="6" idx="2"/>
+          </p:cNvCxnSpPr>
+          <p:nvPr/>
+        </p:nvCxnSpPr>
+        <p:spPr>
+          <a:xfrm flipV="1">
+            <a:off x="4598053" y="1995686"/>
+            <a:ext cx="1780631" cy="619184"/>
+          </a:xfrm>
+          <a:prstGeom prst="straightConnector1">
+            <a:avLst/>
+          </a:prstGeom>
+          <a:ln w="28575">
+            <a:solidFill>
+              <a:srgbClr val="C00000"/>
+            </a:solidFill>
+            <a:headEnd type="none" w="med" len="med"/>
+            <a:tailEnd type="arrow" w="med" len="med"/>
+          </a:ln>
+        </p:spPr>
+        <p:style>
+          <a:lnRef idx="1">
+            <a:schemeClr val="accent1"/>
+          </a:lnRef>
+          <a:fillRef idx="0">
+            <a:schemeClr val="accent1"/>
+          </a:fillRef>
+          <a:effectRef idx="0">
+            <a:schemeClr val="accent1"/>
+          </a:effectRef>
+          <a:fontRef idx="minor">
+            <a:schemeClr val="tx1"/>
+          </a:fontRef>
+        </p:style>
+      </p:cxnSp>
+      <p:cxnSp>
+        <p:nvCxnSpPr>
+          <p:cNvPr id="51" name="직선 화살표 연결선 50">
+            <a:extLst>
+              <a:ext uri="{FF2B5EF4-FFF2-40B4-BE49-F238E27FC236}">
+                <a16:creationId xmlns:a16="http://schemas.microsoft.com/office/drawing/2014/main" xmlns="" id="{3933F28B-AC51-417E-BC5B-2AD39C7EFC81}"/>
+              </a:ext>
+            </a:extLst>
+          </p:cNvPr>
+          <p:cNvCxnSpPr>
+            <a:cxnSpLocks/>
+            <a:stCxn id="26" idx="0"/>
+            <a:endCxn id="6" idx="2"/>
+          </p:cNvCxnSpPr>
+          <p:nvPr/>
+        </p:nvCxnSpPr>
+        <p:spPr>
+          <a:xfrm flipH="1" flipV="1">
+            <a:off x="6378684" y="1995686"/>
+            <a:ext cx="281548" cy="619184"/>
+          </a:xfrm>
+          <a:prstGeom prst="straightConnector1">
+            <a:avLst/>
+          </a:prstGeom>
+          <a:ln w="28575">
+            <a:solidFill>
+              <a:srgbClr val="C00000"/>
+            </a:solidFill>
+            <a:headEnd type="none" w="med" len="med"/>
+            <a:tailEnd type="arrow" w="med" len="med"/>
+          </a:ln>
+        </p:spPr>
+        <p:style>
+          <a:lnRef idx="1">
+            <a:schemeClr val="accent1"/>
+          </a:lnRef>
+          <a:fillRef idx="0">
+            <a:schemeClr val="accent1"/>
+          </a:fillRef>
+          <a:effectRef idx="0">
+            <a:schemeClr val="accent1"/>
+          </a:effectRef>
+          <a:fontRef idx="minor">
+            <a:schemeClr val="tx1"/>
+          </a:fontRef>
+        </p:style>
+      </p:cxnSp>
+      <p:cxnSp>
+        <p:nvCxnSpPr>
+          <p:cNvPr id="54" name="직선 화살표 연결선 53">
+            <a:extLst>
+              <a:ext uri="{FF2B5EF4-FFF2-40B4-BE49-F238E27FC236}">
+                <a16:creationId xmlns:a16="http://schemas.microsoft.com/office/drawing/2014/main" xmlns="" id="{6AA93637-C65C-4B5A-8B53-8E544BBE6A7F}"/>
+              </a:ext>
+            </a:extLst>
+          </p:cNvPr>
+          <p:cNvCxnSpPr>
+            <a:cxnSpLocks/>
+            <a:stCxn id="42" idx="6"/>
+            <a:endCxn id="37" idx="2"/>
+          </p:cNvCxnSpPr>
+          <p:nvPr/>
+        </p:nvCxnSpPr>
+        <p:spPr>
+          <a:xfrm>
+            <a:off x="3331352" y="3435846"/>
+            <a:ext cx="474613" cy="0"/>
+          </a:xfrm>
+          <a:prstGeom prst="straightConnector1">
+            <a:avLst/>
+          </a:prstGeom>
+          <a:ln w="28575">
+            <a:solidFill>
+              <a:schemeClr val="tx2"/>
+            </a:solidFill>
+            <a:headEnd type="none" w="med" len="med"/>
+            <a:tailEnd type="arrow" w="med" len="med"/>
+          </a:ln>
+        </p:spPr>
+        <p:style>
+          <a:lnRef idx="1">
+            <a:schemeClr val="accent1"/>
+          </a:lnRef>
+          <a:fillRef idx="0">
+            <a:schemeClr val="accent1"/>
+          </a:fillRef>
+          <a:effectRef idx="0">
+            <a:schemeClr val="accent1"/>
+          </a:effectRef>
+          <a:fontRef idx="minor">
+            <a:schemeClr val="tx1"/>
+          </a:fontRef>
+        </p:style>
+      </p:cxnSp>
+      <p:cxnSp>
+        <p:nvCxnSpPr>
+          <p:cNvPr id="57" name="직선 화살표 연결선 56">
+            <a:extLst>
+              <a:ext uri="{FF2B5EF4-FFF2-40B4-BE49-F238E27FC236}">
+                <a16:creationId xmlns:a16="http://schemas.microsoft.com/office/drawing/2014/main" xmlns="" id="{3A100D49-C29F-4AB6-B28A-334EF96F16AF}"/>
+              </a:ext>
+            </a:extLst>
+          </p:cNvPr>
+          <p:cNvCxnSpPr>
+            <a:cxnSpLocks/>
+            <a:stCxn id="43" idx="6"/>
+            <a:endCxn id="37" idx="2"/>
+          </p:cNvCxnSpPr>
+          <p:nvPr/>
+        </p:nvCxnSpPr>
+        <p:spPr>
+          <a:xfrm flipV="1">
+            <a:off x="3331352" y="3435846"/>
+            <a:ext cx="474613" cy="648072"/>
+          </a:xfrm>
+          <a:prstGeom prst="straightConnector1">
+            <a:avLst/>
+          </a:prstGeom>
+          <a:ln w="28575">
+            <a:solidFill>
+              <a:schemeClr val="tx2"/>
+            </a:solidFill>
+            <a:headEnd type="none" w="med" len="med"/>
+            <a:tailEnd type="arrow" w="med" len="med"/>
+          </a:ln>
+        </p:spPr>
+        <p:style>
+          <a:lnRef idx="1">
+            <a:schemeClr val="accent1"/>
+          </a:lnRef>
+          <a:fillRef idx="0">
+            <a:schemeClr val="accent1"/>
+          </a:fillRef>
+          <a:effectRef idx="0">
+            <a:schemeClr val="accent1"/>
+          </a:effectRef>
+          <a:fontRef idx="minor">
+            <a:schemeClr val="tx1"/>
+          </a:fontRef>
+        </p:style>
+      </p:cxnSp>
+      <p:cxnSp>
+        <p:nvCxnSpPr>
+          <p:cNvPr id="60" name="직선 화살표 연결선 59">
+            <a:extLst>
+              <a:ext uri="{FF2B5EF4-FFF2-40B4-BE49-F238E27FC236}">
+                <a16:creationId xmlns:a16="http://schemas.microsoft.com/office/drawing/2014/main" xmlns="" id="{4DEC1018-A708-4DC7-B2AD-00ABDB42B1D6}"/>
+              </a:ext>
+            </a:extLst>
+          </p:cNvPr>
+          <p:cNvCxnSpPr>
+            <a:cxnSpLocks/>
+            <a:stCxn id="38" idx="6"/>
+            <a:endCxn id="32" idx="2"/>
+          </p:cNvCxnSpPr>
+          <p:nvPr/>
+        </p:nvCxnSpPr>
+        <p:spPr>
+          <a:xfrm>
+            <a:off x="5390141" y="4083918"/>
+            <a:ext cx="478003" cy="0"/>
+          </a:xfrm>
+          <a:prstGeom prst="straightConnector1">
+            <a:avLst/>
+          </a:prstGeom>
+          <a:ln w="28575">
+            <a:solidFill>
+              <a:schemeClr val="tx2"/>
+            </a:solidFill>
+            <a:headEnd type="none" w="med" len="med"/>
+            <a:tailEnd type="arrow" w="med" len="med"/>
+          </a:ln>
+        </p:spPr>
+        <p:style>
+          <a:lnRef idx="1">
+            <a:schemeClr val="accent1"/>
+          </a:lnRef>
+          <a:fillRef idx="0">
+            <a:schemeClr val="accent1"/>
+          </a:fillRef>
+          <a:effectRef idx="0">
+            <a:schemeClr val="accent1"/>
+          </a:effectRef>
+          <a:fontRef idx="minor">
+            <a:schemeClr val="tx1"/>
+          </a:fontRef>
+        </p:style>
+      </p:cxnSp>
+      <p:cxnSp>
+        <p:nvCxnSpPr>
+          <p:cNvPr id="65" name="직선 화살표 연결선 64">
+            <a:extLst>
+              <a:ext uri="{FF2B5EF4-FFF2-40B4-BE49-F238E27FC236}">
+                <a16:creationId xmlns:a16="http://schemas.microsoft.com/office/drawing/2014/main" xmlns="" id="{795CA74B-6E12-4088-BBAC-31A825D66510}"/>
+              </a:ext>
+            </a:extLst>
+          </p:cNvPr>
+          <p:cNvCxnSpPr>
+            <a:cxnSpLocks/>
+            <a:stCxn id="29" idx="2"/>
+            <a:endCxn id="37" idx="6"/>
+          </p:cNvCxnSpPr>
+          <p:nvPr/>
+        </p:nvCxnSpPr>
+        <p:spPr>
+          <a:xfrm flipH="1">
+            <a:off x="5390141" y="3435846"/>
+            <a:ext cx="478003" cy="0"/>
+          </a:xfrm>
+          <a:prstGeom prst="straightConnector1">
+            <a:avLst/>
+          </a:prstGeom>
+          <a:ln w="28575">
+            <a:solidFill>
+              <a:schemeClr val="tx2"/>
+            </a:solidFill>
+            <a:headEnd type="none" w="med" len="med"/>
+            <a:tailEnd type="arrow" w="med" len="med"/>
+          </a:ln>
+        </p:spPr>
+        <p:style>
+          <a:lnRef idx="1">
+            <a:schemeClr val="accent1"/>
+          </a:lnRef>
+          <a:fillRef idx="0">
+            <a:schemeClr val="accent1"/>
+          </a:fillRef>
+          <a:effectRef idx="0">
+            <a:schemeClr val="accent1"/>
+          </a:effectRef>
+          <a:fontRef idx="minor">
+            <a:schemeClr val="tx1"/>
+          </a:fontRef>
+        </p:style>
+      </p:cxnSp>
+      <p:cxnSp>
+        <p:nvCxnSpPr>
+          <p:cNvPr id="68" name="직선 화살표 연결선 67">
+            <a:extLst>
+              <a:ext uri="{FF2B5EF4-FFF2-40B4-BE49-F238E27FC236}">
+                <a16:creationId xmlns:a16="http://schemas.microsoft.com/office/drawing/2014/main" xmlns="" id="{0F057480-7171-4B87-B299-002A985D1F30}"/>
+              </a:ext>
+            </a:extLst>
+          </p:cNvPr>
+          <p:cNvCxnSpPr>
+            <a:cxnSpLocks/>
+            <a:stCxn id="37" idx="0"/>
+            <a:endCxn id="6" idx="2"/>
+          </p:cNvCxnSpPr>
+          <p:nvPr/>
+        </p:nvCxnSpPr>
+        <p:spPr>
+          <a:xfrm flipV="1">
+            <a:off x="4598053" y="1995686"/>
+            <a:ext cx="1780631" cy="1152128"/>
+          </a:xfrm>
+          <a:prstGeom prst="straightConnector1">
+            <a:avLst/>
+          </a:prstGeom>
+          <a:ln w="28575">
+            <a:solidFill>
+              <a:schemeClr val="accent3">
+                <a:lumMod val="75000"/>
+              </a:schemeClr>
+            </a:solidFill>
+            <a:headEnd type="none" w="med" len="med"/>
+            <a:tailEnd type="arrow" w="med" len="med"/>
+          </a:ln>
+        </p:spPr>
+        <p:style>
+          <a:lnRef idx="1">
+            <a:schemeClr val="accent1"/>
+          </a:lnRef>
+          <a:fillRef idx="0">
+            <a:schemeClr val="accent1"/>
+          </a:fillRef>
+          <a:effectRef idx="0">
+            <a:schemeClr val="accent1"/>
+          </a:effectRef>
+          <a:fontRef idx="minor">
+            <a:schemeClr val="tx1"/>
+          </a:fontRef>
+        </p:style>
+      </p:cxnSp>
+      <p:cxnSp>
+        <p:nvCxnSpPr>
+          <p:cNvPr id="71" name="직선 화살표 연결선 70">
+            <a:extLst>
+              <a:ext uri="{FF2B5EF4-FFF2-40B4-BE49-F238E27FC236}">
+                <a16:creationId xmlns:a16="http://schemas.microsoft.com/office/drawing/2014/main" xmlns="" id="{3F847CB0-C800-488D-9A1C-5C275B3B32E1}"/>
+              </a:ext>
+            </a:extLst>
+          </p:cNvPr>
+          <p:cNvCxnSpPr>
+            <a:cxnSpLocks/>
+            <a:stCxn id="32" idx="0"/>
+            <a:endCxn id="6" idx="2"/>
+          </p:cNvCxnSpPr>
+          <p:nvPr/>
+        </p:nvCxnSpPr>
+        <p:spPr>
+          <a:xfrm flipH="1" flipV="1">
+            <a:off x="6378684" y="1995686"/>
+            <a:ext cx="281548" cy="1800200"/>
+          </a:xfrm>
+          <a:prstGeom prst="straightConnector1">
+            <a:avLst/>
+          </a:prstGeom>
+          <a:ln w="28575">
+            <a:solidFill>
+              <a:schemeClr val="accent3">
+                <a:lumMod val="75000"/>
+              </a:schemeClr>
+            </a:solidFill>
+            <a:headEnd type="none" w="med" len="med"/>
+            <a:tailEnd type="arrow" w="med" len="med"/>
+          </a:ln>
+        </p:spPr>
+        <p:style>
+          <a:lnRef idx="1">
+            <a:schemeClr val="accent1"/>
+          </a:lnRef>
+          <a:fillRef idx="0">
+            <a:schemeClr val="accent1"/>
+          </a:fillRef>
+          <a:effectRef idx="0">
+            <a:schemeClr val="accent1"/>
+          </a:effectRef>
+          <a:fontRef idx="minor">
+            <a:schemeClr val="tx1"/>
+          </a:fontRef>
+        </p:style>
+      </p:cxnSp>
+      <p:cxnSp>
+        <p:nvCxnSpPr>
+          <p:cNvPr id="75" name="직선 화살표 연결선 74">
+            <a:extLst>
+              <a:ext uri="{FF2B5EF4-FFF2-40B4-BE49-F238E27FC236}">
+                <a16:creationId xmlns:a16="http://schemas.microsoft.com/office/drawing/2014/main" xmlns="" id="{3E79A9E3-D35C-4D13-9C35-D56D0A88D17F}"/>
+              </a:ext>
+            </a:extLst>
+          </p:cNvPr>
+          <p:cNvCxnSpPr>
+            <a:cxnSpLocks/>
+            <a:stCxn id="30" idx="6"/>
+            <a:endCxn id="6" idx="1"/>
+          </p:cNvCxnSpPr>
+          <p:nvPr/>
+        </p:nvCxnSpPr>
+        <p:spPr>
+          <a:xfrm>
+            <a:off x="5292080" y="1707654"/>
+            <a:ext cx="415537" cy="0"/>
+          </a:xfrm>
+          <a:prstGeom prst="straightConnector1">
+            <a:avLst/>
+          </a:prstGeom>
+          <a:ln w="28575">
+            <a:solidFill>
+              <a:schemeClr val="accent5">
+                <a:lumMod val="75000"/>
+              </a:schemeClr>
+            </a:solidFill>
+            <a:headEnd type="none" w="med" len="med"/>
+            <a:tailEnd type="arrow" w="med" len="med"/>
+          </a:ln>
+        </p:spPr>
+        <p:style>
+          <a:lnRef idx="1">
+            <a:schemeClr val="accent1"/>
+          </a:lnRef>
+          <a:fillRef idx="0">
+            <a:schemeClr val="accent1"/>
+          </a:fillRef>
+          <a:effectRef idx="0">
+            <a:schemeClr val="accent1"/>
+          </a:effectRef>
+          <a:fontRef idx="minor">
+            <a:schemeClr val="tx1"/>
+          </a:fontRef>
+        </p:style>
+      </p:cxnSp>
+      <p:grpSp>
+        <p:nvGrpSpPr>
+          <p:cNvPr id="98" name="그룹 97">
+            <a:extLst>
+              <a:ext uri="{FF2B5EF4-FFF2-40B4-BE49-F238E27FC236}">
+                <a16:creationId xmlns:a16="http://schemas.microsoft.com/office/drawing/2014/main" xmlns="" id="{B2F6CFF1-DF54-4F02-88FB-F2B7EAF8E248}"/>
+              </a:ext>
+            </a:extLst>
+          </p:cNvPr>
+          <p:cNvGrpSpPr/>
+          <p:nvPr/>
+        </p:nvGrpSpPr>
+        <p:grpSpPr>
+          <a:xfrm>
+            <a:off x="1691680" y="987574"/>
+            <a:ext cx="2088232" cy="1231410"/>
+            <a:chOff x="1187624" y="987574"/>
+            <a:chExt cx="2088232" cy="1231410"/>
+          </a:xfrm>
+        </p:grpSpPr>
+        <p:cxnSp>
+          <p:nvCxnSpPr>
+            <p:cNvPr id="79" name="직선 화살표 연결선 78">
+              <a:extLst>
+                <a:ext uri="{FF2B5EF4-FFF2-40B4-BE49-F238E27FC236}">
+                  <a16:creationId xmlns:a16="http://schemas.microsoft.com/office/drawing/2014/main" xmlns="" id="{FEDAA768-BFC9-4E6D-9A55-597FD6687A4E}"/>
+                </a:ext>
+              </a:extLst>
+            </p:cNvPr>
+            <p:cNvCxnSpPr>
+              <a:cxnSpLocks/>
+              <a:endCxn id="82" idx="1"/>
+            </p:cNvCxnSpPr>
+            <p:nvPr/>
+          </p:nvCxnSpPr>
+          <p:spPr>
+            <a:xfrm>
+              <a:off x="1187624" y="1141463"/>
+              <a:ext cx="360040" cy="0"/>
+            </a:xfrm>
+            <a:prstGeom prst="straightConnector1">
+              <a:avLst/>
+            </a:prstGeom>
+            <a:ln w="28575">
+              <a:solidFill>
+                <a:schemeClr val="accent5">
+                  <a:lumMod val="75000"/>
+                </a:schemeClr>
+              </a:solidFill>
+              <a:headEnd type="none" w="med" len="med"/>
+              <a:tailEnd type="arrow" w="med" len="med"/>
+            </a:ln>
+          </p:spPr>
+          <p:style>
+            <a:lnRef idx="1">
+              <a:schemeClr val="accent1"/>
+            </a:lnRef>
+            <a:fillRef idx="0">
+              <a:schemeClr val="accent1"/>
+            </a:fillRef>
+            <a:effectRef idx="0">
+              <a:schemeClr val="accent1"/>
+            </a:effectRef>
+            <a:fontRef idx="minor">
+              <a:schemeClr val="tx1"/>
+            </a:fontRef>
+          </p:style>
+        </p:cxnSp>
+        <p:sp>
+          <p:nvSpPr>
+            <p:cNvPr id="82" name="TextBox 81">
+              <a:extLst>
+                <a:ext uri="{FF2B5EF4-FFF2-40B4-BE49-F238E27FC236}">
+                  <a16:creationId xmlns:a16="http://schemas.microsoft.com/office/drawing/2014/main" xmlns="" id="{08C76C99-553F-4622-9C6A-7756B2CFA84F}"/>
+                </a:ext>
+              </a:extLst>
+            </p:cNvPr>
+            <p:cNvSpPr txBox="1"/>
+            <p:nvPr/>
+          </p:nvSpPr>
+          <p:spPr>
+            <a:xfrm>
+              <a:off x="1547664" y="987574"/>
+              <a:ext cx="1728192" cy="307777"/>
+            </a:xfrm>
+            <a:prstGeom prst="rect">
+              <a:avLst/>
+            </a:prstGeom>
+            <a:noFill/>
+          </p:spPr>
+          <p:txBody>
+            <a:bodyPr wrap="square" rtlCol="0">
+              <a:spAutoFit/>
+            </a:bodyPr>
+            <a:lstStyle/>
+            <a:p>
+              <a:pPr algn="ctr"/>
+              <a:r>
+                <a:rPr lang="en-US" altLang="ko-KR" sz="1400"/>
+                <a:t>Job Submission</a:t>
+              </a:r>
+              <a:endParaRPr lang="ko-KR" altLang="en-US" sz="1400"/>
+            </a:p>
+          </p:txBody>
+        </p:sp>
+        <p:cxnSp>
+          <p:nvCxnSpPr>
+            <p:cNvPr id="85" name="직선 화살표 연결선 84">
+              <a:extLst>
+                <a:ext uri="{FF2B5EF4-FFF2-40B4-BE49-F238E27FC236}">
+                  <a16:creationId xmlns:a16="http://schemas.microsoft.com/office/drawing/2014/main" xmlns="" id="{BCF7F299-0FD2-4EDF-891C-D717BDED0371}"/>
+                </a:ext>
+              </a:extLst>
+            </p:cNvPr>
+            <p:cNvCxnSpPr>
+              <a:cxnSpLocks/>
+              <a:endCxn id="86" idx="1"/>
+            </p:cNvCxnSpPr>
+            <p:nvPr/>
+          </p:nvCxnSpPr>
+          <p:spPr>
+            <a:xfrm>
+              <a:off x="1187624" y="1450737"/>
+              <a:ext cx="360040" cy="0"/>
+            </a:xfrm>
+            <a:prstGeom prst="straightConnector1">
+              <a:avLst/>
+            </a:prstGeom>
+            <a:ln w="28575">
+              <a:solidFill>
+                <a:schemeClr val="tx2"/>
+              </a:solidFill>
+              <a:headEnd type="none" w="med" len="med"/>
+              <a:tailEnd type="arrow" w="med" len="med"/>
+            </a:ln>
+          </p:spPr>
+          <p:style>
+            <a:lnRef idx="1">
+              <a:schemeClr val="accent1"/>
+            </a:lnRef>
+            <a:fillRef idx="0">
+              <a:schemeClr val="accent1"/>
+            </a:fillRef>
+            <a:effectRef idx="0">
+              <a:schemeClr val="accent1"/>
+            </a:effectRef>
+            <a:fontRef idx="minor">
+              <a:schemeClr val="tx1"/>
+            </a:fontRef>
+          </p:style>
+        </p:cxnSp>
+        <p:sp>
+          <p:nvSpPr>
+            <p:cNvPr id="86" name="TextBox 85">
+              <a:extLst>
+                <a:ext uri="{FF2B5EF4-FFF2-40B4-BE49-F238E27FC236}">
+                  <a16:creationId xmlns:a16="http://schemas.microsoft.com/office/drawing/2014/main" xmlns="" id="{2AEA4195-EC52-4EB4-BC56-00DCD87AC0CA}"/>
+                </a:ext>
+              </a:extLst>
+            </p:cNvPr>
+            <p:cNvSpPr txBox="1"/>
+            <p:nvPr/>
+          </p:nvSpPr>
+          <p:spPr>
+            <a:xfrm>
+              <a:off x="1547664" y="1296848"/>
+              <a:ext cx="1728192" cy="307777"/>
+            </a:xfrm>
+            <a:prstGeom prst="rect">
+              <a:avLst/>
+            </a:prstGeom>
+            <a:noFill/>
+          </p:spPr>
+          <p:txBody>
+            <a:bodyPr wrap="square" rtlCol="0">
+              <a:spAutoFit/>
+            </a:bodyPr>
+            <a:lstStyle/>
+            <a:p>
+              <a:pPr algn="ctr"/>
+              <a:r>
+                <a:rPr lang="en-US" altLang="ko-KR" sz="1400" dirty="0" err="1" smtClean="0"/>
+                <a:t>Proces</a:t>
+              </a:r>
+              <a:r>
+                <a:rPr lang="en-US" altLang="ko-KR" sz="1400" dirty="0" smtClean="0"/>
+                <a:t> </a:t>
+              </a:r>
+              <a:r>
+                <a:rPr lang="en-US" altLang="ko-KR" sz="1400" dirty="0" smtClean="0"/>
+                <a:t>Status</a:t>
+              </a:r>
+              <a:endParaRPr lang="ko-KR" altLang="en-US" sz="1400" dirty="0"/>
+            </a:p>
+          </p:txBody>
+        </p:sp>
+        <p:cxnSp>
+          <p:nvCxnSpPr>
+            <p:cNvPr id="87" name="직선 화살표 연결선 86">
+              <a:extLst>
+                <a:ext uri="{FF2B5EF4-FFF2-40B4-BE49-F238E27FC236}">
+                  <a16:creationId xmlns:a16="http://schemas.microsoft.com/office/drawing/2014/main" xmlns="" id="{DB4483B7-6B6E-4872-82B2-9F46BC8C4410}"/>
+                </a:ext>
+              </a:extLst>
+            </p:cNvPr>
+            <p:cNvCxnSpPr>
+              <a:cxnSpLocks/>
+              <a:endCxn id="88" idx="1"/>
+            </p:cNvCxnSpPr>
+            <p:nvPr/>
+          </p:nvCxnSpPr>
+          <p:spPr>
+            <a:xfrm>
+              <a:off x="1187624" y="1755822"/>
+              <a:ext cx="360040" cy="0"/>
+            </a:xfrm>
+            <a:prstGeom prst="straightConnector1">
+              <a:avLst/>
+            </a:prstGeom>
+            <a:ln w="28575">
+              <a:solidFill>
+                <a:srgbClr val="C00000"/>
+              </a:solidFill>
+              <a:headEnd type="none" w="med" len="med"/>
+              <a:tailEnd type="arrow" w="med" len="med"/>
+            </a:ln>
+          </p:spPr>
+          <p:style>
+            <a:lnRef idx="1">
+              <a:schemeClr val="accent1"/>
+            </a:lnRef>
+            <a:fillRef idx="0">
+              <a:schemeClr val="accent1"/>
+            </a:fillRef>
+            <a:effectRef idx="0">
+              <a:schemeClr val="accent1"/>
+            </a:effectRef>
+            <a:fontRef idx="minor">
+              <a:schemeClr val="tx1"/>
+            </a:fontRef>
+          </p:style>
+        </p:cxnSp>
+        <p:sp>
+          <p:nvSpPr>
+            <p:cNvPr id="88" name="TextBox 87">
+              <a:extLst>
+                <a:ext uri="{FF2B5EF4-FFF2-40B4-BE49-F238E27FC236}">
+                  <a16:creationId xmlns:a16="http://schemas.microsoft.com/office/drawing/2014/main" xmlns="" id="{E48ABFB1-B00A-4E38-8BD4-CD95ECE0BA7A}"/>
+                </a:ext>
+              </a:extLst>
+            </p:cNvPr>
+            <p:cNvSpPr txBox="1"/>
+            <p:nvPr/>
+          </p:nvSpPr>
+          <p:spPr>
+            <a:xfrm>
+              <a:off x="1547664" y="1601933"/>
+              <a:ext cx="1728192" cy="307777"/>
+            </a:xfrm>
+            <a:prstGeom prst="rect">
+              <a:avLst/>
+            </a:prstGeom>
+            <a:noFill/>
+          </p:spPr>
+          <p:txBody>
+            <a:bodyPr wrap="square" rtlCol="0">
+              <a:spAutoFit/>
+            </a:bodyPr>
+            <a:lstStyle/>
+            <a:p>
+              <a:pPr algn="ctr"/>
+              <a:r>
+                <a:rPr lang="en-US" altLang="ko-KR" sz="1400" dirty="0"/>
+                <a:t>Node Status</a:t>
+              </a:r>
+              <a:endParaRPr lang="ko-KR" altLang="en-US" sz="1400" dirty="0"/>
+            </a:p>
+          </p:txBody>
+        </p:sp>
+        <p:cxnSp>
+          <p:nvCxnSpPr>
+            <p:cNvPr id="89" name="직선 화살표 연결선 88">
+              <a:extLst>
+                <a:ext uri="{FF2B5EF4-FFF2-40B4-BE49-F238E27FC236}">
+                  <a16:creationId xmlns:a16="http://schemas.microsoft.com/office/drawing/2014/main" xmlns="" id="{DBE2957A-8326-4EB5-88A9-1B4699318030}"/>
+                </a:ext>
+              </a:extLst>
+            </p:cNvPr>
+            <p:cNvCxnSpPr>
+              <a:cxnSpLocks/>
+              <a:endCxn id="90" idx="1"/>
+            </p:cNvCxnSpPr>
+            <p:nvPr/>
+          </p:nvCxnSpPr>
+          <p:spPr>
+            <a:xfrm>
+              <a:off x="1187624" y="2065096"/>
+              <a:ext cx="360040" cy="0"/>
+            </a:xfrm>
+            <a:prstGeom prst="straightConnector1">
+              <a:avLst/>
+            </a:prstGeom>
+            <a:ln w="28575">
+              <a:solidFill>
+                <a:schemeClr val="accent3">
+                  <a:lumMod val="75000"/>
+                </a:schemeClr>
+              </a:solidFill>
+              <a:headEnd type="none" w="med" len="med"/>
+              <a:tailEnd type="arrow" w="med" len="med"/>
+            </a:ln>
+          </p:spPr>
+          <p:style>
+            <a:lnRef idx="1">
+              <a:schemeClr val="accent1"/>
+            </a:lnRef>
+            <a:fillRef idx="0">
+              <a:schemeClr val="accent1"/>
+            </a:fillRef>
+            <a:effectRef idx="0">
+              <a:schemeClr val="accent1"/>
+            </a:effectRef>
+            <a:fontRef idx="minor">
+              <a:schemeClr val="tx1"/>
+            </a:fontRef>
+          </p:style>
+        </p:cxnSp>
+        <p:sp>
+          <p:nvSpPr>
+            <p:cNvPr id="90" name="TextBox 89">
+              <a:extLst>
+                <a:ext uri="{FF2B5EF4-FFF2-40B4-BE49-F238E27FC236}">
+                  <a16:creationId xmlns:a16="http://schemas.microsoft.com/office/drawing/2014/main" xmlns="" id="{B1BA5C7E-8007-4B30-8EFA-359BE83561CF}"/>
+                </a:ext>
+              </a:extLst>
+            </p:cNvPr>
+            <p:cNvSpPr txBox="1"/>
+            <p:nvPr/>
+          </p:nvSpPr>
+          <p:spPr>
+            <a:xfrm>
+              <a:off x="1547664" y="1911207"/>
+              <a:ext cx="1728192" cy="307777"/>
+            </a:xfrm>
+            <a:prstGeom prst="rect">
+              <a:avLst/>
+            </a:prstGeom>
+            <a:noFill/>
+          </p:spPr>
+          <p:txBody>
+            <a:bodyPr wrap="square" rtlCol="0">
+              <a:spAutoFit/>
+            </a:bodyPr>
+            <a:lstStyle/>
+            <a:p>
+              <a:pPr algn="ctr"/>
+              <a:r>
+                <a:rPr lang="en-US" altLang="ko-KR" sz="1400"/>
+                <a:t>Resource Request</a:t>
+              </a:r>
+              <a:endParaRPr lang="ko-KR" altLang="en-US" sz="1400"/>
+            </a:p>
+          </p:txBody>
+        </p:sp>
+      </p:grpSp>
+    </p:spTree>
+    <p:extLst>
+      <p:ext uri="{BB962C8B-B14F-4D97-AF65-F5344CB8AC3E}">
+        <p14:creationId xmlns:p14="http://schemas.microsoft.com/office/powerpoint/2010/main" val="3724021028"/>
+      </p:ext>
+    </p:extLst>
+  </p:cSld>
+  <p:clrMapOvr>
+    <a:masterClrMapping/>
+  </p:clrMapOvr>
+</p:sld>
+</file>
+
+<file path=ppt/slides/slide7.xml><?xml version="1.0" encoding="utf-8"?>
+<p:sld xmlns:a="http://schemas.openxmlformats.org/drawingml/2006/main" xmlns:r="http://schemas.openxmlformats.org/officeDocument/2006/relationships" xmlns:p="http://schemas.openxmlformats.org/presentationml/2006/main">
+  <p:cSld>
+    <p:spTree>
+      <p:nvGrpSpPr>
+        <p:cNvPr id="1" name=""/>
+        <p:cNvGrpSpPr/>
+        <p:nvPr/>
+      </p:nvGrpSpPr>
+      <p:grpSpPr>
+        <a:xfrm>
+          <a:off x="0" y="0"/>
+          <a:ext cx="0" cy="0"/>
+          <a:chOff x="0" y="0"/>
+          <a:chExt cx="0" cy="0"/>
+        </a:xfrm>
+      </p:grpSpPr>
+      <p:sp>
+        <p:nvSpPr>
+          <p:cNvPr id="2" name="제목 1">
+            <a:extLst>
+              <a:ext uri="{FF2B5EF4-FFF2-40B4-BE49-F238E27FC236}">
+                <a16:creationId xmlns="" xmlns:a16="http://schemas.microsoft.com/office/drawing/2014/main" id="{8738443D-5E72-49E2-86AC-581D61C41C39}"/>
+              </a:ext>
+            </a:extLst>
+          </p:cNvPr>
+          <p:cNvSpPr>
+            <a:spLocks noGrp="1"/>
+          </p:cNvSpPr>
+          <p:nvPr>
+            <p:ph type="title"/>
+          </p:nvPr>
+        </p:nvSpPr>
+        <p:spPr>
+          <a:xfrm>
+            <a:off x="457200" y="-92546"/>
+            <a:ext cx="8229600" cy="857250"/>
+          </a:xfrm>
+        </p:spPr>
+        <p:txBody>
+          <a:bodyPr/>
+          <a:lstStyle/>
+          <a:p>
+            <a:r>
+              <a:rPr lang="en-US" altLang="ko-KR"/>
+              <a:t>YARN Architecture</a:t>
+            </a:r>
+            <a:endParaRPr lang="ko-KR" altLang="en-US" dirty="0"/>
+          </a:p>
+        </p:txBody>
+      </p:sp>
+      <p:sp>
+        <p:nvSpPr>
+          <p:cNvPr id="4" name="모서리가 둥근 직사각형 18">
+            <a:extLst>
+              <a:ext uri="{FF2B5EF4-FFF2-40B4-BE49-F238E27FC236}">
+                <a16:creationId xmlns="" xmlns:a16="http://schemas.microsoft.com/office/drawing/2014/main" id="{90910971-3F87-488C-9CD0-4E04E8DEA3B0}"/>
+              </a:ext>
+            </a:extLst>
+          </p:cNvPr>
+          <p:cNvSpPr/>
+          <p:nvPr/>
+        </p:nvSpPr>
+        <p:spPr>
+          <a:xfrm>
+            <a:off x="5148062" y="843558"/>
+            <a:ext cx="2448274" cy="1296144"/>
+          </a:xfrm>
+          <a:prstGeom prst="roundRect">
+            <a:avLst>
+              <a:gd name="adj" fmla="val 4853"/>
+            </a:avLst>
+          </a:prstGeom>
+        </p:spPr>
+        <p:style>
+          <a:lnRef idx="2">
+            <a:schemeClr val="dk1"/>
+          </a:lnRef>
+          <a:fillRef idx="1">
+            <a:schemeClr val="lt1"/>
+          </a:fillRef>
+          <a:effectRef idx="0">
+            <a:schemeClr val="dk1"/>
+          </a:effectRef>
+          <a:fontRef idx="minor">
+            <a:schemeClr val="dk1"/>
+          </a:fontRef>
+        </p:style>
+        <p:txBody>
+          <a:bodyPr rtlCol="0" anchor="t"/>
+          <a:lstStyle/>
+          <a:p>
+            <a:pPr algn="ctr"/>
+            <a:r>
+              <a:rPr lang="en-US" altLang="ko-KR" sz="1400" dirty="0"/>
+              <a:t>Node</a:t>
+            </a:r>
+            <a:endParaRPr lang="ko-KR" altLang="en-US" sz="1400" dirty="0"/>
+          </a:p>
+        </p:txBody>
+      </p:sp>
+      <p:sp>
+        <p:nvSpPr>
+          <p:cNvPr id="6" name="모서리가 둥근 직사각형 18">
+            <a:extLst>
+              <a:ext uri="{FF2B5EF4-FFF2-40B4-BE49-F238E27FC236}">
+                <a16:creationId xmlns="" xmlns:a16="http://schemas.microsoft.com/office/drawing/2014/main" id="{F5302ADF-D203-4131-A3B2-4F84C5314C62}"/>
+              </a:ext>
+            </a:extLst>
+          </p:cNvPr>
+          <p:cNvSpPr/>
+          <p:nvPr/>
+        </p:nvSpPr>
+        <p:spPr>
+          <a:xfrm>
+            <a:off x="5283006" y="1177176"/>
+            <a:ext cx="2178387" cy="818510"/>
+          </a:xfrm>
+          <a:prstGeom prst="roundRect">
+            <a:avLst>
+              <a:gd name="adj" fmla="val 9948"/>
+            </a:avLst>
+          </a:prstGeom>
+        </p:spPr>
+        <p:style>
+          <a:lnRef idx="2">
+            <a:schemeClr val="dk1"/>
+          </a:lnRef>
+          <a:fillRef idx="1">
+            <a:schemeClr val="lt1"/>
+          </a:fillRef>
+          <a:effectRef idx="0">
+            <a:schemeClr val="dk1"/>
+          </a:effectRef>
+          <a:fontRef idx="minor">
+            <a:schemeClr val="dk1"/>
+          </a:fontRef>
+        </p:style>
+        <p:txBody>
+          <a:bodyPr rtlCol="0" anchor="t"/>
+          <a:lstStyle/>
+          <a:p>
+            <a:pPr algn="ctr"/>
+            <a:r>
+              <a:rPr lang="en-US" altLang="ko-KR" sz="1400" dirty="0"/>
+              <a:t>Resource Manager</a:t>
+            </a:r>
+            <a:endParaRPr lang="ko-KR" altLang="en-US" sz="1400" dirty="0"/>
+          </a:p>
+        </p:txBody>
+      </p:sp>
+      <p:sp>
+        <p:nvSpPr>
+          <p:cNvPr id="30" name="타원 29">
+            <a:extLst>
+              <a:ext uri="{FF2B5EF4-FFF2-40B4-BE49-F238E27FC236}">
                 <a16:creationId xmlns="" xmlns:a16="http://schemas.microsoft.com/office/drawing/2014/main" id="{0006BDA6-9444-4FFD-B5BD-EED6E274CFFA}"/>
               </a:ext>
             </a:extLst>
@@ -7216,8 +13775,8 @@
         </p:nvSpPr>
         <p:spPr>
           <a:xfrm>
-            <a:off x="3923928" y="1419622"/>
-            <a:ext cx="1368152" cy="576064"/>
+            <a:off x="3641078" y="1298636"/>
+            <a:ext cx="930922" cy="576064"/>
           </a:xfrm>
           <a:prstGeom prst="ellipse">
             <a:avLst/>
@@ -7363,7 +13922,7 @@
             <a:p>
               <a:pPr algn="ctr"/>
               <a:r>
-                <a:rPr lang="en-US" altLang="ko-KR" sz="1400"/>
+                <a:rPr lang="en-US" altLang="ko-KR" sz="1400" dirty="0"/>
                 <a:t>Node Manager</a:t>
               </a:r>
               <a:endParaRPr lang="ko-KR" altLang="en-US" sz="1400" dirty="0"/>
@@ -7390,6 +13949,12 @@
             <a:prstGeom prst="ellipse">
               <a:avLst/>
             </a:prstGeom>
+            <a:solidFill>
+              <a:schemeClr val="accent3">
+                <a:lumMod val="40000"/>
+                <a:lumOff val="60000"/>
+              </a:schemeClr>
+            </a:solidFill>
           </p:spPr>
           <p:style>
             <a:lnRef idx="2">
@@ -7411,10 +13976,17 @@
             <a:p>
               <a:pPr algn="ctr"/>
               <a:r>
-                <a:rPr lang="en-US" altLang="ko-KR" sz="1400"/>
-                <a:t>Container</a:t>
+                <a:rPr lang="en-US" altLang="ko-KR" sz="1200" dirty="0" smtClean="0"/>
+                <a:t>Container - </a:t>
               </a:r>
-              <a:endParaRPr lang="ko-KR" altLang="en-US" sz="1400"/>
+            </a:p>
+            <a:p>
+              <a:pPr algn="ctr"/>
+              <a:r>
+                <a:rPr lang="en-US" altLang="ko-KR" sz="1200" dirty="0" smtClean="0"/>
+                <a:t>App A</a:t>
+              </a:r>
+              <a:endParaRPr lang="ko-KR" altLang="en-US" sz="1200" dirty="0"/>
             </a:p>
           </p:txBody>
         </p:sp>
@@ -7438,6 +14010,12 @@
             <a:prstGeom prst="ellipse">
               <a:avLst/>
             </a:prstGeom>
+            <a:solidFill>
+              <a:schemeClr val="accent5">
+                <a:lumMod val="40000"/>
+                <a:lumOff val="60000"/>
+              </a:schemeClr>
+            </a:solidFill>
           </p:spPr>
           <p:style>
             <a:lnRef idx="2">
@@ -7459,10 +14037,10 @@
             <a:p>
               <a:pPr algn="ctr"/>
               <a:r>
-                <a:rPr lang="en-US" altLang="ko-KR" sz="1400"/>
-                <a:t>App Master</a:t>
+                <a:rPr lang="en-US" altLang="ko-KR" sz="1100" dirty="0" smtClean="0"/>
+                <a:t>Container - App Master B</a:t>
               </a:r>
-              <a:endParaRPr lang="ko-KR" altLang="en-US" sz="1400"/>
+              <a:endParaRPr lang="ko-KR" altLang="en-US" sz="1100" dirty="0"/>
             </a:p>
           </p:txBody>
         </p:sp>
@@ -7607,6 +14185,12 @@
             <a:prstGeom prst="ellipse">
               <a:avLst/>
             </a:prstGeom>
+            <a:solidFill>
+              <a:schemeClr val="accent3">
+                <a:lumMod val="40000"/>
+                <a:lumOff val="60000"/>
+              </a:schemeClr>
+            </a:solidFill>
           </p:spPr>
           <p:style>
             <a:lnRef idx="2">
@@ -7628,10 +14212,17 @@
             <a:p>
               <a:pPr algn="ctr"/>
               <a:r>
-                <a:rPr lang="en-US" altLang="ko-KR" sz="1400"/>
-                <a:t>App Master</a:t>
+                <a:rPr lang="en-US" altLang="ko-KR" sz="1100" dirty="0" smtClean="0"/>
+                <a:t>Container -</a:t>
               </a:r>
-              <a:endParaRPr lang="ko-KR" altLang="en-US" sz="1400"/>
+            </a:p>
+            <a:p>
+              <a:pPr algn="ctr"/>
+              <a:r>
+                <a:rPr lang="en-US" altLang="ko-KR" sz="1100" dirty="0" smtClean="0"/>
+                <a:t>App Master A</a:t>
+              </a:r>
+              <a:endParaRPr lang="ko-KR" altLang="en-US" sz="1100" dirty="0"/>
             </a:p>
           </p:txBody>
         </p:sp>
@@ -7655,6 +14246,12 @@
             <a:prstGeom prst="ellipse">
               <a:avLst/>
             </a:prstGeom>
+            <a:solidFill>
+              <a:schemeClr val="accent5">
+                <a:lumMod val="40000"/>
+                <a:lumOff val="60000"/>
+              </a:schemeClr>
+            </a:solidFill>
           </p:spPr>
           <p:style>
             <a:lnRef idx="2">
@@ -7676,10 +14273,17 @@
             <a:p>
               <a:pPr algn="ctr"/>
               <a:r>
-                <a:rPr lang="en-US" altLang="ko-KR" sz="1400"/>
-                <a:t>Container</a:t>
+                <a:rPr lang="en-US" altLang="ko-KR" sz="1200" dirty="0" smtClean="0"/>
+                <a:t>Container - </a:t>
               </a:r>
-              <a:endParaRPr lang="ko-KR" altLang="en-US" sz="1400"/>
+            </a:p>
+            <a:p>
+              <a:pPr algn="ctr"/>
+              <a:r>
+                <a:rPr lang="en-US" altLang="ko-KR" sz="1200" dirty="0" smtClean="0"/>
+                <a:t>App B</a:t>
+              </a:r>
+              <a:endParaRPr lang="ko-KR" altLang="en-US" sz="1200" dirty="0"/>
             </a:p>
           </p:txBody>
         </p:sp>
@@ -7824,6 +14428,12 @@
             <a:prstGeom prst="ellipse">
               <a:avLst/>
             </a:prstGeom>
+            <a:solidFill>
+              <a:schemeClr val="accent3">
+                <a:lumMod val="40000"/>
+                <a:lumOff val="60000"/>
+              </a:schemeClr>
+            </a:solidFill>
           </p:spPr>
           <p:style>
             <a:lnRef idx="2">
@@ -7845,10 +14455,17 @@
             <a:p>
               <a:pPr algn="ctr"/>
               <a:r>
-                <a:rPr lang="en-US" altLang="ko-KR" sz="1400"/>
-                <a:t>Container</a:t>
+                <a:rPr lang="en-US" altLang="ko-KR" sz="1200" dirty="0" smtClean="0"/>
+                <a:t>Container -</a:t>
               </a:r>
-              <a:endParaRPr lang="ko-KR" altLang="en-US" sz="1400"/>
+            </a:p>
+            <a:p>
+              <a:pPr algn="ctr"/>
+              <a:r>
+                <a:rPr lang="en-US" altLang="ko-KR" sz="1200" dirty="0" smtClean="0"/>
+                <a:t>App A</a:t>
+              </a:r>
+              <a:endParaRPr lang="ko-KR" altLang="en-US" sz="1200" dirty="0"/>
             </a:p>
           </p:txBody>
         </p:sp>
@@ -7872,6 +14489,12 @@
             <a:prstGeom prst="ellipse">
               <a:avLst/>
             </a:prstGeom>
+            <a:solidFill>
+              <a:schemeClr val="accent3">
+                <a:lumMod val="40000"/>
+                <a:lumOff val="60000"/>
+              </a:schemeClr>
+            </a:solidFill>
           </p:spPr>
           <p:style>
             <a:lnRef idx="2">
@@ -7893,441 +14516,21 @@
             <a:p>
               <a:pPr algn="ctr"/>
               <a:r>
-                <a:rPr lang="en-US" altLang="ko-KR" sz="1400"/>
-                <a:t>Container</a:t>
+                <a:rPr lang="en-US" altLang="ko-KR" sz="1200" dirty="0" smtClean="0"/>
+                <a:t>Container -</a:t>
               </a:r>
-              <a:endParaRPr lang="ko-KR" altLang="en-US" sz="1400"/>
+            </a:p>
+            <a:p>
+              <a:pPr algn="ctr"/>
+              <a:r>
+                <a:rPr lang="en-US" altLang="ko-KR" sz="1200" dirty="0" smtClean="0"/>
+                <a:t>App A</a:t>
+              </a:r>
+              <a:endParaRPr lang="ko-KR" altLang="en-US" sz="1200" dirty="0"/>
             </a:p>
           </p:txBody>
         </p:sp>
       </p:grpSp>
-      <p:cxnSp>
-        <p:nvCxnSpPr>
-          <p:cNvPr id="45" name="직선 화살표 연결선 44">
-            <a:extLst>
-              <a:ext uri="{FF2B5EF4-FFF2-40B4-BE49-F238E27FC236}">
-                <a16:creationId xmlns="" xmlns:a16="http://schemas.microsoft.com/office/drawing/2014/main" id="{63CD95EA-9302-411A-9FCB-C8FDCBFA495D}"/>
-              </a:ext>
-            </a:extLst>
-          </p:cNvPr>
-          <p:cNvCxnSpPr>
-            <a:cxnSpLocks/>
-            <a:stCxn id="41" idx="0"/>
-            <a:endCxn id="6" idx="2"/>
-          </p:cNvCxnSpPr>
-          <p:nvPr/>
-        </p:nvCxnSpPr>
-        <p:spPr>
-          <a:xfrm flipV="1">
-            <a:off x="2539264" y="1995686"/>
-            <a:ext cx="3839420" cy="619184"/>
-          </a:xfrm>
-          <a:prstGeom prst="straightConnector1">
-            <a:avLst/>
-          </a:prstGeom>
-          <a:ln w="28575">
-            <a:solidFill>
-              <a:srgbClr val="C00000"/>
-            </a:solidFill>
-            <a:headEnd type="none" w="med" len="med"/>
-            <a:tailEnd type="arrow" w="med" len="med"/>
-          </a:ln>
-        </p:spPr>
-        <p:style>
-          <a:lnRef idx="1">
-            <a:schemeClr val="accent1"/>
-          </a:lnRef>
-          <a:fillRef idx="0">
-            <a:schemeClr val="accent1"/>
-          </a:fillRef>
-          <a:effectRef idx="0">
-            <a:schemeClr val="accent1"/>
-          </a:effectRef>
-          <a:fontRef idx="minor">
-            <a:schemeClr val="tx1"/>
-          </a:fontRef>
-        </p:style>
-      </p:cxnSp>
-      <p:cxnSp>
-        <p:nvCxnSpPr>
-          <p:cNvPr id="48" name="직선 화살표 연결선 47">
-            <a:extLst>
-              <a:ext uri="{FF2B5EF4-FFF2-40B4-BE49-F238E27FC236}">
-                <a16:creationId xmlns="" xmlns:a16="http://schemas.microsoft.com/office/drawing/2014/main" id="{A9100779-8D7F-447C-B48B-26391BE18849}"/>
-              </a:ext>
-            </a:extLst>
-          </p:cNvPr>
-          <p:cNvCxnSpPr>
-            <a:cxnSpLocks/>
-            <a:stCxn id="36" idx="0"/>
-            <a:endCxn id="6" idx="2"/>
-          </p:cNvCxnSpPr>
-          <p:nvPr/>
-        </p:nvCxnSpPr>
-        <p:spPr>
-          <a:xfrm flipV="1">
-            <a:off x="4598053" y="1995686"/>
-            <a:ext cx="1780631" cy="619184"/>
-          </a:xfrm>
-          <a:prstGeom prst="straightConnector1">
-            <a:avLst/>
-          </a:prstGeom>
-          <a:ln w="28575">
-            <a:solidFill>
-              <a:srgbClr val="C00000"/>
-            </a:solidFill>
-            <a:headEnd type="none" w="med" len="med"/>
-            <a:tailEnd type="arrow" w="med" len="med"/>
-          </a:ln>
-        </p:spPr>
-        <p:style>
-          <a:lnRef idx="1">
-            <a:schemeClr val="accent1"/>
-          </a:lnRef>
-          <a:fillRef idx="0">
-            <a:schemeClr val="accent1"/>
-          </a:fillRef>
-          <a:effectRef idx="0">
-            <a:schemeClr val="accent1"/>
-          </a:effectRef>
-          <a:fontRef idx="minor">
-            <a:schemeClr val="tx1"/>
-          </a:fontRef>
-        </p:style>
-      </p:cxnSp>
-      <p:cxnSp>
-        <p:nvCxnSpPr>
-          <p:cNvPr id="51" name="직선 화살표 연결선 50">
-            <a:extLst>
-              <a:ext uri="{FF2B5EF4-FFF2-40B4-BE49-F238E27FC236}">
-                <a16:creationId xmlns="" xmlns:a16="http://schemas.microsoft.com/office/drawing/2014/main" id="{3933F28B-AC51-417E-BC5B-2AD39C7EFC81}"/>
-              </a:ext>
-            </a:extLst>
-          </p:cNvPr>
-          <p:cNvCxnSpPr>
-            <a:cxnSpLocks/>
-            <a:stCxn id="26" idx="0"/>
-            <a:endCxn id="6" idx="2"/>
-          </p:cNvCxnSpPr>
-          <p:nvPr/>
-        </p:nvCxnSpPr>
-        <p:spPr>
-          <a:xfrm flipH="1" flipV="1">
-            <a:off x="6378684" y="1995686"/>
-            <a:ext cx="281548" cy="619184"/>
-          </a:xfrm>
-          <a:prstGeom prst="straightConnector1">
-            <a:avLst/>
-          </a:prstGeom>
-          <a:ln w="28575">
-            <a:solidFill>
-              <a:srgbClr val="C00000"/>
-            </a:solidFill>
-            <a:headEnd type="none" w="med" len="med"/>
-            <a:tailEnd type="arrow" w="med" len="med"/>
-          </a:ln>
-        </p:spPr>
-        <p:style>
-          <a:lnRef idx="1">
-            <a:schemeClr val="accent1"/>
-          </a:lnRef>
-          <a:fillRef idx="0">
-            <a:schemeClr val="accent1"/>
-          </a:fillRef>
-          <a:effectRef idx="0">
-            <a:schemeClr val="accent1"/>
-          </a:effectRef>
-          <a:fontRef idx="minor">
-            <a:schemeClr val="tx1"/>
-          </a:fontRef>
-        </p:style>
-      </p:cxnSp>
-      <p:cxnSp>
-        <p:nvCxnSpPr>
-          <p:cNvPr id="54" name="직선 화살표 연결선 53">
-            <a:extLst>
-              <a:ext uri="{FF2B5EF4-FFF2-40B4-BE49-F238E27FC236}">
-                <a16:creationId xmlns="" xmlns:a16="http://schemas.microsoft.com/office/drawing/2014/main" id="{6AA93637-C65C-4B5A-8B53-8E544BBE6A7F}"/>
-              </a:ext>
-            </a:extLst>
-          </p:cNvPr>
-          <p:cNvCxnSpPr>
-            <a:cxnSpLocks/>
-            <a:stCxn id="42" idx="6"/>
-            <a:endCxn id="37" idx="2"/>
-          </p:cNvCxnSpPr>
-          <p:nvPr/>
-        </p:nvCxnSpPr>
-        <p:spPr>
-          <a:xfrm>
-            <a:off x="3331352" y="3435846"/>
-            <a:ext cx="474613" cy="0"/>
-          </a:xfrm>
-          <a:prstGeom prst="straightConnector1">
-            <a:avLst/>
-          </a:prstGeom>
-          <a:ln w="28575">
-            <a:solidFill>
-              <a:schemeClr val="tx2"/>
-            </a:solidFill>
-            <a:headEnd type="none" w="med" len="med"/>
-            <a:tailEnd type="arrow" w="med" len="med"/>
-          </a:ln>
-        </p:spPr>
-        <p:style>
-          <a:lnRef idx="1">
-            <a:schemeClr val="accent1"/>
-          </a:lnRef>
-          <a:fillRef idx="0">
-            <a:schemeClr val="accent1"/>
-          </a:fillRef>
-          <a:effectRef idx="0">
-            <a:schemeClr val="accent1"/>
-          </a:effectRef>
-          <a:fontRef idx="minor">
-            <a:schemeClr val="tx1"/>
-          </a:fontRef>
-        </p:style>
-      </p:cxnSp>
-      <p:cxnSp>
-        <p:nvCxnSpPr>
-          <p:cNvPr id="57" name="직선 화살표 연결선 56">
-            <a:extLst>
-              <a:ext uri="{FF2B5EF4-FFF2-40B4-BE49-F238E27FC236}">
-                <a16:creationId xmlns="" xmlns:a16="http://schemas.microsoft.com/office/drawing/2014/main" id="{3A100D49-C29F-4AB6-B28A-334EF96F16AF}"/>
-              </a:ext>
-            </a:extLst>
-          </p:cNvPr>
-          <p:cNvCxnSpPr>
-            <a:cxnSpLocks/>
-            <a:stCxn id="43" idx="6"/>
-            <a:endCxn id="37" idx="2"/>
-          </p:cNvCxnSpPr>
-          <p:nvPr/>
-        </p:nvCxnSpPr>
-        <p:spPr>
-          <a:xfrm flipV="1">
-            <a:off x="3331352" y="3435846"/>
-            <a:ext cx="474613" cy="648072"/>
-          </a:xfrm>
-          <a:prstGeom prst="straightConnector1">
-            <a:avLst/>
-          </a:prstGeom>
-          <a:ln w="28575">
-            <a:solidFill>
-              <a:schemeClr val="tx2"/>
-            </a:solidFill>
-            <a:headEnd type="none" w="med" len="med"/>
-            <a:tailEnd type="arrow" w="med" len="med"/>
-          </a:ln>
-        </p:spPr>
-        <p:style>
-          <a:lnRef idx="1">
-            <a:schemeClr val="accent1"/>
-          </a:lnRef>
-          <a:fillRef idx="0">
-            <a:schemeClr val="accent1"/>
-          </a:fillRef>
-          <a:effectRef idx="0">
-            <a:schemeClr val="accent1"/>
-          </a:effectRef>
-          <a:fontRef idx="minor">
-            <a:schemeClr val="tx1"/>
-          </a:fontRef>
-        </p:style>
-      </p:cxnSp>
-      <p:cxnSp>
-        <p:nvCxnSpPr>
-          <p:cNvPr id="60" name="직선 화살표 연결선 59">
-            <a:extLst>
-              <a:ext uri="{FF2B5EF4-FFF2-40B4-BE49-F238E27FC236}">
-                <a16:creationId xmlns="" xmlns:a16="http://schemas.microsoft.com/office/drawing/2014/main" id="{4DEC1018-A708-4DC7-B2AD-00ABDB42B1D6}"/>
-              </a:ext>
-            </a:extLst>
-          </p:cNvPr>
-          <p:cNvCxnSpPr>
-            <a:cxnSpLocks/>
-            <a:stCxn id="38" idx="6"/>
-            <a:endCxn id="32" idx="2"/>
-          </p:cNvCxnSpPr>
-          <p:nvPr/>
-        </p:nvCxnSpPr>
-        <p:spPr>
-          <a:xfrm>
-            <a:off x="5390141" y="4083918"/>
-            <a:ext cx="478003" cy="0"/>
-          </a:xfrm>
-          <a:prstGeom prst="straightConnector1">
-            <a:avLst/>
-          </a:prstGeom>
-          <a:ln w="28575">
-            <a:solidFill>
-              <a:schemeClr val="tx2"/>
-            </a:solidFill>
-            <a:headEnd type="none" w="med" len="med"/>
-            <a:tailEnd type="arrow" w="med" len="med"/>
-          </a:ln>
-        </p:spPr>
-        <p:style>
-          <a:lnRef idx="1">
-            <a:schemeClr val="accent1"/>
-          </a:lnRef>
-          <a:fillRef idx="0">
-            <a:schemeClr val="accent1"/>
-          </a:fillRef>
-          <a:effectRef idx="0">
-            <a:schemeClr val="accent1"/>
-          </a:effectRef>
-          <a:fontRef idx="minor">
-            <a:schemeClr val="tx1"/>
-          </a:fontRef>
-        </p:style>
-      </p:cxnSp>
-      <p:cxnSp>
-        <p:nvCxnSpPr>
-          <p:cNvPr id="65" name="직선 화살표 연결선 64">
-            <a:extLst>
-              <a:ext uri="{FF2B5EF4-FFF2-40B4-BE49-F238E27FC236}">
-                <a16:creationId xmlns="" xmlns:a16="http://schemas.microsoft.com/office/drawing/2014/main" id="{795CA74B-6E12-4088-BBAC-31A825D66510}"/>
-              </a:ext>
-            </a:extLst>
-          </p:cNvPr>
-          <p:cNvCxnSpPr>
-            <a:cxnSpLocks/>
-            <a:stCxn id="29" idx="2"/>
-            <a:endCxn id="37" idx="6"/>
-          </p:cNvCxnSpPr>
-          <p:nvPr/>
-        </p:nvCxnSpPr>
-        <p:spPr>
-          <a:xfrm flipH="1">
-            <a:off x="5390141" y="3435846"/>
-            <a:ext cx="478003" cy="0"/>
-          </a:xfrm>
-          <a:prstGeom prst="straightConnector1">
-            <a:avLst/>
-          </a:prstGeom>
-          <a:ln w="28575">
-            <a:solidFill>
-              <a:schemeClr val="tx2"/>
-            </a:solidFill>
-            <a:headEnd type="none" w="med" len="med"/>
-            <a:tailEnd type="arrow" w="med" len="med"/>
-          </a:ln>
-        </p:spPr>
-        <p:style>
-          <a:lnRef idx="1">
-            <a:schemeClr val="accent1"/>
-          </a:lnRef>
-          <a:fillRef idx="0">
-            <a:schemeClr val="accent1"/>
-          </a:fillRef>
-          <a:effectRef idx="0">
-            <a:schemeClr val="accent1"/>
-          </a:effectRef>
-          <a:fontRef idx="minor">
-            <a:schemeClr val="tx1"/>
-          </a:fontRef>
-        </p:style>
-      </p:cxnSp>
-      <p:cxnSp>
-        <p:nvCxnSpPr>
-          <p:cNvPr id="68" name="직선 화살표 연결선 67">
-            <a:extLst>
-              <a:ext uri="{FF2B5EF4-FFF2-40B4-BE49-F238E27FC236}">
-                <a16:creationId xmlns="" xmlns:a16="http://schemas.microsoft.com/office/drawing/2014/main" id="{0F057480-7171-4B87-B299-002A985D1F30}"/>
-              </a:ext>
-            </a:extLst>
-          </p:cNvPr>
-          <p:cNvCxnSpPr>
-            <a:cxnSpLocks/>
-            <a:stCxn id="37" idx="0"/>
-            <a:endCxn id="6" idx="2"/>
-          </p:cNvCxnSpPr>
-          <p:nvPr/>
-        </p:nvCxnSpPr>
-        <p:spPr>
-          <a:xfrm flipV="1">
-            <a:off x="4598053" y="1995686"/>
-            <a:ext cx="1780631" cy="1152128"/>
-          </a:xfrm>
-          <a:prstGeom prst="straightConnector1">
-            <a:avLst/>
-          </a:prstGeom>
-          <a:ln w="28575">
-            <a:solidFill>
-              <a:schemeClr val="accent3">
-                <a:lumMod val="75000"/>
-              </a:schemeClr>
-            </a:solidFill>
-            <a:headEnd type="none" w="med" len="med"/>
-            <a:tailEnd type="arrow" w="med" len="med"/>
-          </a:ln>
-        </p:spPr>
-        <p:style>
-          <a:lnRef idx="1">
-            <a:schemeClr val="accent1"/>
-          </a:lnRef>
-          <a:fillRef idx="0">
-            <a:schemeClr val="accent1"/>
-          </a:fillRef>
-          <a:effectRef idx="0">
-            <a:schemeClr val="accent1"/>
-          </a:effectRef>
-          <a:fontRef idx="minor">
-            <a:schemeClr val="tx1"/>
-          </a:fontRef>
-        </p:style>
-      </p:cxnSp>
-      <p:cxnSp>
-        <p:nvCxnSpPr>
-          <p:cNvPr id="71" name="직선 화살표 연결선 70">
-            <a:extLst>
-              <a:ext uri="{FF2B5EF4-FFF2-40B4-BE49-F238E27FC236}">
-                <a16:creationId xmlns="" xmlns:a16="http://schemas.microsoft.com/office/drawing/2014/main" id="{3F847CB0-C800-488D-9A1C-5C275B3B32E1}"/>
-              </a:ext>
-            </a:extLst>
-          </p:cNvPr>
-          <p:cNvCxnSpPr>
-            <a:cxnSpLocks/>
-            <a:stCxn id="32" idx="0"/>
-            <a:endCxn id="6" idx="2"/>
-          </p:cNvCxnSpPr>
-          <p:nvPr/>
-        </p:nvCxnSpPr>
-        <p:spPr>
-          <a:xfrm flipH="1" flipV="1">
-            <a:off x="6378684" y="1995686"/>
-            <a:ext cx="281548" cy="1800200"/>
-          </a:xfrm>
-          <a:prstGeom prst="straightConnector1">
-            <a:avLst/>
-          </a:prstGeom>
-          <a:ln w="28575">
-            <a:solidFill>
-              <a:schemeClr val="accent3">
-                <a:lumMod val="75000"/>
-              </a:schemeClr>
-            </a:solidFill>
-            <a:headEnd type="none" w="med" len="med"/>
-            <a:tailEnd type="arrow" w="med" len="med"/>
-          </a:ln>
-        </p:spPr>
-        <p:style>
-          <a:lnRef idx="1">
-            <a:schemeClr val="accent1"/>
-          </a:lnRef>
-          <a:fillRef idx="0">
-            <a:schemeClr val="accent1"/>
-          </a:fillRef>
-          <a:effectRef idx="0">
-            <a:schemeClr val="accent1"/>
-          </a:effectRef>
-          <a:fontRef idx="minor">
-            <a:schemeClr val="tx1"/>
-          </a:fontRef>
-        </p:style>
-      </p:cxnSp>
       <p:cxnSp>
         <p:nvCxnSpPr>
           <p:cNvPr id="75" name="직선 화살표 연결선 74">
@@ -8345,18 +14548,16 @@
           <p:nvPr/>
         </p:nvCxnSpPr>
         <p:spPr>
-          <a:xfrm>
-            <a:off x="5292080" y="1707654"/>
-            <a:ext cx="415537" cy="0"/>
+          <a:xfrm flipV="1">
+            <a:off x="4572000" y="1586431"/>
+            <a:ext cx="711006" cy="237"/>
           </a:xfrm>
           <a:prstGeom prst="straightConnector1">
             <a:avLst/>
           </a:prstGeom>
           <a:ln w="28575">
             <a:solidFill>
-              <a:schemeClr val="accent5">
-                <a:lumMod val="75000"/>
-              </a:schemeClr>
+              <a:srgbClr val="C00000"/>
             </a:solidFill>
             <a:headEnd type="none" w="med" len="med"/>
             <a:tailEnd type="arrow" w="med" len="med"/>
@@ -8377,367 +14578,1027 @@
           </a:fontRef>
         </p:style>
       </p:cxnSp>
-      <p:grpSp>
-        <p:nvGrpSpPr>
-          <p:cNvPr id="98" name="그룹 97">
+      <p:sp>
+        <p:nvSpPr>
+          <p:cNvPr id="58" name="모서리가 둥근 직사각형 18">
             <a:extLst>
               <a:ext uri="{FF2B5EF4-FFF2-40B4-BE49-F238E27FC236}">
-                <a16:creationId xmlns="" xmlns:a16="http://schemas.microsoft.com/office/drawing/2014/main" id="{B2F6CFF1-DF54-4F02-88FB-F2B7EAF8E248}"/>
+                <a16:creationId xmlns="" xmlns:a16="http://schemas.microsoft.com/office/drawing/2014/main" id="{D48DB822-70CE-4692-84EA-0B6DB2416FCB}"/>
               </a:ext>
             </a:extLst>
           </p:cNvPr>
-          <p:cNvGrpSpPr/>
+          <p:cNvSpPr/>
           <p:nvPr/>
-        </p:nvGrpSpPr>
-        <p:grpSpPr>
+        </p:nvSpPr>
+        <p:spPr>
           <a:xfrm>
-            <a:off x="1691680" y="987574"/>
-            <a:ext cx="2088232" cy="1231410"/>
-            <a:chOff x="1187624" y="987574"/>
-            <a:chExt cx="2088232" cy="1231410"/>
-          </a:xfrm>
-        </p:grpSpPr>
-        <p:cxnSp>
-          <p:nvCxnSpPr>
-            <p:cNvPr id="79" name="직선 화살표 연결선 78">
-              <a:extLst>
-                <a:ext uri="{FF2B5EF4-FFF2-40B4-BE49-F238E27FC236}">
-                  <a16:creationId xmlns="" xmlns:a16="http://schemas.microsoft.com/office/drawing/2014/main" id="{FEDAA768-BFC9-4E6D-9A55-597FD6687A4E}"/>
-                </a:ext>
-              </a:extLst>
-            </p:cNvPr>
-            <p:cNvCxnSpPr>
-              <a:cxnSpLocks/>
-              <a:endCxn id="82" idx="1"/>
-            </p:cNvCxnSpPr>
-            <p:nvPr/>
-          </p:nvCxnSpPr>
-          <p:spPr>
-            <a:xfrm>
-              <a:off x="1187624" y="1141463"/>
-              <a:ext cx="360040" cy="0"/>
-            </a:xfrm>
-            <a:prstGeom prst="straightConnector1">
-              <a:avLst/>
-            </a:prstGeom>
-            <a:ln w="28575">
-              <a:solidFill>
-                <a:schemeClr val="accent5">
-                  <a:lumMod val="75000"/>
-                </a:schemeClr>
-              </a:solidFill>
-              <a:headEnd type="none" w="med" len="med"/>
-              <a:tailEnd type="arrow" w="med" len="med"/>
-            </a:ln>
-          </p:spPr>
-          <p:style>
-            <a:lnRef idx="1">
-              <a:schemeClr val="accent1"/>
-            </a:lnRef>
-            <a:fillRef idx="0">
-              <a:schemeClr val="accent1"/>
-            </a:fillRef>
-            <a:effectRef idx="0">
-              <a:schemeClr val="accent1"/>
-            </a:effectRef>
-            <a:fontRef idx="minor">
-              <a:schemeClr val="tx1"/>
-            </a:fontRef>
-          </p:style>
-        </p:cxnSp>
-        <p:sp>
-          <p:nvSpPr>
-            <p:cNvPr id="82" name="TextBox 81">
-              <a:extLst>
-                <a:ext uri="{FF2B5EF4-FFF2-40B4-BE49-F238E27FC236}">
-                  <a16:creationId xmlns="" xmlns:a16="http://schemas.microsoft.com/office/drawing/2014/main" id="{08C76C99-553F-4622-9C6A-7756B2CFA84F}"/>
-                </a:ext>
-              </a:extLst>
-            </p:cNvPr>
-            <p:cNvSpPr txBox="1"/>
-            <p:nvPr/>
-          </p:nvSpPr>
-          <p:spPr>
-            <a:xfrm>
-              <a:off x="1547664" y="987574"/>
-              <a:ext cx="1728192" cy="307777"/>
-            </a:xfrm>
-            <a:prstGeom prst="rect">
-              <a:avLst/>
-            </a:prstGeom>
-            <a:noFill/>
-          </p:spPr>
-          <p:txBody>
-            <a:bodyPr wrap="square" rtlCol="0">
-              <a:spAutoFit/>
-            </a:bodyPr>
-            <a:lstStyle/>
-            <a:p>
-              <a:pPr algn="ctr"/>
-              <a:r>
-                <a:rPr lang="en-US" altLang="ko-KR" sz="1400"/>
-                <a:t>Job Submission</a:t>
-              </a:r>
-              <a:endParaRPr lang="ko-KR" altLang="en-US" sz="1400"/>
-            </a:p>
-          </p:txBody>
-        </p:sp>
-        <p:cxnSp>
-          <p:nvCxnSpPr>
-            <p:cNvPr id="85" name="직선 화살표 연결선 84">
-              <a:extLst>
-                <a:ext uri="{FF2B5EF4-FFF2-40B4-BE49-F238E27FC236}">
-                  <a16:creationId xmlns="" xmlns:a16="http://schemas.microsoft.com/office/drawing/2014/main" id="{BCF7F299-0FD2-4EDF-891C-D717BDED0371}"/>
-                </a:ext>
-              </a:extLst>
-            </p:cNvPr>
-            <p:cNvCxnSpPr>
-              <a:cxnSpLocks/>
-              <a:endCxn id="86" idx="1"/>
-            </p:cNvCxnSpPr>
-            <p:nvPr/>
-          </p:nvCxnSpPr>
-          <p:spPr>
-            <a:xfrm>
-              <a:off x="1187624" y="1450737"/>
-              <a:ext cx="360040" cy="0"/>
-            </a:xfrm>
-            <a:prstGeom prst="straightConnector1">
-              <a:avLst/>
-            </a:prstGeom>
-            <a:ln w="28575">
-              <a:solidFill>
-                <a:schemeClr val="tx2"/>
-              </a:solidFill>
-              <a:headEnd type="none" w="med" len="med"/>
-              <a:tailEnd type="arrow" w="med" len="med"/>
-            </a:ln>
-          </p:spPr>
-          <p:style>
-            <a:lnRef idx="1">
-              <a:schemeClr val="accent1"/>
-            </a:lnRef>
-            <a:fillRef idx="0">
-              <a:schemeClr val="accent1"/>
-            </a:fillRef>
-            <a:effectRef idx="0">
-              <a:schemeClr val="accent1"/>
-            </a:effectRef>
-            <a:fontRef idx="minor">
-              <a:schemeClr val="tx1"/>
-            </a:fontRef>
-          </p:style>
-        </p:cxnSp>
-        <p:sp>
-          <p:nvSpPr>
-            <p:cNvPr id="86" name="TextBox 85">
-              <a:extLst>
-                <a:ext uri="{FF2B5EF4-FFF2-40B4-BE49-F238E27FC236}">
-                  <a16:creationId xmlns="" xmlns:a16="http://schemas.microsoft.com/office/drawing/2014/main" id="{2AEA4195-EC52-4EB4-BC56-00DCD87AC0CA}"/>
-                </a:ext>
-              </a:extLst>
-            </p:cNvPr>
-            <p:cNvSpPr txBox="1"/>
-            <p:nvPr/>
-          </p:nvSpPr>
-          <p:spPr>
-            <a:xfrm>
-              <a:off x="1547664" y="1296848"/>
-              <a:ext cx="1728192" cy="307777"/>
-            </a:xfrm>
-            <a:prstGeom prst="rect">
-              <a:avLst/>
-            </a:prstGeom>
-            <a:noFill/>
-          </p:spPr>
-          <p:txBody>
-            <a:bodyPr wrap="square" rtlCol="0">
-              <a:spAutoFit/>
-            </a:bodyPr>
-            <a:lstStyle/>
-            <a:p>
-              <a:pPr algn="ctr"/>
-              <a:r>
-                <a:rPr lang="en-US" altLang="ko-KR" sz="1400"/>
-                <a:t>MapReduce Status</a:t>
-              </a:r>
-              <a:endParaRPr lang="ko-KR" altLang="en-US" sz="1400"/>
-            </a:p>
-          </p:txBody>
-        </p:sp>
-        <p:cxnSp>
-          <p:nvCxnSpPr>
-            <p:cNvPr id="87" name="직선 화살표 연결선 86">
-              <a:extLst>
-                <a:ext uri="{FF2B5EF4-FFF2-40B4-BE49-F238E27FC236}">
-                  <a16:creationId xmlns="" xmlns:a16="http://schemas.microsoft.com/office/drawing/2014/main" id="{DB4483B7-6B6E-4872-82B2-9F46BC8C4410}"/>
-                </a:ext>
-              </a:extLst>
-            </p:cNvPr>
-            <p:cNvCxnSpPr>
-              <a:cxnSpLocks/>
-              <a:endCxn id="88" idx="1"/>
-            </p:cNvCxnSpPr>
-            <p:nvPr/>
-          </p:nvCxnSpPr>
-          <p:spPr>
-            <a:xfrm>
-              <a:off x="1187624" y="1755822"/>
-              <a:ext cx="360040" cy="0"/>
-            </a:xfrm>
-            <a:prstGeom prst="straightConnector1">
-              <a:avLst/>
-            </a:prstGeom>
-            <a:ln w="28575">
+            <a:off x="6372198" y="1523464"/>
+            <a:ext cx="1008111" cy="400214"/>
+          </a:xfrm>
+          <a:prstGeom prst="roundRect">
+            <a:avLst>
+              <a:gd name="adj" fmla="val 14647"/>
+            </a:avLst>
+          </a:prstGeom>
+        </p:spPr>
+        <p:style>
+          <a:lnRef idx="2">
+            <a:schemeClr val="dk1"/>
+          </a:lnRef>
+          <a:fillRef idx="1">
+            <a:schemeClr val="lt1"/>
+          </a:fillRef>
+          <a:effectRef idx="0">
+            <a:schemeClr val="dk1"/>
+          </a:effectRef>
+          <a:fontRef idx="minor">
+            <a:schemeClr val="dk1"/>
+          </a:fontRef>
+        </p:style>
+        <p:txBody>
+          <a:bodyPr rtlCol="0" anchor="ctr"/>
+          <a:lstStyle/>
+          <a:p>
+            <a:pPr algn="ctr"/>
+            <a:r>
+              <a:rPr lang="en-US" altLang="ko-KR" sz="1200" dirty="0" smtClean="0"/>
+              <a:t>Application Manager</a:t>
+            </a:r>
+            <a:endParaRPr lang="ko-KR" altLang="en-US" sz="1200" dirty="0"/>
+          </a:p>
+        </p:txBody>
+      </p:sp>
+      <p:sp>
+        <p:nvSpPr>
+          <p:cNvPr id="70" name="모서리가 둥근 직사각형 18">
+            <a:extLst>
+              <a:ext uri="{FF2B5EF4-FFF2-40B4-BE49-F238E27FC236}">
+                <a16:creationId xmlns="" xmlns:a16="http://schemas.microsoft.com/office/drawing/2014/main" id="{D48DB822-70CE-4692-84EA-0B6DB2416FCB}"/>
+              </a:ext>
+            </a:extLst>
+          </p:cNvPr>
+          <p:cNvSpPr/>
+          <p:nvPr/>
+        </p:nvSpPr>
+        <p:spPr>
+          <a:xfrm>
+            <a:off x="5364089" y="1523464"/>
+            <a:ext cx="1008111" cy="400214"/>
+          </a:xfrm>
+          <a:prstGeom prst="roundRect">
+            <a:avLst>
+              <a:gd name="adj" fmla="val 14647"/>
+            </a:avLst>
+          </a:prstGeom>
+        </p:spPr>
+        <p:style>
+          <a:lnRef idx="2">
+            <a:schemeClr val="dk1"/>
+          </a:lnRef>
+          <a:fillRef idx="1">
+            <a:schemeClr val="lt1"/>
+          </a:fillRef>
+          <a:effectRef idx="0">
+            <a:schemeClr val="dk1"/>
+          </a:effectRef>
+          <a:fontRef idx="minor">
+            <a:schemeClr val="dk1"/>
+          </a:fontRef>
+        </p:style>
+        <p:txBody>
+          <a:bodyPr rtlCol="0" anchor="ctr"/>
+          <a:lstStyle/>
+          <a:p>
+            <a:pPr algn="ctr"/>
+            <a:r>
+              <a:rPr lang="en-US" altLang="ko-KR" sz="1200" dirty="0" smtClean="0"/>
+              <a:t>Scheduler</a:t>
+            </a:r>
+            <a:endParaRPr lang="ko-KR" altLang="en-US" sz="1200" dirty="0"/>
+          </a:p>
+        </p:txBody>
+      </p:sp>
+      <p:sp>
+        <p:nvSpPr>
+          <p:cNvPr id="44" name="타원 43">
+            <a:extLst>
+              <a:ext uri="{FF2B5EF4-FFF2-40B4-BE49-F238E27FC236}">
+                <a16:creationId xmlns="" xmlns:a16="http://schemas.microsoft.com/office/drawing/2014/main" id="{5F83F9E5-52FB-4808-9C34-197CE38E96AE}"/>
+              </a:ext>
+            </a:extLst>
+          </p:cNvPr>
+          <p:cNvSpPr/>
+          <p:nvPr/>
+        </p:nvSpPr>
+        <p:spPr>
+          <a:xfrm>
+            <a:off x="4716016" y="1298636"/>
+            <a:ext cx="288032" cy="288032"/>
+          </a:xfrm>
+          <a:prstGeom prst="ellipse">
+            <a:avLst/>
+          </a:prstGeom>
+          <a:noFill/>
+          <a:ln>
+            <a:solidFill>
+              <a:srgbClr val="C00000"/>
+            </a:solidFill>
+          </a:ln>
+        </p:spPr>
+        <p:style>
+          <a:lnRef idx="2">
+            <a:schemeClr val="accent1">
+              <a:shade val="50000"/>
+            </a:schemeClr>
+          </a:lnRef>
+          <a:fillRef idx="1">
+            <a:schemeClr val="accent1"/>
+          </a:fillRef>
+          <a:effectRef idx="0">
+            <a:schemeClr val="accent1"/>
+          </a:effectRef>
+          <a:fontRef idx="minor">
+            <a:schemeClr val="lt1"/>
+          </a:fontRef>
+        </p:style>
+        <p:txBody>
+          <a:bodyPr rtlCol="0" anchor="ctr"/>
+          <a:lstStyle/>
+          <a:p>
+            <a:pPr algn="ctr"/>
+            <a:r>
+              <a:rPr lang="en-US" altLang="ko-KR" sz="1600" dirty="0">
+                <a:solidFill>
+                  <a:srgbClr val="C00000"/>
+                </a:solidFill>
+              </a:rPr>
+              <a:t>1</a:t>
+            </a:r>
+            <a:endParaRPr lang="ko-KR" altLang="en-US" sz="1600" dirty="0">
               <a:solidFill>
                 <a:srgbClr val="C00000"/>
               </a:solidFill>
-              <a:headEnd type="none" w="med" len="med"/>
-              <a:tailEnd type="arrow" w="med" len="med"/>
-            </a:ln>
-          </p:spPr>
-          <p:style>
-            <a:lnRef idx="1">
-              <a:schemeClr val="accent1"/>
-            </a:lnRef>
-            <a:fillRef idx="0">
-              <a:schemeClr val="accent1"/>
-            </a:fillRef>
-            <a:effectRef idx="0">
-              <a:schemeClr val="accent1"/>
-            </a:effectRef>
-            <a:fontRef idx="minor">
-              <a:schemeClr val="tx1"/>
-            </a:fontRef>
-          </p:style>
-        </p:cxnSp>
-        <p:sp>
-          <p:nvSpPr>
-            <p:cNvPr id="88" name="TextBox 87">
-              <a:extLst>
-                <a:ext uri="{FF2B5EF4-FFF2-40B4-BE49-F238E27FC236}">
-                  <a16:creationId xmlns="" xmlns:a16="http://schemas.microsoft.com/office/drawing/2014/main" id="{E48ABFB1-B00A-4E38-8BD4-CD95ECE0BA7A}"/>
-                </a:ext>
-              </a:extLst>
-            </p:cNvPr>
-            <p:cNvSpPr txBox="1"/>
-            <p:nvPr/>
-          </p:nvSpPr>
-          <p:spPr>
-            <a:xfrm>
-              <a:off x="1547664" y="1601933"/>
-              <a:ext cx="1728192" cy="307777"/>
-            </a:xfrm>
-            <a:prstGeom prst="rect">
-              <a:avLst/>
-            </a:prstGeom>
-            <a:noFill/>
-          </p:spPr>
-          <p:txBody>
-            <a:bodyPr wrap="square" rtlCol="0">
-              <a:spAutoFit/>
-            </a:bodyPr>
-            <a:lstStyle/>
-            <a:p>
-              <a:pPr algn="ctr"/>
-              <a:r>
-                <a:rPr lang="en-US" altLang="ko-KR" sz="1400"/>
-                <a:t>Node Status</a:t>
-              </a:r>
-              <a:endParaRPr lang="ko-KR" altLang="en-US" sz="1400"/>
-            </a:p>
-          </p:txBody>
-        </p:sp>
-        <p:cxnSp>
-          <p:nvCxnSpPr>
-            <p:cNvPr id="89" name="직선 화살표 연결선 88">
-              <a:extLst>
-                <a:ext uri="{FF2B5EF4-FFF2-40B4-BE49-F238E27FC236}">
-                  <a16:creationId xmlns="" xmlns:a16="http://schemas.microsoft.com/office/drawing/2014/main" id="{DBE2957A-8326-4EB5-88A9-1B4699318030}"/>
-                </a:ext>
-              </a:extLst>
-            </p:cNvPr>
-            <p:cNvCxnSpPr>
-              <a:cxnSpLocks/>
-              <a:endCxn id="90" idx="1"/>
-            </p:cNvCxnSpPr>
-            <p:nvPr/>
-          </p:nvCxnSpPr>
-          <p:spPr>
-            <a:xfrm>
-              <a:off x="1187624" y="2065096"/>
-              <a:ext cx="360040" cy="0"/>
-            </a:xfrm>
-            <a:prstGeom prst="straightConnector1">
-              <a:avLst/>
-            </a:prstGeom>
-            <a:ln w="28575">
+            </a:endParaRPr>
+          </a:p>
+        </p:txBody>
+      </p:sp>
+      <p:cxnSp>
+        <p:nvCxnSpPr>
+          <p:cNvPr id="46" name="직선 화살표 연결선 45">
+            <a:extLst>
+              <a:ext uri="{FF2B5EF4-FFF2-40B4-BE49-F238E27FC236}">
+                <a16:creationId xmlns="" xmlns:a16="http://schemas.microsoft.com/office/drawing/2014/main" id="{3E79A9E3-D35C-4D13-9C35-D56D0A88D17F}"/>
+              </a:ext>
+            </a:extLst>
+          </p:cNvPr>
+          <p:cNvCxnSpPr>
+            <a:cxnSpLocks/>
+            <a:stCxn id="6" idx="2"/>
+            <a:endCxn id="36" idx="0"/>
+          </p:cNvCxnSpPr>
+          <p:nvPr/>
+        </p:nvCxnSpPr>
+        <p:spPr>
+          <a:xfrm flipH="1">
+            <a:off x="4598053" y="1995686"/>
+            <a:ext cx="1774147" cy="619184"/>
+          </a:xfrm>
+          <a:prstGeom prst="straightConnector1">
+            <a:avLst/>
+          </a:prstGeom>
+          <a:ln w="28575">
+            <a:solidFill>
+              <a:srgbClr val="C00000"/>
+            </a:solidFill>
+            <a:headEnd type="none" w="med" len="med"/>
+            <a:tailEnd type="arrow" w="med" len="med"/>
+          </a:ln>
+        </p:spPr>
+        <p:style>
+          <a:lnRef idx="1">
+            <a:schemeClr val="accent1"/>
+          </a:lnRef>
+          <a:fillRef idx="0">
+            <a:schemeClr val="accent1"/>
+          </a:fillRef>
+          <a:effectRef idx="0">
+            <a:schemeClr val="accent1"/>
+          </a:effectRef>
+          <a:fontRef idx="minor">
+            <a:schemeClr val="tx1"/>
+          </a:fontRef>
+        </p:style>
+      </p:cxnSp>
+      <p:cxnSp>
+        <p:nvCxnSpPr>
+          <p:cNvPr id="47" name="직선 화살표 연결선 46">
+            <a:extLst>
+              <a:ext uri="{FF2B5EF4-FFF2-40B4-BE49-F238E27FC236}">
+                <a16:creationId xmlns="" xmlns:a16="http://schemas.microsoft.com/office/drawing/2014/main" id="{3E79A9E3-D35C-4D13-9C35-D56D0A88D17F}"/>
+              </a:ext>
+            </a:extLst>
+          </p:cNvPr>
+          <p:cNvCxnSpPr>
+            <a:cxnSpLocks/>
+            <a:stCxn id="36" idx="2"/>
+            <a:endCxn id="37" idx="0"/>
+          </p:cNvCxnSpPr>
+          <p:nvPr/>
+        </p:nvCxnSpPr>
+        <p:spPr>
+          <a:xfrm>
+            <a:off x="4598053" y="3015084"/>
+            <a:ext cx="0" cy="132730"/>
+          </a:xfrm>
+          <a:prstGeom prst="straightConnector1">
+            <a:avLst/>
+          </a:prstGeom>
+          <a:ln w="28575">
+            <a:solidFill>
+              <a:srgbClr val="C00000"/>
+            </a:solidFill>
+            <a:headEnd type="none" w="med" len="med"/>
+            <a:tailEnd type="arrow" w="med" len="med"/>
+          </a:ln>
+        </p:spPr>
+        <p:style>
+          <a:lnRef idx="1">
+            <a:schemeClr val="accent1"/>
+          </a:lnRef>
+          <a:fillRef idx="0">
+            <a:schemeClr val="accent1"/>
+          </a:fillRef>
+          <a:effectRef idx="0">
+            <a:schemeClr val="accent1"/>
+          </a:effectRef>
+          <a:fontRef idx="minor">
+            <a:schemeClr val="tx1"/>
+          </a:fontRef>
+        </p:style>
+      </p:cxnSp>
+      <p:cxnSp>
+        <p:nvCxnSpPr>
+          <p:cNvPr id="52" name="직선 화살표 연결선 51">
+            <a:extLst>
+              <a:ext uri="{FF2B5EF4-FFF2-40B4-BE49-F238E27FC236}">
+                <a16:creationId xmlns="" xmlns:a16="http://schemas.microsoft.com/office/drawing/2014/main" id="{3E79A9E3-D35C-4D13-9C35-D56D0A88D17F}"/>
+              </a:ext>
+            </a:extLst>
+          </p:cNvPr>
+          <p:cNvCxnSpPr>
+            <a:cxnSpLocks/>
+          </p:cNvCxnSpPr>
+          <p:nvPr/>
+        </p:nvCxnSpPr>
+        <p:spPr>
+          <a:xfrm flipV="1">
+            <a:off x="4917281" y="1995686"/>
+            <a:ext cx="1814959" cy="1178631"/>
+          </a:xfrm>
+          <a:prstGeom prst="straightConnector1">
+            <a:avLst/>
+          </a:prstGeom>
+          <a:ln w="28575">
+            <a:solidFill>
+              <a:srgbClr val="C00000"/>
+            </a:solidFill>
+            <a:headEnd type="none" w="med" len="med"/>
+            <a:tailEnd type="arrow" w="med" len="med"/>
+          </a:ln>
+        </p:spPr>
+        <p:style>
+          <a:lnRef idx="1">
+            <a:schemeClr val="accent1"/>
+          </a:lnRef>
+          <a:fillRef idx="0">
+            <a:schemeClr val="accent1"/>
+          </a:fillRef>
+          <a:effectRef idx="0">
+            <a:schemeClr val="accent1"/>
+          </a:effectRef>
+          <a:fontRef idx="minor">
+            <a:schemeClr val="tx1"/>
+          </a:fontRef>
+        </p:style>
+      </p:cxnSp>
+      <p:cxnSp>
+        <p:nvCxnSpPr>
+          <p:cNvPr id="59" name="직선 화살표 연결선 58">
+            <a:extLst>
+              <a:ext uri="{FF2B5EF4-FFF2-40B4-BE49-F238E27FC236}">
+                <a16:creationId xmlns="" xmlns:a16="http://schemas.microsoft.com/office/drawing/2014/main" id="{3E79A9E3-D35C-4D13-9C35-D56D0A88D17F}"/>
+              </a:ext>
+            </a:extLst>
+          </p:cNvPr>
+          <p:cNvCxnSpPr>
+            <a:cxnSpLocks/>
+            <a:stCxn id="41" idx="2"/>
+            <a:endCxn id="42" idx="0"/>
+          </p:cNvCxnSpPr>
+          <p:nvPr/>
+        </p:nvCxnSpPr>
+        <p:spPr>
+          <a:xfrm>
+            <a:off x="2539264" y="3015084"/>
+            <a:ext cx="0" cy="132730"/>
+          </a:xfrm>
+          <a:prstGeom prst="straightConnector1">
+            <a:avLst/>
+          </a:prstGeom>
+          <a:ln w="28575">
+            <a:solidFill>
+              <a:srgbClr val="C00000"/>
+            </a:solidFill>
+            <a:headEnd type="none" w="med" len="med"/>
+            <a:tailEnd type="arrow" w="med" len="med"/>
+          </a:ln>
+        </p:spPr>
+        <p:style>
+          <a:lnRef idx="1">
+            <a:schemeClr val="accent1"/>
+          </a:lnRef>
+          <a:fillRef idx="0">
+            <a:schemeClr val="accent1"/>
+          </a:fillRef>
+          <a:effectRef idx="0">
+            <a:schemeClr val="accent1"/>
+          </a:effectRef>
+          <a:fontRef idx="minor">
+            <a:schemeClr val="tx1"/>
+          </a:fontRef>
+        </p:style>
+      </p:cxnSp>
+      <p:cxnSp>
+        <p:nvCxnSpPr>
+          <p:cNvPr id="62" name="직선 화살표 연결선 61">
+            <a:extLst>
+              <a:ext uri="{FF2B5EF4-FFF2-40B4-BE49-F238E27FC236}">
+                <a16:creationId xmlns="" xmlns:a16="http://schemas.microsoft.com/office/drawing/2014/main" id="{3E79A9E3-D35C-4D13-9C35-D56D0A88D17F}"/>
+              </a:ext>
+            </a:extLst>
+          </p:cNvPr>
+          <p:cNvCxnSpPr>
+            <a:cxnSpLocks/>
+          </p:cNvCxnSpPr>
+          <p:nvPr/>
+        </p:nvCxnSpPr>
+        <p:spPr>
+          <a:xfrm flipV="1">
+            <a:off x="5166837" y="1995688"/>
+            <a:ext cx="1925443" cy="1242812"/>
+          </a:xfrm>
+          <a:prstGeom prst="straightConnector1">
+            <a:avLst/>
+          </a:prstGeom>
+          <a:ln w="28575">
+            <a:solidFill>
+              <a:srgbClr val="C00000"/>
+            </a:solidFill>
+            <a:headEnd type="arrow" w="med" len="med"/>
+            <a:tailEnd type="none" w="med" len="med"/>
+          </a:ln>
+        </p:spPr>
+        <p:style>
+          <a:lnRef idx="1">
+            <a:schemeClr val="accent1"/>
+          </a:lnRef>
+          <a:fillRef idx="0">
+            <a:schemeClr val="accent1"/>
+          </a:fillRef>
+          <a:effectRef idx="0">
+            <a:schemeClr val="accent1"/>
+          </a:effectRef>
+          <a:fontRef idx="minor">
+            <a:schemeClr val="tx1"/>
+          </a:fontRef>
+        </p:style>
+      </p:cxnSp>
+      <p:cxnSp>
+        <p:nvCxnSpPr>
+          <p:cNvPr id="72" name="직선 화살표 연결선 71">
+            <a:extLst>
+              <a:ext uri="{FF2B5EF4-FFF2-40B4-BE49-F238E27FC236}">
+                <a16:creationId xmlns="" xmlns:a16="http://schemas.microsoft.com/office/drawing/2014/main" id="{3E79A9E3-D35C-4D13-9C35-D56D0A88D17F}"/>
+              </a:ext>
+            </a:extLst>
+          </p:cNvPr>
+          <p:cNvCxnSpPr>
+            <a:cxnSpLocks/>
+            <a:stCxn id="37" idx="1"/>
+            <a:endCxn id="41" idx="3"/>
+          </p:cNvCxnSpPr>
+          <p:nvPr/>
+        </p:nvCxnSpPr>
+        <p:spPr>
+          <a:xfrm flipH="1" flipV="1">
+            <a:off x="3331352" y="2814977"/>
+            <a:ext cx="706610" cy="417200"/>
+          </a:xfrm>
+          <a:prstGeom prst="straightConnector1">
+            <a:avLst/>
+          </a:prstGeom>
+          <a:ln w="28575">
+            <a:solidFill>
+              <a:srgbClr val="C00000"/>
+            </a:solidFill>
+            <a:headEnd type="none" w="med" len="med"/>
+            <a:tailEnd type="arrow" w="med" len="med"/>
+          </a:ln>
+        </p:spPr>
+        <p:style>
+          <a:lnRef idx="1">
+            <a:schemeClr val="accent1"/>
+          </a:lnRef>
+          <a:fillRef idx="0">
+            <a:schemeClr val="accent1"/>
+          </a:fillRef>
+          <a:effectRef idx="0">
+            <a:schemeClr val="accent1"/>
+          </a:effectRef>
+          <a:fontRef idx="minor">
+            <a:schemeClr val="tx1"/>
+          </a:fontRef>
+        </p:style>
+      </p:cxnSp>
+      <p:cxnSp>
+        <p:nvCxnSpPr>
+          <p:cNvPr id="80" name="직선 화살표 연결선 79">
+            <a:extLst>
+              <a:ext uri="{FF2B5EF4-FFF2-40B4-BE49-F238E27FC236}">
+                <a16:creationId xmlns="" xmlns:a16="http://schemas.microsoft.com/office/drawing/2014/main" id="{3E79A9E3-D35C-4D13-9C35-D56D0A88D17F}"/>
+              </a:ext>
+            </a:extLst>
+          </p:cNvPr>
+          <p:cNvCxnSpPr>
+            <a:cxnSpLocks/>
+            <a:stCxn id="42" idx="6"/>
+            <a:endCxn id="37" idx="2"/>
+          </p:cNvCxnSpPr>
+          <p:nvPr/>
+        </p:nvCxnSpPr>
+        <p:spPr>
+          <a:xfrm>
+            <a:off x="3331352" y="3435846"/>
+            <a:ext cx="474613" cy="0"/>
+          </a:xfrm>
+          <a:prstGeom prst="straightConnector1">
+            <a:avLst/>
+          </a:prstGeom>
+          <a:ln w="28575">
+            <a:solidFill>
+              <a:srgbClr val="C00000"/>
+            </a:solidFill>
+            <a:headEnd type="none" w="med" len="med"/>
+            <a:tailEnd type="arrow" w="med" len="med"/>
+          </a:ln>
+        </p:spPr>
+        <p:style>
+          <a:lnRef idx="1">
+            <a:schemeClr val="accent1"/>
+          </a:lnRef>
+          <a:fillRef idx="0">
+            <a:schemeClr val="accent1"/>
+          </a:fillRef>
+          <a:effectRef idx="0">
+            <a:schemeClr val="accent1"/>
+          </a:effectRef>
+          <a:fontRef idx="minor">
+            <a:schemeClr val="tx1"/>
+          </a:fontRef>
+        </p:style>
+      </p:cxnSp>
+      <p:sp>
+        <p:nvSpPr>
+          <p:cNvPr id="83" name="타원 82">
+            <a:extLst>
+              <a:ext uri="{FF2B5EF4-FFF2-40B4-BE49-F238E27FC236}">
+                <a16:creationId xmlns="" xmlns:a16="http://schemas.microsoft.com/office/drawing/2014/main" id="{5F83F9E5-52FB-4808-9C34-197CE38E96AE}"/>
+              </a:ext>
+            </a:extLst>
+          </p:cNvPr>
+          <p:cNvSpPr/>
+          <p:nvPr/>
+        </p:nvSpPr>
+        <p:spPr>
+          <a:xfrm>
+            <a:off x="5614020" y="1923678"/>
+            <a:ext cx="288032" cy="288032"/>
+          </a:xfrm>
+          <a:prstGeom prst="ellipse">
+            <a:avLst/>
+          </a:prstGeom>
+          <a:solidFill>
+            <a:schemeClr val="bg1"/>
+          </a:solidFill>
+          <a:ln>
+            <a:solidFill>
+              <a:srgbClr val="C00000"/>
+            </a:solidFill>
+          </a:ln>
+        </p:spPr>
+        <p:style>
+          <a:lnRef idx="2">
+            <a:schemeClr val="accent1">
+              <a:shade val="50000"/>
+            </a:schemeClr>
+          </a:lnRef>
+          <a:fillRef idx="1">
+            <a:schemeClr val="accent1"/>
+          </a:fillRef>
+          <a:effectRef idx="0">
+            <a:schemeClr val="accent1"/>
+          </a:effectRef>
+          <a:fontRef idx="minor">
+            <a:schemeClr val="lt1"/>
+          </a:fontRef>
+        </p:style>
+        <p:txBody>
+          <a:bodyPr rtlCol="0" anchor="ctr"/>
+          <a:lstStyle/>
+          <a:p>
+            <a:pPr algn="ctr"/>
+            <a:r>
+              <a:rPr lang="en-US" altLang="ko-KR" sz="1600" dirty="0">
+                <a:solidFill>
+                  <a:srgbClr val="C00000"/>
+                </a:solidFill>
+              </a:rPr>
+              <a:t>2</a:t>
+            </a:r>
+            <a:endParaRPr lang="ko-KR" altLang="en-US" sz="1600" dirty="0">
               <a:solidFill>
-                <a:schemeClr val="accent3">
-                  <a:lumMod val="75000"/>
-                </a:schemeClr>
+                <a:srgbClr val="C00000"/>
               </a:solidFill>
-              <a:headEnd type="none" w="med" len="med"/>
-              <a:tailEnd type="arrow" w="med" len="med"/>
-            </a:ln>
-          </p:spPr>
-          <p:style>
-            <a:lnRef idx="1">
-              <a:schemeClr val="accent1"/>
-            </a:lnRef>
-            <a:fillRef idx="0">
-              <a:schemeClr val="accent1"/>
-            </a:fillRef>
-            <a:effectRef idx="0">
-              <a:schemeClr val="accent1"/>
-            </a:effectRef>
-            <a:fontRef idx="minor">
-              <a:schemeClr val="tx1"/>
-            </a:fontRef>
-          </p:style>
-        </p:cxnSp>
-        <p:sp>
-          <p:nvSpPr>
-            <p:cNvPr id="90" name="TextBox 89">
-              <a:extLst>
-                <a:ext uri="{FF2B5EF4-FFF2-40B4-BE49-F238E27FC236}">
-                  <a16:creationId xmlns="" xmlns:a16="http://schemas.microsoft.com/office/drawing/2014/main" id="{B1BA5C7E-8007-4B30-8EFA-359BE83561CF}"/>
-                </a:ext>
-              </a:extLst>
-            </p:cNvPr>
-            <p:cNvSpPr txBox="1"/>
-            <p:nvPr/>
-          </p:nvSpPr>
-          <p:spPr>
-            <a:xfrm>
-              <a:off x="1547664" y="1911207"/>
-              <a:ext cx="1728192" cy="307777"/>
-            </a:xfrm>
-            <a:prstGeom prst="rect">
-              <a:avLst/>
-            </a:prstGeom>
-            <a:noFill/>
-          </p:spPr>
-          <p:txBody>
-            <a:bodyPr wrap="square" rtlCol="0">
-              <a:spAutoFit/>
-            </a:bodyPr>
-            <a:lstStyle/>
-            <a:p>
-              <a:pPr algn="ctr"/>
-              <a:r>
-                <a:rPr lang="en-US" altLang="ko-KR" sz="1400"/>
-                <a:t>Resource Request</a:t>
-              </a:r>
-              <a:endParaRPr lang="ko-KR" altLang="en-US" sz="1400"/>
-            </a:p>
-          </p:txBody>
-        </p:sp>
-      </p:grpSp>
+            </a:endParaRPr>
+          </a:p>
+        </p:txBody>
+      </p:sp>
+      <p:sp>
+        <p:nvSpPr>
+          <p:cNvPr id="84" name="타원 83">
+            <a:extLst>
+              <a:ext uri="{FF2B5EF4-FFF2-40B4-BE49-F238E27FC236}">
+                <a16:creationId xmlns="" xmlns:a16="http://schemas.microsoft.com/office/drawing/2014/main" id="{5F83F9E5-52FB-4808-9C34-197CE38E96AE}"/>
+              </a:ext>
+            </a:extLst>
+          </p:cNvPr>
+          <p:cNvSpPr/>
+          <p:nvPr/>
+        </p:nvSpPr>
+        <p:spPr>
+          <a:xfrm>
+            <a:off x="4252218" y="2931790"/>
+            <a:ext cx="288032" cy="288032"/>
+          </a:xfrm>
+          <a:prstGeom prst="ellipse">
+            <a:avLst/>
+          </a:prstGeom>
+          <a:solidFill>
+            <a:schemeClr val="bg1"/>
+          </a:solidFill>
+          <a:ln>
+            <a:solidFill>
+              <a:srgbClr val="C00000"/>
+            </a:solidFill>
+          </a:ln>
+        </p:spPr>
+        <p:style>
+          <a:lnRef idx="2">
+            <a:schemeClr val="accent1">
+              <a:shade val="50000"/>
+            </a:schemeClr>
+          </a:lnRef>
+          <a:fillRef idx="1">
+            <a:schemeClr val="accent1"/>
+          </a:fillRef>
+          <a:effectRef idx="0">
+            <a:schemeClr val="accent1"/>
+          </a:effectRef>
+          <a:fontRef idx="minor">
+            <a:schemeClr val="lt1"/>
+          </a:fontRef>
+        </p:style>
+        <p:txBody>
+          <a:bodyPr rtlCol="0" anchor="ctr"/>
+          <a:lstStyle/>
+          <a:p>
+            <a:pPr algn="ctr"/>
+            <a:r>
+              <a:rPr lang="en-US" altLang="ko-KR" sz="1600" dirty="0" smtClean="0">
+                <a:solidFill>
+                  <a:srgbClr val="C00000"/>
+                </a:solidFill>
+              </a:rPr>
+              <a:t>3</a:t>
+            </a:r>
+            <a:endParaRPr lang="ko-KR" altLang="en-US" sz="1600" dirty="0">
+              <a:solidFill>
+                <a:srgbClr val="C00000"/>
+              </a:solidFill>
+            </a:endParaRPr>
+          </a:p>
+        </p:txBody>
+      </p:sp>
+      <p:sp>
+        <p:nvSpPr>
+          <p:cNvPr id="91" name="타원 90">
+            <a:extLst>
+              <a:ext uri="{FF2B5EF4-FFF2-40B4-BE49-F238E27FC236}">
+                <a16:creationId xmlns="" xmlns:a16="http://schemas.microsoft.com/office/drawing/2014/main" id="{5F83F9E5-52FB-4808-9C34-197CE38E96AE}"/>
+              </a:ext>
+            </a:extLst>
+          </p:cNvPr>
+          <p:cNvSpPr/>
+          <p:nvPr/>
+        </p:nvSpPr>
+        <p:spPr>
+          <a:xfrm>
+            <a:off x="5480546" y="2408684"/>
+            <a:ext cx="288032" cy="288032"/>
+          </a:xfrm>
+          <a:prstGeom prst="ellipse">
+            <a:avLst/>
+          </a:prstGeom>
+          <a:solidFill>
+            <a:schemeClr val="bg1"/>
+          </a:solidFill>
+          <a:ln>
+            <a:solidFill>
+              <a:srgbClr val="C00000"/>
+            </a:solidFill>
+          </a:ln>
+        </p:spPr>
+        <p:style>
+          <a:lnRef idx="2">
+            <a:schemeClr val="accent1">
+              <a:shade val="50000"/>
+            </a:schemeClr>
+          </a:lnRef>
+          <a:fillRef idx="1">
+            <a:schemeClr val="accent1"/>
+          </a:fillRef>
+          <a:effectRef idx="0">
+            <a:schemeClr val="accent1"/>
+          </a:effectRef>
+          <a:fontRef idx="minor">
+            <a:schemeClr val="lt1"/>
+          </a:fontRef>
+        </p:style>
+        <p:txBody>
+          <a:bodyPr rtlCol="0" anchor="ctr"/>
+          <a:lstStyle/>
+          <a:p>
+            <a:pPr algn="ctr"/>
+            <a:r>
+              <a:rPr lang="en-US" altLang="ko-KR" sz="1600" dirty="0">
+                <a:solidFill>
+                  <a:srgbClr val="C00000"/>
+                </a:solidFill>
+              </a:rPr>
+              <a:t>4</a:t>
+            </a:r>
+            <a:endParaRPr lang="ko-KR" altLang="en-US" sz="1600" dirty="0">
+              <a:solidFill>
+                <a:srgbClr val="C00000"/>
+              </a:solidFill>
+            </a:endParaRPr>
+          </a:p>
+        </p:txBody>
+      </p:sp>
+      <p:sp>
+        <p:nvSpPr>
+          <p:cNvPr id="92" name="타원 91">
+            <a:extLst>
+              <a:ext uri="{FF2B5EF4-FFF2-40B4-BE49-F238E27FC236}">
+                <a16:creationId xmlns="" xmlns:a16="http://schemas.microsoft.com/office/drawing/2014/main" id="{5F83F9E5-52FB-4808-9C34-197CE38E96AE}"/>
+              </a:ext>
+            </a:extLst>
+          </p:cNvPr>
+          <p:cNvSpPr/>
+          <p:nvPr/>
+        </p:nvSpPr>
+        <p:spPr>
+          <a:xfrm>
+            <a:off x="5493246" y="2972048"/>
+            <a:ext cx="288032" cy="288032"/>
+          </a:xfrm>
+          <a:prstGeom prst="ellipse">
+            <a:avLst/>
+          </a:prstGeom>
+          <a:solidFill>
+            <a:schemeClr val="bg1"/>
+          </a:solidFill>
+          <a:ln>
+            <a:solidFill>
+              <a:srgbClr val="C00000"/>
+            </a:solidFill>
+          </a:ln>
+        </p:spPr>
+        <p:style>
+          <a:lnRef idx="2">
+            <a:schemeClr val="accent1">
+              <a:shade val="50000"/>
+            </a:schemeClr>
+          </a:lnRef>
+          <a:fillRef idx="1">
+            <a:schemeClr val="accent1"/>
+          </a:fillRef>
+          <a:effectRef idx="0">
+            <a:schemeClr val="accent1"/>
+          </a:effectRef>
+          <a:fontRef idx="minor">
+            <a:schemeClr val="lt1"/>
+          </a:fontRef>
+        </p:style>
+        <p:txBody>
+          <a:bodyPr rtlCol="0" anchor="ctr"/>
+          <a:lstStyle/>
+          <a:p>
+            <a:pPr algn="ctr"/>
+            <a:r>
+              <a:rPr lang="en-US" altLang="ko-KR" sz="1600" dirty="0" smtClean="0">
+                <a:solidFill>
+                  <a:srgbClr val="C00000"/>
+                </a:solidFill>
+              </a:rPr>
+              <a:t>5</a:t>
+            </a:r>
+            <a:endParaRPr lang="ko-KR" altLang="en-US" sz="1600" dirty="0">
+              <a:solidFill>
+                <a:srgbClr val="C00000"/>
+              </a:solidFill>
+            </a:endParaRPr>
+          </a:p>
+        </p:txBody>
+      </p:sp>
+      <p:sp>
+        <p:nvSpPr>
+          <p:cNvPr id="93" name="타원 92">
+            <a:extLst>
+              <a:ext uri="{FF2B5EF4-FFF2-40B4-BE49-F238E27FC236}">
+                <a16:creationId xmlns="" xmlns:a16="http://schemas.microsoft.com/office/drawing/2014/main" id="{5F83F9E5-52FB-4808-9C34-197CE38E96AE}"/>
+              </a:ext>
+            </a:extLst>
+          </p:cNvPr>
+          <p:cNvSpPr/>
+          <p:nvPr/>
+        </p:nvSpPr>
+        <p:spPr>
+          <a:xfrm>
+            <a:off x="3481718" y="3003798"/>
+            <a:ext cx="288032" cy="288032"/>
+          </a:xfrm>
+          <a:prstGeom prst="ellipse">
+            <a:avLst/>
+          </a:prstGeom>
+          <a:solidFill>
+            <a:schemeClr val="bg1"/>
+          </a:solidFill>
+          <a:ln>
+            <a:solidFill>
+              <a:srgbClr val="C00000"/>
+            </a:solidFill>
+          </a:ln>
+        </p:spPr>
+        <p:style>
+          <a:lnRef idx="2">
+            <a:schemeClr val="accent1">
+              <a:shade val="50000"/>
+            </a:schemeClr>
+          </a:lnRef>
+          <a:fillRef idx="1">
+            <a:schemeClr val="accent1"/>
+          </a:fillRef>
+          <a:effectRef idx="0">
+            <a:schemeClr val="accent1"/>
+          </a:effectRef>
+          <a:fontRef idx="minor">
+            <a:schemeClr val="lt1"/>
+          </a:fontRef>
+        </p:style>
+        <p:txBody>
+          <a:bodyPr rtlCol="0" anchor="ctr"/>
+          <a:lstStyle/>
+          <a:p>
+            <a:pPr algn="ctr"/>
+            <a:r>
+              <a:rPr lang="en-US" altLang="ko-KR" sz="1600" dirty="0">
+                <a:solidFill>
+                  <a:srgbClr val="C00000"/>
+                </a:solidFill>
+              </a:rPr>
+              <a:t>6</a:t>
+            </a:r>
+            <a:endParaRPr lang="ko-KR" altLang="en-US" sz="1600" dirty="0">
+              <a:solidFill>
+                <a:srgbClr val="C00000"/>
+              </a:solidFill>
+            </a:endParaRPr>
+          </a:p>
+        </p:txBody>
+      </p:sp>
+      <p:sp>
+        <p:nvSpPr>
+          <p:cNvPr id="94" name="타원 93">
+            <a:extLst>
+              <a:ext uri="{FF2B5EF4-FFF2-40B4-BE49-F238E27FC236}">
+                <a16:creationId xmlns="" xmlns:a16="http://schemas.microsoft.com/office/drawing/2014/main" id="{5F83F9E5-52FB-4808-9C34-197CE38E96AE}"/>
+              </a:ext>
+            </a:extLst>
+          </p:cNvPr>
+          <p:cNvSpPr/>
+          <p:nvPr/>
+        </p:nvSpPr>
+        <p:spPr>
+          <a:xfrm>
+            <a:off x="2195736" y="2931790"/>
+            <a:ext cx="288032" cy="288032"/>
+          </a:xfrm>
+          <a:prstGeom prst="ellipse">
+            <a:avLst/>
+          </a:prstGeom>
+          <a:solidFill>
+            <a:schemeClr val="bg1"/>
+          </a:solidFill>
+          <a:ln>
+            <a:solidFill>
+              <a:srgbClr val="C00000"/>
+            </a:solidFill>
+          </a:ln>
+        </p:spPr>
+        <p:style>
+          <a:lnRef idx="2">
+            <a:schemeClr val="accent1">
+              <a:shade val="50000"/>
+            </a:schemeClr>
+          </a:lnRef>
+          <a:fillRef idx="1">
+            <a:schemeClr val="accent1"/>
+          </a:fillRef>
+          <a:effectRef idx="0">
+            <a:schemeClr val="accent1"/>
+          </a:effectRef>
+          <a:fontRef idx="minor">
+            <a:schemeClr val="lt1"/>
+          </a:fontRef>
+        </p:style>
+        <p:txBody>
+          <a:bodyPr rtlCol="0" anchor="ctr"/>
+          <a:lstStyle/>
+          <a:p>
+            <a:pPr algn="ctr"/>
+            <a:r>
+              <a:rPr lang="en-US" altLang="ko-KR" sz="1600" dirty="0" smtClean="0">
+                <a:solidFill>
+                  <a:srgbClr val="C00000"/>
+                </a:solidFill>
+              </a:rPr>
+              <a:t>7</a:t>
+            </a:r>
+            <a:endParaRPr lang="ko-KR" altLang="en-US" sz="1600" dirty="0">
+              <a:solidFill>
+                <a:srgbClr val="C00000"/>
+              </a:solidFill>
+            </a:endParaRPr>
+          </a:p>
+        </p:txBody>
+      </p:sp>
+      <p:sp>
+        <p:nvSpPr>
+          <p:cNvPr id="95" name="타원 94">
+            <a:extLst>
+              <a:ext uri="{FF2B5EF4-FFF2-40B4-BE49-F238E27FC236}">
+                <a16:creationId xmlns="" xmlns:a16="http://schemas.microsoft.com/office/drawing/2014/main" id="{5F83F9E5-52FB-4808-9C34-197CE38E96AE}"/>
+              </a:ext>
+            </a:extLst>
+          </p:cNvPr>
+          <p:cNvSpPr/>
+          <p:nvPr/>
+        </p:nvSpPr>
+        <p:spPr>
+          <a:xfrm>
+            <a:off x="3400822" y="3435846"/>
+            <a:ext cx="288032" cy="288032"/>
+          </a:xfrm>
+          <a:prstGeom prst="ellipse">
+            <a:avLst/>
+          </a:prstGeom>
+          <a:solidFill>
+            <a:schemeClr val="bg1"/>
+          </a:solidFill>
+          <a:ln>
+            <a:solidFill>
+              <a:srgbClr val="C00000"/>
+            </a:solidFill>
+          </a:ln>
+        </p:spPr>
+        <p:style>
+          <a:lnRef idx="2">
+            <a:schemeClr val="accent1">
+              <a:shade val="50000"/>
+            </a:schemeClr>
+          </a:lnRef>
+          <a:fillRef idx="1">
+            <a:schemeClr val="accent1"/>
+          </a:fillRef>
+          <a:effectRef idx="0">
+            <a:schemeClr val="accent1"/>
+          </a:effectRef>
+          <a:fontRef idx="minor">
+            <a:schemeClr val="lt1"/>
+          </a:fontRef>
+        </p:style>
+        <p:txBody>
+          <a:bodyPr rtlCol="0" anchor="ctr"/>
+          <a:lstStyle/>
+          <a:p>
+            <a:pPr algn="ctr"/>
+            <a:r>
+              <a:rPr lang="en-US" altLang="ko-KR" sz="1600" dirty="0">
+                <a:solidFill>
+                  <a:srgbClr val="C00000"/>
+                </a:solidFill>
+              </a:rPr>
+              <a:t>8</a:t>
+            </a:r>
+            <a:endParaRPr lang="ko-KR" altLang="en-US" sz="1600" dirty="0">
+              <a:solidFill>
+                <a:srgbClr val="C00000"/>
+              </a:solidFill>
+            </a:endParaRPr>
+          </a:p>
+        </p:txBody>
+      </p:sp>
+      <p:sp>
+        <p:nvSpPr>
+          <p:cNvPr id="96" name="타원 95">
+            <a:extLst>
+              <a:ext uri="{FF2B5EF4-FFF2-40B4-BE49-F238E27FC236}">
+                <a16:creationId xmlns="" xmlns:a16="http://schemas.microsoft.com/office/drawing/2014/main" id="{5F83F9E5-52FB-4808-9C34-197CE38E96AE}"/>
+              </a:ext>
+            </a:extLst>
+          </p:cNvPr>
+          <p:cNvSpPr/>
+          <p:nvPr/>
+        </p:nvSpPr>
+        <p:spPr>
+          <a:xfrm>
+            <a:off x="5796136" y="2211710"/>
+            <a:ext cx="288032" cy="288032"/>
+          </a:xfrm>
+          <a:prstGeom prst="ellipse">
+            <a:avLst/>
+          </a:prstGeom>
+          <a:solidFill>
+            <a:schemeClr val="bg1"/>
+          </a:solidFill>
+          <a:ln>
+            <a:solidFill>
+              <a:srgbClr val="C00000"/>
+            </a:solidFill>
+          </a:ln>
+        </p:spPr>
+        <p:style>
+          <a:lnRef idx="2">
+            <a:schemeClr val="accent1">
+              <a:shade val="50000"/>
+            </a:schemeClr>
+          </a:lnRef>
+          <a:fillRef idx="1">
+            <a:schemeClr val="accent1"/>
+          </a:fillRef>
+          <a:effectRef idx="0">
+            <a:schemeClr val="accent1"/>
+          </a:effectRef>
+          <a:fontRef idx="minor">
+            <a:schemeClr val="lt1"/>
+          </a:fontRef>
+        </p:style>
+        <p:txBody>
+          <a:bodyPr rtlCol="0" anchor="ctr"/>
+          <a:lstStyle/>
+          <a:p>
+            <a:pPr algn="ctr"/>
+            <a:r>
+              <a:rPr lang="en-US" altLang="ko-KR" sz="1600" dirty="0" smtClean="0">
+                <a:solidFill>
+                  <a:srgbClr val="C00000"/>
+                </a:solidFill>
+              </a:rPr>
+              <a:t>9</a:t>
+            </a:r>
+            <a:endParaRPr lang="ko-KR" altLang="en-US" sz="1600" dirty="0">
+              <a:solidFill>
+                <a:srgbClr val="C00000"/>
+              </a:solidFill>
+            </a:endParaRPr>
+          </a:p>
+        </p:txBody>
+      </p:sp>
     </p:spTree>
     <p:extLst>
       <p:ext uri="{BB962C8B-B14F-4D97-AF65-F5344CB8AC3E}">
-        <p14:creationId xmlns:p14="http://schemas.microsoft.com/office/powerpoint/2010/main" val="3724021028"/>
+        <p14:creationId xmlns:p14="http://schemas.microsoft.com/office/powerpoint/2010/main" val="634855193"/>
       </p:ext>
     </p:extLst>
   </p:cSld>

--- a/images/theory_analysis/Hadoop/Hadoop.pptx
+++ b/images/theory_analysis/Hadoop/Hadoop.pptx
@@ -115,7 +115,7 @@
   </p:defaultTextStyle>
   <p:extLst>
     <p:ext uri="{EFAFB233-063F-42B5-8137-9DF3F51BA10A}">
-      <p15:sldGuideLst xmlns:p15="http://schemas.microsoft.com/office/powerpoint/2012/main" xmlns="">
+      <p15:sldGuideLst xmlns="" xmlns:p15="http://schemas.microsoft.com/office/powerpoint/2012/main">
         <p15:guide id="1" orient="horz" pos="2160">
           <p15:clr>
             <a:srgbClr val="A4A3A4"/>
@@ -219,7 +219,7 @@
           <a:p>
             <a:fld id="{6CD5550B-26C4-49A9-A5BA-636EF7BE6CE9}" type="datetimeFigureOut">
               <a:rPr lang="ko-KR" altLang="en-US" smtClean="0"/>
-              <a:t>2018-10-01</a:t>
+              <a:t>2018-10-02</a:t>
             </a:fld>
             <a:endParaRPr lang="ko-KR" altLang="en-US"/>
           </a:p>
@@ -1169,7 +1169,7 @@
           <a:p>
             <a:fld id="{FB30EDBD-1C2D-4C1E-B459-B60219FAB484}" type="datetimeFigureOut">
               <a:rPr lang="ko-KR" altLang="en-US" smtClean="0"/>
-              <a:t>2018-10-01</a:t>
+              <a:t>2018-10-02</a:t>
             </a:fld>
             <a:endParaRPr lang="ko-KR" altLang="en-US"/>
           </a:p>
@@ -1332,7 +1332,7 @@
           <a:p>
             <a:fld id="{FB30EDBD-1C2D-4C1E-B459-B60219FAB484}" type="datetimeFigureOut">
               <a:rPr lang="ko-KR" altLang="en-US" smtClean="0"/>
-              <a:t>2018-10-01</a:t>
+              <a:t>2018-10-02</a:t>
             </a:fld>
             <a:endParaRPr lang="ko-KR" altLang="en-US"/>
           </a:p>
@@ -1505,7 +1505,7 @@
           <a:p>
             <a:fld id="{FB30EDBD-1C2D-4C1E-B459-B60219FAB484}" type="datetimeFigureOut">
               <a:rPr lang="ko-KR" altLang="en-US" smtClean="0"/>
-              <a:t>2018-10-01</a:t>
+              <a:t>2018-10-02</a:t>
             </a:fld>
             <a:endParaRPr lang="ko-KR" altLang="en-US"/>
           </a:p>
@@ -1668,7 +1668,7 @@
           <a:p>
             <a:fld id="{FB30EDBD-1C2D-4C1E-B459-B60219FAB484}" type="datetimeFigureOut">
               <a:rPr lang="ko-KR" altLang="en-US" smtClean="0"/>
-              <a:t>2018-10-01</a:t>
+              <a:t>2018-10-02</a:t>
             </a:fld>
             <a:endParaRPr lang="ko-KR" altLang="en-US"/>
           </a:p>
@@ -1908,7 +1908,7 @@
           <a:p>
             <a:fld id="{FB30EDBD-1C2D-4C1E-B459-B60219FAB484}" type="datetimeFigureOut">
               <a:rPr lang="ko-KR" altLang="en-US" smtClean="0"/>
-              <a:t>2018-10-01</a:t>
+              <a:t>2018-10-02</a:t>
             </a:fld>
             <a:endParaRPr lang="ko-KR" altLang="en-US"/>
           </a:p>
@@ -2188,7 +2188,7 @@
           <a:p>
             <a:fld id="{FB30EDBD-1C2D-4C1E-B459-B60219FAB484}" type="datetimeFigureOut">
               <a:rPr lang="ko-KR" altLang="en-US" smtClean="0"/>
-              <a:t>2018-10-01</a:t>
+              <a:t>2018-10-02</a:t>
             </a:fld>
             <a:endParaRPr lang="ko-KR" altLang="en-US"/>
           </a:p>
@@ -2602,7 +2602,7 @@
           <a:p>
             <a:fld id="{FB30EDBD-1C2D-4C1E-B459-B60219FAB484}" type="datetimeFigureOut">
               <a:rPr lang="ko-KR" altLang="en-US" smtClean="0"/>
-              <a:t>2018-10-01</a:t>
+              <a:t>2018-10-02</a:t>
             </a:fld>
             <a:endParaRPr lang="ko-KR" altLang="en-US"/>
           </a:p>
@@ -2714,7 +2714,7 @@
           <a:p>
             <a:fld id="{FB30EDBD-1C2D-4C1E-B459-B60219FAB484}" type="datetimeFigureOut">
               <a:rPr lang="ko-KR" altLang="en-US" smtClean="0"/>
-              <a:t>2018-10-01</a:t>
+              <a:t>2018-10-02</a:t>
             </a:fld>
             <a:endParaRPr lang="ko-KR" altLang="en-US"/>
           </a:p>
@@ -2804,7 +2804,7 @@
           <a:p>
             <a:fld id="{FB30EDBD-1C2D-4C1E-B459-B60219FAB484}" type="datetimeFigureOut">
               <a:rPr lang="ko-KR" altLang="en-US" smtClean="0"/>
-              <a:t>2018-10-01</a:t>
+              <a:t>2018-10-02</a:t>
             </a:fld>
             <a:endParaRPr lang="ko-KR" altLang="en-US"/>
           </a:p>
@@ -3074,7 +3074,7 @@
           <a:p>
             <a:fld id="{FB30EDBD-1C2D-4C1E-B459-B60219FAB484}" type="datetimeFigureOut">
               <a:rPr lang="ko-KR" altLang="en-US" smtClean="0"/>
-              <a:t>2018-10-01</a:t>
+              <a:t>2018-10-02</a:t>
             </a:fld>
             <a:endParaRPr lang="ko-KR" altLang="en-US"/>
           </a:p>
@@ -3321,7 +3321,7 @@
           <a:p>
             <a:fld id="{FB30EDBD-1C2D-4C1E-B459-B60219FAB484}" type="datetimeFigureOut">
               <a:rPr lang="ko-KR" altLang="en-US" smtClean="0"/>
-              <a:t>2018-10-01</a:t>
+              <a:t>2018-10-02</a:t>
             </a:fld>
             <a:endParaRPr lang="ko-KR" altLang="en-US"/>
           </a:p>
@@ -3527,7 +3527,7 @@
           <a:p>
             <a:fld id="{FB30EDBD-1C2D-4C1E-B459-B60219FAB484}" type="datetimeFigureOut">
               <a:rPr lang="ko-KR" altLang="en-US" smtClean="0"/>
-              <a:t>2018-10-01</a:t>
+              <a:t>2018-10-02</a:t>
             </a:fld>
             <a:endParaRPr lang="ko-KR" altLang="en-US"/>
           </a:p>
@@ -3902,7 +3902,7 @@
           <p:cNvPr id="2" name="제목 1">
             <a:extLst>
               <a:ext uri="{FF2B5EF4-FFF2-40B4-BE49-F238E27FC236}">
-                <a16:creationId xmlns:a16="http://schemas.microsoft.com/office/drawing/2014/main" xmlns="" id="{8738443D-5E72-49E2-86AC-581D61C41C39}"/>
+                <a16:creationId xmlns="" xmlns:a16="http://schemas.microsoft.com/office/drawing/2014/main" id="{8738443D-5E72-49E2-86AC-581D61C41C39}"/>
               </a:ext>
             </a:extLst>
           </p:cNvPr>
@@ -3936,7 +3936,7 @@
           <p:cNvPr id="3" name="사각형: 둥근 모서리 2">
             <a:extLst>
               <a:ext uri="{FF2B5EF4-FFF2-40B4-BE49-F238E27FC236}">
-                <a16:creationId xmlns:a16="http://schemas.microsoft.com/office/drawing/2014/main" xmlns="" id="{DBF2CBF9-70F2-440D-B8EA-17C0B928765A}"/>
+                <a16:creationId xmlns="" xmlns:a16="http://schemas.microsoft.com/office/drawing/2014/main" id="{DBF2CBF9-70F2-440D-B8EA-17C0B928765A}"/>
               </a:ext>
             </a:extLst>
           </p:cNvPr>
@@ -3993,7 +3993,7 @@
           <p:cNvPr id="4" name="사각형: 둥근 모서리 3">
             <a:extLst>
               <a:ext uri="{FF2B5EF4-FFF2-40B4-BE49-F238E27FC236}">
-                <a16:creationId xmlns:a16="http://schemas.microsoft.com/office/drawing/2014/main" xmlns="" id="{232541BA-0E21-4D84-AC9E-8EA8F51FB4F8}"/>
+                <a16:creationId xmlns="" xmlns:a16="http://schemas.microsoft.com/office/drawing/2014/main" id="{232541BA-0E21-4D84-AC9E-8EA8F51FB4F8}"/>
               </a:ext>
             </a:extLst>
           </p:cNvPr>
@@ -4050,7 +4050,7 @@
           <p:cNvPr id="5" name="사각형: 둥근 모서리 4">
             <a:extLst>
               <a:ext uri="{FF2B5EF4-FFF2-40B4-BE49-F238E27FC236}">
-                <a16:creationId xmlns:a16="http://schemas.microsoft.com/office/drawing/2014/main" xmlns="" id="{A0C524DF-8CE4-4E7A-BC40-668CFABFDD26}"/>
+                <a16:creationId xmlns="" xmlns:a16="http://schemas.microsoft.com/office/drawing/2014/main" id="{A0C524DF-8CE4-4E7A-BC40-668CFABFDD26}"/>
               </a:ext>
             </a:extLst>
           </p:cNvPr>
@@ -4107,7 +4107,7 @@
           <p:cNvPr id="6" name="사각형: 둥근 모서리 5">
             <a:extLst>
               <a:ext uri="{FF2B5EF4-FFF2-40B4-BE49-F238E27FC236}">
-                <a16:creationId xmlns:a16="http://schemas.microsoft.com/office/drawing/2014/main" xmlns="" id="{2F80FC8D-2F83-462A-B052-08254EC92DAF}"/>
+                <a16:creationId xmlns="" xmlns:a16="http://schemas.microsoft.com/office/drawing/2014/main" id="{2F80FC8D-2F83-462A-B052-08254EC92DAF}"/>
               </a:ext>
             </a:extLst>
           </p:cNvPr>
@@ -4194,7 +4194,7 @@
           <p:cNvPr id="2" name="제목 1">
             <a:extLst>
               <a:ext uri="{FF2B5EF4-FFF2-40B4-BE49-F238E27FC236}">
-                <a16:creationId xmlns:a16="http://schemas.microsoft.com/office/drawing/2014/main" xmlns="" id="{8738443D-5E72-49E2-86AC-581D61C41C39}"/>
+                <a16:creationId xmlns="" xmlns:a16="http://schemas.microsoft.com/office/drawing/2014/main" id="{8738443D-5E72-49E2-86AC-581D61C41C39}"/>
               </a:ext>
             </a:extLst>
           </p:cNvPr>
@@ -4380,7 +4380,7 @@
           <p:cNvPr id="4" name="그룹 3">
             <a:extLst>
               <a:ext uri="{FF2B5EF4-FFF2-40B4-BE49-F238E27FC236}">
-                <a16:creationId xmlns:a16="http://schemas.microsoft.com/office/drawing/2014/main" xmlns="" id="{E4CBD3F0-0276-45C5-9B75-45FAF65CDA95}"/>
+                <a16:creationId xmlns="" xmlns:a16="http://schemas.microsoft.com/office/drawing/2014/main" id="{E4CBD3F0-0276-45C5-9B75-45FAF65CDA95}"/>
               </a:ext>
             </a:extLst>
           </p:cNvPr>
@@ -4587,7 +4587,7 @@
           <p:cNvPr id="23" name="그룹 22">
             <a:extLst>
               <a:ext uri="{FF2B5EF4-FFF2-40B4-BE49-F238E27FC236}">
-                <a16:creationId xmlns:a16="http://schemas.microsoft.com/office/drawing/2014/main" xmlns="" id="{342A61BC-982B-4E38-81C1-E9282268511A}"/>
+                <a16:creationId xmlns="" xmlns:a16="http://schemas.microsoft.com/office/drawing/2014/main" id="{342A61BC-982B-4E38-81C1-E9282268511A}"/>
               </a:ext>
             </a:extLst>
           </p:cNvPr>
@@ -4607,7 +4607,7 @@
             <p:cNvPr id="25" name="모서리가 둥근 직사각형 18">
               <a:extLst>
                 <a:ext uri="{FF2B5EF4-FFF2-40B4-BE49-F238E27FC236}">
-                  <a16:creationId xmlns:a16="http://schemas.microsoft.com/office/drawing/2014/main" xmlns="" id="{E4DAA65D-0B5C-4320-8447-5DA2D58810D6}"/>
+                  <a16:creationId xmlns="" xmlns:a16="http://schemas.microsoft.com/office/drawing/2014/main" id="{E4DAA65D-0B5C-4320-8447-5DA2D58810D6}"/>
                 </a:ext>
               </a:extLst>
             </p:cNvPr>
@@ -4661,7 +4661,7 @@
             <p:cNvPr id="31" name="모서리가 둥근 직사각형 34">
               <a:extLst>
                 <a:ext uri="{FF2B5EF4-FFF2-40B4-BE49-F238E27FC236}">
-                  <a16:creationId xmlns:a16="http://schemas.microsoft.com/office/drawing/2014/main" xmlns="" id="{51DB3436-FBC1-4FD0-92E8-9695BC0A8486}"/>
+                  <a16:creationId xmlns="" xmlns:a16="http://schemas.microsoft.com/office/drawing/2014/main" id="{51DB3436-FBC1-4FD0-92E8-9695BC0A8486}"/>
                 </a:ext>
               </a:extLst>
             </p:cNvPr>
@@ -4713,7 +4713,7 @@
             <p:cNvPr id="32" name="모서리가 둥근 직사각형 40">
               <a:extLst>
                 <a:ext uri="{FF2B5EF4-FFF2-40B4-BE49-F238E27FC236}">
-                  <a16:creationId xmlns:a16="http://schemas.microsoft.com/office/drawing/2014/main" xmlns="" id="{C7B91E22-A5E2-4089-B1B9-F12D8B89068B}"/>
+                  <a16:creationId xmlns="" xmlns:a16="http://schemas.microsoft.com/office/drawing/2014/main" id="{C7B91E22-A5E2-4089-B1B9-F12D8B89068B}"/>
                 </a:ext>
               </a:extLst>
             </p:cNvPr>
@@ -4765,7 +4765,7 @@
             <p:cNvPr id="33" name="모서리가 둥근 직사각형 41">
               <a:extLst>
                 <a:ext uri="{FF2B5EF4-FFF2-40B4-BE49-F238E27FC236}">
-                  <a16:creationId xmlns:a16="http://schemas.microsoft.com/office/drawing/2014/main" xmlns="" id="{53076EB5-7891-4EAB-BC6C-19282E8464F1}"/>
+                  <a16:creationId xmlns="" xmlns:a16="http://schemas.microsoft.com/office/drawing/2014/main" id="{53076EB5-7891-4EAB-BC6C-19282E8464F1}"/>
                 </a:ext>
               </a:extLst>
             </p:cNvPr>
@@ -4818,7 +4818,7 @@
           <p:cNvPr id="45" name="그룹 44">
             <a:extLst>
               <a:ext uri="{FF2B5EF4-FFF2-40B4-BE49-F238E27FC236}">
-                <a16:creationId xmlns:a16="http://schemas.microsoft.com/office/drawing/2014/main" xmlns="" id="{346422BE-21F7-4565-A08C-0EE7FDE238E5}"/>
+                <a16:creationId xmlns="" xmlns:a16="http://schemas.microsoft.com/office/drawing/2014/main" id="{346422BE-21F7-4565-A08C-0EE7FDE238E5}"/>
               </a:ext>
             </a:extLst>
           </p:cNvPr>
@@ -4838,7 +4838,7 @@
             <p:cNvPr id="46" name="모서리가 둥근 직사각형 18">
               <a:extLst>
                 <a:ext uri="{FF2B5EF4-FFF2-40B4-BE49-F238E27FC236}">
-                  <a16:creationId xmlns:a16="http://schemas.microsoft.com/office/drawing/2014/main" xmlns="" id="{51BD0C12-2C36-4B79-A248-884CB05DC550}"/>
+                  <a16:creationId xmlns="" xmlns:a16="http://schemas.microsoft.com/office/drawing/2014/main" id="{51BD0C12-2C36-4B79-A248-884CB05DC550}"/>
                 </a:ext>
               </a:extLst>
             </p:cNvPr>
@@ -4892,7 +4892,7 @@
             <p:cNvPr id="47" name="모서리가 둥근 직사각형 34">
               <a:extLst>
                 <a:ext uri="{FF2B5EF4-FFF2-40B4-BE49-F238E27FC236}">
-                  <a16:creationId xmlns:a16="http://schemas.microsoft.com/office/drawing/2014/main" xmlns="" id="{F143A0D7-943F-4882-8CC4-6F389CB53B57}"/>
+                  <a16:creationId xmlns="" xmlns:a16="http://schemas.microsoft.com/office/drawing/2014/main" id="{F143A0D7-943F-4882-8CC4-6F389CB53B57}"/>
                 </a:ext>
               </a:extLst>
             </p:cNvPr>
@@ -4944,7 +4944,7 @@
             <p:cNvPr id="48" name="모서리가 둥근 직사각형 40">
               <a:extLst>
                 <a:ext uri="{FF2B5EF4-FFF2-40B4-BE49-F238E27FC236}">
-                  <a16:creationId xmlns:a16="http://schemas.microsoft.com/office/drawing/2014/main" xmlns="" id="{9EE9E9B9-6D4F-459F-8B7C-1BFD98D1B823}"/>
+                  <a16:creationId xmlns="" xmlns:a16="http://schemas.microsoft.com/office/drawing/2014/main" id="{9EE9E9B9-6D4F-459F-8B7C-1BFD98D1B823}"/>
                 </a:ext>
               </a:extLst>
             </p:cNvPr>
@@ -4996,7 +4996,7 @@
             <p:cNvPr id="49" name="모서리가 둥근 직사각형 41">
               <a:extLst>
                 <a:ext uri="{FF2B5EF4-FFF2-40B4-BE49-F238E27FC236}">
-                  <a16:creationId xmlns:a16="http://schemas.microsoft.com/office/drawing/2014/main" xmlns="" id="{28F4D104-9CD4-49B4-9DD7-D5CA9188CE00}"/>
+                  <a16:creationId xmlns="" xmlns:a16="http://schemas.microsoft.com/office/drawing/2014/main" id="{28F4D104-9CD4-49B4-9DD7-D5CA9188CE00}"/>
                 </a:ext>
               </a:extLst>
             </p:cNvPr>
@@ -5049,7 +5049,7 @@
           <p:cNvPr id="51" name="그룹 50">
             <a:extLst>
               <a:ext uri="{FF2B5EF4-FFF2-40B4-BE49-F238E27FC236}">
-                <a16:creationId xmlns:a16="http://schemas.microsoft.com/office/drawing/2014/main" xmlns="" id="{3EB80419-83CC-4387-ABD1-C0B2EC659FE4}"/>
+                <a16:creationId xmlns="" xmlns:a16="http://schemas.microsoft.com/office/drawing/2014/main" id="{3EB80419-83CC-4387-ABD1-C0B2EC659FE4}"/>
               </a:ext>
             </a:extLst>
           </p:cNvPr>
@@ -5069,7 +5069,7 @@
             <p:cNvPr id="52" name="모서리가 둥근 직사각형 18">
               <a:extLst>
                 <a:ext uri="{FF2B5EF4-FFF2-40B4-BE49-F238E27FC236}">
-                  <a16:creationId xmlns:a16="http://schemas.microsoft.com/office/drawing/2014/main" xmlns="" id="{4EABDA9D-921C-4A30-8C03-DDCB09DBF3CB}"/>
+                  <a16:creationId xmlns="" xmlns:a16="http://schemas.microsoft.com/office/drawing/2014/main" id="{4EABDA9D-921C-4A30-8C03-DDCB09DBF3CB}"/>
                 </a:ext>
               </a:extLst>
             </p:cNvPr>
@@ -5123,7 +5123,7 @@
             <p:cNvPr id="54" name="모서리가 둥근 직사각형 40">
               <a:extLst>
                 <a:ext uri="{FF2B5EF4-FFF2-40B4-BE49-F238E27FC236}">
-                  <a16:creationId xmlns:a16="http://schemas.microsoft.com/office/drawing/2014/main" xmlns="" id="{08B10766-8517-475B-9870-2CFD1F30A555}"/>
+                  <a16:creationId xmlns="" xmlns:a16="http://schemas.microsoft.com/office/drawing/2014/main" id="{08B10766-8517-475B-9870-2CFD1F30A555}"/>
                 </a:ext>
               </a:extLst>
             </p:cNvPr>
@@ -5175,7 +5175,7 @@
             <p:cNvPr id="55" name="모서리가 둥근 직사각형 41">
               <a:extLst>
                 <a:ext uri="{FF2B5EF4-FFF2-40B4-BE49-F238E27FC236}">
-                  <a16:creationId xmlns:a16="http://schemas.microsoft.com/office/drawing/2014/main" xmlns="" id="{0347983C-1715-469A-B171-8EB284A9B128}"/>
+                  <a16:creationId xmlns="" xmlns:a16="http://schemas.microsoft.com/office/drawing/2014/main" id="{0347983C-1715-469A-B171-8EB284A9B128}"/>
                 </a:ext>
               </a:extLst>
             </p:cNvPr>
@@ -5228,7 +5228,7 @@
           <p:cNvPr id="57" name="모서리가 둥근 직사각형 18">
             <a:extLst>
               <a:ext uri="{FF2B5EF4-FFF2-40B4-BE49-F238E27FC236}">
-                <a16:creationId xmlns:a16="http://schemas.microsoft.com/office/drawing/2014/main" xmlns="" id="{37FF3A74-AA80-46B4-88CF-B271893BBCCF}"/>
+                <a16:creationId xmlns="" xmlns:a16="http://schemas.microsoft.com/office/drawing/2014/main" id="{37FF3A74-AA80-46B4-88CF-B271893BBCCF}"/>
               </a:ext>
             </a:extLst>
           </p:cNvPr>
@@ -5278,7 +5278,7 @@
           <p:cNvPr id="172" name="그룹 171">
             <a:extLst>
               <a:ext uri="{FF2B5EF4-FFF2-40B4-BE49-F238E27FC236}">
-                <a16:creationId xmlns:a16="http://schemas.microsoft.com/office/drawing/2014/main" xmlns="" id="{AFDB73E2-CC56-46A7-9786-4FCFACA81201}"/>
+                <a16:creationId xmlns="" xmlns:a16="http://schemas.microsoft.com/office/drawing/2014/main" id="{AFDB73E2-CC56-46A7-9786-4FCFACA81201}"/>
               </a:ext>
             </a:extLst>
           </p:cNvPr>
@@ -5298,7 +5298,7 @@
             <p:cNvPr id="58" name="모서리가 둥근 직사각형 18">
               <a:extLst>
                 <a:ext uri="{FF2B5EF4-FFF2-40B4-BE49-F238E27FC236}">
-                  <a16:creationId xmlns:a16="http://schemas.microsoft.com/office/drawing/2014/main" xmlns="" id="{271773C0-B6D3-4AF9-B241-96B25F3262A1}"/>
+                  <a16:creationId xmlns="" xmlns:a16="http://schemas.microsoft.com/office/drawing/2014/main" id="{271773C0-B6D3-4AF9-B241-96B25F3262A1}"/>
                 </a:ext>
               </a:extLst>
             </p:cNvPr>
@@ -5348,7 +5348,7 @@
             <p:cNvPr id="59" name="모서리가 둥근 직사각형 18">
               <a:extLst>
                 <a:ext uri="{FF2B5EF4-FFF2-40B4-BE49-F238E27FC236}">
-                  <a16:creationId xmlns:a16="http://schemas.microsoft.com/office/drawing/2014/main" xmlns="" id="{A28EA0BC-59F6-4F72-BD0E-9F3B07D97837}"/>
+                  <a16:creationId xmlns="" xmlns:a16="http://schemas.microsoft.com/office/drawing/2014/main" id="{A28EA0BC-59F6-4F72-BD0E-9F3B07D97837}"/>
                 </a:ext>
               </a:extLst>
             </p:cNvPr>
@@ -5426,7 +5426,7 @@
           <p:cNvPr id="60" name="모서리가 둥근 직사각형 18">
             <a:extLst>
               <a:ext uri="{FF2B5EF4-FFF2-40B4-BE49-F238E27FC236}">
-                <a16:creationId xmlns:a16="http://schemas.microsoft.com/office/drawing/2014/main" xmlns="" id="{A8E62340-5B58-47AF-ABFF-AE5D42F73FD2}"/>
+                <a16:creationId xmlns="" xmlns:a16="http://schemas.microsoft.com/office/drawing/2014/main" id="{A8E62340-5B58-47AF-ABFF-AE5D42F73FD2}"/>
               </a:ext>
             </a:extLst>
           </p:cNvPr>
@@ -5476,7 +5476,7 @@
           <p:cNvPr id="61" name="직선 화살표 연결선 60">
             <a:extLst>
               <a:ext uri="{FF2B5EF4-FFF2-40B4-BE49-F238E27FC236}">
-                <a16:creationId xmlns:a16="http://schemas.microsoft.com/office/drawing/2014/main" xmlns="" id="{86485563-F321-4DD1-B7CE-81A35D2E3FE5}"/>
+                <a16:creationId xmlns="" xmlns:a16="http://schemas.microsoft.com/office/drawing/2014/main" id="{86485563-F321-4DD1-B7CE-81A35D2E3FE5}"/>
               </a:ext>
             </a:extLst>
           </p:cNvPr>
@@ -5521,7 +5521,7 @@
           <p:cNvPr id="63" name="직선 화살표 연결선 62">
             <a:extLst>
               <a:ext uri="{FF2B5EF4-FFF2-40B4-BE49-F238E27FC236}">
-                <a16:creationId xmlns:a16="http://schemas.microsoft.com/office/drawing/2014/main" xmlns="" id="{10421B65-D171-4EE8-A7C1-6F9B1A4DE11C}"/>
+                <a16:creationId xmlns="" xmlns:a16="http://schemas.microsoft.com/office/drawing/2014/main" id="{10421B65-D171-4EE8-A7C1-6F9B1A4DE11C}"/>
               </a:ext>
             </a:extLst>
           </p:cNvPr>
@@ -5566,7 +5566,7 @@
           <p:cNvPr id="131" name="타원 130">
             <a:extLst>
               <a:ext uri="{FF2B5EF4-FFF2-40B4-BE49-F238E27FC236}">
-                <a16:creationId xmlns:a16="http://schemas.microsoft.com/office/drawing/2014/main" xmlns="" id="{5F83F9E5-52FB-4808-9C34-197CE38E96AE}"/>
+                <a16:creationId xmlns="" xmlns:a16="http://schemas.microsoft.com/office/drawing/2014/main" id="{5F83F9E5-52FB-4808-9C34-197CE38E96AE}"/>
               </a:ext>
             </a:extLst>
           </p:cNvPr>
@@ -5630,7 +5630,7 @@
           <p:cNvPr id="132" name="타원 131">
             <a:extLst>
               <a:ext uri="{FF2B5EF4-FFF2-40B4-BE49-F238E27FC236}">
-                <a16:creationId xmlns:a16="http://schemas.microsoft.com/office/drawing/2014/main" xmlns="" id="{41F245C1-92AD-4CF7-8116-948BE87AA5B6}"/>
+                <a16:creationId xmlns="" xmlns:a16="http://schemas.microsoft.com/office/drawing/2014/main" id="{41F245C1-92AD-4CF7-8116-948BE87AA5B6}"/>
               </a:ext>
             </a:extLst>
           </p:cNvPr>
@@ -5694,7 +5694,7 @@
           <p:cNvPr id="134" name="타원 133">
             <a:extLst>
               <a:ext uri="{FF2B5EF4-FFF2-40B4-BE49-F238E27FC236}">
-                <a16:creationId xmlns:a16="http://schemas.microsoft.com/office/drawing/2014/main" xmlns="" id="{7110AE48-F3F2-439B-ADE3-190898A23765}"/>
+                <a16:creationId xmlns="" xmlns:a16="http://schemas.microsoft.com/office/drawing/2014/main" id="{7110AE48-F3F2-439B-ADE3-190898A23765}"/>
               </a:ext>
             </a:extLst>
           </p:cNvPr>
@@ -5758,7 +5758,7 @@
           <p:cNvPr id="136" name="직선 화살표 연결선 135">
             <a:extLst>
               <a:ext uri="{FF2B5EF4-FFF2-40B4-BE49-F238E27FC236}">
-                <a16:creationId xmlns:a16="http://schemas.microsoft.com/office/drawing/2014/main" xmlns="" id="{6B28761E-A6ED-418A-9384-3AEDDF0E8035}"/>
+                <a16:creationId xmlns="" xmlns:a16="http://schemas.microsoft.com/office/drawing/2014/main" id="{6B28761E-A6ED-418A-9384-3AEDDF0E8035}"/>
               </a:ext>
             </a:extLst>
           </p:cNvPr>
@@ -5803,7 +5803,7 @@
           <p:cNvPr id="157" name="타원 156">
             <a:extLst>
               <a:ext uri="{FF2B5EF4-FFF2-40B4-BE49-F238E27FC236}">
-                <a16:creationId xmlns:a16="http://schemas.microsoft.com/office/drawing/2014/main" xmlns="" id="{E2D3238C-CC38-4EA9-848F-B8073443BA43}"/>
+                <a16:creationId xmlns="" xmlns:a16="http://schemas.microsoft.com/office/drawing/2014/main" id="{E2D3238C-CC38-4EA9-848F-B8073443BA43}"/>
               </a:ext>
             </a:extLst>
           </p:cNvPr>
@@ -5867,7 +5867,7 @@
           <p:cNvPr id="158" name="타원 157">
             <a:extLst>
               <a:ext uri="{FF2B5EF4-FFF2-40B4-BE49-F238E27FC236}">
-                <a16:creationId xmlns:a16="http://schemas.microsoft.com/office/drawing/2014/main" xmlns="" id="{134F2EDF-DF55-410C-B63E-254D82DF66FB}"/>
+                <a16:creationId xmlns="" xmlns:a16="http://schemas.microsoft.com/office/drawing/2014/main" id="{134F2EDF-DF55-410C-B63E-254D82DF66FB}"/>
               </a:ext>
             </a:extLst>
           </p:cNvPr>
@@ -5931,7 +5931,7 @@
           <p:cNvPr id="171" name="그룹 170">
             <a:extLst>
               <a:ext uri="{FF2B5EF4-FFF2-40B4-BE49-F238E27FC236}">
-                <a16:creationId xmlns:a16="http://schemas.microsoft.com/office/drawing/2014/main" xmlns="" id="{365E04FF-332D-448A-AE7C-B0C7F5BB229E}"/>
+                <a16:creationId xmlns="" xmlns:a16="http://schemas.microsoft.com/office/drawing/2014/main" id="{365E04FF-332D-448A-AE7C-B0C7F5BB229E}"/>
               </a:ext>
             </a:extLst>
           </p:cNvPr>
@@ -5951,7 +5951,7 @@
             <p:cNvPr id="161" name="직선 화살표 연결선 160">
               <a:extLst>
                 <a:ext uri="{FF2B5EF4-FFF2-40B4-BE49-F238E27FC236}">
-                  <a16:creationId xmlns:a16="http://schemas.microsoft.com/office/drawing/2014/main" xmlns="" id="{3353C20F-317C-4897-9D26-E51FDE4CD3C6}"/>
+                  <a16:creationId xmlns="" xmlns:a16="http://schemas.microsoft.com/office/drawing/2014/main" id="{3353C20F-317C-4897-9D26-E51FDE4CD3C6}"/>
                 </a:ext>
               </a:extLst>
             </p:cNvPr>
@@ -5997,7 +5997,7 @@
             <p:cNvPr id="166" name="TextBox 165">
               <a:extLst>
                 <a:ext uri="{FF2B5EF4-FFF2-40B4-BE49-F238E27FC236}">
-                  <a16:creationId xmlns:a16="http://schemas.microsoft.com/office/drawing/2014/main" xmlns="" id="{F569DF29-EBD8-4606-BED5-287D91FB85A1}"/>
+                  <a16:creationId xmlns="" xmlns:a16="http://schemas.microsoft.com/office/drawing/2014/main" id="{F569DF29-EBD8-4606-BED5-287D91FB85A1}"/>
                 </a:ext>
               </a:extLst>
             </p:cNvPr>
@@ -6034,7 +6034,7 @@
             <p:cNvPr id="168" name="직선 화살표 연결선 167">
               <a:extLst>
                 <a:ext uri="{FF2B5EF4-FFF2-40B4-BE49-F238E27FC236}">
-                  <a16:creationId xmlns:a16="http://schemas.microsoft.com/office/drawing/2014/main" xmlns="" id="{E3342519-5CCB-40AA-81C2-C390DDF48A81}"/>
+                  <a16:creationId xmlns="" xmlns:a16="http://schemas.microsoft.com/office/drawing/2014/main" id="{E3342519-5CCB-40AA-81C2-C390DDF48A81}"/>
                 </a:ext>
               </a:extLst>
             </p:cNvPr>
@@ -6080,7 +6080,7 @@
             <p:cNvPr id="169" name="TextBox 168">
               <a:extLst>
                 <a:ext uri="{FF2B5EF4-FFF2-40B4-BE49-F238E27FC236}">
-                  <a16:creationId xmlns:a16="http://schemas.microsoft.com/office/drawing/2014/main" xmlns="" id="{092411D7-2EB1-421A-9BE1-7CBC71A2054A}"/>
+                  <a16:creationId xmlns="" xmlns:a16="http://schemas.microsoft.com/office/drawing/2014/main" id="{092411D7-2EB1-421A-9BE1-7CBC71A2054A}"/>
                 </a:ext>
               </a:extLst>
             </p:cNvPr>
@@ -6118,7 +6118,7 @@
           <p:cNvPr id="64" name="직선 화살표 연결선 63">
             <a:extLst>
               <a:ext uri="{FF2B5EF4-FFF2-40B4-BE49-F238E27FC236}">
-                <a16:creationId xmlns:a16="http://schemas.microsoft.com/office/drawing/2014/main" xmlns="" id="{6B28761E-A6ED-418A-9384-3AEDDF0E8035}"/>
+                <a16:creationId xmlns="" xmlns:a16="http://schemas.microsoft.com/office/drawing/2014/main" id="{6B28761E-A6ED-418A-9384-3AEDDF0E8035}"/>
               </a:ext>
             </a:extLst>
           </p:cNvPr>
@@ -6163,7 +6163,7 @@
           <p:cNvPr id="65" name="타원 64">
             <a:extLst>
               <a:ext uri="{FF2B5EF4-FFF2-40B4-BE49-F238E27FC236}">
-                <a16:creationId xmlns:a16="http://schemas.microsoft.com/office/drawing/2014/main" xmlns="" id="{41F245C1-92AD-4CF7-8116-948BE87AA5B6}"/>
+                <a16:creationId xmlns="" xmlns:a16="http://schemas.microsoft.com/office/drawing/2014/main" id="{41F245C1-92AD-4CF7-8116-948BE87AA5B6}"/>
               </a:ext>
             </a:extLst>
           </p:cNvPr>
@@ -6273,7 +6273,7 @@
           <p:cNvPr id="68" name="직선 화살표 연결선 67">
             <a:extLst>
               <a:ext uri="{FF2B5EF4-FFF2-40B4-BE49-F238E27FC236}">
-                <a16:creationId xmlns:a16="http://schemas.microsoft.com/office/drawing/2014/main" xmlns="" id="{86485563-F321-4DD1-B7CE-81A35D2E3FE5}"/>
+                <a16:creationId xmlns="" xmlns:a16="http://schemas.microsoft.com/office/drawing/2014/main" id="{86485563-F321-4DD1-B7CE-81A35D2E3FE5}"/>
               </a:ext>
             </a:extLst>
           </p:cNvPr>
@@ -6318,7 +6318,7 @@
           <p:cNvPr id="69" name="직선 화살표 연결선 68">
             <a:extLst>
               <a:ext uri="{FF2B5EF4-FFF2-40B4-BE49-F238E27FC236}">
-                <a16:creationId xmlns:a16="http://schemas.microsoft.com/office/drawing/2014/main" xmlns="" id="{86485563-F321-4DD1-B7CE-81A35D2E3FE5}"/>
+                <a16:creationId xmlns="" xmlns:a16="http://schemas.microsoft.com/office/drawing/2014/main" id="{86485563-F321-4DD1-B7CE-81A35D2E3FE5}"/>
               </a:ext>
             </a:extLst>
           </p:cNvPr>
@@ -6363,7 +6363,7 @@
           <p:cNvPr id="70" name="직선 화살표 연결선 69">
             <a:extLst>
               <a:ext uri="{FF2B5EF4-FFF2-40B4-BE49-F238E27FC236}">
-                <a16:creationId xmlns:a16="http://schemas.microsoft.com/office/drawing/2014/main" xmlns="" id="{86485563-F321-4DD1-B7CE-81A35D2E3FE5}"/>
+                <a16:creationId xmlns="" xmlns:a16="http://schemas.microsoft.com/office/drawing/2014/main" id="{86485563-F321-4DD1-B7CE-81A35D2E3FE5}"/>
               </a:ext>
             </a:extLst>
           </p:cNvPr>
@@ -6408,7 +6408,7 @@
           <p:cNvPr id="73" name="타원 72">
             <a:extLst>
               <a:ext uri="{FF2B5EF4-FFF2-40B4-BE49-F238E27FC236}">
-                <a16:creationId xmlns:a16="http://schemas.microsoft.com/office/drawing/2014/main" xmlns="" id="{7110AE48-F3F2-439B-ADE3-190898A23765}"/>
+                <a16:creationId xmlns="" xmlns:a16="http://schemas.microsoft.com/office/drawing/2014/main" id="{7110AE48-F3F2-439B-ADE3-190898A23765}"/>
               </a:ext>
             </a:extLst>
           </p:cNvPr>
@@ -6472,7 +6472,7 @@
           <p:cNvPr id="74" name="타원 73">
             <a:extLst>
               <a:ext uri="{FF2B5EF4-FFF2-40B4-BE49-F238E27FC236}">
-                <a16:creationId xmlns:a16="http://schemas.microsoft.com/office/drawing/2014/main" xmlns="" id="{41F245C1-92AD-4CF7-8116-948BE87AA5B6}"/>
+                <a16:creationId xmlns="" xmlns:a16="http://schemas.microsoft.com/office/drawing/2014/main" id="{41F245C1-92AD-4CF7-8116-948BE87AA5B6}"/>
               </a:ext>
             </a:extLst>
           </p:cNvPr>
@@ -6536,7 +6536,7 @@
           <p:cNvPr id="91" name="직선 화살표 연결선 90">
             <a:extLst>
               <a:ext uri="{FF2B5EF4-FFF2-40B4-BE49-F238E27FC236}">
-                <a16:creationId xmlns:a16="http://schemas.microsoft.com/office/drawing/2014/main" xmlns="" id="{10421B65-D171-4EE8-A7C1-6F9B1A4DE11C}"/>
+                <a16:creationId xmlns="" xmlns:a16="http://schemas.microsoft.com/office/drawing/2014/main" id="{10421B65-D171-4EE8-A7C1-6F9B1A4DE11C}"/>
               </a:ext>
             </a:extLst>
           </p:cNvPr>
@@ -6581,7 +6581,7 @@
           <p:cNvPr id="92" name="직선 화살표 연결선 91">
             <a:extLst>
               <a:ext uri="{FF2B5EF4-FFF2-40B4-BE49-F238E27FC236}">
-                <a16:creationId xmlns:a16="http://schemas.microsoft.com/office/drawing/2014/main" xmlns="" id="{10421B65-D171-4EE8-A7C1-6F9B1A4DE11C}"/>
+                <a16:creationId xmlns="" xmlns:a16="http://schemas.microsoft.com/office/drawing/2014/main" id="{10421B65-D171-4EE8-A7C1-6F9B1A4DE11C}"/>
               </a:ext>
             </a:extLst>
           </p:cNvPr>
@@ -6626,7 +6626,7 @@
           <p:cNvPr id="97" name="직선 화살표 연결선 96">
             <a:extLst>
               <a:ext uri="{FF2B5EF4-FFF2-40B4-BE49-F238E27FC236}">
-                <a16:creationId xmlns:a16="http://schemas.microsoft.com/office/drawing/2014/main" xmlns="" id="{10421B65-D171-4EE8-A7C1-6F9B1A4DE11C}"/>
+                <a16:creationId xmlns="" xmlns:a16="http://schemas.microsoft.com/office/drawing/2014/main" id="{10421B65-D171-4EE8-A7C1-6F9B1A4DE11C}"/>
               </a:ext>
             </a:extLst>
           </p:cNvPr>
@@ -6671,7 +6671,7 @@
           <p:cNvPr id="100" name="타원 99">
             <a:extLst>
               <a:ext uri="{FF2B5EF4-FFF2-40B4-BE49-F238E27FC236}">
-                <a16:creationId xmlns:a16="http://schemas.microsoft.com/office/drawing/2014/main" xmlns="" id="{059A2C3A-01C4-4EEC-B6C8-A026A244E886}"/>
+                <a16:creationId xmlns="" xmlns:a16="http://schemas.microsoft.com/office/drawing/2014/main" id="{059A2C3A-01C4-4EEC-B6C8-A026A244E886}"/>
               </a:ext>
             </a:extLst>
           </p:cNvPr>
@@ -6737,7 +6737,7 @@
           <p:cNvPr id="101" name="타원 100">
             <a:extLst>
               <a:ext uri="{FF2B5EF4-FFF2-40B4-BE49-F238E27FC236}">
-                <a16:creationId xmlns:a16="http://schemas.microsoft.com/office/drawing/2014/main" xmlns="" id="{059A2C3A-01C4-4EEC-B6C8-A026A244E886}"/>
+                <a16:creationId xmlns="" xmlns:a16="http://schemas.microsoft.com/office/drawing/2014/main" id="{059A2C3A-01C4-4EEC-B6C8-A026A244E886}"/>
               </a:ext>
             </a:extLst>
           </p:cNvPr>
@@ -6803,7 +6803,7 @@
           <p:cNvPr id="102" name="직선 화살표 연결선 101">
             <a:extLst>
               <a:ext uri="{FF2B5EF4-FFF2-40B4-BE49-F238E27FC236}">
-                <a16:creationId xmlns:a16="http://schemas.microsoft.com/office/drawing/2014/main" xmlns="" id="{10421B65-D171-4EE8-A7C1-6F9B1A4DE11C}"/>
+                <a16:creationId xmlns="" xmlns:a16="http://schemas.microsoft.com/office/drawing/2014/main" id="{10421B65-D171-4EE8-A7C1-6F9B1A4DE11C}"/>
               </a:ext>
             </a:extLst>
           </p:cNvPr>
@@ -6848,7 +6848,7 @@
           <p:cNvPr id="105" name="타원 104">
             <a:extLst>
               <a:ext uri="{FF2B5EF4-FFF2-40B4-BE49-F238E27FC236}">
-                <a16:creationId xmlns:a16="http://schemas.microsoft.com/office/drawing/2014/main" xmlns="" id="{059A2C3A-01C4-4EEC-B6C8-A026A244E886}"/>
+                <a16:creationId xmlns="" xmlns:a16="http://schemas.microsoft.com/office/drawing/2014/main" id="{059A2C3A-01C4-4EEC-B6C8-A026A244E886}"/>
               </a:ext>
             </a:extLst>
           </p:cNvPr>
@@ -6914,7 +6914,7 @@
           <p:cNvPr id="106" name="직선 화살표 연결선 105">
             <a:extLst>
               <a:ext uri="{FF2B5EF4-FFF2-40B4-BE49-F238E27FC236}">
-                <a16:creationId xmlns:a16="http://schemas.microsoft.com/office/drawing/2014/main" xmlns="" id="{10421B65-D171-4EE8-A7C1-6F9B1A4DE11C}"/>
+                <a16:creationId xmlns="" xmlns:a16="http://schemas.microsoft.com/office/drawing/2014/main" id="{10421B65-D171-4EE8-A7C1-6F9B1A4DE11C}"/>
               </a:ext>
             </a:extLst>
           </p:cNvPr>
@@ -6959,7 +6959,7 @@
           <p:cNvPr id="109" name="타원 108">
             <a:extLst>
               <a:ext uri="{FF2B5EF4-FFF2-40B4-BE49-F238E27FC236}">
-                <a16:creationId xmlns:a16="http://schemas.microsoft.com/office/drawing/2014/main" xmlns="" id="{059A2C3A-01C4-4EEC-B6C8-A026A244E886}"/>
+                <a16:creationId xmlns="" xmlns:a16="http://schemas.microsoft.com/office/drawing/2014/main" id="{059A2C3A-01C4-4EEC-B6C8-A026A244E886}"/>
               </a:ext>
             </a:extLst>
           </p:cNvPr>
@@ -7056,7 +7056,7 @@
           <p:cNvPr id="62" name="직선 화살표 연결선 61">
             <a:extLst>
               <a:ext uri="{FF2B5EF4-FFF2-40B4-BE49-F238E27FC236}">
-                <a16:creationId xmlns:a16="http://schemas.microsoft.com/office/drawing/2014/main" xmlns="" id="{10421B65-D171-4EE8-A7C1-6F9B1A4DE11C}"/>
+                <a16:creationId xmlns="" xmlns:a16="http://schemas.microsoft.com/office/drawing/2014/main" id="{10421B65-D171-4EE8-A7C1-6F9B1A4DE11C}"/>
               </a:ext>
             </a:extLst>
           </p:cNvPr>
@@ -7101,7 +7101,7 @@
           <p:cNvPr id="66" name="직선 화살표 연결선 65">
             <a:extLst>
               <a:ext uri="{FF2B5EF4-FFF2-40B4-BE49-F238E27FC236}">
-                <a16:creationId xmlns:a16="http://schemas.microsoft.com/office/drawing/2014/main" xmlns="" id="{10421B65-D171-4EE8-A7C1-6F9B1A4DE11C}"/>
+                <a16:creationId xmlns="" xmlns:a16="http://schemas.microsoft.com/office/drawing/2014/main" id="{10421B65-D171-4EE8-A7C1-6F9B1A4DE11C}"/>
               </a:ext>
             </a:extLst>
           </p:cNvPr>
@@ -7146,7 +7146,7 @@
           <p:cNvPr id="71" name="타원 70">
             <a:extLst>
               <a:ext uri="{FF2B5EF4-FFF2-40B4-BE49-F238E27FC236}">
-                <a16:creationId xmlns:a16="http://schemas.microsoft.com/office/drawing/2014/main" xmlns="" id="{059A2C3A-01C4-4EEC-B6C8-A026A244E886}"/>
+                <a16:creationId xmlns="" xmlns:a16="http://schemas.microsoft.com/office/drawing/2014/main" id="{059A2C3A-01C4-4EEC-B6C8-A026A244E886}"/>
               </a:ext>
             </a:extLst>
           </p:cNvPr>
@@ -7212,7 +7212,7 @@
           <p:cNvPr id="72" name="타원 71">
             <a:extLst>
               <a:ext uri="{FF2B5EF4-FFF2-40B4-BE49-F238E27FC236}">
-                <a16:creationId xmlns:a16="http://schemas.microsoft.com/office/drawing/2014/main" xmlns="" id="{059A2C3A-01C4-4EEC-B6C8-A026A244E886}"/>
+                <a16:creationId xmlns="" xmlns:a16="http://schemas.microsoft.com/office/drawing/2014/main" id="{059A2C3A-01C4-4EEC-B6C8-A026A244E886}"/>
               </a:ext>
             </a:extLst>
           </p:cNvPr>
@@ -7308,7 +7308,7 @@
           <p:cNvPr id="2" name="제목 1">
             <a:extLst>
               <a:ext uri="{FF2B5EF4-FFF2-40B4-BE49-F238E27FC236}">
-                <a16:creationId xmlns="" xmlns:a16="http://schemas.microsoft.com/office/drawing/2014/main" id="{8738443D-5E72-49E2-86AC-581D61C41C39}"/>
+                <a16:creationId xmlns:a16="http://schemas.microsoft.com/office/drawing/2014/main" xmlns="" id="{8738443D-5E72-49E2-86AC-581D61C41C39}"/>
               </a:ext>
             </a:extLst>
           </p:cNvPr>
@@ -7342,7 +7342,7 @@
           <p:cNvPr id="4" name="모서리가 둥근 직사각형 18">
             <a:extLst>
               <a:ext uri="{FF2B5EF4-FFF2-40B4-BE49-F238E27FC236}">
-                <a16:creationId xmlns="" xmlns:a16="http://schemas.microsoft.com/office/drawing/2014/main" id="{90910971-3F87-488C-9CD0-4E04E8DEA3B0}"/>
+                <a16:creationId xmlns:a16="http://schemas.microsoft.com/office/drawing/2014/main" xmlns="" id="{90910971-3F87-488C-9CD0-4E04E8DEA3B0}"/>
               </a:ext>
             </a:extLst>
           </p:cNvPr>
@@ -7392,7 +7392,7 @@
           <p:cNvPr id="6" name="모서리가 둥근 직사각형 18">
             <a:extLst>
               <a:ext uri="{FF2B5EF4-FFF2-40B4-BE49-F238E27FC236}">
-                <a16:creationId xmlns="" xmlns:a16="http://schemas.microsoft.com/office/drawing/2014/main" id="{F5302ADF-D203-4131-A3B2-4F84C5314C62}"/>
+                <a16:creationId xmlns:a16="http://schemas.microsoft.com/office/drawing/2014/main" xmlns="" id="{F5302ADF-D203-4131-A3B2-4F84C5314C62}"/>
               </a:ext>
             </a:extLst>
           </p:cNvPr>
@@ -7442,7 +7442,7 @@
           <p:cNvPr id="30" name="타원 29">
             <a:extLst>
               <a:ext uri="{FF2B5EF4-FFF2-40B4-BE49-F238E27FC236}">
-                <a16:creationId xmlns="" xmlns:a16="http://schemas.microsoft.com/office/drawing/2014/main" id="{0006BDA6-9444-4FFD-B5BD-EED6E274CFFA}"/>
+                <a16:creationId xmlns:a16="http://schemas.microsoft.com/office/drawing/2014/main" xmlns="" id="{0006BDA6-9444-4FFD-B5BD-EED6E274CFFA}"/>
               </a:ext>
             </a:extLst>
           </p:cNvPr>
@@ -7490,7 +7490,7 @@
           <p:cNvPr id="25" name="모서리가 둥근 직사각형 18">
             <a:extLst>
               <a:ext uri="{FF2B5EF4-FFF2-40B4-BE49-F238E27FC236}">
-                <a16:creationId xmlns="" xmlns:a16="http://schemas.microsoft.com/office/drawing/2014/main" id="{6AEE18CE-E129-4D51-AA94-179034642DC8}"/>
+                <a16:creationId xmlns:a16="http://schemas.microsoft.com/office/drawing/2014/main" xmlns="" id="{6AEE18CE-E129-4D51-AA94-179034642DC8}"/>
               </a:ext>
             </a:extLst>
           </p:cNvPr>
@@ -7540,7 +7540,7 @@
           <p:cNvPr id="26" name="모서리가 둥근 직사각형 18">
             <a:extLst>
               <a:ext uri="{FF2B5EF4-FFF2-40B4-BE49-F238E27FC236}">
-                <a16:creationId xmlns="" xmlns:a16="http://schemas.microsoft.com/office/drawing/2014/main" id="{D48DB822-70CE-4692-84EA-0B6DB2416FCB}"/>
+                <a16:creationId xmlns:a16="http://schemas.microsoft.com/office/drawing/2014/main" xmlns="" id="{D48DB822-70CE-4692-84EA-0B6DB2416FCB}"/>
               </a:ext>
             </a:extLst>
           </p:cNvPr>
@@ -7590,7 +7590,7 @@
           <p:cNvPr id="35" name="모서리가 둥근 직사각형 18">
             <a:extLst>
               <a:ext uri="{FF2B5EF4-FFF2-40B4-BE49-F238E27FC236}">
-                <a16:creationId xmlns="" xmlns:a16="http://schemas.microsoft.com/office/drawing/2014/main" id="{C82D4484-29CF-4C5C-94F6-3E611E578082}"/>
+                <a16:creationId xmlns:a16="http://schemas.microsoft.com/office/drawing/2014/main" xmlns="" id="{C82D4484-29CF-4C5C-94F6-3E611E578082}"/>
               </a:ext>
             </a:extLst>
           </p:cNvPr>
@@ -7640,7 +7640,7 @@
           <p:cNvPr id="36" name="모서리가 둥근 직사각형 18">
             <a:extLst>
               <a:ext uri="{FF2B5EF4-FFF2-40B4-BE49-F238E27FC236}">
-                <a16:creationId xmlns="" xmlns:a16="http://schemas.microsoft.com/office/drawing/2014/main" id="{49DD9DEF-515F-4613-B0A2-804648D3051B}"/>
+                <a16:creationId xmlns:a16="http://schemas.microsoft.com/office/drawing/2014/main" xmlns="" id="{49DD9DEF-515F-4613-B0A2-804648D3051B}"/>
               </a:ext>
             </a:extLst>
           </p:cNvPr>
@@ -7690,7 +7690,7 @@
           <p:cNvPr id="40" name="모서리가 둥근 직사각형 18">
             <a:extLst>
               <a:ext uri="{FF2B5EF4-FFF2-40B4-BE49-F238E27FC236}">
-                <a16:creationId xmlns="" xmlns:a16="http://schemas.microsoft.com/office/drawing/2014/main" id="{8BCD1206-46E7-48C1-8D0E-79201C2239CB}"/>
+                <a16:creationId xmlns:a16="http://schemas.microsoft.com/office/drawing/2014/main" xmlns="" id="{8BCD1206-46E7-48C1-8D0E-79201C2239CB}"/>
               </a:ext>
             </a:extLst>
           </p:cNvPr>
@@ -7740,7 +7740,7 @@
           <p:cNvPr id="41" name="모서리가 둥근 직사각형 18">
             <a:extLst>
               <a:ext uri="{FF2B5EF4-FFF2-40B4-BE49-F238E27FC236}">
-                <a16:creationId xmlns="" xmlns:a16="http://schemas.microsoft.com/office/drawing/2014/main" id="{8385447B-8931-4CDC-A0D2-091BF7CB022F}"/>
+                <a16:creationId xmlns:a16="http://schemas.microsoft.com/office/drawing/2014/main" xmlns="" id="{8385447B-8931-4CDC-A0D2-091BF7CB022F}"/>
               </a:ext>
             </a:extLst>
           </p:cNvPr>
@@ -7790,7 +7790,7 @@
           <p:cNvPr id="71" name="모서리가 둥근 직사각형 18">
             <a:extLst>
               <a:ext uri="{FF2B5EF4-FFF2-40B4-BE49-F238E27FC236}">
-                <a16:creationId xmlns="" xmlns:a16="http://schemas.microsoft.com/office/drawing/2014/main" id="{8385447B-8931-4CDC-A0D2-091BF7CB022F}"/>
+                <a16:creationId xmlns:a16="http://schemas.microsoft.com/office/drawing/2014/main" xmlns="" id="{8385447B-8931-4CDC-A0D2-091BF7CB022F}"/>
               </a:ext>
             </a:extLst>
           </p:cNvPr>
@@ -7853,7 +7853,7 @@
           <p:cNvPr id="58" name="모서리가 둥근 직사각형 18">
             <a:extLst>
               <a:ext uri="{FF2B5EF4-FFF2-40B4-BE49-F238E27FC236}">
-                <a16:creationId xmlns="" xmlns:a16="http://schemas.microsoft.com/office/drawing/2014/main" id="{D48DB822-70CE-4692-84EA-0B6DB2416FCB}"/>
+                <a16:creationId xmlns:a16="http://schemas.microsoft.com/office/drawing/2014/main" xmlns="" id="{D48DB822-70CE-4692-84EA-0B6DB2416FCB}"/>
               </a:ext>
             </a:extLst>
           </p:cNvPr>
@@ -7903,7 +7903,7 @@
           <p:cNvPr id="70" name="모서리가 둥근 직사각형 18">
             <a:extLst>
               <a:ext uri="{FF2B5EF4-FFF2-40B4-BE49-F238E27FC236}">
-                <a16:creationId xmlns="" xmlns:a16="http://schemas.microsoft.com/office/drawing/2014/main" id="{D48DB822-70CE-4692-84EA-0B6DB2416FCB}"/>
+                <a16:creationId xmlns:a16="http://schemas.microsoft.com/office/drawing/2014/main" xmlns="" id="{D48DB822-70CE-4692-84EA-0B6DB2416FCB}"/>
               </a:ext>
             </a:extLst>
           </p:cNvPr>
@@ -7953,7 +7953,7 @@
           <p:cNvPr id="45" name="직선 화살표 연결선 44">
             <a:extLst>
               <a:ext uri="{FF2B5EF4-FFF2-40B4-BE49-F238E27FC236}">
-                <a16:creationId xmlns:a16="http://schemas.microsoft.com/office/drawing/2014/main" xmlns="" id="{63CD95EA-9302-411A-9FCB-C8FDCBFA495D}"/>
+                <a16:creationId xmlns="" xmlns:a16="http://schemas.microsoft.com/office/drawing/2014/main" id="{63CD95EA-9302-411A-9FCB-C8FDCBFA495D}"/>
               </a:ext>
             </a:extLst>
           </p:cNvPr>
@@ -7998,7 +7998,7 @@
           <p:cNvPr id="48" name="직선 화살표 연결선 47">
             <a:extLst>
               <a:ext uri="{FF2B5EF4-FFF2-40B4-BE49-F238E27FC236}">
-                <a16:creationId xmlns:a16="http://schemas.microsoft.com/office/drawing/2014/main" xmlns="" id="{A9100779-8D7F-447C-B48B-26391BE18849}"/>
+                <a16:creationId xmlns="" xmlns:a16="http://schemas.microsoft.com/office/drawing/2014/main" id="{A9100779-8D7F-447C-B48B-26391BE18849}"/>
               </a:ext>
             </a:extLst>
           </p:cNvPr>
@@ -8043,7 +8043,7 @@
           <p:cNvPr id="49" name="직선 화살표 연결선 48">
             <a:extLst>
               <a:ext uri="{FF2B5EF4-FFF2-40B4-BE49-F238E27FC236}">
-                <a16:creationId xmlns:a16="http://schemas.microsoft.com/office/drawing/2014/main" xmlns="" id="{3933F28B-AC51-417E-BC5B-2AD39C7EFC81}"/>
+                <a16:creationId xmlns="" xmlns:a16="http://schemas.microsoft.com/office/drawing/2014/main" id="{3933F28B-AC51-417E-BC5B-2AD39C7EFC81}"/>
               </a:ext>
             </a:extLst>
           </p:cNvPr>
@@ -8088,7 +8088,7 @@
           <p:cNvPr id="50" name="직선 화살표 연결선 49">
             <a:extLst>
               <a:ext uri="{FF2B5EF4-FFF2-40B4-BE49-F238E27FC236}">
-                <a16:creationId xmlns:a16="http://schemas.microsoft.com/office/drawing/2014/main" xmlns="" id="{6AA93637-C65C-4B5A-8B53-8E544BBE6A7F}"/>
+                <a16:creationId xmlns="" xmlns:a16="http://schemas.microsoft.com/office/drawing/2014/main" id="{6AA93637-C65C-4B5A-8B53-8E544BBE6A7F}"/>
               </a:ext>
             </a:extLst>
           </p:cNvPr>
@@ -8135,7 +8135,7 @@
           <p:cNvPr id="51" name="직선 화살표 연결선 50">
             <a:extLst>
               <a:ext uri="{FF2B5EF4-FFF2-40B4-BE49-F238E27FC236}">
-                <a16:creationId xmlns:a16="http://schemas.microsoft.com/office/drawing/2014/main" xmlns="" id="{3A100D49-C29F-4AB6-B28A-334EF96F16AF}"/>
+                <a16:creationId xmlns="" xmlns:a16="http://schemas.microsoft.com/office/drawing/2014/main" id="{3A100D49-C29F-4AB6-B28A-334EF96F16AF}"/>
               </a:ext>
             </a:extLst>
           </p:cNvPr>
@@ -8182,7 +8182,7 @@
           <p:cNvPr id="53" name="직선 화살표 연결선 52">
             <a:extLst>
               <a:ext uri="{FF2B5EF4-FFF2-40B4-BE49-F238E27FC236}">
-                <a16:creationId xmlns:a16="http://schemas.microsoft.com/office/drawing/2014/main" xmlns="" id="{4DEC1018-A708-4DC7-B2AD-00ABDB42B1D6}"/>
+                <a16:creationId xmlns="" xmlns:a16="http://schemas.microsoft.com/office/drawing/2014/main" id="{4DEC1018-A708-4DC7-B2AD-00ABDB42B1D6}"/>
               </a:ext>
             </a:extLst>
           </p:cNvPr>
@@ -8228,7 +8228,7 @@
           <p:cNvPr id="54" name="직선 화살표 연결선 53">
             <a:extLst>
               <a:ext uri="{FF2B5EF4-FFF2-40B4-BE49-F238E27FC236}">
-                <a16:creationId xmlns:a16="http://schemas.microsoft.com/office/drawing/2014/main" xmlns="" id="{795CA74B-6E12-4088-BBAC-31A825D66510}"/>
+                <a16:creationId xmlns="" xmlns:a16="http://schemas.microsoft.com/office/drawing/2014/main" id="{795CA74B-6E12-4088-BBAC-31A825D66510}"/>
               </a:ext>
             </a:extLst>
           </p:cNvPr>
@@ -8274,7 +8274,7 @@
           <p:cNvPr id="55" name="직선 화살표 연결선 54">
             <a:extLst>
               <a:ext uri="{FF2B5EF4-FFF2-40B4-BE49-F238E27FC236}">
-                <a16:creationId xmlns:a16="http://schemas.microsoft.com/office/drawing/2014/main" xmlns="" id="{0F057480-7171-4B87-B299-002A985D1F30}"/>
+                <a16:creationId xmlns="" xmlns:a16="http://schemas.microsoft.com/office/drawing/2014/main" id="{0F057480-7171-4B87-B299-002A985D1F30}"/>
               </a:ext>
             </a:extLst>
           </p:cNvPr>
@@ -8322,7 +8322,7 @@
           <p:cNvPr id="57" name="직선 화살표 연결선 56">
             <a:extLst>
               <a:ext uri="{FF2B5EF4-FFF2-40B4-BE49-F238E27FC236}">
-                <a16:creationId xmlns:a16="http://schemas.microsoft.com/office/drawing/2014/main" xmlns="" id="{3E79A9E3-D35C-4D13-9C35-D56D0A88D17F}"/>
+                <a16:creationId xmlns="" xmlns:a16="http://schemas.microsoft.com/office/drawing/2014/main" id="{3E79A9E3-D35C-4D13-9C35-D56D0A88D17F}"/>
               </a:ext>
             </a:extLst>
           </p:cNvPr>
@@ -8370,7 +8370,7 @@
           <p:cNvPr id="60" name="그룹 59">
             <a:extLst>
               <a:ext uri="{FF2B5EF4-FFF2-40B4-BE49-F238E27FC236}">
-                <a16:creationId xmlns:a16="http://schemas.microsoft.com/office/drawing/2014/main" xmlns="" id="{B2F6CFF1-DF54-4F02-88FB-F2B7EAF8E248}"/>
+                <a16:creationId xmlns="" xmlns:a16="http://schemas.microsoft.com/office/drawing/2014/main" id="{B2F6CFF1-DF54-4F02-88FB-F2B7EAF8E248}"/>
               </a:ext>
             </a:extLst>
           </p:cNvPr>
@@ -8390,7 +8390,7 @@
             <p:cNvPr id="61" name="직선 화살표 연결선 60">
               <a:extLst>
                 <a:ext uri="{FF2B5EF4-FFF2-40B4-BE49-F238E27FC236}">
-                  <a16:creationId xmlns:a16="http://schemas.microsoft.com/office/drawing/2014/main" xmlns="" id="{FEDAA768-BFC9-4E6D-9A55-597FD6687A4E}"/>
+                  <a16:creationId xmlns="" xmlns:a16="http://schemas.microsoft.com/office/drawing/2014/main" id="{FEDAA768-BFC9-4E6D-9A55-597FD6687A4E}"/>
                 </a:ext>
               </a:extLst>
             </p:cNvPr>
@@ -8438,7 +8438,7 @@
             <p:cNvPr id="63" name="TextBox 62">
               <a:extLst>
                 <a:ext uri="{FF2B5EF4-FFF2-40B4-BE49-F238E27FC236}">
-                  <a16:creationId xmlns:a16="http://schemas.microsoft.com/office/drawing/2014/main" xmlns="" id="{08C76C99-553F-4622-9C6A-7756B2CFA84F}"/>
+                  <a16:creationId xmlns="" xmlns:a16="http://schemas.microsoft.com/office/drawing/2014/main" id="{08C76C99-553F-4622-9C6A-7756B2CFA84F}"/>
                 </a:ext>
               </a:extLst>
             </p:cNvPr>
@@ -8474,7 +8474,7 @@
             <p:cNvPr id="64" name="직선 화살표 연결선 63">
               <a:extLst>
                 <a:ext uri="{FF2B5EF4-FFF2-40B4-BE49-F238E27FC236}">
-                  <a16:creationId xmlns:a16="http://schemas.microsoft.com/office/drawing/2014/main" xmlns="" id="{BCF7F299-0FD2-4EDF-891C-D717BDED0371}"/>
+                  <a16:creationId xmlns="" xmlns:a16="http://schemas.microsoft.com/office/drawing/2014/main" id="{BCF7F299-0FD2-4EDF-891C-D717BDED0371}"/>
                 </a:ext>
               </a:extLst>
             </p:cNvPr>
@@ -8520,7 +8520,7 @@
             <p:cNvPr id="65" name="TextBox 64">
               <a:extLst>
                 <a:ext uri="{FF2B5EF4-FFF2-40B4-BE49-F238E27FC236}">
-                  <a16:creationId xmlns:a16="http://schemas.microsoft.com/office/drawing/2014/main" xmlns="" id="{2AEA4195-EC52-4EB4-BC56-00DCD87AC0CA}"/>
+                  <a16:creationId xmlns="" xmlns:a16="http://schemas.microsoft.com/office/drawing/2014/main" id="{2AEA4195-EC52-4EB4-BC56-00DCD87AC0CA}"/>
                 </a:ext>
               </a:extLst>
             </p:cNvPr>
@@ -8545,11 +8545,7 @@
             <a:p>
               <a:r>
                 <a:rPr lang="en-US" altLang="ko-KR" sz="1400" dirty="0" smtClean="0"/>
-                <a:t>Task </a:t>
-              </a:r>
-              <a:r>
-                <a:rPr lang="en-US" altLang="ko-KR" sz="1400" dirty="0" smtClean="0"/>
-                <a:t>Status</a:t>
+                <a:t>Task Status</a:t>
               </a:r>
               <a:endParaRPr lang="ko-KR" altLang="en-US" sz="1400" dirty="0"/>
             </a:p>
@@ -8560,7 +8556,7 @@
             <p:cNvPr id="66" name="직선 화살표 연결선 65">
               <a:extLst>
                 <a:ext uri="{FF2B5EF4-FFF2-40B4-BE49-F238E27FC236}">
-                  <a16:creationId xmlns:a16="http://schemas.microsoft.com/office/drawing/2014/main" xmlns="" id="{DB4483B7-6B6E-4872-82B2-9F46BC8C4410}"/>
+                  <a16:creationId xmlns="" xmlns:a16="http://schemas.microsoft.com/office/drawing/2014/main" id="{DB4483B7-6B6E-4872-82B2-9F46BC8C4410}"/>
                 </a:ext>
               </a:extLst>
             </p:cNvPr>
@@ -8606,7 +8602,7 @@
             <p:cNvPr id="67" name="TextBox 66">
               <a:extLst>
                 <a:ext uri="{FF2B5EF4-FFF2-40B4-BE49-F238E27FC236}">
-                  <a16:creationId xmlns:a16="http://schemas.microsoft.com/office/drawing/2014/main" xmlns="" id="{E48ABFB1-B00A-4E38-8BD4-CD95ECE0BA7A}"/>
+                  <a16:creationId xmlns="" xmlns:a16="http://schemas.microsoft.com/office/drawing/2014/main" id="{E48ABFB1-B00A-4E38-8BD4-CD95ECE0BA7A}"/>
                 </a:ext>
               </a:extLst>
             </p:cNvPr>
@@ -8642,7 +8638,7 @@
             <p:cNvPr id="68" name="직선 화살표 연결선 67">
               <a:extLst>
                 <a:ext uri="{FF2B5EF4-FFF2-40B4-BE49-F238E27FC236}">
-                  <a16:creationId xmlns:a16="http://schemas.microsoft.com/office/drawing/2014/main" xmlns="" id="{DBE2957A-8326-4EB5-88A9-1B4699318030}"/>
+                  <a16:creationId xmlns="" xmlns:a16="http://schemas.microsoft.com/office/drawing/2014/main" id="{DBE2957A-8326-4EB5-88A9-1B4699318030}"/>
                 </a:ext>
               </a:extLst>
             </p:cNvPr>
@@ -8690,7 +8686,7 @@
             <p:cNvPr id="69" name="TextBox 68">
               <a:extLst>
                 <a:ext uri="{FF2B5EF4-FFF2-40B4-BE49-F238E27FC236}">
-                  <a16:creationId xmlns:a16="http://schemas.microsoft.com/office/drawing/2014/main" xmlns="" id="{B1BA5C7E-8007-4B30-8EFA-359BE83561CF}"/>
+                  <a16:creationId xmlns="" xmlns:a16="http://schemas.microsoft.com/office/drawing/2014/main" id="{B1BA5C7E-8007-4B30-8EFA-359BE83561CF}"/>
                 </a:ext>
               </a:extLst>
             </p:cNvPr>
@@ -8727,7 +8723,7 @@
           <p:cNvPr id="74" name="모서리가 둥근 직사각형 18">
             <a:extLst>
               <a:ext uri="{FF2B5EF4-FFF2-40B4-BE49-F238E27FC236}">
-                <a16:creationId xmlns="" xmlns:a16="http://schemas.microsoft.com/office/drawing/2014/main" id="{8385447B-8931-4CDC-A0D2-091BF7CB022F}"/>
+                <a16:creationId xmlns:a16="http://schemas.microsoft.com/office/drawing/2014/main" xmlns="" id="{8385447B-8931-4CDC-A0D2-091BF7CB022F}"/>
               </a:ext>
             </a:extLst>
           </p:cNvPr>
@@ -8790,7 +8786,7 @@
           <p:cNvPr id="76" name="모서리가 둥근 직사각형 18">
             <a:extLst>
               <a:ext uri="{FF2B5EF4-FFF2-40B4-BE49-F238E27FC236}">
-                <a16:creationId xmlns="" xmlns:a16="http://schemas.microsoft.com/office/drawing/2014/main" id="{8385447B-8931-4CDC-A0D2-091BF7CB022F}"/>
+                <a16:creationId xmlns:a16="http://schemas.microsoft.com/office/drawing/2014/main" xmlns="" id="{8385447B-8931-4CDC-A0D2-091BF7CB022F}"/>
               </a:ext>
             </a:extLst>
           </p:cNvPr>
@@ -8853,7 +8849,7 @@
           <p:cNvPr id="77" name="모서리가 둥근 직사각형 18">
             <a:extLst>
               <a:ext uri="{FF2B5EF4-FFF2-40B4-BE49-F238E27FC236}">
-                <a16:creationId xmlns="" xmlns:a16="http://schemas.microsoft.com/office/drawing/2014/main" id="{8385447B-8931-4CDC-A0D2-091BF7CB022F}"/>
+                <a16:creationId xmlns:a16="http://schemas.microsoft.com/office/drawing/2014/main" xmlns="" id="{8385447B-8931-4CDC-A0D2-091BF7CB022F}"/>
               </a:ext>
             </a:extLst>
           </p:cNvPr>
@@ -8916,7 +8912,7 @@
           <p:cNvPr id="78" name="모서리가 둥근 직사각형 18">
             <a:extLst>
               <a:ext uri="{FF2B5EF4-FFF2-40B4-BE49-F238E27FC236}">
-                <a16:creationId xmlns="" xmlns:a16="http://schemas.microsoft.com/office/drawing/2014/main" id="{8385447B-8931-4CDC-A0D2-091BF7CB022F}"/>
+                <a16:creationId xmlns:a16="http://schemas.microsoft.com/office/drawing/2014/main" xmlns="" id="{8385447B-8931-4CDC-A0D2-091BF7CB022F}"/>
               </a:ext>
             </a:extLst>
           </p:cNvPr>
@@ -8979,7 +8975,7 @@
           <p:cNvPr id="79" name="모서리가 둥근 직사각형 18">
             <a:extLst>
               <a:ext uri="{FF2B5EF4-FFF2-40B4-BE49-F238E27FC236}">
-                <a16:creationId xmlns="" xmlns:a16="http://schemas.microsoft.com/office/drawing/2014/main" id="{8385447B-8931-4CDC-A0D2-091BF7CB022F}"/>
+                <a16:creationId xmlns:a16="http://schemas.microsoft.com/office/drawing/2014/main" xmlns="" id="{8385447B-8931-4CDC-A0D2-091BF7CB022F}"/>
               </a:ext>
             </a:extLst>
           </p:cNvPr>
@@ -9042,7 +9038,7 @@
           <p:cNvPr id="56" name="직선 화살표 연결선 55">
             <a:extLst>
               <a:ext uri="{FF2B5EF4-FFF2-40B4-BE49-F238E27FC236}">
-                <a16:creationId xmlns:a16="http://schemas.microsoft.com/office/drawing/2014/main" xmlns="" id="{3F847CB0-C800-488D-9A1C-5C275B3B32E1}"/>
+                <a16:creationId xmlns="" xmlns:a16="http://schemas.microsoft.com/office/drawing/2014/main" id="{3F847CB0-C800-488D-9A1C-5C275B3B32E1}"/>
               </a:ext>
             </a:extLst>
           </p:cNvPr>
@@ -9120,7 +9116,7 @@
           <p:cNvPr id="2" name="제목 1">
             <a:extLst>
               <a:ext uri="{FF2B5EF4-FFF2-40B4-BE49-F238E27FC236}">
-                <a16:creationId xmlns="" xmlns:a16="http://schemas.microsoft.com/office/drawing/2014/main" id="{8738443D-5E72-49E2-86AC-581D61C41C39}"/>
+                <a16:creationId xmlns:a16="http://schemas.microsoft.com/office/drawing/2014/main" xmlns="" id="{8738443D-5E72-49E2-86AC-581D61C41C39}"/>
               </a:ext>
             </a:extLst>
           </p:cNvPr>
@@ -9172,7 +9168,7 @@
             <p:cNvPr id="44" name="모서리가 둥근 직사각형 18">
               <a:extLst>
                 <a:ext uri="{FF2B5EF4-FFF2-40B4-BE49-F238E27FC236}">
-                  <a16:creationId xmlns="" xmlns:a16="http://schemas.microsoft.com/office/drawing/2014/main" id="{90910971-3F87-488C-9CD0-4E04E8DEA3B0}"/>
+                  <a16:creationId xmlns:a16="http://schemas.microsoft.com/office/drawing/2014/main" xmlns="" id="{90910971-3F87-488C-9CD0-4E04E8DEA3B0}"/>
                 </a:ext>
               </a:extLst>
             </p:cNvPr>
@@ -9222,7 +9218,7 @@
             <p:cNvPr id="46" name="모서리가 둥근 직사각형 18">
               <a:extLst>
                 <a:ext uri="{FF2B5EF4-FFF2-40B4-BE49-F238E27FC236}">
-                  <a16:creationId xmlns="" xmlns:a16="http://schemas.microsoft.com/office/drawing/2014/main" id="{90910971-3F87-488C-9CD0-4E04E8DEA3B0}"/>
+                  <a16:creationId xmlns:a16="http://schemas.microsoft.com/office/drawing/2014/main" xmlns="" id="{90910971-3F87-488C-9CD0-4E04E8DEA3B0}"/>
                 </a:ext>
               </a:extLst>
             </p:cNvPr>
@@ -9272,7 +9268,7 @@
             <p:cNvPr id="47" name="모서리가 둥근 직사각형 18">
               <a:extLst>
                 <a:ext uri="{FF2B5EF4-FFF2-40B4-BE49-F238E27FC236}">
-                  <a16:creationId xmlns="" xmlns:a16="http://schemas.microsoft.com/office/drawing/2014/main" id="{90910971-3F87-488C-9CD0-4E04E8DEA3B0}"/>
+                  <a16:creationId xmlns:a16="http://schemas.microsoft.com/office/drawing/2014/main" xmlns="" id="{90910971-3F87-488C-9CD0-4E04E8DEA3B0}"/>
                 </a:ext>
               </a:extLst>
             </p:cNvPr>
@@ -9323,7 +9319,7 @@
           <p:cNvPr id="52" name="직선 화살표 연결선 51">
             <a:extLst>
               <a:ext uri="{FF2B5EF4-FFF2-40B4-BE49-F238E27FC236}">
-                <a16:creationId xmlns:a16="http://schemas.microsoft.com/office/drawing/2014/main" xmlns="" id="{6B28761E-A6ED-418A-9384-3AEDDF0E8035}"/>
+                <a16:creationId xmlns="" xmlns:a16="http://schemas.microsoft.com/office/drawing/2014/main" id="{6B28761E-A6ED-418A-9384-3AEDDF0E8035}"/>
               </a:ext>
             </a:extLst>
           </p:cNvPr>
@@ -9370,7 +9366,7 @@
           <p:cNvPr id="79" name="모서리가 둥근 직사각형 18">
             <a:extLst>
               <a:ext uri="{FF2B5EF4-FFF2-40B4-BE49-F238E27FC236}">
-                <a16:creationId xmlns="" xmlns:a16="http://schemas.microsoft.com/office/drawing/2014/main" id="{90910971-3F87-488C-9CD0-4E04E8DEA3B0}"/>
+                <a16:creationId xmlns:a16="http://schemas.microsoft.com/office/drawing/2014/main" xmlns="" id="{90910971-3F87-488C-9CD0-4E04E8DEA3B0}"/>
               </a:ext>
             </a:extLst>
           </p:cNvPr>
@@ -9420,7 +9416,7 @@
           <p:cNvPr id="80" name="모서리가 둥근 직사각형 18">
             <a:extLst>
               <a:ext uri="{FF2B5EF4-FFF2-40B4-BE49-F238E27FC236}">
-                <a16:creationId xmlns="" xmlns:a16="http://schemas.microsoft.com/office/drawing/2014/main" id="{F5302ADF-D203-4131-A3B2-4F84C5314C62}"/>
+                <a16:creationId xmlns:a16="http://schemas.microsoft.com/office/drawing/2014/main" xmlns="" id="{F5302ADF-D203-4131-A3B2-4F84C5314C62}"/>
               </a:ext>
             </a:extLst>
           </p:cNvPr>
@@ -9470,7 +9466,7 @@
           <p:cNvPr id="81" name="모서리가 둥근 직사각형 18">
             <a:extLst>
               <a:ext uri="{FF2B5EF4-FFF2-40B4-BE49-F238E27FC236}">
-                <a16:creationId xmlns="" xmlns:a16="http://schemas.microsoft.com/office/drawing/2014/main" id="{D48DB822-70CE-4692-84EA-0B6DB2416FCB}"/>
+                <a16:creationId xmlns:a16="http://schemas.microsoft.com/office/drawing/2014/main" xmlns="" id="{D48DB822-70CE-4692-84EA-0B6DB2416FCB}"/>
               </a:ext>
             </a:extLst>
           </p:cNvPr>
@@ -9520,7 +9516,7 @@
           <p:cNvPr id="82" name="모서리가 둥근 직사각형 18">
             <a:extLst>
               <a:ext uri="{FF2B5EF4-FFF2-40B4-BE49-F238E27FC236}">
-                <a16:creationId xmlns="" xmlns:a16="http://schemas.microsoft.com/office/drawing/2014/main" id="{D48DB822-70CE-4692-84EA-0B6DB2416FCB}"/>
+                <a16:creationId xmlns:a16="http://schemas.microsoft.com/office/drawing/2014/main" xmlns="" id="{D48DB822-70CE-4692-84EA-0B6DB2416FCB}"/>
               </a:ext>
             </a:extLst>
           </p:cNvPr>
@@ -9570,7 +9566,7 @@
           <p:cNvPr id="84" name="모서리가 둥근 직사각형 18">
             <a:extLst>
               <a:ext uri="{FF2B5EF4-FFF2-40B4-BE49-F238E27FC236}">
-                <a16:creationId xmlns="" xmlns:a16="http://schemas.microsoft.com/office/drawing/2014/main" id="{C82D4484-29CF-4C5C-94F6-3E611E578082}"/>
+                <a16:creationId xmlns:a16="http://schemas.microsoft.com/office/drawing/2014/main" xmlns="" id="{C82D4484-29CF-4C5C-94F6-3E611E578082}"/>
               </a:ext>
             </a:extLst>
           </p:cNvPr>
@@ -9620,7 +9616,7 @@
           <p:cNvPr id="85" name="모서리가 둥근 직사각형 18">
             <a:extLst>
               <a:ext uri="{FF2B5EF4-FFF2-40B4-BE49-F238E27FC236}">
-                <a16:creationId xmlns="" xmlns:a16="http://schemas.microsoft.com/office/drawing/2014/main" id="{49DD9DEF-515F-4613-B0A2-804648D3051B}"/>
+                <a16:creationId xmlns:a16="http://schemas.microsoft.com/office/drawing/2014/main" xmlns="" id="{49DD9DEF-515F-4613-B0A2-804648D3051B}"/>
               </a:ext>
             </a:extLst>
           </p:cNvPr>
@@ -9629,7 +9625,7 @@
         </p:nvSpPr>
         <p:spPr>
           <a:xfrm>
-            <a:off x="4456752" y="2758886"/>
+            <a:off x="4456752" y="4259768"/>
             <a:ext cx="1584176" cy="400214"/>
           </a:xfrm>
           <a:prstGeom prst="roundRect">
@@ -9670,7 +9666,7 @@
           <p:cNvPr id="91" name="모서리가 둥근 직사각형 18">
             <a:extLst>
               <a:ext uri="{FF2B5EF4-FFF2-40B4-BE49-F238E27FC236}">
-                <a16:creationId xmlns="" xmlns:a16="http://schemas.microsoft.com/office/drawing/2014/main" id="{49DD9DEF-515F-4613-B0A2-804648D3051B}"/>
+                <a16:creationId xmlns:a16="http://schemas.microsoft.com/office/drawing/2014/main" xmlns="" id="{49DD9DEF-515F-4613-B0A2-804648D3051B}"/>
               </a:ext>
             </a:extLst>
           </p:cNvPr>
@@ -9679,7 +9675,7 @@
         </p:nvSpPr>
         <p:spPr>
           <a:xfrm>
-            <a:off x="4456752" y="3291830"/>
+            <a:off x="4456752" y="2744654"/>
             <a:ext cx="1584176" cy="1368152"/>
           </a:xfrm>
           <a:prstGeom prst="roundRect">
@@ -9728,7 +9724,7 @@
           <p:cNvPr id="95" name="모서리가 둥근 직사각형 18">
             <a:extLst>
               <a:ext uri="{FF2B5EF4-FFF2-40B4-BE49-F238E27FC236}">
-                <a16:creationId xmlns="" xmlns:a16="http://schemas.microsoft.com/office/drawing/2014/main" id="{49DD9DEF-515F-4613-B0A2-804648D3051B}"/>
+                <a16:creationId xmlns:a16="http://schemas.microsoft.com/office/drawing/2014/main" xmlns="" id="{49DD9DEF-515F-4613-B0A2-804648D3051B}"/>
               </a:ext>
             </a:extLst>
           </p:cNvPr>
@@ -9737,7 +9733,7 @@
         </p:nvSpPr>
         <p:spPr>
           <a:xfrm>
-            <a:off x="4582296" y="3579862"/>
+            <a:off x="4582296" y="3032686"/>
             <a:ext cx="1331126" cy="576064"/>
           </a:xfrm>
           <a:prstGeom prst="roundRect">
@@ -9778,21 +9774,21 @@
           <p:cNvPr id="97" name="직선 화살표 연결선 96">
             <a:extLst>
               <a:ext uri="{FF2B5EF4-FFF2-40B4-BE49-F238E27FC236}">
-                <a16:creationId xmlns:a16="http://schemas.microsoft.com/office/drawing/2014/main" xmlns="" id="{6B28761E-A6ED-418A-9384-3AEDDF0E8035}"/>
+                <a16:creationId xmlns="" xmlns:a16="http://schemas.microsoft.com/office/drawing/2014/main" id="{6B28761E-A6ED-418A-9384-3AEDDF0E8035}"/>
               </a:ext>
             </a:extLst>
           </p:cNvPr>
           <p:cNvCxnSpPr>
             <a:cxnSpLocks/>
-            <a:stCxn id="85" idx="2"/>
-            <a:endCxn id="95" idx="0"/>
+            <a:stCxn id="85" idx="0"/>
+            <a:endCxn id="91" idx="2"/>
           </p:cNvCxnSpPr>
           <p:nvPr/>
         </p:nvCxnSpPr>
         <p:spPr>
-          <a:xfrm flipH="1">
-            <a:off x="5247859" y="3159100"/>
-            <a:ext cx="981" cy="420762"/>
+          <a:xfrm flipV="1">
+            <a:off x="5248840" y="4112806"/>
+            <a:ext cx="0" cy="146962"/>
           </a:xfrm>
           <a:prstGeom prst="straightConnector1">
             <a:avLst/>
@@ -9900,7 +9896,7 @@
             <p:cNvPr id="108" name="모서리가 둥근 직사각형 18">
               <a:extLst>
                 <a:ext uri="{FF2B5EF4-FFF2-40B4-BE49-F238E27FC236}">
-                  <a16:creationId xmlns="" xmlns:a16="http://schemas.microsoft.com/office/drawing/2014/main" id="{90910971-3F87-488C-9CD0-4E04E8DEA3B0}"/>
+                  <a16:creationId xmlns:a16="http://schemas.microsoft.com/office/drawing/2014/main" xmlns="" id="{90910971-3F87-488C-9CD0-4E04E8DEA3B0}"/>
                 </a:ext>
               </a:extLst>
             </p:cNvPr>
@@ -9950,7 +9946,7 @@
             <p:cNvPr id="109" name="모서리가 둥근 직사각형 18">
               <a:extLst>
                 <a:ext uri="{FF2B5EF4-FFF2-40B4-BE49-F238E27FC236}">
-                  <a16:creationId xmlns="" xmlns:a16="http://schemas.microsoft.com/office/drawing/2014/main" id="{90910971-3F87-488C-9CD0-4E04E8DEA3B0}"/>
+                  <a16:creationId xmlns:a16="http://schemas.microsoft.com/office/drawing/2014/main" xmlns="" id="{90910971-3F87-488C-9CD0-4E04E8DEA3B0}"/>
                 </a:ext>
               </a:extLst>
             </p:cNvPr>
@@ -10001,7 +9997,7 @@
           <p:cNvPr id="88" name="모서리가 둥근 직사각형 18">
             <a:extLst>
               <a:ext uri="{FF2B5EF4-FFF2-40B4-BE49-F238E27FC236}">
-                <a16:creationId xmlns="" xmlns:a16="http://schemas.microsoft.com/office/drawing/2014/main" id="{C82D4484-29CF-4C5C-94F6-3E611E578082}"/>
+                <a16:creationId xmlns:a16="http://schemas.microsoft.com/office/drawing/2014/main" xmlns="" id="{C82D4484-29CF-4C5C-94F6-3E611E578082}"/>
               </a:ext>
             </a:extLst>
           </p:cNvPr>
@@ -10051,7 +10047,7 @@
           <p:cNvPr id="89" name="모서리가 둥근 직사각형 18">
             <a:extLst>
               <a:ext uri="{FF2B5EF4-FFF2-40B4-BE49-F238E27FC236}">
-                <a16:creationId xmlns="" xmlns:a16="http://schemas.microsoft.com/office/drawing/2014/main" id="{49DD9DEF-515F-4613-B0A2-804648D3051B}"/>
+                <a16:creationId xmlns:a16="http://schemas.microsoft.com/office/drawing/2014/main" xmlns="" id="{49DD9DEF-515F-4613-B0A2-804648D3051B}"/>
               </a:ext>
             </a:extLst>
           </p:cNvPr>
@@ -10060,7 +10056,7 @@
         </p:nvSpPr>
         <p:spPr>
           <a:xfrm>
-            <a:off x="6931752" y="2751770"/>
+            <a:off x="6931752" y="4259768"/>
             <a:ext cx="1584176" cy="400214"/>
           </a:xfrm>
           <a:prstGeom prst="roundRect">
@@ -10101,7 +10097,7 @@
           <p:cNvPr id="92" name="모서리가 둥근 직사각형 18">
             <a:extLst>
               <a:ext uri="{FF2B5EF4-FFF2-40B4-BE49-F238E27FC236}">
-                <a16:creationId xmlns="" xmlns:a16="http://schemas.microsoft.com/office/drawing/2014/main" id="{49DD9DEF-515F-4613-B0A2-804648D3051B}"/>
+                <a16:creationId xmlns:a16="http://schemas.microsoft.com/office/drawing/2014/main" xmlns="" id="{49DD9DEF-515F-4613-B0A2-804648D3051B}"/>
               </a:ext>
             </a:extLst>
           </p:cNvPr>
@@ -10110,7 +10106,7 @@
         </p:nvSpPr>
         <p:spPr>
           <a:xfrm>
-            <a:off x="6931752" y="3284714"/>
+            <a:off x="6931752" y="2735072"/>
             <a:ext cx="1584176" cy="1375268"/>
           </a:xfrm>
           <a:prstGeom prst="roundRect">
@@ -10159,21 +10155,21 @@
           <p:cNvPr id="114" name="직선 화살표 연결선 113">
             <a:extLst>
               <a:ext uri="{FF2B5EF4-FFF2-40B4-BE49-F238E27FC236}">
-                <a16:creationId xmlns:a16="http://schemas.microsoft.com/office/drawing/2014/main" xmlns="" id="{6B28761E-A6ED-418A-9384-3AEDDF0E8035}"/>
+                <a16:creationId xmlns="" xmlns:a16="http://schemas.microsoft.com/office/drawing/2014/main" id="{6B28761E-A6ED-418A-9384-3AEDDF0E8035}"/>
               </a:ext>
             </a:extLst>
           </p:cNvPr>
           <p:cNvCxnSpPr>
             <a:cxnSpLocks/>
-            <a:stCxn id="92" idx="0"/>
-            <a:endCxn id="89" idx="2"/>
+            <a:stCxn id="92" idx="2"/>
+            <a:endCxn id="89" idx="0"/>
           </p:cNvCxnSpPr>
           <p:nvPr/>
         </p:nvCxnSpPr>
         <p:spPr>
-          <a:xfrm flipV="1">
-            <a:off x="7723840" y="3151984"/>
-            <a:ext cx="0" cy="132730"/>
+          <a:xfrm>
+            <a:off x="7723840" y="4110340"/>
+            <a:ext cx="0" cy="149428"/>
           </a:xfrm>
           <a:prstGeom prst="straightConnector1">
             <a:avLst/>
@@ -10206,7 +10202,7 @@
           <p:cNvPr id="123" name="모서리가 둥근 직사각형 18">
             <a:extLst>
               <a:ext uri="{FF2B5EF4-FFF2-40B4-BE49-F238E27FC236}">
-                <a16:creationId xmlns="" xmlns:a16="http://schemas.microsoft.com/office/drawing/2014/main" id="{49DD9DEF-515F-4613-B0A2-804648D3051B}"/>
+                <a16:creationId xmlns:a16="http://schemas.microsoft.com/office/drawing/2014/main" xmlns="" id="{49DD9DEF-515F-4613-B0A2-804648D3051B}"/>
               </a:ext>
             </a:extLst>
           </p:cNvPr>
@@ -10215,7 +10211,7 @@
         </p:nvSpPr>
         <p:spPr>
           <a:xfrm>
-            <a:off x="7066533" y="3386412"/>
+            <a:off x="7066533" y="2814196"/>
             <a:ext cx="1331126" cy="366354"/>
           </a:xfrm>
           <a:prstGeom prst="roundRect">
@@ -10245,7 +10241,11 @@
             <a:pPr algn="ctr"/>
             <a:r>
               <a:rPr lang="en-US" altLang="ko-KR" sz="1400" dirty="0" smtClean="0"/>
-              <a:t>Yarn Child</a:t>
+              <a:t>YARN </a:t>
+            </a:r>
+            <a:r>
+              <a:rPr lang="en-US" altLang="ko-KR" sz="1400" dirty="0" smtClean="0"/>
+              <a:t>Child</a:t>
             </a:r>
             <a:endParaRPr lang="ko-KR" altLang="en-US" sz="1400" dirty="0"/>
           </a:p>
@@ -10256,7 +10256,7 @@
           <p:cNvPr id="130" name="모서리가 둥근 직사각형 18">
             <a:extLst>
               <a:ext uri="{FF2B5EF4-FFF2-40B4-BE49-F238E27FC236}">
-                <a16:creationId xmlns="" xmlns:a16="http://schemas.microsoft.com/office/drawing/2014/main" id="{49DD9DEF-515F-4613-B0A2-804648D3051B}"/>
+                <a16:creationId xmlns:a16="http://schemas.microsoft.com/office/drawing/2014/main" xmlns="" id="{49DD9DEF-515F-4613-B0A2-804648D3051B}"/>
               </a:ext>
             </a:extLst>
           </p:cNvPr>
@@ -10265,7 +10265,7 @@
         </p:nvSpPr>
         <p:spPr>
           <a:xfrm>
-            <a:off x="7066533" y="3965478"/>
+            <a:off x="7066533" y="3393262"/>
             <a:ext cx="1331126" cy="366354"/>
           </a:xfrm>
           <a:prstGeom prst="roundRect">
@@ -10306,7 +10306,7 @@
           <p:cNvPr id="145" name="직선 화살표 연결선 144">
             <a:extLst>
               <a:ext uri="{FF2B5EF4-FFF2-40B4-BE49-F238E27FC236}">
-                <a16:creationId xmlns:a16="http://schemas.microsoft.com/office/drawing/2014/main" xmlns="" id="{6B28761E-A6ED-418A-9384-3AEDDF0E8035}"/>
+                <a16:creationId xmlns="" xmlns:a16="http://schemas.microsoft.com/office/drawing/2014/main" id="{6B28761E-A6ED-418A-9384-3AEDDF0E8035}"/>
               </a:ext>
             </a:extLst>
           </p:cNvPr>
@@ -10351,7 +10351,7 @@
           <p:cNvPr id="151" name="직선 화살표 연결선 150">
             <a:extLst>
               <a:ext uri="{FF2B5EF4-FFF2-40B4-BE49-F238E27FC236}">
-                <a16:creationId xmlns:a16="http://schemas.microsoft.com/office/drawing/2014/main" xmlns="" id="{6B28761E-A6ED-418A-9384-3AEDDF0E8035}"/>
+                <a16:creationId xmlns="" xmlns:a16="http://schemas.microsoft.com/office/drawing/2014/main" id="{6B28761E-A6ED-418A-9384-3AEDDF0E8035}"/>
               </a:ext>
             </a:extLst>
           </p:cNvPr>
@@ -10398,7 +10398,7 @@
           <p:cNvPr id="155" name="직선 화살표 연결선 154">
             <a:extLst>
               <a:ext uri="{FF2B5EF4-FFF2-40B4-BE49-F238E27FC236}">
-                <a16:creationId xmlns:a16="http://schemas.microsoft.com/office/drawing/2014/main" xmlns="" id="{6B28761E-A6ED-418A-9384-3AEDDF0E8035}"/>
+                <a16:creationId xmlns="" xmlns:a16="http://schemas.microsoft.com/office/drawing/2014/main" id="{6B28761E-A6ED-418A-9384-3AEDDF0E8035}"/>
               </a:ext>
             </a:extLst>
           </p:cNvPr>
@@ -10410,9 +10410,9 @@
           <p:nvPr/>
         </p:nvCxnSpPr>
         <p:spPr>
-          <a:xfrm flipV="1">
-            <a:off x="3673145" y="2958993"/>
-            <a:ext cx="783607" cy="742092"/>
+          <a:xfrm>
+            <a:off x="3673145" y="3701085"/>
+            <a:ext cx="783607" cy="758790"/>
           </a:xfrm>
           <a:prstGeom prst="straightConnector1">
             <a:avLst/>
@@ -10445,7 +10445,7 @@
           <p:cNvPr id="159" name="직선 화살표 연결선 158">
             <a:extLst>
               <a:ext uri="{FF2B5EF4-FFF2-40B4-BE49-F238E27FC236}">
-                <a16:creationId xmlns:a16="http://schemas.microsoft.com/office/drawing/2014/main" xmlns="" id="{6B28761E-A6ED-418A-9384-3AEDDF0E8035}"/>
+                <a16:creationId xmlns="" xmlns:a16="http://schemas.microsoft.com/office/drawing/2014/main" id="{6B28761E-A6ED-418A-9384-3AEDDF0E8035}"/>
               </a:ext>
             </a:extLst>
           </p:cNvPr>
@@ -10457,9 +10457,9 @@
           <p:nvPr/>
         </p:nvCxnSpPr>
         <p:spPr>
-          <a:xfrm flipV="1">
-            <a:off x="5913422" y="2951877"/>
-            <a:ext cx="1018330" cy="916017"/>
+          <a:xfrm>
+            <a:off x="5913422" y="3320718"/>
+            <a:ext cx="1018330" cy="1139157"/>
           </a:xfrm>
           <a:prstGeom prst="straightConnector1">
             <a:avLst/>
@@ -10492,7 +10492,7 @@
           <p:cNvPr id="162" name="직선 화살표 연결선 161">
             <a:extLst>
               <a:ext uri="{FF2B5EF4-FFF2-40B4-BE49-F238E27FC236}">
-                <a16:creationId xmlns:a16="http://schemas.microsoft.com/office/drawing/2014/main" xmlns="" id="{6B28761E-A6ED-418A-9384-3AEDDF0E8035}"/>
+                <a16:creationId xmlns="" xmlns:a16="http://schemas.microsoft.com/office/drawing/2014/main" id="{6B28761E-A6ED-418A-9384-3AEDDF0E8035}"/>
               </a:ext>
             </a:extLst>
           </p:cNvPr>
@@ -10502,9 +10502,9 @@
           <p:nvPr/>
         </p:nvCxnSpPr>
         <p:spPr>
-          <a:xfrm flipH="1" flipV="1">
-            <a:off x="3673145" y="3701085"/>
-            <a:ext cx="909151" cy="94801"/>
+          <a:xfrm flipH="1">
+            <a:off x="3673146" y="3291830"/>
+            <a:ext cx="909150" cy="380368"/>
           </a:xfrm>
           <a:prstGeom prst="straightConnector1">
             <a:avLst/>
@@ -10513,8 +10513,8 @@
             <a:solidFill>
               <a:srgbClr val="C00000"/>
             </a:solidFill>
-            <a:headEnd type="none" w="med" len="med"/>
-            <a:tailEnd type="arrow" w="med" len="med"/>
+            <a:headEnd type="arrow" w="med" len="med"/>
+            <a:tailEnd type="none" w="med" len="med"/>
           </a:ln>
         </p:spPr>
         <p:style>
@@ -10537,20 +10537,21 @@
           <p:cNvPr id="165" name="직선 화살표 연결선 164">
             <a:extLst>
               <a:ext uri="{FF2B5EF4-FFF2-40B4-BE49-F238E27FC236}">
-                <a16:creationId xmlns:a16="http://schemas.microsoft.com/office/drawing/2014/main" xmlns="" id="{6B28761E-A6ED-418A-9384-3AEDDF0E8035}"/>
+                <a16:creationId xmlns="" xmlns:a16="http://schemas.microsoft.com/office/drawing/2014/main" id="{6B28761E-A6ED-418A-9384-3AEDDF0E8035}"/>
               </a:ext>
             </a:extLst>
           </p:cNvPr>
           <p:cNvCxnSpPr>
             <a:cxnSpLocks/>
             <a:stCxn id="95" idx="0"/>
+            <a:endCxn id="7" idx="1"/>
           </p:cNvCxnSpPr>
           <p:nvPr/>
         </p:nvCxnSpPr>
         <p:spPr>
           <a:xfrm flipV="1">
             <a:off x="5247859" y="2240428"/>
-            <a:ext cx="1268357" cy="1339434"/>
+            <a:ext cx="1268357" cy="792258"/>
           </a:xfrm>
           <a:prstGeom prst="straightConnector1">
             <a:avLst/>
@@ -10559,8 +10560,8 @@
             <a:solidFill>
               <a:srgbClr val="C00000"/>
             </a:solidFill>
-            <a:headEnd type="none" w="med" len="med"/>
-            <a:tailEnd type="arrow" w="med" len="med"/>
+            <a:headEnd type="arrow" w="med" len="med"/>
+            <a:tailEnd type="none" w="med" len="med"/>
           </a:ln>
         </p:spPr>
         <p:style>
@@ -10583,20 +10584,21 @@
           <p:cNvPr id="168" name="직선 화살표 연결선 167">
             <a:extLst>
               <a:ext uri="{FF2B5EF4-FFF2-40B4-BE49-F238E27FC236}">
-                <a16:creationId xmlns:a16="http://schemas.microsoft.com/office/drawing/2014/main" xmlns="" id="{6B28761E-A6ED-418A-9384-3AEDDF0E8035}"/>
+                <a16:creationId xmlns="" xmlns:a16="http://schemas.microsoft.com/office/drawing/2014/main" id="{6B28761E-A6ED-418A-9384-3AEDDF0E8035}"/>
               </a:ext>
             </a:extLst>
           </p:cNvPr>
           <p:cNvCxnSpPr>
             <a:cxnSpLocks/>
+            <a:stCxn id="7" idx="1"/>
             <a:endCxn id="123" idx="0"/>
           </p:cNvCxnSpPr>
           <p:nvPr/>
         </p:nvCxnSpPr>
         <p:spPr>
           <a:xfrm>
-            <a:off x="6732240" y="2240428"/>
-            <a:ext cx="999856" cy="1145984"/>
+            <a:off x="6516216" y="2240428"/>
+            <a:ext cx="1215880" cy="573768"/>
           </a:xfrm>
           <a:prstGeom prst="straightConnector1">
             <a:avLst/>
@@ -10605,8 +10607,8 @@
             <a:solidFill>
               <a:srgbClr val="C00000"/>
             </a:solidFill>
-            <a:headEnd type="none" w="med" len="med"/>
-            <a:tailEnd type="arrow" w="med" len="med"/>
+            <a:headEnd type="arrow" w="med" len="med"/>
+            <a:tailEnd type="none" w="med" len="med"/>
           </a:ln>
         </p:spPr>
         <p:style>
@@ -10629,7 +10631,7 @@
           <p:cNvPr id="172" name="직선 화살표 연결선 171">
             <a:extLst>
               <a:ext uri="{FF2B5EF4-FFF2-40B4-BE49-F238E27FC236}">
-                <a16:creationId xmlns:a16="http://schemas.microsoft.com/office/drawing/2014/main" xmlns="" id="{6B28761E-A6ED-418A-9384-3AEDDF0E8035}"/>
+                <a16:creationId xmlns="" xmlns:a16="http://schemas.microsoft.com/office/drawing/2014/main" id="{6B28761E-A6ED-418A-9384-3AEDDF0E8035}"/>
               </a:ext>
             </a:extLst>
           </p:cNvPr>
@@ -10642,7 +10644,7 @@
         </p:nvCxnSpPr>
         <p:spPr>
           <a:xfrm flipV="1">
-            <a:off x="7732096" y="3752766"/>
+            <a:off x="7732096" y="3180550"/>
             <a:ext cx="0" cy="212712"/>
           </a:xfrm>
           <a:prstGeom prst="straightConnector1">
@@ -10676,7 +10678,7 @@
           <p:cNvPr id="175" name="타원 174">
             <a:extLst>
               <a:ext uri="{FF2B5EF4-FFF2-40B4-BE49-F238E27FC236}">
-                <a16:creationId xmlns:a16="http://schemas.microsoft.com/office/drawing/2014/main" xmlns="" id="{5F83F9E5-52FB-4808-9C34-197CE38E96AE}"/>
+                <a16:creationId xmlns="" xmlns:a16="http://schemas.microsoft.com/office/drawing/2014/main" id="{5F83F9E5-52FB-4808-9C34-197CE38E96AE}"/>
               </a:ext>
             </a:extLst>
           </p:cNvPr>
@@ -10742,7 +10744,7 @@
           <p:cNvPr id="176" name="타원 175">
             <a:extLst>
               <a:ext uri="{FF2B5EF4-FFF2-40B4-BE49-F238E27FC236}">
-                <a16:creationId xmlns:a16="http://schemas.microsoft.com/office/drawing/2014/main" xmlns="" id="{5F83F9E5-52FB-4808-9C34-197CE38E96AE}"/>
+                <a16:creationId xmlns="" xmlns:a16="http://schemas.microsoft.com/office/drawing/2014/main" id="{5F83F9E5-52FB-4808-9C34-197CE38E96AE}"/>
               </a:ext>
             </a:extLst>
           </p:cNvPr>
@@ -10808,7 +10810,7 @@
           <p:cNvPr id="177" name="타원 176">
             <a:extLst>
               <a:ext uri="{FF2B5EF4-FFF2-40B4-BE49-F238E27FC236}">
-                <a16:creationId xmlns:a16="http://schemas.microsoft.com/office/drawing/2014/main" xmlns="" id="{5F83F9E5-52FB-4808-9C34-197CE38E96AE}"/>
+                <a16:creationId xmlns="" xmlns:a16="http://schemas.microsoft.com/office/drawing/2014/main" id="{5F83F9E5-52FB-4808-9C34-197CE38E96AE}"/>
               </a:ext>
             </a:extLst>
           </p:cNvPr>
@@ -10874,7 +10876,7 @@
           <p:cNvPr id="179" name="타원 178">
             <a:extLst>
               <a:ext uri="{FF2B5EF4-FFF2-40B4-BE49-F238E27FC236}">
-                <a16:creationId xmlns:a16="http://schemas.microsoft.com/office/drawing/2014/main" xmlns="" id="{5F83F9E5-52FB-4808-9C34-197CE38E96AE}"/>
+                <a16:creationId xmlns="" xmlns:a16="http://schemas.microsoft.com/office/drawing/2014/main" id="{5F83F9E5-52FB-4808-9C34-197CE38E96AE}"/>
               </a:ext>
             </a:extLst>
           </p:cNvPr>
@@ -10935,57 +10937,12 @@
           </a:p>
         </p:txBody>
       </p:sp>
-      <p:cxnSp>
-        <p:nvCxnSpPr>
-          <p:cNvPr id="180" name="직선 화살표 연결선 179">
-            <a:extLst>
-              <a:ext uri="{FF2B5EF4-FFF2-40B4-BE49-F238E27FC236}">
-                <a16:creationId xmlns:a16="http://schemas.microsoft.com/office/drawing/2014/main" xmlns="" id="{6B28761E-A6ED-418A-9384-3AEDDF0E8035}"/>
-              </a:ext>
-            </a:extLst>
-          </p:cNvPr>
-          <p:cNvCxnSpPr>
-            <a:cxnSpLocks/>
-          </p:cNvCxnSpPr>
-          <p:nvPr/>
-        </p:nvCxnSpPr>
-        <p:spPr>
-          <a:xfrm flipH="1" flipV="1">
-            <a:off x="3673145" y="3845101"/>
-            <a:ext cx="909151" cy="94801"/>
-          </a:xfrm>
-          <a:prstGeom prst="straightConnector1">
-            <a:avLst/>
-          </a:prstGeom>
-          <a:ln w="28575">
-            <a:solidFill>
-              <a:srgbClr val="C00000"/>
-            </a:solidFill>
-            <a:headEnd type="arrow" w="med" len="med"/>
-            <a:tailEnd type="none" w="med" len="med"/>
-          </a:ln>
-        </p:spPr>
-        <p:style>
-          <a:lnRef idx="1">
-            <a:schemeClr val="accent1"/>
-          </a:lnRef>
-          <a:fillRef idx="0">
-            <a:schemeClr val="accent1"/>
-          </a:fillRef>
-          <a:effectRef idx="0">
-            <a:schemeClr val="accent1"/>
-          </a:effectRef>
-          <a:fontRef idx="minor">
-            <a:schemeClr val="tx1"/>
-          </a:fontRef>
-        </p:style>
-      </p:cxnSp>
       <p:sp>
         <p:nvSpPr>
           <p:cNvPr id="181" name="타원 180">
             <a:extLst>
               <a:ext uri="{FF2B5EF4-FFF2-40B4-BE49-F238E27FC236}">
-                <a16:creationId xmlns:a16="http://schemas.microsoft.com/office/drawing/2014/main" xmlns="" id="{5F83F9E5-52FB-4808-9C34-197CE38E96AE}"/>
+                <a16:creationId xmlns="" xmlns:a16="http://schemas.microsoft.com/office/drawing/2014/main" id="{5F83F9E5-52FB-4808-9C34-197CE38E96AE}"/>
               </a:ext>
             </a:extLst>
           </p:cNvPr>
@@ -10994,7 +10951,7 @@
         </p:nvSpPr>
         <p:spPr>
           <a:xfrm>
-            <a:off x="3779912" y="3128632"/>
+            <a:off x="3845526" y="4058342"/>
             <a:ext cx="288032" cy="288032"/>
           </a:xfrm>
           <a:prstGeom prst="ellipse">
@@ -11051,7 +11008,7 @@
           <p:cNvPr id="182" name="직선 화살표 연결선 181">
             <a:extLst>
               <a:ext uri="{FF2B5EF4-FFF2-40B4-BE49-F238E27FC236}">
-                <a16:creationId xmlns:a16="http://schemas.microsoft.com/office/drawing/2014/main" xmlns="" id="{6B28761E-A6ED-418A-9384-3AEDDF0E8035}"/>
+                <a16:creationId xmlns="" xmlns:a16="http://schemas.microsoft.com/office/drawing/2014/main" id="{6B28761E-A6ED-418A-9384-3AEDDF0E8035}"/>
               </a:ext>
             </a:extLst>
           </p:cNvPr>
@@ -11096,7 +11053,7 @@
           <p:cNvPr id="183" name="타원 182">
             <a:extLst>
               <a:ext uri="{FF2B5EF4-FFF2-40B4-BE49-F238E27FC236}">
-                <a16:creationId xmlns:a16="http://schemas.microsoft.com/office/drawing/2014/main" xmlns="" id="{5F83F9E5-52FB-4808-9C34-197CE38E96AE}"/>
+                <a16:creationId xmlns="" xmlns:a16="http://schemas.microsoft.com/office/drawing/2014/main" id="{5F83F9E5-52FB-4808-9C34-197CE38E96AE}"/>
               </a:ext>
             </a:extLst>
           </p:cNvPr>
@@ -11162,7 +11119,7 @@
           <p:cNvPr id="184" name="타원 183">
             <a:extLst>
               <a:ext uri="{FF2B5EF4-FFF2-40B4-BE49-F238E27FC236}">
-                <a16:creationId xmlns:a16="http://schemas.microsoft.com/office/drawing/2014/main" xmlns="" id="{5F83F9E5-52FB-4808-9C34-197CE38E96AE}"/>
+                <a16:creationId xmlns="" xmlns:a16="http://schemas.microsoft.com/office/drawing/2014/main" id="{5F83F9E5-52FB-4808-9C34-197CE38E96AE}"/>
               </a:ext>
             </a:extLst>
           </p:cNvPr>
@@ -11171,7 +11128,7 @@
         </p:nvSpPr>
         <p:spPr>
           <a:xfrm>
-            <a:off x="4957616" y="3219822"/>
+            <a:off x="5298474" y="4024698"/>
             <a:ext cx="288032" cy="288032"/>
           </a:xfrm>
           <a:prstGeom prst="ellipse">
@@ -11228,7 +11185,7 @@
           <p:cNvPr id="185" name="타원 184">
             <a:extLst>
               <a:ext uri="{FF2B5EF4-FFF2-40B4-BE49-F238E27FC236}">
-                <a16:creationId xmlns:a16="http://schemas.microsoft.com/office/drawing/2014/main" xmlns="" id="{5F83F9E5-52FB-4808-9C34-197CE38E96AE}"/>
+                <a16:creationId xmlns="" xmlns:a16="http://schemas.microsoft.com/office/drawing/2014/main" id="{5F83F9E5-52FB-4808-9C34-197CE38E96AE}"/>
               </a:ext>
             </a:extLst>
           </p:cNvPr>
@@ -11237,7 +11194,7 @@
         </p:nvSpPr>
         <p:spPr>
           <a:xfrm>
-            <a:off x="3995936" y="3469490"/>
+            <a:off x="5436096" y="2368514"/>
             <a:ext cx="288032" cy="288032"/>
           </a:xfrm>
           <a:prstGeom prst="ellipse">
@@ -11291,10 +11248,10 @@
       </p:sp>
       <p:sp>
         <p:nvSpPr>
-          <p:cNvPr id="186" name="타원 185">
+          <p:cNvPr id="191" name="타원 190">
             <a:extLst>
               <a:ext uri="{FF2B5EF4-FFF2-40B4-BE49-F238E27FC236}">
-                <a16:creationId xmlns:a16="http://schemas.microsoft.com/office/drawing/2014/main" xmlns="" id="{5F83F9E5-52FB-4808-9C34-197CE38E96AE}"/>
+                <a16:creationId xmlns="" xmlns:a16="http://schemas.microsoft.com/office/drawing/2014/main" id="{5F83F9E5-52FB-4808-9C34-197CE38E96AE}"/>
               </a:ext>
             </a:extLst>
           </p:cNvPr>
@@ -11303,8 +11260,8 @@
         </p:nvSpPr>
         <p:spPr>
           <a:xfrm>
-            <a:off x="3996492" y="3886513"/>
-            <a:ext cx="288032" cy="288032"/>
+            <a:off x="6255434" y="3525927"/>
+            <a:ext cx="504056" cy="284421"/>
           </a:xfrm>
           <a:prstGeom prst="ellipse">
             <a:avLst/>
@@ -11340,14 +11297,22 @@
           <a:p>
             <a:pPr algn="ctr"/>
             <a:r>
-              <a:rPr lang="en-US" altLang="ko-KR" sz="1600" dirty="0">
+              <a:rPr lang="en-US" altLang="ko-KR" sz="1100" dirty="0" smtClean="0">
                 <a:solidFill>
                   <a:srgbClr val="C00000"/>
                 </a:solidFill>
               </a:rPr>
-              <a:t>9</a:t>
-            </a:r>
-            <a:endParaRPr lang="ko-KR" altLang="en-US" sz="1600" dirty="0">
+              <a:t>1</a:t>
+            </a:r>
+            <a:r>
+              <a:rPr lang="en-US" altLang="ko-KR" sz="1100" dirty="0">
+                <a:solidFill>
+                  <a:srgbClr val="C00000"/>
+                </a:solidFill>
+              </a:rPr>
+              <a:t>2</a:t>
+            </a:r>
+            <a:endParaRPr lang="ko-KR" altLang="en-US" sz="1100" dirty="0">
               <a:solidFill>
                 <a:srgbClr val="C00000"/>
               </a:solidFill>
@@ -11355,57 +11320,12 @@
           </a:p>
         </p:txBody>
       </p:sp>
-      <p:cxnSp>
-        <p:nvCxnSpPr>
-          <p:cNvPr id="188" name="직선 화살표 연결선 187">
+      <p:sp>
+        <p:nvSpPr>
+          <p:cNvPr id="192" name="타원 191">
             <a:extLst>
               <a:ext uri="{FF2B5EF4-FFF2-40B4-BE49-F238E27FC236}">
-                <a16:creationId xmlns:a16="http://schemas.microsoft.com/office/drawing/2014/main" xmlns="" id="{6B28761E-A6ED-418A-9384-3AEDDF0E8035}"/>
-              </a:ext>
-            </a:extLst>
-          </p:cNvPr>
-          <p:cNvCxnSpPr>
-            <a:cxnSpLocks/>
-          </p:cNvCxnSpPr>
-          <p:nvPr/>
-        </p:nvCxnSpPr>
-        <p:spPr>
-          <a:xfrm flipV="1">
-            <a:off x="5390016" y="2240428"/>
-            <a:ext cx="1342224" cy="1341239"/>
-          </a:xfrm>
-          <a:prstGeom prst="straightConnector1">
-            <a:avLst/>
-          </a:prstGeom>
-          <a:ln w="28575">
-            <a:solidFill>
-              <a:srgbClr val="C00000"/>
-            </a:solidFill>
-            <a:headEnd type="arrow" w="med" len="med"/>
-            <a:tailEnd type="none" w="med" len="med"/>
-          </a:ln>
-        </p:spPr>
-        <p:style>
-          <a:lnRef idx="1">
-            <a:schemeClr val="accent1"/>
-          </a:lnRef>
-          <a:fillRef idx="0">
-            <a:schemeClr val="accent1"/>
-          </a:fillRef>
-          <a:effectRef idx="0">
-            <a:schemeClr val="accent1"/>
-          </a:effectRef>
-          <a:fontRef idx="minor">
-            <a:schemeClr val="tx1"/>
-          </a:fontRef>
-        </p:style>
-      </p:cxnSp>
-      <p:sp>
-        <p:nvSpPr>
-          <p:cNvPr id="191" name="타원 190">
-            <a:extLst>
-              <a:ext uri="{FF2B5EF4-FFF2-40B4-BE49-F238E27FC236}">
-                <a16:creationId xmlns:a16="http://schemas.microsoft.com/office/drawing/2014/main" xmlns="" id="{5F83F9E5-52FB-4808-9C34-197CE38E96AE}"/>
+                <a16:creationId xmlns="" xmlns:a16="http://schemas.microsoft.com/office/drawing/2014/main" id="{5F83F9E5-52FB-4808-9C34-197CE38E96AE}"/>
               </a:ext>
             </a:extLst>
           </p:cNvPr>
@@ -11414,7 +11334,7 @@
         </p:nvSpPr>
         <p:spPr>
           <a:xfrm>
-            <a:off x="6281010" y="3439457"/>
+            <a:off x="7773996" y="4041097"/>
             <a:ext cx="504056" cy="284421"/>
           </a:xfrm>
           <a:prstGeom prst="ellipse">
@@ -11456,15 +11376,7 @@
                   <a:srgbClr val="C00000"/>
                 </a:solidFill>
               </a:rPr>
-              <a:t>1</a:t>
-            </a:r>
-            <a:r>
-              <a:rPr lang="en-US" altLang="ko-KR" sz="1100" dirty="0">
-                <a:solidFill>
-                  <a:srgbClr val="C00000"/>
-                </a:solidFill>
-              </a:rPr>
-              <a:t>2</a:t>
+              <a:t>13</a:t>
             </a:r>
             <a:endParaRPr lang="ko-KR" altLang="en-US" sz="1100" dirty="0">
               <a:solidFill>
@@ -11476,10 +11388,10 @@
       </p:sp>
       <p:sp>
         <p:nvSpPr>
-          <p:cNvPr id="192" name="타원 191">
+          <p:cNvPr id="193" name="타원 192">
             <a:extLst>
               <a:ext uri="{FF2B5EF4-FFF2-40B4-BE49-F238E27FC236}">
-                <a16:creationId xmlns:a16="http://schemas.microsoft.com/office/drawing/2014/main" xmlns="" id="{5F83F9E5-52FB-4808-9C34-197CE38E96AE}"/>
+                <a16:creationId xmlns="" xmlns:a16="http://schemas.microsoft.com/office/drawing/2014/main" id="{5F83F9E5-52FB-4808-9C34-197CE38E96AE}"/>
               </a:ext>
             </a:extLst>
           </p:cNvPr>
@@ -11488,7 +11400,7 @@
         </p:nvSpPr>
         <p:spPr>
           <a:xfrm>
-            <a:off x="7780390" y="3060235"/>
+            <a:off x="6617361" y="2448795"/>
             <a:ext cx="504056" cy="284421"/>
           </a:xfrm>
           <a:prstGeom prst="ellipse">
@@ -11530,7 +11442,7 @@
                   <a:srgbClr val="C00000"/>
                 </a:solidFill>
               </a:rPr>
-              <a:t>13</a:t>
+              <a:t>14</a:t>
             </a:r>
             <a:endParaRPr lang="ko-KR" altLang="en-US" sz="1100" dirty="0">
               <a:solidFill>
@@ -11542,10 +11454,10 @@
       </p:sp>
       <p:sp>
         <p:nvSpPr>
-          <p:cNvPr id="193" name="타원 192">
+          <p:cNvPr id="194" name="타원 193">
             <a:extLst>
               <a:ext uri="{FF2B5EF4-FFF2-40B4-BE49-F238E27FC236}">
-                <a16:creationId xmlns:a16="http://schemas.microsoft.com/office/drawing/2014/main" xmlns="" id="{5F83F9E5-52FB-4808-9C34-197CE38E96AE}"/>
+                <a16:creationId xmlns="" xmlns:a16="http://schemas.microsoft.com/office/drawing/2014/main" id="{5F83F9E5-52FB-4808-9C34-197CE38E96AE}"/>
               </a:ext>
             </a:extLst>
           </p:cNvPr>
@@ -11554,7 +11466,7 @@
         </p:nvSpPr>
         <p:spPr>
           <a:xfrm>
-            <a:off x="6929082" y="2283718"/>
+            <a:off x="7219784" y="2242891"/>
             <a:ext cx="504056" cy="284421"/>
           </a:xfrm>
           <a:prstGeom prst="ellipse">
@@ -11596,7 +11508,7 @@
                   <a:srgbClr val="C00000"/>
                 </a:solidFill>
               </a:rPr>
-              <a:t>14</a:t>
+              <a:t>15</a:t>
             </a:r>
             <a:endParaRPr lang="ko-KR" altLang="en-US" sz="1100" dirty="0">
               <a:solidFill>
@@ -11608,10 +11520,10 @@
       </p:sp>
       <p:sp>
         <p:nvSpPr>
-          <p:cNvPr id="194" name="타원 193">
+          <p:cNvPr id="198" name="타원 197">
             <a:extLst>
               <a:ext uri="{FF2B5EF4-FFF2-40B4-BE49-F238E27FC236}">
-                <a16:creationId xmlns:a16="http://schemas.microsoft.com/office/drawing/2014/main" xmlns="" id="{5F83F9E5-52FB-4808-9C34-197CE38E96AE}"/>
+                <a16:creationId xmlns="" xmlns:a16="http://schemas.microsoft.com/office/drawing/2014/main" id="{5F83F9E5-52FB-4808-9C34-197CE38E96AE}"/>
               </a:ext>
             </a:extLst>
           </p:cNvPr>
@@ -11620,7 +11532,7 @@
         </p:nvSpPr>
         <p:spPr>
           <a:xfrm>
-            <a:off x="7786784" y="3723878"/>
+            <a:off x="3707904" y="3074132"/>
             <a:ext cx="504056" cy="284421"/>
           </a:xfrm>
           <a:prstGeom prst="ellipse">
@@ -11662,7 +11574,7 @@
                   <a:srgbClr val="C00000"/>
                 </a:solidFill>
               </a:rPr>
-              <a:t>15</a:t>
+              <a:t>10</a:t>
             </a:r>
             <a:endParaRPr lang="ko-KR" altLang="en-US" sz="1100" dirty="0">
               <a:solidFill>
@@ -11674,10 +11586,10 @@
       </p:sp>
       <p:sp>
         <p:nvSpPr>
-          <p:cNvPr id="198" name="타원 197">
+          <p:cNvPr id="199" name="타원 198">
             <a:extLst>
               <a:ext uri="{FF2B5EF4-FFF2-40B4-BE49-F238E27FC236}">
-                <a16:creationId xmlns:a16="http://schemas.microsoft.com/office/drawing/2014/main" xmlns="" id="{5F83F9E5-52FB-4808-9C34-197CE38E96AE}"/>
+                <a16:creationId xmlns="" xmlns:a16="http://schemas.microsoft.com/office/drawing/2014/main" id="{5F83F9E5-52FB-4808-9C34-197CE38E96AE}"/>
               </a:ext>
             </a:extLst>
           </p:cNvPr>
@@ -11686,7 +11598,7 @@
         </p:nvSpPr>
         <p:spPr>
           <a:xfrm>
-            <a:off x="5804204" y="2283718"/>
+            <a:off x="3995936" y="3466707"/>
             <a:ext cx="504056" cy="284421"/>
           </a:xfrm>
           <a:prstGeom prst="ellipse">
@@ -11728,7 +11640,7 @@
                   <a:srgbClr val="C00000"/>
                 </a:solidFill>
               </a:rPr>
-              <a:t>10</a:t>
+              <a:t>11</a:t>
             </a:r>
             <a:endParaRPr lang="ko-KR" altLang="en-US" sz="1100" dirty="0">
               <a:solidFill>
@@ -11738,12 +11650,102 @@
           </a:p>
         </p:txBody>
       </p:sp>
-      <p:sp>
-        <p:nvSpPr>
-          <p:cNvPr id="199" name="타원 198">
+      <p:cxnSp>
+        <p:nvCxnSpPr>
+          <p:cNvPr id="64" name="직선 화살표 연결선 63">
             <a:extLst>
               <a:ext uri="{FF2B5EF4-FFF2-40B4-BE49-F238E27FC236}">
-                <a16:creationId xmlns:a16="http://schemas.microsoft.com/office/drawing/2014/main" xmlns="" id="{5F83F9E5-52FB-4808-9C34-197CE38E96AE}"/>
+                <a16:creationId xmlns="" xmlns:a16="http://schemas.microsoft.com/office/drawing/2014/main" id="{6B28761E-A6ED-418A-9384-3AEDDF0E8035}"/>
+              </a:ext>
+            </a:extLst>
+          </p:cNvPr>
+          <p:cNvCxnSpPr>
+            <a:cxnSpLocks/>
+          </p:cNvCxnSpPr>
+          <p:nvPr/>
+        </p:nvCxnSpPr>
+        <p:spPr>
+          <a:xfrm flipH="1">
+            <a:off x="3673146" y="3130534"/>
+            <a:ext cx="909150" cy="380368"/>
+          </a:xfrm>
+          <a:prstGeom prst="straightConnector1">
+            <a:avLst/>
+          </a:prstGeom>
+          <a:ln w="28575">
+            <a:solidFill>
+              <a:srgbClr val="C00000"/>
+            </a:solidFill>
+            <a:headEnd type="none" w="med" len="med"/>
+            <a:tailEnd type="arrow" w="med" len="med"/>
+          </a:ln>
+        </p:spPr>
+        <p:style>
+          <a:lnRef idx="1">
+            <a:schemeClr val="accent1"/>
+          </a:lnRef>
+          <a:fillRef idx="0">
+            <a:schemeClr val="accent1"/>
+          </a:fillRef>
+          <a:effectRef idx="0">
+            <a:schemeClr val="accent1"/>
+          </a:effectRef>
+          <a:fontRef idx="minor">
+            <a:schemeClr val="tx1"/>
+          </a:fontRef>
+        </p:style>
+      </p:cxnSp>
+      <p:cxnSp>
+        <p:nvCxnSpPr>
+          <p:cNvPr id="70" name="직선 화살표 연결선 69">
+            <a:extLst>
+              <a:ext uri="{FF2B5EF4-FFF2-40B4-BE49-F238E27FC236}">
+                <a16:creationId xmlns="" xmlns:a16="http://schemas.microsoft.com/office/drawing/2014/main" id="{6B28761E-A6ED-418A-9384-3AEDDF0E8035}"/>
+              </a:ext>
+            </a:extLst>
+          </p:cNvPr>
+          <p:cNvCxnSpPr>
+            <a:cxnSpLocks/>
+          </p:cNvCxnSpPr>
+          <p:nvPr/>
+        </p:nvCxnSpPr>
+        <p:spPr>
+          <a:xfrm flipV="1">
+            <a:off x="5020751" y="2188526"/>
+            <a:ext cx="1351449" cy="844160"/>
+          </a:xfrm>
+          <a:prstGeom prst="straightConnector1">
+            <a:avLst/>
+          </a:prstGeom>
+          <a:ln w="28575">
+            <a:solidFill>
+              <a:srgbClr val="C00000"/>
+            </a:solidFill>
+            <a:headEnd type="none" w="med" len="med"/>
+            <a:tailEnd type="arrow" w="med" len="med"/>
+          </a:ln>
+        </p:spPr>
+        <p:style>
+          <a:lnRef idx="1">
+            <a:schemeClr val="accent1"/>
+          </a:lnRef>
+          <a:fillRef idx="0">
+            <a:schemeClr val="accent1"/>
+          </a:fillRef>
+          <a:effectRef idx="0">
+            <a:schemeClr val="accent1"/>
+          </a:effectRef>
+          <a:fontRef idx="minor">
+            <a:schemeClr val="tx1"/>
+          </a:fontRef>
+        </p:style>
+      </p:cxnSp>
+      <p:sp>
+        <p:nvSpPr>
+          <p:cNvPr id="74" name="타원 73">
+            <a:extLst>
+              <a:ext uri="{FF2B5EF4-FFF2-40B4-BE49-F238E27FC236}">
+                <a16:creationId xmlns="" xmlns:a16="http://schemas.microsoft.com/office/drawing/2014/main" id="{5F83F9E5-52FB-4808-9C34-197CE38E96AE}"/>
               </a:ext>
             </a:extLst>
           </p:cNvPr>
@@ -11752,8 +11754,8 @@
         </p:nvSpPr>
         <p:spPr>
           <a:xfrm>
-            <a:off x="6372200" y="2478886"/>
-            <a:ext cx="504056" cy="284421"/>
+            <a:off x="5868144" y="2571750"/>
+            <a:ext cx="288032" cy="288032"/>
           </a:xfrm>
           <a:prstGeom prst="ellipse">
             <a:avLst/>
@@ -11789,12 +11791,123 @@
           <a:p>
             <a:pPr algn="ctr"/>
             <a:r>
+              <a:rPr lang="en-US" altLang="ko-KR" sz="1600" dirty="0">
+                <a:solidFill>
+                  <a:srgbClr val="C00000"/>
+                </a:solidFill>
+              </a:rPr>
+              <a:t>9</a:t>
+            </a:r>
+            <a:endParaRPr lang="ko-KR" altLang="en-US" sz="1600" dirty="0">
+              <a:solidFill>
+                <a:srgbClr val="C00000"/>
+              </a:solidFill>
+            </a:endParaRPr>
+          </a:p>
+        </p:txBody>
+      </p:sp>
+      <p:cxnSp>
+        <p:nvCxnSpPr>
+          <p:cNvPr id="76" name="직선 화살표 연결선 75">
+            <a:extLst>
+              <a:ext uri="{FF2B5EF4-FFF2-40B4-BE49-F238E27FC236}">
+                <a16:creationId xmlns="" xmlns:a16="http://schemas.microsoft.com/office/drawing/2014/main" id="{6B28761E-A6ED-418A-9384-3AEDDF0E8035}"/>
+              </a:ext>
+            </a:extLst>
+          </p:cNvPr>
+          <p:cNvCxnSpPr>
+            <a:cxnSpLocks/>
+          </p:cNvCxnSpPr>
+          <p:nvPr/>
+        </p:nvCxnSpPr>
+        <p:spPr>
+          <a:xfrm>
+            <a:off x="6732240" y="2221490"/>
+            <a:ext cx="1256012" cy="592706"/>
+          </a:xfrm>
+          <a:prstGeom prst="straightConnector1">
+            <a:avLst/>
+          </a:prstGeom>
+          <a:ln w="28575">
+            <a:solidFill>
+              <a:srgbClr val="C00000"/>
+            </a:solidFill>
+            <a:headEnd type="none" w="med" len="med"/>
+            <a:tailEnd type="arrow" w="med" len="med"/>
+          </a:ln>
+        </p:spPr>
+        <p:style>
+          <a:lnRef idx="1">
+            <a:schemeClr val="accent1"/>
+          </a:lnRef>
+          <a:fillRef idx="0">
+            <a:schemeClr val="accent1"/>
+          </a:fillRef>
+          <a:effectRef idx="0">
+            <a:schemeClr val="accent1"/>
+          </a:effectRef>
+          <a:fontRef idx="minor">
+            <a:schemeClr val="tx1"/>
+          </a:fontRef>
+        </p:style>
+      </p:cxnSp>
+      <p:sp>
+        <p:nvSpPr>
+          <p:cNvPr id="83" name="타원 82">
+            <a:extLst>
+              <a:ext uri="{FF2B5EF4-FFF2-40B4-BE49-F238E27FC236}">
+                <a16:creationId xmlns="" xmlns:a16="http://schemas.microsoft.com/office/drawing/2014/main" id="{5F83F9E5-52FB-4808-9C34-197CE38E96AE}"/>
+              </a:ext>
+            </a:extLst>
+          </p:cNvPr>
+          <p:cNvSpPr/>
+          <p:nvPr/>
+        </p:nvSpPr>
+        <p:spPr>
+          <a:xfrm>
+            <a:off x="7788804" y="3150233"/>
+            <a:ext cx="504056" cy="284421"/>
+          </a:xfrm>
+          <a:prstGeom prst="ellipse">
+            <a:avLst/>
+          </a:prstGeom>
+          <a:solidFill>
+            <a:schemeClr val="bg1"/>
+          </a:solidFill>
+          <a:ln>
+            <a:solidFill>
+              <a:srgbClr val="C00000"/>
+            </a:solidFill>
+          </a:ln>
+        </p:spPr>
+        <p:style>
+          <a:lnRef idx="2">
+            <a:schemeClr val="accent1">
+              <a:shade val="50000"/>
+            </a:schemeClr>
+          </a:lnRef>
+          <a:fillRef idx="1">
+            <a:schemeClr val="accent1"/>
+          </a:fillRef>
+          <a:effectRef idx="0">
+            <a:schemeClr val="accent1"/>
+          </a:effectRef>
+          <a:fontRef idx="minor">
+            <a:schemeClr val="lt1"/>
+          </a:fontRef>
+        </p:style>
+        <p:txBody>
+          <a:bodyPr rtlCol="0" anchor="ctr"/>
+          <a:lstStyle/>
+          <a:p>
+            <a:pPr algn="ctr"/>
+            <a:r>
               <a:rPr lang="en-US" altLang="ko-KR" sz="1100" dirty="0" smtClean="0">
                 <a:solidFill>
                   <a:srgbClr val="C00000"/>
                 </a:solidFill>
               </a:rPr>
-              <a:t>11</a:t>
+              <a:t>16</a:t>
             </a:r>
             <a:endParaRPr lang="ko-KR" altLang="en-US" sz="1100" dirty="0">
               <a:solidFill>
@@ -11907,7 +12020,7 @@
           <p:cNvPr id="2" name="제목 1">
             <a:extLst>
               <a:ext uri="{FF2B5EF4-FFF2-40B4-BE49-F238E27FC236}">
-                <a16:creationId xmlns:a16="http://schemas.microsoft.com/office/drawing/2014/main" xmlns="" id="{8738443D-5E72-49E2-86AC-581D61C41C39}"/>
+                <a16:creationId xmlns="" xmlns:a16="http://schemas.microsoft.com/office/drawing/2014/main" id="{8738443D-5E72-49E2-86AC-581D61C41C39}"/>
               </a:ext>
             </a:extLst>
           </p:cNvPr>
@@ -11941,7 +12054,7 @@
           <p:cNvPr id="11" name="그룹 10">
             <a:extLst>
               <a:ext uri="{FF2B5EF4-FFF2-40B4-BE49-F238E27FC236}">
-                <a16:creationId xmlns:a16="http://schemas.microsoft.com/office/drawing/2014/main" xmlns="" id="{A3600E39-BA08-4E0B-B5FE-308568D4E97E}"/>
+                <a16:creationId xmlns="" xmlns:a16="http://schemas.microsoft.com/office/drawing/2014/main" id="{A3600E39-BA08-4E0B-B5FE-308568D4E97E}"/>
               </a:ext>
             </a:extLst>
           </p:cNvPr>
@@ -11961,7 +12074,7 @@
             <p:cNvPr id="4" name="모서리가 둥근 직사각형 18">
               <a:extLst>
                 <a:ext uri="{FF2B5EF4-FFF2-40B4-BE49-F238E27FC236}">
-                  <a16:creationId xmlns:a16="http://schemas.microsoft.com/office/drawing/2014/main" xmlns="" id="{90910971-3F87-488C-9CD0-4E04E8DEA3B0}"/>
+                  <a16:creationId xmlns="" xmlns:a16="http://schemas.microsoft.com/office/drawing/2014/main" id="{90910971-3F87-488C-9CD0-4E04E8DEA3B0}"/>
                 </a:ext>
               </a:extLst>
             </p:cNvPr>
@@ -12011,7 +12124,7 @@
             <p:cNvPr id="6" name="모서리가 둥근 직사각형 18">
               <a:extLst>
                 <a:ext uri="{FF2B5EF4-FFF2-40B4-BE49-F238E27FC236}">
-                  <a16:creationId xmlns:a16="http://schemas.microsoft.com/office/drawing/2014/main" xmlns="" id="{F5302ADF-D203-4131-A3B2-4F84C5314C62}"/>
+                  <a16:creationId xmlns="" xmlns:a16="http://schemas.microsoft.com/office/drawing/2014/main" id="{F5302ADF-D203-4131-A3B2-4F84C5314C62}"/>
                 </a:ext>
               </a:extLst>
             </p:cNvPr>
@@ -12062,6 +12175,1706 @@
           <p:cNvPr id="30" name="타원 29">
             <a:extLst>
               <a:ext uri="{FF2B5EF4-FFF2-40B4-BE49-F238E27FC236}">
+                <a16:creationId xmlns="" xmlns:a16="http://schemas.microsoft.com/office/drawing/2014/main" id="{0006BDA6-9444-4FFD-B5BD-EED6E274CFFA}"/>
+              </a:ext>
+            </a:extLst>
+          </p:cNvPr>
+          <p:cNvSpPr/>
+          <p:nvPr/>
+        </p:nvSpPr>
+        <p:spPr>
+          <a:xfrm>
+            <a:off x="3923928" y="1419622"/>
+            <a:ext cx="1368152" cy="576064"/>
+          </a:xfrm>
+          <a:prstGeom prst="ellipse">
+            <a:avLst/>
+          </a:prstGeom>
+        </p:spPr>
+        <p:style>
+          <a:lnRef idx="2">
+            <a:schemeClr val="dk1"/>
+          </a:lnRef>
+          <a:fillRef idx="1">
+            <a:schemeClr val="lt1"/>
+          </a:fillRef>
+          <a:effectRef idx="0">
+            <a:schemeClr val="dk1"/>
+          </a:effectRef>
+          <a:fontRef idx="minor">
+            <a:schemeClr val="dk1"/>
+          </a:fontRef>
+        </p:style>
+        <p:txBody>
+          <a:bodyPr rtlCol="0" anchor="ctr"/>
+          <a:lstStyle/>
+          <a:p>
+            <a:pPr algn="ctr"/>
+            <a:r>
+              <a:rPr lang="en-US" altLang="ko-KR" sz="1400"/>
+              <a:t>Client</a:t>
+            </a:r>
+            <a:endParaRPr lang="ko-KR" altLang="en-US" sz="1400"/>
+          </a:p>
+        </p:txBody>
+      </p:sp>
+      <p:grpSp>
+        <p:nvGrpSpPr>
+          <p:cNvPr id="33" name="그룹 32">
+            <a:extLst>
+              <a:ext uri="{FF2B5EF4-FFF2-40B4-BE49-F238E27FC236}">
+                <a16:creationId xmlns="" xmlns:a16="http://schemas.microsoft.com/office/drawing/2014/main" id="{9A86C010-2B27-4338-B55B-6A29AE919A29}"/>
+              </a:ext>
+            </a:extLst>
+          </p:cNvPr>
+          <p:cNvGrpSpPr/>
+          <p:nvPr/>
+        </p:nvGrpSpPr>
+        <p:grpSpPr>
+          <a:xfrm>
+            <a:off x="5740640" y="2499742"/>
+            <a:ext cx="1855696" cy="2232248"/>
+            <a:chOff x="4588512" y="2715766"/>
+            <a:chExt cx="1855696" cy="2232248"/>
+          </a:xfrm>
+        </p:grpSpPr>
+        <p:sp>
+          <p:nvSpPr>
+            <p:cNvPr id="25" name="모서리가 둥근 직사각형 18">
+              <a:extLst>
+                <a:ext uri="{FF2B5EF4-FFF2-40B4-BE49-F238E27FC236}">
+                  <a16:creationId xmlns="" xmlns:a16="http://schemas.microsoft.com/office/drawing/2014/main" id="{6AEE18CE-E129-4D51-AA94-179034642DC8}"/>
+                </a:ext>
+              </a:extLst>
+            </p:cNvPr>
+            <p:cNvSpPr/>
+            <p:nvPr/>
+          </p:nvSpPr>
+          <p:spPr>
+            <a:xfrm>
+              <a:off x="4588512" y="2715766"/>
+              <a:ext cx="1855696" cy="2232248"/>
+            </a:xfrm>
+            <a:prstGeom prst="roundRect">
+              <a:avLst>
+                <a:gd name="adj" fmla="val 4069"/>
+              </a:avLst>
+            </a:prstGeom>
+          </p:spPr>
+          <p:style>
+            <a:lnRef idx="2">
+              <a:schemeClr val="dk1"/>
+            </a:lnRef>
+            <a:fillRef idx="1">
+              <a:schemeClr val="lt1"/>
+            </a:fillRef>
+            <a:effectRef idx="0">
+              <a:schemeClr val="dk1"/>
+            </a:effectRef>
+            <a:fontRef idx="minor">
+              <a:schemeClr val="dk1"/>
+            </a:fontRef>
+          </p:style>
+          <p:txBody>
+            <a:bodyPr rtlCol="0" anchor="b"/>
+            <a:lstStyle/>
+            <a:p>
+              <a:pPr algn="ctr"/>
+              <a:r>
+                <a:rPr lang="en-US" altLang="ko-KR" sz="1400"/>
+                <a:t>Node</a:t>
+              </a:r>
+              <a:endParaRPr lang="ko-KR" altLang="en-US" sz="1400" dirty="0"/>
+            </a:p>
+          </p:txBody>
+        </p:sp>
+        <p:sp>
+          <p:nvSpPr>
+            <p:cNvPr id="26" name="모서리가 둥근 직사각형 18">
+              <a:extLst>
+                <a:ext uri="{FF2B5EF4-FFF2-40B4-BE49-F238E27FC236}">
+                  <a16:creationId xmlns="" xmlns:a16="http://schemas.microsoft.com/office/drawing/2014/main" id="{D48DB822-70CE-4692-84EA-0B6DB2416FCB}"/>
+                </a:ext>
+              </a:extLst>
+            </p:cNvPr>
+            <p:cNvSpPr/>
+            <p:nvPr/>
+          </p:nvSpPr>
+          <p:spPr>
+            <a:xfrm>
+              <a:off x="4716016" y="2830894"/>
+              <a:ext cx="1584176" cy="400214"/>
+            </a:xfrm>
+            <a:prstGeom prst="roundRect">
+              <a:avLst>
+                <a:gd name="adj" fmla="val 14647"/>
+              </a:avLst>
+            </a:prstGeom>
+          </p:spPr>
+          <p:style>
+            <a:lnRef idx="2">
+              <a:schemeClr val="dk1"/>
+            </a:lnRef>
+            <a:fillRef idx="1">
+              <a:schemeClr val="lt1"/>
+            </a:fillRef>
+            <a:effectRef idx="0">
+              <a:schemeClr val="dk1"/>
+            </a:effectRef>
+            <a:fontRef idx="minor">
+              <a:schemeClr val="dk1"/>
+            </a:fontRef>
+          </p:style>
+          <p:txBody>
+            <a:bodyPr rtlCol="0" anchor="ctr"/>
+            <a:lstStyle/>
+            <a:p>
+              <a:pPr algn="ctr"/>
+              <a:r>
+                <a:rPr lang="en-US" altLang="ko-KR" sz="1400"/>
+                <a:t>Node Manager</a:t>
+              </a:r>
+              <a:endParaRPr lang="ko-KR" altLang="en-US" sz="1400" dirty="0"/>
+            </a:p>
+          </p:txBody>
+        </p:sp>
+        <p:sp>
+          <p:nvSpPr>
+            <p:cNvPr id="29" name="타원 28">
+              <a:extLst>
+                <a:ext uri="{FF2B5EF4-FFF2-40B4-BE49-F238E27FC236}">
+                  <a16:creationId xmlns="" xmlns:a16="http://schemas.microsoft.com/office/drawing/2014/main" id="{2BEC81A8-29EC-4B48-BA5A-8B4A17017AFB}"/>
+                </a:ext>
+              </a:extLst>
+            </p:cNvPr>
+            <p:cNvSpPr/>
+            <p:nvPr/>
+          </p:nvSpPr>
+          <p:spPr>
+            <a:xfrm>
+              <a:off x="4716016" y="3363838"/>
+              <a:ext cx="1584176" cy="576064"/>
+            </a:xfrm>
+            <a:prstGeom prst="ellipse">
+              <a:avLst/>
+            </a:prstGeom>
+          </p:spPr>
+          <p:style>
+            <a:lnRef idx="2">
+              <a:schemeClr val="dk1"/>
+            </a:lnRef>
+            <a:fillRef idx="1">
+              <a:schemeClr val="lt1"/>
+            </a:fillRef>
+            <a:effectRef idx="0">
+              <a:schemeClr val="dk1"/>
+            </a:effectRef>
+            <a:fontRef idx="minor">
+              <a:schemeClr val="dk1"/>
+            </a:fontRef>
+          </p:style>
+          <p:txBody>
+            <a:bodyPr rtlCol="0" anchor="ctr"/>
+            <a:lstStyle/>
+            <a:p>
+              <a:pPr algn="ctr"/>
+              <a:r>
+                <a:rPr lang="en-US" altLang="ko-KR" sz="1400"/>
+                <a:t>Container</a:t>
+              </a:r>
+              <a:endParaRPr lang="ko-KR" altLang="en-US" sz="1400"/>
+            </a:p>
+          </p:txBody>
+        </p:sp>
+        <p:sp>
+          <p:nvSpPr>
+            <p:cNvPr id="32" name="타원 31">
+              <a:extLst>
+                <a:ext uri="{FF2B5EF4-FFF2-40B4-BE49-F238E27FC236}">
+                  <a16:creationId xmlns="" xmlns:a16="http://schemas.microsoft.com/office/drawing/2014/main" id="{063B64BF-6FC2-4B18-B822-0D3C058F948F}"/>
+                </a:ext>
+              </a:extLst>
+            </p:cNvPr>
+            <p:cNvSpPr/>
+            <p:nvPr/>
+          </p:nvSpPr>
+          <p:spPr>
+            <a:xfrm>
+              <a:off x="4716016" y="4011910"/>
+              <a:ext cx="1584176" cy="576064"/>
+            </a:xfrm>
+            <a:prstGeom prst="ellipse">
+              <a:avLst/>
+            </a:prstGeom>
+          </p:spPr>
+          <p:style>
+            <a:lnRef idx="2">
+              <a:schemeClr val="dk1"/>
+            </a:lnRef>
+            <a:fillRef idx="1">
+              <a:schemeClr val="lt1"/>
+            </a:fillRef>
+            <a:effectRef idx="0">
+              <a:schemeClr val="dk1"/>
+            </a:effectRef>
+            <a:fontRef idx="minor">
+              <a:schemeClr val="dk1"/>
+            </a:fontRef>
+          </p:style>
+          <p:txBody>
+            <a:bodyPr rtlCol="0" anchor="ctr"/>
+            <a:lstStyle/>
+            <a:p>
+              <a:pPr algn="ctr"/>
+              <a:r>
+                <a:rPr lang="en-US" altLang="ko-KR" sz="1400"/>
+                <a:t>App Master</a:t>
+              </a:r>
+              <a:endParaRPr lang="ko-KR" altLang="en-US" sz="1400"/>
+            </a:p>
+          </p:txBody>
+        </p:sp>
+      </p:grpSp>
+      <p:grpSp>
+        <p:nvGrpSpPr>
+          <p:cNvPr id="34" name="그룹 33">
+            <a:extLst>
+              <a:ext uri="{FF2B5EF4-FFF2-40B4-BE49-F238E27FC236}">
+                <a16:creationId xmlns="" xmlns:a16="http://schemas.microsoft.com/office/drawing/2014/main" id="{9BE38D30-A714-43C7-A232-EC5DC17B29CB}"/>
+              </a:ext>
+            </a:extLst>
+          </p:cNvPr>
+          <p:cNvGrpSpPr/>
+          <p:nvPr/>
+        </p:nvGrpSpPr>
+        <p:grpSpPr>
+          <a:xfrm>
+            <a:off x="3678461" y="2499742"/>
+            <a:ext cx="1855696" cy="2232248"/>
+            <a:chOff x="4588512" y="2715766"/>
+            <a:chExt cx="1855696" cy="2232248"/>
+          </a:xfrm>
+        </p:grpSpPr>
+        <p:sp>
+          <p:nvSpPr>
+            <p:cNvPr id="35" name="모서리가 둥근 직사각형 18">
+              <a:extLst>
+                <a:ext uri="{FF2B5EF4-FFF2-40B4-BE49-F238E27FC236}">
+                  <a16:creationId xmlns="" xmlns:a16="http://schemas.microsoft.com/office/drawing/2014/main" id="{C82D4484-29CF-4C5C-94F6-3E611E578082}"/>
+                </a:ext>
+              </a:extLst>
+            </p:cNvPr>
+            <p:cNvSpPr/>
+            <p:nvPr/>
+          </p:nvSpPr>
+          <p:spPr>
+            <a:xfrm>
+              <a:off x="4588512" y="2715766"/>
+              <a:ext cx="1855696" cy="2232248"/>
+            </a:xfrm>
+            <a:prstGeom prst="roundRect">
+              <a:avLst>
+                <a:gd name="adj" fmla="val 4069"/>
+              </a:avLst>
+            </a:prstGeom>
+          </p:spPr>
+          <p:style>
+            <a:lnRef idx="2">
+              <a:schemeClr val="dk1"/>
+            </a:lnRef>
+            <a:fillRef idx="1">
+              <a:schemeClr val="lt1"/>
+            </a:fillRef>
+            <a:effectRef idx="0">
+              <a:schemeClr val="dk1"/>
+            </a:effectRef>
+            <a:fontRef idx="minor">
+              <a:schemeClr val="dk1"/>
+            </a:fontRef>
+          </p:style>
+          <p:txBody>
+            <a:bodyPr rtlCol="0" anchor="b"/>
+            <a:lstStyle/>
+            <a:p>
+              <a:pPr algn="ctr"/>
+              <a:r>
+                <a:rPr lang="en-US" altLang="ko-KR" sz="1400"/>
+                <a:t>Node</a:t>
+              </a:r>
+              <a:endParaRPr lang="ko-KR" altLang="en-US" sz="1400" dirty="0"/>
+            </a:p>
+          </p:txBody>
+        </p:sp>
+        <p:sp>
+          <p:nvSpPr>
+            <p:cNvPr id="36" name="모서리가 둥근 직사각형 18">
+              <a:extLst>
+                <a:ext uri="{FF2B5EF4-FFF2-40B4-BE49-F238E27FC236}">
+                  <a16:creationId xmlns="" xmlns:a16="http://schemas.microsoft.com/office/drawing/2014/main" id="{49DD9DEF-515F-4613-B0A2-804648D3051B}"/>
+                </a:ext>
+              </a:extLst>
+            </p:cNvPr>
+            <p:cNvSpPr/>
+            <p:nvPr/>
+          </p:nvSpPr>
+          <p:spPr>
+            <a:xfrm>
+              <a:off x="4716016" y="2830894"/>
+              <a:ext cx="1584176" cy="400214"/>
+            </a:xfrm>
+            <a:prstGeom prst="roundRect">
+              <a:avLst>
+                <a:gd name="adj" fmla="val 16762"/>
+              </a:avLst>
+            </a:prstGeom>
+          </p:spPr>
+          <p:style>
+            <a:lnRef idx="2">
+              <a:schemeClr val="dk1"/>
+            </a:lnRef>
+            <a:fillRef idx="1">
+              <a:schemeClr val="lt1"/>
+            </a:fillRef>
+            <a:effectRef idx="0">
+              <a:schemeClr val="dk1"/>
+            </a:effectRef>
+            <a:fontRef idx="minor">
+              <a:schemeClr val="dk1"/>
+            </a:fontRef>
+          </p:style>
+          <p:txBody>
+            <a:bodyPr rtlCol="0" anchor="ctr"/>
+            <a:lstStyle/>
+            <a:p>
+              <a:pPr algn="ctr"/>
+              <a:r>
+                <a:rPr lang="en-US" altLang="ko-KR" sz="1400"/>
+                <a:t>Node Manager</a:t>
+              </a:r>
+              <a:endParaRPr lang="ko-KR" altLang="en-US" sz="1400" dirty="0"/>
+            </a:p>
+          </p:txBody>
+        </p:sp>
+        <p:sp>
+          <p:nvSpPr>
+            <p:cNvPr id="37" name="타원 36">
+              <a:extLst>
+                <a:ext uri="{FF2B5EF4-FFF2-40B4-BE49-F238E27FC236}">
+                  <a16:creationId xmlns="" xmlns:a16="http://schemas.microsoft.com/office/drawing/2014/main" id="{D329FBA2-B77D-4E7E-BF42-A15EA9A82853}"/>
+                </a:ext>
+              </a:extLst>
+            </p:cNvPr>
+            <p:cNvSpPr/>
+            <p:nvPr/>
+          </p:nvSpPr>
+          <p:spPr>
+            <a:xfrm>
+              <a:off x="4716016" y="3363838"/>
+              <a:ext cx="1584176" cy="576064"/>
+            </a:xfrm>
+            <a:prstGeom prst="ellipse">
+              <a:avLst/>
+            </a:prstGeom>
+          </p:spPr>
+          <p:style>
+            <a:lnRef idx="2">
+              <a:schemeClr val="dk1"/>
+            </a:lnRef>
+            <a:fillRef idx="1">
+              <a:schemeClr val="lt1"/>
+            </a:fillRef>
+            <a:effectRef idx="0">
+              <a:schemeClr val="dk1"/>
+            </a:effectRef>
+            <a:fontRef idx="minor">
+              <a:schemeClr val="dk1"/>
+            </a:fontRef>
+          </p:style>
+          <p:txBody>
+            <a:bodyPr rtlCol="0" anchor="ctr"/>
+            <a:lstStyle/>
+            <a:p>
+              <a:pPr algn="ctr"/>
+              <a:r>
+                <a:rPr lang="en-US" altLang="ko-KR" sz="1400"/>
+                <a:t>App Master</a:t>
+              </a:r>
+              <a:endParaRPr lang="ko-KR" altLang="en-US" sz="1400"/>
+            </a:p>
+          </p:txBody>
+        </p:sp>
+        <p:sp>
+          <p:nvSpPr>
+            <p:cNvPr id="38" name="타원 37">
+              <a:extLst>
+                <a:ext uri="{FF2B5EF4-FFF2-40B4-BE49-F238E27FC236}">
+                  <a16:creationId xmlns="" xmlns:a16="http://schemas.microsoft.com/office/drawing/2014/main" id="{8CB86B7F-4412-4AF3-B74B-6B6EF03CD3DA}"/>
+                </a:ext>
+              </a:extLst>
+            </p:cNvPr>
+            <p:cNvSpPr/>
+            <p:nvPr/>
+          </p:nvSpPr>
+          <p:spPr>
+            <a:xfrm>
+              <a:off x="4716016" y="4011910"/>
+              <a:ext cx="1584176" cy="576064"/>
+            </a:xfrm>
+            <a:prstGeom prst="ellipse">
+              <a:avLst/>
+            </a:prstGeom>
+          </p:spPr>
+          <p:style>
+            <a:lnRef idx="2">
+              <a:schemeClr val="dk1"/>
+            </a:lnRef>
+            <a:fillRef idx="1">
+              <a:schemeClr val="lt1"/>
+            </a:fillRef>
+            <a:effectRef idx="0">
+              <a:schemeClr val="dk1"/>
+            </a:effectRef>
+            <a:fontRef idx="minor">
+              <a:schemeClr val="dk1"/>
+            </a:fontRef>
+          </p:style>
+          <p:txBody>
+            <a:bodyPr rtlCol="0" anchor="ctr"/>
+            <a:lstStyle/>
+            <a:p>
+              <a:pPr algn="ctr"/>
+              <a:r>
+                <a:rPr lang="en-US" altLang="ko-KR" sz="1400"/>
+                <a:t>Container</a:t>
+              </a:r>
+              <a:endParaRPr lang="ko-KR" altLang="en-US" sz="1400"/>
+            </a:p>
+          </p:txBody>
+        </p:sp>
+      </p:grpSp>
+      <p:grpSp>
+        <p:nvGrpSpPr>
+          <p:cNvPr id="39" name="그룹 38">
+            <a:extLst>
+              <a:ext uri="{FF2B5EF4-FFF2-40B4-BE49-F238E27FC236}">
+                <a16:creationId xmlns="" xmlns:a16="http://schemas.microsoft.com/office/drawing/2014/main" id="{041B3429-195D-4E8E-A031-AFDBF3481C8B}"/>
+              </a:ext>
+            </a:extLst>
+          </p:cNvPr>
+          <p:cNvGrpSpPr/>
+          <p:nvPr/>
+        </p:nvGrpSpPr>
+        <p:grpSpPr>
+          <a:xfrm>
+            <a:off x="1619672" y="2499742"/>
+            <a:ext cx="1855696" cy="2232248"/>
+            <a:chOff x="4588512" y="2715766"/>
+            <a:chExt cx="1855696" cy="2232248"/>
+          </a:xfrm>
+        </p:grpSpPr>
+        <p:sp>
+          <p:nvSpPr>
+            <p:cNvPr id="40" name="모서리가 둥근 직사각형 18">
+              <a:extLst>
+                <a:ext uri="{FF2B5EF4-FFF2-40B4-BE49-F238E27FC236}">
+                  <a16:creationId xmlns="" xmlns:a16="http://schemas.microsoft.com/office/drawing/2014/main" id="{8BCD1206-46E7-48C1-8D0E-79201C2239CB}"/>
+                </a:ext>
+              </a:extLst>
+            </p:cNvPr>
+            <p:cNvSpPr/>
+            <p:nvPr/>
+          </p:nvSpPr>
+          <p:spPr>
+            <a:xfrm>
+              <a:off x="4588512" y="2715766"/>
+              <a:ext cx="1855696" cy="2232248"/>
+            </a:xfrm>
+            <a:prstGeom prst="roundRect">
+              <a:avLst>
+                <a:gd name="adj" fmla="val 4069"/>
+              </a:avLst>
+            </a:prstGeom>
+          </p:spPr>
+          <p:style>
+            <a:lnRef idx="2">
+              <a:schemeClr val="dk1"/>
+            </a:lnRef>
+            <a:fillRef idx="1">
+              <a:schemeClr val="lt1"/>
+            </a:fillRef>
+            <a:effectRef idx="0">
+              <a:schemeClr val="dk1"/>
+            </a:effectRef>
+            <a:fontRef idx="minor">
+              <a:schemeClr val="dk1"/>
+            </a:fontRef>
+          </p:style>
+          <p:txBody>
+            <a:bodyPr rtlCol="0" anchor="b"/>
+            <a:lstStyle/>
+            <a:p>
+              <a:pPr algn="ctr"/>
+              <a:r>
+                <a:rPr lang="en-US" altLang="ko-KR" sz="1400"/>
+                <a:t>Node</a:t>
+              </a:r>
+              <a:endParaRPr lang="ko-KR" altLang="en-US" sz="1400" dirty="0"/>
+            </a:p>
+          </p:txBody>
+        </p:sp>
+        <p:sp>
+          <p:nvSpPr>
+            <p:cNvPr id="41" name="모서리가 둥근 직사각형 18">
+              <a:extLst>
+                <a:ext uri="{FF2B5EF4-FFF2-40B4-BE49-F238E27FC236}">
+                  <a16:creationId xmlns="" xmlns:a16="http://schemas.microsoft.com/office/drawing/2014/main" id="{8385447B-8931-4CDC-A0D2-091BF7CB022F}"/>
+                </a:ext>
+              </a:extLst>
+            </p:cNvPr>
+            <p:cNvSpPr/>
+            <p:nvPr/>
+          </p:nvSpPr>
+          <p:spPr>
+            <a:xfrm>
+              <a:off x="4716016" y="2830894"/>
+              <a:ext cx="1584176" cy="400214"/>
+            </a:xfrm>
+            <a:prstGeom prst="roundRect">
+              <a:avLst>
+                <a:gd name="adj" fmla="val 12531"/>
+              </a:avLst>
+            </a:prstGeom>
+          </p:spPr>
+          <p:style>
+            <a:lnRef idx="2">
+              <a:schemeClr val="dk1"/>
+            </a:lnRef>
+            <a:fillRef idx="1">
+              <a:schemeClr val="lt1"/>
+            </a:fillRef>
+            <a:effectRef idx="0">
+              <a:schemeClr val="dk1"/>
+            </a:effectRef>
+            <a:fontRef idx="minor">
+              <a:schemeClr val="dk1"/>
+            </a:fontRef>
+          </p:style>
+          <p:txBody>
+            <a:bodyPr rtlCol="0" anchor="ctr"/>
+            <a:lstStyle/>
+            <a:p>
+              <a:pPr algn="ctr"/>
+              <a:r>
+                <a:rPr lang="en-US" altLang="ko-KR" sz="1400"/>
+                <a:t>Node Manager</a:t>
+              </a:r>
+              <a:endParaRPr lang="ko-KR" altLang="en-US" sz="1400" dirty="0"/>
+            </a:p>
+          </p:txBody>
+        </p:sp>
+        <p:sp>
+          <p:nvSpPr>
+            <p:cNvPr id="42" name="타원 41">
+              <a:extLst>
+                <a:ext uri="{FF2B5EF4-FFF2-40B4-BE49-F238E27FC236}">
+                  <a16:creationId xmlns="" xmlns:a16="http://schemas.microsoft.com/office/drawing/2014/main" id="{F1C4200D-7DB9-4A55-AAFB-2DA167EC27B7}"/>
+                </a:ext>
+              </a:extLst>
+            </p:cNvPr>
+            <p:cNvSpPr/>
+            <p:nvPr/>
+          </p:nvSpPr>
+          <p:spPr>
+            <a:xfrm>
+              <a:off x="4716016" y="3363838"/>
+              <a:ext cx="1584176" cy="576064"/>
+            </a:xfrm>
+            <a:prstGeom prst="ellipse">
+              <a:avLst/>
+            </a:prstGeom>
+          </p:spPr>
+          <p:style>
+            <a:lnRef idx="2">
+              <a:schemeClr val="dk1"/>
+            </a:lnRef>
+            <a:fillRef idx="1">
+              <a:schemeClr val="lt1"/>
+            </a:fillRef>
+            <a:effectRef idx="0">
+              <a:schemeClr val="dk1"/>
+            </a:effectRef>
+            <a:fontRef idx="minor">
+              <a:schemeClr val="dk1"/>
+            </a:fontRef>
+          </p:style>
+          <p:txBody>
+            <a:bodyPr rtlCol="0" anchor="ctr"/>
+            <a:lstStyle/>
+            <a:p>
+              <a:pPr algn="ctr"/>
+              <a:r>
+                <a:rPr lang="en-US" altLang="ko-KR" sz="1400"/>
+                <a:t>Container</a:t>
+              </a:r>
+              <a:endParaRPr lang="ko-KR" altLang="en-US" sz="1400"/>
+            </a:p>
+          </p:txBody>
+        </p:sp>
+        <p:sp>
+          <p:nvSpPr>
+            <p:cNvPr id="43" name="타원 42">
+              <a:extLst>
+                <a:ext uri="{FF2B5EF4-FFF2-40B4-BE49-F238E27FC236}">
+                  <a16:creationId xmlns="" xmlns:a16="http://schemas.microsoft.com/office/drawing/2014/main" id="{4DD7207F-BE20-4232-B346-EA201B5A8D78}"/>
+                </a:ext>
+              </a:extLst>
+            </p:cNvPr>
+            <p:cNvSpPr/>
+            <p:nvPr/>
+          </p:nvSpPr>
+          <p:spPr>
+            <a:xfrm>
+              <a:off x="4716016" y="4011910"/>
+              <a:ext cx="1584176" cy="576064"/>
+            </a:xfrm>
+            <a:prstGeom prst="ellipse">
+              <a:avLst/>
+            </a:prstGeom>
+          </p:spPr>
+          <p:style>
+            <a:lnRef idx="2">
+              <a:schemeClr val="dk1"/>
+            </a:lnRef>
+            <a:fillRef idx="1">
+              <a:schemeClr val="lt1"/>
+            </a:fillRef>
+            <a:effectRef idx="0">
+              <a:schemeClr val="dk1"/>
+            </a:effectRef>
+            <a:fontRef idx="minor">
+              <a:schemeClr val="dk1"/>
+            </a:fontRef>
+          </p:style>
+          <p:txBody>
+            <a:bodyPr rtlCol="0" anchor="ctr"/>
+            <a:lstStyle/>
+            <a:p>
+              <a:pPr algn="ctr"/>
+              <a:r>
+                <a:rPr lang="en-US" altLang="ko-KR" sz="1400"/>
+                <a:t>Container</a:t>
+              </a:r>
+              <a:endParaRPr lang="ko-KR" altLang="en-US" sz="1400"/>
+            </a:p>
+          </p:txBody>
+        </p:sp>
+      </p:grpSp>
+      <p:cxnSp>
+        <p:nvCxnSpPr>
+          <p:cNvPr id="45" name="직선 화살표 연결선 44">
+            <a:extLst>
+              <a:ext uri="{FF2B5EF4-FFF2-40B4-BE49-F238E27FC236}">
+                <a16:creationId xmlns="" xmlns:a16="http://schemas.microsoft.com/office/drawing/2014/main" id="{63CD95EA-9302-411A-9FCB-C8FDCBFA495D}"/>
+              </a:ext>
+            </a:extLst>
+          </p:cNvPr>
+          <p:cNvCxnSpPr>
+            <a:cxnSpLocks/>
+            <a:stCxn id="41" idx="0"/>
+            <a:endCxn id="6" idx="2"/>
+          </p:cNvCxnSpPr>
+          <p:nvPr/>
+        </p:nvCxnSpPr>
+        <p:spPr>
+          <a:xfrm flipV="1">
+            <a:off x="2539264" y="1995686"/>
+            <a:ext cx="3839420" cy="619184"/>
+          </a:xfrm>
+          <a:prstGeom prst="straightConnector1">
+            <a:avLst/>
+          </a:prstGeom>
+          <a:ln w="28575">
+            <a:solidFill>
+              <a:srgbClr val="C00000"/>
+            </a:solidFill>
+            <a:headEnd type="none" w="med" len="med"/>
+            <a:tailEnd type="arrow" w="med" len="med"/>
+          </a:ln>
+        </p:spPr>
+        <p:style>
+          <a:lnRef idx="1">
+            <a:schemeClr val="accent1"/>
+          </a:lnRef>
+          <a:fillRef idx="0">
+            <a:schemeClr val="accent1"/>
+          </a:fillRef>
+          <a:effectRef idx="0">
+            <a:schemeClr val="accent1"/>
+          </a:effectRef>
+          <a:fontRef idx="minor">
+            <a:schemeClr val="tx1"/>
+          </a:fontRef>
+        </p:style>
+      </p:cxnSp>
+      <p:cxnSp>
+        <p:nvCxnSpPr>
+          <p:cNvPr id="48" name="직선 화살표 연결선 47">
+            <a:extLst>
+              <a:ext uri="{FF2B5EF4-FFF2-40B4-BE49-F238E27FC236}">
+                <a16:creationId xmlns="" xmlns:a16="http://schemas.microsoft.com/office/drawing/2014/main" id="{A9100779-8D7F-447C-B48B-26391BE18849}"/>
+              </a:ext>
+            </a:extLst>
+          </p:cNvPr>
+          <p:cNvCxnSpPr>
+            <a:cxnSpLocks/>
+            <a:stCxn id="36" idx="0"/>
+            <a:endCxn id="6" idx="2"/>
+          </p:cNvCxnSpPr>
+          <p:nvPr/>
+        </p:nvCxnSpPr>
+        <p:spPr>
+          <a:xfrm flipV="1">
+            <a:off x="4598053" y="1995686"/>
+            <a:ext cx="1780631" cy="619184"/>
+          </a:xfrm>
+          <a:prstGeom prst="straightConnector1">
+            <a:avLst/>
+          </a:prstGeom>
+          <a:ln w="28575">
+            <a:solidFill>
+              <a:srgbClr val="C00000"/>
+            </a:solidFill>
+            <a:headEnd type="none" w="med" len="med"/>
+            <a:tailEnd type="arrow" w="med" len="med"/>
+          </a:ln>
+        </p:spPr>
+        <p:style>
+          <a:lnRef idx="1">
+            <a:schemeClr val="accent1"/>
+          </a:lnRef>
+          <a:fillRef idx="0">
+            <a:schemeClr val="accent1"/>
+          </a:fillRef>
+          <a:effectRef idx="0">
+            <a:schemeClr val="accent1"/>
+          </a:effectRef>
+          <a:fontRef idx="minor">
+            <a:schemeClr val="tx1"/>
+          </a:fontRef>
+        </p:style>
+      </p:cxnSp>
+      <p:cxnSp>
+        <p:nvCxnSpPr>
+          <p:cNvPr id="51" name="직선 화살표 연결선 50">
+            <a:extLst>
+              <a:ext uri="{FF2B5EF4-FFF2-40B4-BE49-F238E27FC236}">
+                <a16:creationId xmlns="" xmlns:a16="http://schemas.microsoft.com/office/drawing/2014/main" id="{3933F28B-AC51-417E-BC5B-2AD39C7EFC81}"/>
+              </a:ext>
+            </a:extLst>
+          </p:cNvPr>
+          <p:cNvCxnSpPr>
+            <a:cxnSpLocks/>
+            <a:stCxn id="26" idx="0"/>
+            <a:endCxn id="6" idx="2"/>
+          </p:cNvCxnSpPr>
+          <p:nvPr/>
+        </p:nvCxnSpPr>
+        <p:spPr>
+          <a:xfrm flipH="1" flipV="1">
+            <a:off x="6378684" y="1995686"/>
+            <a:ext cx="281548" cy="619184"/>
+          </a:xfrm>
+          <a:prstGeom prst="straightConnector1">
+            <a:avLst/>
+          </a:prstGeom>
+          <a:ln w="28575">
+            <a:solidFill>
+              <a:srgbClr val="C00000"/>
+            </a:solidFill>
+            <a:headEnd type="none" w="med" len="med"/>
+            <a:tailEnd type="arrow" w="med" len="med"/>
+          </a:ln>
+        </p:spPr>
+        <p:style>
+          <a:lnRef idx="1">
+            <a:schemeClr val="accent1"/>
+          </a:lnRef>
+          <a:fillRef idx="0">
+            <a:schemeClr val="accent1"/>
+          </a:fillRef>
+          <a:effectRef idx="0">
+            <a:schemeClr val="accent1"/>
+          </a:effectRef>
+          <a:fontRef idx="minor">
+            <a:schemeClr val="tx1"/>
+          </a:fontRef>
+        </p:style>
+      </p:cxnSp>
+      <p:cxnSp>
+        <p:nvCxnSpPr>
+          <p:cNvPr id="54" name="직선 화살표 연결선 53">
+            <a:extLst>
+              <a:ext uri="{FF2B5EF4-FFF2-40B4-BE49-F238E27FC236}">
+                <a16:creationId xmlns="" xmlns:a16="http://schemas.microsoft.com/office/drawing/2014/main" id="{6AA93637-C65C-4B5A-8B53-8E544BBE6A7F}"/>
+              </a:ext>
+            </a:extLst>
+          </p:cNvPr>
+          <p:cNvCxnSpPr>
+            <a:cxnSpLocks/>
+            <a:stCxn id="42" idx="6"/>
+            <a:endCxn id="37" idx="2"/>
+          </p:cNvCxnSpPr>
+          <p:nvPr/>
+        </p:nvCxnSpPr>
+        <p:spPr>
+          <a:xfrm>
+            <a:off x="3331352" y="3435846"/>
+            <a:ext cx="474613" cy="0"/>
+          </a:xfrm>
+          <a:prstGeom prst="straightConnector1">
+            <a:avLst/>
+          </a:prstGeom>
+          <a:ln w="28575">
+            <a:solidFill>
+              <a:schemeClr val="tx2"/>
+            </a:solidFill>
+            <a:headEnd type="none" w="med" len="med"/>
+            <a:tailEnd type="arrow" w="med" len="med"/>
+          </a:ln>
+        </p:spPr>
+        <p:style>
+          <a:lnRef idx="1">
+            <a:schemeClr val="accent1"/>
+          </a:lnRef>
+          <a:fillRef idx="0">
+            <a:schemeClr val="accent1"/>
+          </a:fillRef>
+          <a:effectRef idx="0">
+            <a:schemeClr val="accent1"/>
+          </a:effectRef>
+          <a:fontRef idx="minor">
+            <a:schemeClr val="tx1"/>
+          </a:fontRef>
+        </p:style>
+      </p:cxnSp>
+      <p:cxnSp>
+        <p:nvCxnSpPr>
+          <p:cNvPr id="57" name="직선 화살표 연결선 56">
+            <a:extLst>
+              <a:ext uri="{FF2B5EF4-FFF2-40B4-BE49-F238E27FC236}">
+                <a16:creationId xmlns="" xmlns:a16="http://schemas.microsoft.com/office/drawing/2014/main" id="{3A100D49-C29F-4AB6-B28A-334EF96F16AF}"/>
+              </a:ext>
+            </a:extLst>
+          </p:cNvPr>
+          <p:cNvCxnSpPr>
+            <a:cxnSpLocks/>
+            <a:stCxn id="43" idx="6"/>
+            <a:endCxn id="37" idx="2"/>
+          </p:cNvCxnSpPr>
+          <p:nvPr/>
+        </p:nvCxnSpPr>
+        <p:spPr>
+          <a:xfrm flipV="1">
+            <a:off x="3331352" y="3435846"/>
+            <a:ext cx="474613" cy="648072"/>
+          </a:xfrm>
+          <a:prstGeom prst="straightConnector1">
+            <a:avLst/>
+          </a:prstGeom>
+          <a:ln w="28575">
+            <a:solidFill>
+              <a:schemeClr val="tx2"/>
+            </a:solidFill>
+            <a:headEnd type="none" w="med" len="med"/>
+            <a:tailEnd type="arrow" w="med" len="med"/>
+          </a:ln>
+        </p:spPr>
+        <p:style>
+          <a:lnRef idx="1">
+            <a:schemeClr val="accent1"/>
+          </a:lnRef>
+          <a:fillRef idx="0">
+            <a:schemeClr val="accent1"/>
+          </a:fillRef>
+          <a:effectRef idx="0">
+            <a:schemeClr val="accent1"/>
+          </a:effectRef>
+          <a:fontRef idx="minor">
+            <a:schemeClr val="tx1"/>
+          </a:fontRef>
+        </p:style>
+      </p:cxnSp>
+      <p:cxnSp>
+        <p:nvCxnSpPr>
+          <p:cNvPr id="60" name="직선 화살표 연결선 59">
+            <a:extLst>
+              <a:ext uri="{FF2B5EF4-FFF2-40B4-BE49-F238E27FC236}">
+                <a16:creationId xmlns="" xmlns:a16="http://schemas.microsoft.com/office/drawing/2014/main" id="{4DEC1018-A708-4DC7-B2AD-00ABDB42B1D6}"/>
+              </a:ext>
+            </a:extLst>
+          </p:cNvPr>
+          <p:cNvCxnSpPr>
+            <a:cxnSpLocks/>
+            <a:stCxn id="38" idx="6"/>
+            <a:endCxn id="32" idx="2"/>
+          </p:cNvCxnSpPr>
+          <p:nvPr/>
+        </p:nvCxnSpPr>
+        <p:spPr>
+          <a:xfrm>
+            <a:off x="5390141" y="4083918"/>
+            <a:ext cx="478003" cy="0"/>
+          </a:xfrm>
+          <a:prstGeom prst="straightConnector1">
+            <a:avLst/>
+          </a:prstGeom>
+          <a:ln w="28575">
+            <a:solidFill>
+              <a:schemeClr val="tx2"/>
+            </a:solidFill>
+            <a:headEnd type="none" w="med" len="med"/>
+            <a:tailEnd type="arrow" w="med" len="med"/>
+          </a:ln>
+        </p:spPr>
+        <p:style>
+          <a:lnRef idx="1">
+            <a:schemeClr val="accent1"/>
+          </a:lnRef>
+          <a:fillRef idx="0">
+            <a:schemeClr val="accent1"/>
+          </a:fillRef>
+          <a:effectRef idx="0">
+            <a:schemeClr val="accent1"/>
+          </a:effectRef>
+          <a:fontRef idx="minor">
+            <a:schemeClr val="tx1"/>
+          </a:fontRef>
+        </p:style>
+      </p:cxnSp>
+      <p:cxnSp>
+        <p:nvCxnSpPr>
+          <p:cNvPr id="65" name="직선 화살표 연결선 64">
+            <a:extLst>
+              <a:ext uri="{FF2B5EF4-FFF2-40B4-BE49-F238E27FC236}">
+                <a16:creationId xmlns="" xmlns:a16="http://schemas.microsoft.com/office/drawing/2014/main" id="{795CA74B-6E12-4088-BBAC-31A825D66510}"/>
+              </a:ext>
+            </a:extLst>
+          </p:cNvPr>
+          <p:cNvCxnSpPr>
+            <a:cxnSpLocks/>
+            <a:stCxn id="29" idx="2"/>
+            <a:endCxn id="37" idx="6"/>
+          </p:cNvCxnSpPr>
+          <p:nvPr/>
+        </p:nvCxnSpPr>
+        <p:spPr>
+          <a:xfrm flipH="1">
+            <a:off x="5390141" y="3435846"/>
+            <a:ext cx="478003" cy="0"/>
+          </a:xfrm>
+          <a:prstGeom prst="straightConnector1">
+            <a:avLst/>
+          </a:prstGeom>
+          <a:ln w="28575">
+            <a:solidFill>
+              <a:schemeClr val="tx2"/>
+            </a:solidFill>
+            <a:headEnd type="none" w="med" len="med"/>
+            <a:tailEnd type="arrow" w="med" len="med"/>
+          </a:ln>
+        </p:spPr>
+        <p:style>
+          <a:lnRef idx="1">
+            <a:schemeClr val="accent1"/>
+          </a:lnRef>
+          <a:fillRef idx="0">
+            <a:schemeClr val="accent1"/>
+          </a:fillRef>
+          <a:effectRef idx="0">
+            <a:schemeClr val="accent1"/>
+          </a:effectRef>
+          <a:fontRef idx="minor">
+            <a:schemeClr val="tx1"/>
+          </a:fontRef>
+        </p:style>
+      </p:cxnSp>
+      <p:cxnSp>
+        <p:nvCxnSpPr>
+          <p:cNvPr id="68" name="직선 화살표 연결선 67">
+            <a:extLst>
+              <a:ext uri="{FF2B5EF4-FFF2-40B4-BE49-F238E27FC236}">
+                <a16:creationId xmlns="" xmlns:a16="http://schemas.microsoft.com/office/drawing/2014/main" id="{0F057480-7171-4B87-B299-002A985D1F30}"/>
+              </a:ext>
+            </a:extLst>
+          </p:cNvPr>
+          <p:cNvCxnSpPr>
+            <a:cxnSpLocks/>
+            <a:stCxn id="37" idx="0"/>
+            <a:endCxn id="6" idx="2"/>
+          </p:cNvCxnSpPr>
+          <p:nvPr/>
+        </p:nvCxnSpPr>
+        <p:spPr>
+          <a:xfrm flipV="1">
+            <a:off x="4598053" y="1995686"/>
+            <a:ext cx="1780631" cy="1152128"/>
+          </a:xfrm>
+          <a:prstGeom prst="straightConnector1">
+            <a:avLst/>
+          </a:prstGeom>
+          <a:ln w="28575">
+            <a:solidFill>
+              <a:schemeClr val="accent3">
+                <a:lumMod val="75000"/>
+              </a:schemeClr>
+            </a:solidFill>
+            <a:headEnd type="none" w="med" len="med"/>
+            <a:tailEnd type="arrow" w="med" len="med"/>
+          </a:ln>
+        </p:spPr>
+        <p:style>
+          <a:lnRef idx="1">
+            <a:schemeClr val="accent1"/>
+          </a:lnRef>
+          <a:fillRef idx="0">
+            <a:schemeClr val="accent1"/>
+          </a:fillRef>
+          <a:effectRef idx="0">
+            <a:schemeClr val="accent1"/>
+          </a:effectRef>
+          <a:fontRef idx="minor">
+            <a:schemeClr val="tx1"/>
+          </a:fontRef>
+        </p:style>
+      </p:cxnSp>
+      <p:cxnSp>
+        <p:nvCxnSpPr>
+          <p:cNvPr id="71" name="직선 화살표 연결선 70">
+            <a:extLst>
+              <a:ext uri="{FF2B5EF4-FFF2-40B4-BE49-F238E27FC236}">
+                <a16:creationId xmlns="" xmlns:a16="http://schemas.microsoft.com/office/drawing/2014/main" id="{3F847CB0-C800-488D-9A1C-5C275B3B32E1}"/>
+              </a:ext>
+            </a:extLst>
+          </p:cNvPr>
+          <p:cNvCxnSpPr>
+            <a:cxnSpLocks/>
+            <a:stCxn id="32" idx="0"/>
+            <a:endCxn id="6" idx="2"/>
+          </p:cNvCxnSpPr>
+          <p:nvPr/>
+        </p:nvCxnSpPr>
+        <p:spPr>
+          <a:xfrm flipH="1" flipV="1">
+            <a:off x="6378684" y="1995686"/>
+            <a:ext cx="281548" cy="1800200"/>
+          </a:xfrm>
+          <a:prstGeom prst="straightConnector1">
+            <a:avLst/>
+          </a:prstGeom>
+          <a:ln w="28575">
+            <a:solidFill>
+              <a:schemeClr val="accent3">
+                <a:lumMod val="75000"/>
+              </a:schemeClr>
+            </a:solidFill>
+            <a:headEnd type="none" w="med" len="med"/>
+            <a:tailEnd type="arrow" w="med" len="med"/>
+          </a:ln>
+        </p:spPr>
+        <p:style>
+          <a:lnRef idx="1">
+            <a:schemeClr val="accent1"/>
+          </a:lnRef>
+          <a:fillRef idx="0">
+            <a:schemeClr val="accent1"/>
+          </a:fillRef>
+          <a:effectRef idx="0">
+            <a:schemeClr val="accent1"/>
+          </a:effectRef>
+          <a:fontRef idx="minor">
+            <a:schemeClr val="tx1"/>
+          </a:fontRef>
+        </p:style>
+      </p:cxnSp>
+      <p:cxnSp>
+        <p:nvCxnSpPr>
+          <p:cNvPr id="75" name="직선 화살표 연결선 74">
+            <a:extLst>
+              <a:ext uri="{FF2B5EF4-FFF2-40B4-BE49-F238E27FC236}">
+                <a16:creationId xmlns="" xmlns:a16="http://schemas.microsoft.com/office/drawing/2014/main" id="{3E79A9E3-D35C-4D13-9C35-D56D0A88D17F}"/>
+              </a:ext>
+            </a:extLst>
+          </p:cNvPr>
+          <p:cNvCxnSpPr>
+            <a:cxnSpLocks/>
+            <a:stCxn id="30" idx="6"/>
+            <a:endCxn id="6" idx="1"/>
+          </p:cNvCxnSpPr>
+          <p:nvPr/>
+        </p:nvCxnSpPr>
+        <p:spPr>
+          <a:xfrm>
+            <a:off x="5292080" y="1707654"/>
+            <a:ext cx="415537" cy="0"/>
+          </a:xfrm>
+          <a:prstGeom prst="straightConnector1">
+            <a:avLst/>
+          </a:prstGeom>
+          <a:ln w="28575">
+            <a:solidFill>
+              <a:schemeClr val="accent5">
+                <a:lumMod val="75000"/>
+              </a:schemeClr>
+            </a:solidFill>
+            <a:headEnd type="none" w="med" len="med"/>
+            <a:tailEnd type="arrow" w="med" len="med"/>
+          </a:ln>
+        </p:spPr>
+        <p:style>
+          <a:lnRef idx="1">
+            <a:schemeClr val="accent1"/>
+          </a:lnRef>
+          <a:fillRef idx="0">
+            <a:schemeClr val="accent1"/>
+          </a:fillRef>
+          <a:effectRef idx="0">
+            <a:schemeClr val="accent1"/>
+          </a:effectRef>
+          <a:fontRef idx="minor">
+            <a:schemeClr val="tx1"/>
+          </a:fontRef>
+        </p:style>
+      </p:cxnSp>
+      <p:grpSp>
+        <p:nvGrpSpPr>
+          <p:cNvPr id="98" name="그룹 97">
+            <a:extLst>
+              <a:ext uri="{FF2B5EF4-FFF2-40B4-BE49-F238E27FC236}">
+                <a16:creationId xmlns="" xmlns:a16="http://schemas.microsoft.com/office/drawing/2014/main" id="{B2F6CFF1-DF54-4F02-88FB-F2B7EAF8E248}"/>
+              </a:ext>
+            </a:extLst>
+          </p:cNvPr>
+          <p:cNvGrpSpPr/>
+          <p:nvPr/>
+        </p:nvGrpSpPr>
+        <p:grpSpPr>
+          <a:xfrm>
+            <a:off x="1691680" y="987574"/>
+            <a:ext cx="2088232" cy="1231410"/>
+            <a:chOff x="1187624" y="987574"/>
+            <a:chExt cx="2088232" cy="1231410"/>
+          </a:xfrm>
+        </p:grpSpPr>
+        <p:cxnSp>
+          <p:nvCxnSpPr>
+            <p:cNvPr id="79" name="직선 화살표 연결선 78">
+              <a:extLst>
+                <a:ext uri="{FF2B5EF4-FFF2-40B4-BE49-F238E27FC236}">
+                  <a16:creationId xmlns="" xmlns:a16="http://schemas.microsoft.com/office/drawing/2014/main" id="{FEDAA768-BFC9-4E6D-9A55-597FD6687A4E}"/>
+                </a:ext>
+              </a:extLst>
+            </p:cNvPr>
+            <p:cNvCxnSpPr>
+              <a:cxnSpLocks/>
+              <a:endCxn id="82" idx="1"/>
+            </p:cNvCxnSpPr>
+            <p:nvPr/>
+          </p:nvCxnSpPr>
+          <p:spPr>
+            <a:xfrm>
+              <a:off x="1187624" y="1141463"/>
+              <a:ext cx="360040" cy="0"/>
+            </a:xfrm>
+            <a:prstGeom prst="straightConnector1">
+              <a:avLst/>
+            </a:prstGeom>
+            <a:ln w="28575">
+              <a:solidFill>
+                <a:schemeClr val="accent5">
+                  <a:lumMod val="75000"/>
+                </a:schemeClr>
+              </a:solidFill>
+              <a:headEnd type="none" w="med" len="med"/>
+              <a:tailEnd type="arrow" w="med" len="med"/>
+            </a:ln>
+          </p:spPr>
+          <p:style>
+            <a:lnRef idx="1">
+              <a:schemeClr val="accent1"/>
+            </a:lnRef>
+            <a:fillRef idx="0">
+              <a:schemeClr val="accent1"/>
+            </a:fillRef>
+            <a:effectRef idx="0">
+              <a:schemeClr val="accent1"/>
+            </a:effectRef>
+            <a:fontRef idx="minor">
+              <a:schemeClr val="tx1"/>
+            </a:fontRef>
+          </p:style>
+        </p:cxnSp>
+        <p:sp>
+          <p:nvSpPr>
+            <p:cNvPr id="82" name="TextBox 81">
+              <a:extLst>
+                <a:ext uri="{FF2B5EF4-FFF2-40B4-BE49-F238E27FC236}">
+                  <a16:creationId xmlns="" xmlns:a16="http://schemas.microsoft.com/office/drawing/2014/main" id="{08C76C99-553F-4622-9C6A-7756B2CFA84F}"/>
+                </a:ext>
+              </a:extLst>
+            </p:cNvPr>
+            <p:cNvSpPr txBox="1"/>
+            <p:nvPr/>
+          </p:nvSpPr>
+          <p:spPr>
+            <a:xfrm>
+              <a:off x="1547664" y="987574"/>
+              <a:ext cx="1728192" cy="307777"/>
+            </a:xfrm>
+            <a:prstGeom prst="rect">
+              <a:avLst/>
+            </a:prstGeom>
+            <a:noFill/>
+          </p:spPr>
+          <p:txBody>
+            <a:bodyPr wrap="square" rtlCol="0">
+              <a:spAutoFit/>
+            </a:bodyPr>
+            <a:lstStyle/>
+            <a:p>
+              <a:pPr algn="ctr"/>
+              <a:r>
+                <a:rPr lang="en-US" altLang="ko-KR" sz="1400"/>
+                <a:t>Job Submission</a:t>
+              </a:r>
+              <a:endParaRPr lang="ko-KR" altLang="en-US" sz="1400"/>
+            </a:p>
+          </p:txBody>
+        </p:sp>
+        <p:cxnSp>
+          <p:nvCxnSpPr>
+            <p:cNvPr id="85" name="직선 화살표 연결선 84">
+              <a:extLst>
+                <a:ext uri="{FF2B5EF4-FFF2-40B4-BE49-F238E27FC236}">
+                  <a16:creationId xmlns="" xmlns:a16="http://schemas.microsoft.com/office/drawing/2014/main" id="{BCF7F299-0FD2-4EDF-891C-D717BDED0371}"/>
+                </a:ext>
+              </a:extLst>
+            </p:cNvPr>
+            <p:cNvCxnSpPr>
+              <a:cxnSpLocks/>
+              <a:endCxn id="86" idx="1"/>
+            </p:cNvCxnSpPr>
+            <p:nvPr/>
+          </p:nvCxnSpPr>
+          <p:spPr>
+            <a:xfrm>
+              <a:off x="1187624" y="1450737"/>
+              <a:ext cx="360040" cy="0"/>
+            </a:xfrm>
+            <a:prstGeom prst="straightConnector1">
+              <a:avLst/>
+            </a:prstGeom>
+            <a:ln w="28575">
+              <a:solidFill>
+                <a:schemeClr val="tx2"/>
+              </a:solidFill>
+              <a:headEnd type="none" w="med" len="med"/>
+              <a:tailEnd type="arrow" w="med" len="med"/>
+            </a:ln>
+          </p:spPr>
+          <p:style>
+            <a:lnRef idx="1">
+              <a:schemeClr val="accent1"/>
+            </a:lnRef>
+            <a:fillRef idx="0">
+              <a:schemeClr val="accent1"/>
+            </a:fillRef>
+            <a:effectRef idx="0">
+              <a:schemeClr val="accent1"/>
+            </a:effectRef>
+            <a:fontRef idx="minor">
+              <a:schemeClr val="tx1"/>
+            </a:fontRef>
+          </p:style>
+        </p:cxnSp>
+        <p:sp>
+          <p:nvSpPr>
+            <p:cNvPr id="86" name="TextBox 85">
+              <a:extLst>
+                <a:ext uri="{FF2B5EF4-FFF2-40B4-BE49-F238E27FC236}">
+                  <a16:creationId xmlns="" xmlns:a16="http://schemas.microsoft.com/office/drawing/2014/main" id="{2AEA4195-EC52-4EB4-BC56-00DCD87AC0CA}"/>
+                </a:ext>
+              </a:extLst>
+            </p:cNvPr>
+            <p:cNvSpPr txBox="1"/>
+            <p:nvPr/>
+          </p:nvSpPr>
+          <p:spPr>
+            <a:xfrm>
+              <a:off x="1547664" y="1296848"/>
+              <a:ext cx="1728192" cy="307777"/>
+            </a:xfrm>
+            <a:prstGeom prst="rect">
+              <a:avLst/>
+            </a:prstGeom>
+            <a:noFill/>
+          </p:spPr>
+          <p:txBody>
+            <a:bodyPr wrap="square" rtlCol="0">
+              <a:spAutoFit/>
+            </a:bodyPr>
+            <a:lstStyle/>
+            <a:p>
+              <a:pPr algn="ctr"/>
+              <a:r>
+                <a:rPr lang="en-US" altLang="ko-KR" sz="1400" dirty="0" err="1" smtClean="0"/>
+                <a:t>Proces</a:t>
+              </a:r>
+              <a:r>
+                <a:rPr lang="en-US" altLang="ko-KR" sz="1400" dirty="0" smtClean="0"/>
+                <a:t> Status</a:t>
+              </a:r>
+              <a:endParaRPr lang="ko-KR" altLang="en-US" sz="1400" dirty="0"/>
+            </a:p>
+          </p:txBody>
+        </p:sp>
+        <p:cxnSp>
+          <p:nvCxnSpPr>
+            <p:cNvPr id="87" name="직선 화살표 연결선 86">
+              <a:extLst>
+                <a:ext uri="{FF2B5EF4-FFF2-40B4-BE49-F238E27FC236}">
+                  <a16:creationId xmlns="" xmlns:a16="http://schemas.microsoft.com/office/drawing/2014/main" id="{DB4483B7-6B6E-4872-82B2-9F46BC8C4410}"/>
+                </a:ext>
+              </a:extLst>
+            </p:cNvPr>
+            <p:cNvCxnSpPr>
+              <a:cxnSpLocks/>
+              <a:endCxn id="88" idx="1"/>
+            </p:cNvCxnSpPr>
+            <p:nvPr/>
+          </p:nvCxnSpPr>
+          <p:spPr>
+            <a:xfrm>
+              <a:off x="1187624" y="1755822"/>
+              <a:ext cx="360040" cy="0"/>
+            </a:xfrm>
+            <a:prstGeom prst="straightConnector1">
+              <a:avLst/>
+            </a:prstGeom>
+            <a:ln w="28575">
+              <a:solidFill>
+                <a:srgbClr val="C00000"/>
+              </a:solidFill>
+              <a:headEnd type="none" w="med" len="med"/>
+              <a:tailEnd type="arrow" w="med" len="med"/>
+            </a:ln>
+          </p:spPr>
+          <p:style>
+            <a:lnRef idx="1">
+              <a:schemeClr val="accent1"/>
+            </a:lnRef>
+            <a:fillRef idx="0">
+              <a:schemeClr val="accent1"/>
+            </a:fillRef>
+            <a:effectRef idx="0">
+              <a:schemeClr val="accent1"/>
+            </a:effectRef>
+            <a:fontRef idx="minor">
+              <a:schemeClr val="tx1"/>
+            </a:fontRef>
+          </p:style>
+        </p:cxnSp>
+        <p:sp>
+          <p:nvSpPr>
+            <p:cNvPr id="88" name="TextBox 87">
+              <a:extLst>
+                <a:ext uri="{FF2B5EF4-FFF2-40B4-BE49-F238E27FC236}">
+                  <a16:creationId xmlns="" xmlns:a16="http://schemas.microsoft.com/office/drawing/2014/main" id="{E48ABFB1-B00A-4E38-8BD4-CD95ECE0BA7A}"/>
+                </a:ext>
+              </a:extLst>
+            </p:cNvPr>
+            <p:cNvSpPr txBox="1"/>
+            <p:nvPr/>
+          </p:nvSpPr>
+          <p:spPr>
+            <a:xfrm>
+              <a:off x="1547664" y="1601933"/>
+              <a:ext cx="1728192" cy="307777"/>
+            </a:xfrm>
+            <a:prstGeom prst="rect">
+              <a:avLst/>
+            </a:prstGeom>
+            <a:noFill/>
+          </p:spPr>
+          <p:txBody>
+            <a:bodyPr wrap="square" rtlCol="0">
+              <a:spAutoFit/>
+            </a:bodyPr>
+            <a:lstStyle/>
+            <a:p>
+              <a:pPr algn="ctr"/>
+              <a:r>
+                <a:rPr lang="en-US" altLang="ko-KR" sz="1400" dirty="0"/>
+                <a:t>Node Status</a:t>
+              </a:r>
+              <a:endParaRPr lang="ko-KR" altLang="en-US" sz="1400" dirty="0"/>
+            </a:p>
+          </p:txBody>
+        </p:sp>
+        <p:cxnSp>
+          <p:nvCxnSpPr>
+            <p:cNvPr id="89" name="직선 화살표 연결선 88">
+              <a:extLst>
+                <a:ext uri="{FF2B5EF4-FFF2-40B4-BE49-F238E27FC236}">
+                  <a16:creationId xmlns="" xmlns:a16="http://schemas.microsoft.com/office/drawing/2014/main" id="{DBE2957A-8326-4EB5-88A9-1B4699318030}"/>
+                </a:ext>
+              </a:extLst>
+            </p:cNvPr>
+            <p:cNvCxnSpPr>
+              <a:cxnSpLocks/>
+              <a:endCxn id="90" idx="1"/>
+            </p:cNvCxnSpPr>
+            <p:nvPr/>
+          </p:nvCxnSpPr>
+          <p:spPr>
+            <a:xfrm>
+              <a:off x="1187624" y="2065096"/>
+              <a:ext cx="360040" cy="0"/>
+            </a:xfrm>
+            <a:prstGeom prst="straightConnector1">
+              <a:avLst/>
+            </a:prstGeom>
+            <a:ln w="28575">
+              <a:solidFill>
+                <a:schemeClr val="accent3">
+                  <a:lumMod val="75000"/>
+                </a:schemeClr>
+              </a:solidFill>
+              <a:headEnd type="none" w="med" len="med"/>
+              <a:tailEnd type="arrow" w="med" len="med"/>
+            </a:ln>
+          </p:spPr>
+          <p:style>
+            <a:lnRef idx="1">
+              <a:schemeClr val="accent1"/>
+            </a:lnRef>
+            <a:fillRef idx="0">
+              <a:schemeClr val="accent1"/>
+            </a:fillRef>
+            <a:effectRef idx="0">
+              <a:schemeClr val="accent1"/>
+            </a:effectRef>
+            <a:fontRef idx="minor">
+              <a:schemeClr val="tx1"/>
+            </a:fontRef>
+          </p:style>
+        </p:cxnSp>
+        <p:sp>
+          <p:nvSpPr>
+            <p:cNvPr id="90" name="TextBox 89">
+              <a:extLst>
+                <a:ext uri="{FF2B5EF4-FFF2-40B4-BE49-F238E27FC236}">
+                  <a16:creationId xmlns="" xmlns:a16="http://schemas.microsoft.com/office/drawing/2014/main" id="{B1BA5C7E-8007-4B30-8EFA-359BE83561CF}"/>
+                </a:ext>
+              </a:extLst>
+            </p:cNvPr>
+            <p:cNvSpPr txBox="1"/>
+            <p:nvPr/>
+          </p:nvSpPr>
+          <p:spPr>
+            <a:xfrm>
+              <a:off x="1547664" y="1911207"/>
+              <a:ext cx="1728192" cy="307777"/>
+            </a:xfrm>
+            <a:prstGeom prst="rect">
+              <a:avLst/>
+            </a:prstGeom>
+            <a:noFill/>
+          </p:spPr>
+          <p:txBody>
+            <a:bodyPr wrap="square" rtlCol="0">
+              <a:spAutoFit/>
+            </a:bodyPr>
+            <a:lstStyle/>
+            <a:p>
+              <a:pPr algn="ctr"/>
+              <a:r>
+                <a:rPr lang="en-US" altLang="ko-KR" sz="1400"/>
+                <a:t>Resource Request</a:t>
+              </a:r>
+              <a:endParaRPr lang="ko-KR" altLang="en-US" sz="1400"/>
+            </a:p>
+          </p:txBody>
+        </p:sp>
+      </p:grpSp>
+    </p:spTree>
+    <p:extLst>
+      <p:ext uri="{BB962C8B-B14F-4D97-AF65-F5344CB8AC3E}">
+        <p14:creationId xmlns:p14="http://schemas.microsoft.com/office/powerpoint/2010/main" val="3724021028"/>
+      </p:ext>
+    </p:extLst>
+  </p:cSld>
+  <p:clrMapOvr>
+    <a:masterClrMapping/>
+  </p:clrMapOvr>
+</p:sld>
+</file>
+
+<file path=ppt/slides/slide7.xml><?xml version="1.0" encoding="utf-8"?>
+<p:sld xmlns:a="http://schemas.openxmlformats.org/drawingml/2006/main" xmlns:r="http://schemas.openxmlformats.org/officeDocument/2006/relationships" xmlns:p="http://schemas.openxmlformats.org/presentationml/2006/main">
+  <p:cSld>
+    <p:spTree>
+      <p:nvGrpSpPr>
+        <p:cNvPr id="1" name=""/>
+        <p:cNvGrpSpPr/>
+        <p:nvPr/>
+      </p:nvGrpSpPr>
+      <p:grpSpPr>
+        <a:xfrm>
+          <a:off x="0" y="0"/>
+          <a:ext cx="0" cy="0"/>
+          <a:chOff x="0" y="0"/>
+          <a:chExt cx="0" cy="0"/>
+        </a:xfrm>
+      </p:grpSpPr>
+      <p:sp>
+        <p:nvSpPr>
+          <p:cNvPr id="2" name="제목 1">
+            <a:extLst>
+              <a:ext uri="{FF2B5EF4-FFF2-40B4-BE49-F238E27FC236}">
+                <a16:creationId xmlns:a16="http://schemas.microsoft.com/office/drawing/2014/main" xmlns="" id="{8738443D-5E72-49E2-86AC-581D61C41C39}"/>
+              </a:ext>
+            </a:extLst>
+          </p:cNvPr>
+          <p:cNvSpPr>
+            <a:spLocks noGrp="1"/>
+          </p:cNvSpPr>
+          <p:nvPr>
+            <p:ph type="title"/>
+          </p:nvPr>
+        </p:nvSpPr>
+        <p:spPr>
+          <a:xfrm>
+            <a:off x="457200" y="-92546"/>
+            <a:ext cx="8229600" cy="857250"/>
+          </a:xfrm>
+        </p:spPr>
+        <p:txBody>
+          <a:bodyPr/>
+          <a:lstStyle/>
+          <a:p>
+            <a:r>
+              <a:rPr lang="en-US" altLang="ko-KR"/>
+              <a:t>YARN Architecture</a:t>
+            </a:r>
+            <a:endParaRPr lang="ko-KR" altLang="en-US" dirty="0"/>
+          </a:p>
+        </p:txBody>
+      </p:sp>
+      <p:sp>
+        <p:nvSpPr>
+          <p:cNvPr id="4" name="모서리가 둥근 직사각형 18">
+            <a:extLst>
+              <a:ext uri="{FF2B5EF4-FFF2-40B4-BE49-F238E27FC236}">
+                <a16:creationId xmlns:a16="http://schemas.microsoft.com/office/drawing/2014/main" xmlns="" id="{90910971-3F87-488C-9CD0-4E04E8DEA3B0}"/>
+              </a:ext>
+            </a:extLst>
+          </p:cNvPr>
+          <p:cNvSpPr/>
+          <p:nvPr/>
+        </p:nvSpPr>
+        <p:spPr>
+          <a:xfrm>
+            <a:off x="5148062" y="843558"/>
+            <a:ext cx="2448274" cy="1296144"/>
+          </a:xfrm>
+          <a:prstGeom prst="roundRect">
+            <a:avLst>
+              <a:gd name="adj" fmla="val 4853"/>
+            </a:avLst>
+          </a:prstGeom>
+        </p:spPr>
+        <p:style>
+          <a:lnRef idx="2">
+            <a:schemeClr val="dk1"/>
+          </a:lnRef>
+          <a:fillRef idx="1">
+            <a:schemeClr val="lt1"/>
+          </a:fillRef>
+          <a:effectRef idx="0">
+            <a:schemeClr val="dk1"/>
+          </a:effectRef>
+          <a:fontRef idx="minor">
+            <a:schemeClr val="dk1"/>
+          </a:fontRef>
+        </p:style>
+        <p:txBody>
+          <a:bodyPr rtlCol="0" anchor="t"/>
+          <a:lstStyle/>
+          <a:p>
+            <a:pPr algn="ctr"/>
+            <a:r>
+              <a:rPr lang="en-US" altLang="ko-KR" sz="1400" dirty="0"/>
+              <a:t>Node</a:t>
+            </a:r>
+            <a:endParaRPr lang="ko-KR" altLang="en-US" sz="1400" dirty="0"/>
+          </a:p>
+        </p:txBody>
+      </p:sp>
+      <p:sp>
+        <p:nvSpPr>
+          <p:cNvPr id="6" name="모서리가 둥근 직사각형 18">
+            <a:extLst>
+              <a:ext uri="{FF2B5EF4-FFF2-40B4-BE49-F238E27FC236}">
+                <a16:creationId xmlns:a16="http://schemas.microsoft.com/office/drawing/2014/main" xmlns="" id="{F5302ADF-D203-4131-A3B2-4F84C5314C62}"/>
+              </a:ext>
+            </a:extLst>
+          </p:cNvPr>
+          <p:cNvSpPr/>
+          <p:nvPr/>
+        </p:nvSpPr>
+        <p:spPr>
+          <a:xfrm>
+            <a:off x="5283006" y="1177176"/>
+            <a:ext cx="2178387" cy="818510"/>
+          </a:xfrm>
+          <a:prstGeom prst="roundRect">
+            <a:avLst>
+              <a:gd name="adj" fmla="val 9948"/>
+            </a:avLst>
+          </a:prstGeom>
+        </p:spPr>
+        <p:style>
+          <a:lnRef idx="2">
+            <a:schemeClr val="dk1"/>
+          </a:lnRef>
+          <a:fillRef idx="1">
+            <a:schemeClr val="lt1"/>
+          </a:fillRef>
+          <a:effectRef idx="0">
+            <a:schemeClr val="dk1"/>
+          </a:effectRef>
+          <a:fontRef idx="minor">
+            <a:schemeClr val="dk1"/>
+          </a:fontRef>
+        </p:style>
+        <p:txBody>
+          <a:bodyPr rtlCol="0" anchor="t"/>
+          <a:lstStyle/>
+          <a:p>
+            <a:pPr algn="ctr"/>
+            <a:r>
+              <a:rPr lang="en-US" altLang="ko-KR" sz="1400" dirty="0"/>
+              <a:t>Resource Manager</a:t>
+            </a:r>
+            <a:endParaRPr lang="ko-KR" altLang="en-US" sz="1400" dirty="0"/>
+          </a:p>
+        </p:txBody>
+      </p:sp>
+      <p:sp>
+        <p:nvSpPr>
+          <p:cNvPr id="30" name="타원 29">
+            <a:extLst>
+              <a:ext uri="{FF2B5EF4-FFF2-40B4-BE49-F238E27FC236}">
                 <a16:creationId xmlns:a16="http://schemas.microsoft.com/office/drawing/2014/main" xmlns="" id="{0006BDA6-9444-4FFD-B5BD-EED6E274CFFA}"/>
               </a:ext>
             </a:extLst>
@@ -12071,8 +13884,8 @@
         </p:nvSpPr>
         <p:spPr>
           <a:xfrm>
-            <a:off x="3923928" y="1419622"/>
-            <a:ext cx="1368152" cy="576064"/>
+            <a:off x="3641078" y="1298636"/>
+            <a:ext cx="930922" cy="576064"/>
           </a:xfrm>
           <a:prstGeom prst="ellipse">
             <a:avLst/>
@@ -12218,7 +14031,7 @@
             <a:p>
               <a:pPr algn="ctr"/>
               <a:r>
-                <a:rPr lang="en-US" altLang="ko-KR" sz="1400"/>
+                <a:rPr lang="en-US" altLang="ko-KR" sz="1400" dirty="0"/>
                 <a:t>Node Manager</a:t>
               </a:r>
               <a:endParaRPr lang="ko-KR" altLang="en-US" sz="1400" dirty="0"/>
@@ -12245,6 +14058,12 @@
             <a:prstGeom prst="ellipse">
               <a:avLst/>
             </a:prstGeom>
+            <a:solidFill>
+              <a:schemeClr val="accent3">
+                <a:lumMod val="40000"/>
+                <a:lumOff val="60000"/>
+              </a:schemeClr>
+            </a:solidFill>
           </p:spPr>
           <p:style>
             <a:lnRef idx="2">
@@ -12266,10 +14085,17 @@
             <a:p>
               <a:pPr algn="ctr"/>
               <a:r>
-                <a:rPr lang="en-US" altLang="ko-KR" sz="1400"/>
-                <a:t>Container</a:t>
+                <a:rPr lang="en-US" altLang="ko-KR" sz="1200" dirty="0" smtClean="0"/>
+                <a:t>Container - </a:t>
               </a:r>
-              <a:endParaRPr lang="ko-KR" altLang="en-US" sz="1400"/>
+            </a:p>
+            <a:p>
+              <a:pPr algn="ctr"/>
+              <a:r>
+                <a:rPr lang="en-US" altLang="ko-KR" sz="1200" dirty="0" smtClean="0"/>
+                <a:t>App A</a:t>
+              </a:r>
+              <a:endParaRPr lang="ko-KR" altLang="en-US" sz="1200" dirty="0"/>
             </a:p>
           </p:txBody>
         </p:sp>
@@ -12293,6 +14119,12 @@
             <a:prstGeom prst="ellipse">
               <a:avLst/>
             </a:prstGeom>
+            <a:solidFill>
+              <a:schemeClr val="accent5">
+                <a:lumMod val="40000"/>
+                <a:lumOff val="60000"/>
+              </a:schemeClr>
+            </a:solidFill>
           </p:spPr>
           <p:style>
             <a:lnRef idx="2">
@@ -12314,10 +14146,10 @@
             <a:p>
               <a:pPr algn="ctr"/>
               <a:r>
-                <a:rPr lang="en-US" altLang="ko-KR" sz="1400"/>
-                <a:t>App Master</a:t>
+                <a:rPr lang="en-US" altLang="ko-KR" sz="1100" dirty="0" smtClean="0"/>
+                <a:t>Container - App Master B</a:t>
               </a:r>
-              <a:endParaRPr lang="ko-KR" altLang="en-US" sz="1400"/>
+              <a:endParaRPr lang="ko-KR" altLang="en-US" sz="1100" dirty="0"/>
             </a:p>
           </p:txBody>
         </p:sp>
@@ -12462,6 +14294,12 @@
             <a:prstGeom prst="ellipse">
               <a:avLst/>
             </a:prstGeom>
+            <a:solidFill>
+              <a:schemeClr val="accent3">
+                <a:lumMod val="40000"/>
+                <a:lumOff val="60000"/>
+              </a:schemeClr>
+            </a:solidFill>
           </p:spPr>
           <p:style>
             <a:lnRef idx="2">
@@ -12483,10 +14321,17 @@
             <a:p>
               <a:pPr algn="ctr"/>
               <a:r>
-                <a:rPr lang="en-US" altLang="ko-KR" sz="1400"/>
-                <a:t>App Master</a:t>
+                <a:rPr lang="en-US" altLang="ko-KR" sz="1100" dirty="0" smtClean="0"/>
+                <a:t>Container -</a:t>
               </a:r>
-              <a:endParaRPr lang="ko-KR" altLang="en-US" sz="1400"/>
+            </a:p>
+            <a:p>
+              <a:pPr algn="ctr"/>
+              <a:r>
+                <a:rPr lang="en-US" altLang="ko-KR" sz="1100" dirty="0" smtClean="0"/>
+                <a:t>App Master A</a:t>
+              </a:r>
+              <a:endParaRPr lang="ko-KR" altLang="en-US" sz="1100" dirty="0"/>
             </a:p>
           </p:txBody>
         </p:sp>
@@ -12510,6 +14355,12 @@
             <a:prstGeom prst="ellipse">
               <a:avLst/>
             </a:prstGeom>
+            <a:solidFill>
+              <a:schemeClr val="accent5">
+                <a:lumMod val="40000"/>
+                <a:lumOff val="60000"/>
+              </a:schemeClr>
+            </a:solidFill>
           </p:spPr>
           <p:style>
             <a:lnRef idx="2">
@@ -12531,10 +14382,17 @@
             <a:p>
               <a:pPr algn="ctr"/>
               <a:r>
-                <a:rPr lang="en-US" altLang="ko-KR" sz="1400"/>
-                <a:t>Container</a:t>
+                <a:rPr lang="en-US" altLang="ko-KR" sz="1200" dirty="0" smtClean="0"/>
+                <a:t>Container - </a:t>
               </a:r>
-              <a:endParaRPr lang="ko-KR" altLang="en-US" sz="1400"/>
+            </a:p>
+            <a:p>
+              <a:pPr algn="ctr"/>
+              <a:r>
+                <a:rPr lang="en-US" altLang="ko-KR" sz="1200" dirty="0" smtClean="0"/>
+                <a:t>App B</a:t>
+              </a:r>
+              <a:endParaRPr lang="ko-KR" altLang="en-US" sz="1200" dirty="0"/>
             </a:p>
           </p:txBody>
         </p:sp>
@@ -12679,1755 +14537,6 @@
             <a:prstGeom prst="ellipse">
               <a:avLst/>
             </a:prstGeom>
-          </p:spPr>
-          <p:style>
-            <a:lnRef idx="2">
-              <a:schemeClr val="dk1"/>
-            </a:lnRef>
-            <a:fillRef idx="1">
-              <a:schemeClr val="lt1"/>
-            </a:fillRef>
-            <a:effectRef idx="0">
-              <a:schemeClr val="dk1"/>
-            </a:effectRef>
-            <a:fontRef idx="minor">
-              <a:schemeClr val="dk1"/>
-            </a:fontRef>
-          </p:style>
-          <p:txBody>
-            <a:bodyPr rtlCol="0" anchor="ctr"/>
-            <a:lstStyle/>
-            <a:p>
-              <a:pPr algn="ctr"/>
-              <a:r>
-                <a:rPr lang="en-US" altLang="ko-KR" sz="1400"/>
-                <a:t>Container</a:t>
-              </a:r>
-              <a:endParaRPr lang="ko-KR" altLang="en-US" sz="1400"/>
-            </a:p>
-          </p:txBody>
-        </p:sp>
-        <p:sp>
-          <p:nvSpPr>
-            <p:cNvPr id="43" name="타원 42">
-              <a:extLst>
-                <a:ext uri="{FF2B5EF4-FFF2-40B4-BE49-F238E27FC236}">
-                  <a16:creationId xmlns:a16="http://schemas.microsoft.com/office/drawing/2014/main" xmlns="" id="{4DD7207F-BE20-4232-B346-EA201B5A8D78}"/>
-                </a:ext>
-              </a:extLst>
-            </p:cNvPr>
-            <p:cNvSpPr/>
-            <p:nvPr/>
-          </p:nvSpPr>
-          <p:spPr>
-            <a:xfrm>
-              <a:off x="4716016" y="4011910"/>
-              <a:ext cx="1584176" cy="576064"/>
-            </a:xfrm>
-            <a:prstGeom prst="ellipse">
-              <a:avLst/>
-            </a:prstGeom>
-          </p:spPr>
-          <p:style>
-            <a:lnRef idx="2">
-              <a:schemeClr val="dk1"/>
-            </a:lnRef>
-            <a:fillRef idx="1">
-              <a:schemeClr val="lt1"/>
-            </a:fillRef>
-            <a:effectRef idx="0">
-              <a:schemeClr val="dk1"/>
-            </a:effectRef>
-            <a:fontRef idx="minor">
-              <a:schemeClr val="dk1"/>
-            </a:fontRef>
-          </p:style>
-          <p:txBody>
-            <a:bodyPr rtlCol="0" anchor="ctr"/>
-            <a:lstStyle/>
-            <a:p>
-              <a:pPr algn="ctr"/>
-              <a:r>
-                <a:rPr lang="en-US" altLang="ko-KR" sz="1400"/>
-                <a:t>Container</a:t>
-              </a:r>
-              <a:endParaRPr lang="ko-KR" altLang="en-US" sz="1400"/>
-            </a:p>
-          </p:txBody>
-        </p:sp>
-      </p:grpSp>
-      <p:cxnSp>
-        <p:nvCxnSpPr>
-          <p:cNvPr id="45" name="직선 화살표 연결선 44">
-            <a:extLst>
-              <a:ext uri="{FF2B5EF4-FFF2-40B4-BE49-F238E27FC236}">
-                <a16:creationId xmlns:a16="http://schemas.microsoft.com/office/drawing/2014/main" xmlns="" id="{63CD95EA-9302-411A-9FCB-C8FDCBFA495D}"/>
-              </a:ext>
-            </a:extLst>
-          </p:cNvPr>
-          <p:cNvCxnSpPr>
-            <a:cxnSpLocks/>
-            <a:stCxn id="41" idx="0"/>
-            <a:endCxn id="6" idx="2"/>
-          </p:cNvCxnSpPr>
-          <p:nvPr/>
-        </p:nvCxnSpPr>
-        <p:spPr>
-          <a:xfrm flipV="1">
-            <a:off x="2539264" y="1995686"/>
-            <a:ext cx="3839420" cy="619184"/>
-          </a:xfrm>
-          <a:prstGeom prst="straightConnector1">
-            <a:avLst/>
-          </a:prstGeom>
-          <a:ln w="28575">
-            <a:solidFill>
-              <a:srgbClr val="C00000"/>
-            </a:solidFill>
-            <a:headEnd type="none" w="med" len="med"/>
-            <a:tailEnd type="arrow" w="med" len="med"/>
-          </a:ln>
-        </p:spPr>
-        <p:style>
-          <a:lnRef idx="1">
-            <a:schemeClr val="accent1"/>
-          </a:lnRef>
-          <a:fillRef idx="0">
-            <a:schemeClr val="accent1"/>
-          </a:fillRef>
-          <a:effectRef idx="0">
-            <a:schemeClr val="accent1"/>
-          </a:effectRef>
-          <a:fontRef idx="minor">
-            <a:schemeClr val="tx1"/>
-          </a:fontRef>
-        </p:style>
-      </p:cxnSp>
-      <p:cxnSp>
-        <p:nvCxnSpPr>
-          <p:cNvPr id="48" name="직선 화살표 연결선 47">
-            <a:extLst>
-              <a:ext uri="{FF2B5EF4-FFF2-40B4-BE49-F238E27FC236}">
-                <a16:creationId xmlns:a16="http://schemas.microsoft.com/office/drawing/2014/main" xmlns="" id="{A9100779-8D7F-447C-B48B-26391BE18849}"/>
-              </a:ext>
-            </a:extLst>
-          </p:cNvPr>
-          <p:cNvCxnSpPr>
-            <a:cxnSpLocks/>
-            <a:stCxn id="36" idx="0"/>
-            <a:endCxn id="6" idx="2"/>
-          </p:cNvCxnSpPr>
-          <p:nvPr/>
-        </p:nvCxnSpPr>
-        <p:spPr>
-          <a:xfrm flipV="1">
-            <a:off x="4598053" y="1995686"/>
-            <a:ext cx="1780631" cy="619184"/>
-          </a:xfrm>
-          <a:prstGeom prst="straightConnector1">
-            <a:avLst/>
-          </a:prstGeom>
-          <a:ln w="28575">
-            <a:solidFill>
-              <a:srgbClr val="C00000"/>
-            </a:solidFill>
-            <a:headEnd type="none" w="med" len="med"/>
-            <a:tailEnd type="arrow" w="med" len="med"/>
-          </a:ln>
-        </p:spPr>
-        <p:style>
-          <a:lnRef idx="1">
-            <a:schemeClr val="accent1"/>
-          </a:lnRef>
-          <a:fillRef idx="0">
-            <a:schemeClr val="accent1"/>
-          </a:fillRef>
-          <a:effectRef idx="0">
-            <a:schemeClr val="accent1"/>
-          </a:effectRef>
-          <a:fontRef idx="minor">
-            <a:schemeClr val="tx1"/>
-          </a:fontRef>
-        </p:style>
-      </p:cxnSp>
-      <p:cxnSp>
-        <p:nvCxnSpPr>
-          <p:cNvPr id="51" name="직선 화살표 연결선 50">
-            <a:extLst>
-              <a:ext uri="{FF2B5EF4-FFF2-40B4-BE49-F238E27FC236}">
-                <a16:creationId xmlns:a16="http://schemas.microsoft.com/office/drawing/2014/main" xmlns="" id="{3933F28B-AC51-417E-BC5B-2AD39C7EFC81}"/>
-              </a:ext>
-            </a:extLst>
-          </p:cNvPr>
-          <p:cNvCxnSpPr>
-            <a:cxnSpLocks/>
-            <a:stCxn id="26" idx="0"/>
-            <a:endCxn id="6" idx="2"/>
-          </p:cNvCxnSpPr>
-          <p:nvPr/>
-        </p:nvCxnSpPr>
-        <p:spPr>
-          <a:xfrm flipH="1" flipV="1">
-            <a:off x="6378684" y="1995686"/>
-            <a:ext cx="281548" cy="619184"/>
-          </a:xfrm>
-          <a:prstGeom prst="straightConnector1">
-            <a:avLst/>
-          </a:prstGeom>
-          <a:ln w="28575">
-            <a:solidFill>
-              <a:srgbClr val="C00000"/>
-            </a:solidFill>
-            <a:headEnd type="none" w="med" len="med"/>
-            <a:tailEnd type="arrow" w="med" len="med"/>
-          </a:ln>
-        </p:spPr>
-        <p:style>
-          <a:lnRef idx="1">
-            <a:schemeClr val="accent1"/>
-          </a:lnRef>
-          <a:fillRef idx="0">
-            <a:schemeClr val="accent1"/>
-          </a:fillRef>
-          <a:effectRef idx="0">
-            <a:schemeClr val="accent1"/>
-          </a:effectRef>
-          <a:fontRef idx="minor">
-            <a:schemeClr val="tx1"/>
-          </a:fontRef>
-        </p:style>
-      </p:cxnSp>
-      <p:cxnSp>
-        <p:nvCxnSpPr>
-          <p:cNvPr id="54" name="직선 화살표 연결선 53">
-            <a:extLst>
-              <a:ext uri="{FF2B5EF4-FFF2-40B4-BE49-F238E27FC236}">
-                <a16:creationId xmlns:a16="http://schemas.microsoft.com/office/drawing/2014/main" xmlns="" id="{6AA93637-C65C-4B5A-8B53-8E544BBE6A7F}"/>
-              </a:ext>
-            </a:extLst>
-          </p:cNvPr>
-          <p:cNvCxnSpPr>
-            <a:cxnSpLocks/>
-            <a:stCxn id="42" idx="6"/>
-            <a:endCxn id="37" idx="2"/>
-          </p:cNvCxnSpPr>
-          <p:nvPr/>
-        </p:nvCxnSpPr>
-        <p:spPr>
-          <a:xfrm>
-            <a:off x="3331352" y="3435846"/>
-            <a:ext cx="474613" cy="0"/>
-          </a:xfrm>
-          <a:prstGeom prst="straightConnector1">
-            <a:avLst/>
-          </a:prstGeom>
-          <a:ln w="28575">
-            <a:solidFill>
-              <a:schemeClr val="tx2"/>
-            </a:solidFill>
-            <a:headEnd type="none" w="med" len="med"/>
-            <a:tailEnd type="arrow" w="med" len="med"/>
-          </a:ln>
-        </p:spPr>
-        <p:style>
-          <a:lnRef idx="1">
-            <a:schemeClr val="accent1"/>
-          </a:lnRef>
-          <a:fillRef idx="0">
-            <a:schemeClr val="accent1"/>
-          </a:fillRef>
-          <a:effectRef idx="0">
-            <a:schemeClr val="accent1"/>
-          </a:effectRef>
-          <a:fontRef idx="minor">
-            <a:schemeClr val="tx1"/>
-          </a:fontRef>
-        </p:style>
-      </p:cxnSp>
-      <p:cxnSp>
-        <p:nvCxnSpPr>
-          <p:cNvPr id="57" name="직선 화살표 연결선 56">
-            <a:extLst>
-              <a:ext uri="{FF2B5EF4-FFF2-40B4-BE49-F238E27FC236}">
-                <a16:creationId xmlns:a16="http://schemas.microsoft.com/office/drawing/2014/main" xmlns="" id="{3A100D49-C29F-4AB6-B28A-334EF96F16AF}"/>
-              </a:ext>
-            </a:extLst>
-          </p:cNvPr>
-          <p:cNvCxnSpPr>
-            <a:cxnSpLocks/>
-            <a:stCxn id="43" idx="6"/>
-            <a:endCxn id="37" idx="2"/>
-          </p:cNvCxnSpPr>
-          <p:nvPr/>
-        </p:nvCxnSpPr>
-        <p:spPr>
-          <a:xfrm flipV="1">
-            <a:off x="3331352" y="3435846"/>
-            <a:ext cx="474613" cy="648072"/>
-          </a:xfrm>
-          <a:prstGeom prst="straightConnector1">
-            <a:avLst/>
-          </a:prstGeom>
-          <a:ln w="28575">
-            <a:solidFill>
-              <a:schemeClr val="tx2"/>
-            </a:solidFill>
-            <a:headEnd type="none" w="med" len="med"/>
-            <a:tailEnd type="arrow" w="med" len="med"/>
-          </a:ln>
-        </p:spPr>
-        <p:style>
-          <a:lnRef idx="1">
-            <a:schemeClr val="accent1"/>
-          </a:lnRef>
-          <a:fillRef idx="0">
-            <a:schemeClr val="accent1"/>
-          </a:fillRef>
-          <a:effectRef idx="0">
-            <a:schemeClr val="accent1"/>
-          </a:effectRef>
-          <a:fontRef idx="minor">
-            <a:schemeClr val="tx1"/>
-          </a:fontRef>
-        </p:style>
-      </p:cxnSp>
-      <p:cxnSp>
-        <p:nvCxnSpPr>
-          <p:cNvPr id="60" name="직선 화살표 연결선 59">
-            <a:extLst>
-              <a:ext uri="{FF2B5EF4-FFF2-40B4-BE49-F238E27FC236}">
-                <a16:creationId xmlns:a16="http://schemas.microsoft.com/office/drawing/2014/main" xmlns="" id="{4DEC1018-A708-4DC7-B2AD-00ABDB42B1D6}"/>
-              </a:ext>
-            </a:extLst>
-          </p:cNvPr>
-          <p:cNvCxnSpPr>
-            <a:cxnSpLocks/>
-            <a:stCxn id="38" idx="6"/>
-            <a:endCxn id="32" idx="2"/>
-          </p:cNvCxnSpPr>
-          <p:nvPr/>
-        </p:nvCxnSpPr>
-        <p:spPr>
-          <a:xfrm>
-            <a:off x="5390141" y="4083918"/>
-            <a:ext cx="478003" cy="0"/>
-          </a:xfrm>
-          <a:prstGeom prst="straightConnector1">
-            <a:avLst/>
-          </a:prstGeom>
-          <a:ln w="28575">
-            <a:solidFill>
-              <a:schemeClr val="tx2"/>
-            </a:solidFill>
-            <a:headEnd type="none" w="med" len="med"/>
-            <a:tailEnd type="arrow" w="med" len="med"/>
-          </a:ln>
-        </p:spPr>
-        <p:style>
-          <a:lnRef idx="1">
-            <a:schemeClr val="accent1"/>
-          </a:lnRef>
-          <a:fillRef idx="0">
-            <a:schemeClr val="accent1"/>
-          </a:fillRef>
-          <a:effectRef idx="0">
-            <a:schemeClr val="accent1"/>
-          </a:effectRef>
-          <a:fontRef idx="minor">
-            <a:schemeClr val="tx1"/>
-          </a:fontRef>
-        </p:style>
-      </p:cxnSp>
-      <p:cxnSp>
-        <p:nvCxnSpPr>
-          <p:cNvPr id="65" name="직선 화살표 연결선 64">
-            <a:extLst>
-              <a:ext uri="{FF2B5EF4-FFF2-40B4-BE49-F238E27FC236}">
-                <a16:creationId xmlns:a16="http://schemas.microsoft.com/office/drawing/2014/main" xmlns="" id="{795CA74B-6E12-4088-BBAC-31A825D66510}"/>
-              </a:ext>
-            </a:extLst>
-          </p:cNvPr>
-          <p:cNvCxnSpPr>
-            <a:cxnSpLocks/>
-            <a:stCxn id="29" idx="2"/>
-            <a:endCxn id="37" idx="6"/>
-          </p:cNvCxnSpPr>
-          <p:nvPr/>
-        </p:nvCxnSpPr>
-        <p:spPr>
-          <a:xfrm flipH="1">
-            <a:off x="5390141" y="3435846"/>
-            <a:ext cx="478003" cy="0"/>
-          </a:xfrm>
-          <a:prstGeom prst="straightConnector1">
-            <a:avLst/>
-          </a:prstGeom>
-          <a:ln w="28575">
-            <a:solidFill>
-              <a:schemeClr val="tx2"/>
-            </a:solidFill>
-            <a:headEnd type="none" w="med" len="med"/>
-            <a:tailEnd type="arrow" w="med" len="med"/>
-          </a:ln>
-        </p:spPr>
-        <p:style>
-          <a:lnRef idx="1">
-            <a:schemeClr val="accent1"/>
-          </a:lnRef>
-          <a:fillRef idx="0">
-            <a:schemeClr val="accent1"/>
-          </a:fillRef>
-          <a:effectRef idx="0">
-            <a:schemeClr val="accent1"/>
-          </a:effectRef>
-          <a:fontRef idx="minor">
-            <a:schemeClr val="tx1"/>
-          </a:fontRef>
-        </p:style>
-      </p:cxnSp>
-      <p:cxnSp>
-        <p:nvCxnSpPr>
-          <p:cNvPr id="68" name="직선 화살표 연결선 67">
-            <a:extLst>
-              <a:ext uri="{FF2B5EF4-FFF2-40B4-BE49-F238E27FC236}">
-                <a16:creationId xmlns:a16="http://schemas.microsoft.com/office/drawing/2014/main" xmlns="" id="{0F057480-7171-4B87-B299-002A985D1F30}"/>
-              </a:ext>
-            </a:extLst>
-          </p:cNvPr>
-          <p:cNvCxnSpPr>
-            <a:cxnSpLocks/>
-            <a:stCxn id="37" idx="0"/>
-            <a:endCxn id="6" idx="2"/>
-          </p:cNvCxnSpPr>
-          <p:nvPr/>
-        </p:nvCxnSpPr>
-        <p:spPr>
-          <a:xfrm flipV="1">
-            <a:off x="4598053" y="1995686"/>
-            <a:ext cx="1780631" cy="1152128"/>
-          </a:xfrm>
-          <a:prstGeom prst="straightConnector1">
-            <a:avLst/>
-          </a:prstGeom>
-          <a:ln w="28575">
-            <a:solidFill>
-              <a:schemeClr val="accent3">
-                <a:lumMod val="75000"/>
-              </a:schemeClr>
-            </a:solidFill>
-            <a:headEnd type="none" w="med" len="med"/>
-            <a:tailEnd type="arrow" w="med" len="med"/>
-          </a:ln>
-        </p:spPr>
-        <p:style>
-          <a:lnRef idx="1">
-            <a:schemeClr val="accent1"/>
-          </a:lnRef>
-          <a:fillRef idx="0">
-            <a:schemeClr val="accent1"/>
-          </a:fillRef>
-          <a:effectRef idx="0">
-            <a:schemeClr val="accent1"/>
-          </a:effectRef>
-          <a:fontRef idx="minor">
-            <a:schemeClr val="tx1"/>
-          </a:fontRef>
-        </p:style>
-      </p:cxnSp>
-      <p:cxnSp>
-        <p:nvCxnSpPr>
-          <p:cNvPr id="71" name="직선 화살표 연결선 70">
-            <a:extLst>
-              <a:ext uri="{FF2B5EF4-FFF2-40B4-BE49-F238E27FC236}">
-                <a16:creationId xmlns:a16="http://schemas.microsoft.com/office/drawing/2014/main" xmlns="" id="{3F847CB0-C800-488D-9A1C-5C275B3B32E1}"/>
-              </a:ext>
-            </a:extLst>
-          </p:cNvPr>
-          <p:cNvCxnSpPr>
-            <a:cxnSpLocks/>
-            <a:stCxn id="32" idx="0"/>
-            <a:endCxn id="6" idx="2"/>
-          </p:cNvCxnSpPr>
-          <p:nvPr/>
-        </p:nvCxnSpPr>
-        <p:spPr>
-          <a:xfrm flipH="1" flipV="1">
-            <a:off x="6378684" y="1995686"/>
-            <a:ext cx="281548" cy="1800200"/>
-          </a:xfrm>
-          <a:prstGeom prst="straightConnector1">
-            <a:avLst/>
-          </a:prstGeom>
-          <a:ln w="28575">
-            <a:solidFill>
-              <a:schemeClr val="accent3">
-                <a:lumMod val="75000"/>
-              </a:schemeClr>
-            </a:solidFill>
-            <a:headEnd type="none" w="med" len="med"/>
-            <a:tailEnd type="arrow" w="med" len="med"/>
-          </a:ln>
-        </p:spPr>
-        <p:style>
-          <a:lnRef idx="1">
-            <a:schemeClr val="accent1"/>
-          </a:lnRef>
-          <a:fillRef idx="0">
-            <a:schemeClr val="accent1"/>
-          </a:fillRef>
-          <a:effectRef idx="0">
-            <a:schemeClr val="accent1"/>
-          </a:effectRef>
-          <a:fontRef idx="minor">
-            <a:schemeClr val="tx1"/>
-          </a:fontRef>
-        </p:style>
-      </p:cxnSp>
-      <p:cxnSp>
-        <p:nvCxnSpPr>
-          <p:cNvPr id="75" name="직선 화살표 연결선 74">
-            <a:extLst>
-              <a:ext uri="{FF2B5EF4-FFF2-40B4-BE49-F238E27FC236}">
-                <a16:creationId xmlns:a16="http://schemas.microsoft.com/office/drawing/2014/main" xmlns="" id="{3E79A9E3-D35C-4D13-9C35-D56D0A88D17F}"/>
-              </a:ext>
-            </a:extLst>
-          </p:cNvPr>
-          <p:cNvCxnSpPr>
-            <a:cxnSpLocks/>
-            <a:stCxn id="30" idx="6"/>
-            <a:endCxn id="6" idx="1"/>
-          </p:cNvCxnSpPr>
-          <p:nvPr/>
-        </p:nvCxnSpPr>
-        <p:spPr>
-          <a:xfrm>
-            <a:off x="5292080" y="1707654"/>
-            <a:ext cx="415537" cy="0"/>
-          </a:xfrm>
-          <a:prstGeom prst="straightConnector1">
-            <a:avLst/>
-          </a:prstGeom>
-          <a:ln w="28575">
-            <a:solidFill>
-              <a:schemeClr val="accent5">
-                <a:lumMod val="75000"/>
-              </a:schemeClr>
-            </a:solidFill>
-            <a:headEnd type="none" w="med" len="med"/>
-            <a:tailEnd type="arrow" w="med" len="med"/>
-          </a:ln>
-        </p:spPr>
-        <p:style>
-          <a:lnRef idx="1">
-            <a:schemeClr val="accent1"/>
-          </a:lnRef>
-          <a:fillRef idx="0">
-            <a:schemeClr val="accent1"/>
-          </a:fillRef>
-          <a:effectRef idx="0">
-            <a:schemeClr val="accent1"/>
-          </a:effectRef>
-          <a:fontRef idx="minor">
-            <a:schemeClr val="tx1"/>
-          </a:fontRef>
-        </p:style>
-      </p:cxnSp>
-      <p:grpSp>
-        <p:nvGrpSpPr>
-          <p:cNvPr id="98" name="그룹 97">
-            <a:extLst>
-              <a:ext uri="{FF2B5EF4-FFF2-40B4-BE49-F238E27FC236}">
-                <a16:creationId xmlns:a16="http://schemas.microsoft.com/office/drawing/2014/main" xmlns="" id="{B2F6CFF1-DF54-4F02-88FB-F2B7EAF8E248}"/>
-              </a:ext>
-            </a:extLst>
-          </p:cNvPr>
-          <p:cNvGrpSpPr/>
-          <p:nvPr/>
-        </p:nvGrpSpPr>
-        <p:grpSpPr>
-          <a:xfrm>
-            <a:off x="1691680" y="987574"/>
-            <a:ext cx="2088232" cy="1231410"/>
-            <a:chOff x="1187624" y="987574"/>
-            <a:chExt cx="2088232" cy="1231410"/>
-          </a:xfrm>
-        </p:grpSpPr>
-        <p:cxnSp>
-          <p:nvCxnSpPr>
-            <p:cNvPr id="79" name="직선 화살표 연결선 78">
-              <a:extLst>
-                <a:ext uri="{FF2B5EF4-FFF2-40B4-BE49-F238E27FC236}">
-                  <a16:creationId xmlns:a16="http://schemas.microsoft.com/office/drawing/2014/main" xmlns="" id="{FEDAA768-BFC9-4E6D-9A55-597FD6687A4E}"/>
-                </a:ext>
-              </a:extLst>
-            </p:cNvPr>
-            <p:cNvCxnSpPr>
-              <a:cxnSpLocks/>
-              <a:endCxn id="82" idx="1"/>
-            </p:cNvCxnSpPr>
-            <p:nvPr/>
-          </p:nvCxnSpPr>
-          <p:spPr>
-            <a:xfrm>
-              <a:off x="1187624" y="1141463"/>
-              <a:ext cx="360040" cy="0"/>
-            </a:xfrm>
-            <a:prstGeom prst="straightConnector1">
-              <a:avLst/>
-            </a:prstGeom>
-            <a:ln w="28575">
-              <a:solidFill>
-                <a:schemeClr val="accent5">
-                  <a:lumMod val="75000"/>
-                </a:schemeClr>
-              </a:solidFill>
-              <a:headEnd type="none" w="med" len="med"/>
-              <a:tailEnd type="arrow" w="med" len="med"/>
-            </a:ln>
-          </p:spPr>
-          <p:style>
-            <a:lnRef idx="1">
-              <a:schemeClr val="accent1"/>
-            </a:lnRef>
-            <a:fillRef idx="0">
-              <a:schemeClr val="accent1"/>
-            </a:fillRef>
-            <a:effectRef idx="0">
-              <a:schemeClr val="accent1"/>
-            </a:effectRef>
-            <a:fontRef idx="minor">
-              <a:schemeClr val="tx1"/>
-            </a:fontRef>
-          </p:style>
-        </p:cxnSp>
-        <p:sp>
-          <p:nvSpPr>
-            <p:cNvPr id="82" name="TextBox 81">
-              <a:extLst>
-                <a:ext uri="{FF2B5EF4-FFF2-40B4-BE49-F238E27FC236}">
-                  <a16:creationId xmlns:a16="http://schemas.microsoft.com/office/drawing/2014/main" xmlns="" id="{08C76C99-553F-4622-9C6A-7756B2CFA84F}"/>
-                </a:ext>
-              </a:extLst>
-            </p:cNvPr>
-            <p:cNvSpPr txBox="1"/>
-            <p:nvPr/>
-          </p:nvSpPr>
-          <p:spPr>
-            <a:xfrm>
-              <a:off x="1547664" y="987574"/>
-              <a:ext cx="1728192" cy="307777"/>
-            </a:xfrm>
-            <a:prstGeom prst="rect">
-              <a:avLst/>
-            </a:prstGeom>
-            <a:noFill/>
-          </p:spPr>
-          <p:txBody>
-            <a:bodyPr wrap="square" rtlCol="0">
-              <a:spAutoFit/>
-            </a:bodyPr>
-            <a:lstStyle/>
-            <a:p>
-              <a:pPr algn="ctr"/>
-              <a:r>
-                <a:rPr lang="en-US" altLang="ko-KR" sz="1400"/>
-                <a:t>Job Submission</a:t>
-              </a:r>
-              <a:endParaRPr lang="ko-KR" altLang="en-US" sz="1400"/>
-            </a:p>
-          </p:txBody>
-        </p:sp>
-        <p:cxnSp>
-          <p:nvCxnSpPr>
-            <p:cNvPr id="85" name="직선 화살표 연결선 84">
-              <a:extLst>
-                <a:ext uri="{FF2B5EF4-FFF2-40B4-BE49-F238E27FC236}">
-                  <a16:creationId xmlns:a16="http://schemas.microsoft.com/office/drawing/2014/main" xmlns="" id="{BCF7F299-0FD2-4EDF-891C-D717BDED0371}"/>
-                </a:ext>
-              </a:extLst>
-            </p:cNvPr>
-            <p:cNvCxnSpPr>
-              <a:cxnSpLocks/>
-              <a:endCxn id="86" idx="1"/>
-            </p:cNvCxnSpPr>
-            <p:nvPr/>
-          </p:nvCxnSpPr>
-          <p:spPr>
-            <a:xfrm>
-              <a:off x="1187624" y="1450737"/>
-              <a:ext cx="360040" cy="0"/>
-            </a:xfrm>
-            <a:prstGeom prst="straightConnector1">
-              <a:avLst/>
-            </a:prstGeom>
-            <a:ln w="28575">
-              <a:solidFill>
-                <a:schemeClr val="tx2"/>
-              </a:solidFill>
-              <a:headEnd type="none" w="med" len="med"/>
-              <a:tailEnd type="arrow" w="med" len="med"/>
-            </a:ln>
-          </p:spPr>
-          <p:style>
-            <a:lnRef idx="1">
-              <a:schemeClr val="accent1"/>
-            </a:lnRef>
-            <a:fillRef idx="0">
-              <a:schemeClr val="accent1"/>
-            </a:fillRef>
-            <a:effectRef idx="0">
-              <a:schemeClr val="accent1"/>
-            </a:effectRef>
-            <a:fontRef idx="minor">
-              <a:schemeClr val="tx1"/>
-            </a:fontRef>
-          </p:style>
-        </p:cxnSp>
-        <p:sp>
-          <p:nvSpPr>
-            <p:cNvPr id="86" name="TextBox 85">
-              <a:extLst>
-                <a:ext uri="{FF2B5EF4-FFF2-40B4-BE49-F238E27FC236}">
-                  <a16:creationId xmlns:a16="http://schemas.microsoft.com/office/drawing/2014/main" xmlns="" id="{2AEA4195-EC52-4EB4-BC56-00DCD87AC0CA}"/>
-                </a:ext>
-              </a:extLst>
-            </p:cNvPr>
-            <p:cNvSpPr txBox="1"/>
-            <p:nvPr/>
-          </p:nvSpPr>
-          <p:spPr>
-            <a:xfrm>
-              <a:off x="1547664" y="1296848"/>
-              <a:ext cx="1728192" cy="307777"/>
-            </a:xfrm>
-            <a:prstGeom prst="rect">
-              <a:avLst/>
-            </a:prstGeom>
-            <a:noFill/>
-          </p:spPr>
-          <p:txBody>
-            <a:bodyPr wrap="square" rtlCol="0">
-              <a:spAutoFit/>
-            </a:bodyPr>
-            <a:lstStyle/>
-            <a:p>
-              <a:pPr algn="ctr"/>
-              <a:r>
-                <a:rPr lang="en-US" altLang="ko-KR" sz="1400" dirty="0" err="1" smtClean="0"/>
-                <a:t>Proces</a:t>
-              </a:r>
-              <a:r>
-                <a:rPr lang="en-US" altLang="ko-KR" sz="1400" dirty="0" smtClean="0"/>
-                <a:t> </a:t>
-              </a:r>
-              <a:r>
-                <a:rPr lang="en-US" altLang="ko-KR" sz="1400" dirty="0" smtClean="0"/>
-                <a:t>Status</a:t>
-              </a:r>
-              <a:endParaRPr lang="ko-KR" altLang="en-US" sz="1400" dirty="0"/>
-            </a:p>
-          </p:txBody>
-        </p:sp>
-        <p:cxnSp>
-          <p:nvCxnSpPr>
-            <p:cNvPr id="87" name="직선 화살표 연결선 86">
-              <a:extLst>
-                <a:ext uri="{FF2B5EF4-FFF2-40B4-BE49-F238E27FC236}">
-                  <a16:creationId xmlns:a16="http://schemas.microsoft.com/office/drawing/2014/main" xmlns="" id="{DB4483B7-6B6E-4872-82B2-9F46BC8C4410}"/>
-                </a:ext>
-              </a:extLst>
-            </p:cNvPr>
-            <p:cNvCxnSpPr>
-              <a:cxnSpLocks/>
-              <a:endCxn id="88" idx="1"/>
-            </p:cNvCxnSpPr>
-            <p:nvPr/>
-          </p:nvCxnSpPr>
-          <p:spPr>
-            <a:xfrm>
-              <a:off x="1187624" y="1755822"/>
-              <a:ext cx="360040" cy="0"/>
-            </a:xfrm>
-            <a:prstGeom prst="straightConnector1">
-              <a:avLst/>
-            </a:prstGeom>
-            <a:ln w="28575">
-              <a:solidFill>
-                <a:srgbClr val="C00000"/>
-              </a:solidFill>
-              <a:headEnd type="none" w="med" len="med"/>
-              <a:tailEnd type="arrow" w="med" len="med"/>
-            </a:ln>
-          </p:spPr>
-          <p:style>
-            <a:lnRef idx="1">
-              <a:schemeClr val="accent1"/>
-            </a:lnRef>
-            <a:fillRef idx="0">
-              <a:schemeClr val="accent1"/>
-            </a:fillRef>
-            <a:effectRef idx="0">
-              <a:schemeClr val="accent1"/>
-            </a:effectRef>
-            <a:fontRef idx="minor">
-              <a:schemeClr val="tx1"/>
-            </a:fontRef>
-          </p:style>
-        </p:cxnSp>
-        <p:sp>
-          <p:nvSpPr>
-            <p:cNvPr id="88" name="TextBox 87">
-              <a:extLst>
-                <a:ext uri="{FF2B5EF4-FFF2-40B4-BE49-F238E27FC236}">
-                  <a16:creationId xmlns:a16="http://schemas.microsoft.com/office/drawing/2014/main" xmlns="" id="{E48ABFB1-B00A-4E38-8BD4-CD95ECE0BA7A}"/>
-                </a:ext>
-              </a:extLst>
-            </p:cNvPr>
-            <p:cNvSpPr txBox="1"/>
-            <p:nvPr/>
-          </p:nvSpPr>
-          <p:spPr>
-            <a:xfrm>
-              <a:off x="1547664" y="1601933"/>
-              <a:ext cx="1728192" cy="307777"/>
-            </a:xfrm>
-            <a:prstGeom prst="rect">
-              <a:avLst/>
-            </a:prstGeom>
-            <a:noFill/>
-          </p:spPr>
-          <p:txBody>
-            <a:bodyPr wrap="square" rtlCol="0">
-              <a:spAutoFit/>
-            </a:bodyPr>
-            <a:lstStyle/>
-            <a:p>
-              <a:pPr algn="ctr"/>
-              <a:r>
-                <a:rPr lang="en-US" altLang="ko-KR" sz="1400" dirty="0"/>
-                <a:t>Node Status</a:t>
-              </a:r>
-              <a:endParaRPr lang="ko-KR" altLang="en-US" sz="1400" dirty="0"/>
-            </a:p>
-          </p:txBody>
-        </p:sp>
-        <p:cxnSp>
-          <p:nvCxnSpPr>
-            <p:cNvPr id="89" name="직선 화살표 연결선 88">
-              <a:extLst>
-                <a:ext uri="{FF2B5EF4-FFF2-40B4-BE49-F238E27FC236}">
-                  <a16:creationId xmlns:a16="http://schemas.microsoft.com/office/drawing/2014/main" xmlns="" id="{DBE2957A-8326-4EB5-88A9-1B4699318030}"/>
-                </a:ext>
-              </a:extLst>
-            </p:cNvPr>
-            <p:cNvCxnSpPr>
-              <a:cxnSpLocks/>
-              <a:endCxn id="90" idx="1"/>
-            </p:cNvCxnSpPr>
-            <p:nvPr/>
-          </p:nvCxnSpPr>
-          <p:spPr>
-            <a:xfrm>
-              <a:off x="1187624" y="2065096"/>
-              <a:ext cx="360040" cy="0"/>
-            </a:xfrm>
-            <a:prstGeom prst="straightConnector1">
-              <a:avLst/>
-            </a:prstGeom>
-            <a:ln w="28575">
-              <a:solidFill>
-                <a:schemeClr val="accent3">
-                  <a:lumMod val="75000"/>
-                </a:schemeClr>
-              </a:solidFill>
-              <a:headEnd type="none" w="med" len="med"/>
-              <a:tailEnd type="arrow" w="med" len="med"/>
-            </a:ln>
-          </p:spPr>
-          <p:style>
-            <a:lnRef idx="1">
-              <a:schemeClr val="accent1"/>
-            </a:lnRef>
-            <a:fillRef idx="0">
-              <a:schemeClr val="accent1"/>
-            </a:fillRef>
-            <a:effectRef idx="0">
-              <a:schemeClr val="accent1"/>
-            </a:effectRef>
-            <a:fontRef idx="minor">
-              <a:schemeClr val="tx1"/>
-            </a:fontRef>
-          </p:style>
-        </p:cxnSp>
-        <p:sp>
-          <p:nvSpPr>
-            <p:cNvPr id="90" name="TextBox 89">
-              <a:extLst>
-                <a:ext uri="{FF2B5EF4-FFF2-40B4-BE49-F238E27FC236}">
-                  <a16:creationId xmlns:a16="http://schemas.microsoft.com/office/drawing/2014/main" xmlns="" id="{B1BA5C7E-8007-4B30-8EFA-359BE83561CF}"/>
-                </a:ext>
-              </a:extLst>
-            </p:cNvPr>
-            <p:cNvSpPr txBox="1"/>
-            <p:nvPr/>
-          </p:nvSpPr>
-          <p:spPr>
-            <a:xfrm>
-              <a:off x="1547664" y="1911207"/>
-              <a:ext cx="1728192" cy="307777"/>
-            </a:xfrm>
-            <a:prstGeom prst="rect">
-              <a:avLst/>
-            </a:prstGeom>
-            <a:noFill/>
-          </p:spPr>
-          <p:txBody>
-            <a:bodyPr wrap="square" rtlCol="0">
-              <a:spAutoFit/>
-            </a:bodyPr>
-            <a:lstStyle/>
-            <a:p>
-              <a:pPr algn="ctr"/>
-              <a:r>
-                <a:rPr lang="en-US" altLang="ko-KR" sz="1400"/>
-                <a:t>Resource Request</a:t>
-              </a:r>
-              <a:endParaRPr lang="ko-KR" altLang="en-US" sz="1400"/>
-            </a:p>
-          </p:txBody>
-        </p:sp>
-      </p:grpSp>
-    </p:spTree>
-    <p:extLst>
-      <p:ext uri="{BB962C8B-B14F-4D97-AF65-F5344CB8AC3E}">
-        <p14:creationId xmlns:p14="http://schemas.microsoft.com/office/powerpoint/2010/main" val="3724021028"/>
-      </p:ext>
-    </p:extLst>
-  </p:cSld>
-  <p:clrMapOvr>
-    <a:masterClrMapping/>
-  </p:clrMapOvr>
-</p:sld>
-</file>
-
-<file path=ppt/slides/slide7.xml><?xml version="1.0" encoding="utf-8"?>
-<p:sld xmlns:a="http://schemas.openxmlformats.org/drawingml/2006/main" xmlns:r="http://schemas.openxmlformats.org/officeDocument/2006/relationships" xmlns:p="http://schemas.openxmlformats.org/presentationml/2006/main">
-  <p:cSld>
-    <p:spTree>
-      <p:nvGrpSpPr>
-        <p:cNvPr id="1" name=""/>
-        <p:cNvGrpSpPr/>
-        <p:nvPr/>
-      </p:nvGrpSpPr>
-      <p:grpSpPr>
-        <a:xfrm>
-          <a:off x="0" y="0"/>
-          <a:ext cx="0" cy="0"/>
-          <a:chOff x="0" y="0"/>
-          <a:chExt cx="0" cy="0"/>
-        </a:xfrm>
-      </p:grpSpPr>
-      <p:sp>
-        <p:nvSpPr>
-          <p:cNvPr id="2" name="제목 1">
-            <a:extLst>
-              <a:ext uri="{FF2B5EF4-FFF2-40B4-BE49-F238E27FC236}">
-                <a16:creationId xmlns="" xmlns:a16="http://schemas.microsoft.com/office/drawing/2014/main" id="{8738443D-5E72-49E2-86AC-581D61C41C39}"/>
-              </a:ext>
-            </a:extLst>
-          </p:cNvPr>
-          <p:cNvSpPr>
-            <a:spLocks noGrp="1"/>
-          </p:cNvSpPr>
-          <p:nvPr>
-            <p:ph type="title"/>
-          </p:nvPr>
-        </p:nvSpPr>
-        <p:spPr>
-          <a:xfrm>
-            <a:off x="457200" y="-92546"/>
-            <a:ext cx="8229600" cy="857250"/>
-          </a:xfrm>
-        </p:spPr>
-        <p:txBody>
-          <a:bodyPr/>
-          <a:lstStyle/>
-          <a:p>
-            <a:r>
-              <a:rPr lang="en-US" altLang="ko-KR"/>
-              <a:t>YARN Architecture</a:t>
-            </a:r>
-            <a:endParaRPr lang="ko-KR" altLang="en-US" dirty="0"/>
-          </a:p>
-        </p:txBody>
-      </p:sp>
-      <p:sp>
-        <p:nvSpPr>
-          <p:cNvPr id="4" name="모서리가 둥근 직사각형 18">
-            <a:extLst>
-              <a:ext uri="{FF2B5EF4-FFF2-40B4-BE49-F238E27FC236}">
-                <a16:creationId xmlns="" xmlns:a16="http://schemas.microsoft.com/office/drawing/2014/main" id="{90910971-3F87-488C-9CD0-4E04E8DEA3B0}"/>
-              </a:ext>
-            </a:extLst>
-          </p:cNvPr>
-          <p:cNvSpPr/>
-          <p:nvPr/>
-        </p:nvSpPr>
-        <p:spPr>
-          <a:xfrm>
-            <a:off x="5148062" y="843558"/>
-            <a:ext cx="2448274" cy="1296144"/>
-          </a:xfrm>
-          <a:prstGeom prst="roundRect">
-            <a:avLst>
-              <a:gd name="adj" fmla="val 4853"/>
-            </a:avLst>
-          </a:prstGeom>
-        </p:spPr>
-        <p:style>
-          <a:lnRef idx="2">
-            <a:schemeClr val="dk1"/>
-          </a:lnRef>
-          <a:fillRef idx="1">
-            <a:schemeClr val="lt1"/>
-          </a:fillRef>
-          <a:effectRef idx="0">
-            <a:schemeClr val="dk1"/>
-          </a:effectRef>
-          <a:fontRef idx="minor">
-            <a:schemeClr val="dk1"/>
-          </a:fontRef>
-        </p:style>
-        <p:txBody>
-          <a:bodyPr rtlCol="0" anchor="t"/>
-          <a:lstStyle/>
-          <a:p>
-            <a:pPr algn="ctr"/>
-            <a:r>
-              <a:rPr lang="en-US" altLang="ko-KR" sz="1400" dirty="0"/>
-              <a:t>Node</a:t>
-            </a:r>
-            <a:endParaRPr lang="ko-KR" altLang="en-US" sz="1400" dirty="0"/>
-          </a:p>
-        </p:txBody>
-      </p:sp>
-      <p:sp>
-        <p:nvSpPr>
-          <p:cNvPr id="6" name="모서리가 둥근 직사각형 18">
-            <a:extLst>
-              <a:ext uri="{FF2B5EF4-FFF2-40B4-BE49-F238E27FC236}">
-                <a16:creationId xmlns="" xmlns:a16="http://schemas.microsoft.com/office/drawing/2014/main" id="{F5302ADF-D203-4131-A3B2-4F84C5314C62}"/>
-              </a:ext>
-            </a:extLst>
-          </p:cNvPr>
-          <p:cNvSpPr/>
-          <p:nvPr/>
-        </p:nvSpPr>
-        <p:spPr>
-          <a:xfrm>
-            <a:off x="5283006" y="1177176"/>
-            <a:ext cx="2178387" cy="818510"/>
-          </a:xfrm>
-          <a:prstGeom prst="roundRect">
-            <a:avLst>
-              <a:gd name="adj" fmla="val 9948"/>
-            </a:avLst>
-          </a:prstGeom>
-        </p:spPr>
-        <p:style>
-          <a:lnRef idx="2">
-            <a:schemeClr val="dk1"/>
-          </a:lnRef>
-          <a:fillRef idx="1">
-            <a:schemeClr val="lt1"/>
-          </a:fillRef>
-          <a:effectRef idx="0">
-            <a:schemeClr val="dk1"/>
-          </a:effectRef>
-          <a:fontRef idx="minor">
-            <a:schemeClr val="dk1"/>
-          </a:fontRef>
-        </p:style>
-        <p:txBody>
-          <a:bodyPr rtlCol="0" anchor="t"/>
-          <a:lstStyle/>
-          <a:p>
-            <a:pPr algn="ctr"/>
-            <a:r>
-              <a:rPr lang="en-US" altLang="ko-KR" sz="1400" dirty="0"/>
-              <a:t>Resource Manager</a:t>
-            </a:r>
-            <a:endParaRPr lang="ko-KR" altLang="en-US" sz="1400" dirty="0"/>
-          </a:p>
-        </p:txBody>
-      </p:sp>
-      <p:sp>
-        <p:nvSpPr>
-          <p:cNvPr id="30" name="타원 29">
-            <a:extLst>
-              <a:ext uri="{FF2B5EF4-FFF2-40B4-BE49-F238E27FC236}">
-                <a16:creationId xmlns="" xmlns:a16="http://schemas.microsoft.com/office/drawing/2014/main" id="{0006BDA6-9444-4FFD-B5BD-EED6E274CFFA}"/>
-              </a:ext>
-            </a:extLst>
-          </p:cNvPr>
-          <p:cNvSpPr/>
-          <p:nvPr/>
-        </p:nvSpPr>
-        <p:spPr>
-          <a:xfrm>
-            <a:off x="3641078" y="1298636"/>
-            <a:ext cx="930922" cy="576064"/>
-          </a:xfrm>
-          <a:prstGeom prst="ellipse">
-            <a:avLst/>
-          </a:prstGeom>
-        </p:spPr>
-        <p:style>
-          <a:lnRef idx="2">
-            <a:schemeClr val="dk1"/>
-          </a:lnRef>
-          <a:fillRef idx="1">
-            <a:schemeClr val="lt1"/>
-          </a:fillRef>
-          <a:effectRef idx="0">
-            <a:schemeClr val="dk1"/>
-          </a:effectRef>
-          <a:fontRef idx="minor">
-            <a:schemeClr val="dk1"/>
-          </a:fontRef>
-        </p:style>
-        <p:txBody>
-          <a:bodyPr rtlCol="0" anchor="ctr"/>
-          <a:lstStyle/>
-          <a:p>
-            <a:pPr algn="ctr"/>
-            <a:r>
-              <a:rPr lang="en-US" altLang="ko-KR" sz="1400"/>
-              <a:t>Client</a:t>
-            </a:r>
-            <a:endParaRPr lang="ko-KR" altLang="en-US" sz="1400"/>
-          </a:p>
-        </p:txBody>
-      </p:sp>
-      <p:grpSp>
-        <p:nvGrpSpPr>
-          <p:cNvPr id="33" name="그룹 32">
-            <a:extLst>
-              <a:ext uri="{FF2B5EF4-FFF2-40B4-BE49-F238E27FC236}">
-                <a16:creationId xmlns="" xmlns:a16="http://schemas.microsoft.com/office/drawing/2014/main" id="{9A86C010-2B27-4338-B55B-6A29AE919A29}"/>
-              </a:ext>
-            </a:extLst>
-          </p:cNvPr>
-          <p:cNvGrpSpPr/>
-          <p:nvPr/>
-        </p:nvGrpSpPr>
-        <p:grpSpPr>
-          <a:xfrm>
-            <a:off x="5740640" y="2499742"/>
-            <a:ext cx="1855696" cy="2232248"/>
-            <a:chOff x="4588512" y="2715766"/>
-            <a:chExt cx="1855696" cy="2232248"/>
-          </a:xfrm>
-        </p:grpSpPr>
-        <p:sp>
-          <p:nvSpPr>
-            <p:cNvPr id="25" name="모서리가 둥근 직사각형 18">
-              <a:extLst>
-                <a:ext uri="{FF2B5EF4-FFF2-40B4-BE49-F238E27FC236}">
-                  <a16:creationId xmlns="" xmlns:a16="http://schemas.microsoft.com/office/drawing/2014/main" id="{6AEE18CE-E129-4D51-AA94-179034642DC8}"/>
-                </a:ext>
-              </a:extLst>
-            </p:cNvPr>
-            <p:cNvSpPr/>
-            <p:nvPr/>
-          </p:nvSpPr>
-          <p:spPr>
-            <a:xfrm>
-              <a:off x="4588512" y="2715766"/>
-              <a:ext cx="1855696" cy="2232248"/>
-            </a:xfrm>
-            <a:prstGeom prst="roundRect">
-              <a:avLst>
-                <a:gd name="adj" fmla="val 4069"/>
-              </a:avLst>
-            </a:prstGeom>
-          </p:spPr>
-          <p:style>
-            <a:lnRef idx="2">
-              <a:schemeClr val="dk1"/>
-            </a:lnRef>
-            <a:fillRef idx="1">
-              <a:schemeClr val="lt1"/>
-            </a:fillRef>
-            <a:effectRef idx="0">
-              <a:schemeClr val="dk1"/>
-            </a:effectRef>
-            <a:fontRef idx="minor">
-              <a:schemeClr val="dk1"/>
-            </a:fontRef>
-          </p:style>
-          <p:txBody>
-            <a:bodyPr rtlCol="0" anchor="b"/>
-            <a:lstStyle/>
-            <a:p>
-              <a:pPr algn="ctr"/>
-              <a:r>
-                <a:rPr lang="en-US" altLang="ko-KR" sz="1400"/>
-                <a:t>Node</a:t>
-              </a:r>
-              <a:endParaRPr lang="ko-KR" altLang="en-US" sz="1400" dirty="0"/>
-            </a:p>
-          </p:txBody>
-        </p:sp>
-        <p:sp>
-          <p:nvSpPr>
-            <p:cNvPr id="26" name="모서리가 둥근 직사각형 18">
-              <a:extLst>
-                <a:ext uri="{FF2B5EF4-FFF2-40B4-BE49-F238E27FC236}">
-                  <a16:creationId xmlns="" xmlns:a16="http://schemas.microsoft.com/office/drawing/2014/main" id="{D48DB822-70CE-4692-84EA-0B6DB2416FCB}"/>
-                </a:ext>
-              </a:extLst>
-            </p:cNvPr>
-            <p:cNvSpPr/>
-            <p:nvPr/>
-          </p:nvSpPr>
-          <p:spPr>
-            <a:xfrm>
-              <a:off x="4716016" y="2830894"/>
-              <a:ext cx="1584176" cy="400214"/>
-            </a:xfrm>
-            <a:prstGeom prst="roundRect">
-              <a:avLst>
-                <a:gd name="adj" fmla="val 14647"/>
-              </a:avLst>
-            </a:prstGeom>
-          </p:spPr>
-          <p:style>
-            <a:lnRef idx="2">
-              <a:schemeClr val="dk1"/>
-            </a:lnRef>
-            <a:fillRef idx="1">
-              <a:schemeClr val="lt1"/>
-            </a:fillRef>
-            <a:effectRef idx="0">
-              <a:schemeClr val="dk1"/>
-            </a:effectRef>
-            <a:fontRef idx="minor">
-              <a:schemeClr val="dk1"/>
-            </a:fontRef>
-          </p:style>
-          <p:txBody>
-            <a:bodyPr rtlCol="0" anchor="ctr"/>
-            <a:lstStyle/>
-            <a:p>
-              <a:pPr algn="ctr"/>
-              <a:r>
-                <a:rPr lang="en-US" altLang="ko-KR" sz="1400" dirty="0"/>
-                <a:t>Node Manager</a:t>
-              </a:r>
-              <a:endParaRPr lang="ko-KR" altLang="en-US" sz="1400" dirty="0"/>
-            </a:p>
-          </p:txBody>
-        </p:sp>
-        <p:sp>
-          <p:nvSpPr>
-            <p:cNvPr id="29" name="타원 28">
-              <a:extLst>
-                <a:ext uri="{FF2B5EF4-FFF2-40B4-BE49-F238E27FC236}">
-                  <a16:creationId xmlns="" xmlns:a16="http://schemas.microsoft.com/office/drawing/2014/main" id="{2BEC81A8-29EC-4B48-BA5A-8B4A17017AFB}"/>
-                </a:ext>
-              </a:extLst>
-            </p:cNvPr>
-            <p:cNvSpPr/>
-            <p:nvPr/>
-          </p:nvSpPr>
-          <p:spPr>
-            <a:xfrm>
-              <a:off x="4716016" y="3363838"/>
-              <a:ext cx="1584176" cy="576064"/>
-            </a:xfrm>
-            <a:prstGeom prst="ellipse">
-              <a:avLst/>
-            </a:prstGeom>
-            <a:solidFill>
-              <a:schemeClr val="accent3">
-                <a:lumMod val="40000"/>
-                <a:lumOff val="60000"/>
-              </a:schemeClr>
-            </a:solidFill>
-          </p:spPr>
-          <p:style>
-            <a:lnRef idx="2">
-              <a:schemeClr val="dk1"/>
-            </a:lnRef>
-            <a:fillRef idx="1">
-              <a:schemeClr val="lt1"/>
-            </a:fillRef>
-            <a:effectRef idx="0">
-              <a:schemeClr val="dk1"/>
-            </a:effectRef>
-            <a:fontRef idx="minor">
-              <a:schemeClr val="dk1"/>
-            </a:fontRef>
-          </p:style>
-          <p:txBody>
-            <a:bodyPr rtlCol="0" anchor="ctr"/>
-            <a:lstStyle/>
-            <a:p>
-              <a:pPr algn="ctr"/>
-              <a:r>
-                <a:rPr lang="en-US" altLang="ko-KR" sz="1200" dirty="0" smtClean="0"/>
-                <a:t>Container - </a:t>
-              </a:r>
-            </a:p>
-            <a:p>
-              <a:pPr algn="ctr"/>
-              <a:r>
-                <a:rPr lang="en-US" altLang="ko-KR" sz="1200" dirty="0" smtClean="0"/>
-                <a:t>App A</a:t>
-              </a:r>
-              <a:endParaRPr lang="ko-KR" altLang="en-US" sz="1200" dirty="0"/>
-            </a:p>
-          </p:txBody>
-        </p:sp>
-        <p:sp>
-          <p:nvSpPr>
-            <p:cNvPr id="32" name="타원 31">
-              <a:extLst>
-                <a:ext uri="{FF2B5EF4-FFF2-40B4-BE49-F238E27FC236}">
-                  <a16:creationId xmlns="" xmlns:a16="http://schemas.microsoft.com/office/drawing/2014/main" id="{063B64BF-6FC2-4B18-B822-0D3C058F948F}"/>
-                </a:ext>
-              </a:extLst>
-            </p:cNvPr>
-            <p:cNvSpPr/>
-            <p:nvPr/>
-          </p:nvSpPr>
-          <p:spPr>
-            <a:xfrm>
-              <a:off x="4716016" y="4011910"/>
-              <a:ext cx="1584176" cy="576064"/>
-            </a:xfrm>
-            <a:prstGeom prst="ellipse">
-              <a:avLst/>
-            </a:prstGeom>
-            <a:solidFill>
-              <a:schemeClr val="accent5">
-                <a:lumMod val="40000"/>
-                <a:lumOff val="60000"/>
-              </a:schemeClr>
-            </a:solidFill>
-          </p:spPr>
-          <p:style>
-            <a:lnRef idx="2">
-              <a:schemeClr val="dk1"/>
-            </a:lnRef>
-            <a:fillRef idx="1">
-              <a:schemeClr val="lt1"/>
-            </a:fillRef>
-            <a:effectRef idx="0">
-              <a:schemeClr val="dk1"/>
-            </a:effectRef>
-            <a:fontRef idx="minor">
-              <a:schemeClr val="dk1"/>
-            </a:fontRef>
-          </p:style>
-          <p:txBody>
-            <a:bodyPr rtlCol="0" anchor="ctr"/>
-            <a:lstStyle/>
-            <a:p>
-              <a:pPr algn="ctr"/>
-              <a:r>
-                <a:rPr lang="en-US" altLang="ko-KR" sz="1100" dirty="0" smtClean="0"/>
-                <a:t>Container - App Master B</a:t>
-              </a:r>
-              <a:endParaRPr lang="ko-KR" altLang="en-US" sz="1100" dirty="0"/>
-            </a:p>
-          </p:txBody>
-        </p:sp>
-      </p:grpSp>
-      <p:grpSp>
-        <p:nvGrpSpPr>
-          <p:cNvPr id="34" name="그룹 33">
-            <a:extLst>
-              <a:ext uri="{FF2B5EF4-FFF2-40B4-BE49-F238E27FC236}">
-                <a16:creationId xmlns="" xmlns:a16="http://schemas.microsoft.com/office/drawing/2014/main" id="{9BE38D30-A714-43C7-A232-EC5DC17B29CB}"/>
-              </a:ext>
-            </a:extLst>
-          </p:cNvPr>
-          <p:cNvGrpSpPr/>
-          <p:nvPr/>
-        </p:nvGrpSpPr>
-        <p:grpSpPr>
-          <a:xfrm>
-            <a:off x="3678461" y="2499742"/>
-            <a:ext cx="1855696" cy="2232248"/>
-            <a:chOff x="4588512" y="2715766"/>
-            <a:chExt cx="1855696" cy="2232248"/>
-          </a:xfrm>
-        </p:grpSpPr>
-        <p:sp>
-          <p:nvSpPr>
-            <p:cNvPr id="35" name="모서리가 둥근 직사각형 18">
-              <a:extLst>
-                <a:ext uri="{FF2B5EF4-FFF2-40B4-BE49-F238E27FC236}">
-                  <a16:creationId xmlns="" xmlns:a16="http://schemas.microsoft.com/office/drawing/2014/main" id="{C82D4484-29CF-4C5C-94F6-3E611E578082}"/>
-                </a:ext>
-              </a:extLst>
-            </p:cNvPr>
-            <p:cNvSpPr/>
-            <p:nvPr/>
-          </p:nvSpPr>
-          <p:spPr>
-            <a:xfrm>
-              <a:off x="4588512" y="2715766"/>
-              <a:ext cx="1855696" cy="2232248"/>
-            </a:xfrm>
-            <a:prstGeom prst="roundRect">
-              <a:avLst>
-                <a:gd name="adj" fmla="val 4069"/>
-              </a:avLst>
-            </a:prstGeom>
-          </p:spPr>
-          <p:style>
-            <a:lnRef idx="2">
-              <a:schemeClr val="dk1"/>
-            </a:lnRef>
-            <a:fillRef idx="1">
-              <a:schemeClr val="lt1"/>
-            </a:fillRef>
-            <a:effectRef idx="0">
-              <a:schemeClr val="dk1"/>
-            </a:effectRef>
-            <a:fontRef idx="minor">
-              <a:schemeClr val="dk1"/>
-            </a:fontRef>
-          </p:style>
-          <p:txBody>
-            <a:bodyPr rtlCol="0" anchor="b"/>
-            <a:lstStyle/>
-            <a:p>
-              <a:pPr algn="ctr"/>
-              <a:r>
-                <a:rPr lang="en-US" altLang="ko-KR" sz="1400"/>
-                <a:t>Node</a:t>
-              </a:r>
-              <a:endParaRPr lang="ko-KR" altLang="en-US" sz="1400" dirty="0"/>
-            </a:p>
-          </p:txBody>
-        </p:sp>
-        <p:sp>
-          <p:nvSpPr>
-            <p:cNvPr id="36" name="모서리가 둥근 직사각형 18">
-              <a:extLst>
-                <a:ext uri="{FF2B5EF4-FFF2-40B4-BE49-F238E27FC236}">
-                  <a16:creationId xmlns="" xmlns:a16="http://schemas.microsoft.com/office/drawing/2014/main" id="{49DD9DEF-515F-4613-B0A2-804648D3051B}"/>
-                </a:ext>
-              </a:extLst>
-            </p:cNvPr>
-            <p:cNvSpPr/>
-            <p:nvPr/>
-          </p:nvSpPr>
-          <p:spPr>
-            <a:xfrm>
-              <a:off x="4716016" y="2830894"/>
-              <a:ext cx="1584176" cy="400214"/>
-            </a:xfrm>
-            <a:prstGeom prst="roundRect">
-              <a:avLst>
-                <a:gd name="adj" fmla="val 16762"/>
-              </a:avLst>
-            </a:prstGeom>
-          </p:spPr>
-          <p:style>
-            <a:lnRef idx="2">
-              <a:schemeClr val="dk1"/>
-            </a:lnRef>
-            <a:fillRef idx="1">
-              <a:schemeClr val="lt1"/>
-            </a:fillRef>
-            <a:effectRef idx="0">
-              <a:schemeClr val="dk1"/>
-            </a:effectRef>
-            <a:fontRef idx="minor">
-              <a:schemeClr val="dk1"/>
-            </a:fontRef>
-          </p:style>
-          <p:txBody>
-            <a:bodyPr rtlCol="0" anchor="ctr"/>
-            <a:lstStyle/>
-            <a:p>
-              <a:pPr algn="ctr"/>
-              <a:r>
-                <a:rPr lang="en-US" altLang="ko-KR" sz="1400"/>
-                <a:t>Node Manager</a:t>
-              </a:r>
-              <a:endParaRPr lang="ko-KR" altLang="en-US" sz="1400" dirty="0"/>
-            </a:p>
-          </p:txBody>
-        </p:sp>
-        <p:sp>
-          <p:nvSpPr>
-            <p:cNvPr id="37" name="타원 36">
-              <a:extLst>
-                <a:ext uri="{FF2B5EF4-FFF2-40B4-BE49-F238E27FC236}">
-                  <a16:creationId xmlns="" xmlns:a16="http://schemas.microsoft.com/office/drawing/2014/main" id="{D329FBA2-B77D-4E7E-BF42-A15EA9A82853}"/>
-                </a:ext>
-              </a:extLst>
-            </p:cNvPr>
-            <p:cNvSpPr/>
-            <p:nvPr/>
-          </p:nvSpPr>
-          <p:spPr>
-            <a:xfrm>
-              <a:off x="4716016" y="3363838"/>
-              <a:ext cx="1584176" cy="576064"/>
-            </a:xfrm>
-            <a:prstGeom prst="ellipse">
-              <a:avLst/>
-            </a:prstGeom>
-            <a:solidFill>
-              <a:schemeClr val="accent3">
-                <a:lumMod val="40000"/>
-                <a:lumOff val="60000"/>
-              </a:schemeClr>
-            </a:solidFill>
-          </p:spPr>
-          <p:style>
-            <a:lnRef idx="2">
-              <a:schemeClr val="dk1"/>
-            </a:lnRef>
-            <a:fillRef idx="1">
-              <a:schemeClr val="lt1"/>
-            </a:fillRef>
-            <a:effectRef idx="0">
-              <a:schemeClr val="dk1"/>
-            </a:effectRef>
-            <a:fontRef idx="minor">
-              <a:schemeClr val="dk1"/>
-            </a:fontRef>
-          </p:style>
-          <p:txBody>
-            <a:bodyPr rtlCol="0" anchor="ctr"/>
-            <a:lstStyle/>
-            <a:p>
-              <a:pPr algn="ctr"/>
-              <a:r>
-                <a:rPr lang="en-US" altLang="ko-KR" sz="1100" dirty="0" smtClean="0"/>
-                <a:t>Container -</a:t>
-              </a:r>
-            </a:p>
-            <a:p>
-              <a:pPr algn="ctr"/>
-              <a:r>
-                <a:rPr lang="en-US" altLang="ko-KR" sz="1100" dirty="0" smtClean="0"/>
-                <a:t>App Master A</a:t>
-              </a:r>
-              <a:endParaRPr lang="ko-KR" altLang="en-US" sz="1100" dirty="0"/>
-            </a:p>
-          </p:txBody>
-        </p:sp>
-        <p:sp>
-          <p:nvSpPr>
-            <p:cNvPr id="38" name="타원 37">
-              <a:extLst>
-                <a:ext uri="{FF2B5EF4-FFF2-40B4-BE49-F238E27FC236}">
-                  <a16:creationId xmlns="" xmlns:a16="http://schemas.microsoft.com/office/drawing/2014/main" id="{8CB86B7F-4412-4AF3-B74B-6B6EF03CD3DA}"/>
-                </a:ext>
-              </a:extLst>
-            </p:cNvPr>
-            <p:cNvSpPr/>
-            <p:nvPr/>
-          </p:nvSpPr>
-          <p:spPr>
-            <a:xfrm>
-              <a:off x="4716016" y="4011910"/>
-              <a:ext cx="1584176" cy="576064"/>
-            </a:xfrm>
-            <a:prstGeom prst="ellipse">
-              <a:avLst/>
-            </a:prstGeom>
-            <a:solidFill>
-              <a:schemeClr val="accent5">
-                <a:lumMod val="40000"/>
-                <a:lumOff val="60000"/>
-              </a:schemeClr>
-            </a:solidFill>
-          </p:spPr>
-          <p:style>
-            <a:lnRef idx="2">
-              <a:schemeClr val="dk1"/>
-            </a:lnRef>
-            <a:fillRef idx="1">
-              <a:schemeClr val="lt1"/>
-            </a:fillRef>
-            <a:effectRef idx="0">
-              <a:schemeClr val="dk1"/>
-            </a:effectRef>
-            <a:fontRef idx="minor">
-              <a:schemeClr val="dk1"/>
-            </a:fontRef>
-          </p:style>
-          <p:txBody>
-            <a:bodyPr rtlCol="0" anchor="ctr"/>
-            <a:lstStyle/>
-            <a:p>
-              <a:pPr algn="ctr"/>
-              <a:r>
-                <a:rPr lang="en-US" altLang="ko-KR" sz="1200" dirty="0" smtClean="0"/>
-                <a:t>Container - </a:t>
-              </a:r>
-            </a:p>
-            <a:p>
-              <a:pPr algn="ctr"/>
-              <a:r>
-                <a:rPr lang="en-US" altLang="ko-KR" sz="1200" dirty="0" smtClean="0"/>
-                <a:t>App B</a:t>
-              </a:r>
-              <a:endParaRPr lang="ko-KR" altLang="en-US" sz="1200" dirty="0"/>
-            </a:p>
-          </p:txBody>
-        </p:sp>
-      </p:grpSp>
-      <p:grpSp>
-        <p:nvGrpSpPr>
-          <p:cNvPr id="39" name="그룹 38">
-            <a:extLst>
-              <a:ext uri="{FF2B5EF4-FFF2-40B4-BE49-F238E27FC236}">
-                <a16:creationId xmlns="" xmlns:a16="http://schemas.microsoft.com/office/drawing/2014/main" id="{041B3429-195D-4E8E-A031-AFDBF3481C8B}"/>
-              </a:ext>
-            </a:extLst>
-          </p:cNvPr>
-          <p:cNvGrpSpPr/>
-          <p:nvPr/>
-        </p:nvGrpSpPr>
-        <p:grpSpPr>
-          <a:xfrm>
-            <a:off x="1619672" y="2499742"/>
-            <a:ext cx="1855696" cy="2232248"/>
-            <a:chOff x="4588512" y="2715766"/>
-            <a:chExt cx="1855696" cy="2232248"/>
-          </a:xfrm>
-        </p:grpSpPr>
-        <p:sp>
-          <p:nvSpPr>
-            <p:cNvPr id="40" name="모서리가 둥근 직사각형 18">
-              <a:extLst>
-                <a:ext uri="{FF2B5EF4-FFF2-40B4-BE49-F238E27FC236}">
-                  <a16:creationId xmlns="" xmlns:a16="http://schemas.microsoft.com/office/drawing/2014/main" id="{8BCD1206-46E7-48C1-8D0E-79201C2239CB}"/>
-                </a:ext>
-              </a:extLst>
-            </p:cNvPr>
-            <p:cNvSpPr/>
-            <p:nvPr/>
-          </p:nvSpPr>
-          <p:spPr>
-            <a:xfrm>
-              <a:off x="4588512" y="2715766"/>
-              <a:ext cx="1855696" cy="2232248"/>
-            </a:xfrm>
-            <a:prstGeom prst="roundRect">
-              <a:avLst>
-                <a:gd name="adj" fmla="val 4069"/>
-              </a:avLst>
-            </a:prstGeom>
-          </p:spPr>
-          <p:style>
-            <a:lnRef idx="2">
-              <a:schemeClr val="dk1"/>
-            </a:lnRef>
-            <a:fillRef idx="1">
-              <a:schemeClr val="lt1"/>
-            </a:fillRef>
-            <a:effectRef idx="0">
-              <a:schemeClr val="dk1"/>
-            </a:effectRef>
-            <a:fontRef idx="minor">
-              <a:schemeClr val="dk1"/>
-            </a:fontRef>
-          </p:style>
-          <p:txBody>
-            <a:bodyPr rtlCol="0" anchor="b"/>
-            <a:lstStyle/>
-            <a:p>
-              <a:pPr algn="ctr"/>
-              <a:r>
-                <a:rPr lang="en-US" altLang="ko-KR" sz="1400"/>
-                <a:t>Node</a:t>
-              </a:r>
-              <a:endParaRPr lang="ko-KR" altLang="en-US" sz="1400" dirty="0"/>
-            </a:p>
-          </p:txBody>
-        </p:sp>
-        <p:sp>
-          <p:nvSpPr>
-            <p:cNvPr id="41" name="모서리가 둥근 직사각형 18">
-              <a:extLst>
-                <a:ext uri="{FF2B5EF4-FFF2-40B4-BE49-F238E27FC236}">
-                  <a16:creationId xmlns="" xmlns:a16="http://schemas.microsoft.com/office/drawing/2014/main" id="{8385447B-8931-4CDC-A0D2-091BF7CB022F}"/>
-                </a:ext>
-              </a:extLst>
-            </p:cNvPr>
-            <p:cNvSpPr/>
-            <p:nvPr/>
-          </p:nvSpPr>
-          <p:spPr>
-            <a:xfrm>
-              <a:off x="4716016" y="2830894"/>
-              <a:ext cx="1584176" cy="400214"/>
-            </a:xfrm>
-            <a:prstGeom prst="roundRect">
-              <a:avLst>
-                <a:gd name="adj" fmla="val 12531"/>
-              </a:avLst>
-            </a:prstGeom>
-          </p:spPr>
-          <p:style>
-            <a:lnRef idx="2">
-              <a:schemeClr val="dk1"/>
-            </a:lnRef>
-            <a:fillRef idx="1">
-              <a:schemeClr val="lt1"/>
-            </a:fillRef>
-            <a:effectRef idx="0">
-              <a:schemeClr val="dk1"/>
-            </a:effectRef>
-            <a:fontRef idx="minor">
-              <a:schemeClr val="dk1"/>
-            </a:fontRef>
-          </p:style>
-          <p:txBody>
-            <a:bodyPr rtlCol="0" anchor="ctr"/>
-            <a:lstStyle/>
-            <a:p>
-              <a:pPr algn="ctr"/>
-              <a:r>
-                <a:rPr lang="en-US" altLang="ko-KR" sz="1400"/>
-                <a:t>Node Manager</a:t>
-              </a:r>
-              <a:endParaRPr lang="ko-KR" altLang="en-US" sz="1400" dirty="0"/>
-            </a:p>
-          </p:txBody>
-        </p:sp>
-        <p:sp>
-          <p:nvSpPr>
-            <p:cNvPr id="42" name="타원 41">
-              <a:extLst>
-                <a:ext uri="{FF2B5EF4-FFF2-40B4-BE49-F238E27FC236}">
-                  <a16:creationId xmlns="" xmlns:a16="http://schemas.microsoft.com/office/drawing/2014/main" id="{F1C4200D-7DB9-4A55-AAFB-2DA167EC27B7}"/>
-                </a:ext>
-              </a:extLst>
-            </p:cNvPr>
-            <p:cNvSpPr/>
-            <p:nvPr/>
-          </p:nvSpPr>
-          <p:spPr>
-            <a:xfrm>
-              <a:off x="4716016" y="3363838"/>
-              <a:ext cx="1584176" cy="576064"/>
-            </a:xfrm>
-            <a:prstGeom prst="ellipse">
-              <a:avLst/>
-            </a:prstGeom>
             <a:solidFill>
               <a:schemeClr val="accent3">
                 <a:lumMod val="40000"/>
@@ -14474,7 +14583,7 @@
             <p:cNvPr id="43" name="타원 42">
               <a:extLst>
                 <a:ext uri="{FF2B5EF4-FFF2-40B4-BE49-F238E27FC236}">
-                  <a16:creationId xmlns="" xmlns:a16="http://schemas.microsoft.com/office/drawing/2014/main" id="{4DD7207F-BE20-4232-B346-EA201B5A8D78}"/>
+                  <a16:creationId xmlns:a16="http://schemas.microsoft.com/office/drawing/2014/main" xmlns="" id="{4DD7207F-BE20-4232-B346-EA201B5A8D78}"/>
                 </a:ext>
               </a:extLst>
             </p:cNvPr>
@@ -14536,7 +14645,7 @@
           <p:cNvPr id="75" name="직선 화살표 연결선 74">
             <a:extLst>
               <a:ext uri="{FF2B5EF4-FFF2-40B4-BE49-F238E27FC236}">
-                <a16:creationId xmlns="" xmlns:a16="http://schemas.microsoft.com/office/drawing/2014/main" id="{3E79A9E3-D35C-4D13-9C35-D56D0A88D17F}"/>
+                <a16:creationId xmlns:a16="http://schemas.microsoft.com/office/drawing/2014/main" xmlns="" id="{3E79A9E3-D35C-4D13-9C35-D56D0A88D17F}"/>
               </a:ext>
             </a:extLst>
           </p:cNvPr>
@@ -14583,7 +14692,7 @@
           <p:cNvPr id="58" name="모서리가 둥근 직사각형 18">
             <a:extLst>
               <a:ext uri="{FF2B5EF4-FFF2-40B4-BE49-F238E27FC236}">
-                <a16:creationId xmlns="" xmlns:a16="http://schemas.microsoft.com/office/drawing/2014/main" id="{D48DB822-70CE-4692-84EA-0B6DB2416FCB}"/>
+                <a16:creationId xmlns:a16="http://schemas.microsoft.com/office/drawing/2014/main" xmlns="" id="{D48DB822-70CE-4692-84EA-0B6DB2416FCB}"/>
               </a:ext>
             </a:extLst>
           </p:cNvPr>
@@ -14633,7 +14742,7 @@
           <p:cNvPr id="70" name="모서리가 둥근 직사각형 18">
             <a:extLst>
               <a:ext uri="{FF2B5EF4-FFF2-40B4-BE49-F238E27FC236}">
-                <a16:creationId xmlns="" xmlns:a16="http://schemas.microsoft.com/office/drawing/2014/main" id="{D48DB822-70CE-4692-84EA-0B6DB2416FCB}"/>
+                <a16:creationId xmlns:a16="http://schemas.microsoft.com/office/drawing/2014/main" xmlns="" id="{D48DB822-70CE-4692-84EA-0B6DB2416FCB}"/>
               </a:ext>
             </a:extLst>
           </p:cNvPr>
@@ -14683,7 +14792,7 @@
           <p:cNvPr id="44" name="타원 43">
             <a:extLst>
               <a:ext uri="{FF2B5EF4-FFF2-40B4-BE49-F238E27FC236}">
-                <a16:creationId xmlns="" xmlns:a16="http://schemas.microsoft.com/office/drawing/2014/main" id="{5F83F9E5-52FB-4808-9C34-197CE38E96AE}"/>
+                <a16:creationId xmlns:a16="http://schemas.microsoft.com/office/drawing/2014/main" xmlns="" id="{5F83F9E5-52FB-4808-9C34-197CE38E96AE}"/>
               </a:ext>
             </a:extLst>
           </p:cNvPr>
@@ -14747,7 +14856,7 @@
           <p:cNvPr id="46" name="직선 화살표 연결선 45">
             <a:extLst>
               <a:ext uri="{FF2B5EF4-FFF2-40B4-BE49-F238E27FC236}">
-                <a16:creationId xmlns="" xmlns:a16="http://schemas.microsoft.com/office/drawing/2014/main" id="{3E79A9E3-D35C-4D13-9C35-D56D0A88D17F}"/>
+                <a16:creationId xmlns:a16="http://schemas.microsoft.com/office/drawing/2014/main" xmlns="" id="{3E79A9E3-D35C-4D13-9C35-D56D0A88D17F}"/>
               </a:ext>
             </a:extLst>
           </p:cNvPr>
@@ -14794,7 +14903,7 @@
           <p:cNvPr id="47" name="직선 화살표 연결선 46">
             <a:extLst>
               <a:ext uri="{FF2B5EF4-FFF2-40B4-BE49-F238E27FC236}">
-                <a16:creationId xmlns="" xmlns:a16="http://schemas.microsoft.com/office/drawing/2014/main" id="{3E79A9E3-D35C-4D13-9C35-D56D0A88D17F}"/>
+                <a16:creationId xmlns:a16="http://schemas.microsoft.com/office/drawing/2014/main" xmlns="" id="{3E79A9E3-D35C-4D13-9C35-D56D0A88D17F}"/>
               </a:ext>
             </a:extLst>
           </p:cNvPr>
@@ -14841,7 +14950,7 @@
           <p:cNvPr id="52" name="직선 화살표 연결선 51">
             <a:extLst>
               <a:ext uri="{FF2B5EF4-FFF2-40B4-BE49-F238E27FC236}">
-                <a16:creationId xmlns="" xmlns:a16="http://schemas.microsoft.com/office/drawing/2014/main" id="{3E79A9E3-D35C-4D13-9C35-D56D0A88D17F}"/>
+                <a16:creationId xmlns:a16="http://schemas.microsoft.com/office/drawing/2014/main" xmlns="" id="{3E79A9E3-D35C-4D13-9C35-D56D0A88D17F}"/>
               </a:ext>
             </a:extLst>
           </p:cNvPr>
@@ -14886,7 +14995,7 @@
           <p:cNvPr id="59" name="직선 화살표 연결선 58">
             <a:extLst>
               <a:ext uri="{FF2B5EF4-FFF2-40B4-BE49-F238E27FC236}">
-                <a16:creationId xmlns="" xmlns:a16="http://schemas.microsoft.com/office/drawing/2014/main" id="{3E79A9E3-D35C-4D13-9C35-D56D0A88D17F}"/>
+                <a16:creationId xmlns:a16="http://schemas.microsoft.com/office/drawing/2014/main" xmlns="" id="{3E79A9E3-D35C-4D13-9C35-D56D0A88D17F}"/>
               </a:ext>
             </a:extLst>
           </p:cNvPr>
@@ -14933,7 +15042,7 @@
           <p:cNvPr id="62" name="직선 화살표 연결선 61">
             <a:extLst>
               <a:ext uri="{FF2B5EF4-FFF2-40B4-BE49-F238E27FC236}">
-                <a16:creationId xmlns="" xmlns:a16="http://schemas.microsoft.com/office/drawing/2014/main" id="{3E79A9E3-D35C-4D13-9C35-D56D0A88D17F}"/>
+                <a16:creationId xmlns:a16="http://schemas.microsoft.com/office/drawing/2014/main" xmlns="" id="{3E79A9E3-D35C-4D13-9C35-D56D0A88D17F}"/>
               </a:ext>
             </a:extLst>
           </p:cNvPr>
@@ -14978,7 +15087,7 @@
           <p:cNvPr id="72" name="직선 화살표 연결선 71">
             <a:extLst>
               <a:ext uri="{FF2B5EF4-FFF2-40B4-BE49-F238E27FC236}">
-                <a16:creationId xmlns="" xmlns:a16="http://schemas.microsoft.com/office/drawing/2014/main" id="{3E79A9E3-D35C-4D13-9C35-D56D0A88D17F}"/>
+                <a16:creationId xmlns:a16="http://schemas.microsoft.com/office/drawing/2014/main" xmlns="" id="{3E79A9E3-D35C-4D13-9C35-D56D0A88D17F}"/>
               </a:ext>
             </a:extLst>
           </p:cNvPr>
@@ -15025,7 +15134,7 @@
           <p:cNvPr id="80" name="직선 화살표 연결선 79">
             <a:extLst>
               <a:ext uri="{FF2B5EF4-FFF2-40B4-BE49-F238E27FC236}">
-                <a16:creationId xmlns="" xmlns:a16="http://schemas.microsoft.com/office/drawing/2014/main" id="{3E79A9E3-D35C-4D13-9C35-D56D0A88D17F}"/>
+                <a16:creationId xmlns:a16="http://schemas.microsoft.com/office/drawing/2014/main" xmlns="" id="{3E79A9E3-D35C-4D13-9C35-D56D0A88D17F}"/>
               </a:ext>
             </a:extLst>
           </p:cNvPr>
@@ -15072,7 +15181,7 @@
           <p:cNvPr id="83" name="타원 82">
             <a:extLst>
               <a:ext uri="{FF2B5EF4-FFF2-40B4-BE49-F238E27FC236}">
-                <a16:creationId xmlns="" xmlns:a16="http://schemas.microsoft.com/office/drawing/2014/main" id="{5F83F9E5-52FB-4808-9C34-197CE38E96AE}"/>
+                <a16:creationId xmlns:a16="http://schemas.microsoft.com/office/drawing/2014/main" xmlns="" id="{5F83F9E5-52FB-4808-9C34-197CE38E96AE}"/>
               </a:ext>
             </a:extLst>
           </p:cNvPr>
@@ -15138,7 +15247,7 @@
           <p:cNvPr id="84" name="타원 83">
             <a:extLst>
               <a:ext uri="{FF2B5EF4-FFF2-40B4-BE49-F238E27FC236}">
-                <a16:creationId xmlns="" xmlns:a16="http://schemas.microsoft.com/office/drawing/2014/main" id="{5F83F9E5-52FB-4808-9C34-197CE38E96AE}"/>
+                <a16:creationId xmlns:a16="http://schemas.microsoft.com/office/drawing/2014/main" xmlns="" id="{5F83F9E5-52FB-4808-9C34-197CE38E96AE}"/>
               </a:ext>
             </a:extLst>
           </p:cNvPr>
@@ -15204,7 +15313,7 @@
           <p:cNvPr id="91" name="타원 90">
             <a:extLst>
               <a:ext uri="{FF2B5EF4-FFF2-40B4-BE49-F238E27FC236}">
-                <a16:creationId xmlns="" xmlns:a16="http://schemas.microsoft.com/office/drawing/2014/main" id="{5F83F9E5-52FB-4808-9C34-197CE38E96AE}"/>
+                <a16:creationId xmlns:a16="http://schemas.microsoft.com/office/drawing/2014/main" xmlns="" id="{5F83F9E5-52FB-4808-9C34-197CE38E96AE}"/>
               </a:ext>
             </a:extLst>
           </p:cNvPr>
@@ -15270,7 +15379,7 @@
           <p:cNvPr id="92" name="타원 91">
             <a:extLst>
               <a:ext uri="{FF2B5EF4-FFF2-40B4-BE49-F238E27FC236}">
-                <a16:creationId xmlns="" xmlns:a16="http://schemas.microsoft.com/office/drawing/2014/main" id="{5F83F9E5-52FB-4808-9C34-197CE38E96AE}"/>
+                <a16:creationId xmlns:a16="http://schemas.microsoft.com/office/drawing/2014/main" xmlns="" id="{5F83F9E5-52FB-4808-9C34-197CE38E96AE}"/>
               </a:ext>
             </a:extLst>
           </p:cNvPr>
@@ -15336,7 +15445,7 @@
           <p:cNvPr id="93" name="타원 92">
             <a:extLst>
               <a:ext uri="{FF2B5EF4-FFF2-40B4-BE49-F238E27FC236}">
-                <a16:creationId xmlns="" xmlns:a16="http://schemas.microsoft.com/office/drawing/2014/main" id="{5F83F9E5-52FB-4808-9C34-197CE38E96AE}"/>
+                <a16:creationId xmlns:a16="http://schemas.microsoft.com/office/drawing/2014/main" xmlns="" id="{5F83F9E5-52FB-4808-9C34-197CE38E96AE}"/>
               </a:ext>
             </a:extLst>
           </p:cNvPr>
@@ -15402,7 +15511,7 @@
           <p:cNvPr id="94" name="타원 93">
             <a:extLst>
               <a:ext uri="{FF2B5EF4-FFF2-40B4-BE49-F238E27FC236}">
-                <a16:creationId xmlns="" xmlns:a16="http://schemas.microsoft.com/office/drawing/2014/main" id="{5F83F9E5-52FB-4808-9C34-197CE38E96AE}"/>
+                <a16:creationId xmlns:a16="http://schemas.microsoft.com/office/drawing/2014/main" xmlns="" id="{5F83F9E5-52FB-4808-9C34-197CE38E96AE}"/>
               </a:ext>
             </a:extLst>
           </p:cNvPr>
@@ -15468,7 +15577,7 @@
           <p:cNvPr id="95" name="타원 94">
             <a:extLst>
               <a:ext uri="{FF2B5EF4-FFF2-40B4-BE49-F238E27FC236}">
-                <a16:creationId xmlns="" xmlns:a16="http://schemas.microsoft.com/office/drawing/2014/main" id="{5F83F9E5-52FB-4808-9C34-197CE38E96AE}"/>
+                <a16:creationId xmlns:a16="http://schemas.microsoft.com/office/drawing/2014/main" xmlns="" id="{5F83F9E5-52FB-4808-9C34-197CE38E96AE}"/>
               </a:ext>
             </a:extLst>
           </p:cNvPr>
@@ -15534,7 +15643,7 @@
           <p:cNvPr id="96" name="타원 95">
             <a:extLst>
               <a:ext uri="{FF2B5EF4-FFF2-40B4-BE49-F238E27FC236}">
-                <a16:creationId xmlns="" xmlns:a16="http://schemas.microsoft.com/office/drawing/2014/main" id="{5F83F9E5-52FB-4808-9C34-197CE38E96AE}"/>
+                <a16:creationId xmlns:a16="http://schemas.microsoft.com/office/drawing/2014/main" xmlns="" id="{5F83F9E5-52FB-4808-9C34-197CE38E96AE}"/>
               </a:ext>
             </a:extLst>
           </p:cNvPr>

--- a/images/theory_analysis/Hadoop/Hadoop.pptx
+++ b/images/theory_analysis/Hadoop/Hadoop.pptx
@@ -5,16 +5,17 @@
     <p:sldMasterId id="2147483648" r:id="rId1"/>
   </p:sldMasterIdLst>
   <p:notesMasterIdLst>
-    <p:notesMasterId r:id="rId9"/>
+    <p:notesMasterId r:id="rId10"/>
   </p:notesMasterIdLst>
   <p:sldIdLst>
     <p:sldId id="424" r:id="rId2"/>
     <p:sldId id="421" r:id="rId3"/>
     <p:sldId id="426" r:id="rId4"/>
     <p:sldId id="429" r:id="rId5"/>
-    <p:sldId id="428" r:id="rId6"/>
-    <p:sldId id="422" r:id="rId7"/>
-    <p:sldId id="425" r:id="rId8"/>
+    <p:sldId id="430" r:id="rId6"/>
+    <p:sldId id="428" r:id="rId7"/>
+    <p:sldId id="422" r:id="rId8"/>
+    <p:sldId id="425" r:id="rId9"/>
   </p:sldIdLst>
   <p:sldSz cx="9144000" cy="5143500" type="screen16x9"/>
   <p:notesSz cx="6858000" cy="9144000"/>
@@ -115,7 +116,7 @@
   </p:defaultTextStyle>
   <p:extLst>
     <p:ext uri="{EFAFB233-063F-42B5-8137-9DF3F51BA10A}">
-      <p15:sldGuideLst xmlns="" xmlns:p15="http://schemas.microsoft.com/office/powerpoint/2012/main">
+      <p15:sldGuideLst xmlns:p15="http://schemas.microsoft.com/office/powerpoint/2012/main">
         <p15:guide id="1" orient="horz" pos="2160">
           <p15:clr>
             <a:srgbClr val="A4A3A4"/>
@@ -219,7 +220,7 @@
           <a:p>
             <a:fld id="{6CD5550B-26C4-49A9-A5BA-636EF7BE6CE9}" type="datetimeFigureOut">
               <a:rPr lang="ko-KR" altLang="en-US" smtClean="0"/>
-              <a:t>2018-10-02</a:t>
+              <a:t>2018-10-05</a:t>
             </a:fld>
             <a:endParaRPr lang="ko-KR" altLang="en-US"/>
           </a:p>
@@ -887,7 +888,7 @@
           <a:p>
             <a:fld id="{BA5DFA43-8D57-47FB-BC46-057616015C3B}" type="slidenum">
               <a:rPr lang="ko-KR" altLang="en-US" smtClean="0"/>
-              <a:t>6</a:t>
+              <a:t>5</a:t>
             </a:fld>
             <a:endParaRPr lang="ko-KR" altLang="en-US"/>
           </a:p>
@@ -896,7 +897,7 @@
     </p:spTree>
     <p:extLst>
       <p:ext uri="{BB962C8B-B14F-4D97-AF65-F5344CB8AC3E}">
-        <p14:creationId xmlns:p14="http://schemas.microsoft.com/office/powerpoint/2010/main" val="2405356823"/>
+        <p14:creationId xmlns:p14="http://schemas.microsoft.com/office/powerpoint/2010/main" val="1363238928"/>
       </p:ext>
     </p:extLst>
   </p:cSld>
@@ -972,6 +973,90 @@
             <a:fld id="{BA5DFA43-8D57-47FB-BC46-057616015C3B}" type="slidenum">
               <a:rPr lang="ko-KR" altLang="en-US" smtClean="0"/>
               <a:t>7</a:t>
+            </a:fld>
+            <a:endParaRPr lang="ko-KR" altLang="en-US"/>
+          </a:p>
+        </p:txBody>
+      </p:sp>
+    </p:spTree>
+    <p:extLst>
+      <p:ext uri="{BB962C8B-B14F-4D97-AF65-F5344CB8AC3E}">
+        <p14:creationId xmlns:p14="http://schemas.microsoft.com/office/powerpoint/2010/main" val="2405356823"/>
+      </p:ext>
+    </p:extLst>
+  </p:cSld>
+  <p:clrMapOvr>
+    <a:masterClrMapping/>
+  </p:clrMapOvr>
+</p:notes>
+</file>
+
+<file path=ppt/notesSlides/notesSlide7.xml><?xml version="1.0" encoding="utf-8"?>
+<p:notes xmlns:a="http://schemas.openxmlformats.org/drawingml/2006/main" xmlns:r="http://schemas.openxmlformats.org/officeDocument/2006/relationships" xmlns:p="http://schemas.openxmlformats.org/presentationml/2006/main">
+  <p:cSld>
+    <p:spTree>
+      <p:nvGrpSpPr>
+        <p:cNvPr id="1" name=""/>
+        <p:cNvGrpSpPr/>
+        <p:nvPr/>
+      </p:nvGrpSpPr>
+      <p:grpSpPr>
+        <a:xfrm>
+          <a:off x="0" y="0"/>
+          <a:ext cx="0" cy="0"/>
+          <a:chOff x="0" y="0"/>
+          <a:chExt cx="0" cy="0"/>
+        </a:xfrm>
+      </p:grpSpPr>
+      <p:sp>
+        <p:nvSpPr>
+          <p:cNvPr id="2" name="슬라이드 이미지 개체 틀 1"/>
+          <p:cNvSpPr>
+            <a:spLocks noGrp="1" noRot="1" noChangeAspect="1"/>
+          </p:cNvSpPr>
+          <p:nvPr>
+            <p:ph type="sldImg"/>
+          </p:nvPr>
+        </p:nvSpPr>
+        <p:spPr/>
+      </p:sp>
+      <p:sp>
+        <p:nvSpPr>
+          <p:cNvPr id="3" name="슬라이드 노트 개체 틀 2"/>
+          <p:cNvSpPr>
+            <a:spLocks noGrp="1"/>
+          </p:cNvSpPr>
+          <p:nvPr>
+            <p:ph type="body" idx="1"/>
+          </p:nvPr>
+        </p:nvSpPr>
+        <p:spPr/>
+        <p:txBody>
+          <a:bodyPr/>
+          <a:lstStyle/>
+          <a:p>
+            <a:endParaRPr lang="ko-KR" altLang="en-US"/>
+          </a:p>
+        </p:txBody>
+      </p:sp>
+      <p:sp>
+        <p:nvSpPr>
+          <p:cNvPr id="4" name="슬라이드 번호 개체 틀 3"/>
+          <p:cNvSpPr>
+            <a:spLocks noGrp="1"/>
+          </p:cNvSpPr>
+          <p:nvPr>
+            <p:ph type="sldNum" sz="quarter" idx="10"/>
+          </p:nvPr>
+        </p:nvSpPr>
+        <p:spPr/>
+        <p:txBody>
+          <a:bodyPr/>
+          <a:lstStyle/>
+          <a:p>
+            <a:fld id="{BA5DFA43-8D57-47FB-BC46-057616015C3B}" type="slidenum">
+              <a:rPr lang="ko-KR" altLang="en-US" smtClean="0"/>
+              <a:t>8</a:t>
             </a:fld>
             <a:endParaRPr lang="ko-KR" altLang="en-US"/>
           </a:p>
@@ -1169,7 +1254,7 @@
           <a:p>
             <a:fld id="{FB30EDBD-1C2D-4C1E-B459-B60219FAB484}" type="datetimeFigureOut">
               <a:rPr lang="ko-KR" altLang="en-US" smtClean="0"/>
-              <a:t>2018-10-02</a:t>
+              <a:t>2018-10-05</a:t>
             </a:fld>
             <a:endParaRPr lang="ko-KR" altLang="en-US"/>
           </a:p>
@@ -1332,7 +1417,7 @@
           <a:p>
             <a:fld id="{FB30EDBD-1C2D-4C1E-B459-B60219FAB484}" type="datetimeFigureOut">
               <a:rPr lang="ko-KR" altLang="en-US" smtClean="0"/>
-              <a:t>2018-10-02</a:t>
+              <a:t>2018-10-05</a:t>
             </a:fld>
             <a:endParaRPr lang="ko-KR" altLang="en-US"/>
           </a:p>
@@ -1505,7 +1590,7 @@
           <a:p>
             <a:fld id="{FB30EDBD-1C2D-4C1E-B459-B60219FAB484}" type="datetimeFigureOut">
               <a:rPr lang="ko-KR" altLang="en-US" smtClean="0"/>
-              <a:t>2018-10-02</a:t>
+              <a:t>2018-10-05</a:t>
             </a:fld>
             <a:endParaRPr lang="ko-KR" altLang="en-US"/>
           </a:p>
@@ -1668,7 +1753,7 @@
           <a:p>
             <a:fld id="{FB30EDBD-1C2D-4C1E-B459-B60219FAB484}" type="datetimeFigureOut">
               <a:rPr lang="ko-KR" altLang="en-US" smtClean="0"/>
-              <a:t>2018-10-02</a:t>
+              <a:t>2018-10-05</a:t>
             </a:fld>
             <a:endParaRPr lang="ko-KR" altLang="en-US"/>
           </a:p>
@@ -1908,7 +1993,7 @@
           <a:p>
             <a:fld id="{FB30EDBD-1C2D-4C1E-B459-B60219FAB484}" type="datetimeFigureOut">
               <a:rPr lang="ko-KR" altLang="en-US" smtClean="0"/>
-              <a:t>2018-10-02</a:t>
+              <a:t>2018-10-05</a:t>
             </a:fld>
             <a:endParaRPr lang="ko-KR" altLang="en-US"/>
           </a:p>
@@ -2188,7 +2273,7 @@
           <a:p>
             <a:fld id="{FB30EDBD-1C2D-4C1E-B459-B60219FAB484}" type="datetimeFigureOut">
               <a:rPr lang="ko-KR" altLang="en-US" smtClean="0"/>
-              <a:t>2018-10-02</a:t>
+              <a:t>2018-10-05</a:t>
             </a:fld>
             <a:endParaRPr lang="ko-KR" altLang="en-US"/>
           </a:p>
@@ -2602,7 +2687,7 @@
           <a:p>
             <a:fld id="{FB30EDBD-1C2D-4C1E-B459-B60219FAB484}" type="datetimeFigureOut">
               <a:rPr lang="ko-KR" altLang="en-US" smtClean="0"/>
-              <a:t>2018-10-02</a:t>
+              <a:t>2018-10-05</a:t>
             </a:fld>
             <a:endParaRPr lang="ko-KR" altLang="en-US"/>
           </a:p>
@@ -2714,7 +2799,7 @@
           <a:p>
             <a:fld id="{FB30EDBD-1C2D-4C1E-B459-B60219FAB484}" type="datetimeFigureOut">
               <a:rPr lang="ko-KR" altLang="en-US" smtClean="0"/>
-              <a:t>2018-10-02</a:t>
+              <a:t>2018-10-05</a:t>
             </a:fld>
             <a:endParaRPr lang="ko-KR" altLang="en-US"/>
           </a:p>
@@ -2804,7 +2889,7 @@
           <a:p>
             <a:fld id="{FB30EDBD-1C2D-4C1E-B459-B60219FAB484}" type="datetimeFigureOut">
               <a:rPr lang="ko-KR" altLang="en-US" smtClean="0"/>
-              <a:t>2018-10-02</a:t>
+              <a:t>2018-10-05</a:t>
             </a:fld>
             <a:endParaRPr lang="ko-KR" altLang="en-US"/>
           </a:p>
@@ -3074,7 +3159,7 @@
           <a:p>
             <a:fld id="{FB30EDBD-1C2D-4C1E-B459-B60219FAB484}" type="datetimeFigureOut">
               <a:rPr lang="ko-KR" altLang="en-US" smtClean="0"/>
-              <a:t>2018-10-02</a:t>
+              <a:t>2018-10-05</a:t>
             </a:fld>
             <a:endParaRPr lang="ko-KR" altLang="en-US"/>
           </a:p>
@@ -3321,7 +3406,7 @@
           <a:p>
             <a:fld id="{FB30EDBD-1C2D-4C1E-B459-B60219FAB484}" type="datetimeFigureOut">
               <a:rPr lang="ko-KR" altLang="en-US" smtClean="0"/>
-              <a:t>2018-10-02</a:t>
+              <a:t>2018-10-05</a:t>
             </a:fld>
             <a:endParaRPr lang="ko-KR" altLang="en-US"/>
           </a:p>
@@ -3527,7 +3612,7 @@
           <a:p>
             <a:fld id="{FB30EDBD-1C2D-4C1E-B459-B60219FAB484}" type="datetimeFigureOut">
               <a:rPr lang="ko-KR" altLang="en-US" smtClean="0"/>
-              <a:t>2018-10-02</a:t>
+              <a:t>2018-10-05</a:t>
             </a:fld>
             <a:endParaRPr lang="ko-KR" altLang="en-US"/>
           </a:p>
@@ -3902,7 +3987,7 @@
           <p:cNvPr id="2" name="제목 1">
             <a:extLst>
               <a:ext uri="{FF2B5EF4-FFF2-40B4-BE49-F238E27FC236}">
-                <a16:creationId xmlns="" xmlns:a16="http://schemas.microsoft.com/office/drawing/2014/main" id="{8738443D-5E72-49E2-86AC-581D61C41C39}"/>
+                <a16:creationId xmlns:a16="http://schemas.microsoft.com/office/drawing/2014/main" id="{8738443D-5E72-49E2-86AC-581D61C41C39}"/>
               </a:ext>
             </a:extLst>
           </p:cNvPr>
@@ -3936,7 +4021,7 @@
           <p:cNvPr id="3" name="사각형: 둥근 모서리 2">
             <a:extLst>
               <a:ext uri="{FF2B5EF4-FFF2-40B4-BE49-F238E27FC236}">
-                <a16:creationId xmlns="" xmlns:a16="http://schemas.microsoft.com/office/drawing/2014/main" id="{DBF2CBF9-70F2-440D-B8EA-17C0B928765A}"/>
+                <a16:creationId xmlns:a16="http://schemas.microsoft.com/office/drawing/2014/main" id="{DBF2CBF9-70F2-440D-B8EA-17C0B928765A}"/>
               </a:ext>
             </a:extLst>
           </p:cNvPr>
@@ -3993,7 +4078,7 @@
           <p:cNvPr id="4" name="사각형: 둥근 모서리 3">
             <a:extLst>
               <a:ext uri="{FF2B5EF4-FFF2-40B4-BE49-F238E27FC236}">
-                <a16:creationId xmlns="" xmlns:a16="http://schemas.microsoft.com/office/drawing/2014/main" id="{232541BA-0E21-4D84-AC9E-8EA8F51FB4F8}"/>
+                <a16:creationId xmlns:a16="http://schemas.microsoft.com/office/drawing/2014/main" id="{232541BA-0E21-4D84-AC9E-8EA8F51FB4F8}"/>
               </a:ext>
             </a:extLst>
           </p:cNvPr>
@@ -4050,7 +4135,7 @@
           <p:cNvPr id="5" name="사각형: 둥근 모서리 4">
             <a:extLst>
               <a:ext uri="{FF2B5EF4-FFF2-40B4-BE49-F238E27FC236}">
-                <a16:creationId xmlns="" xmlns:a16="http://schemas.microsoft.com/office/drawing/2014/main" id="{A0C524DF-8CE4-4E7A-BC40-668CFABFDD26}"/>
+                <a16:creationId xmlns:a16="http://schemas.microsoft.com/office/drawing/2014/main" id="{A0C524DF-8CE4-4E7A-BC40-668CFABFDD26}"/>
               </a:ext>
             </a:extLst>
           </p:cNvPr>
@@ -4107,7 +4192,7 @@
           <p:cNvPr id="6" name="사각형: 둥근 모서리 5">
             <a:extLst>
               <a:ext uri="{FF2B5EF4-FFF2-40B4-BE49-F238E27FC236}">
-                <a16:creationId xmlns="" xmlns:a16="http://schemas.microsoft.com/office/drawing/2014/main" id="{2F80FC8D-2F83-462A-B052-08254EC92DAF}"/>
+                <a16:creationId xmlns:a16="http://schemas.microsoft.com/office/drawing/2014/main" id="{2F80FC8D-2F83-462A-B052-08254EC92DAF}"/>
               </a:ext>
             </a:extLst>
           </p:cNvPr>
@@ -4194,7 +4279,7 @@
           <p:cNvPr id="2" name="제목 1">
             <a:extLst>
               <a:ext uri="{FF2B5EF4-FFF2-40B4-BE49-F238E27FC236}">
-                <a16:creationId xmlns="" xmlns:a16="http://schemas.microsoft.com/office/drawing/2014/main" id="{8738443D-5E72-49E2-86AC-581D61C41C39}"/>
+                <a16:creationId xmlns:a16="http://schemas.microsoft.com/office/drawing/2014/main" id="{8738443D-5E72-49E2-86AC-581D61C41C39}"/>
               </a:ext>
             </a:extLst>
           </p:cNvPr>
@@ -4380,7 +4465,7 @@
           <p:cNvPr id="4" name="그룹 3">
             <a:extLst>
               <a:ext uri="{FF2B5EF4-FFF2-40B4-BE49-F238E27FC236}">
-                <a16:creationId xmlns="" xmlns:a16="http://schemas.microsoft.com/office/drawing/2014/main" id="{E4CBD3F0-0276-45C5-9B75-45FAF65CDA95}"/>
+                <a16:creationId xmlns:a16="http://schemas.microsoft.com/office/drawing/2014/main" id="{E4CBD3F0-0276-45C5-9B75-45FAF65CDA95}"/>
               </a:ext>
             </a:extLst>
           </p:cNvPr>
@@ -4433,11 +4518,7 @@
               <a:pPr algn="ctr"/>
               <a:r>
                 <a:rPr lang="en-US" altLang="ko-KR" sz="1200" dirty="0"/>
-                <a:t>Data </a:t>
-              </a:r>
-              <a:r>
-                <a:rPr lang="en-US" altLang="ko-KR" sz="1200" dirty="0" smtClean="0"/>
-                <a:t>Node B</a:t>
+                <a:t>Data Node B</a:t>
               </a:r>
               <a:endParaRPr lang="ko-KR" altLang="en-US" sz="1200" dirty="0"/>
             </a:p>
@@ -4587,7 +4668,7 @@
           <p:cNvPr id="23" name="그룹 22">
             <a:extLst>
               <a:ext uri="{FF2B5EF4-FFF2-40B4-BE49-F238E27FC236}">
-                <a16:creationId xmlns="" xmlns:a16="http://schemas.microsoft.com/office/drawing/2014/main" id="{342A61BC-982B-4E38-81C1-E9282268511A}"/>
+                <a16:creationId xmlns:a16="http://schemas.microsoft.com/office/drawing/2014/main" id="{342A61BC-982B-4E38-81C1-E9282268511A}"/>
               </a:ext>
             </a:extLst>
           </p:cNvPr>
@@ -4607,7 +4688,7 @@
             <p:cNvPr id="25" name="모서리가 둥근 직사각형 18">
               <a:extLst>
                 <a:ext uri="{FF2B5EF4-FFF2-40B4-BE49-F238E27FC236}">
-                  <a16:creationId xmlns="" xmlns:a16="http://schemas.microsoft.com/office/drawing/2014/main" id="{E4DAA65D-0B5C-4320-8447-5DA2D58810D6}"/>
+                  <a16:creationId xmlns:a16="http://schemas.microsoft.com/office/drawing/2014/main" id="{E4DAA65D-0B5C-4320-8447-5DA2D58810D6}"/>
                 </a:ext>
               </a:extLst>
             </p:cNvPr>
@@ -4646,11 +4727,7 @@
               <a:pPr algn="ctr"/>
               <a:r>
                 <a:rPr lang="en-US" altLang="ko-KR" sz="1200" dirty="0"/>
-                <a:t>Data </a:t>
-              </a:r>
-              <a:r>
-                <a:rPr lang="en-US" altLang="ko-KR" sz="1200" dirty="0" smtClean="0"/>
-                <a:t>Node A </a:t>
+                <a:t>Data Node A </a:t>
               </a:r>
               <a:endParaRPr lang="ko-KR" altLang="en-US" sz="1200" dirty="0"/>
             </a:p>
@@ -4661,7 +4738,7 @@
             <p:cNvPr id="31" name="모서리가 둥근 직사각형 34">
               <a:extLst>
                 <a:ext uri="{FF2B5EF4-FFF2-40B4-BE49-F238E27FC236}">
-                  <a16:creationId xmlns="" xmlns:a16="http://schemas.microsoft.com/office/drawing/2014/main" id="{51DB3436-FBC1-4FD0-92E8-9695BC0A8486}"/>
+                  <a16:creationId xmlns:a16="http://schemas.microsoft.com/office/drawing/2014/main" id="{51DB3436-FBC1-4FD0-92E8-9695BC0A8486}"/>
                 </a:ext>
               </a:extLst>
             </p:cNvPr>
@@ -4713,7 +4790,7 @@
             <p:cNvPr id="32" name="모서리가 둥근 직사각형 40">
               <a:extLst>
                 <a:ext uri="{FF2B5EF4-FFF2-40B4-BE49-F238E27FC236}">
-                  <a16:creationId xmlns="" xmlns:a16="http://schemas.microsoft.com/office/drawing/2014/main" id="{C7B91E22-A5E2-4089-B1B9-F12D8B89068B}"/>
+                  <a16:creationId xmlns:a16="http://schemas.microsoft.com/office/drawing/2014/main" id="{C7B91E22-A5E2-4089-B1B9-F12D8B89068B}"/>
                 </a:ext>
               </a:extLst>
             </p:cNvPr>
@@ -4765,7 +4842,7 @@
             <p:cNvPr id="33" name="모서리가 둥근 직사각형 41">
               <a:extLst>
                 <a:ext uri="{FF2B5EF4-FFF2-40B4-BE49-F238E27FC236}">
-                  <a16:creationId xmlns="" xmlns:a16="http://schemas.microsoft.com/office/drawing/2014/main" id="{53076EB5-7891-4EAB-BC6C-19282E8464F1}"/>
+                  <a16:creationId xmlns:a16="http://schemas.microsoft.com/office/drawing/2014/main" id="{53076EB5-7891-4EAB-BC6C-19282E8464F1}"/>
                 </a:ext>
               </a:extLst>
             </p:cNvPr>
@@ -4818,7 +4895,7 @@
           <p:cNvPr id="45" name="그룹 44">
             <a:extLst>
               <a:ext uri="{FF2B5EF4-FFF2-40B4-BE49-F238E27FC236}">
-                <a16:creationId xmlns="" xmlns:a16="http://schemas.microsoft.com/office/drawing/2014/main" id="{346422BE-21F7-4565-A08C-0EE7FDE238E5}"/>
+                <a16:creationId xmlns:a16="http://schemas.microsoft.com/office/drawing/2014/main" id="{346422BE-21F7-4565-A08C-0EE7FDE238E5}"/>
               </a:ext>
             </a:extLst>
           </p:cNvPr>
@@ -4838,7 +4915,7 @@
             <p:cNvPr id="46" name="모서리가 둥근 직사각형 18">
               <a:extLst>
                 <a:ext uri="{FF2B5EF4-FFF2-40B4-BE49-F238E27FC236}">
-                  <a16:creationId xmlns="" xmlns:a16="http://schemas.microsoft.com/office/drawing/2014/main" id="{51BD0C12-2C36-4B79-A248-884CB05DC550}"/>
+                  <a16:creationId xmlns:a16="http://schemas.microsoft.com/office/drawing/2014/main" id="{51BD0C12-2C36-4B79-A248-884CB05DC550}"/>
                 </a:ext>
               </a:extLst>
             </p:cNvPr>
@@ -4877,11 +4954,7 @@
               <a:pPr algn="ctr"/>
               <a:r>
                 <a:rPr lang="en-US" altLang="ko-KR" sz="1200" dirty="0"/>
-                <a:t>Data </a:t>
-              </a:r>
-              <a:r>
-                <a:rPr lang="en-US" altLang="ko-KR" sz="1200" dirty="0" smtClean="0"/>
-                <a:t>Node C</a:t>
+                <a:t>Data Node C</a:t>
               </a:r>
               <a:endParaRPr lang="ko-KR" altLang="en-US" sz="1200" dirty="0"/>
             </a:p>
@@ -4892,7 +4965,7 @@
             <p:cNvPr id="47" name="모서리가 둥근 직사각형 34">
               <a:extLst>
                 <a:ext uri="{FF2B5EF4-FFF2-40B4-BE49-F238E27FC236}">
-                  <a16:creationId xmlns="" xmlns:a16="http://schemas.microsoft.com/office/drawing/2014/main" id="{F143A0D7-943F-4882-8CC4-6F389CB53B57}"/>
+                  <a16:creationId xmlns:a16="http://schemas.microsoft.com/office/drawing/2014/main" id="{F143A0D7-943F-4882-8CC4-6F389CB53B57}"/>
                 </a:ext>
               </a:extLst>
             </p:cNvPr>
@@ -4944,7 +5017,7 @@
             <p:cNvPr id="48" name="모서리가 둥근 직사각형 40">
               <a:extLst>
                 <a:ext uri="{FF2B5EF4-FFF2-40B4-BE49-F238E27FC236}">
-                  <a16:creationId xmlns="" xmlns:a16="http://schemas.microsoft.com/office/drawing/2014/main" id="{9EE9E9B9-6D4F-459F-8B7C-1BFD98D1B823}"/>
+                  <a16:creationId xmlns:a16="http://schemas.microsoft.com/office/drawing/2014/main" id="{9EE9E9B9-6D4F-459F-8B7C-1BFD98D1B823}"/>
                 </a:ext>
               </a:extLst>
             </p:cNvPr>
@@ -4996,7 +5069,7 @@
             <p:cNvPr id="49" name="모서리가 둥근 직사각형 41">
               <a:extLst>
                 <a:ext uri="{FF2B5EF4-FFF2-40B4-BE49-F238E27FC236}">
-                  <a16:creationId xmlns="" xmlns:a16="http://schemas.microsoft.com/office/drawing/2014/main" id="{28F4D104-9CD4-49B4-9DD7-D5CA9188CE00}"/>
+                  <a16:creationId xmlns:a16="http://schemas.microsoft.com/office/drawing/2014/main" id="{28F4D104-9CD4-49B4-9DD7-D5CA9188CE00}"/>
                 </a:ext>
               </a:extLst>
             </p:cNvPr>
@@ -5049,7 +5122,7 @@
           <p:cNvPr id="51" name="그룹 50">
             <a:extLst>
               <a:ext uri="{FF2B5EF4-FFF2-40B4-BE49-F238E27FC236}">
-                <a16:creationId xmlns="" xmlns:a16="http://schemas.microsoft.com/office/drawing/2014/main" id="{3EB80419-83CC-4387-ABD1-C0B2EC659FE4}"/>
+                <a16:creationId xmlns:a16="http://schemas.microsoft.com/office/drawing/2014/main" id="{3EB80419-83CC-4387-ABD1-C0B2EC659FE4}"/>
               </a:ext>
             </a:extLst>
           </p:cNvPr>
@@ -5069,7 +5142,7 @@
             <p:cNvPr id="52" name="모서리가 둥근 직사각형 18">
               <a:extLst>
                 <a:ext uri="{FF2B5EF4-FFF2-40B4-BE49-F238E27FC236}">
-                  <a16:creationId xmlns="" xmlns:a16="http://schemas.microsoft.com/office/drawing/2014/main" id="{4EABDA9D-921C-4A30-8C03-DDCB09DBF3CB}"/>
+                  <a16:creationId xmlns:a16="http://schemas.microsoft.com/office/drawing/2014/main" id="{4EABDA9D-921C-4A30-8C03-DDCB09DBF3CB}"/>
                 </a:ext>
               </a:extLst>
             </p:cNvPr>
@@ -5108,11 +5181,7 @@
               <a:pPr algn="ctr"/>
               <a:r>
                 <a:rPr lang="en-US" altLang="ko-KR" sz="1200" dirty="0"/>
-                <a:t>Data </a:t>
-              </a:r>
-              <a:r>
-                <a:rPr lang="en-US" altLang="ko-KR" sz="1200" dirty="0" smtClean="0"/>
-                <a:t>Node D</a:t>
+                <a:t>Data Node D</a:t>
               </a:r>
               <a:endParaRPr lang="ko-KR" altLang="en-US" sz="1200" dirty="0"/>
             </a:p>
@@ -5123,7 +5192,7 @@
             <p:cNvPr id="54" name="모서리가 둥근 직사각형 40">
               <a:extLst>
                 <a:ext uri="{FF2B5EF4-FFF2-40B4-BE49-F238E27FC236}">
-                  <a16:creationId xmlns="" xmlns:a16="http://schemas.microsoft.com/office/drawing/2014/main" id="{08B10766-8517-475B-9870-2CFD1F30A555}"/>
+                  <a16:creationId xmlns:a16="http://schemas.microsoft.com/office/drawing/2014/main" id="{08B10766-8517-475B-9870-2CFD1F30A555}"/>
                 </a:ext>
               </a:extLst>
             </p:cNvPr>
@@ -5175,7 +5244,7 @@
             <p:cNvPr id="55" name="모서리가 둥근 직사각형 41">
               <a:extLst>
                 <a:ext uri="{FF2B5EF4-FFF2-40B4-BE49-F238E27FC236}">
-                  <a16:creationId xmlns="" xmlns:a16="http://schemas.microsoft.com/office/drawing/2014/main" id="{0347983C-1715-469A-B171-8EB284A9B128}"/>
+                  <a16:creationId xmlns:a16="http://schemas.microsoft.com/office/drawing/2014/main" id="{0347983C-1715-469A-B171-8EB284A9B128}"/>
                 </a:ext>
               </a:extLst>
             </p:cNvPr>
@@ -5228,7 +5297,7 @@
           <p:cNvPr id="57" name="모서리가 둥근 직사각형 18">
             <a:extLst>
               <a:ext uri="{FF2B5EF4-FFF2-40B4-BE49-F238E27FC236}">
-                <a16:creationId xmlns="" xmlns:a16="http://schemas.microsoft.com/office/drawing/2014/main" id="{37FF3A74-AA80-46B4-88CF-B271893BBCCF}"/>
+                <a16:creationId xmlns:a16="http://schemas.microsoft.com/office/drawing/2014/main" id="{37FF3A74-AA80-46B4-88CF-B271893BBCCF}"/>
               </a:ext>
             </a:extLst>
           </p:cNvPr>
@@ -5278,7 +5347,7 @@
           <p:cNvPr id="172" name="그룹 171">
             <a:extLst>
               <a:ext uri="{FF2B5EF4-FFF2-40B4-BE49-F238E27FC236}">
-                <a16:creationId xmlns="" xmlns:a16="http://schemas.microsoft.com/office/drawing/2014/main" id="{AFDB73E2-CC56-46A7-9786-4FCFACA81201}"/>
+                <a16:creationId xmlns:a16="http://schemas.microsoft.com/office/drawing/2014/main" id="{AFDB73E2-CC56-46A7-9786-4FCFACA81201}"/>
               </a:ext>
             </a:extLst>
           </p:cNvPr>
@@ -5298,7 +5367,7 @@
             <p:cNvPr id="58" name="모서리가 둥근 직사각형 18">
               <a:extLst>
                 <a:ext uri="{FF2B5EF4-FFF2-40B4-BE49-F238E27FC236}">
-                  <a16:creationId xmlns="" xmlns:a16="http://schemas.microsoft.com/office/drawing/2014/main" id="{271773C0-B6D3-4AF9-B241-96B25F3262A1}"/>
+                  <a16:creationId xmlns:a16="http://schemas.microsoft.com/office/drawing/2014/main" id="{271773C0-B6D3-4AF9-B241-96B25F3262A1}"/>
                 </a:ext>
               </a:extLst>
             </p:cNvPr>
@@ -5348,7 +5417,7 @@
             <p:cNvPr id="59" name="모서리가 둥근 직사각형 18">
               <a:extLst>
                 <a:ext uri="{FF2B5EF4-FFF2-40B4-BE49-F238E27FC236}">
-                  <a16:creationId xmlns="" xmlns:a16="http://schemas.microsoft.com/office/drawing/2014/main" id="{A28EA0BC-59F6-4F72-BD0E-9F3B07D97837}"/>
+                  <a16:creationId xmlns:a16="http://schemas.microsoft.com/office/drawing/2014/main" id="{A28EA0BC-59F6-4F72-BD0E-9F3B07D97837}"/>
                 </a:ext>
               </a:extLst>
             </p:cNvPr>
@@ -5426,7 +5495,7 @@
           <p:cNvPr id="60" name="모서리가 둥근 직사각형 18">
             <a:extLst>
               <a:ext uri="{FF2B5EF4-FFF2-40B4-BE49-F238E27FC236}">
-                <a16:creationId xmlns="" xmlns:a16="http://schemas.microsoft.com/office/drawing/2014/main" id="{A8E62340-5B58-47AF-ABFF-AE5D42F73FD2}"/>
+                <a16:creationId xmlns:a16="http://schemas.microsoft.com/office/drawing/2014/main" id="{A8E62340-5B58-47AF-ABFF-AE5D42F73FD2}"/>
               </a:ext>
             </a:extLst>
           </p:cNvPr>
@@ -5476,7 +5545,7 @@
           <p:cNvPr id="61" name="직선 화살표 연결선 60">
             <a:extLst>
               <a:ext uri="{FF2B5EF4-FFF2-40B4-BE49-F238E27FC236}">
-                <a16:creationId xmlns="" xmlns:a16="http://schemas.microsoft.com/office/drawing/2014/main" id="{86485563-F321-4DD1-B7CE-81A35D2E3FE5}"/>
+                <a16:creationId xmlns:a16="http://schemas.microsoft.com/office/drawing/2014/main" id="{86485563-F321-4DD1-B7CE-81A35D2E3FE5}"/>
               </a:ext>
             </a:extLst>
           </p:cNvPr>
@@ -5521,7 +5590,7 @@
           <p:cNvPr id="63" name="직선 화살표 연결선 62">
             <a:extLst>
               <a:ext uri="{FF2B5EF4-FFF2-40B4-BE49-F238E27FC236}">
-                <a16:creationId xmlns="" xmlns:a16="http://schemas.microsoft.com/office/drawing/2014/main" id="{10421B65-D171-4EE8-A7C1-6F9B1A4DE11C}"/>
+                <a16:creationId xmlns:a16="http://schemas.microsoft.com/office/drawing/2014/main" id="{10421B65-D171-4EE8-A7C1-6F9B1A4DE11C}"/>
               </a:ext>
             </a:extLst>
           </p:cNvPr>
@@ -5566,7 +5635,7 @@
           <p:cNvPr id="131" name="타원 130">
             <a:extLst>
               <a:ext uri="{FF2B5EF4-FFF2-40B4-BE49-F238E27FC236}">
-                <a16:creationId xmlns="" xmlns:a16="http://schemas.microsoft.com/office/drawing/2014/main" id="{5F83F9E5-52FB-4808-9C34-197CE38E96AE}"/>
+                <a16:creationId xmlns:a16="http://schemas.microsoft.com/office/drawing/2014/main" id="{5F83F9E5-52FB-4808-9C34-197CE38E96AE}"/>
               </a:ext>
             </a:extLst>
           </p:cNvPr>
@@ -5630,7 +5699,7 @@
           <p:cNvPr id="132" name="타원 131">
             <a:extLst>
               <a:ext uri="{FF2B5EF4-FFF2-40B4-BE49-F238E27FC236}">
-                <a16:creationId xmlns="" xmlns:a16="http://schemas.microsoft.com/office/drawing/2014/main" id="{41F245C1-92AD-4CF7-8116-948BE87AA5B6}"/>
+                <a16:creationId xmlns:a16="http://schemas.microsoft.com/office/drawing/2014/main" id="{41F245C1-92AD-4CF7-8116-948BE87AA5B6}"/>
               </a:ext>
             </a:extLst>
           </p:cNvPr>
@@ -5694,7 +5763,7 @@
           <p:cNvPr id="134" name="타원 133">
             <a:extLst>
               <a:ext uri="{FF2B5EF4-FFF2-40B4-BE49-F238E27FC236}">
-                <a16:creationId xmlns="" xmlns:a16="http://schemas.microsoft.com/office/drawing/2014/main" id="{7110AE48-F3F2-439B-ADE3-190898A23765}"/>
+                <a16:creationId xmlns:a16="http://schemas.microsoft.com/office/drawing/2014/main" id="{7110AE48-F3F2-439B-ADE3-190898A23765}"/>
               </a:ext>
             </a:extLst>
           </p:cNvPr>
@@ -5758,7 +5827,7 @@
           <p:cNvPr id="136" name="직선 화살표 연결선 135">
             <a:extLst>
               <a:ext uri="{FF2B5EF4-FFF2-40B4-BE49-F238E27FC236}">
-                <a16:creationId xmlns="" xmlns:a16="http://schemas.microsoft.com/office/drawing/2014/main" id="{6B28761E-A6ED-418A-9384-3AEDDF0E8035}"/>
+                <a16:creationId xmlns:a16="http://schemas.microsoft.com/office/drawing/2014/main" id="{6B28761E-A6ED-418A-9384-3AEDDF0E8035}"/>
               </a:ext>
             </a:extLst>
           </p:cNvPr>
@@ -5803,7 +5872,7 @@
           <p:cNvPr id="157" name="타원 156">
             <a:extLst>
               <a:ext uri="{FF2B5EF4-FFF2-40B4-BE49-F238E27FC236}">
-                <a16:creationId xmlns="" xmlns:a16="http://schemas.microsoft.com/office/drawing/2014/main" id="{E2D3238C-CC38-4EA9-848F-B8073443BA43}"/>
+                <a16:creationId xmlns:a16="http://schemas.microsoft.com/office/drawing/2014/main" id="{E2D3238C-CC38-4EA9-848F-B8073443BA43}"/>
               </a:ext>
             </a:extLst>
           </p:cNvPr>
@@ -5867,7 +5936,7 @@
           <p:cNvPr id="158" name="타원 157">
             <a:extLst>
               <a:ext uri="{FF2B5EF4-FFF2-40B4-BE49-F238E27FC236}">
-                <a16:creationId xmlns="" xmlns:a16="http://schemas.microsoft.com/office/drawing/2014/main" id="{134F2EDF-DF55-410C-B63E-254D82DF66FB}"/>
+                <a16:creationId xmlns:a16="http://schemas.microsoft.com/office/drawing/2014/main" id="{134F2EDF-DF55-410C-B63E-254D82DF66FB}"/>
               </a:ext>
             </a:extLst>
           </p:cNvPr>
@@ -5931,7 +6000,7 @@
           <p:cNvPr id="171" name="그룹 170">
             <a:extLst>
               <a:ext uri="{FF2B5EF4-FFF2-40B4-BE49-F238E27FC236}">
-                <a16:creationId xmlns="" xmlns:a16="http://schemas.microsoft.com/office/drawing/2014/main" id="{365E04FF-332D-448A-AE7C-B0C7F5BB229E}"/>
+                <a16:creationId xmlns:a16="http://schemas.microsoft.com/office/drawing/2014/main" id="{365E04FF-332D-448A-AE7C-B0C7F5BB229E}"/>
               </a:ext>
             </a:extLst>
           </p:cNvPr>
@@ -5951,7 +6020,7 @@
             <p:cNvPr id="161" name="직선 화살표 연결선 160">
               <a:extLst>
                 <a:ext uri="{FF2B5EF4-FFF2-40B4-BE49-F238E27FC236}">
-                  <a16:creationId xmlns="" xmlns:a16="http://schemas.microsoft.com/office/drawing/2014/main" id="{3353C20F-317C-4897-9D26-E51FDE4CD3C6}"/>
+                  <a16:creationId xmlns:a16="http://schemas.microsoft.com/office/drawing/2014/main" id="{3353C20F-317C-4897-9D26-E51FDE4CD3C6}"/>
                 </a:ext>
               </a:extLst>
             </p:cNvPr>
@@ -5997,7 +6066,7 @@
             <p:cNvPr id="166" name="TextBox 165">
               <a:extLst>
                 <a:ext uri="{FF2B5EF4-FFF2-40B4-BE49-F238E27FC236}">
-                  <a16:creationId xmlns="" xmlns:a16="http://schemas.microsoft.com/office/drawing/2014/main" id="{F569DF29-EBD8-4606-BED5-287D91FB85A1}"/>
+                  <a16:creationId xmlns:a16="http://schemas.microsoft.com/office/drawing/2014/main" id="{F569DF29-EBD8-4606-BED5-287D91FB85A1}"/>
                 </a:ext>
               </a:extLst>
             </p:cNvPr>
@@ -6034,7 +6103,7 @@
             <p:cNvPr id="168" name="직선 화살표 연결선 167">
               <a:extLst>
                 <a:ext uri="{FF2B5EF4-FFF2-40B4-BE49-F238E27FC236}">
-                  <a16:creationId xmlns="" xmlns:a16="http://schemas.microsoft.com/office/drawing/2014/main" id="{E3342519-5CCB-40AA-81C2-C390DDF48A81}"/>
+                  <a16:creationId xmlns:a16="http://schemas.microsoft.com/office/drawing/2014/main" id="{E3342519-5CCB-40AA-81C2-C390DDF48A81}"/>
                 </a:ext>
               </a:extLst>
             </p:cNvPr>
@@ -6080,7 +6149,7 @@
             <p:cNvPr id="169" name="TextBox 168">
               <a:extLst>
                 <a:ext uri="{FF2B5EF4-FFF2-40B4-BE49-F238E27FC236}">
-                  <a16:creationId xmlns="" xmlns:a16="http://schemas.microsoft.com/office/drawing/2014/main" id="{092411D7-2EB1-421A-9BE1-7CBC71A2054A}"/>
+                  <a16:creationId xmlns:a16="http://schemas.microsoft.com/office/drawing/2014/main" id="{092411D7-2EB1-421A-9BE1-7CBC71A2054A}"/>
                 </a:ext>
               </a:extLst>
             </p:cNvPr>
@@ -6118,7 +6187,7 @@
           <p:cNvPr id="64" name="직선 화살표 연결선 63">
             <a:extLst>
               <a:ext uri="{FF2B5EF4-FFF2-40B4-BE49-F238E27FC236}">
-                <a16:creationId xmlns="" xmlns:a16="http://schemas.microsoft.com/office/drawing/2014/main" id="{6B28761E-A6ED-418A-9384-3AEDDF0E8035}"/>
+                <a16:creationId xmlns:a16="http://schemas.microsoft.com/office/drawing/2014/main" id="{6B28761E-A6ED-418A-9384-3AEDDF0E8035}"/>
               </a:ext>
             </a:extLst>
           </p:cNvPr>
@@ -6163,7 +6232,7 @@
           <p:cNvPr id="65" name="타원 64">
             <a:extLst>
               <a:ext uri="{FF2B5EF4-FFF2-40B4-BE49-F238E27FC236}">
-                <a16:creationId xmlns="" xmlns:a16="http://schemas.microsoft.com/office/drawing/2014/main" id="{41F245C1-92AD-4CF7-8116-948BE87AA5B6}"/>
+                <a16:creationId xmlns:a16="http://schemas.microsoft.com/office/drawing/2014/main" id="{41F245C1-92AD-4CF7-8116-948BE87AA5B6}"/>
               </a:ext>
             </a:extLst>
           </p:cNvPr>
@@ -6273,7 +6342,7 @@
           <p:cNvPr id="68" name="직선 화살표 연결선 67">
             <a:extLst>
               <a:ext uri="{FF2B5EF4-FFF2-40B4-BE49-F238E27FC236}">
-                <a16:creationId xmlns="" xmlns:a16="http://schemas.microsoft.com/office/drawing/2014/main" id="{86485563-F321-4DD1-B7CE-81A35D2E3FE5}"/>
+                <a16:creationId xmlns:a16="http://schemas.microsoft.com/office/drawing/2014/main" id="{86485563-F321-4DD1-B7CE-81A35D2E3FE5}"/>
               </a:ext>
             </a:extLst>
           </p:cNvPr>
@@ -6318,7 +6387,7 @@
           <p:cNvPr id="69" name="직선 화살표 연결선 68">
             <a:extLst>
               <a:ext uri="{FF2B5EF4-FFF2-40B4-BE49-F238E27FC236}">
-                <a16:creationId xmlns="" xmlns:a16="http://schemas.microsoft.com/office/drawing/2014/main" id="{86485563-F321-4DD1-B7CE-81A35D2E3FE5}"/>
+                <a16:creationId xmlns:a16="http://schemas.microsoft.com/office/drawing/2014/main" id="{86485563-F321-4DD1-B7CE-81A35D2E3FE5}"/>
               </a:ext>
             </a:extLst>
           </p:cNvPr>
@@ -6363,7 +6432,7 @@
           <p:cNvPr id="70" name="직선 화살표 연결선 69">
             <a:extLst>
               <a:ext uri="{FF2B5EF4-FFF2-40B4-BE49-F238E27FC236}">
-                <a16:creationId xmlns="" xmlns:a16="http://schemas.microsoft.com/office/drawing/2014/main" id="{86485563-F321-4DD1-B7CE-81A35D2E3FE5}"/>
+                <a16:creationId xmlns:a16="http://schemas.microsoft.com/office/drawing/2014/main" id="{86485563-F321-4DD1-B7CE-81A35D2E3FE5}"/>
               </a:ext>
             </a:extLst>
           </p:cNvPr>
@@ -6408,7 +6477,7 @@
           <p:cNvPr id="73" name="타원 72">
             <a:extLst>
               <a:ext uri="{FF2B5EF4-FFF2-40B4-BE49-F238E27FC236}">
-                <a16:creationId xmlns="" xmlns:a16="http://schemas.microsoft.com/office/drawing/2014/main" id="{7110AE48-F3F2-439B-ADE3-190898A23765}"/>
+                <a16:creationId xmlns:a16="http://schemas.microsoft.com/office/drawing/2014/main" id="{7110AE48-F3F2-439B-ADE3-190898A23765}"/>
               </a:ext>
             </a:extLst>
           </p:cNvPr>
@@ -6472,7 +6541,7 @@
           <p:cNvPr id="74" name="타원 73">
             <a:extLst>
               <a:ext uri="{FF2B5EF4-FFF2-40B4-BE49-F238E27FC236}">
-                <a16:creationId xmlns="" xmlns:a16="http://schemas.microsoft.com/office/drawing/2014/main" id="{41F245C1-92AD-4CF7-8116-948BE87AA5B6}"/>
+                <a16:creationId xmlns:a16="http://schemas.microsoft.com/office/drawing/2014/main" id="{41F245C1-92AD-4CF7-8116-948BE87AA5B6}"/>
               </a:ext>
             </a:extLst>
           </p:cNvPr>
@@ -6536,7 +6605,7 @@
           <p:cNvPr id="91" name="직선 화살표 연결선 90">
             <a:extLst>
               <a:ext uri="{FF2B5EF4-FFF2-40B4-BE49-F238E27FC236}">
-                <a16:creationId xmlns="" xmlns:a16="http://schemas.microsoft.com/office/drawing/2014/main" id="{10421B65-D171-4EE8-A7C1-6F9B1A4DE11C}"/>
+                <a16:creationId xmlns:a16="http://schemas.microsoft.com/office/drawing/2014/main" id="{10421B65-D171-4EE8-A7C1-6F9B1A4DE11C}"/>
               </a:ext>
             </a:extLst>
           </p:cNvPr>
@@ -6581,7 +6650,7 @@
           <p:cNvPr id="92" name="직선 화살표 연결선 91">
             <a:extLst>
               <a:ext uri="{FF2B5EF4-FFF2-40B4-BE49-F238E27FC236}">
-                <a16:creationId xmlns="" xmlns:a16="http://schemas.microsoft.com/office/drawing/2014/main" id="{10421B65-D171-4EE8-A7C1-6F9B1A4DE11C}"/>
+                <a16:creationId xmlns:a16="http://schemas.microsoft.com/office/drawing/2014/main" id="{10421B65-D171-4EE8-A7C1-6F9B1A4DE11C}"/>
               </a:ext>
             </a:extLst>
           </p:cNvPr>
@@ -6626,7 +6695,7 @@
           <p:cNvPr id="97" name="직선 화살표 연결선 96">
             <a:extLst>
               <a:ext uri="{FF2B5EF4-FFF2-40B4-BE49-F238E27FC236}">
-                <a16:creationId xmlns="" xmlns:a16="http://schemas.microsoft.com/office/drawing/2014/main" id="{10421B65-D171-4EE8-A7C1-6F9B1A4DE11C}"/>
+                <a16:creationId xmlns:a16="http://schemas.microsoft.com/office/drawing/2014/main" id="{10421B65-D171-4EE8-A7C1-6F9B1A4DE11C}"/>
               </a:ext>
             </a:extLst>
           </p:cNvPr>
@@ -6671,7 +6740,7 @@
           <p:cNvPr id="100" name="타원 99">
             <a:extLst>
               <a:ext uri="{FF2B5EF4-FFF2-40B4-BE49-F238E27FC236}">
-                <a16:creationId xmlns="" xmlns:a16="http://schemas.microsoft.com/office/drawing/2014/main" id="{059A2C3A-01C4-4EEC-B6C8-A026A244E886}"/>
+                <a16:creationId xmlns:a16="http://schemas.microsoft.com/office/drawing/2014/main" id="{059A2C3A-01C4-4EEC-B6C8-A026A244E886}"/>
               </a:ext>
             </a:extLst>
           </p:cNvPr>
@@ -6737,7 +6806,7 @@
           <p:cNvPr id="101" name="타원 100">
             <a:extLst>
               <a:ext uri="{FF2B5EF4-FFF2-40B4-BE49-F238E27FC236}">
-                <a16:creationId xmlns="" xmlns:a16="http://schemas.microsoft.com/office/drawing/2014/main" id="{059A2C3A-01C4-4EEC-B6C8-A026A244E886}"/>
+                <a16:creationId xmlns:a16="http://schemas.microsoft.com/office/drawing/2014/main" id="{059A2C3A-01C4-4EEC-B6C8-A026A244E886}"/>
               </a:ext>
             </a:extLst>
           </p:cNvPr>
@@ -6803,7 +6872,7 @@
           <p:cNvPr id="102" name="직선 화살표 연결선 101">
             <a:extLst>
               <a:ext uri="{FF2B5EF4-FFF2-40B4-BE49-F238E27FC236}">
-                <a16:creationId xmlns="" xmlns:a16="http://schemas.microsoft.com/office/drawing/2014/main" id="{10421B65-D171-4EE8-A7C1-6F9B1A4DE11C}"/>
+                <a16:creationId xmlns:a16="http://schemas.microsoft.com/office/drawing/2014/main" id="{10421B65-D171-4EE8-A7C1-6F9B1A4DE11C}"/>
               </a:ext>
             </a:extLst>
           </p:cNvPr>
@@ -6848,7 +6917,7 @@
           <p:cNvPr id="105" name="타원 104">
             <a:extLst>
               <a:ext uri="{FF2B5EF4-FFF2-40B4-BE49-F238E27FC236}">
-                <a16:creationId xmlns="" xmlns:a16="http://schemas.microsoft.com/office/drawing/2014/main" id="{059A2C3A-01C4-4EEC-B6C8-A026A244E886}"/>
+                <a16:creationId xmlns:a16="http://schemas.microsoft.com/office/drawing/2014/main" id="{059A2C3A-01C4-4EEC-B6C8-A026A244E886}"/>
               </a:ext>
             </a:extLst>
           </p:cNvPr>
@@ -6914,7 +6983,7 @@
           <p:cNvPr id="106" name="직선 화살표 연결선 105">
             <a:extLst>
               <a:ext uri="{FF2B5EF4-FFF2-40B4-BE49-F238E27FC236}">
-                <a16:creationId xmlns="" xmlns:a16="http://schemas.microsoft.com/office/drawing/2014/main" id="{10421B65-D171-4EE8-A7C1-6F9B1A4DE11C}"/>
+                <a16:creationId xmlns:a16="http://schemas.microsoft.com/office/drawing/2014/main" id="{10421B65-D171-4EE8-A7C1-6F9B1A4DE11C}"/>
               </a:ext>
             </a:extLst>
           </p:cNvPr>
@@ -6959,7 +7028,7 @@
           <p:cNvPr id="109" name="타원 108">
             <a:extLst>
               <a:ext uri="{FF2B5EF4-FFF2-40B4-BE49-F238E27FC236}">
-                <a16:creationId xmlns="" xmlns:a16="http://schemas.microsoft.com/office/drawing/2014/main" id="{059A2C3A-01C4-4EEC-B6C8-A026A244E886}"/>
+                <a16:creationId xmlns:a16="http://schemas.microsoft.com/office/drawing/2014/main" id="{059A2C3A-01C4-4EEC-B6C8-A026A244E886}"/>
               </a:ext>
             </a:extLst>
           </p:cNvPr>
@@ -7044,7 +7113,7 @@
           <a:p>
             <a:pPr algn="ctr"/>
             <a:r>
-              <a:rPr lang="en-US" altLang="ko-KR" sz="1400" dirty="0" smtClean="0"/>
+              <a:rPr lang="en-US" altLang="ko-KR" sz="1400" dirty="0"/>
               <a:t>Replication : 3</a:t>
             </a:r>
             <a:endParaRPr lang="ko-KR" altLang="en-US" sz="1400" dirty="0"/>
@@ -7056,7 +7125,7 @@
           <p:cNvPr id="62" name="직선 화살표 연결선 61">
             <a:extLst>
               <a:ext uri="{FF2B5EF4-FFF2-40B4-BE49-F238E27FC236}">
-                <a16:creationId xmlns="" xmlns:a16="http://schemas.microsoft.com/office/drawing/2014/main" id="{10421B65-D171-4EE8-A7C1-6F9B1A4DE11C}"/>
+                <a16:creationId xmlns:a16="http://schemas.microsoft.com/office/drawing/2014/main" id="{10421B65-D171-4EE8-A7C1-6F9B1A4DE11C}"/>
               </a:ext>
             </a:extLst>
           </p:cNvPr>
@@ -7101,7 +7170,7 @@
           <p:cNvPr id="66" name="직선 화살표 연결선 65">
             <a:extLst>
               <a:ext uri="{FF2B5EF4-FFF2-40B4-BE49-F238E27FC236}">
-                <a16:creationId xmlns="" xmlns:a16="http://schemas.microsoft.com/office/drawing/2014/main" id="{10421B65-D171-4EE8-A7C1-6F9B1A4DE11C}"/>
+                <a16:creationId xmlns:a16="http://schemas.microsoft.com/office/drawing/2014/main" id="{10421B65-D171-4EE8-A7C1-6F9B1A4DE11C}"/>
               </a:ext>
             </a:extLst>
           </p:cNvPr>
@@ -7146,7 +7215,7 @@
           <p:cNvPr id="71" name="타원 70">
             <a:extLst>
               <a:ext uri="{FF2B5EF4-FFF2-40B4-BE49-F238E27FC236}">
-                <a16:creationId xmlns="" xmlns:a16="http://schemas.microsoft.com/office/drawing/2014/main" id="{059A2C3A-01C4-4EEC-B6C8-A026A244E886}"/>
+                <a16:creationId xmlns:a16="http://schemas.microsoft.com/office/drawing/2014/main" id="{059A2C3A-01C4-4EEC-B6C8-A026A244E886}"/>
               </a:ext>
             </a:extLst>
           </p:cNvPr>
@@ -7212,7 +7281,7 @@
           <p:cNvPr id="72" name="타원 71">
             <a:extLst>
               <a:ext uri="{FF2B5EF4-FFF2-40B4-BE49-F238E27FC236}">
-                <a16:creationId xmlns="" xmlns:a16="http://schemas.microsoft.com/office/drawing/2014/main" id="{059A2C3A-01C4-4EEC-B6C8-A026A244E886}"/>
+                <a16:creationId xmlns:a16="http://schemas.microsoft.com/office/drawing/2014/main" id="{059A2C3A-01C4-4EEC-B6C8-A026A244E886}"/>
               </a:ext>
             </a:extLst>
           </p:cNvPr>
@@ -7308,7 +7377,7 @@
           <p:cNvPr id="2" name="제목 1">
             <a:extLst>
               <a:ext uri="{FF2B5EF4-FFF2-40B4-BE49-F238E27FC236}">
-                <a16:creationId xmlns:a16="http://schemas.microsoft.com/office/drawing/2014/main" xmlns="" id="{8738443D-5E72-49E2-86AC-581D61C41C39}"/>
+                <a16:creationId xmlns:a16="http://schemas.microsoft.com/office/drawing/2014/main" id="{8738443D-5E72-49E2-86AC-581D61C41C39}"/>
               </a:ext>
             </a:extLst>
           </p:cNvPr>
@@ -7342,7 +7411,7 @@
           <p:cNvPr id="4" name="모서리가 둥근 직사각형 18">
             <a:extLst>
               <a:ext uri="{FF2B5EF4-FFF2-40B4-BE49-F238E27FC236}">
-                <a16:creationId xmlns:a16="http://schemas.microsoft.com/office/drawing/2014/main" xmlns="" id="{90910971-3F87-488C-9CD0-4E04E8DEA3B0}"/>
+                <a16:creationId xmlns:a16="http://schemas.microsoft.com/office/drawing/2014/main" id="{90910971-3F87-488C-9CD0-4E04E8DEA3B0}"/>
               </a:ext>
             </a:extLst>
           </p:cNvPr>
@@ -7392,7 +7461,7 @@
           <p:cNvPr id="6" name="모서리가 둥근 직사각형 18">
             <a:extLst>
               <a:ext uri="{FF2B5EF4-FFF2-40B4-BE49-F238E27FC236}">
-                <a16:creationId xmlns:a16="http://schemas.microsoft.com/office/drawing/2014/main" xmlns="" id="{F5302ADF-D203-4131-A3B2-4F84C5314C62}"/>
+                <a16:creationId xmlns:a16="http://schemas.microsoft.com/office/drawing/2014/main" id="{F5302ADF-D203-4131-A3B2-4F84C5314C62}"/>
               </a:ext>
             </a:extLst>
           </p:cNvPr>
@@ -7442,7 +7511,7 @@
           <p:cNvPr id="30" name="타원 29">
             <a:extLst>
               <a:ext uri="{FF2B5EF4-FFF2-40B4-BE49-F238E27FC236}">
-                <a16:creationId xmlns:a16="http://schemas.microsoft.com/office/drawing/2014/main" xmlns="" id="{0006BDA6-9444-4FFD-B5BD-EED6E274CFFA}"/>
+                <a16:creationId xmlns:a16="http://schemas.microsoft.com/office/drawing/2014/main" id="{0006BDA6-9444-4FFD-B5BD-EED6E274CFFA}"/>
               </a:ext>
             </a:extLst>
           </p:cNvPr>
@@ -7490,7 +7559,7 @@
           <p:cNvPr id="25" name="모서리가 둥근 직사각형 18">
             <a:extLst>
               <a:ext uri="{FF2B5EF4-FFF2-40B4-BE49-F238E27FC236}">
-                <a16:creationId xmlns:a16="http://schemas.microsoft.com/office/drawing/2014/main" xmlns="" id="{6AEE18CE-E129-4D51-AA94-179034642DC8}"/>
+                <a16:creationId xmlns:a16="http://schemas.microsoft.com/office/drawing/2014/main" id="{6AEE18CE-E129-4D51-AA94-179034642DC8}"/>
               </a:ext>
             </a:extLst>
           </p:cNvPr>
@@ -7540,7 +7609,7 @@
           <p:cNvPr id="26" name="모서리가 둥근 직사각형 18">
             <a:extLst>
               <a:ext uri="{FF2B5EF4-FFF2-40B4-BE49-F238E27FC236}">
-                <a16:creationId xmlns:a16="http://schemas.microsoft.com/office/drawing/2014/main" xmlns="" id="{D48DB822-70CE-4692-84EA-0B6DB2416FCB}"/>
+                <a16:creationId xmlns:a16="http://schemas.microsoft.com/office/drawing/2014/main" id="{D48DB822-70CE-4692-84EA-0B6DB2416FCB}"/>
               </a:ext>
             </a:extLst>
           </p:cNvPr>
@@ -7590,7 +7659,7 @@
           <p:cNvPr id="35" name="모서리가 둥근 직사각형 18">
             <a:extLst>
               <a:ext uri="{FF2B5EF4-FFF2-40B4-BE49-F238E27FC236}">
-                <a16:creationId xmlns:a16="http://schemas.microsoft.com/office/drawing/2014/main" xmlns="" id="{C82D4484-29CF-4C5C-94F6-3E611E578082}"/>
+                <a16:creationId xmlns:a16="http://schemas.microsoft.com/office/drawing/2014/main" id="{C82D4484-29CF-4C5C-94F6-3E611E578082}"/>
               </a:ext>
             </a:extLst>
           </p:cNvPr>
@@ -7640,7 +7709,7 @@
           <p:cNvPr id="36" name="모서리가 둥근 직사각형 18">
             <a:extLst>
               <a:ext uri="{FF2B5EF4-FFF2-40B4-BE49-F238E27FC236}">
-                <a16:creationId xmlns:a16="http://schemas.microsoft.com/office/drawing/2014/main" xmlns="" id="{49DD9DEF-515F-4613-B0A2-804648D3051B}"/>
+                <a16:creationId xmlns:a16="http://schemas.microsoft.com/office/drawing/2014/main" id="{49DD9DEF-515F-4613-B0A2-804648D3051B}"/>
               </a:ext>
             </a:extLst>
           </p:cNvPr>
@@ -7690,7 +7759,7 @@
           <p:cNvPr id="40" name="모서리가 둥근 직사각형 18">
             <a:extLst>
               <a:ext uri="{FF2B5EF4-FFF2-40B4-BE49-F238E27FC236}">
-                <a16:creationId xmlns:a16="http://schemas.microsoft.com/office/drawing/2014/main" xmlns="" id="{8BCD1206-46E7-48C1-8D0E-79201C2239CB}"/>
+                <a16:creationId xmlns:a16="http://schemas.microsoft.com/office/drawing/2014/main" id="{8BCD1206-46E7-48C1-8D0E-79201C2239CB}"/>
               </a:ext>
             </a:extLst>
           </p:cNvPr>
@@ -7740,7 +7809,7 @@
           <p:cNvPr id="41" name="모서리가 둥근 직사각형 18">
             <a:extLst>
               <a:ext uri="{FF2B5EF4-FFF2-40B4-BE49-F238E27FC236}">
-                <a16:creationId xmlns:a16="http://schemas.microsoft.com/office/drawing/2014/main" xmlns="" id="{8385447B-8931-4CDC-A0D2-091BF7CB022F}"/>
+                <a16:creationId xmlns:a16="http://schemas.microsoft.com/office/drawing/2014/main" id="{8385447B-8931-4CDC-A0D2-091BF7CB022F}"/>
               </a:ext>
             </a:extLst>
           </p:cNvPr>
@@ -7790,7 +7859,7 @@
           <p:cNvPr id="71" name="모서리가 둥근 직사각형 18">
             <a:extLst>
               <a:ext uri="{FF2B5EF4-FFF2-40B4-BE49-F238E27FC236}">
-                <a16:creationId xmlns:a16="http://schemas.microsoft.com/office/drawing/2014/main" xmlns="" id="{8385447B-8931-4CDC-A0D2-091BF7CB022F}"/>
+                <a16:creationId xmlns:a16="http://schemas.microsoft.com/office/drawing/2014/main" id="{8385447B-8931-4CDC-A0D2-091BF7CB022F}"/>
               </a:ext>
             </a:extLst>
           </p:cNvPr>
@@ -7834,14 +7903,14 @@
           <a:p>
             <a:pPr algn="ctr"/>
             <a:r>
-              <a:rPr lang="en-US" altLang="ko-KR" sz="1100" dirty="0" smtClean="0"/>
+              <a:rPr lang="en-US" altLang="ko-KR" sz="1100" dirty="0"/>
               <a:t>Container –</a:t>
             </a:r>
           </a:p>
           <a:p>
             <a:pPr algn="ctr"/>
             <a:r>
-              <a:rPr lang="en-US" altLang="ko-KR" sz="1100" dirty="0" smtClean="0"/>
+              <a:rPr lang="en-US" altLang="ko-KR" sz="1100" dirty="0"/>
               <a:t>App A</a:t>
             </a:r>
             <a:endParaRPr lang="ko-KR" altLang="en-US" sz="1100" dirty="0"/>
@@ -7853,7 +7922,7 @@
           <p:cNvPr id="58" name="모서리가 둥근 직사각형 18">
             <a:extLst>
               <a:ext uri="{FF2B5EF4-FFF2-40B4-BE49-F238E27FC236}">
-                <a16:creationId xmlns:a16="http://schemas.microsoft.com/office/drawing/2014/main" xmlns="" id="{D48DB822-70CE-4692-84EA-0B6DB2416FCB}"/>
+                <a16:creationId xmlns:a16="http://schemas.microsoft.com/office/drawing/2014/main" id="{D48DB822-70CE-4692-84EA-0B6DB2416FCB}"/>
               </a:ext>
             </a:extLst>
           </p:cNvPr>
@@ -7891,7 +7960,7 @@
           <a:p>
             <a:pPr algn="ctr"/>
             <a:r>
-              <a:rPr lang="en-US" altLang="ko-KR" sz="1200" dirty="0" smtClean="0"/>
+              <a:rPr lang="en-US" altLang="ko-KR" sz="1200" dirty="0"/>
               <a:t>Application Manager</a:t>
             </a:r>
             <a:endParaRPr lang="ko-KR" altLang="en-US" sz="1200" dirty="0"/>
@@ -7903,7 +7972,7 @@
           <p:cNvPr id="70" name="모서리가 둥근 직사각형 18">
             <a:extLst>
               <a:ext uri="{FF2B5EF4-FFF2-40B4-BE49-F238E27FC236}">
-                <a16:creationId xmlns:a16="http://schemas.microsoft.com/office/drawing/2014/main" xmlns="" id="{D48DB822-70CE-4692-84EA-0B6DB2416FCB}"/>
+                <a16:creationId xmlns:a16="http://schemas.microsoft.com/office/drawing/2014/main" id="{D48DB822-70CE-4692-84EA-0B6DB2416FCB}"/>
               </a:ext>
             </a:extLst>
           </p:cNvPr>
@@ -7941,7 +8010,7 @@
           <a:p>
             <a:pPr algn="ctr"/>
             <a:r>
-              <a:rPr lang="en-US" altLang="ko-KR" sz="1200" dirty="0" smtClean="0"/>
+              <a:rPr lang="en-US" altLang="ko-KR" sz="1200" dirty="0"/>
               <a:t>Scheduler</a:t>
             </a:r>
             <a:endParaRPr lang="ko-KR" altLang="en-US" sz="1200" dirty="0"/>
@@ -7953,7 +8022,7 @@
           <p:cNvPr id="45" name="직선 화살표 연결선 44">
             <a:extLst>
               <a:ext uri="{FF2B5EF4-FFF2-40B4-BE49-F238E27FC236}">
-                <a16:creationId xmlns="" xmlns:a16="http://schemas.microsoft.com/office/drawing/2014/main" id="{63CD95EA-9302-411A-9FCB-C8FDCBFA495D}"/>
+                <a16:creationId xmlns:a16="http://schemas.microsoft.com/office/drawing/2014/main" id="{63CD95EA-9302-411A-9FCB-C8FDCBFA495D}"/>
               </a:ext>
             </a:extLst>
           </p:cNvPr>
@@ -7998,7 +8067,7 @@
           <p:cNvPr id="48" name="직선 화살표 연결선 47">
             <a:extLst>
               <a:ext uri="{FF2B5EF4-FFF2-40B4-BE49-F238E27FC236}">
-                <a16:creationId xmlns="" xmlns:a16="http://schemas.microsoft.com/office/drawing/2014/main" id="{A9100779-8D7F-447C-B48B-26391BE18849}"/>
+                <a16:creationId xmlns:a16="http://schemas.microsoft.com/office/drawing/2014/main" id="{A9100779-8D7F-447C-B48B-26391BE18849}"/>
               </a:ext>
             </a:extLst>
           </p:cNvPr>
@@ -8043,7 +8112,7 @@
           <p:cNvPr id="49" name="직선 화살표 연결선 48">
             <a:extLst>
               <a:ext uri="{FF2B5EF4-FFF2-40B4-BE49-F238E27FC236}">
-                <a16:creationId xmlns="" xmlns:a16="http://schemas.microsoft.com/office/drawing/2014/main" id="{3933F28B-AC51-417E-BC5B-2AD39C7EFC81}"/>
+                <a16:creationId xmlns:a16="http://schemas.microsoft.com/office/drawing/2014/main" id="{3933F28B-AC51-417E-BC5B-2AD39C7EFC81}"/>
               </a:ext>
             </a:extLst>
           </p:cNvPr>
@@ -8088,7 +8157,7 @@
           <p:cNvPr id="50" name="직선 화살표 연결선 49">
             <a:extLst>
               <a:ext uri="{FF2B5EF4-FFF2-40B4-BE49-F238E27FC236}">
-                <a16:creationId xmlns="" xmlns:a16="http://schemas.microsoft.com/office/drawing/2014/main" id="{6AA93637-C65C-4B5A-8B53-8E544BBE6A7F}"/>
+                <a16:creationId xmlns:a16="http://schemas.microsoft.com/office/drawing/2014/main" id="{6AA93637-C65C-4B5A-8B53-8E544BBE6A7F}"/>
               </a:ext>
             </a:extLst>
           </p:cNvPr>
@@ -8135,7 +8204,7 @@
           <p:cNvPr id="51" name="직선 화살표 연결선 50">
             <a:extLst>
               <a:ext uri="{FF2B5EF4-FFF2-40B4-BE49-F238E27FC236}">
-                <a16:creationId xmlns="" xmlns:a16="http://schemas.microsoft.com/office/drawing/2014/main" id="{3A100D49-C29F-4AB6-B28A-334EF96F16AF}"/>
+                <a16:creationId xmlns:a16="http://schemas.microsoft.com/office/drawing/2014/main" id="{3A100D49-C29F-4AB6-B28A-334EF96F16AF}"/>
               </a:ext>
             </a:extLst>
           </p:cNvPr>
@@ -8182,7 +8251,7 @@
           <p:cNvPr id="53" name="직선 화살표 연결선 52">
             <a:extLst>
               <a:ext uri="{FF2B5EF4-FFF2-40B4-BE49-F238E27FC236}">
-                <a16:creationId xmlns="" xmlns:a16="http://schemas.microsoft.com/office/drawing/2014/main" id="{4DEC1018-A708-4DC7-B2AD-00ABDB42B1D6}"/>
+                <a16:creationId xmlns:a16="http://schemas.microsoft.com/office/drawing/2014/main" id="{4DEC1018-A708-4DC7-B2AD-00ABDB42B1D6}"/>
               </a:ext>
             </a:extLst>
           </p:cNvPr>
@@ -8228,7 +8297,7 @@
           <p:cNvPr id="54" name="직선 화살표 연결선 53">
             <a:extLst>
               <a:ext uri="{FF2B5EF4-FFF2-40B4-BE49-F238E27FC236}">
-                <a16:creationId xmlns="" xmlns:a16="http://schemas.microsoft.com/office/drawing/2014/main" id="{795CA74B-6E12-4088-BBAC-31A825D66510}"/>
+                <a16:creationId xmlns:a16="http://schemas.microsoft.com/office/drawing/2014/main" id="{795CA74B-6E12-4088-BBAC-31A825D66510}"/>
               </a:ext>
             </a:extLst>
           </p:cNvPr>
@@ -8274,7 +8343,7 @@
           <p:cNvPr id="55" name="직선 화살표 연결선 54">
             <a:extLst>
               <a:ext uri="{FF2B5EF4-FFF2-40B4-BE49-F238E27FC236}">
-                <a16:creationId xmlns="" xmlns:a16="http://schemas.microsoft.com/office/drawing/2014/main" id="{0F057480-7171-4B87-B299-002A985D1F30}"/>
+                <a16:creationId xmlns:a16="http://schemas.microsoft.com/office/drawing/2014/main" id="{0F057480-7171-4B87-B299-002A985D1F30}"/>
               </a:ext>
             </a:extLst>
           </p:cNvPr>
@@ -8322,7 +8391,7 @@
           <p:cNvPr id="57" name="직선 화살표 연결선 56">
             <a:extLst>
               <a:ext uri="{FF2B5EF4-FFF2-40B4-BE49-F238E27FC236}">
-                <a16:creationId xmlns="" xmlns:a16="http://schemas.microsoft.com/office/drawing/2014/main" id="{3E79A9E3-D35C-4D13-9C35-D56D0A88D17F}"/>
+                <a16:creationId xmlns:a16="http://schemas.microsoft.com/office/drawing/2014/main" id="{3E79A9E3-D35C-4D13-9C35-D56D0A88D17F}"/>
               </a:ext>
             </a:extLst>
           </p:cNvPr>
@@ -8370,7 +8439,7 @@
           <p:cNvPr id="60" name="그룹 59">
             <a:extLst>
               <a:ext uri="{FF2B5EF4-FFF2-40B4-BE49-F238E27FC236}">
-                <a16:creationId xmlns="" xmlns:a16="http://schemas.microsoft.com/office/drawing/2014/main" id="{B2F6CFF1-DF54-4F02-88FB-F2B7EAF8E248}"/>
+                <a16:creationId xmlns:a16="http://schemas.microsoft.com/office/drawing/2014/main" id="{B2F6CFF1-DF54-4F02-88FB-F2B7EAF8E248}"/>
               </a:ext>
             </a:extLst>
           </p:cNvPr>
@@ -8390,7 +8459,7 @@
             <p:cNvPr id="61" name="직선 화살표 연결선 60">
               <a:extLst>
                 <a:ext uri="{FF2B5EF4-FFF2-40B4-BE49-F238E27FC236}">
-                  <a16:creationId xmlns="" xmlns:a16="http://schemas.microsoft.com/office/drawing/2014/main" id="{FEDAA768-BFC9-4E6D-9A55-597FD6687A4E}"/>
+                  <a16:creationId xmlns:a16="http://schemas.microsoft.com/office/drawing/2014/main" id="{FEDAA768-BFC9-4E6D-9A55-597FD6687A4E}"/>
                 </a:ext>
               </a:extLst>
             </p:cNvPr>
@@ -8438,7 +8507,7 @@
             <p:cNvPr id="63" name="TextBox 62">
               <a:extLst>
                 <a:ext uri="{FF2B5EF4-FFF2-40B4-BE49-F238E27FC236}">
-                  <a16:creationId xmlns="" xmlns:a16="http://schemas.microsoft.com/office/drawing/2014/main" id="{08C76C99-553F-4622-9C6A-7756B2CFA84F}"/>
+                  <a16:creationId xmlns:a16="http://schemas.microsoft.com/office/drawing/2014/main" id="{08C76C99-553F-4622-9C6A-7756B2CFA84F}"/>
                 </a:ext>
               </a:extLst>
             </p:cNvPr>
@@ -8474,7 +8543,7 @@
             <p:cNvPr id="64" name="직선 화살표 연결선 63">
               <a:extLst>
                 <a:ext uri="{FF2B5EF4-FFF2-40B4-BE49-F238E27FC236}">
-                  <a16:creationId xmlns="" xmlns:a16="http://schemas.microsoft.com/office/drawing/2014/main" id="{BCF7F299-0FD2-4EDF-891C-D717BDED0371}"/>
+                  <a16:creationId xmlns:a16="http://schemas.microsoft.com/office/drawing/2014/main" id="{BCF7F299-0FD2-4EDF-891C-D717BDED0371}"/>
                 </a:ext>
               </a:extLst>
             </p:cNvPr>
@@ -8520,7 +8589,7 @@
             <p:cNvPr id="65" name="TextBox 64">
               <a:extLst>
                 <a:ext uri="{FF2B5EF4-FFF2-40B4-BE49-F238E27FC236}">
-                  <a16:creationId xmlns="" xmlns:a16="http://schemas.microsoft.com/office/drawing/2014/main" id="{2AEA4195-EC52-4EB4-BC56-00DCD87AC0CA}"/>
+                  <a16:creationId xmlns:a16="http://schemas.microsoft.com/office/drawing/2014/main" id="{2AEA4195-EC52-4EB4-BC56-00DCD87AC0CA}"/>
                 </a:ext>
               </a:extLst>
             </p:cNvPr>
@@ -8544,7 +8613,7 @@
             <a:lstStyle/>
             <a:p>
               <a:r>
-                <a:rPr lang="en-US" altLang="ko-KR" sz="1400" dirty="0" smtClean="0"/>
+                <a:rPr lang="en-US" altLang="ko-KR" sz="1400" dirty="0"/>
                 <a:t>Task Status</a:t>
               </a:r>
               <a:endParaRPr lang="ko-KR" altLang="en-US" sz="1400" dirty="0"/>
@@ -8556,7 +8625,7 @@
             <p:cNvPr id="66" name="직선 화살표 연결선 65">
               <a:extLst>
                 <a:ext uri="{FF2B5EF4-FFF2-40B4-BE49-F238E27FC236}">
-                  <a16:creationId xmlns="" xmlns:a16="http://schemas.microsoft.com/office/drawing/2014/main" id="{DB4483B7-6B6E-4872-82B2-9F46BC8C4410}"/>
+                  <a16:creationId xmlns:a16="http://schemas.microsoft.com/office/drawing/2014/main" id="{DB4483B7-6B6E-4872-82B2-9F46BC8C4410}"/>
                 </a:ext>
               </a:extLst>
             </p:cNvPr>
@@ -8602,7 +8671,7 @@
             <p:cNvPr id="67" name="TextBox 66">
               <a:extLst>
                 <a:ext uri="{FF2B5EF4-FFF2-40B4-BE49-F238E27FC236}">
-                  <a16:creationId xmlns="" xmlns:a16="http://schemas.microsoft.com/office/drawing/2014/main" id="{E48ABFB1-B00A-4E38-8BD4-CD95ECE0BA7A}"/>
+                  <a16:creationId xmlns:a16="http://schemas.microsoft.com/office/drawing/2014/main" id="{E48ABFB1-B00A-4E38-8BD4-CD95ECE0BA7A}"/>
                 </a:ext>
               </a:extLst>
             </p:cNvPr>
@@ -8638,7 +8707,7 @@
             <p:cNvPr id="68" name="직선 화살표 연결선 67">
               <a:extLst>
                 <a:ext uri="{FF2B5EF4-FFF2-40B4-BE49-F238E27FC236}">
-                  <a16:creationId xmlns="" xmlns:a16="http://schemas.microsoft.com/office/drawing/2014/main" id="{DBE2957A-8326-4EB5-88A9-1B4699318030}"/>
+                  <a16:creationId xmlns:a16="http://schemas.microsoft.com/office/drawing/2014/main" id="{DBE2957A-8326-4EB5-88A9-1B4699318030}"/>
                 </a:ext>
               </a:extLst>
             </p:cNvPr>
@@ -8686,7 +8755,7 @@
             <p:cNvPr id="69" name="TextBox 68">
               <a:extLst>
                 <a:ext uri="{FF2B5EF4-FFF2-40B4-BE49-F238E27FC236}">
-                  <a16:creationId xmlns="" xmlns:a16="http://schemas.microsoft.com/office/drawing/2014/main" id="{B1BA5C7E-8007-4B30-8EFA-359BE83561CF}"/>
+                  <a16:creationId xmlns:a16="http://schemas.microsoft.com/office/drawing/2014/main" id="{B1BA5C7E-8007-4B30-8EFA-359BE83561CF}"/>
                 </a:ext>
               </a:extLst>
             </p:cNvPr>
@@ -8723,7 +8792,7 @@
           <p:cNvPr id="74" name="모서리가 둥근 직사각형 18">
             <a:extLst>
               <a:ext uri="{FF2B5EF4-FFF2-40B4-BE49-F238E27FC236}">
-                <a16:creationId xmlns:a16="http://schemas.microsoft.com/office/drawing/2014/main" xmlns="" id="{8385447B-8931-4CDC-A0D2-091BF7CB022F}"/>
+                <a16:creationId xmlns:a16="http://schemas.microsoft.com/office/drawing/2014/main" id="{8385447B-8931-4CDC-A0D2-091BF7CB022F}"/>
               </a:ext>
             </a:extLst>
           </p:cNvPr>
@@ -8767,14 +8836,14 @@
           <a:p>
             <a:pPr algn="ctr"/>
             <a:r>
-              <a:rPr lang="en-US" altLang="ko-KR" sz="1100" dirty="0" smtClean="0"/>
+              <a:rPr lang="en-US" altLang="ko-KR" sz="1100" dirty="0"/>
               <a:t>Container –</a:t>
             </a:r>
           </a:p>
           <a:p>
             <a:pPr algn="ctr"/>
             <a:r>
-              <a:rPr lang="en-US" altLang="ko-KR" sz="1100" dirty="0" smtClean="0"/>
+              <a:rPr lang="en-US" altLang="ko-KR" sz="1100" dirty="0"/>
               <a:t>App A</a:t>
             </a:r>
             <a:endParaRPr lang="ko-KR" altLang="en-US" sz="1100" dirty="0"/>
@@ -8786,7 +8855,7 @@
           <p:cNvPr id="76" name="모서리가 둥근 직사각형 18">
             <a:extLst>
               <a:ext uri="{FF2B5EF4-FFF2-40B4-BE49-F238E27FC236}">
-                <a16:creationId xmlns:a16="http://schemas.microsoft.com/office/drawing/2014/main" xmlns="" id="{8385447B-8931-4CDC-A0D2-091BF7CB022F}"/>
+                <a16:creationId xmlns:a16="http://schemas.microsoft.com/office/drawing/2014/main" id="{8385447B-8931-4CDC-A0D2-091BF7CB022F}"/>
               </a:ext>
             </a:extLst>
           </p:cNvPr>
@@ -8830,14 +8899,14 @@
           <a:p>
             <a:pPr algn="ctr"/>
             <a:r>
-              <a:rPr lang="en-US" altLang="ko-KR" sz="1100" dirty="0" smtClean="0"/>
+              <a:rPr lang="en-US" altLang="ko-KR" sz="1100" dirty="0"/>
               <a:t>Container –</a:t>
             </a:r>
           </a:p>
           <a:p>
             <a:pPr algn="ctr"/>
             <a:r>
-              <a:rPr lang="en-US" altLang="ko-KR" sz="1100" dirty="0" smtClean="0"/>
+              <a:rPr lang="en-US" altLang="ko-KR" sz="1100" dirty="0"/>
               <a:t>App Master A</a:t>
             </a:r>
             <a:endParaRPr lang="ko-KR" altLang="en-US" sz="1100" dirty="0"/>
@@ -8849,7 +8918,7 @@
           <p:cNvPr id="77" name="모서리가 둥근 직사각형 18">
             <a:extLst>
               <a:ext uri="{FF2B5EF4-FFF2-40B4-BE49-F238E27FC236}">
-                <a16:creationId xmlns:a16="http://schemas.microsoft.com/office/drawing/2014/main" xmlns="" id="{8385447B-8931-4CDC-A0D2-091BF7CB022F}"/>
+                <a16:creationId xmlns:a16="http://schemas.microsoft.com/office/drawing/2014/main" id="{8385447B-8931-4CDC-A0D2-091BF7CB022F}"/>
               </a:ext>
             </a:extLst>
           </p:cNvPr>
@@ -8893,14 +8962,14 @@
           <a:p>
             <a:pPr algn="ctr"/>
             <a:r>
-              <a:rPr lang="en-US" altLang="ko-KR" sz="1100" dirty="0" smtClean="0"/>
+              <a:rPr lang="en-US" altLang="ko-KR" sz="1100" dirty="0"/>
               <a:t>Container –</a:t>
             </a:r>
           </a:p>
           <a:p>
             <a:pPr algn="ctr"/>
             <a:r>
-              <a:rPr lang="en-US" altLang="ko-KR" sz="1100" dirty="0" smtClean="0"/>
+              <a:rPr lang="en-US" altLang="ko-KR" sz="1100" dirty="0"/>
               <a:t>App B</a:t>
             </a:r>
             <a:endParaRPr lang="ko-KR" altLang="en-US" sz="1100" dirty="0"/>
@@ -8912,7 +8981,7 @@
           <p:cNvPr id="78" name="모서리가 둥근 직사각형 18">
             <a:extLst>
               <a:ext uri="{FF2B5EF4-FFF2-40B4-BE49-F238E27FC236}">
-                <a16:creationId xmlns:a16="http://schemas.microsoft.com/office/drawing/2014/main" xmlns="" id="{8385447B-8931-4CDC-A0D2-091BF7CB022F}"/>
+                <a16:creationId xmlns:a16="http://schemas.microsoft.com/office/drawing/2014/main" id="{8385447B-8931-4CDC-A0D2-091BF7CB022F}"/>
               </a:ext>
             </a:extLst>
           </p:cNvPr>
@@ -8956,14 +9025,14 @@
           <a:p>
             <a:pPr algn="ctr"/>
             <a:r>
-              <a:rPr lang="en-US" altLang="ko-KR" sz="1100" dirty="0" smtClean="0"/>
+              <a:rPr lang="en-US" altLang="ko-KR" sz="1100" dirty="0"/>
               <a:t>Container –</a:t>
             </a:r>
           </a:p>
           <a:p>
             <a:pPr algn="ctr"/>
             <a:r>
-              <a:rPr lang="en-US" altLang="ko-KR" sz="1100" dirty="0" smtClean="0"/>
+              <a:rPr lang="en-US" altLang="ko-KR" sz="1100" dirty="0"/>
               <a:t>App Master B</a:t>
             </a:r>
             <a:endParaRPr lang="ko-KR" altLang="en-US" sz="1100" dirty="0"/>
@@ -8975,7 +9044,7 @@
           <p:cNvPr id="79" name="모서리가 둥근 직사각형 18">
             <a:extLst>
               <a:ext uri="{FF2B5EF4-FFF2-40B4-BE49-F238E27FC236}">
-                <a16:creationId xmlns:a16="http://schemas.microsoft.com/office/drawing/2014/main" xmlns="" id="{8385447B-8931-4CDC-A0D2-091BF7CB022F}"/>
+                <a16:creationId xmlns:a16="http://schemas.microsoft.com/office/drawing/2014/main" id="{8385447B-8931-4CDC-A0D2-091BF7CB022F}"/>
               </a:ext>
             </a:extLst>
           </p:cNvPr>
@@ -9019,14 +9088,14 @@
           <a:p>
             <a:pPr algn="ctr"/>
             <a:r>
-              <a:rPr lang="en-US" altLang="ko-KR" sz="1100" dirty="0" smtClean="0"/>
+              <a:rPr lang="en-US" altLang="ko-KR" sz="1100" dirty="0"/>
               <a:t>Container –</a:t>
             </a:r>
           </a:p>
           <a:p>
             <a:pPr algn="ctr"/>
             <a:r>
-              <a:rPr lang="en-US" altLang="ko-KR" sz="1100" dirty="0" smtClean="0"/>
+              <a:rPr lang="en-US" altLang="ko-KR" sz="1100" dirty="0"/>
               <a:t>App A</a:t>
             </a:r>
             <a:endParaRPr lang="ko-KR" altLang="en-US" sz="1100" dirty="0"/>
@@ -9038,7 +9107,7 @@
           <p:cNvPr id="56" name="직선 화살표 연결선 55">
             <a:extLst>
               <a:ext uri="{FF2B5EF4-FFF2-40B4-BE49-F238E27FC236}">
-                <a16:creationId xmlns="" xmlns:a16="http://schemas.microsoft.com/office/drawing/2014/main" id="{3F847CB0-C800-488D-9A1C-5C275B3B32E1}"/>
+                <a16:creationId xmlns:a16="http://schemas.microsoft.com/office/drawing/2014/main" id="{3F847CB0-C800-488D-9A1C-5C275B3B32E1}"/>
               </a:ext>
             </a:extLst>
           </p:cNvPr>
@@ -9116,7 +9185,7 @@
           <p:cNvPr id="2" name="제목 1">
             <a:extLst>
               <a:ext uri="{FF2B5EF4-FFF2-40B4-BE49-F238E27FC236}">
-                <a16:creationId xmlns:a16="http://schemas.microsoft.com/office/drawing/2014/main" xmlns="" id="{8738443D-5E72-49E2-86AC-581D61C41C39}"/>
+                <a16:creationId xmlns:a16="http://schemas.microsoft.com/office/drawing/2014/main" id="{8738443D-5E72-49E2-86AC-581D61C41C39}"/>
               </a:ext>
             </a:extLst>
           </p:cNvPr>
@@ -9139,11 +9208,7 @@
           <a:p>
             <a:r>
               <a:rPr lang="en-US" altLang="ko-KR" dirty="0"/>
-              <a:t>YARN </a:t>
-            </a:r>
-            <a:r>
-              <a:rPr lang="en-US" altLang="ko-KR" dirty="0" smtClean="0"/>
-              <a:t>Job Submission</a:t>
+              <a:t>YARN Job Submission</a:t>
             </a:r>
             <a:endParaRPr lang="ko-KR" altLang="en-US" dirty="0"/>
           </a:p>
@@ -9168,7 +9233,7 @@
             <p:cNvPr id="44" name="모서리가 둥근 직사각형 18">
               <a:extLst>
                 <a:ext uri="{FF2B5EF4-FFF2-40B4-BE49-F238E27FC236}">
-                  <a16:creationId xmlns:a16="http://schemas.microsoft.com/office/drawing/2014/main" xmlns="" id="{90910971-3F87-488C-9CD0-4E04E8DEA3B0}"/>
+                  <a16:creationId xmlns:a16="http://schemas.microsoft.com/office/drawing/2014/main" id="{90910971-3F87-488C-9CD0-4E04E8DEA3B0}"/>
                 </a:ext>
               </a:extLst>
             </p:cNvPr>
@@ -9206,7 +9271,7 @@
             <a:p>
               <a:pPr algn="ctr"/>
               <a:r>
-                <a:rPr lang="en-US" altLang="ko-KR" sz="1400" dirty="0" smtClean="0"/>
+                <a:rPr lang="en-US" altLang="ko-KR" sz="1400" dirty="0"/>
                 <a:t>Client</a:t>
               </a:r>
               <a:endParaRPr lang="ko-KR" altLang="en-US" sz="1400" dirty="0"/>
@@ -9218,7 +9283,7 @@
             <p:cNvPr id="46" name="모서리가 둥근 직사각형 18">
               <a:extLst>
                 <a:ext uri="{FF2B5EF4-FFF2-40B4-BE49-F238E27FC236}">
-                  <a16:creationId xmlns:a16="http://schemas.microsoft.com/office/drawing/2014/main" xmlns="" id="{90910971-3F87-488C-9CD0-4E04E8DEA3B0}"/>
+                  <a16:creationId xmlns:a16="http://schemas.microsoft.com/office/drawing/2014/main" id="{90910971-3F87-488C-9CD0-4E04E8DEA3B0}"/>
                 </a:ext>
               </a:extLst>
             </p:cNvPr>
@@ -9256,7 +9321,7 @@
             <a:p>
               <a:pPr algn="ctr"/>
               <a:r>
-                <a:rPr lang="en-US" altLang="ko-KR" sz="1200" dirty="0" smtClean="0"/>
+                <a:rPr lang="en-US" altLang="ko-KR" sz="1200" dirty="0"/>
                 <a:t>App</a:t>
               </a:r>
               <a:endParaRPr lang="ko-KR" altLang="en-US" sz="1200" dirty="0"/>
@@ -9268,7 +9333,7 @@
             <p:cNvPr id="47" name="모서리가 둥근 직사각형 18">
               <a:extLst>
                 <a:ext uri="{FF2B5EF4-FFF2-40B4-BE49-F238E27FC236}">
-                  <a16:creationId xmlns:a16="http://schemas.microsoft.com/office/drawing/2014/main" xmlns="" id="{90910971-3F87-488C-9CD0-4E04E8DEA3B0}"/>
+                  <a16:creationId xmlns:a16="http://schemas.microsoft.com/office/drawing/2014/main" id="{90910971-3F87-488C-9CD0-4E04E8DEA3B0}"/>
                 </a:ext>
               </a:extLst>
             </p:cNvPr>
@@ -9306,7 +9371,7 @@
             <a:p>
               <a:pPr algn="ctr"/>
               <a:r>
-                <a:rPr lang="en-US" altLang="ko-KR" sz="1200" dirty="0" smtClean="0"/>
+                <a:rPr lang="en-US" altLang="ko-KR" sz="1200" dirty="0"/>
                 <a:t>Job</a:t>
               </a:r>
               <a:endParaRPr lang="ko-KR" altLang="en-US" sz="1200" dirty="0"/>
@@ -9319,7 +9384,7 @@
           <p:cNvPr id="52" name="직선 화살표 연결선 51">
             <a:extLst>
               <a:ext uri="{FF2B5EF4-FFF2-40B4-BE49-F238E27FC236}">
-                <a16:creationId xmlns="" xmlns:a16="http://schemas.microsoft.com/office/drawing/2014/main" id="{6B28761E-A6ED-418A-9384-3AEDDF0E8035}"/>
+                <a16:creationId xmlns:a16="http://schemas.microsoft.com/office/drawing/2014/main" id="{6B28761E-A6ED-418A-9384-3AEDDF0E8035}"/>
               </a:ext>
             </a:extLst>
           </p:cNvPr>
@@ -9366,7 +9431,7 @@
           <p:cNvPr id="79" name="모서리가 둥근 직사각형 18">
             <a:extLst>
               <a:ext uri="{FF2B5EF4-FFF2-40B4-BE49-F238E27FC236}">
-                <a16:creationId xmlns:a16="http://schemas.microsoft.com/office/drawing/2014/main" xmlns="" id="{90910971-3F87-488C-9CD0-4E04E8DEA3B0}"/>
+                <a16:creationId xmlns:a16="http://schemas.microsoft.com/office/drawing/2014/main" id="{90910971-3F87-488C-9CD0-4E04E8DEA3B0}"/>
               </a:ext>
             </a:extLst>
           </p:cNvPr>
@@ -9416,7 +9481,7 @@
           <p:cNvPr id="80" name="모서리가 둥근 직사각형 18">
             <a:extLst>
               <a:ext uri="{FF2B5EF4-FFF2-40B4-BE49-F238E27FC236}">
-                <a16:creationId xmlns:a16="http://schemas.microsoft.com/office/drawing/2014/main" xmlns="" id="{F5302ADF-D203-4131-A3B2-4F84C5314C62}"/>
+                <a16:creationId xmlns:a16="http://schemas.microsoft.com/office/drawing/2014/main" id="{F5302ADF-D203-4131-A3B2-4F84C5314C62}"/>
               </a:ext>
             </a:extLst>
           </p:cNvPr>
@@ -9466,7 +9531,7 @@
           <p:cNvPr id="81" name="모서리가 둥근 직사각형 18">
             <a:extLst>
               <a:ext uri="{FF2B5EF4-FFF2-40B4-BE49-F238E27FC236}">
-                <a16:creationId xmlns:a16="http://schemas.microsoft.com/office/drawing/2014/main" xmlns="" id="{D48DB822-70CE-4692-84EA-0B6DB2416FCB}"/>
+                <a16:creationId xmlns:a16="http://schemas.microsoft.com/office/drawing/2014/main" id="{D48DB822-70CE-4692-84EA-0B6DB2416FCB}"/>
               </a:ext>
             </a:extLst>
           </p:cNvPr>
@@ -9504,7 +9569,7 @@
           <a:p>
             <a:pPr algn="ctr"/>
             <a:r>
-              <a:rPr lang="en-US" altLang="ko-KR" sz="1200" dirty="0" smtClean="0"/>
+              <a:rPr lang="en-US" altLang="ko-KR" sz="1200" dirty="0"/>
               <a:t>Application Manager</a:t>
             </a:r>
             <a:endParaRPr lang="ko-KR" altLang="en-US" sz="1200" dirty="0"/>
@@ -9516,7 +9581,7 @@
           <p:cNvPr id="82" name="모서리가 둥근 직사각형 18">
             <a:extLst>
               <a:ext uri="{FF2B5EF4-FFF2-40B4-BE49-F238E27FC236}">
-                <a16:creationId xmlns:a16="http://schemas.microsoft.com/office/drawing/2014/main" xmlns="" id="{D48DB822-70CE-4692-84EA-0B6DB2416FCB}"/>
+                <a16:creationId xmlns:a16="http://schemas.microsoft.com/office/drawing/2014/main" id="{D48DB822-70CE-4692-84EA-0B6DB2416FCB}"/>
               </a:ext>
             </a:extLst>
           </p:cNvPr>
@@ -9554,7 +9619,7 @@
           <a:p>
             <a:pPr algn="ctr"/>
             <a:r>
-              <a:rPr lang="en-US" altLang="ko-KR" sz="1200" dirty="0" smtClean="0"/>
+              <a:rPr lang="en-US" altLang="ko-KR" sz="1200" dirty="0"/>
               <a:t>Scheduler</a:t>
             </a:r>
             <a:endParaRPr lang="ko-KR" altLang="en-US" sz="1200" dirty="0"/>
@@ -9566,7 +9631,7 @@
           <p:cNvPr id="84" name="모서리가 둥근 직사각형 18">
             <a:extLst>
               <a:ext uri="{FF2B5EF4-FFF2-40B4-BE49-F238E27FC236}">
-                <a16:creationId xmlns:a16="http://schemas.microsoft.com/office/drawing/2014/main" xmlns="" id="{C82D4484-29CF-4C5C-94F6-3E611E578082}"/>
+                <a16:creationId xmlns:a16="http://schemas.microsoft.com/office/drawing/2014/main" id="{C82D4484-29CF-4C5C-94F6-3E611E578082}"/>
               </a:ext>
             </a:extLst>
           </p:cNvPr>
@@ -9616,7 +9681,7 @@
           <p:cNvPr id="85" name="모서리가 둥근 직사각형 18">
             <a:extLst>
               <a:ext uri="{FF2B5EF4-FFF2-40B4-BE49-F238E27FC236}">
-                <a16:creationId xmlns:a16="http://schemas.microsoft.com/office/drawing/2014/main" xmlns="" id="{49DD9DEF-515F-4613-B0A2-804648D3051B}"/>
+                <a16:creationId xmlns:a16="http://schemas.microsoft.com/office/drawing/2014/main" id="{49DD9DEF-515F-4613-B0A2-804648D3051B}"/>
               </a:ext>
             </a:extLst>
           </p:cNvPr>
@@ -9666,7 +9731,7 @@
           <p:cNvPr id="91" name="모서리가 둥근 직사각형 18">
             <a:extLst>
               <a:ext uri="{FF2B5EF4-FFF2-40B4-BE49-F238E27FC236}">
-                <a16:creationId xmlns:a16="http://schemas.microsoft.com/office/drawing/2014/main" xmlns="" id="{49DD9DEF-515F-4613-B0A2-804648D3051B}"/>
+                <a16:creationId xmlns:a16="http://schemas.microsoft.com/office/drawing/2014/main" id="{49DD9DEF-515F-4613-B0A2-804648D3051B}"/>
               </a:ext>
             </a:extLst>
           </p:cNvPr>
@@ -9704,15 +9769,15 @@
           <a:p>
             <a:pPr algn="ctr"/>
             <a:r>
-              <a:rPr lang="en-US" altLang="ko-KR" sz="1400" dirty="0" smtClean="0"/>
+              <a:rPr lang="en-US" altLang="ko-KR" sz="1400" dirty="0"/>
               <a:t>Container (</a:t>
             </a:r>
             <a:r>
-              <a:rPr lang="en-US" altLang="ko-KR" sz="1400" dirty="0" err="1" smtClean="0"/>
+              <a:rPr lang="en-US" altLang="ko-KR" sz="1400" dirty="0" err="1"/>
               <a:t>JVM</a:t>
             </a:r>
             <a:r>
-              <a:rPr lang="en-US" altLang="ko-KR" sz="1400" dirty="0" smtClean="0"/>
+              <a:rPr lang="en-US" altLang="ko-KR" sz="1400" dirty="0"/>
               <a:t>)</a:t>
             </a:r>
             <a:endParaRPr lang="ko-KR" altLang="en-US" sz="1400" dirty="0"/>
@@ -9724,7 +9789,7 @@
           <p:cNvPr id="95" name="모서리가 둥근 직사각형 18">
             <a:extLst>
               <a:ext uri="{FF2B5EF4-FFF2-40B4-BE49-F238E27FC236}">
-                <a16:creationId xmlns:a16="http://schemas.microsoft.com/office/drawing/2014/main" xmlns="" id="{49DD9DEF-515F-4613-B0A2-804648D3051B}"/>
+                <a16:creationId xmlns:a16="http://schemas.microsoft.com/office/drawing/2014/main" id="{49DD9DEF-515F-4613-B0A2-804648D3051B}"/>
               </a:ext>
             </a:extLst>
           </p:cNvPr>
@@ -9762,7 +9827,7 @@
           <a:p>
             <a:pPr algn="ctr"/>
             <a:r>
-              <a:rPr lang="en-US" altLang="ko-KR" sz="1400" dirty="0" smtClean="0"/>
+              <a:rPr lang="en-US" altLang="ko-KR" sz="1400" dirty="0"/>
               <a:t>App Master</a:t>
             </a:r>
             <a:endParaRPr lang="ko-KR" altLang="en-US" sz="1400" dirty="0"/>
@@ -9774,7 +9839,7 @@
           <p:cNvPr id="97" name="직선 화살표 연결선 96">
             <a:extLst>
               <a:ext uri="{FF2B5EF4-FFF2-40B4-BE49-F238E27FC236}">
-                <a16:creationId xmlns="" xmlns:a16="http://schemas.microsoft.com/office/drawing/2014/main" id="{6B28761E-A6ED-418A-9384-3AEDDF0E8035}"/>
+                <a16:creationId xmlns:a16="http://schemas.microsoft.com/office/drawing/2014/main" id="{6B28761E-A6ED-418A-9384-3AEDDF0E8035}"/>
               </a:ext>
             </a:extLst>
           </p:cNvPr>
@@ -9865,26 +9930,26 @@
             <a:p>
               <a:pPr algn="ctr"/>
               <a:r>
-                <a:rPr lang="en-US" altLang="ko-KR" sz="1200" dirty="0" smtClean="0"/>
+                <a:rPr lang="en-US" altLang="ko-KR" sz="1200" dirty="0"/>
                 <a:t>Shared</a:t>
               </a:r>
             </a:p>
             <a:p>
               <a:pPr algn="ctr"/>
               <a:r>
-                <a:rPr lang="en-US" altLang="ko-KR" sz="1200" dirty="0" err="1" smtClean="0"/>
+                <a:rPr lang="en-US" altLang="ko-KR" sz="1200" dirty="0" err="1"/>
                 <a:t>Filesystem</a:t>
               </a:r>
               <a:r>
-                <a:rPr lang="en-US" altLang="ko-KR" sz="1200" dirty="0" smtClean="0"/>
+                <a:rPr lang="en-US" altLang="ko-KR" sz="1200" dirty="0"/>
                 <a:t> (</a:t>
               </a:r>
               <a:r>
-                <a:rPr lang="en-US" altLang="ko-KR" sz="1200" dirty="0" err="1" smtClean="0"/>
+                <a:rPr lang="en-US" altLang="ko-KR" sz="1200" dirty="0" err="1"/>
                 <a:t>HDFS</a:t>
               </a:r>
               <a:r>
-                <a:rPr lang="en-US" altLang="ko-KR" sz="1400" dirty="0" smtClean="0"/>
+                <a:rPr lang="en-US" altLang="ko-KR" sz="1400" dirty="0"/>
                 <a:t>)</a:t>
               </a:r>
               <a:endParaRPr lang="ko-KR" altLang="en-US" sz="1400" dirty="0"/>
@@ -9896,7 +9961,7 @@
             <p:cNvPr id="108" name="모서리가 둥근 직사각형 18">
               <a:extLst>
                 <a:ext uri="{FF2B5EF4-FFF2-40B4-BE49-F238E27FC236}">
-                  <a16:creationId xmlns:a16="http://schemas.microsoft.com/office/drawing/2014/main" xmlns="" id="{90910971-3F87-488C-9CD0-4E04E8DEA3B0}"/>
+                  <a16:creationId xmlns:a16="http://schemas.microsoft.com/office/drawing/2014/main" id="{90910971-3F87-488C-9CD0-4E04E8DEA3B0}"/>
                 </a:ext>
               </a:extLst>
             </p:cNvPr>
@@ -9934,7 +9999,7 @@
             <a:p>
               <a:pPr algn="ctr"/>
               <a:r>
-                <a:rPr lang="en-US" altLang="ko-KR" sz="1200" dirty="0" smtClean="0"/>
+                <a:rPr lang="en-US" altLang="ko-KR" sz="1200" dirty="0"/>
                 <a:t>File</a:t>
               </a:r>
               <a:endParaRPr lang="ko-KR" altLang="en-US" sz="1200" dirty="0"/>
@@ -9946,7 +10011,7 @@
             <p:cNvPr id="109" name="모서리가 둥근 직사각형 18">
               <a:extLst>
                 <a:ext uri="{FF2B5EF4-FFF2-40B4-BE49-F238E27FC236}">
-                  <a16:creationId xmlns:a16="http://schemas.microsoft.com/office/drawing/2014/main" xmlns="" id="{90910971-3F87-488C-9CD0-4E04E8DEA3B0}"/>
+                  <a16:creationId xmlns:a16="http://schemas.microsoft.com/office/drawing/2014/main" id="{90910971-3F87-488C-9CD0-4E04E8DEA3B0}"/>
                 </a:ext>
               </a:extLst>
             </p:cNvPr>
@@ -9984,7 +10049,7 @@
             <a:p>
               <a:pPr algn="ctr"/>
               <a:r>
-                <a:rPr lang="en-US" altLang="ko-KR" sz="1200" dirty="0" smtClean="0"/>
+                <a:rPr lang="en-US" altLang="ko-KR" sz="1200" dirty="0"/>
                 <a:t>Task Jar</a:t>
               </a:r>
               <a:endParaRPr lang="ko-KR" altLang="en-US" sz="1200" dirty="0"/>
@@ -9997,7 +10062,7 @@
           <p:cNvPr id="88" name="모서리가 둥근 직사각형 18">
             <a:extLst>
               <a:ext uri="{FF2B5EF4-FFF2-40B4-BE49-F238E27FC236}">
-                <a16:creationId xmlns:a16="http://schemas.microsoft.com/office/drawing/2014/main" xmlns="" id="{C82D4484-29CF-4C5C-94F6-3E611E578082}"/>
+                <a16:creationId xmlns:a16="http://schemas.microsoft.com/office/drawing/2014/main" id="{C82D4484-29CF-4C5C-94F6-3E611E578082}"/>
               </a:ext>
             </a:extLst>
           </p:cNvPr>
@@ -10047,7 +10112,7 @@
           <p:cNvPr id="89" name="모서리가 둥근 직사각형 18">
             <a:extLst>
               <a:ext uri="{FF2B5EF4-FFF2-40B4-BE49-F238E27FC236}">
-                <a16:creationId xmlns:a16="http://schemas.microsoft.com/office/drawing/2014/main" xmlns="" id="{49DD9DEF-515F-4613-B0A2-804648D3051B}"/>
+                <a16:creationId xmlns:a16="http://schemas.microsoft.com/office/drawing/2014/main" id="{49DD9DEF-515F-4613-B0A2-804648D3051B}"/>
               </a:ext>
             </a:extLst>
           </p:cNvPr>
@@ -10097,7 +10162,7 @@
           <p:cNvPr id="92" name="모서리가 둥근 직사각형 18">
             <a:extLst>
               <a:ext uri="{FF2B5EF4-FFF2-40B4-BE49-F238E27FC236}">
-                <a16:creationId xmlns:a16="http://schemas.microsoft.com/office/drawing/2014/main" xmlns="" id="{49DD9DEF-515F-4613-B0A2-804648D3051B}"/>
+                <a16:creationId xmlns:a16="http://schemas.microsoft.com/office/drawing/2014/main" id="{49DD9DEF-515F-4613-B0A2-804648D3051B}"/>
               </a:ext>
             </a:extLst>
           </p:cNvPr>
@@ -10135,15 +10200,15 @@
           <a:p>
             <a:pPr algn="ctr"/>
             <a:r>
-              <a:rPr lang="en-US" altLang="ko-KR" sz="1400" dirty="0" smtClean="0"/>
+              <a:rPr lang="en-US" altLang="ko-KR" sz="1400" dirty="0"/>
               <a:t>Container (</a:t>
             </a:r>
             <a:r>
-              <a:rPr lang="en-US" altLang="ko-KR" sz="1400" dirty="0" err="1" smtClean="0"/>
+              <a:rPr lang="en-US" altLang="ko-KR" sz="1400" dirty="0" err="1"/>
               <a:t>JVM</a:t>
             </a:r>
             <a:r>
-              <a:rPr lang="en-US" altLang="ko-KR" sz="1400" dirty="0" smtClean="0"/>
+              <a:rPr lang="en-US" altLang="ko-KR" sz="1400" dirty="0"/>
               <a:t>)</a:t>
             </a:r>
             <a:endParaRPr lang="ko-KR" altLang="en-US" sz="1400" dirty="0"/>
@@ -10155,7 +10220,7 @@
           <p:cNvPr id="114" name="직선 화살표 연결선 113">
             <a:extLst>
               <a:ext uri="{FF2B5EF4-FFF2-40B4-BE49-F238E27FC236}">
-                <a16:creationId xmlns="" xmlns:a16="http://schemas.microsoft.com/office/drawing/2014/main" id="{6B28761E-A6ED-418A-9384-3AEDDF0E8035}"/>
+                <a16:creationId xmlns:a16="http://schemas.microsoft.com/office/drawing/2014/main" id="{6B28761E-A6ED-418A-9384-3AEDDF0E8035}"/>
               </a:ext>
             </a:extLst>
           </p:cNvPr>
@@ -10202,7 +10267,7 @@
           <p:cNvPr id="123" name="모서리가 둥근 직사각형 18">
             <a:extLst>
               <a:ext uri="{FF2B5EF4-FFF2-40B4-BE49-F238E27FC236}">
-                <a16:creationId xmlns:a16="http://schemas.microsoft.com/office/drawing/2014/main" xmlns="" id="{49DD9DEF-515F-4613-B0A2-804648D3051B}"/>
+                <a16:creationId xmlns:a16="http://schemas.microsoft.com/office/drawing/2014/main" id="{49DD9DEF-515F-4613-B0A2-804648D3051B}"/>
               </a:ext>
             </a:extLst>
           </p:cNvPr>
@@ -10240,12 +10305,8 @@
           <a:p>
             <a:pPr algn="ctr"/>
             <a:r>
-              <a:rPr lang="en-US" altLang="ko-KR" sz="1400" dirty="0" smtClean="0"/>
-              <a:t>YARN </a:t>
-            </a:r>
-            <a:r>
-              <a:rPr lang="en-US" altLang="ko-KR" sz="1400" dirty="0" smtClean="0"/>
-              <a:t>Child</a:t>
+              <a:rPr lang="en-US" altLang="ko-KR" sz="1400" dirty="0"/>
+              <a:t>YARN Child</a:t>
             </a:r>
             <a:endParaRPr lang="ko-KR" altLang="en-US" sz="1400" dirty="0"/>
           </a:p>
@@ -10256,7 +10317,7 @@
           <p:cNvPr id="130" name="모서리가 둥근 직사각형 18">
             <a:extLst>
               <a:ext uri="{FF2B5EF4-FFF2-40B4-BE49-F238E27FC236}">
-                <a16:creationId xmlns:a16="http://schemas.microsoft.com/office/drawing/2014/main" xmlns="" id="{49DD9DEF-515F-4613-B0A2-804648D3051B}"/>
+                <a16:creationId xmlns:a16="http://schemas.microsoft.com/office/drawing/2014/main" id="{49DD9DEF-515F-4613-B0A2-804648D3051B}"/>
               </a:ext>
             </a:extLst>
           </p:cNvPr>
@@ -10294,7 +10355,7 @@
           <a:p>
             <a:pPr algn="ctr"/>
             <a:r>
-              <a:rPr lang="en-US" altLang="ko-KR" sz="1400" dirty="0" smtClean="0"/>
+              <a:rPr lang="en-US" altLang="ko-KR" sz="1400" dirty="0"/>
               <a:t>Task</a:t>
             </a:r>
             <a:endParaRPr lang="ko-KR" altLang="en-US" sz="1400" dirty="0"/>
@@ -10306,7 +10367,7 @@
           <p:cNvPr id="145" name="직선 화살표 연결선 144">
             <a:extLst>
               <a:ext uri="{FF2B5EF4-FFF2-40B4-BE49-F238E27FC236}">
-                <a16:creationId xmlns="" xmlns:a16="http://schemas.microsoft.com/office/drawing/2014/main" id="{6B28761E-A6ED-418A-9384-3AEDDF0E8035}"/>
+                <a16:creationId xmlns:a16="http://schemas.microsoft.com/office/drawing/2014/main" id="{6B28761E-A6ED-418A-9384-3AEDDF0E8035}"/>
               </a:ext>
             </a:extLst>
           </p:cNvPr>
@@ -10351,7 +10412,7 @@
           <p:cNvPr id="151" name="직선 화살표 연결선 150">
             <a:extLst>
               <a:ext uri="{FF2B5EF4-FFF2-40B4-BE49-F238E27FC236}">
-                <a16:creationId xmlns="" xmlns:a16="http://schemas.microsoft.com/office/drawing/2014/main" id="{6B28761E-A6ED-418A-9384-3AEDDF0E8035}"/>
+                <a16:creationId xmlns:a16="http://schemas.microsoft.com/office/drawing/2014/main" id="{6B28761E-A6ED-418A-9384-3AEDDF0E8035}"/>
               </a:ext>
             </a:extLst>
           </p:cNvPr>
@@ -10398,7 +10459,7 @@
           <p:cNvPr id="155" name="직선 화살표 연결선 154">
             <a:extLst>
               <a:ext uri="{FF2B5EF4-FFF2-40B4-BE49-F238E27FC236}">
-                <a16:creationId xmlns="" xmlns:a16="http://schemas.microsoft.com/office/drawing/2014/main" id="{6B28761E-A6ED-418A-9384-3AEDDF0E8035}"/>
+                <a16:creationId xmlns:a16="http://schemas.microsoft.com/office/drawing/2014/main" id="{6B28761E-A6ED-418A-9384-3AEDDF0E8035}"/>
               </a:ext>
             </a:extLst>
           </p:cNvPr>
@@ -10445,7 +10506,7 @@
           <p:cNvPr id="159" name="직선 화살표 연결선 158">
             <a:extLst>
               <a:ext uri="{FF2B5EF4-FFF2-40B4-BE49-F238E27FC236}">
-                <a16:creationId xmlns="" xmlns:a16="http://schemas.microsoft.com/office/drawing/2014/main" id="{6B28761E-A6ED-418A-9384-3AEDDF0E8035}"/>
+                <a16:creationId xmlns:a16="http://schemas.microsoft.com/office/drawing/2014/main" id="{6B28761E-A6ED-418A-9384-3AEDDF0E8035}"/>
               </a:ext>
             </a:extLst>
           </p:cNvPr>
@@ -10492,7 +10553,7 @@
           <p:cNvPr id="162" name="직선 화살표 연결선 161">
             <a:extLst>
               <a:ext uri="{FF2B5EF4-FFF2-40B4-BE49-F238E27FC236}">
-                <a16:creationId xmlns="" xmlns:a16="http://schemas.microsoft.com/office/drawing/2014/main" id="{6B28761E-A6ED-418A-9384-3AEDDF0E8035}"/>
+                <a16:creationId xmlns:a16="http://schemas.microsoft.com/office/drawing/2014/main" id="{6B28761E-A6ED-418A-9384-3AEDDF0E8035}"/>
               </a:ext>
             </a:extLst>
           </p:cNvPr>
@@ -10537,7 +10598,7 @@
           <p:cNvPr id="165" name="직선 화살표 연결선 164">
             <a:extLst>
               <a:ext uri="{FF2B5EF4-FFF2-40B4-BE49-F238E27FC236}">
-                <a16:creationId xmlns="" xmlns:a16="http://schemas.microsoft.com/office/drawing/2014/main" id="{6B28761E-A6ED-418A-9384-3AEDDF0E8035}"/>
+                <a16:creationId xmlns:a16="http://schemas.microsoft.com/office/drawing/2014/main" id="{6B28761E-A6ED-418A-9384-3AEDDF0E8035}"/>
               </a:ext>
             </a:extLst>
           </p:cNvPr>
@@ -10584,7 +10645,7 @@
           <p:cNvPr id="168" name="직선 화살표 연결선 167">
             <a:extLst>
               <a:ext uri="{FF2B5EF4-FFF2-40B4-BE49-F238E27FC236}">
-                <a16:creationId xmlns="" xmlns:a16="http://schemas.microsoft.com/office/drawing/2014/main" id="{6B28761E-A6ED-418A-9384-3AEDDF0E8035}"/>
+                <a16:creationId xmlns:a16="http://schemas.microsoft.com/office/drawing/2014/main" id="{6B28761E-A6ED-418A-9384-3AEDDF0E8035}"/>
               </a:ext>
             </a:extLst>
           </p:cNvPr>
@@ -10631,7 +10692,7 @@
           <p:cNvPr id="172" name="직선 화살표 연결선 171">
             <a:extLst>
               <a:ext uri="{FF2B5EF4-FFF2-40B4-BE49-F238E27FC236}">
-                <a16:creationId xmlns="" xmlns:a16="http://schemas.microsoft.com/office/drawing/2014/main" id="{6B28761E-A6ED-418A-9384-3AEDDF0E8035}"/>
+                <a16:creationId xmlns:a16="http://schemas.microsoft.com/office/drawing/2014/main" id="{6B28761E-A6ED-418A-9384-3AEDDF0E8035}"/>
               </a:ext>
             </a:extLst>
           </p:cNvPr>
@@ -10678,7 +10739,7 @@
           <p:cNvPr id="175" name="타원 174">
             <a:extLst>
               <a:ext uri="{FF2B5EF4-FFF2-40B4-BE49-F238E27FC236}">
-                <a16:creationId xmlns="" xmlns:a16="http://schemas.microsoft.com/office/drawing/2014/main" id="{5F83F9E5-52FB-4808-9C34-197CE38E96AE}"/>
+                <a16:creationId xmlns:a16="http://schemas.microsoft.com/office/drawing/2014/main" id="{5F83F9E5-52FB-4808-9C34-197CE38E96AE}"/>
               </a:ext>
             </a:extLst>
           </p:cNvPr>
@@ -10744,7 +10805,7 @@
           <p:cNvPr id="176" name="타원 175">
             <a:extLst>
               <a:ext uri="{FF2B5EF4-FFF2-40B4-BE49-F238E27FC236}">
-                <a16:creationId xmlns="" xmlns:a16="http://schemas.microsoft.com/office/drawing/2014/main" id="{5F83F9E5-52FB-4808-9C34-197CE38E96AE}"/>
+                <a16:creationId xmlns:a16="http://schemas.microsoft.com/office/drawing/2014/main" id="{5F83F9E5-52FB-4808-9C34-197CE38E96AE}"/>
               </a:ext>
             </a:extLst>
           </p:cNvPr>
@@ -10810,7 +10871,7 @@
           <p:cNvPr id="177" name="타원 176">
             <a:extLst>
               <a:ext uri="{FF2B5EF4-FFF2-40B4-BE49-F238E27FC236}">
-                <a16:creationId xmlns="" xmlns:a16="http://schemas.microsoft.com/office/drawing/2014/main" id="{5F83F9E5-52FB-4808-9C34-197CE38E96AE}"/>
+                <a16:creationId xmlns:a16="http://schemas.microsoft.com/office/drawing/2014/main" id="{5F83F9E5-52FB-4808-9C34-197CE38E96AE}"/>
               </a:ext>
             </a:extLst>
           </p:cNvPr>
@@ -10876,7 +10937,7 @@
           <p:cNvPr id="179" name="타원 178">
             <a:extLst>
               <a:ext uri="{FF2B5EF4-FFF2-40B4-BE49-F238E27FC236}">
-                <a16:creationId xmlns="" xmlns:a16="http://schemas.microsoft.com/office/drawing/2014/main" id="{5F83F9E5-52FB-4808-9C34-197CE38E96AE}"/>
+                <a16:creationId xmlns:a16="http://schemas.microsoft.com/office/drawing/2014/main" id="{5F83F9E5-52FB-4808-9C34-197CE38E96AE}"/>
               </a:ext>
             </a:extLst>
           </p:cNvPr>
@@ -10942,7 +11003,7 @@
           <p:cNvPr id="181" name="타원 180">
             <a:extLst>
               <a:ext uri="{FF2B5EF4-FFF2-40B4-BE49-F238E27FC236}">
-                <a16:creationId xmlns="" xmlns:a16="http://schemas.microsoft.com/office/drawing/2014/main" id="{5F83F9E5-52FB-4808-9C34-197CE38E96AE}"/>
+                <a16:creationId xmlns:a16="http://schemas.microsoft.com/office/drawing/2014/main" id="{5F83F9E5-52FB-4808-9C34-197CE38E96AE}"/>
               </a:ext>
             </a:extLst>
           </p:cNvPr>
@@ -11008,7 +11069,7 @@
           <p:cNvPr id="182" name="직선 화살표 연결선 181">
             <a:extLst>
               <a:ext uri="{FF2B5EF4-FFF2-40B4-BE49-F238E27FC236}">
-                <a16:creationId xmlns="" xmlns:a16="http://schemas.microsoft.com/office/drawing/2014/main" id="{6B28761E-A6ED-418A-9384-3AEDDF0E8035}"/>
+                <a16:creationId xmlns:a16="http://schemas.microsoft.com/office/drawing/2014/main" id="{6B28761E-A6ED-418A-9384-3AEDDF0E8035}"/>
               </a:ext>
             </a:extLst>
           </p:cNvPr>
@@ -11053,7 +11114,7 @@
           <p:cNvPr id="183" name="타원 182">
             <a:extLst>
               <a:ext uri="{FF2B5EF4-FFF2-40B4-BE49-F238E27FC236}">
-                <a16:creationId xmlns="" xmlns:a16="http://schemas.microsoft.com/office/drawing/2014/main" id="{5F83F9E5-52FB-4808-9C34-197CE38E96AE}"/>
+                <a16:creationId xmlns:a16="http://schemas.microsoft.com/office/drawing/2014/main" id="{5F83F9E5-52FB-4808-9C34-197CE38E96AE}"/>
               </a:ext>
             </a:extLst>
           </p:cNvPr>
@@ -11119,7 +11180,7 @@
           <p:cNvPr id="184" name="타원 183">
             <a:extLst>
               <a:ext uri="{FF2B5EF4-FFF2-40B4-BE49-F238E27FC236}">
-                <a16:creationId xmlns="" xmlns:a16="http://schemas.microsoft.com/office/drawing/2014/main" id="{5F83F9E5-52FB-4808-9C34-197CE38E96AE}"/>
+                <a16:creationId xmlns:a16="http://schemas.microsoft.com/office/drawing/2014/main" id="{5F83F9E5-52FB-4808-9C34-197CE38E96AE}"/>
               </a:ext>
             </a:extLst>
           </p:cNvPr>
@@ -11185,7 +11246,7 @@
           <p:cNvPr id="185" name="타원 184">
             <a:extLst>
               <a:ext uri="{FF2B5EF4-FFF2-40B4-BE49-F238E27FC236}">
-                <a16:creationId xmlns="" xmlns:a16="http://schemas.microsoft.com/office/drawing/2014/main" id="{5F83F9E5-52FB-4808-9C34-197CE38E96AE}"/>
+                <a16:creationId xmlns:a16="http://schemas.microsoft.com/office/drawing/2014/main" id="{5F83F9E5-52FB-4808-9C34-197CE38E96AE}"/>
               </a:ext>
             </a:extLst>
           </p:cNvPr>
@@ -11251,7 +11312,7 @@
           <p:cNvPr id="191" name="타원 190">
             <a:extLst>
               <a:ext uri="{FF2B5EF4-FFF2-40B4-BE49-F238E27FC236}">
-                <a16:creationId xmlns="" xmlns:a16="http://schemas.microsoft.com/office/drawing/2014/main" id="{5F83F9E5-52FB-4808-9C34-197CE38E96AE}"/>
+                <a16:creationId xmlns:a16="http://schemas.microsoft.com/office/drawing/2014/main" id="{5F83F9E5-52FB-4808-9C34-197CE38E96AE}"/>
               </a:ext>
             </a:extLst>
           </p:cNvPr>
@@ -11297,20 +11358,12 @@
           <a:p>
             <a:pPr algn="ctr"/>
             <a:r>
-              <a:rPr lang="en-US" altLang="ko-KR" sz="1100" dirty="0" smtClean="0">
-                <a:solidFill>
-                  <a:srgbClr val="C00000"/>
-                </a:solidFill>
-              </a:rPr>
-              <a:t>1</a:t>
-            </a:r>
-            <a:r>
               <a:rPr lang="en-US" altLang="ko-KR" sz="1100" dirty="0">
                 <a:solidFill>
                   <a:srgbClr val="C00000"/>
                 </a:solidFill>
               </a:rPr>
-              <a:t>2</a:t>
+              <a:t>12</a:t>
             </a:r>
             <a:endParaRPr lang="ko-KR" altLang="en-US" sz="1100" dirty="0">
               <a:solidFill>
@@ -11325,7 +11378,7 @@
           <p:cNvPr id="192" name="타원 191">
             <a:extLst>
               <a:ext uri="{FF2B5EF4-FFF2-40B4-BE49-F238E27FC236}">
-                <a16:creationId xmlns="" xmlns:a16="http://schemas.microsoft.com/office/drawing/2014/main" id="{5F83F9E5-52FB-4808-9C34-197CE38E96AE}"/>
+                <a16:creationId xmlns:a16="http://schemas.microsoft.com/office/drawing/2014/main" id="{5F83F9E5-52FB-4808-9C34-197CE38E96AE}"/>
               </a:ext>
             </a:extLst>
           </p:cNvPr>
@@ -11371,7 +11424,7 @@
           <a:p>
             <a:pPr algn="ctr"/>
             <a:r>
-              <a:rPr lang="en-US" altLang="ko-KR" sz="1100" dirty="0" smtClean="0">
+              <a:rPr lang="en-US" altLang="ko-KR" sz="1100" dirty="0">
                 <a:solidFill>
                   <a:srgbClr val="C00000"/>
                 </a:solidFill>
@@ -11391,7 +11444,7 @@
           <p:cNvPr id="193" name="타원 192">
             <a:extLst>
               <a:ext uri="{FF2B5EF4-FFF2-40B4-BE49-F238E27FC236}">
-                <a16:creationId xmlns="" xmlns:a16="http://schemas.microsoft.com/office/drawing/2014/main" id="{5F83F9E5-52FB-4808-9C34-197CE38E96AE}"/>
+                <a16:creationId xmlns:a16="http://schemas.microsoft.com/office/drawing/2014/main" id="{5F83F9E5-52FB-4808-9C34-197CE38E96AE}"/>
               </a:ext>
             </a:extLst>
           </p:cNvPr>
@@ -11437,7 +11490,7 @@
           <a:p>
             <a:pPr algn="ctr"/>
             <a:r>
-              <a:rPr lang="en-US" altLang="ko-KR" sz="1100" dirty="0" smtClean="0">
+              <a:rPr lang="en-US" altLang="ko-KR" sz="1100" dirty="0">
                 <a:solidFill>
                   <a:srgbClr val="C00000"/>
                 </a:solidFill>
@@ -11457,7 +11510,7 @@
           <p:cNvPr id="194" name="타원 193">
             <a:extLst>
               <a:ext uri="{FF2B5EF4-FFF2-40B4-BE49-F238E27FC236}">
-                <a16:creationId xmlns="" xmlns:a16="http://schemas.microsoft.com/office/drawing/2014/main" id="{5F83F9E5-52FB-4808-9C34-197CE38E96AE}"/>
+                <a16:creationId xmlns:a16="http://schemas.microsoft.com/office/drawing/2014/main" id="{5F83F9E5-52FB-4808-9C34-197CE38E96AE}"/>
               </a:ext>
             </a:extLst>
           </p:cNvPr>
@@ -11503,7 +11556,7 @@
           <a:p>
             <a:pPr algn="ctr"/>
             <a:r>
-              <a:rPr lang="en-US" altLang="ko-KR" sz="1100" dirty="0" smtClean="0">
+              <a:rPr lang="en-US" altLang="ko-KR" sz="1100" dirty="0">
                 <a:solidFill>
                   <a:srgbClr val="C00000"/>
                 </a:solidFill>
@@ -11523,7 +11576,7 @@
           <p:cNvPr id="198" name="타원 197">
             <a:extLst>
               <a:ext uri="{FF2B5EF4-FFF2-40B4-BE49-F238E27FC236}">
-                <a16:creationId xmlns="" xmlns:a16="http://schemas.microsoft.com/office/drawing/2014/main" id="{5F83F9E5-52FB-4808-9C34-197CE38E96AE}"/>
+                <a16:creationId xmlns:a16="http://schemas.microsoft.com/office/drawing/2014/main" id="{5F83F9E5-52FB-4808-9C34-197CE38E96AE}"/>
               </a:ext>
             </a:extLst>
           </p:cNvPr>
@@ -11569,7 +11622,7 @@
           <a:p>
             <a:pPr algn="ctr"/>
             <a:r>
-              <a:rPr lang="en-US" altLang="ko-KR" sz="1100" dirty="0" smtClean="0">
+              <a:rPr lang="en-US" altLang="ko-KR" sz="1100" dirty="0">
                 <a:solidFill>
                   <a:srgbClr val="C00000"/>
                 </a:solidFill>
@@ -11589,7 +11642,7 @@
           <p:cNvPr id="199" name="타원 198">
             <a:extLst>
               <a:ext uri="{FF2B5EF4-FFF2-40B4-BE49-F238E27FC236}">
-                <a16:creationId xmlns="" xmlns:a16="http://schemas.microsoft.com/office/drawing/2014/main" id="{5F83F9E5-52FB-4808-9C34-197CE38E96AE}"/>
+                <a16:creationId xmlns:a16="http://schemas.microsoft.com/office/drawing/2014/main" id="{5F83F9E5-52FB-4808-9C34-197CE38E96AE}"/>
               </a:ext>
             </a:extLst>
           </p:cNvPr>
@@ -11635,7 +11688,7 @@
           <a:p>
             <a:pPr algn="ctr"/>
             <a:r>
-              <a:rPr lang="en-US" altLang="ko-KR" sz="1100" dirty="0" smtClean="0">
+              <a:rPr lang="en-US" altLang="ko-KR" sz="1100" dirty="0">
                 <a:solidFill>
                   <a:srgbClr val="C00000"/>
                 </a:solidFill>
@@ -11655,7 +11708,7 @@
           <p:cNvPr id="64" name="직선 화살표 연결선 63">
             <a:extLst>
               <a:ext uri="{FF2B5EF4-FFF2-40B4-BE49-F238E27FC236}">
-                <a16:creationId xmlns="" xmlns:a16="http://schemas.microsoft.com/office/drawing/2014/main" id="{6B28761E-A6ED-418A-9384-3AEDDF0E8035}"/>
+                <a16:creationId xmlns:a16="http://schemas.microsoft.com/office/drawing/2014/main" id="{6B28761E-A6ED-418A-9384-3AEDDF0E8035}"/>
               </a:ext>
             </a:extLst>
           </p:cNvPr>
@@ -11700,7 +11753,7 @@
           <p:cNvPr id="70" name="직선 화살표 연결선 69">
             <a:extLst>
               <a:ext uri="{FF2B5EF4-FFF2-40B4-BE49-F238E27FC236}">
-                <a16:creationId xmlns="" xmlns:a16="http://schemas.microsoft.com/office/drawing/2014/main" id="{6B28761E-A6ED-418A-9384-3AEDDF0E8035}"/>
+                <a16:creationId xmlns:a16="http://schemas.microsoft.com/office/drawing/2014/main" id="{6B28761E-A6ED-418A-9384-3AEDDF0E8035}"/>
               </a:ext>
             </a:extLst>
           </p:cNvPr>
@@ -11745,7 +11798,7 @@
           <p:cNvPr id="74" name="타원 73">
             <a:extLst>
               <a:ext uri="{FF2B5EF4-FFF2-40B4-BE49-F238E27FC236}">
-                <a16:creationId xmlns="" xmlns:a16="http://schemas.microsoft.com/office/drawing/2014/main" id="{5F83F9E5-52FB-4808-9C34-197CE38E96AE}"/>
+                <a16:creationId xmlns:a16="http://schemas.microsoft.com/office/drawing/2014/main" id="{5F83F9E5-52FB-4808-9C34-197CE38E96AE}"/>
               </a:ext>
             </a:extLst>
           </p:cNvPr>
@@ -11811,7 +11864,7 @@
           <p:cNvPr id="76" name="직선 화살표 연결선 75">
             <a:extLst>
               <a:ext uri="{FF2B5EF4-FFF2-40B4-BE49-F238E27FC236}">
-                <a16:creationId xmlns="" xmlns:a16="http://schemas.microsoft.com/office/drawing/2014/main" id="{6B28761E-A6ED-418A-9384-3AEDDF0E8035}"/>
+                <a16:creationId xmlns:a16="http://schemas.microsoft.com/office/drawing/2014/main" id="{6B28761E-A6ED-418A-9384-3AEDDF0E8035}"/>
               </a:ext>
             </a:extLst>
           </p:cNvPr>
@@ -11856,7 +11909,7 @@
           <p:cNvPr id="83" name="타원 82">
             <a:extLst>
               <a:ext uri="{FF2B5EF4-FFF2-40B4-BE49-F238E27FC236}">
-                <a16:creationId xmlns="" xmlns:a16="http://schemas.microsoft.com/office/drawing/2014/main" id="{5F83F9E5-52FB-4808-9C34-197CE38E96AE}"/>
+                <a16:creationId xmlns:a16="http://schemas.microsoft.com/office/drawing/2014/main" id="{5F83F9E5-52FB-4808-9C34-197CE38E96AE}"/>
               </a:ext>
             </a:extLst>
           </p:cNvPr>
@@ -11902,7 +11955,7 @@
           <a:p>
             <a:pPr algn="ctr"/>
             <a:r>
-              <a:rPr lang="en-US" altLang="ko-KR" sz="1100" dirty="0" smtClean="0">
+              <a:rPr lang="en-US" altLang="ko-KR" sz="1100" dirty="0">
                 <a:solidFill>
                   <a:srgbClr val="C00000"/>
                 </a:solidFill>
@@ -11949,7 +12002,13 @@
       </p:grpSpPr>
       <p:sp>
         <p:nvSpPr>
-          <p:cNvPr id="2" name="제목 1"/>
+          <p:cNvPr id="2" name="제목 1">
+            <a:extLst>
+              <a:ext uri="{FF2B5EF4-FFF2-40B4-BE49-F238E27FC236}">
+                <a16:creationId xmlns:a16="http://schemas.microsoft.com/office/drawing/2014/main" id="{8738443D-5E72-49E2-86AC-581D61C41C39}"/>
+              </a:ext>
+            </a:extLst>
+          </p:cNvPr>
           <p:cNvSpPr>
             <a:spLocks noGrp="1"/>
           </p:cNvSpPr>
@@ -11957,38 +12016,2211 @@
             <p:ph type="title"/>
           </p:nvPr>
         </p:nvSpPr>
-        <p:spPr/>
+        <p:spPr>
+          <a:xfrm>
+            <a:off x="457200" y="-164554"/>
+            <a:ext cx="8229600" cy="857250"/>
+          </a:xfrm>
+        </p:spPr>
         <p:txBody>
           <a:bodyPr/>
           <a:lstStyle/>
           <a:p>
+            <a:r>
+              <a:rPr lang="en-US" altLang="ko-KR"/>
+              <a:t>Map Reduce</a:t>
+            </a:r>
+            <a:endParaRPr lang="ko-KR" altLang="en-US" dirty="0"/>
+          </a:p>
+        </p:txBody>
+      </p:sp>
+      <p:sp>
+        <p:nvSpPr>
+          <p:cNvPr id="4" name="TextBox 3">
+            <a:extLst>
+              <a:ext uri="{FF2B5EF4-FFF2-40B4-BE49-F238E27FC236}">
+                <a16:creationId xmlns:a16="http://schemas.microsoft.com/office/drawing/2014/main" id="{0CD792A8-6824-4792-958C-31B528525768}"/>
+              </a:ext>
+            </a:extLst>
+          </p:cNvPr>
+          <p:cNvSpPr txBox="1"/>
+          <p:nvPr/>
+        </p:nvSpPr>
+        <p:spPr>
+          <a:xfrm>
+            <a:off x="289166" y="987574"/>
+            <a:ext cx="946448" cy="369332"/>
+          </a:xfrm>
+          <a:prstGeom prst="rect">
+            <a:avLst/>
+          </a:prstGeom>
+          <a:noFill/>
+        </p:spPr>
+        <p:txBody>
+          <a:bodyPr wrap="square" rtlCol="0">
+            <a:spAutoFit/>
+          </a:bodyPr>
+          <a:lstStyle/>
+          <a:p>
+            <a:pPr algn="ctr"/>
+            <a:r>
+              <a:rPr lang="en-US" altLang="ko-KR" b="1"/>
+              <a:t>Input</a:t>
+            </a:r>
+            <a:endParaRPr lang="ko-KR" altLang="en-US" b="1"/>
+          </a:p>
+        </p:txBody>
+      </p:sp>
+      <p:sp>
+        <p:nvSpPr>
+          <p:cNvPr id="60" name="TextBox 59">
+            <a:extLst>
+              <a:ext uri="{FF2B5EF4-FFF2-40B4-BE49-F238E27FC236}">
+                <a16:creationId xmlns:a16="http://schemas.microsoft.com/office/drawing/2014/main" id="{3FD49B4D-0A58-4415-92B2-3A8C6DCB0D39}"/>
+              </a:ext>
+            </a:extLst>
+          </p:cNvPr>
+          <p:cNvSpPr txBox="1"/>
+          <p:nvPr/>
+        </p:nvSpPr>
+        <p:spPr>
+          <a:xfrm>
+            <a:off x="1766665" y="985375"/>
+            <a:ext cx="1440160" cy="646331"/>
+          </a:xfrm>
+          <a:prstGeom prst="rect">
+            <a:avLst/>
+          </a:prstGeom>
+          <a:noFill/>
+        </p:spPr>
+        <p:txBody>
+          <a:bodyPr wrap="square" rtlCol="0">
+            <a:spAutoFit/>
+          </a:bodyPr>
+          <a:lstStyle/>
+          <a:p>
+            <a:pPr algn="ctr"/>
+            <a:r>
+              <a:rPr lang="en-US" altLang="ko-KR" b="1"/>
+              <a:t>Splitting</a:t>
+            </a:r>
+          </a:p>
+          <a:p>
+            <a:pPr algn="ctr"/>
+            <a:r>
+              <a:rPr lang="en-US" altLang="ko-KR"/>
+              <a:t>(K1, V1)</a:t>
+            </a:r>
             <a:endParaRPr lang="ko-KR" altLang="en-US"/>
           </a:p>
         </p:txBody>
       </p:sp>
       <p:sp>
         <p:nvSpPr>
-          <p:cNvPr id="3" name="내용 개체 틀 2"/>
-          <p:cNvSpPr>
-            <a:spLocks noGrp="1"/>
-          </p:cNvSpPr>
-          <p:nvPr>
-            <p:ph idx="1"/>
-          </p:nvPr>
-        </p:nvSpPr>
-        <p:spPr/>
-        <p:txBody>
-          <a:bodyPr/>
+          <p:cNvPr id="61" name="TextBox 60">
+            <a:extLst>
+              <a:ext uri="{FF2B5EF4-FFF2-40B4-BE49-F238E27FC236}">
+                <a16:creationId xmlns:a16="http://schemas.microsoft.com/office/drawing/2014/main" id="{640F6F37-F38D-4879-B183-00D996B40E17}"/>
+              </a:ext>
+            </a:extLst>
+          </p:cNvPr>
+          <p:cNvSpPr txBox="1"/>
+          <p:nvPr/>
+        </p:nvSpPr>
+        <p:spPr>
+          <a:xfrm>
+            <a:off x="3230917" y="987574"/>
+            <a:ext cx="1440160" cy="646331"/>
+          </a:xfrm>
+          <a:prstGeom prst="rect">
+            <a:avLst/>
+          </a:prstGeom>
+          <a:noFill/>
+        </p:spPr>
+        <p:txBody>
+          <a:bodyPr wrap="square" rtlCol="0">
+            <a:spAutoFit/>
+          </a:bodyPr>
           <a:lstStyle/>
           <a:p>
+            <a:pPr algn="ctr"/>
+            <a:r>
+              <a:rPr lang="en-US" altLang="ko-KR" b="1"/>
+              <a:t>Mapping</a:t>
+            </a:r>
+          </a:p>
+          <a:p>
+            <a:pPr algn="ctr"/>
+            <a:r>
+              <a:rPr lang="en-US" altLang="ko-KR"/>
+              <a:t>List(K2, V2)</a:t>
+            </a:r>
             <a:endParaRPr lang="ko-KR" altLang="en-US"/>
           </a:p>
         </p:txBody>
       </p:sp>
+      <p:sp>
+        <p:nvSpPr>
+          <p:cNvPr id="67" name="TextBox 66">
+            <a:extLst>
+              <a:ext uri="{FF2B5EF4-FFF2-40B4-BE49-F238E27FC236}">
+                <a16:creationId xmlns:a16="http://schemas.microsoft.com/office/drawing/2014/main" id="{C07C4EC2-FFED-48CF-80EF-DBC33B775A80}"/>
+              </a:ext>
+            </a:extLst>
+          </p:cNvPr>
+          <p:cNvSpPr txBox="1"/>
+          <p:nvPr/>
+        </p:nvSpPr>
+        <p:spPr>
+          <a:xfrm>
+            <a:off x="4568402" y="987574"/>
+            <a:ext cx="1440160" cy="646331"/>
+          </a:xfrm>
+          <a:prstGeom prst="rect">
+            <a:avLst/>
+          </a:prstGeom>
+          <a:noFill/>
+        </p:spPr>
+        <p:txBody>
+          <a:bodyPr wrap="square" rtlCol="0">
+            <a:spAutoFit/>
+          </a:bodyPr>
+          <a:lstStyle/>
+          <a:p>
+            <a:pPr algn="ctr"/>
+            <a:r>
+              <a:rPr lang="en-US" altLang="ko-KR" b="1"/>
+              <a:t>Shuffling</a:t>
+            </a:r>
+          </a:p>
+          <a:p>
+            <a:pPr algn="ctr"/>
+            <a:r>
+              <a:rPr lang="en-US" altLang="ko-KR"/>
+              <a:t>K2, List(V2)</a:t>
+            </a:r>
+            <a:endParaRPr lang="ko-KR" altLang="en-US"/>
+          </a:p>
+        </p:txBody>
+      </p:sp>
+      <p:sp>
+        <p:nvSpPr>
+          <p:cNvPr id="68" name="TextBox 67">
+            <a:extLst>
+              <a:ext uri="{FF2B5EF4-FFF2-40B4-BE49-F238E27FC236}">
+                <a16:creationId xmlns:a16="http://schemas.microsoft.com/office/drawing/2014/main" id="{2EA112DC-D232-4A60-8E93-8C5F4396887A}"/>
+              </a:ext>
+            </a:extLst>
+          </p:cNvPr>
+          <p:cNvSpPr txBox="1"/>
+          <p:nvPr/>
+        </p:nvSpPr>
+        <p:spPr>
+          <a:xfrm>
+            <a:off x="5937175" y="987574"/>
+            <a:ext cx="1440160" cy="369332"/>
+          </a:xfrm>
+          <a:prstGeom prst="rect">
+            <a:avLst/>
+          </a:prstGeom>
+          <a:noFill/>
+        </p:spPr>
+        <p:txBody>
+          <a:bodyPr wrap="square" rtlCol="0">
+            <a:spAutoFit/>
+          </a:bodyPr>
+          <a:lstStyle/>
+          <a:p>
+            <a:pPr algn="ctr"/>
+            <a:r>
+              <a:rPr lang="en-US" altLang="ko-KR" b="1"/>
+              <a:t>Reducing</a:t>
+            </a:r>
+            <a:endParaRPr lang="ko-KR" altLang="en-US" b="1"/>
+          </a:p>
+        </p:txBody>
+      </p:sp>
+      <p:sp>
+        <p:nvSpPr>
+          <p:cNvPr id="3" name="사각형: 둥근 모서리 2">
+            <a:extLst>
+              <a:ext uri="{FF2B5EF4-FFF2-40B4-BE49-F238E27FC236}">
+                <a16:creationId xmlns:a16="http://schemas.microsoft.com/office/drawing/2014/main" id="{D7234A9D-E680-446B-9EF0-AA00E96411DD}"/>
+              </a:ext>
+            </a:extLst>
+          </p:cNvPr>
+          <p:cNvSpPr/>
+          <p:nvPr/>
+        </p:nvSpPr>
+        <p:spPr>
+          <a:xfrm>
+            <a:off x="107504" y="2818032"/>
+            <a:ext cx="1309772" cy="720080"/>
+          </a:xfrm>
+          <a:prstGeom prst="roundRect">
+            <a:avLst>
+              <a:gd name="adj" fmla="val 11322"/>
+            </a:avLst>
+          </a:prstGeom>
+        </p:spPr>
+        <p:style>
+          <a:lnRef idx="2">
+            <a:schemeClr val="dk1"/>
+          </a:lnRef>
+          <a:fillRef idx="1">
+            <a:schemeClr val="lt1"/>
+          </a:fillRef>
+          <a:effectRef idx="0">
+            <a:schemeClr val="dk1"/>
+          </a:effectRef>
+          <a:fontRef idx="minor">
+            <a:schemeClr val="dk1"/>
+          </a:fontRef>
+        </p:style>
+        <p:txBody>
+          <a:bodyPr rtlCol="0" anchor="ctr"/>
+          <a:lstStyle/>
+          <a:p>
+            <a:pPr algn="ctr"/>
+            <a:r>
+              <a:rPr lang="en-US" altLang="ko-KR" sz="1200"/>
+              <a:t>Dear Bear River</a:t>
+            </a:r>
+          </a:p>
+          <a:p>
+            <a:pPr algn="ctr"/>
+            <a:r>
+              <a:rPr lang="en-US" altLang="ko-KR" sz="1200"/>
+              <a:t>Car Car River</a:t>
+            </a:r>
+          </a:p>
+          <a:p>
+            <a:pPr algn="ctr"/>
+            <a:r>
+              <a:rPr lang="en-US" altLang="ko-KR" sz="1200"/>
+              <a:t>Deer Car Bear</a:t>
+            </a:r>
+            <a:endParaRPr lang="ko-KR" altLang="en-US" sz="1200"/>
+          </a:p>
+        </p:txBody>
+      </p:sp>
+      <p:sp>
+        <p:nvSpPr>
+          <p:cNvPr id="56" name="사각형: 둥근 모서리 55">
+            <a:extLst>
+              <a:ext uri="{FF2B5EF4-FFF2-40B4-BE49-F238E27FC236}">
+                <a16:creationId xmlns:a16="http://schemas.microsoft.com/office/drawing/2014/main" id="{CB5AB5B8-1E80-42F7-8913-00F8666531F1}"/>
+              </a:ext>
+            </a:extLst>
+          </p:cNvPr>
+          <p:cNvSpPr/>
+          <p:nvPr/>
+        </p:nvSpPr>
+        <p:spPr>
+          <a:xfrm>
+            <a:off x="1831859" y="2167761"/>
+            <a:ext cx="1309772" cy="288032"/>
+          </a:xfrm>
+          <a:prstGeom prst="roundRect">
+            <a:avLst>
+              <a:gd name="adj" fmla="val 11322"/>
+            </a:avLst>
+          </a:prstGeom>
+        </p:spPr>
+        <p:style>
+          <a:lnRef idx="2">
+            <a:schemeClr val="dk1"/>
+          </a:lnRef>
+          <a:fillRef idx="1">
+            <a:schemeClr val="lt1"/>
+          </a:fillRef>
+          <a:effectRef idx="0">
+            <a:schemeClr val="dk1"/>
+          </a:effectRef>
+          <a:fontRef idx="minor">
+            <a:schemeClr val="dk1"/>
+          </a:fontRef>
+        </p:style>
+        <p:txBody>
+          <a:bodyPr rtlCol="0" anchor="ctr"/>
+          <a:lstStyle/>
+          <a:p>
+            <a:pPr algn="ctr"/>
+            <a:r>
+              <a:rPr lang="en-US" altLang="ko-KR" sz="1200"/>
+              <a:t>Dear Bear River</a:t>
+            </a:r>
+          </a:p>
+        </p:txBody>
+      </p:sp>
+      <p:sp>
+        <p:nvSpPr>
+          <p:cNvPr id="57" name="사각형: 둥근 모서리 56">
+            <a:extLst>
+              <a:ext uri="{FF2B5EF4-FFF2-40B4-BE49-F238E27FC236}">
+                <a16:creationId xmlns:a16="http://schemas.microsoft.com/office/drawing/2014/main" id="{F77C4671-DA53-4F73-BCED-4CC46A582375}"/>
+              </a:ext>
+            </a:extLst>
+          </p:cNvPr>
+          <p:cNvSpPr/>
+          <p:nvPr/>
+        </p:nvSpPr>
+        <p:spPr>
+          <a:xfrm>
+            <a:off x="1831859" y="3031857"/>
+            <a:ext cx="1309772" cy="288032"/>
+          </a:xfrm>
+          <a:prstGeom prst="roundRect">
+            <a:avLst>
+              <a:gd name="adj" fmla="val 11322"/>
+            </a:avLst>
+          </a:prstGeom>
+        </p:spPr>
+        <p:style>
+          <a:lnRef idx="2">
+            <a:schemeClr val="dk1"/>
+          </a:lnRef>
+          <a:fillRef idx="1">
+            <a:schemeClr val="lt1"/>
+          </a:fillRef>
+          <a:effectRef idx="0">
+            <a:schemeClr val="dk1"/>
+          </a:effectRef>
+          <a:fontRef idx="minor">
+            <a:schemeClr val="dk1"/>
+          </a:fontRef>
+        </p:style>
+        <p:txBody>
+          <a:bodyPr rtlCol="0" anchor="ctr"/>
+          <a:lstStyle/>
+          <a:p>
+            <a:pPr algn="ctr"/>
+            <a:r>
+              <a:rPr lang="en-US" altLang="ko-KR" sz="1200"/>
+              <a:t>Car Car River</a:t>
+            </a:r>
+          </a:p>
+        </p:txBody>
+      </p:sp>
+      <p:sp>
+        <p:nvSpPr>
+          <p:cNvPr id="58" name="사각형: 둥근 모서리 57">
+            <a:extLst>
+              <a:ext uri="{FF2B5EF4-FFF2-40B4-BE49-F238E27FC236}">
+                <a16:creationId xmlns:a16="http://schemas.microsoft.com/office/drawing/2014/main" id="{E18F8585-6255-4C4A-A385-6CB51C26DDBF}"/>
+              </a:ext>
+            </a:extLst>
+          </p:cNvPr>
+          <p:cNvSpPr/>
+          <p:nvPr/>
+        </p:nvSpPr>
+        <p:spPr>
+          <a:xfrm>
+            <a:off x="1831859" y="3895953"/>
+            <a:ext cx="1309772" cy="288032"/>
+          </a:xfrm>
+          <a:prstGeom prst="roundRect">
+            <a:avLst>
+              <a:gd name="adj" fmla="val 11322"/>
+            </a:avLst>
+          </a:prstGeom>
+        </p:spPr>
+        <p:style>
+          <a:lnRef idx="2">
+            <a:schemeClr val="dk1"/>
+          </a:lnRef>
+          <a:fillRef idx="1">
+            <a:schemeClr val="lt1"/>
+          </a:fillRef>
+          <a:effectRef idx="0">
+            <a:schemeClr val="dk1"/>
+          </a:effectRef>
+          <a:fontRef idx="minor">
+            <a:schemeClr val="dk1"/>
+          </a:fontRef>
+        </p:style>
+        <p:txBody>
+          <a:bodyPr rtlCol="0" anchor="ctr"/>
+          <a:lstStyle/>
+          <a:p>
+            <a:pPr algn="ctr"/>
+            <a:r>
+              <a:rPr lang="en-US" altLang="ko-KR" sz="1200"/>
+              <a:t>Deer Car Bear</a:t>
+            </a:r>
+          </a:p>
+        </p:txBody>
+      </p:sp>
+      <p:sp>
+        <p:nvSpPr>
+          <p:cNvPr id="62" name="사각형: 둥근 모서리 61">
+            <a:extLst>
+              <a:ext uri="{FF2B5EF4-FFF2-40B4-BE49-F238E27FC236}">
+                <a16:creationId xmlns:a16="http://schemas.microsoft.com/office/drawing/2014/main" id="{B1A3B7C4-1508-489A-956F-7334AC2254CB}"/>
+              </a:ext>
+            </a:extLst>
+          </p:cNvPr>
+          <p:cNvSpPr/>
+          <p:nvPr/>
+        </p:nvSpPr>
+        <p:spPr>
+          <a:xfrm>
+            <a:off x="3558066" y="1953936"/>
+            <a:ext cx="785863" cy="720080"/>
+          </a:xfrm>
+          <a:prstGeom prst="roundRect">
+            <a:avLst>
+              <a:gd name="adj" fmla="val 11322"/>
+            </a:avLst>
+          </a:prstGeom>
+        </p:spPr>
+        <p:style>
+          <a:lnRef idx="2">
+            <a:schemeClr val="dk1"/>
+          </a:lnRef>
+          <a:fillRef idx="1">
+            <a:schemeClr val="lt1"/>
+          </a:fillRef>
+          <a:effectRef idx="0">
+            <a:schemeClr val="dk1"/>
+          </a:effectRef>
+          <a:fontRef idx="minor">
+            <a:schemeClr val="dk1"/>
+          </a:fontRef>
+        </p:style>
+        <p:txBody>
+          <a:bodyPr rtlCol="0" anchor="ctr"/>
+          <a:lstStyle/>
+          <a:p>
+            <a:pPr algn="ctr"/>
+            <a:r>
+              <a:rPr lang="en-US" altLang="ko-KR" sz="1200"/>
+              <a:t>Dear, 1</a:t>
+            </a:r>
+          </a:p>
+          <a:p>
+            <a:pPr algn="ctr"/>
+            <a:r>
+              <a:rPr lang="en-US" altLang="ko-KR" sz="1200"/>
+              <a:t>Bear, 1</a:t>
+            </a:r>
+          </a:p>
+          <a:p>
+            <a:pPr algn="ctr"/>
+            <a:r>
+              <a:rPr lang="en-US" altLang="ko-KR" sz="1200"/>
+              <a:t>River, 1</a:t>
+            </a:r>
+          </a:p>
+        </p:txBody>
+      </p:sp>
+      <p:sp>
+        <p:nvSpPr>
+          <p:cNvPr id="65" name="사각형: 둥근 모서리 64">
+            <a:extLst>
+              <a:ext uri="{FF2B5EF4-FFF2-40B4-BE49-F238E27FC236}">
+                <a16:creationId xmlns:a16="http://schemas.microsoft.com/office/drawing/2014/main" id="{DBA6097C-1BD7-4E2D-AB03-27F3A421BC68}"/>
+              </a:ext>
+            </a:extLst>
+          </p:cNvPr>
+          <p:cNvSpPr/>
+          <p:nvPr/>
+        </p:nvSpPr>
+        <p:spPr>
+          <a:xfrm>
+            <a:off x="3558066" y="2818032"/>
+            <a:ext cx="785863" cy="720080"/>
+          </a:xfrm>
+          <a:prstGeom prst="roundRect">
+            <a:avLst>
+              <a:gd name="adj" fmla="val 11322"/>
+            </a:avLst>
+          </a:prstGeom>
+        </p:spPr>
+        <p:style>
+          <a:lnRef idx="2">
+            <a:schemeClr val="dk1"/>
+          </a:lnRef>
+          <a:fillRef idx="1">
+            <a:schemeClr val="lt1"/>
+          </a:fillRef>
+          <a:effectRef idx="0">
+            <a:schemeClr val="dk1"/>
+          </a:effectRef>
+          <a:fontRef idx="minor">
+            <a:schemeClr val="dk1"/>
+          </a:fontRef>
+        </p:style>
+        <p:txBody>
+          <a:bodyPr rtlCol="0" anchor="ctr"/>
+          <a:lstStyle/>
+          <a:p>
+            <a:pPr algn="ctr"/>
+            <a:r>
+              <a:rPr lang="en-US" altLang="ko-KR" sz="1200"/>
+              <a:t>Car, 1</a:t>
+            </a:r>
+          </a:p>
+          <a:p>
+            <a:pPr algn="ctr"/>
+            <a:r>
+              <a:rPr lang="en-US" altLang="ko-KR" sz="1200"/>
+              <a:t>Car, 1</a:t>
+            </a:r>
+          </a:p>
+          <a:p>
+            <a:pPr algn="ctr"/>
+            <a:r>
+              <a:rPr lang="en-US" altLang="ko-KR" sz="1200"/>
+              <a:t>River, 1</a:t>
+            </a:r>
+          </a:p>
+        </p:txBody>
+      </p:sp>
+      <p:sp>
+        <p:nvSpPr>
+          <p:cNvPr id="66" name="사각형: 둥근 모서리 65">
+            <a:extLst>
+              <a:ext uri="{FF2B5EF4-FFF2-40B4-BE49-F238E27FC236}">
+                <a16:creationId xmlns:a16="http://schemas.microsoft.com/office/drawing/2014/main" id="{ED52B6F5-A888-4F9E-AAB1-0683C973B000}"/>
+              </a:ext>
+            </a:extLst>
+          </p:cNvPr>
+          <p:cNvSpPr/>
+          <p:nvPr/>
+        </p:nvSpPr>
+        <p:spPr>
+          <a:xfrm>
+            <a:off x="3558066" y="3682128"/>
+            <a:ext cx="785863" cy="720080"/>
+          </a:xfrm>
+          <a:prstGeom prst="roundRect">
+            <a:avLst>
+              <a:gd name="adj" fmla="val 11322"/>
+            </a:avLst>
+          </a:prstGeom>
+        </p:spPr>
+        <p:style>
+          <a:lnRef idx="2">
+            <a:schemeClr val="dk1"/>
+          </a:lnRef>
+          <a:fillRef idx="1">
+            <a:schemeClr val="lt1"/>
+          </a:fillRef>
+          <a:effectRef idx="0">
+            <a:schemeClr val="dk1"/>
+          </a:effectRef>
+          <a:fontRef idx="minor">
+            <a:schemeClr val="dk1"/>
+          </a:fontRef>
+        </p:style>
+        <p:txBody>
+          <a:bodyPr rtlCol="0" anchor="ctr"/>
+          <a:lstStyle/>
+          <a:p>
+            <a:pPr algn="ctr"/>
+            <a:r>
+              <a:rPr lang="en-US" altLang="ko-KR" sz="1200"/>
+              <a:t>Deer, 1</a:t>
+            </a:r>
+          </a:p>
+          <a:p>
+            <a:pPr algn="ctr"/>
+            <a:r>
+              <a:rPr lang="en-US" altLang="ko-KR" sz="1200"/>
+              <a:t>Car, 1</a:t>
+            </a:r>
+          </a:p>
+          <a:p>
+            <a:pPr algn="ctr"/>
+            <a:r>
+              <a:rPr lang="en-US" altLang="ko-KR" sz="1200"/>
+              <a:t>Bear, 1</a:t>
+            </a:r>
+          </a:p>
+        </p:txBody>
+      </p:sp>
+      <p:sp>
+        <p:nvSpPr>
+          <p:cNvPr id="69" name="사각형: 둥근 모서리 68">
+            <a:extLst>
+              <a:ext uri="{FF2B5EF4-FFF2-40B4-BE49-F238E27FC236}">
+                <a16:creationId xmlns:a16="http://schemas.microsoft.com/office/drawing/2014/main" id="{E0E2CCC9-108A-4DC9-B4CD-D4C001C57C39}"/>
+              </a:ext>
+            </a:extLst>
+          </p:cNvPr>
+          <p:cNvSpPr/>
+          <p:nvPr/>
+        </p:nvSpPr>
+        <p:spPr>
+          <a:xfrm>
+            <a:off x="4760364" y="1726420"/>
+            <a:ext cx="982333" cy="288032"/>
+          </a:xfrm>
+          <a:prstGeom prst="roundRect">
+            <a:avLst>
+              <a:gd name="adj" fmla="val 11322"/>
+            </a:avLst>
+          </a:prstGeom>
+        </p:spPr>
+        <p:style>
+          <a:lnRef idx="2">
+            <a:schemeClr val="dk1"/>
+          </a:lnRef>
+          <a:fillRef idx="1">
+            <a:schemeClr val="lt1"/>
+          </a:fillRef>
+          <a:effectRef idx="0">
+            <a:schemeClr val="dk1"/>
+          </a:effectRef>
+          <a:fontRef idx="minor">
+            <a:schemeClr val="dk1"/>
+          </a:fontRef>
+        </p:style>
+        <p:txBody>
+          <a:bodyPr rtlCol="0" anchor="ctr"/>
+          <a:lstStyle/>
+          <a:p>
+            <a:pPr algn="ctr"/>
+            <a:r>
+              <a:rPr lang="en-US" altLang="ko-KR" sz="1200"/>
+              <a:t>Bear, (1,1)</a:t>
+            </a:r>
+          </a:p>
+        </p:txBody>
+      </p:sp>
+      <p:sp>
+        <p:nvSpPr>
+          <p:cNvPr id="71" name="사각형: 둥근 모서리 70">
+            <a:extLst>
+              <a:ext uri="{FF2B5EF4-FFF2-40B4-BE49-F238E27FC236}">
+                <a16:creationId xmlns:a16="http://schemas.microsoft.com/office/drawing/2014/main" id="{0D77164F-FAFD-4253-8894-0008F65C0B89}"/>
+              </a:ext>
+            </a:extLst>
+          </p:cNvPr>
+          <p:cNvSpPr/>
+          <p:nvPr/>
+        </p:nvSpPr>
+        <p:spPr>
+          <a:xfrm>
+            <a:off x="4760364" y="2560258"/>
+            <a:ext cx="982333" cy="288032"/>
+          </a:xfrm>
+          <a:prstGeom prst="roundRect">
+            <a:avLst>
+              <a:gd name="adj" fmla="val 11322"/>
+            </a:avLst>
+          </a:prstGeom>
+        </p:spPr>
+        <p:style>
+          <a:lnRef idx="2">
+            <a:schemeClr val="dk1"/>
+          </a:lnRef>
+          <a:fillRef idx="1">
+            <a:schemeClr val="lt1"/>
+          </a:fillRef>
+          <a:effectRef idx="0">
+            <a:schemeClr val="dk1"/>
+          </a:effectRef>
+          <a:fontRef idx="minor">
+            <a:schemeClr val="dk1"/>
+          </a:fontRef>
+        </p:style>
+        <p:txBody>
+          <a:bodyPr rtlCol="0" anchor="ctr"/>
+          <a:lstStyle/>
+          <a:p>
+            <a:pPr algn="ctr"/>
+            <a:r>
+              <a:rPr lang="en-US" altLang="ko-KR" sz="1200"/>
+              <a:t>Car, (1,1,1)</a:t>
+            </a:r>
+          </a:p>
+        </p:txBody>
+      </p:sp>
+      <p:sp>
+        <p:nvSpPr>
+          <p:cNvPr id="72" name="사각형: 둥근 모서리 71">
+            <a:extLst>
+              <a:ext uri="{FF2B5EF4-FFF2-40B4-BE49-F238E27FC236}">
+                <a16:creationId xmlns:a16="http://schemas.microsoft.com/office/drawing/2014/main" id="{4F1CFF01-17AD-40E9-8DB3-EAE14F3CF9FE}"/>
+              </a:ext>
+            </a:extLst>
+          </p:cNvPr>
+          <p:cNvSpPr/>
+          <p:nvPr/>
+        </p:nvSpPr>
+        <p:spPr>
+          <a:xfrm>
+            <a:off x="4760364" y="3394096"/>
+            <a:ext cx="982333" cy="288032"/>
+          </a:xfrm>
+          <a:prstGeom prst="roundRect">
+            <a:avLst>
+              <a:gd name="adj" fmla="val 11322"/>
+            </a:avLst>
+          </a:prstGeom>
+        </p:spPr>
+        <p:style>
+          <a:lnRef idx="2">
+            <a:schemeClr val="dk1"/>
+          </a:lnRef>
+          <a:fillRef idx="1">
+            <a:schemeClr val="lt1"/>
+          </a:fillRef>
+          <a:effectRef idx="0">
+            <a:schemeClr val="dk1"/>
+          </a:effectRef>
+          <a:fontRef idx="minor">
+            <a:schemeClr val="dk1"/>
+          </a:fontRef>
+        </p:style>
+        <p:txBody>
+          <a:bodyPr rtlCol="0" anchor="ctr"/>
+          <a:lstStyle/>
+          <a:p>
+            <a:pPr algn="ctr"/>
+            <a:r>
+              <a:rPr lang="en-US" altLang="ko-KR" sz="1200"/>
+              <a:t>Dear, (1,1)</a:t>
+            </a:r>
+          </a:p>
+        </p:txBody>
+      </p:sp>
+      <p:sp>
+        <p:nvSpPr>
+          <p:cNvPr id="73" name="사각형: 둥근 모서리 72">
+            <a:extLst>
+              <a:ext uri="{FF2B5EF4-FFF2-40B4-BE49-F238E27FC236}">
+                <a16:creationId xmlns:a16="http://schemas.microsoft.com/office/drawing/2014/main" id="{3729E148-8645-4B4E-ACE0-68E9CC5D8D4B}"/>
+              </a:ext>
+            </a:extLst>
+          </p:cNvPr>
+          <p:cNvSpPr/>
+          <p:nvPr/>
+        </p:nvSpPr>
+        <p:spPr>
+          <a:xfrm>
+            <a:off x="4760364" y="4227934"/>
+            <a:ext cx="982333" cy="288032"/>
+          </a:xfrm>
+          <a:prstGeom prst="roundRect">
+            <a:avLst>
+              <a:gd name="adj" fmla="val 11322"/>
+            </a:avLst>
+          </a:prstGeom>
+        </p:spPr>
+        <p:style>
+          <a:lnRef idx="2">
+            <a:schemeClr val="dk1"/>
+          </a:lnRef>
+          <a:fillRef idx="1">
+            <a:schemeClr val="lt1"/>
+          </a:fillRef>
+          <a:effectRef idx="0">
+            <a:schemeClr val="dk1"/>
+          </a:effectRef>
+          <a:fontRef idx="minor">
+            <a:schemeClr val="dk1"/>
+          </a:fontRef>
+        </p:style>
+        <p:txBody>
+          <a:bodyPr rtlCol="0" anchor="ctr"/>
+          <a:lstStyle/>
+          <a:p>
+            <a:pPr algn="ctr"/>
+            <a:r>
+              <a:rPr lang="en-US" altLang="ko-KR" sz="1200"/>
+              <a:t>River, (1,1)</a:t>
+            </a:r>
+          </a:p>
+        </p:txBody>
+      </p:sp>
+      <p:sp>
+        <p:nvSpPr>
+          <p:cNvPr id="75" name="사각형: 둥근 모서리 74">
+            <a:extLst>
+              <a:ext uri="{FF2B5EF4-FFF2-40B4-BE49-F238E27FC236}">
+                <a16:creationId xmlns:a16="http://schemas.microsoft.com/office/drawing/2014/main" id="{B00649F7-44B5-4BD4-B098-5105D9E8E793}"/>
+              </a:ext>
+            </a:extLst>
+          </p:cNvPr>
+          <p:cNvSpPr/>
+          <p:nvPr/>
+        </p:nvSpPr>
+        <p:spPr>
+          <a:xfrm>
+            <a:off x="6159132" y="1726420"/>
+            <a:ext cx="982333" cy="288032"/>
+          </a:xfrm>
+          <a:prstGeom prst="roundRect">
+            <a:avLst>
+              <a:gd name="adj" fmla="val 11322"/>
+            </a:avLst>
+          </a:prstGeom>
+        </p:spPr>
+        <p:style>
+          <a:lnRef idx="2">
+            <a:schemeClr val="dk1"/>
+          </a:lnRef>
+          <a:fillRef idx="1">
+            <a:schemeClr val="lt1"/>
+          </a:fillRef>
+          <a:effectRef idx="0">
+            <a:schemeClr val="dk1"/>
+          </a:effectRef>
+          <a:fontRef idx="minor">
+            <a:schemeClr val="dk1"/>
+          </a:fontRef>
+        </p:style>
+        <p:txBody>
+          <a:bodyPr rtlCol="0" anchor="ctr"/>
+          <a:lstStyle/>
+          <a:p>
+            <a:pPr algn="ctr"/>
+            <a:r>
+              <a:rPr lang="en-US" altLang="ko-KR" sz="1200"/>
+              <a:t>Bear, 2</a:t>
+            </a:r>
+          </a:p>
+        </p:txBody>
+      </p:sp>
+      <p:sp>
+        <p:nvSpPr>
+          <p:cNvPr id="77" name="사각형: 둥근 모서리 76">
+            <a:extLst>
+              <a:ext uri="{FF2B5EF4-FFF2-40B4-BE49-F238E27FC236}">
+                <a16:creationId xmlns:a16="http://schemas.microsoft.com/office/drawing/2014/main" id="{F0F73EF2-0EDE-4C38-B1AA-D5E3390BC630}"/>
+              </a:ext>
+            </a:extLst>
+          </p:cNvPr>
+          <p:cNvSpPr/>
+          <p:nvPr/>
+        </p:nvSpPr>
+        <p:spPr>
+          <a:xfrm>
+            <a:off x="6159884" y="2560258"/>
+            <a:ext cx="982333" cy="288032"/>
+          </a:xfrm>
+          <a:prstGeom prst="roundRect">
+            <a:avLst>
+              <a:gd name="adj" fmla="val 11322"/>
+            </a:avLst>
+          </a:prstGeom>
+        </p:spPr>
+        <p:style>
+          <a:lnRef idx="2">
+            <a:schemeClr val="dk1"/>
+          </a:lnRef>
+          <a:fillRef idx="1">
+            <a:schemeClr val="lt1"/>
+          </a:fillRef>
+          <a:effectRef idx="0">
+            <a:schemeClr val="dk1"/>
+          </a:effectRef>
+          <a:fontRef idx="minor">
+            <a:schemeClr val="dk1"/>
+          </a:fontRef>
+        </p:style>
+        <p:txBody>
+          <a:bodyPr rtlCol="0" anchor="ctr"/>
+          <a:lstStyle/>
+          <a:p>
+            <a:pPr algn="ctr"/>
+            <a:r>
+              <a:rPr lang="en-US" altLang="ko-KR" sz="1200"/>
+              <a:t>Car, 3</a:t>
+            </a:r>
+          </a:p>
+        </p:txBody>
+      </p:sp>
+      <p:sp>
+        <p:nvSpPr>
+          <p:cNvPr id="78" name="사각형: 둥근 모서리 77">
+            <a:extLst>
+              <a:ext uri="{FF2B5EF4-FFF2-40B4-BE49-F238E27FC236}">
+                <a16:creationId xmlns:a16="http://schemas.microsoft.com/office/drawing/2014/main" id="{15541B86-5648-4143-88B1-C40D6B4FEC89}"/>
+              </a:ext>
+            </a:extLst>
+          </p:cNvPr>
+          <p:cNvSpPr/>
+          <p:nvPr/>
+        </p:nvSpPr>
+        <p:spPr>
+          <a:xfrm>
+            <a:off x="6159132" y="3394096"/>
+            <a:ext cx="982333" cy="288032"/>
+          </a:xfrm>
+          <a:prstGeom prst="roundRect">
+            <a:avLst>
+              <a:gd name="adj" fmla="val 11322"/>
+            </a:avLst>
+          </a:prstGeom>
+        </p:spPr>
+        <p:style>
+          <a:lnRef idx="2">
+            <a:schemeClr val="dk1"/>
+          </a:lnRef>
+          <a:fillRef idx="1">
+            <a:schemeClr val="lt1"/>
+          </a:fillRef>
+          <a:effectRef idx="0">
+            <a:schemeClr val="dk1"/>
+          </a:effectRef>
+          <a:fontRef idx="minor">
+            <a:schemeClr val="dk1"/>
+          </a:fontRef>
+        </p:style>
+        <p:txBody>
+          <a:bodyPr rtlCol="0" anchor="ctr"/>
+          <a:lstStyle/>
+          <a:p>
+            <a:pPr algn="ctr"/>
+            <a:r>
+              <a:rPr lang="en-US" altLang="ko-KR" sz="1200"/>
+              <a:t>Deer, 2</a:t>
+            </a:r>
+          </a:p>
+        </p:txBody>
+      </p:sp>
+      <p:sp>
+        <p:nvSpPr>
+          <p:cNvPr id="86" name="사각형: 둥근 모서리 85">
+            <a:extLst>
+              <a:ext uri="{FF2B5EF4-FFF2-40B4-BE49-F238E27FC236}">
+                <a16:creationId xmlns:a16="http://schemas.microsoft.com/office/drawing/2014/main" id="{E221153D-7D62-4045-B0F8-F13E7FC7647C}"/>
+              </a:ext>
+            </a:extLst>
+          </p:cNvPr>
+          <p:cNvSpPr/>
+          <p:nvPr/>
+        </p:nvSpPr>
+        <p:spPr>
+          <a:xfrm>
+            <a:off x="6159132" y="4227934"/>
+            <a:ext cx="982333" cy="288032"/>
+          </a:xfrm>
+          <a:prstGeom prst="roundRect">
+            <a:avLst>
+              <a:gd name="adj" fmla="val 11322"/>
+            </a:avLst>
+          </a:prstGeom>
+        </p:spPr>
+        <p:style>
+          <a:lnRef idx="2">
+            <a:schemeClr val="dk1"/>
+          </a:lnRef>
+          <a:fillRef idx="1">
+            <a:schemeClr val="lt1"/>
+          </a:fillRef>
+          <a:effectRef idx="0">
+            <a:schemeClr val="dk1"/>
+          </a:effectRef>
+          <a:fontRef idx="minor">
+            <a:schemeClr val="dk1"/>
+          </a:fontRef>
+        </p:style>
+        <p:txBody>
+          <a:bodyPr rtlCol="0" anchor="ctr"/>
+          <a:lstStyle/>
+          <a:p>
+            <a:pPr algn="ctr"/>
+            <a:r>
+              <a:rPr lang="en-US" altLang="ko-KR" sz="1200"/>
+              <a:t>River, 2</a:t>
+            </a:r>
+          </a:p>
+        </p:txBody>
+      </p:sp>
+      <p:sp>
+        <p:nvSpPr>
+          <p:cNvPr id="87" name="TextBox 86">
+            <a:extLst>
+              <a:ext uri="{FF2B5EF4-FFF2-40B4-BE49-F238E27FC236}">
+                <a16:creationId xmlns:a16="http://schemas.microsoft.com/office/drawing/2014/main" id="{A946A8A6-8210-4537-9A22-4DD0B5BC4E62}"/>
+              </a:ext>
+            </a:extLst>
+          </p:cNvPr>
+          <p:cNvSpPr txBox="1"/>
+          <p:nvPr/>
+        </p:nvSpPr>
+        <p:spPr>
+          <a:xfrm>
+            <a:off x="7312243" y="987574"/>
+            <a:ext cx="1440160" cy="369332"/>
+          </a:xfrm>
+          <a:prstGeom prst="rect">
+            <a:avLst/>
+          </a:prstGeom>
+          <a:noFill/>
+        </p:spPr>
+        <p:txBody>
+          <a:bodyPr wrap="square" rtlCol="0">
+            <a:spAutoFit/>
+          </a:bodyPr>
+          <a:lstStyle/>
+          <a:p>
+            <a:pPr algn="ctr"/>
+            <a:r>
+              <a:rPr lang="en-US" altLang="ko-KR" b="1"/>
+              <a:t>Result</a:t>
+            </a:r>
+            <a:endParaRPr lang="ko-KR" altLang="en-US" b="1"/>
+          </a:p>
+        </p:txBody>
+      </p:sp>
+      <p:sp>
+        <p:nvSpPr>
+          <p:cNvPr id="90" name="사각형: 둥근 모서리 89">
+            <a:extLst>
+              <a:ext uri="{FF2B5EF4-FFF2-40B4-BE49-F238E27FC236}">
+                <a16:creationId xmlns:a16="http://schemas.microsoft.com/office/drawing/2014/main" id="{A354E9F2-8A97-4AC0-A1E4-A7C337E5C4BE}"/>
+              </a:ext>
+            </a:extLst>
+          </p:cNvPr>
+          <p:cNvSpPr/>
+          <p:nvPr/>
+        </p:nvSpPr>
+        <p:spPr>
+          <a:xfrm>
+            <a:off x="7557900" y="2713567"/>
+            <a:ext cx="948846" cy="924612"/>
+          </a:xfrm>
+          <a:prstGeom prst="roundRect">
+            <a:avLst>
+              <a:gd name="adj" fmla="val 11322"/>
+            </a:avLst>
+          </a:prstGeom>
+        </p:spPr>
+        <p:style>
+          <a:lnRef idx="2">
+            <a:schemeClr val="dk1"/>
+          </a:lnRef>
+          <a:fillRef idx="1">
+            <a:schemeClr val="lt1"/>
+          </a:fillRef>
+          <a:effectRef idx="0">
+            <a:schemeClr val="dk1"/>
+          </a:effectRef>
+          <a:fontRef idx="minor">
+            <a:schemeClr val="dk1"/>
+          </a:fontRef>
+        </p:style>
+        <p:txBody>
+          <a:bodyPr rtlCol="0" anchor="ctr"/>
+          <a:lstStyle/>
+          <a:p>
+            <a:pPr algn="ctr"/>
+            <a:r>
+              <a:rPr lang="en-US" altLang="ko-KR" sz="1200"/>
+              <a:t>Bear, 2</a:t>
+            </a:r>
+          </a:p>
+          <a:p>
+            <a:pPr algn="ctr"/>
+            <a:r>
+              <a:rPr lang="en-US" altLang="ko-KR" sz="1200"/>
+              <a:t>Car, 3</a:t>
+            </a:r>
+          </a:p>
+          <a:p>
+            <a:pPr algn="ctr"/>
+            <a:r>
+              <a:rPr lang="en-US" altLang="ko-KR" sz="1200"/>
+              <a:t>Deer, 2</a:t>
+            </a:r>
+          </a:p>
+          <a:p>
+            <a:pPr algn="ctr"/>
+            <a:r>
+              <a:rPr lang="en-US" altLang="ko-KR" sz="1200"/>
+              <a:t>River, 2</a:t>
+            </a:r>
+            <a:endParaRPr lang="ko-KR" altLang="en-US" sz="1200"/>
+          </a:p>
+        </p:txBody>
+      </p:sp>
+      <p:cxnSp>
+        <p:nvCxnSpPr>
+          <p:cNvPr id="8" name="직선 화살표 연결선 7">
+            <a:extLst>
+              <a:ext uri="{FF2B5EF4-FFF2-40B4-BE49-F238E27FC236}">
+                <a16:creationId xmlns:a16="http://schemas.microsoft.com/office/drawing/2014/main" id="{9BF88BBD-A145-4FE7-9005-C941E82FF51E}"/>
+              </a:ext>
+            </a:extLst>
+          </p:cNvPr>
+          <p:cNvCxnSpPr>
+            <a:stCxn id="3" idx="3"/>
+            <a:endCxn id="56" idx="1"/>
+          </p:cNvCxnSpPr>
+          <p:nvPr/>
+        </p:nvCxnSpPr>
+        <p:spPr>
+          <a:xfrm flipV="1">
+            <a:off x="1417276" y="2311777"/>
+            <a:ext cx="414583" cy="866295"/>
+          </a:xfrm>
+          <a:prstGeom prst="straightConnector1">
+            <a:avLst/>
+          </a:prstGeom>
+          <a:ln w="28575" cap="flat" cmpd="sng" algn="ctr">
+            <a:solidFill>
+              <a:schemeClr val="dk1"/>
+            </a:solidFill>
+            <a:prstDash val="solid"/>
+            <a:round/>
+            <a:headEnd type="none" w="med" len="med"/>
+            <a:tailEnd type="arrow" w="med" len="med"/>
+          </a:ln>
+        </p:spPr>
+        <p:style>
+          <a:lnRef idx="0">
+            <a:scrgbClr r="0" g="0" b="0"/>
+          </a:lnRef>
+          <a:fillRef idx="0">
+            <a:scrgbClr r="0" g="0" b="0"/>
+          </a:fillRef>
+          <a:effectRef idx="0">
+            <a:scrgbClr r="0" g="0" b="0"/>
+          </a:effectRef>
+          <a:fontRef idx="minor">
+            <a:schemeClr val="tx1"/>
+          </a:fontRef>
+        </p:style>
+      </p:cxnSp>
+      <p:cxnSp>
+        <p:nvCxnSpPr>
+          <p:cNvPr id="100" name="직선 화살표 연결선 99">
+            <a:extLst>
+              <a:ext uri="{FF2B5EF4-FFF2-40B4-BE49-F238E27FC236}">
+                <a16:creationId xmlns:a16="http://schemas.microsoft.com/office/drawing/2014/main" id="{F61D3B69-F549-4E67-A7BB-792F107C7E4D}"/>
+              </a:ext>
+            </a:extLst>
+          </p:cNvPr>
+          <p:cNvCxnSpPr>
+            <a:cxnSpLocks/>
+            <a:stCxn id="3" idx="3"/>
+            <a:endCxn id="57" idx="1"/>
+          </p:cNvCxnSpPr>
+          <p:nvPr/>
+        </p:nvCxnSpPr>
+        <p:spPr>
+          <a:xfrm flipV="1">
+            <a:off x="1417276" y="3175873"/>
+            <a:ext cx="414583" cy="2199"/>
+          </a:xfrm>
+          <a:prstGeom prst="straightConnector1">
+            <a:avLst/>
+          </a:prstGeom>
+          <a:ln w="28575" cap="flat" cmpd="sng" algn="ctr">
+            <a:solidFill>
+              <a:schemeClr val="dk1"/>
+            </a:solidFill>
+            <a:prstDash val="solid"/>
+            <a:round/>
+            <a:headEnd type="none" w="med" len="med"/>
+            <a:tailEnd type="arrow" w="med" len="med"/>
+          </a:ln>
+        </p:spPr>
+        <p:style>
+          <a:lnRef idx="0">
+            <a:scrgbClr r="0" g="0" b="0"/>
+          </a:lnRef>
+          <a:fillRef idx="0">
+            <a:scrgbClr r="0" g="0" b="0"/>
+          </a:fillRef>
+          <a:effectRef idx="0">
+            <a:scrgbClr r="0" g="0" b="0"/>
+          </a:effectRef>
+          <a:fontRef idx="minor">
+            <a:schemeClr val="tx1"/>
+          </a:fontRef>
+        </p:style>
+      </p:cxnSp>
+      <p:cxnSp>
+        <p:nvCxnSpPr>
+          <p:cNvPr id="101" name="직선 화살표 연결선 100">
+            <a:extLst>
+              <a:ext uri="{FF2B5EF4-FFF2-40B4-BE49-F238E27FC236}">
+                <a16:creationId xmlns:a16="http://schemas.microsoft.com/office/drawing/2014/main" id="{1F2061F3-2A65-4F66-A704-91A2780E8750}"/>
+              </a:ext>
+            </a:extLst>
+          </p:cNvPr>
+          <p:cNvCxnSpPr>
+            <a:cxnSpLocks/>
+            <a:stCxn id="3" idx="3"/>
+            <a:endCxn id="58" idx="1"/>
+          </p:cNvCxnSpPr>
+          <p:nvPr/>
+        </p:nvCxnSpPr>
+        <p:spPr>
+          <a:xfrm>
+            <a:off x="1417276" y="3178072"/>
+            <a:ext cx="414583" cy="861897"/>
+          </a:xfrm>
+          <a:prstGeom prst="straightConnector1">
+            <a:avLst/>
+          </a:prstGeom>
+          <a:ln w="28575" cap="flat" cmpd="sng" algn="ctr">
+            <a:solidFill>
+              <a:schemeClr val="dk1"/>
+            </a:solidFill>
+            <a:prstDash val="solid"/>
+            <a:round/>
+            <a:headEnd type="none" w="med" len="med"/>
+            <a:tailEnd type="arrow" w="med" len="med"/>
+          </a:ln>
+        </p:spPr>
+        <p:style>
+          <a:lnRef idx="0">
+            <a:scrgbClr r="0" g="0" b="0"/>
+          </a:lnRef>
+          <a:fillRef idx="0">
+            <a:scrgbClr r="0" g="0" b="0"/>
+          </a:fillRef>
+          <a:effectRef idx="0">
+            <a:scrgbClr r="0" g="0" b="0"/>
+          </a:effectRef>
+          <a:fontRef idx="minor">
+            <a:schemeClr val="tx1"/>
+          </a:fontRef>
+        </p:style>
+      </p:cxnSp>
+      <p:cxnSp>
+        <p:nvCxnSpPr>
+          <p:cNvPr id="102" name="직선 화살표 연결선 101">
+            <a:extLst>
+              <a:ext uri="{FF2B5EF4-FFF2-40B4-BE49-F238E27FC236}">
+                <a16:creationId xmlns:a16="http://schemas.microsoft.com/office/drawing/2014/main" id="{25BB942D-6E52-44F9-A87B-53135D16F695}"/>
+              </a:ext>
+            </a:extLst>
+          </p:cNvPr>
+          <p:cNvCxnSpPr>
+            <a:cxnSpLocks/>
+            <a:stCxn id="57" idx="3"/>
+            <a:endCxn id="65" idx="1"/>
+          </p:cNvCxnSpPr>
+          <p:nvPr/>
+        </p:nvCxnSpPr>
+        <p:spPr>
+          <a:xfrm>
+            <a:off x="3141631" y="3175873"/>
+            <a:ext cx="416435" cy="2199"/>
+          </a:xfrm>
+          <a:prstGeom prst="straightConnector1">
+            <a:avLst/>
+          </a:prstGeom>
+          <a:ln w="28575" cap="flat" cmpd="sng" algn="ctr">
+            <a:solidFill>
+              <a:schemeClr val="dk1"/>
+            </a:solidFill>
+            <a:prstDash val="solid"/>
+            <a:round/>
+            <a:headEnd type="none" w="med" len="med"/>
+            <a:tailEnd type="arrow" w="med" len="med"/>
+          </a:ln>
+        </p:spPr>
+        <p:style>
+          <a:lnRef idx="0">
+            <a:scrgbClr r="0" g="0" b="0"/>
+          </a:lnRef>
+          <a:fillRef idx="0">
+            <a:scrgbClr r="0" g="0" b="0"/>
+          </a:fillRef>
+          <a:effectRef idx="0">
+            <a:scrgbClr r="0" g="0" b="0"/>
+          </a:effectRef>
+          <a:fontRef idx="minor">
+            <a:schemeClr val="tx1"/>
+          </a:fontRef>
+        </p:style>
+      </p:cxnSp>
+      <p:cxnSp>
+        <p:nvCxnSpPr>
+          <p:cNvPr id="103" name="직선 화살표 연결선 102">
+            <a:extLst>
+              <a:ext uri="{FF2B5EF4-FFF2-40B4-BE49-F238E27FC236}">
+                <a16:creationId xmlns:a16="http://schemas.microsoft.com/office/drawing/2014/main" id="{7CF148F8-7465-4949-A666-8C9D83670725}"/>
+              </a:ext>
+            </a:extLst>
+          </p:cNvPr>
+          <p:cNvCxnSpPr>
+            <a:cxnSpLocks/>
+            <a:stCxn id="58" idx="3"/>
+            <a:endCxn id="66" idx="1"/>
+          </p:cNvCxnSpPr>
+          <p:nvPr/>
+        </p:nvCxnSpPr>
+        <p:spPr>
+          <a:xfrm>
+            <a:off x="3141631" y="4039969"/>
+            <a:ext cx="416435" cy="2199"/>
+          </a:xfrm>
+          <a:prstGeom prst="straightConnector1">
+            <a:avLst/>
+          </a:prstGeom>
+          <a:ln w="28575" cap="flat" cmpd="sng" algn="ctr">
+            <a:solidFill>
+              <a:schemeClr val="dk1"/>
+            </a:solidFill>
+            <a:prstDash val="solid"/>
+            <a:round/>
+            <a:headEnd type="none" w="med" len="med"/>
+            <a:tailEnd type="arrow" w="med" len="med"/>
+          </a:ln>
+        </p:spPr>
+        <p:style>
+          <a:lnRef idx="0">
+            <a:scrgbClr r="0" g="0" b="0"/>
+          </a:lnRef>
+          <a:fillRef idx="0">
+            <a:scrgbClr r="0" g="0" b="0"/>
+          </a:fillRef>
+          <a:effectRef idx="0">
+            <a:scrgbClr r="0" g="0" b="0"/>
+          </a:effectRef>
+          <a:fontRef idx="minor">
+            <a:schemeClr val="tx1"/>
+          </a:fontRef>
+        </p:style>
+      </p:cxnSp>
+      <p:cxnSp>
+        <p:nvCxnSpPr>
+          <p:cNvPr id="104" name="직선 화살표 연결선 103">
+            <a:extLst>
+              <a:ext uri="{FF2B5EF4-FFF2-40B4-BE49-F238E27FC236}">
+                <a16:creationId xmlns:a16="http://schemas.microsoft.com/office/drawing/2014/main" id="{B7C83792-A536-466C-A55D-555AA602B52F}"/>
+              </a:ext>
+            </a:extLst>
+          </p:cNvPr>
+          <p:cNvCxnSpPr>
+            <a:cxnSpLocks/>
+            <a:stCxn id="56" idx="3"/>
+            <a:endCxn id="62" idx="1"/>
+          </p:cNvCxnSpPr>
+          <p:nvPr/>
+        </p:nvCxnSpPr>
+        <p:spPr>
+          <a:xfrm>
+            <a:off x="3141631" y="2311777"/>
+            <a:ext cx="416435" cy="2199"/>
+          </a:xfrm>
+          <a:prstGeom prst="straightConnector1">
+            <a:avLst/>
+          </a:prstGeom>
+          <a:ln w="28575" cap="flat" cmpd="sng" algn="ctr">
+            <a:solidFill>
+              <a:schemeClr val="dk1"/>
+            </a:solidFill>
+            <a:prstDash val="solid"/>
+            <a:round/>
+            <a:headEnd type="none" w="med" len="med"/>
+            <a:tailEnd type="arrow" w="med" len="med"/>
+          </a:ln>
+        </p:spPr>
+        <p:style>
+          <a:lnRef idx="0">
+            <a:scrgbClr r="0" g="0" b="0"/>
+          </a:lnRef>
+          <a:fillRef idx="0">
+            <a:scrgbClr r="0" g="0" b="0"/>
+          </a:fillRef>
+          <a:effectRef idx="0">
+            <a:scrgbClr r="0" g="0" b="0"/>
+          </a:effectRef>
+          <a:fontRef idx="minor">
+            <a:schemeClr val="tx1"/>
+          </a:fontRef>
+        </p:style>
+      </p:cxnSp>
+      <p:cxnSp>
+        <p:nvCxnSpPr>
+          <p:cNvPr id="105" name="직선 화살표 연결선 104">
+            <a:extLst>
+              <a:ext uri="{FF2B5EF4-FFF2-40B4-BE49-F238E27FC236}">
+                <a16:creationId xmlns:a16="http://schemas.microsoft.com/office/drawing/2014/main" id="{96CDC011-23B9-44A0-A667-007F89D5794D}"/>
+              </a:ext>
+            </a:extLst>
+          </p:cNvPr>
+          <p:cNvCxnSpPr>
+            <a:cxnSpLocks/>
+            <a:stCxn id="62" idx="3"/>
+            <a:endCxn id="69" idx="1"/>
+          </p:cNvCxnSpPr>
+          <p:nvPr/>
+        </p:nvCxnSpPr>
+        <p:spPr>
+          <a:xfrm flipV="1">
+            <a:off x="4343929" y="1870436"/>
+            <a:ext cx="416435" cy="443540"/>
+          </a:xfrm>
+          <a:prstGeom prst="straightConnector1">
+            <a:avLst/>
+          </a:prstGeom>
+          <a:ln w="28575" cap="flat" cmpd="sng" algn="ctr">
+            <a:solidFill>
+              <a:schemeClr val="dk1"/>
+            </a:solidFill>
+            <a:prstDash val="solid"/>
+            <a:round/>
+            <a:headEnd type="none" w="med" len="med"/>
+            <a:tailEnd type="arrow" w="med" len="med"/>
+          </a:ln>
+        </p:spPr>
+        <p:style>
+          <a:lnRef idx="0">
+            <a:scrgbClr r="0" g="0" b="0"/>
+          </a:lnRef>
+          <a:fillRef idx="0">
+            <a:scrgbClr r="0" g="0" b="0"/>
+          </a:fillRef>
+          <a:effectRef idx="0">
+            <a:scrgbClr r="0" g="0" b="0"/>
+          </a:effectRef>
+          <a:fontRef idx="minor">
+            <a:schemeClr val="tx1"/>
+          </a:fontRef>
+        </p:style>
+      </p:cxnSp>
+      <p:cxnSp>
+        <p:nvCxnSpPr>
+          <p:cNvPr id="106" name="직선 화살표 연결선 105">
+            <a:extLst>
+              <a:ext uri="{FF2B5EF4-FFF2-40B4-BE49-F238E27FC236}">
+                <a16:creationId xmlns:a16="http://schemas.microsoft.com/office/drawing/2014/main" id="{FDE89F26-1FAA-4C9F-B6AC-F395344B4295}"/>
+              </a:ext>
+            </a:extLst>
+          </p:cNvPr>
+          <p:cNvCxnSpPr>
+            <a:cxnSpLocks/>
+            <a:stCxn id="62" idx="3"/>
+            <a:endCxn id="72" idx="1"/>
+          </p:cNvCxnSpPr>
+          <p:nvPr/>
+        </p:nvCxnSpPr>
+        <p:spPr>
+          <a:xfrm>
+            <a:off x="4343929" y="2313976"/>
+            <a:ext cx="416435" cy="1224136"/>
+          </a:xfrm>
+          <a:prstGeom prst="straightConnector1">
+            <a:avLst/>
+          </a:prstGeom>
+          <a:ln w="28575" cap="flat" cmpd="sng" algn="ctr">
+            <a:solidFill>
+              <a:schemeClr val="dk1"/>
+            </a:solidFill>
+            <a:prstDash val="solid"/>
+            <a:round/>
+            <a:headEnd type="none" w="med" len="med"/>
+            <a:tailEnd type="arrow" w="med" len="med"/>
+          </a:ln>
+        </p:spPr>
+        <p:style>
+          <a:lnRef idx="0">
+            <a:scrgbClr r="0" g="0" b="0"/>
+          </a:lnRef>
+          <a:fillRef idx="0">
+            <a:scrgbClr r="0" g="0" b="0"/>
+          </a:fillRef>
+          <a:effectRef idx="0">
+            <a:scrgbClr r="0" g="0" b="0"/>
+          </a:effectRef>
+          <a:fontRef idx="minor">
+            <a:schemeClr val="tx1"/>
+          </a:fontRef>
+        </p:style>
+      </p:cxnSp>
+      <p:cxnSp>
+        <p:nvCxnSpPr>
+          <p:cNvPr id="110" name="직선 화살표 연결선 109">
+            <a:extLst>
+              <a:ext uri="{FF2B5EF4-FFF2-40B4-BE49-F238E27FC236}">
+                <a16:creationId xmlns:a16="http://schemas.microsoft.com/office/drawing/2014/main" id="{C2968F53-A636-4755-B644-C47BDFED43A6}"/>
+              </a:ext>
+            </a:extLst>
+          </p:cNvPr>
+          <p:cNvCxnSpPr>
+            <a:cxnSpLocks/>
+            <a:stCxn id="62" idx="3"/>
+            <a:endCxn id="73" idx="1"/>
+          </p:cNvCxnSpPr>
+          <p:nvPr/>
+        </p:nvCxnSpPr>
+        <p:spPr>
+          <a:xfrm>
+            <a:off x="4343929" y="2313976"/>
+            <a:ext cx="416435" cy="2057974"/>
+          </a:xfrm>
+          <a:prstGeom prst="straightConnector1">
+            <a:avLst/>
+          </a:prstGeom>
+          <a:ln w="28575" cap="flat" cmpd="sng" algn="ctr">
+            <a:solidFill>
+              <a:schemeClr val="dk1"/>
+            </a:solidFill>
+            <a:prstDash val="solid"/>
+            <a:round/>
+            <a:headEnd type="none" w="med" len="med"/>
+            <a:tailEnd type="arrow" w="med" len="med"/>
+          </a:ln>
+        </p:spPr>
+        <p:style>
+          <a:lnRef idx="0">
+            <a:scrgbClr r="0" g="0" b="0"/>
+          </a:lnRef>
+          <a:fillRef idx="0">
+            <a:scrgbClr r="0" g="0" b="0"/>
+          </a:fillRef>
+          <a:effectRef idx="0">
+            <a:scrgbClr r="0" g="0" b="0"/>
+          </a:effectRef>
+          <a:fontRef idx="minor">
+            <a:schemeClr val="tx1"/>
+          </a:fontRef>
+        </p:style>
+      </p:cxnSp>
+      <p:cxnSp>
+        <p:nvCxnSpPr>
+          <p:cNvPr id="111" name="직선 화살표 연결선 110">
+            <a:extLst>
+              <a:ext uri="{FF2B5EF4-FFF2-40B4-BE49-F238E27FC236}">
+                <a16:creationId xmlns:a16="http://schemas.microsoft.com/office/drawing/2014/main" id="{C7C4E5FA-8EE0-4993-A666-90BD07131BD0}"/>
+              </a:ext>
+            </a:extLst>
+          </p:cNvPr>
+          <p:cNvCxnSpPr>
+            <a:cxnSpLocks/>
+            <a:stCxn id="65" idx="3"/>
+            <a:endCxn id="71" idx="1"/>
+          </p:cNvCxnSpPr>
+          <p:nvPr/>
+        </p:nvCxnSpPr>
+        <p:spPr>
+          <a:xfrm flipV="1">
+            <a:off x="4343929" y="2704274"/>
+            <a:ext cx="416435" cy="473798"/>
+          </a:xfrm>
+          <a:prstGeom prst="straightConnector1">
+            <a:avLst/>
+          </a:prstGeom>
+          <a:ln w="28575" cap="flat" cmpd="sng" algn="ctr">
+            <a:solidFill>
+              <a:schemeClr val="dk1"/>
+            </a:solidFill>
+            <a:prstDash val="solid"/>
+            <a:round/>
+            <a:headEnd type="none" w="med" len="med"/>
+            <a:tailEnd type="arrow" w="med" len="med"/>
+          </a:ln>
+        </p:spPr>
+        <p:style>
+          <a:lnRef idx="0">
+            <a:scrgbClr r="0" g="0" b="0"/>
+          </a:lnRef>
+          <a:fillRef idx="0">
+            <a:scrgbClr r="0" g="0" b="0"/>
+          </a:fillRef>
+          <a:effectRef idx="0">
+            <a:scrgbClr r="0" g="0" b="0"/>
+          </a:effectRef>
+          <a:fontRef idx="minor">
+            <a:schemeClr val="tx1"/>
+          </a:fontRef>
+        </p:style>
+      </p:cxnSp>
+      <p:cxnSp>
+        <p:nvCxnSpPr>
+          <p:cNvPr id="115" name="직선 화살표 연결선 114">
+            <a:extLst>
+              <a:ext uri="{FF2B5EF4-FFF2-40B4-BE49-F238E27FC236}">
+                <a16:creationId xmlns:a16="http://schemas.microsoft.com/office/drawing/2014/main" id="{208F0144-974C-4E76-8EFA-C32BAD8B8029}"/>
+              </a:ext>
+            </a:extLst>
+          </p:cNvPr>
+          <p:cNvCxnSpPr>
+            <a:cxnSpLocks/>
+            <a:stCxn id="65" idx="3"/>
+            <a:endCxn id="73" idx="1"/>
+          </p:cNvCxnSpPr>
+          <p:nvPr/>
+        </p:nvCxnSpPr>
+        <p:spPr>
+          <a:xfrm>
+            <a:off x="4343929" y="3178072"/>
+            <a:ext cx="416435" cy="1193878"/>
+          </a:xfrm>
+          <a:prstGeom prst="straightConnector1">
+            <a:avLst/>
+          </a:prstGeom>
+          <a:ln w="28575" cap="flat" cmpd="sng" algn="ctr">
+            <a:solidFill>
+              <a:schemeClr val="dk1"/>
+            </a:solidFill>
+            <a:prstDash val="solid"/>
+            <a:round/>
+            <a:headEnd type="none" w="med" len="med"/>
+            <a:tailEnd type="arrow" w="med" len="med"/>
+          </a:ln>
+        </p:spPr>
+        <p:style>
+          <a:lnRef idx="0">
+            <a:scrgbClr r="0" g="0" b="0"/>
+          </a:lnRef>
+          <a:fillRef idx="0">
+            <a:scrgbClr r="0" g="0" b="0"/>
+          </a:fillRef>
+          <a:effectRef idx="0">
+            <a:scrgbClr r="0" g="0" b="0"/>
+          </a:effectRef>
+          <a:fontRef idx="minor">
+            <a:schemeClr val="tx1"/>
+          </a:fontRef>
+        </p:style>
+      </p:cxnSp>
+      <p:cxnSp>
+        <p:nvCxnSpPr>
+          <p:cNvPr id="117" name="직선 화살표 연결선 116">
+            <a:extLst>
+              <a:ext uri="{FF2B5EF4-FFF2-40B4-BE49-F238E27FC236}">
+                <a16:creationId xmlns:a16="http://schemas.microsoft.com/office/drawing/2014/main" id="{325F7ECF-2974-4E7E-A031-FF242E94AEA9}"/>
+              </a:ext>
+            </a:extLst>
+          </p:cNvPr>
+          <p:cNvCxnSpPr>
+            <a:cxnSpLocks/>
+            <a:stCxn id="66" idx="3"/>
+            <a:endCxn id="72" idx="1"/>
+          </p:cNvCxnSpPr>
+          <p:nvPr/>
+        </p:nvCxnSpPr>
+        <p:spPr>
+          <a:xfrm flipV="1">
+            <a:off x="4343929" y="3538112"/>
+            <a:ext cx="416435" cy="504056"/>
+          </a:xfrm>
+          <a:prstGeom prst="straightConnector1">
+            <a:avLst/>
+          </a:prstGeom>
+          <a:ln w="28575" cap="flat" cmpd="sng" algn="ctr">
+            <a:solidFill>
+              <a:schemeClr val="dk1"/>
+            </a:solidFill>
+            <a:prstDash val="solid"/>
+            <a:round/>
+            <a:headEnd type="none" w="med" len="med"/>
+            <a:tailEnd type="arrow" w="med" len="med"/>
+          </a:ln>
+        </p:spPr>
+        <p:style>
+          <a:lnRef idx="0">
+            <a:scrgbClr r="0" g="0" b="0"/>
+          </a:lnRef>
+          <a:fillRef idx="0">
+            <a:scrgbClr r="0" g="0" b="0"/>
+          </a:fillRef>
+          <a:effectRef idx="0">
+            <a:scrgbClr r="0" g="0" b="0"/>
+          </a:effectRef>
+          <a:fontRef idx="minor">
+            <a:schemeClr val="tx1"/>
+          </a:fontRef>
+        </p:style>
+      </p:cxnSp>
+      <p:cxnSp>
+        <p:nvCxnSpPr>
+          <p:cNvPr id="120" name="직선 화살표 연결선 119">
+            <a:extLst>
+              <a:ext uri="{FF2B5EF4-FFF2-40B4-BE49-F238E27FC236}">
+                <a16:creationId xmlns:a16="http://schemas.microsoft.com/office/drawing/2014/main" id="{AB701EAF-9600-4FA7-A7D4-91ADFBC7891D}"/>
+              </a:ext>
+            </a:extLst>
+          </p:cNvPr>
+          <p:cNvCxnSpPr>
+            <a:cxnSpLocks/>
+            <a:stCxn id="66" idx="3"/>
+            <a:endCxn id="71" idx="1"/>
+          </p:cNvCxnSpPr>
+          <p:nvPr/>
+        </p:nvCxnSpPr>
+        <p:spPr>
+          <a:xfrm flipV="1">
+            <a:off x="4343929" y="2704274"/>
+            <a:ext cx="416435" cy="1337894"/>
+          </a:xfrm>
+          <a:prstGeom prst="straightConnector1">
+            <a:avLst/>
+          </a:prstGeom>
+          <a:ln w="28575" cap="flat" cmpd="sng" algn="ctr">
+            <a:solidFill>
+              <a:schemeClr val="dk1"/>
+            </a:solidFill>
+            <a:prstDash val="solid"/>
+            <a:round/>
+            <a:headEnd type="none" w="med" len="med"/>
+            <a:tailEnd type="arrow" w="med" len="med"/>
+          </a:ln>
+        </p:spPr>
+        <p:style>
+          <a:lnRef idx="0">
+            <a:scrgbClr r="0" g="0" b="0"/>
+          </a:lnRef>
+          <a:fillRef idx="0">
+            <a:scrgbClr r="0" g="0" b="0"/>
+          </a:fillRef>
+          <a:effectRef idx="0">
+            <a:scrgbClr r="0" g="0" b="0"/>
+          </a:effectRef>
+          <a:fontRef idx="minor">
+            <a:schemeClr val="tx1"/>
+          </a:fontRef>
+        </p:style>
+      </p:cxnSp>
+      <p:cxnSp>
+        <p:nvCxnSpPr>
+          <p:cNvPr id="124" name="직선 화살표 연결선 123">
+            <a:extLst>
+              <a:ext uri="{FF2B5EF4-FFF2-40B4-BE49-F238E27FC236}">
+                <a16:creationId xmlns:a16="http://schemas.microsoft.com/office/drawing/2014/main" id="{1F4638C5-A7B9-4E5F-B775-1DEB7477700D}"/>
+              </a:ext>
+            </a:extLst>
+          </p:cNvPr>
+          <p:cNvCxnSpPr>
+            <a:cxnSpLocks/>
+            <a:stCxn id="66" idx="3"/>
+            <a:endCxn id="69" idx="1"/>
+          </p:cNvCxnSpPr>
+          <p:nvPr/>
+        </p:nvCxnSpPr>
+        <p:spPr>
+          <a:xfrm flipV="1">
+            <a:off x="4343929" y="1870436"/>
+            <a:ext cx="416435" cy="2171732"/>
+          </a:xfrm>
+          <a:prstGeom prst="straightConnector1">
+            <a:avLst/>
+          </a:prstGeom>
+          <a:ln w="28575" cap="flat" cmpd="sng" algn="ctr">
+            <a:solidFill>
+              <a:schemeClr val="dk1"/>
+            </a:solidFill>
+            <a:prstDash val="solid"/>
+            <a:round/>
+            <a:headEnd type="none" w="med" len="med"/>
+            <a:tailEnd type="arrow" w="med" len="med"/>
+          </a:ln>
+        </p:spPr>
+        <p:style>
+          <a:lnRef idx="0">
+            <a:scrgbClr r="0" g="0" b="0"/>
+          </a:lnRef>
+          <a:fillRef idx="0">
+            <a:scrgbClr r="0" g="0" b="0"/>
+          </a:fillRef>
+          <a:effectRef idx="0">
+            <a:scrgbClr r="0" g="0" b="0"/>
+          </a:effectRef>
+          <a:fontRef idx="minor">
+            <a:schemeClr val="tx1"/>
+          </a:fontRef>
+        </p:style>
+      </p:cxnSp>
+      <p:cxnSp>
+        <p:nvCxnSpPr>
+          <p:cNvPr id="126" name="직선 화살표 연결선 125">
+            <a:extLst>
+              <a:ext uri="{FF2B5EF4-FFF2-40B4-BE49-F238E27FC236}">
+                <a16:creationId xmlns:a16="http://schemas.microsoft.com/office/drawing/2014/main" id="{C698B027-650E-4776-A994-F47C7DF4C1F4}"/>
+              </a:ext>
+            </a:extLst>
+          </p:cNvPr>
+          <p:cNvCxnSpPr>
+            <a:cxnSpLocks/>
+            <a:stCxn id="69" idx="3"/>
+            <a:endCxn id="75" idx="1"/>
+          </p:cNvCxnSpPr>
+          <p:nvPr/>
+        </p:nvCxnSpPr>
+        <p:spPr>
+          <a:xfrm>
+            <a:off x="5742697" y="1870436"/>
+            <a:ext cx="416435" cy="0"/>
+          </a:xfrm>
+          <a:prstGeom prst="straightConnector1">
+            <a:avLst/>
+          </a:prstGeom>
+          <a:ln w="28575" cap="flat" cmpd="sng" algn="ctr">
+            <a:solidFill>
+              <a:schemeClr val="dk1"/>
+            </a:solidFill>
+            <a:prstDash val="solid"/>
+            <a:round/>
+            <a:headEnd type="none" w="med" len="med"/>
+            <a:tailEnd type="arrow" w="med" len="med"/>
+          </a:ln>
+        </p:spPr>
+        <p:style>
+          <a:lnRef idx="0">
+            <a:scrgbClr r="0" g="0" b="0"/>
+          </a:lnRef>
+          <a:fillRef idx="0">
+            <a:scrgbClr r="0" g="0" b="0"/>
+          </a:fillRef>
+          <a:effectRef idx="0">
+            <a:scrgbClr r="0" g="0" b="0"/>
+          </a:effectRef>
+          <a:fontRef idx="minor">
+            <a:schemeClr val="tx1"/>
+          </a:fontRef>
+        </p:style>
+      </p:cxnSp>
+      <p:cxnSp>
+        <p:nvCxnSpPr>
+          <p:cNvPr id="129" name="직선 화살표 연결선 128">
+            <a:extLst>
+              <a:ext uri="{FF2B5EF4-FFF2-40B4-BE49-F238E27FC236}">
+                <a16:creationId xmlns:a16="http://schemas.microsoft.com/office/drawing/2014/main" id="{B4CA1237-5420-4CE4-BDA1-7C9DD122465C}"/>
+              </a:ext>
+            </a:extLst>
+          </p:cNvPr>
+          <p:cNvCxnSpPr>
+            <a:cxnSpLocks/>
+            <a:stCxn id="71" idx="3"/>
+            <a:endCxn id="77" idx="1"/>
+          </p:cNvCxnSpPr>
+          <p:nvPr/>
+        </p:nvCxnSpPr>
+        <p:spPr>
+          <a:xfrm>
+            <a:off x="5742697" y="2704274"/>
+            <a:ext cx="417187" cy="0"/>
+          </a:xfrm>
+          <a:prstGeom prst="straightConnector1">
+            <a:avLst/>
+          </a:prstGeom>
+          <a:ln w="28575" cap="flat" cmpd="sng" algn="ctr">
+            <a:solidFill>
+              <a:schemeClr val="dk1"/>
+            </a:solidFill>
+            <a:prstDash val="solid"/>
+            <a:round/>
+            <a:headEnd type="none" w="med" len="med"/>
+            <a:tailEnd type="arrow" w="med" len="med"/>
+          </a:ln>
+        </p:spPr>
+        <p:style>
+          <a:lnRef idx="0">
+            <a:scrgbClr r="0" g="0" b="0"/>
+          </a:lnRef>
+          <a:fillRef idx="0">
+            <a:scrgbClr r="0" g="0" b="0"/>
+          </a:fillRef>
+          <a:effectRef idx="0">
+            <a:scrgbClr r="0" g="0" b="0"/>
+          </a:effectRef>
+          <a:fontRef idx="minor">
+            <a:schemeClr val="tx1"/>
+          </a:fontRef>
+        </p:style>
+      </p:cxnSp>
+      <p:cxnSp>
+        <p:nvCxnSpPr>
+          <p:cNvPr id="133" name="직선 화살표 연결선 132">
+            <a:extLst>
+              <a:ext uri="{FF2B5EF4-FFF2-40B4-BE49-F238E27FC236}">
+                <a16:creationId xmlns:a16="http://schemas.microsoft.com/office/drawing/2014/main" id="{8569C478-975D-48B2-9A21-F3FDA78E9AA3}"/>
+              </a:ext>
+            </a:extLst>
+          </p:cNvPr>
+          <p:cNvCxnSpPr>
+            <a:cxnSpLocks/>
+            <a:stCxn id="72" idx="3"/>
+            <a:endCxn id="78" idx="1"/>
+          </p:cNvCxnSpPr>
+          <p:nvPr/>
+        </p:nvCxnSpPr>
+        <p:spPr>
+          <a:xfrm>
+            <a:off x="5742697" y="3538112"/>
+            <a:ext cx="416435" cy="0"/>
+          </a:xfrm>
+          <a:prstGeom prst="straightConnector1">
+            <a:avLst/>
+          </a:prstGeom>
+          <a:ln w="28575" cap="flat" cmpd="sng" algn="ctr">
+            <a:solidFill>
+              <a:schemeClr val="dk1"/>
+            </a:solidFill>
+            <a:prstDash val="solid"/>
+            <a:round/>
+            <a:headEnd type="none" w="med" len="med"/>
+            <a:tailEnd type="arrow" w="med" len="med"/>
+          </a:ln>
+        </p:spPr>
+        <p:style>
+          <a:lnRef idx="0">
+            <a:scrgbClr r="0" g="0" b="0"/>
+          </a:lnRef>
+          <a:fillRef idx="0">
+            <a:scrgbClr r="0" g="0" b="0"/>
+          </a:fillRef>
+          <a:effectRef idx="0">
+            <a:scrgbClr r="0" g="0" b="0"/>
+          </a:effectRef>
+          <a:fontRef idx="minor">
+            <a:schemeClr val="tx1"/>
+          </a:fontRef>
+        </p:style>
+      </p:cxnSp>
+      <p:cxnSp>
+        <p:nvCxnSpPr>
+          <p:cNvPr id="136" name="직선 화살표 연결선 135">
+            <a:extLst>
+              <a:ext uri="{FF2B5EF4-FFF2-40B4-BE49-F238E27FC236}">
+                <a16:creationId xmlns:a16="http://schemas.microsoft.com/office/drawing/2014/main" id="{E5CA0E62-808F-422F-8A77-D4FE7D2B873F}"/>
+              </a:ext>
+            </a:extLst>
+          </p:cNvPr>
+          <p:cNvCxnSpPr>
+            <a:cxnSpLocks/>
+            <a:stCxn id="73" idx="3"/>
+            <a:endCxn id="86" idx="1"/>
+          </p:cNvCxnSpPr>
+          <p:nvPr/>
+        </p:nvCxnSpPr>
+        <p:spPr>
+          <a:xfrm>
+            <a:off x="5742697" y="4371950"/>
+            <a:ext cx="416435" cy="0"/>
+          </a:xfrm>
+          <a:prstGeom prst="straightConnector1">
+            <a:avLst/>
+          </a:prstGeom>
+          <a:ln w="28575" cap="flat" cmpd="sng" algn="ctr">
+            <a:solidFill>
+              <a:schemeClr val="dk1"/>
+            </a:solidFill>
+            <a:prstDash val="solid"/>
+            <a:round/>
+            <a:headEnd type="none" w="med" len="med"/>
+            <a:tailEnd type="arrow" w="med" len="med"/>
+          </a:ln>
+        </p:spPr>
+        <p:style>
+          <a:lnRef idx="0">
+            <a:scrgbClr r="0" g="0" b="0"/>
+          </a:lnRef>
+          <a:fillRef idx="0">
+            <a:scrgbClr r="0" g="0" b="0"/>
+          </a:fillRef>
+          <a:effectRef idx="0">
+            <a:scrgbClr r="0" g="0" b="0"/>
+          </a:effectRef>
+          <a:fontRef idx="minor">
+            <a:schemeClr val="tx1"/>
+          </a:fontRef>
+        </p:style>
+      </p:cxnSp>
+      <p:cxnSp>
+        <p:nvCxnSpPr>
+          <p:cNvPr id="139" name="직선 화살표 연결선 138">
+            <a:extLst>
+              <a:ext uri="{FF2B5EF4-FFF2-40B4-BE49-F238E27FC236}">
+                <a16:creationId xmlns:a16="http://schemas.microsoft.com/office/drawing/2014/main" id="{06643288-E16B-488B-A49B-69A21006EBC8}"/>
+              </a:ext>
+            </a:extLst>
+          </p:cNvPr>
+          <p:cNvCxnSpPr>
+            <a:cxnSpLocks/>
+            <a:stCxn id="78" idx="3"/>
+            <a:endCxn id="90" idx="1"/>
+          </p:cNvCxnSpPr>
+          <p:nvPr/>
+        </p:nvCxnSpPr>
+        <p:spPr>
+          <a:xfrm flipV="1">
+            <a:off x="7141465" y="3175873"/>
+            <a:ext cx="416435" cy="362239"/>
+          </a:xfrm>
+          <a:prstGeom prst="straightConnector1">
+            <a:avLst/>
+          </a:prstGeom>
+          <a:ln w="28575" cap="flat" cmpd="sng" algn="ctr">
+            <a:solidFill>
+              <a:schemeClr val="dk1"/>
+            </a:solidFill>
+            <a:prstDash val="solid"/>
+            <a:round/>
+            <a:headEnd type="none" w="med" len="med"/>
+            <a:tailEnd type="arrow" w="med" len="med"/>
+          </a:ln>
+        </p:spPr>
+        <p:style>
+          <a:lnRef idx="0">
+            <a:scrgbClr r="0" g="0" b="0"/>
+          </a:lnRef>
+          <a:fillRef idx="0">
+            <a:scrgbClr r="0" g="0" b="0"/>
+          </a:fillRef>
+          <a:effectRef idx="0">
+            <a:scrgbClr r="0" g="0" b="0"/>
+          </a:effectRef>
+          <a:fontRef idx="minor">
+            <a:schemeClr val="tx1"/>
+          </a:fontRef>
+        </p:style>
+      </p:cxnSp>
+      <p:cxnSp>
+        <p:nvCxnSpPr>
+          <p:cNvPr id="144" name="직선 화살표 연결선 143">
+            <a:extLst>
+              <a:ext uri="{FF2B5EF4-FFF2-40B4-BE49-F238E27FC236}">
+                <a16:creationId xmlns:a16="http://schemas.microsoft.com/office/drawing/2014/main" id="{8BDA77F7-2D05-4E66-935E-AE558BFC1CFE}"/>
+              </a:ext>
+            </a:extLst>
+          </p:cNvPr>
+          <p:cNvCxnSpPr>
+            <a:cxnSpLocks/>
+            <a:stCxn id="86" idx="3"/>
+            <a:endCxn id="90" idx="1"/>
+          </p:cNvCxnSpPr>
+          <p:nvPr/>
+        </p:nvCxnSpPr>
+        <p:spPr>
+          <a:xfrm flipV="1">
+            <a:off x="7141465" y="3175873"/>
+            <a:ext cx="416435" cy="1196077"/>
+          </a:xfrm>
+          <a:prstGeom prst="straightConnector1">
+            <a:avLst/>
+          </a:prstGeom>
+          <a:ln w="28575" cap="flat" cmpd="sng" algn="ctr">
+            <a:solidFill>
+              <a:schemeClr val="dk1"/>
+            </a:solidFill>
+            <a:prstDash val="solid"/>
+            <a:round/>
+            <a:headEnd type="none" w="med" len="med"/>
+            <a:tailEnd type="arrow" w="med" len="med"/>
+          </a:ln>
+        </p:spPr>
+        <p:style>
+          <a:lnRef idx="0">
+            <a:scrgbClr r="0" g="0" b="0"/>
+          </a:lnRef>
+          <a:fillRef idx="0">
+            <a:scrgbClr r="0" g="0" b="0"/>
+          </a:fillRef>
+          <a:effectRef idx="0">
+            <a:scrgbClr r="0" g="0" b="0"/>
+          </a:effectRef>
+          <a:fontRef idx="minor">
+            <a:schemeClr val="tx1"/>
+          </a:fontRef>
+        </p:style>
+      </p:cxnSp>
+      <p:cxnSp>
+        <p:nvCxnSpPr>
+          <p:cNvPr id="147" name="직선 화살표 연결선 146">
+            <a:extLst>
+              <a:ext uri="{FF2B5EF4-FFF2-40B4-BE49-F238E27FC236}">
+                <a16:creationId xmlns:a16="http://schemas.microsoft.com/office/drawing/2014/main" id="{DE8AE617-586E-40E4-852D-D8F4A293D154}"/>
+              </a:ext>
+            </a:extLst>
+          </p:cNvPr>
+          <p:cNvCxnSpPr>
+            <a:cxnSpLocks/>
+            <a:stCxn id="77" idx="3"/>
+            <a:endCxn id="90" idx="1"/>
+          </p:cNvCxnSpPr>
+          <p:nvPr/>
+        </p:nvCxnSpPr>
+        <p:spPr>
+          <a:xfrm>
+            <a:off x="7142217" y="2704274"/>
+            <a:ext cx="415683" cy="471599"/>
+          </a:xfrm>
+          <a:prstGeom prst="straightConnector1">
+            <a:avLst/>
+          </a:prstGeom>
+          <a:ln w="28575" cap="flat" cmpd="sng" algn="ctr">
+            <a:solidFill>
+              <a:schemeClr val="dk1"/>
+            </a:solidFill>
+            <a:prstDash val="solid"/>
+            <a:round/>
+            <a:headEnd type="none" w="med" len="med"/>
+            <a:tailEnd type="arrow" w="med" len="med"/>
+          </a:ln>
+        </p:spPr>
+        <p:style>
+          <a:lnRef idx="0">
+            <a:scrgbClr r="0" g="0" b="0"/>
+          </a:lnRef>
+          <a:fillRef idx="0">
+            <a:scrgbClr r="0" g="0" b="0"/>
+          </a:fillRef>
+          <a:effectRef idx="0">
+            <a:scrgbClr r="0" g="0" b="0"/>
+          </a:effectRef>
+          <a:fontRef idx="minor">
+            <a:schemeClr val="tx1"/>
+          </a:fontRef>
+        </p:style>
+      </p:cxnSp>
+      <p:cxnSp>
+        <p:nvCxnSpPr>
+          <p:cNvPr id="150" name="직선 화살표 연결선 149">
+            <a:extLst>
+              <a:ext uri="{FF2B5EF4-FFF2-40B4-BE49-F238E27FC236}">
+                <a16:creationId xmlns:a16="http://schemas.microsoft.com/office/drawing/2014/main" id="{34129554-D228-4C18-B592-652481FFA920}"/>
+              </a:ext>
+            </a:extLst>
+          </p:cNvPr>
+          <p:cNvCxnSpPr>
+            <a:cxnSpLocks/>
+            <a:stCxn id="75" idx="3"/>
+            <a:endCxn id="90" idx="1"/>
+          </p:cNvCxnSpPr>
+          <p:nvPr/>
+        </p:nvCxnSpPr>
+        <p:spPr>
+          <a:xfrm>
+            <a:off x="7141465" y="1870436"/>
+            <a:ext cx="416435" cy="1305437"/>
+          </a:xfrm>
+          <a:prstGeom prst="straightConnector1">
+            <a:avLst/>
+          </a:prstGeom>
+          <a:ln w="28575" cap="flat" cmpd="sng" algn="ctr">
+            <a:solidFill>
+              <a:schemeClr val="dk1"/>
+            </a:solidFill>
+            <a:prstDash val="solid"/>
+            <a:round/>
+            <a:headEnd type="none" w="med" len="med"/>
+            <a:tailEnd type="arrow" w="med" len="med"/>
+          </a:ln>
+        </p:spPr>
+        <p:style>
+          <a:lnRef idx="0">
+            <a:scrgbClr r="0" g="0" b="0"/>
+          </a:lnRef>
+          <a:fillRef idx="0">
+            <a:scrgbClr r="0" g="0" b="0"/>
+          </a:fillRef>
+          <a:effectRef idx="0">
+            <a:scrgbClr r="0" g="0" b="0"/>
+          </a:effectRef>
+          <a:fontRef idx="minor">
+            <a:schemeClr val="tx1"/>
+          </a:fontRef>
+        </p:style>
+      </p:cxnSp>
     </p:spTree>
     <p:extLst>
       <p:ext uri="{BB962C8B-B14F-4D97-AF65-F5344CB8AC3E}">
-        <p14:creationId xmlns:p14="http://schemas.microsoft.com/office/powerpoint/2010/main" val="1327338083"/>
+        <p14:creationId xmlns:p14="http://schemas.microsoft.com/office/powerpoint/2010/main" val="2338553672"/>
       </p:ext>
     </p:extLst>
   </p:cSld>
@@ -12017,13 +14249,7 @@
       </p:grpSpPr>
       <p:sp>
         <p:nvSpPr>
-          <p:cNvPr id="2" name="제목 1">
-            <a:extLst>
-              <a:ext uri="{FF2B5EF4-FFF2-40B4-BE49-F238E27FC236}">
-                <a16:creationId xmlns="" xmlns:a16="http://schemas.microsoft.com/office/drawing/2014/main" id="{8738443D-5E72-49E2-86AC-581D61C41C39}"/>
-              </a:ext>
-            </a:extLst>
-          </p:cNvPr>
+          <p:cNvPr id="2" name="제목 1"/>
           <p:cNvSpPr>
             <a:spLocks noGrp="1"/>
           </p:cNvSpPr>
@@ -12031,6 +14257,80 @@
             <p:ph type="title"/>
           </p:nvPr>
         </p:nvSpPr>
+        <p:spPr/>
+        <p:txBody>
+          <a:bodyPr/>
+          <a:lstStyle/>
+          <a:p>
+            <a:endParaRPr lang="ko-KR" altLang="en-US"/>
+          </a:p>
+        </p:txBody>
+      </p:sp>
+      <p:sp>
+        <p:nvSpPr>
+          <p:cNvPr id="3" name="내용 개체 틀 2"/>
+          <p:cNvSpPr>
+            <a:spLocks noGrp="1"/>
+          </p:cNvSpPr>
+          <p:nvPr>
+            <p:ph idx="1"/>
+          </p:nvPr>
+        </p:nvSpPr>
+        <p:spPr/>
+        <p:txBody>
+          <a:bodyPr/>
+          <a:lstStyle/>
+          <a:p>
+            <a:endParaRPr lang="ko-KR" altLang="en-US"/>
+          </a:p>
+        </p:txBody>
+      </p:sp>
+    </p:spTree>
+    <p:extLst>
+      <p:ext uri="{BB962C8B-B14F-4D97-AF65-F5344CB8AC3E}">
+        <p14:creationId xmlns:p14="http://schemas.microsoft.com/office/powerpoint/2010/main" val="1327338083"/>
+      </p:ext>
+    </p:extLst>
+  </p:cSld>
+  <p:clrMapOvr>
+    <a:masterClrMapping/>
+  </p:clrMapOvr>
+</p:sld>
+</file>
+
+<file path=ppt/slides/slide7.xml><?xml version="1.0" encoding="utf-8"?>
+<p:sld xmlns:a="http://schemas.openxmlformats.org/drawingml/2006/main" xmlns:r="http://schemas.openxmlformats.org/officeDocument/2006/relationships" xmlns:p="http://schemas.openxmlformats.org/presentationml/2006/main">
+  <p:cSld>
+    <p:spTree>
+      <p:nvGrpSpPr>
+        <p:cNvPr id="1" name=""/>
+        <p:cNvGrpSpPr/>
+        <p:nvPr/>
+      </p:nvGrpSpPr>
+      <p:grpSpPr>
+        <a:xfrm>
+          <a:off x="0" y="0"/>
+          <a:ext cx="0" cy="0"/>
+          <a:chOff x="0" y="0"/>
+          <a:chExt cx="0" cy="0"/>
+        </a:xfrm>
+      </p:grpSpPr>
+      <p:sp>
+        <p:nvSpPr>
+          <p:cNvPr id="2" name="제목 1">
+            <a:extLst>
+              <a:ext uri="{FF2B5EF4-FFF2-40B4-BE49-F238E27FC236}">
+                <a16:creationId xmlns:a16="http://schemas.microsoft.com/office/drawing/2014/main" id="{8738443D-5E72-49E2-86AC-581D61C41C39}"/>
+              </a:ext>
+            </a:extLst>
+          </p:cNvPr>
+          <p:cNvSpPr>
+            <a:spLocks noGrp="1"/>
+          </p:cNvSpPr>
+          <p:nvPr>
+            <p:ph type="title"/>
+          </p:nvPr>
+        </p:nvSpPr>
         <p:spPr>
           <a:xfrm>
             <a:off x="457200" y="-92546"/>
@@ -12054,7 +14354,7 @@
           <p:cNvPr id="11" name="그룹 10">
             <a:extLst>
               <a:ext uri="{FF2B5EF4-FFF2-40B4-BE49-F238E27FC236}">
-                <a16:creationId xmlns="" xmlns:a16="http://schemas.microsoft.com/office/drawing/2014/main" id="{A3600E39-BA08-4E0B-B5FE-308568D4E97E}"/>
+                <a16:creationId xmlns:a16="http://schemas.microsoft.com/office/drawing/2014/main" id="{A3600E39-BA08-4E0B-B5FE-308568D4E97E}"/>
               </a:ext>
             </a:extLst>
           </p:cNvPr>
@@ -12074,7 +14374,7 @@
             <p:cNvPr id="4" name="모서리가 둥근 직사각형 18">
               <a:extLst>
                 <a:ext uri="{FF2B5EF4-FFF2-40B4-BE49-F238E27FC236}">
-                  <a16:creationId xmlns="" xmlns:a16="http://schemas.microsoft.com/office/drawing/2014/main" id="{90910971-3F87-488C-9CD0-4E04E8DEA3B0}"/>
+                  <a16:creationId xmlns:a16="http://schemas.microsoft.com/office/drawing/2014/main" id="{90910971-3F87-488C-9CD0-4E04E8DEA3B0}"/>
                 </a:ext>
               </a:extLst>
             </p:cNvPr>
@@ -12124,7 +14424,7 @@
             <p:cNvPr id="6" name="모서리가 둥근 직사각형 18">
               <a:extLst>
                 <a:ext uri="{FF2B5EF4-FFF2-40B4-BE49-F238E27FC236}">
-                  <a16:creationId xmlns="" xmlns:a16="http://schemas.microsoft.com/office/drawing/2014/main" id="{F5302ADF-D203-4131-A3B2-4F84C5314C62}"/>
+                  <a16:creationId xmlns:a16="http://schemas.microsoft.com/office/drawing/2014/main" id="{F5302ADF-D203-4131-A3B2-4F84C5314C62}"/>
                 </a:ext>
               </a:extLst>
             </p:cNvPr>
@@ -12175,7 +14475,7 @@
           <p:cNvPr id="30" name="타원 29">
             <a:extLst>
               <a:ext uri="{FF2B5EF4-FFF2-40B4-BE49-F238E27FC236}">
-                <a16:creationId xmlns="" xmlns:a16="http://schemas.microsoft.com/office/drawing/2014/main" id="{0006BDA6-9444-4FFD-B5BD-EED6E274CFFA}"/>
+                <a16:creationId xmlns:a16="http://schemas.microsoft.com/office/drawing/2014/main" id="{0006BDA6-9444-4FFD-B5BD-EED6E274CFFA}"/>
               </a:ext>
             </a:extLst>
           </p:cNvPr>
@@ -12223,7 +14523,7 @@
           <p:cNvPr id="33" name="그룹 32">
             <a:extLst>
               <a:ext uri="{FF2B5EF4-FFF2-40B4-BE49-F238E27FC236}">
-                <a16:creationId xmlns="" xmlns:a16="http://schemas.microsoft.com/office/drawing/2014/main" id="{9A86C010-2B27-4338-B55B-6A29AE919A29}"/>
+                <a16:creationId xmlns:a16="http://schemas.microsoft.com/office/drawing/2014/main" id="{9A86C010-2B27-4338-B55B-6A29AE919A29}"/>
               </a:ext>
             </a:extLst>
           </p:cNvPr>
@@ -12243,7 +14543,7 @@
             <p:cNvPr id="25" name="모서리가 둥근 직사각형 18">
               <a:extLst>
                 <a:ext uri="{FF2B5EF4-FFF2-40B4-BE49-F238E27FC236}">
-                  <a16:creationId xmlns="" xmlns:a16="http://schemas.microsoft.com/office/drawing/2014/main" id="{6AEE18CE-E129-4D51-AA94-179034642DC8}"/>
+                  <a16:creationId xmlns:a16="http://schemas.microsoft.com/office/drawing/2014/main" id="{6AEE18CE-E129-4D51-AA94-179034642DC8}"/>
                 </a:ext>
               </a:extLst>
             </p:cNvPr>
@@ -12293,7 +14593,7 @@
             <p:cNvPr id="26" name="모서리가 둥근 직사각형 18">
               <a:extLst>
                 <a:ext uri="{FF2B5EF4-FFF2-40B4-BE49-F238E27FC236}">
-                  <a16:creationId xmlns="" xmlns:a16="http://schemas.microsoft.com/office/drawing/2014/main" id="{D48DB822-70CE-4692-84EA-0B6DB2416FCB}"/>
+                  <a16:creationId xmlns:a16="http://schemas.microsoft.com/office/drawing/2014/main" id="{D48DB822-70CE-4692-84EA-0B6DB2416FCB}"/>
                 </a:ext>
               </a:extLst>
             </p:cNvPr>
@@ -12343,7 +14643,7 @@
             <p:cNvPr id="29" name="타원 28">
               <a:extLst>
                 <a:ext uri="{FF2B5EF4-FFF2-40B4-BE49-F238E27FC236}">
-                  <a16:creationId xmlns="" xmlns:a16="http://schemas.microsoft.com/office/drawing/2014/main" id="{2BEC81A8-29EC-4B48-BA5A-8B4A17017AFB}"/>
+                  <a16:creationId xmlns:a16="http://schemas.microsoft.com/office/drawing/2014/main" id="{2BEC81A8-29EC-4B48-BA5A-8B4A17017AFB}"/>
                 </a:ext>
               </a:extLst>
             </p:cNvPr>
@@ -12391,7 +14691,7 @@
             <p:cNvPr id="32" name="타원 31">
               <a:extLst>
                 <a:ext uri="{FF2B5EF4-FFF2-40B4-BE49-F238E27FC236}">
-                  <a16:creationId xmlns="" xmlns:a16="http://schemas.microsoft.com/office/drawing/2014/main" id="{063B64BF-6FC2-4B18-B822-0D3C058F948F}"/>
+                  <a16:creationId xmlns:a16="http://schemas.microsoft.com/office/drawing/2014/main" id="{063B64BF-6FC2-4B18-B822-0D3C058F948F}"/>
                 </a:ext>
               </a:extLst>
             </p:cNvPr>
@@ -12440,7 +14740,7 @@
           <p:cNvPr id="34" name="그룹 33">
             <a:extLst>
               <a:ext uri="{FF2B5EF4-FFF2-40B4-BE49-F238E27FC236}">
-                <a16:creationId xmlns="" xmlns:a16="http://schemas.microsoft.com/office/drawing/2014/main" id="{9BE38D30-A714-43C7-A232-EC5DC17B29CB}"/>
+                <a16:creationId xmlns:a16="http://schemas.microsoft.com/office/drawing/2014/main" id="{9BE38D30-A714-43C7-A232-EC5DC17B29CB}"/>
               </a:ext>
             </a:extLst>
           </p:cNvPr>
@@ -12460,7 +14760,7 @@
             <p:cNvPr id="35" name="모서리가 둥근 직사각형 18">
               <a:extLst>
                 <a:ext uri="{FF2B5EF4-FFF2-40B4-BE49-F238E27FC236}">
-                  <a16:creationId xmlns="" xmlns:a16="http://schemas.microsoft.com/office/drawing/2014/main" id="{C82D4484-29CF-4C5C-94F6-3E611E578082}"/>
+                  <a16:creationId xmlns:a16="http://schemas.microsoft.com/office/drawing/2014/main" id="{C82D4484-29CF-4C5C-94F6-3E611E578082}"/>
                 </a:ext>
               </a:extLst>
             </p:cNvPr>
@@ -12510,7 +14810,7 @@
             <p:cNvPr id="36" name="모서리가 둥근 직사각형 18">
               <a:extLst>
                 <a:ext uri="{FF2B5EF4-FFF2-40B4-BE49-F238E27FC236}">
-                  <a16:creationId xmlns="" xmlns:a16="http://schemas.microsoft.com/office/drawing/2014/main" id="{49DD9DEF-515F-4613-B0A2-804648D3051B}"/>
+                  <a16:creationId xmlns:a16="http://schemas.microsoft.com/office/drawing/2014/main" id="{49DD9DEF-515F-4613-B0A2-804648D3051B}"/>
                 </a:ext>
               </a:extLst>
             </p:cNvPr>
@@ -12560,7 +14860,7 @@
             <p:cNvPr id="37" name="타원 36">
               <a:extLst>
                 <a:ext uri="{FF2B5EF4-FFF2-40B4-BE49-F238E27FC236}">
-                  <a16:creationId xmlns="" xmlns:a16="http://schemas.microsoft.com/office/drawing/2014/main" id="{D329FBA2-B77D-4E7E-BF42-A15EA9A82853}"/>
+                  <a16:creationId xmlns:a16="http://schemas.microsoft.com/office/drawing/2014/main" id="{D329FBA2-B77D-4E7E-BF42-A15EA9A82853}"/>
                 </a:ext>
               </a:extLst>
             </p:cNvPr>
@@ -12608,7 +14908,7 @@
             <p:cNvPr id="38" name="타원 37">
               <a:extLst>
                 <a:ext uri="{FF2B5EF4-FFF2-40B4-BE49-F238E27FC236}">
-                  <a16:creationId xmlns="" xmlns:a16="http://schemas.microsoft.com/office/drawing/2014/main" id="{8CB86B7F-4412-4AF3-B74B-6B6EF03CD3DA}"/>
+                  <a16:creationId xmlns:a16="http://schemas.microsoft.com/office/drawing/2014/main" id="{8CB86B7F-4412-4AF3-B74B-6B6EF03CD3DA}"/>
                 </a:ext>
               </a:extLst>
             </p:cNvPr>
@@ -12657,7 +14957,7 @@
           <p:cNvPr id="39" name="그룹 38">
             <a:extLst>
               <a:ext uri="{FF2B5EF4-FFF2-40B4-BE49-F238E27FC236}">
-                <a16:creationId xmlns="" xmlns:a16="http://schemas.microsoft.com/office/drawing/2014/main" id="{041B3429-195D-4E8E-A031-AFDBF3481C8B}"/>
+                <a16:creationId xmlns:a16="http://schemas.microsoft.com/office/drawing/2014/main" id="{041B3429-195D-4E8E-A031-AFDBF3481C8B}"/>
               </a:ext>
             </a:extLst>
           </p:cNvPr>
@@ -12677,7 +14977,7 @@
             <p:cNvPr id="40" name="모서리가 둥근 직사각형 18">
               <a:extLst>
                 <a:ext uri="{FF2B5EF4-FFF2-40B4-BE49-F238E27FC236}">
-                  <a16:creationId xmlns="" xmlns:a16="http://schemas.microsoft.com/office/drawing/2014/main" id="{8BCD1206-46E7-48C1-8D0E-79201C2239CB}"/>
+                  <a16:creationId xmlns:a16="http://schemas.microsoft.com/office/drawing/2014/main" id="{8BCD1206-46E7-48C1-8D0E-79201C2239CB}"/>
                 </a:ext>
               </a:extLst>
             </p:cNvPr>
@@ -12727,7 +15027,7 @@
             <p:cNvPr id="41" name="모서리가 둥근 직사각형 18">
               <a:extLst>
                 <a:ext uri="{FF2B5EF4-FFF2-40B4-BE49-F238E27FC236}">
-                  <a16:creationId xmlns="" xmlns:a16="http://schemas.microsoft.com/office/drawing/2014/main" id="{8385447B-8931-4CDC-A0D2-091BF7CB022F}"/>
+                  <a16:creationId xmlns:a16="http://schemas.microsoft.com/office/drawing/2014/main" id="{8385447B-8931-4CDC-A0D2-091BF7CB022F}"/>
                 </a:ext>
               </a:extLst>
             </p:cNvPr>
@@ -12777,7 +15077,7 @@
             <p:cNvPr id="42" name="타원 41">
               <a:extLst>
                 <a:ext uri="{FF2B5EF4-FFF2-40B4-BE49-F238E27FC236}">
-                  <a16:creationId xmlns="" xmlns:a16="http://schemas.microsoft.com/office/drawing/2014/main" id="{F1C4200D-7DB9-4A55-AAFB-2DA167EC27B7}"/>
+                  <a16:creationId xmlns:a16="http://schemas.microsoft.com/office/drawing/2014/main" id="{F1C4200D-7DB9-4A55-AAFB-2DA167EC27B7}"/>
                 </a:ext>
               </a:extLst>
             </p:cNvPr>
@@ -12825,7 +15125,7 @@
             <p:cNvPr id="43" name="타원 42">
               <a:extLst>
                 <a:ext uri="{FF2B5EF4-FFF2-40B4-BE49-F238E27FC236}">
-                  <a16:creationId xmlns="" xmlns:a16="http://schemas.microsoft.com/office/drawing/2014/main" id="{4DD7207F-BE20-4232-B346-EA201B5A8D78}"/>
+                  <a16:creationId xmlns:a16="http://schemas.microsoft.com/office/drawing/2014/main" id="{4DD7207F-BE20-4232-B346-EA201B5A8D78}"/>
                 </a:ext>
               </a:extLst>
             </p:cNvPr>
@@ -12874,7 +15174,7 @@
           <p:cNvPr id="45" name="직선 화살표 연결선 44">
             <a:extLst>
               <a:ext uri="{FF2B5EF4-FFF2-40B4-BE49-F238E27FC236}">
-                <a16:creationId xmlns="" xmlns:a16="http://schemas.microsoft.com/office/drawing/2014/main" id="{63CD95EA-9302-411A-9FCB-C8FDCBFA495D}"/>
+                <a16:creationId xmlns:a16="http://schemas.microsoft.com/office/drawing/2014/main" id="{63CD95EA-9302-411A-9FCB-C8FDCBFA495D}"/>
               </a:ext>
             </a:extLst>
           </p:cNvPr>
@@ -12921,7 +15221,7 @@
           <p:cNvPr id="48" name="직선 화살표 연결선 47">
             <a:extLst>
               <a:ext uri="{FF2B5EF4-FFF2-40B4-BE49-F238E27FC236}">
-                <a16:creationId xmlns="" xmlns:a16="http://schemas.microsoft.com/office/drawing/2014/main" id="{A9100779-8D7F-447C-B48B-26391BE18849}"/>
+                <a16:creationId xmlns:a16="http://schemas.microsoft.com/office/drawing/2014/main" id="{A9100779-8D7F-447C-B48B-26391BE18849}"/>
               </a:ext>
             </a:extLst>
           </p:cNvPr>
@@ -12968,7 +15268,7 @@
           <p:cNvPr id="51" name="직선 화살표 연결선 50">
             <a:extLst>
               <a:ext uri="{FF2B5EF4-FFF2-40B4-BE49-F238E27FC236}">
-                <a16:creationId xmlns="" xmlns:a16="http://schemas.microsoft.com/office/drawing/2014/main" id="{3933F28B-AC51-417E-BC5B-2AD39C7EFC81}"/>
+                <a16:creationId xmlns:a16="http://schemas.microsoft.com/office/drawing/2014/main" id="{3933F28B-AC51-417E-BC5B-2AD39C7EFC81}"/>
               </a:ext>
             </a:extLst>
           </p:cNvPr>
@@ -13015,7 +15315,7 @@
           <p:cNvPr id="54" name="직선 화살표 연결선 53">
             <a:extLst>
               <a:ext uri="{FF2B5EF4-FFF2-40B4-BE49-F238E27FC236}">
-                <a16:creationId xmlns="" xmlns:a16="http://schemas.microsoft.com/office/drawing/2014/main" id="{6AA93637-C65C-4B5A-8B53-8E544BBE6A7F}"/>
+                <a16:creationId xmlns:a16="http://schemas.microsoft.com/office/drawing/2014/main" id="{6AA93637-C65C-4B5A-8B53-8E544BBE6A7F}"/>
               </a:ext>
             </a:extLst>
           </p:cNvPr>
@@ -13062,7 +15362,7 @@
           <p:cNvPr id="57" name="직선 화살표 연결선 56">
             <a:extLst>
               <a:ext uri="{FF2B5EF4-FFF2-40B4-BE49-F238E27FC236}">
-                <a16:creationId xmlns="" xmlns:a16="http://schemas.microsoft.com/office/drawing/2014/main" id="{3A100D49-C29F-4AB6-B28A-334EF96F16AF}"/>
+                <a16:creationId xmlns:a16="http://schemas.microsoft.com/office/drawing/2014/main" id="{3A100D49-C29F-4AB6-B28A-334EF96F16AF}"/>
               </a:ext>
             </a:extLst>
           </p:cNvPr>
@@ -13109,7 +15409,7 @@
           <p:cNvPr id="60" name="직선 화살표 연결선 59">
             <a:extLst>
               <a:ext uri="{FF2B5EF4-FFF2-40B4-BE49-F238E27FC236}">
-                <a16:creationId xmlns="" xmlns:a16="http://schemas.microsoft.com/office/drawing/2014/main" id="{4DEC1018-A708-4DC7-B2AD-00ABDB42B1D6}"/>
+                <a16:creationId xmlns:a16="http://schemas.microsoft.com/office/drawing/2014/main" id="{4DEC1018-A708-4DC7-B2AD-00ABDB42B1D6}"/>
               </a:ext>
             </a:extLst>
           </p:cNvPr>
@@ -13156,7 +15456,7 @@
           <p:cNvPr id="65" name="직선 화살표 연결선 64">
             <a:extLst>
               <a:ext uri="{FF2B5EF4-FFF2-40B4-BE49-F238E27FC236}">
-                <a16:creationId xmlns="" xmlns:a16="http://schemas.microsoft.com/office/drawing/2014/main" id="{795CA74B-6E12-4088-BBAC-31A825D66510}"/>
+                <a16:creationId xmlns:a16="http://schemas.microsoft.com/office/drawing/2014/main" id="{795CA74B-6E12-4088-BBAC-31A825D66510}"/>
               </a:ext>
             </a:extLst>
           </p:cNvPr>
@@ -13203,7 +15503,7 @@
           <p:cNvPr id="68" name="직선 화살표 연결선 67">
             <a:extLst>
               <a:ext uri="{FF2B5EF4-FFF2-40B4-BE49-F238E27FC236}">
-                <a16:creationId xmlns="" xmlns:a16="http://schemas.microsoft.com/office/drawing/2014/main" id="{0F057480-7171-4B87-B299-002A985D1F30}"/>
+                <a16:creationId xmlns:a16="http://schemas.microsoft.com/office/drawing/2014/main" id="{0F057480-7171-4B87-B299-002A985D1F30}"/>
               </a:ext>
             </a:extLst>
           </p:cNvPr>
@@ -13252,7 +15552,7 @@
           <p:cNvPr id="71" name="직선 화살표 연결선 70">
             <a:extLst>
               <a:ext uri="{FF2B5EF4-FFF2-40B4-BE49-F238E27FC236}">
-                <a16:creationId xmlns="" xmlns:a16="http://schemas.microsoft.com/office/drawing/2014/main" id="{3F847CB0-C800-488D-9A1C-5C275B3B32E1}"/>
+                <a16:creationId xmlns:a16="http://schemas.microsoft.com/office/drawing/2014/main" id="{3F847CB0-C800-488D-9A1C-5C275B3B32E1}"/>
               </a:ext>
             </a:extLst>
           </p:cNvPr>
@@ -13301,7 +15601,7 @@
           <p:cNvPr id="75" name="직선 화살표 연결선 74">
             <a:extLst>
               <a:ext uri="{FF2B5EF4-FFF2-40B4-BE49-F238E27FC236}">
-                <a16:creationId xmlns="" xmlns:a16="http://schemas.microsoft.com/office/drawing/2014/main" id="{3E79A9E3-D35C-4D13-9C35-D56D0A88D17F}"/>
+                <a16:creationId xmlns:a16="http://schemas.microsoft.com/office/drawing/2014/main" id="{3E79A9E3-D35C-4D13-9C35-D56D0A88D17F}"/>
               </a:ext>
             </a:extLst>
           </p:cNvPr>
@@ -13350,7 +15650,7 @@
           <p:cNvPr id="98" name="그룹 97">
             <a:extLst>
               <a:ext uri="{FF2B5EF4-FFF2-40B4-BE49-F238E27FC236}">
-                <a16:creationId xmlns="" xmlns:a16="http://schemas.microsoft.com/office/drawing/2014/main" id="{B2F6CFF1-DF54-4F02-88FB-F2B7EAF8E248}"/>
+                <a16:creationId xmlns:a16="http://schemas.microsoft.com/office/drawing/2014/main" id="{B2F6CFF1-DF54-4F02-88FB-F2B7EAF8E248}"/>
               </a:ext>
             </a:extLst>
           </p:cNvPr>
@@ -13370,7 +15670,7 @@
             <p:cNvPr id="79" name="직선 화살표 연결선 78">
               <a:extLst>
                 <a:ext uri="{FF2B5EF4-FFF2-40B4-BE49-F238E27FC236}">
-                  <a16:creationId xmlns="" xmlns:a16="http://schemas.microsoft.com/office/drawing/2014/main" id="{FEDAA768-BFC9-4E6D-9A55-597FD6687A4E}"/>
+                  <a16:creationId xmlns:a16="http://schemas.microsoft.com/office/drawing/2014/main" id="{FEDAA768-BFC9-4E6D-9A55-597FD6687A4E}"/>
                 </a:ext>
               </a:extLst>
             </p:cNvPr>
@@ -13418,7 +15718,7 @@
             <p:cNvPr id="82" name="TextBox 81">
               <a:extLst>
                 <a:ext uri="{FF2B5EF4-FFF2-40B4-BE49-F238E27FC236}">
-                  <a16:creationId xmlns="" xmlns:a16="http://schemas.microsoft.com/office/drawing/2014/main" id="{08C76C99-553F-4622-9C6A-7756B2CFA84F}"/>
+                  <a16:creationId xmlns:a16="http://schemas.microsoft.com/office/drawing/2014/main" id="{08C76C99-553F-4622-9C6A-7756B2CFA84F}"/>
                 </a:ext>
               </a:extLst>
             </p:cNvPr>
@@ -13455,7 +15755,7 @@
             <p:cNvPr id="85" name="직선 화살표 연결선 84">
               <a:extLst>
                 <a:ext uri="{FF2B5EF4-FFF2-40B4-BE49-F238E27FC236}">
-                  <a16:creationId xmlns="" xmlns:a16="http://schemas.microsoft.com/office/drawing/2014/main" id="{BCF7F299-0FD2-4EDF-891C-D717BDED0371}"/>
+                  <a16:creationId xmlns:a16="http://schemas.microsoft.com/office/drawing/2014/main" id="{BCF7F299-0FD2-4EDF-891C-D717BDED0371}"/>
                 </a:ext>
               </a:extLst>
             </p:cNvPr>
@@ -13501,7 +15801,7 @@
             <p:cNvPr id="86" name="TextBox 85">
               <a:extLst>
                 <a:ext uri="{FF2B5EF4-FFF2-40B4-BE49-F238E27FC236}">
-                  <a16:creationId xmlns="" xmlns:a16="http://schemas.microsoft.com/office/drawing/2014/main" id="{2AEA4195-EC52-4EB4-BC56-00DCD87AC0CA}"/>
+                  <a16:creationId xmlns:a16="http://schemas.microsoft.com/office/drawing/2014/main" id="{2AEA4195-EC52-4EB4-BC56-00DCD87AC0CA}"/>
                 </a:ext>
               </a:extLst>
             </p:cNvPr>
@@ -13526,11 +15826,11 @@
             <a:p>
               <a:pPr algn="ctr"/>
               <a:r>
-                <a:rPr lang="en-US" altLang="ko-KR" sz="1400" dirty="0" err="1" smtClean="0"/>
+                <a:rPr lang="en-US" altLang="ko-KR" sz="1400" dirty="0" err="1"/>
                 <a:t>Proces</a:t>
               </a:r>
               <a:r>
-                <a:rPr lang="en-US" altLang="ko-KR" sz="1400" dirty="0" smtClean="0"/>
+                <a:rPr lang="en-US" altLang="ko-KR" sz="1400" dirty="0"/>
                 <a:t> Status</a:t>
               </a:r>
               <a:endParaRPr lang="ko-KR" altLang="en-US" sz="1400" dirty="0"/>
@@ -13542,7 +15842,7 @@
             <p:cNvPr id="87" name="직선 화살표 연결선 86">
               <a:extLst>
                 <a:ext uri="{FF2B5EF4-FFF2-40B4-BE49-F238E27FC236}">
-                  <a16:creationId xmlns="" xmlns:a16="http://schemas.microsoft.com/office/drawing/2014/main" id="{DB4483B7-6B6E-4872-82B2-9F46BC8C4410}"/>
+                  <a16:creationId xmlns:a16="http://schemas.microsoft.com/office/drawing/2014/main" id="{DB4483B7-6B6E-4872-82B2-9F46BC8C4410}"/>
                 </a:ext>
               </a:extLst>
             </p:cNvPr>
@@ -13588,7 +15888,7 @@
             <p:cNvPr id="88" name="TextBox 87">
               <a:extLst>
                 <a:ext uri="{FF2B5EF4-FFF2-40B4-BE49-F238E27FC236}">
-                  <a16:creationId xmlns="" xmlns:a16="http://schemas.microsoft.com/office/drawing/2014/main" id="{E48ABFB1-B00A-4E38-8BD4-CD95ECE0BA7A}"/>
+                  <a16:creationId xmlns:a16="http://schemas.microsoft.com/office/drawing/2014/main" id="{E48ABFB1-B00A-4E38-8BD4-CD95ECE0BA7A}"/>
                 </a:ext>
               </a:extLst>
             </p:cNvPr>
@@ -13625,7 +15925,7 @@
             <p:cNvPr id="89" name="직선 화살표 연결선 88">
               <a:extLst>
                 <a:ext uri="{FF2B5EF4-FFF2-40B4-BE49-F238E27FC236}">
-                  <a16:creationId xmlns="" xmlns:a16="http://schemas.microsoft.com/office/drawing/2014/main" id="{DBE2957A-8326-4EB5-88A9-1B4699318030}"/>
+                  <a16:creationId xmlns:a16="http://schemas.microsoft.com/office/drawing/2014/main" id="{DBE2957A-8326-4EB5-88A9-1B4699318030}"/>
                 </a:ext>
               </a:extLst>
             </p:cNvPr>
@@ -13673,7 +15973,7 @@
             <p:cNvPr id="90" name="TextBox 89">
               <a:extLst>
                 <a:ext uri="{FF2B5EF4-FFF2-40B4-BE49-F238E27FC236}">
-                  <a16:creationId xmlns="" xmlns:a16="http://schemas.microsoft.com/office/drawing/2014/main" id="{B1BA5C7E-8007-4B30-8EFA-359BE83561CF}"/>
+                  <a16:creationId xmlns:a16="http://schemas.microsoft.com/office/drawing/2014/main" id="{B1BA5C7E-8007-4B30-8EFA-359BE83561CF}"/>
                 </a:ext>
               </a:extLst>
             </p:cNvPr>
@@ -13719,7 +16019,7 @@
 </p:sld>
 </file>
 
-<file path=ppt/slides/slide7.xml><?xml version="1.0" encoding="utf-8"?>
+<file path=ppt/slides/slide8.xml><?xml version="1.0" encoding="utf-8"?>
 <p:sld xmlns:a="http://schemas.openxmlformats.org/drawingml/2006/main" xmlns:r="http://schemas.openxmlformats.org/officeDocument/2006/relationships" xmlns:p="http://schemas.openxmlformats.org/presentationml/2006/main">
   <p:cSld>
     <p:spTree>
@@ -13741,7 +16041,7 @@
           <p:cNvPr id="2" name="제목 1">
             <a:extLst>
               <a:ext uri="{FF2B5EF4-FFF2-40B4-BE49-F238E27FC236}">
-                <a16:creationId xmlns:a16="http://schemas.microsoft.com/office/drawing/2014/main" xmlns="" id="{8738443D-5E72-49E2-86AC-581D61C41C39}"/>
+                <a16:creationId xmlns:a16="http://schemas.microsoft.com/office/drawing/2014/main" id="{8738443D-5E72-49E2-86AC-581D61C41C39}"/>
               </a:ext>
             </a:extLst>
           </p:cNvPr>
@@ -13775,7 +16075,7 @@
           <p:cNvPr id="4" name="모서리가 둥근 직사각형 18">
             <a:extLst>
               <a:ext uri="{FF2B5EF4-FFF2-40B4-BE49-F238E27FC236}">
-                <a16:creationId xmlns:a16="http://schemas.microsoft.com/office/drawing/2014/main" xmlns="" id="{90910971-3F87-488C-9CD0-4E04E8DEA3B0}"/>
+                <a16:creationId xmlns:a16="http://schemas.microsoft.com/office/drawing/2014/main" id="{90910971-3F87-488C-9CD0-4E04E8DEA3B0}"/>
               </a:ext>
             </a:extLst>
           </p:cNvPr>
@@ -13825,7 +16125,7 @@
           <p:cNvPr id="6" name="모서리가 둥근 직사각형 18">
             <a:extLst>
               <a:ext uri="{FF2B5EF4-FFF2-40B4-BE49-F238E27FC236}">
-                <a16:creationId xmlns:a16="http://schemas.microsoft.com/office/drawing/2014/main" xmlns="" id="{F5302ADF-D203-4131-A3B2-4F84C5314C62}"/>
+                <a16:creationId xmlns:a16="http://schemas.microsoft.com/office/drawing/2014/main" id="{F5302ADF-D203-4131-A3B2-4F84C5314C62}"/>
               </a:ext>
             </a:extLst>
           </p:cNvPr>
@@ -13875,7 +16175,7 @@
           <p:cNvPr id="30" name="타원 29">
             <a:extLst>
               <a:ext uri="{FF2B5EF4-FFF2-40B4-BE49-F238E27FC236}">
-                <a16:creationId xmlns:a16="http://schemas.microsoft.com/office/drawing/2014/main" xmlns="" id="{0006BDA6-9444-4FFD-B5BD-EED6E274CFFA}"/>
+                <a16:creationId xmlns:a16="http://schemas.microsoft.com/office/drawing/2014/main" id="{0006BDA6-9444-4FFD-B5BD-EED6E274CFFA}"/>
               </a:ext>
             </a:extLst>
           </p:cNvPr>
@@ -13923,7 +16223,7 @@
           <p:cNvPr id="33" name="그룹 32">
             <a:extLst>
               <a:ext uri="{FF2B5EF4-FFF2-40B4-BE49-F238E27FC236}">
-                <a16:creationId xmlns:a16="http://schemas.microsoft.com/office/drawing/2014/main" xmlns="" id="{9A86C010-2B27-4338-B55B-6A29AE919A29}"/>
+                <a16:creationId xmlns:a16="http://schemas.microsoft.com/office/drawing/2014/main" id="{9A86C010-2B27-4338-B55B-6A29AE919A29}"/>
               </a:ext>
             </a:extLst>
           </p:cNvPr>
@@ -13943,7 +16243,7 @@
             <p:cNvPr id="25" name="모서리가 둥근 직사각형 18">
               <a:extLst>
                 <a:ext uri="{FF2B5EF4-FFF2-40B4-BE49-F238E27FC236}">
-                  <a16:creationId xmlns:a16="http://schemas.microsoft.com/office/drawing/2014/main" xmlns="" id="{6AEE18CE-E129-4D51-AA94-179034642DC8}"/>
+                  <a16:creationId xmlns:a16="http://schemas.microsoft.com/office/drawing/2014/main" id="{6AEE18CE-E129-4D51-AA94-179034642DC8}"/>
                 </a:ext>
               </a:extLst>
             </p:cNvPr>
@@ -13993,7 +16293,7 @@
             <p:cNvPr id="26" name="모서리가 둥근 직사각형 18">
               <a:extLst>
                 <a:ext uri="{FF2B5EF4-FFF2-40B4-BE49-F238E27FC236}">
-                  <a16:creationId xmlns:a16="http://schemas.microsoft.com/office/drawing/2014/main" xmlns="" id="{D48DB822-70CE-4692-84EA-0B6DB2416FCB}"/>
+                  <a16:creationId xmlns:a16="http://schemas.microsoft.com/office/drawing/2014/main" id="{D48DB822-70CE-4692-84EA-0B6DB2416FCB}"/>
                 </a:ext>
               </a:extLst>
             </p:cNvPr>
@@ -14043,7 +16343,7 @@
             <p:cNvPr id="29" name="타원 28">
               <a:extLst>
                 <a:ext uri="{FF2B5EF4-FFF2-40B4-BE49-F238E27FC236}">
-                  <a16:creationId xmlns:a16="http://schemas.microsoft.com/office/drawing/2014/main" xmlns="" id="{2BEC81A8-29EC-4B48-BA5A-8B4A17017AFB}"/>
+                  <a16:creationId xmlns:a16="http://schemas.microsoft.com/office/drawing/2014/main" id="{2BEC81A8-29EC-4B48-BA5A-8B4A17017AFB}"/>
                 </a:ext>
               </a:extLst>
             </p:cNvPr>
@@ -14085,14 +16385,14 @@
             <a:p>
               <a:pPr algn="ctr"/>
               <a:r>
-                <a:rPr lang="en-US" altLang="ko-KR" sz="1200" dirty="0" smtClean="0"/>
+                <a:rPr lang="en-US" altLang="ko-KR" sz="1200" dirty="0"/>
                 <a:t>Container - </a:t>
               </a:r>
             </a:p>
             <a:p>
               <a:pPr algn="ctr"/>
               <a:r>
-                <a:rPr lang="en-US" altLang="ko-KR" sz="1200" dirty="0" smtClean="0"/>
+                <a:rPr lang="en-US" altLang="ko-KR" sz="1200" dirty="0"/>
                 <a:t>App A</a:t>
               </a:r>
               <a:endParaRPr lang="ko-KR" altLang="en-US" sz="1200" dirty="0"/>
@@ -14104,7 +16404,7 @@
             <p:cNvPr id="32" name="타원 31">
               <a:extLst>
                 <a:ext uri="{FF2B5EF4-FFF2-40B4-BE49-F238E27FC236}">
-                  <a16:creationId xmlns:a16="http://schemas.microsoft.com/office/drawing/2014/main" xmlns="" id="{063B64BF-6FC2-4B18-B822-0D3C058F948F}"/>
+                  <a16:creationId xmlns:a16="http://schemas.microsoft.com/office/drawing/2014/main" id="{063B64BF-6FC2-4B18-B822-0D3C058F948F}"/>
                 </a:ext>
               </a:extLst>
             </p:cNvPr>
@@ -14146,7 +16446,7 @@
             <a:p>
               <a:pPr algn="ctr"/>
               <a:r>
-                <a:rPr lang="en-US" altLang="ko-KR" sz="1100" dirty="0" smtClean="0"/>
+                <a:rPr lang="en-US" altLang="ko-KR" sz="1100" dirty="0"/>
                 <a:t>Container - App Master B</a:t>
               </a:r>
               <a:endParaRPr lang="ko-KR" altLang="en-US" sz="1100" dirty="0"/>
@@ -14159,7 +16459,7 @@
           <p:cNvPr id="34" name="그룹 33">
             <a:extLst>
               <a:ext uri="{FF2B5EF4-FFF2-40B4-BE49-F238E27FC236}">
-                <a16:creationId xmlns:a16="http://schemas.microsoft.com/office/drawing/2014/main" xmlns="" id="{9BE38D30-A714-43C7-A232-EC5DC17B29CB}"/>
+                <a16:creationId xmlns:a16="http://schemas.microsoft.com/office/drawing/2014/main" id="{9BE38D30-A714-43C7-A232-EC5DC17B29CB}"/>
               </a:ext>
             </a:extLst>
           </p:cNvPr>
@@ -14179,7 +16479,7 @@
             <p:cNvPr id="35" name="모서리가 둥근 직사각형 18">
               <a:extLst>
                 <a:ext uri="{FF2B5EF4-FFF2-40B4-BE49-F238E27FC236}">
-                  <a16:creationId xmlns:a16="http://schemas.microsoft.com/office/drawing/2014/main" xmlns="" id="{C82D4484-29CF-4C5C-94F6-3E611E578082}"/>
+                  <a16:creationId xmlns:a16="http://schemas.microsoft.com/office/drawing/2014/main" id="{C82D4484-29CF-4C5C-94F6-3E611E578082}"/>
                 </a:ext>
               </a:extLst>
             </p:cNvPr>
@@ -14229,7 +16529,7 @@
             <p:cNvPr id="36" name="모서리가 둥근 직사각형 18">
               <a:extLst>
                 <a:ext uri="{FF2B5EF4-FFF2-40B4-BE49-F238E27FC236}">
-                  <a16:creationId xmlns:a16="http://schemas.microsoft.com/office/drawing/2014/main" xmlns="" id="{49DD9DEF-515F-4613-B0A2-804648D3051B}"/>
+                  <a16:creationId xmlns:a16="http://schemas.microsoft.com/office/drawing/2014/main" id="{49DD9DEF-515F-4613-B0A2-804648D3051B}"/>
                 </a:ext>
               </a:extLst>
             </p:cNvPr>
@@ -14279,7 +16579,7 @@
             <p:cNvPr id="37" name="타원 36">
               <a:extLst>
                 <a:ext uri="{FF2B5EF4-FFF2-40B4-BE49-F238E27FC236}">
-                  <a16:creationId xmlns:a16="http://schemas.microsoft.com/office/drawing/2014/main" xmlns="" id="{D329FBA2-B77D-4E7E-BF42-A15EA9A82853}"/>
+                  <a16:creationId xmlns:a16="http://schemas.microsoft.com/office/drawing/2014/main" id="{D329FBA2-B77D-4E7E-BF42-A15EA9A82853}"/>
                 </a:ext>
               </a:extLst>
             </p:cNvPr>
@@ -14321,14 +16621,14 @@
             <a:p>
               <a:pPr algn="ctr"/>
               <a:r>
-                <a:rPr lang="en-US" altLang="ko-KR" sz="1100" dirty="0" smtClean="0"/>
+                <a:rPr lang="en-US" altLang="ko-KR" sz="1100" dirty="0"/>
                 <a:t>Container -</a:t>
               </a:r>
             </a:p>
             <a:p>
               <a:pPr algn="ctr"/>
               <a:r>
-                <a:rPr lang="en-US" altLang="ko-KR" sz="1100" dirty="0" smtClean="0"/>
+                <a:rPr lang="en-US" altLang="ko-KR" sz="1100" dirty="0"/>
                 <a:t>App Master A</a:t>
               </a:r>
               <a:endParaRPr lang="ko-KR" altLang="en-US" sz="1100" dirty="0"/>
@@ -14340,7 +16640,7 @@
             <p:cNvPr id="38" name="타원 37">
               <a:extLst>
                 <a:ext uri="{FF2B5EF4-FFF2-40B4-BE49-F238E27FC236}">
-                  <a16:creationId xmlns:a16="http://schemas.microsoft.com/office/drawing/2014/main" xmlns="" id="{8CB86B7F-4412-4AF3-B74B-6B6EF03CD3DA}"/>
+                  <a16:creationId xmlns:a16="http://schemas.microsoft.com/office/drawing/2014/main" id="{8CB86B7F-4412-4AF3-B74B-6B6EF03CD3DA}"/>
                 </a:ext>
               </a:extLst>
             </p:cNvPr>
@@ -14382,14 +16682,14 @@
             <a:p>
               <a:pPr algn="ctr"/>
               <a:r>
-                <a:rPr lang="en-US" altLang="ko-KR" sz="1200" dirty="0" smtClean="0"/>
+                <a:rPr lang="en-US" altLang="ko-KR" sz="1200" dirty="0"/>
                 <a:t>Container - </a:t>
               </a:r>
             </a:p>
             <a:p>
               <a:pPr algn="ctr"/>
               <a:r>
-                <a:rPr lang="en-US" altLang="ko-KR" sz="1200" dirty="0" smtClean="0"/>
+                <a:rPr lang="en-US" altLang="ko-KR" sz="1200" dirty="0"/>
                 <a:t>App B</a:t>
               </a:r>
               <a:endParaRPr lang="ko-KR" altLang="en-US" sz="1200" dirty="0"/>
@@ -14402,7 +16702,7 @@
           <p:cNvPr id="39" name="그룹 38">
             <a:extLst>
               <a:ext uri="{FF2B5EF4-FFF2-40B4-BE49-F238E27FC236}">
-                <a16:creationId xmlns:a16="http://schemas.microsoft.com/office/drawing/2014/main" xmlns="" id="{041B3429-195D-4E8E-A031-AFDBF3481C8B}"/>
+                <a16:creationId xmlns:a16="http://schemas.microsoft.com/office/drawing/2014/main" id="{041B3429-195D-4E8E-A031-AFDBF3481C8B}"/>
               </a:ext>
             </a:extLst>
           </p:cNvPr>
@@ -14422,7 +16722,7 @@
             <p:cNvPr id="40" name="모서리가 둥근 직사각형 18">
               <a:extLst>
                 <a:ext uri="{FF2B5EF4-FFF2-40B4-BE49-F238E27FC236}">
-                  <a16:creationId xmlns:a16="http://schemas.microsoft.com/office/drawing/2014/main" xmlns="" id="{8BCD1206-46E7-48C1-8D0E-79201C2239CB}"/>
+                  <a16:creationId xmlns:a16="http://schemas.microsoft.com/office/drawing/2014/main" id="{8BCD1206-46E7-48C1-8D0E-79201C2239CB}"/>
                 </a:ext>
               </a:extLst>
             </p:cNvPr>
@@ -14472,7 +16772,7 @@
             <p:cNvPr id="41" name="모서리가 둥근 직사각형 18">
               <a:extLst>
                 <a:ext uri="{FF2B5EF4-FFF2-40B4-BE49-F238E27FC236}">
-                  <a16:creationId xmlns:a16="http://schemas.microsoft.com/office/drawing/2014/main" xmlns="" id="{8385447B-8931-4CDC-A0D2-091BF7CB022F}"/>
+                  <a16:creationId xmlns:a16="http://schemas.microsoft.com/office/drawing/2014/main" id="{8385447B-8931-4CDC-A0D2-091BF7CB022F}"/>
                 </a:ext>
               </a:extLst>
             </p:cNvPr>
@@ -14522,7 +16822,7 @@
             <p:cNvPr id="42" name="타원 41">
               <a:extLst>
                 <a:ext uri="{FF2B5EF4-FFF2-40B4-BE49-F238E27FC236}">
-                  <a16:creationId xmlns:a16="http://schemas.microsoft.com/office/drawing/2014/main" xmlns="" id="{F1C4200D-7DB9-4A55-AAFB-2DA167EC27B7}"/>
+                  <a16:creationId xmlns:a16="http://schemas.microsoft.com/office/drawing/2014/main" id="{F1C4200D-7DB9-4A55-AAFB-2DA167EC27B7}"/>
                 </a:ext>
               </a:extLst>
             </p:cNvPr>
@@ -14564,14 +16864,14 @@
             <a:p>
               <a:pPr algn="ctr"/>
               <a:r>
-                <a:rPr lang="en-US" altLang="ko-KR" sz="1200" dirty="0" smtClean="0"/>
+                <a:rPr lang="en-US" altLang="ko-KR" sz="1200" dirty="0"/>
                 <a:t>Container -</a:t>
               </a:r>
             </a:p>
             <a:p>
               <a:pPr algn="ctr"/>
               <a:r>
-                <a:rPr lang="en-US" altLang="ko-KR" sz="1200" dirty="0" smtClean="0"/>
+                <a:rPr lang="en-US" altLang="ko-KR" sz="1200" dirty="0"/>
                 <a:t>App A</a:t>
               </a:r>
               <a:endParaRPr lang="ko-KR" altLang="en-US" sz="1200" dirty="0"/>
@@ -14583,7 +16883,7 @@
             <p:cNvPr id="43" name="타원 42">
               <a:extLst>
                 <a:ext uri="{FF2B5EF4-FFF2-40B4-BE49-F238E27FC236}">
-                  <a16:creationId xmlns:a16="http://schemas.microsoft.com/office/drawing/2014/main" xmlns="" id="{4DD7207F-BE20-4232-B346-EA201B5A8D78}"/>
+                  <a16:creationId xmlns:a16="http://schemas.microsoft.com/office/drawing/2014/main" id="{4DD7207F-BE20-4232-B346-EA201B5A8D78}"/>
                 </a:ext>
               </a:extLst>
             </p:cNvPr>
@@ -14625,14 +16925,14 @@
             <a:p>
               <a:pPr algn="ctr"/>
               <a:r>
-                <a:rPr lang="en-US" altLang="ko-KR" sz="1200" dirty="0" smtClean="0"/>
+                <a:rPr lang="en-US" altLang="ko-KR" sz="1200" dirty="0"/>
                 <a:t>Container -</a:t>
               </a:r>
             </a:p>
             <a:p>
               <a:pPr algn="ctr"/>
               <a:r>
-                <a:rPr lang="en-US" altLang="ko-KR" sz="1200" dirty="0" smtClean="0"/>
+                <a:rPr lang="en-US" altLang="ko-KR" sz="1200" dirty="0"/>
                 <a:t>App A</a:t>
               </a:r>
               <a:endParaRPr lang="ko-KR" altLang="en-US" sz="1200" dirty="0"/>
@@ -14645,7 +16945,7 @@
           <p:cNvPr id="75" name="직선 화살표 연결선 74">
             <a:extLst>
               <a:ext uri="{FF2B5EF4-FFF2-40B4-BE49-F238E27FC236}">
-                <a16:creationId xmlns:a16="http://schemas.microsoft.com/office/drawing/2014/main" xmlns="" id="{3E79A9E3-D35C-4D13-9C35-D56D0A88D17F}"/>
+                <a16:creationId xmlns:a16="http://schemas.microsoft.com/office/drawing/2014/main" id="{3E79A9E3-D35C-4D13-9C35-D56D0A88D17F}"/>
               </a:ext>
             </a:extLst>
           </p:cNvPr>
@@ -14692,7 +16992,7 @@
           <p:cNvPr id="58" name="모서리가 둥근 직사각형 18">
             <a:extLst>
               <a:ext uri="{FF2B5EF4-FFF2-40B4-BE49-F238E27FC236}">
-                <a16:creationId xmlns:a16="http://schemas.microsoft.com/office/drawing/2014/main" xmlns="" id="{D48DB822-70CE-4692-84EA-0B6DB2416FCB}"/>
+                <a16:creationId xmlns:a16="http://schemas.microsoft.com/office/drawing/2014/main" id="{D48DB822-70CE-4692-84EA-0B6DB2416FCB}"/>
               </a:ext>
             </a:extLst>
           </p:cNvPr>
@@ -14730,7 +17030,7 @@
           <a:p>
             <a:pPr algn="ctr"/>
             <a:r>
-              <a:rPr lang="en-US" altLang="ko-KR" sz="1200" dirty="0" smtClean="0"/>
+              <a:rPr lang="en-US" altLang="ko-KR" sz="1200" dirty="0"/>
               <a:t>Application Manager</a:t>
             </a:r>
             <a:endParaRPr lang="ko-KR" altLang="en-US" sz="1200" dirty="0"/>
@@ -14742,7 +17042,7 @@
           <p:cNvPr id="70" name="모서리가 둥근 직사각형 18">
             <a:extLst>
               <a:ext uri="{FF2B5EF4-FFF2-40B4-BE49-F238E27FC236}">
-                <a16:creationId xmlns:a16="http://schemas.microsoft.com/office/drawing/2014/main" xmlns="" id="{D48DB822-70CE-4692-84EA-0B6DB2416FCB}"/>
+                <a16:creationId xmlns:a16="http://schemas.microsoft.com/office/drawing/2014/main" id="{D48DB822-70CE-4692-84EA-0B6DB2416FCB}"/>
               </a:ext>
             </a:extLst>
           </p:cNvPr>
@@ -14780,7 +17080,7 @@
           <a:p>
             <a:pPr algn="ctr"/>
             <a:r>
-              <a:rPr lang="en-US" altLang="ko-KR" sz="1200" dirty="0" smtClean="0"/>
+              <a:rPr lang="en-US" altLang="ko-KR" sz="1200" dirty="0"/>
               <a:t>Scheduler</a:t>
             </a:r>
             <a:endParaRPr lang="ko-KR" altLang="en-US" sz="1200" dirty="0"/>
@@ -14792,7 +17092,7 @@
           <p:cNvPr id="44" name="타원 43">
             <a:extLst>
               <a:ext uri="{FF2B5EF4-FFF2-40B4-BE49-F238E27FC236}">
-                <a16:creationId xmlns:a16="http://schemas.microsoft.com/office/drawing/2014/main" xmlns="" id="{5F83F9E5-52FB-4808-9C34-197CE38E96AE}"/>
+                <a16:creationId xmlns:a16="http://schemas.microsoft.com/office/drawing/2014/main" id="{5F83F9E5-52FB-4808-9C34-197CE38E96AE}"/>
               </a:ext>
             </a:extLst>
           </p:cNvPr>
@@ -14856,7 +17156,7 @@
           <p:cNvPr id="46" name="직선 화살표 연결선 45">
             <a:extLst>
               <a:ext uri="{FF2B5EF4-FFF2-40B4-BE49-F238E27FC236}">
-                <a16:creationId xmlns:a16="http://schemas.microsoft.com/office/drawing/2014/main" xmlns="" id="{3E79A9E3-D35C-4D13-9C35-D56D0A88D17F}"/>
+                <a16:creationId xmlns:a16="http://schemas.microsoft.com/office/drawing/2014/main" id="{3E79A9E3-D35C-4D13-9C35-D56D0A88D17F}"/>
               </a:ext>
             </a:extLst>
           </p:cNvPr>
@@ -14903,7 +17203,7 @@
           <p:cNvPr id="47" name="직선 화살표 연결선 46">
             <a:extLst>
               <a:ext uri="{FF2B5EF4-FFF2-40B4-BE49-F238E27FC236}">
-                <a16:creationId xmlns:a16="http://schemas.microsoft.com/office/drawing/2014/main" xmlns="" id="{3E79A9E3-D35C-4D13-9C35-D56D0A88D17F}"/>
+                <a16:creationId xmlns:a16="http://schemas.microsoft.com/office/drawing/2014/main" id="{3E79A9E3-D35C-4D13-9C35-D56D0A88D17F}"/>
               </a:ext>
             </a:extLst>
           </p:cNvPr>
@@ -14950,7 +17250,7 @@
           <p:cNvPr id="52" name="직선 화살표 연결선 51">
             <a:extLst>
               <a:ext uri="{FF2B5EF4-FFF2-40B4-BE49-F238E27FC236}">
-                <a16:creationId xmlns:a16="http://schemas.microsoft.com/office/drawing/2014/main" xmlns="" id="{3E79A9E3-D35C-4D13-9C35-D56D0A88D17F}"/>
+                <a16:creationId xmlns:a16="http://schemas.microsoft.com/office/drawing/2014/main" id="{3E79A9E3-D35C-4D13-9C35-D56D0A88D17F}"/>
               </a:ext>
             </a:extLst>
           </p:cNvPr>
@@ -14995,7 +17295,7 @@
           <p:cNvPr id="59" name="직선 화살표 연결선 58">
             <a:extLst>
               <a:ext uri="{FF2B5EF4-FFF2-40B4-BE49-F238E27FC236}">
-                <a16:creationId xmlns:a16="http://schemas.microsoft.com/office/drawing/2014/main" xmlns="" id="{3E79A9E3-D35C-4D13-9C35-D56D0A88D17F}"/>
+                <a16:creationId xmlns:a16="http://schemas.microsoft.com/office/drawing/2014/main" id="{3E79A9E3-D35C-4D13-9C35-D56D0A88D17F}"/>
               </a:ext>
             </a:extLst>
           </p:cNvPr>
@@ -15042,7 +17342,7 @@
           <p:cNvPr id="62" name="직선 화살표 연결선 61">
             <a:extLst>
               <a:ext uri="{FF2B5EF4-FFF2-40B4-BE49-F238E27FC236}">
-                <a16:creationId xmlns:a16="http://schemas.microsoft.com/office/drawing/2014/main" xmlns="" id="{3E79A9E3-D35C-4D13-9C35-D56D0A88D17F}"/>
+                <a16:creationId xmlns:a16="http://schemas.microsoft.com/office/drawing/2014/main" id="{3E79A9E3-D35C-4D13-9C35-D56D0A88D17F}"/>
               </a:ext>
             </a:extLst>
           </p:cNvPr>
@@ -15087,7 +17387,7 @@
           <p:cNvPr id="72" name="직선 화살표 연결선 71">
             <a:extLst>
               <a:ext uri="{FF2B5EF4-FFF2-40B4-BE49-F238E27FC236}">
-                <a16:creationId xmlns:a16="http://schemas.microsoft.com/office/drawing/2014/main" xmlns="" id="{3E79A9E3-D35C-4D13-9C35-D56D0A88D17F}"/>
+                <a16:creationId xmlns:a16="http://schemas.microsoft.com/office/drawing/2014/main" id="{3E79A9E3-D35C-4D13-9C35-D56D0A88D17F}"/>
               </a:ext>
             </a:extLst>
           </p:cNvPr>
@@ -15134,7 +17434,7 @@
           <p:cNvPr id="80" name="직선 화살표 연결선 79">
             <a:extLst>
               <a:ext uri="{FF2B5EF4-FFF2-40B4-BE49-F238E27FC236}">
-                <a16:creationId xmlns:a16="http://schemas.microsoft.com/office/drawing/2014/main" xmlns="" id="{3E79A9E3-D35C-4D13-9C35-D56D0A88D17F}"/>
+                <a16:creationId xmlns:a16="http://schemas.microsoft.com/office/drawing/2014/main" id="{3E79A9E3-D35C-4D13-9C35-D56D0A88D17F}"/>
               </a:ext>
             </a:extLst>
           </p:cNvPr>
@@ -15181,7 +17481,7 @@
           <p:cNvPr id="83" name="타원 82">
             <a:extLst>
               <a:ext uri="{FF2B5EF4-FFF2-40B4-BE49-F238E27FC236}">
-                <a16:creationId xmlns:a16="http://schemas.microsoft.com/office/drawing/2014/main" xmlns="" id="{5F83F9E5-52FB-4808-9C34-197CE38E96AE}"/>
+                <a16:creationId xmlns:a16="http://schemas.microsoft.com/office/drawing/2014/main" id="{5F83F9E5-52FB-4808-9C34-197CE38E96AE}"/>
               </a:ext>
             </a:extLst>
           </p:cNvPr>
@@ -15247,7 +17547,7 @@
           <p:cNvPr id="84" name="타원 83">
             <a:extLst>
               <a:ext uri="{FF2B5EF4-FFF2-40B4-BE49-F238E27FC236}">
-                <a16:creationId xmlns:a16="http://schemas.microsoft.com/office/drawing/2014/main" xmlns="" id="{5F83F9E5-52FB-4808-9C34-197CE38E96AE}"/>
+                <a16:creationId xmlns:a16="http://schemas.microsoft.com/office/drawing/2014/main" id="{5F83F9E5-52FB-4808-9C34-197CE38E96AE}"/>
               </a:ext>
             </a:extLst>
           </p:cNvPr>
@@ -15293,7 +17593,7 @@
           <a:p>
             <a:pPr algn="ctr"/>
             <a:r>
-              <a:rPr lang="en-US" altLang="ko-KR" sz="1600" dirty="0" smtClean="0">
+              <a:rPr lang="en-US" altLang="ko-KR" sz="1600" dirty="0">
                 <a:solidFill>
                   <a:srgbClr val="C00000"/>
                 </a:solidFill>
@@ -15313,7 +17613,7 @@
           <p:cNvPr id="91" name="타원 90">
             <a:extLst>
               <a:ext uri="{FF2B5EF4-FFF2-40B4-BE49-F238E27FC236}">
-                <a16:creationId xmlns:a16="http://schemas.microsoft.com/office/drawing/2014/main" xmlns="" id="{5F83F9E5-52FB-4808-9C34-197CE38E96AE}"/>
+                <a16:creationId xmlns:a16="http://schemas.microsoft.com/office/drawing/2014/main" id="{5F83F9E5-52FB-4808-9C34-197CE38E96AE}"/>
               </a:ext>
             </a:extLst>
           </p:cNvPr>
@@ -15379,7 +17679,7 @@
           <p:cNvPr id="92" name="타원 91">
             <a:extLst>
               <a:ext uri="{FF2B5EF4-FFF2-40B4-BE49-F238E27FC236}">
-                <a16:creationId xmlns:a16="http://schemas.microsoft.com/office/drawing/2014/main" xmlns="" id="{5F83F9E5-52FB-4808-9C34-197CE38E96AE}"/>
+                <a16:creationId xmlns:a16="http://schemas.microsoft.com/office/drawing/2014/main" id="{5F83F9E5-52FB-4808-9C34-197CE38E96AE}"/>
               </a:ext>
             </a:extLst>
           </p:cNvPr>
@@ -15425,7 +17725,7 @@
           <a:p>
             <a:pPr algn="ctr"/>
             <a:r>
-              <a:rPr lang="en-US" altLang="ko-KR" sz="1600" dirty="0" smtClean="0">
+              <a:rPr lang="en-US" altLang="ko-KR" sz="1600" dirty="0">
                 <a:solidFill>
                   <a:srgbClr val="C00000"/>
                 </a:solidFill>
@@ -15445,7 +17745,7 @@
           <p:cNvPr id="93" name="타원 92">
             <a:extLst>
               <a:ext uri="{FF2B5EF4-FFF2-40B4-BE49-F238E27FC236}">
-                <a16:creationId xmlns:a16="http://schemas.microsoft.com/office/drawing/2014/main" xmlns="" id="{5F83F9E5-52FB-4808-9C34-197CE38E96AE}"/>
+                <a16:creationId xmlns:a16="http://schemas.microsoft.com/office/drawing/2014/main" id="{5F83F9E5-52FB-4808-9C34-197CE38E96AE}"/>
               </a:ext>
             </a:extLst>
           </p:cNvPr>
@@ -15511,7 +17811,7 @@
           <p:cNvPr id="94" name="타원 93">
             <a:extLst>
               <a:ext uri="{FF2B5EF4-FFF2-40B4-BE49-F238E27FC236}">
-                <a16:creationId xmlns:a16="http://schemas.microsoft.com/office/drawing/2014/main" xmlns="" id="{5F83F9E5-52FB-4808-9C34-197CE38E96AE}"/>
+                <a16:creationId xmlns:a16="http://schemas.microsoft.com/office/drawing/2014/main" id="{5F83F9E5-52FB-4808-9C34-197CE38E96AE}"/>
               </a:ext>
             </a:extLst>
           </p:cNvPr>
@@ -15557,7 +17857,7 @@
           <a:p>
             <a:pPr algn="ctr"/>
             <a:r>
-              <a:rPr lang="en-US" altLang="ko-KR" sz="1600" dirty="0" smtClean="0">
+              <a:rPr lang="en-US" altLang="ko-KR" sz="1600" dirty="0">
                 <a:solidFill>
                   <a:srgbClr val="C00000"/>
                 </a:solidFill>
@@ -15577,7 +17877,7 @@
           <p:cNvPr id="95" name="타원 94">
             <a:extLst>
               <a:ext uri="{FF2B5EF4-FFF2-40B4-BE49-F238E27FC236}">
-                <a16:creationId xmlns:a16="http://schemas.microsoft.com/office/drawing/2014/main" xmlns="" id="{5F83F9E5-52FB-4808-9C34-197CE38E96AE}"/>
+                <a16:creationId xmlns:a16="http://schemas.microsoft.com/office/drawing/2014/main" id="{5F83F9E5-52FB-4808-9C34-197CE38E96AE}"/>
               </a:ext>
             </a:extLst>
           </p:cNvPr>
@@ -15643,7 +17943,7 @@
           <p:cNvPr id="96" name="타원 95">
             <a:extLst>
               <a:ext uri="{FF2B5EF4-FFF2-40B4-BE49-F238E27FC236}">
-                <a16:creationId xmlns:a16="http://schemas.microsoft.com/office/drawing/2014/main" xmlns="" id="{5F83F9E5-52FB-4808-9C34-197CE38E96AE}"/>
+                <a16:creationId xmlns:a16="http://schemas.microsoft.com/office/drawing/2014/main" id="{5F83F9E5-52FB-4808-9C34-197CE38E96AE}"/>
               </a:ext>
             </a:extLst>
           </p:cNvPr>
@@ -15689,7 +17989,7 @@
           <a:p>
             <a:pPr algn="ctr"/>
             <a:r>
-              <a:rPr lang="en-US" altLang="ko-KR" sz="1600" dirty="0" smtClean="0">
+              <a:rPr lang="en-US" altLang="ko-KR" sz="1600" dirty="0">
                 <a:solidFill>
                   <a:srgbClr val="C00000"/>
                 </a:solidFill>

--- a/images/theory_analysis/Hadoop/Hadoop.pptx
+++ b/images/theory_analysis/Hadoop/Hadoop.pptx
@@ -220,7 +220,7 @@
           <a:p>
             <a:fld id="{6CD5550B-26C4-49A9-A5BA-636EF7BE6CE9}" type="datetimeFigureOut">
               <a:rPr lang="ko-KR" altLang="en-US" smtClean="0"/>
-              <a:t>2018-10-05</a:t>
+              <a:t>2019-01-10</a:t>
             </a:fld>
             <a:endParaRPr lang="ko-KR" altLang="en-US"/>
           </a:p>
@@ -1254,7 +1254,7 @@
           <a:p>
             <a:fld id="{FB30EDBD-1C2D-4C1E-B459-B60219FAB484}" type="datetimeFigureOut">
               <a:rPr lang="ko-KR" altLang="en-US" smtClean="0"/>
-              <a:t>2018-10-05</a:t>
+              <a:t>2019-01-10</a:t>
             </a:fld>
             <a:endParaRPr lang="ko-KR" altLang="en-US"/>
           </a:p>
@@ -1417,7 +1417,7 @@
           <a:p>
             <a:fld id="{FB30EDBD-1C2D-4C1E-B459-B60219FAB484}" type="datetimeFigureOut">
               <a:rPr lang="ko-KR" altLang="en-US" smtClean="0"/>
-              <a:t>2018-10-05</a:t>
+              <a:t>2019-01-10</a:t>
             </a:fld>
             <a:endParaRPr lang="ko-KR" altLang="en-US"/>
           </a:p>
@@ -1590,7 +1590,7 @@
           <a:p>
             <a:fld id="{FB30EDBD-1C2D-4C1E-B459-B60219FAB484}" type="datetimeFigureOut">
               <a:rPr lang="ko-KR" altLang="en-US" smtClean="0"/>
-              <a:t>2018-10-05</a:t>
+              <a:t>2019-01-10</a:t>
             </a:fld>
             <a:endParaRPr lang="ko-KR" altLang="en-US"/>
           </a:p>
@@ -1753,7 +1753,7 @@
           <a:p>
             <a:fld id="{FB30EDBD-1C2D-4C1E-B459-B60219FAB484}" type="datetimeFigureOut">
               <a:rPr lang="ko-KR" altLang="en-US" smtClean="0"/>
-              <a:t>2018-10-05</a:t>
+              <a:t>2019-01-10</a:t>
             </a:fld>
             <a:endParaRPr lang="ko-KR" altLang="en-US"/>
           </a:p>
@@ -1993,7 +1993,7 @@
           <a:p>
             <a:fld id="{FB30EDBD-1C2D-4C1E-B459-B60219FAB484}" type="datetimeFigureOut">
               <a:rPr lang="ko-KR" altLang="en-US" smtClean="0"/>
-              <a:t>2018-10-05</a:t>
+              <a:t>2019-01-10</a:t>
             </a:fld>
             <a:endParaRPr lang="ko-KR" altLang="en-US"/>
           </a:p>
@@ -2273,7 +2273,7 @@
           <a:p>
             <a:fld id="{FB30EDBD-1C2D-4C1E-B459-B60219FAB484}" type="datetimeFigureOut">
               <a:rPr lang="ko-KR" altLang="en-US" smtClean="0"/>
-              <a:t>2018-10-05</a:t>
+              <a:t>2019-01-10</a:t>
             </a:fld>
             <a:endParaRPr lang="ko-KR" altLang="en-US"/>
           </a:p>
@@ -2687,7 +2687,7 @@
           <a:p>
             <a:fld id="{FB30EDBD-1C2D-4C1E-B459-B60219FAB484}" type="datetimeFigureOut">
               <a:rPr lang="ko-KR" altLang="en-US" smtClean="0"/>
-              <a:t>2018-10-05</a:t>
+              <a:t>2019-01-10</a:t>
             </a:fld>
             <a:endParaRPr lang="ko-KR" altLang="en-US"/>
           </a:p>
@@ -2799,7 +2799,7 @@
           <a:p>
             <a:fld id="{FB30EDBD-1C2D-4C1E-B459-B60219FAB484}" type="datetimeFigureOut">
               <a:rPr lang="ko-KR" altLang="en-US" smtClean="0"/>
-              <a:t>2018-10-05</a:t>
+              <a:t>2019-01-10</a:t>
             </a:fld>
             <a:endParaRPr lang="ko-KR" altLang="en-US"/>
           </a:p>
@@ -2889,7 +2889,7 @@
           <a:p>
             <a:fld id="{FB30EDBD-1C2D-4C1E-B459-B60219FAB484}" type="datetimeFigureOut">
               <a:rPr lang="ko-KR" altLang="en-US" smtClean="0"/>
-              <a:t>2018-10-05</a:t>
+              <a:t>2019-01-10</a:t>
             </a:fld>
             <a:endParaRPr lang="ko-KR" altLang="en-US"/>
           </a:p>
@@ -3159,7 +3159,7 @@
           <a:p>
             <a:fld id="{FB30EDBD-1C2D-4C1E-B459-B60219FAB484}" type="datetimeFigureOut">
               <a:rPr lang="ko-KR" altLang="en-US" smtClean="0"/>
-              <a:t>2018-10-05</a:t>
+              <a:t>2019-01-10</a:t>
             </a:fld>
             <a:endParaRPr lang="ko-KR" altLang="en-US"/>
           </a:p>
@@ -3406,7 +3406,7 @@
           <a:p>
             <a:fld id="{FB30EDBD-1C2D-4C1E-B459-B60219FAB484}" type="datetimeFigureOut">
               <a:rPr lang="ko-KR" altLang="en-US" smtClean="0"/>
-              <a:t>2018-10-05</a:t>
+              <a:t>2019-01-10</a:t>
             </a:fld>
             <a:endParaRPr lang="ko-KR" altLang="en-US"/>
           </a:p>
@@ -3612,7 +3612,7 @@
           <a:p>
             <a:fld id="{FB30EDBD-1C2D-4C1E-B459-B60219FAB484}" type="datetimeFigureOut">
               <a:rPr lang="ko-KR" altLang="en-US" smtClean="0"/>
-              <a:t>2018-10-05</a:t>
+              <a:t>2019-01-10</a:t>
             </a:fld>
             <a:endParaRPr lang="ko-KR" altLang="en-US"/>
           </a:p>
@@ -5471,7 +5471,7 @@
             <a:p>
               <a:r>
                 <a:rPr lang="en-US" altLang="ko-KR" sz="1200"/>
-                <a:t>BLK A = DN 1, DN 4</a:t>
+                <a:t>BLK    = DN A, DN B, DN C</a:t>
               </a:r>
             </a:p>
             <a:p>
@@ -5483,7 +5483,7 @@
             <a:p>
               <a:r>
                 <a:rPr lang="en-US" altLang="ko-KR" sz="1200"/>
-                <a:t>BLK B = DN 3, DN 4</a:t>
+                <a:t>BLK    = DN B, DN C, DN D</a:t>
               </a:r>
               <a:endParaRPr lang="ko-KR" altLang="en-US" sz="1200" dirty="0"/>
             </a:p>
@@ -5504,7 +5504,7 @@
         </p:nvSpPr>
         <p:spPr>
           <a:xfrm>
-            <a:off x="1331640" y="1219035"/>
+            <a:off x="1331640" y="931003"/>
             <a:ext cx="1080120" cy="560627"/>
           </a:xfrm>
           <a:prstGeom prst="roundRect">
@@ -5556,8 +5556,8 @@
         </p:nvCxnSpPr>
         <p:spPr>
           <a:xfrm flipH="1">
-            <a:off x="1475656" y="1779662"/>
-            <a:ext cx="324036" cy="1420416"/>
+            <a:off x="1475656" y="1763389"/>
+            <a:ext cx="290233" cy="1436689"/>
           </a:xfrm>
           <a:prstGeom prst="straightConnector1">
             <a:avLst/>
@@ -5644,7 +5644,7 @@
         </p:nvSpPr>
         <p:spPr>
           <a:xfrm>
-            <a:off x="3335125" y="1203598"/>
+            <a:off x="3335125" y="1037811"/>
             <a:ext cx="288032" cy="288032"/>
           </a:xfrm>
           <a:prstGeom prst="ellipse">
@@ -5708,7 +5708,7 @@
         </p:nvSpPr>
         <p:spPr>
           <a:xfrm>
-            <a:off x="1823340" y="2355726"/>
+            <a:off x="2195736" y="1563638"/>
             <a:ext cx="288032" cy="288032"/>
           </a:xfrm>
           <a:prstGeom prst="ellipse">
@@ -5772,7 +5772,7 @@
         </p:nvSpPr>
         <p:spPr>
           <a:xfrm>
-            <a:off x="1343996" y="2355726"/>
+            <a:off x="1475656" y="1529043"/>
             <a:ext cx="288032" cy="288032"/>
           </a:xfrm>
           <a:prstGeom prst="ellipse">
@@ -5838,8 +5838,8 @@
         </p:nvCxnSpPr>
         <p:spPr>
           <a:xfrm>
-            <a:off x="2411760" y="1423482"/>
-            <a:ext cx="2232248" cy="140156"/>
+            <a:off x="2411760" y="1131590"/>
+            <a:ext cx="2232248" cy="428188"/>
           </a:xfrm>
           <a:prstGeom prst="straightConnector1">
             <a:avLst/>
@@ -6198,8 +6198,8 @@
         </p:nvCxnSpPr>
         <p:spPr>
           <a:xfrm>
-            <a:off x="2411760" y="1563638"/>
-            <a:ext cx="2232248" cy="140156"/>
+            <a:off x="2411760" y="1301237"/>
+            <a:ext cx="2232248" cy="428188"/>
           </a:xfrm>
           <a:prstGeom prst="straightConnector1">
             <a:avLst/>
@@ -6241,7 +6241,7 @@
         </p:nvSpPr>
         <p:spPr>
           <a:xfrm>
-            <a:off x="3247278" y="1633713"/>
+            <a:off x="3247278" y="1491630"/>
             <a:ext cx="288032" cy="288032"/>
           </a:xfrm>
           <a:prstGeom prst="ellipse">
@@ -6339,7 +6339,7 @@
       </p:sp>
       <p:cxnSp>
         <p:nvCxnSpPr>
-          <p:cNvPr id="68" name="직선 화살표 연결선 67">
+          <p:cNvPr id="69" name="직선 화살표 연결선 68">
             <a:extLst>
               <a:ext uri="{FF2B5EF4-FFF2-40B4-BE49-F238E27FC236}">
                 <a16:creationId xmlns:a16="http://schemas.microsoft.com/office/drawing/2014/main" id="{86485563-F321-4DD1-B7CE-81A35D2E3FE5}"/>
@@ -6352,54 +6352,9 @@
           <p:nvPr/>
         </p:nvCxnSpPr>
         <p:spPr>
-          <a:xfrm flipH="1">
-            <a:off x="1655676" y="1779662"/>
-            <a:ext cx="324036" cy="1420416"/>
-          </a:xfrm>
-          <a:prstGeom prst="straightConnector1">
-            <a:avLst/>
-          </a:prstGeom>
-          <a:ln w="28575">
-            <a:solidFill>
-              <a:srgbClr val="C00000"/>
-            </a:solidFill>
-            <a:headEnd type="arrow" w="med" len="med"/>
-            <a:tailEnd type="none" w="med" len="med"/>
-          </a:ln>
-        </p:spPr>
-        <p:style>
-          <a:lnRef idx="1">
-            <a:schemeClr val="accent1"/>
-          </a:lnRef>
-          <a:fillRef idx="0">
-            <a:schemeClr val="accent1"/>
-          </a:fillRef>
-          <a:effectRef idx="0">
-            <a:schemeClr val="accent1"/>
-          </a:effectRef>
-          <a:fontRef idx="minor">
-            <a:schemeClr val="tx1"/>
-          </a:fontRef>
-        </p:style>
-      </p:cxnSp>
-      <p:cxnSp>
-        <p:nvCxnSpPr>
-          <p:cNvPr id="69" name="직선 화살표 연결선 68">
-            <a:extLst>
-              <a:ext uri="{FF2B5EF4-FFF2-40B4-BE49-F238E27FC236}">
-                <a16:creationId xmlns:a16="http://schemas.microsoft.com/office/drawing/2014/main" id="{86485563-F321-4DD1-B7CE-81A35D2E3FE5}"/>
-              </a:ext>
-            </a:extLst>
-          </p:cNvPr>
-          <p:cNvCxnSpPr>
-            <a:cxnSpLocks/>
-          </p:cNvCxnSpPr>
-          <p:nvPr/>
-        </p:nvCxnSpPr>
-        <p:spPr>
           <a:xfrm flipH="1" flipV="1">
-            <a:off x="1691680" y="1779662"/>
-            <a:ext cx="4041125" cy="1420416"/>
+            <a:off x="1763688" y="1770235"/>
+            <a:ext cx="3969120" cy="1429846"/>
           </a:xfrm>
           <a:prstGeom prst="straightConnector1">
             <a:avLst/>
@@ -6443,8 +6398,8 @@
         </p:nvCxnSpPr>
         <p:spPr>
           <a:xfrm flipH="1" flipV="1">
-            <a:off x="1971035" y="1779662"/>
-            <a:ext cx="4041125" cy="1420416"/>
+            <a:off x="2018598" y="1763389"/>
+            <a:ext cx="4087426" cy="1436690"/>
           </a:xfrm>
           <a:prstGeom prst="straightConnector1">
             <a:avLst/>
@@ -6454,7 +6409,7 @@
               <a:srgbClr val="C00000"/>
             </a:solidFill>
             <a:headEnd type="none" w="med" len="med"/>
-            <a:tailEnd type="arrow" w="med" len="med"/>
+            <a:tailEnd type="none" w="med" len="med"/>
           </a:ln>
         </p:spPr>
         <p:style>
@@ -6472,134 +6427,6 @@
           </a:fontRef>
         </p:style>
       </p:cxnSp>
-      <p:sp>
-        <p:nvSpPr>
-          <p:cNvPr id="73" name="타원 72">
-            <a:extLst>
-              <a:ext uri="{FF2B5EF4-FFF2-40B4-BE49-F238E27FC236}">
-                <a16:creationId xmlns:a16="http://schemas.microsoft.com/office/drawing/2014/main" id="{7110AE48-F3F2-439B-ADE3-190898A23765}"/>
-              </a:ext>
-            </a:extLst>
-          </p:cNvPr>
-          <p:cNvSpPr/>
-          <p:nvPr/>
-        </p:nvSpPr>
-        <p:spPr>
-          <a:xfrm>
-            <a:off x="2123728" y="1995686"/>
-            <a:ext cx="288032" cy="288032"/>
-          </a:xfrm>
-          <a:prstGeom prst="ellipse">
-            <a:avLst/>
-          </a:prstGeom>
-          <a:noFill/>
-          <a:ln>
-            <a:solidFill>
-              <a:srgbClr val="C00000"/>
-            </a:solidFill>
-          </a:ln>
-        </p:spPr>
-        <p:style>
-          <a:lnRef idx="2">
-            <a:schemeClr val="accent1">
-              <a:shade val="50000"/>
-            </a:schemeClr>
-          </a:lnRef>
-          <a:fillRef idx="1">
-            <a:schemeClr val="accent1"/>
-          </a:fillRef>
-          <a:effectRef idx="0">
-            <a:schemeClr val="accent1"/>
-          </a:effectRef>
-          <a:fontRef idx="minor">
-            <a:schemeClr val="lt1"/>
-          </a:fontRef>
-        </p:style>
-        <p:txBody>
-          <a:bodyPr rtlCol="0" anchor="ctr"/>
-          <a:lstStyle/>
-          <a:p>
-            <a:pPr algn="ctr"/>
-            <a:r>
-              <a:rPr lang="en-US" altLang="ko-KR" sz="1600" dirty="0">
-                <a:solidFill>
-                  <a:srgbClr val="C00000"/>
-                </a:solidFill>
-              </a:rPr>
-              <a:t>3</a:t>
-            </a:r>
-            <a:endParaRPr lang="ko-KR" altLang="en-US" sz="1600" dirty="0">
-              <a:solidFill>
-                <a:srgbClr val="C00000"/>
-              </a:solidFill>
-            </a:endParaRPr>
-          </a:p>
-        </p:txBody>
-      </p:sp>
-      <p:sp>
-        <p:nvSpPr>
-          <p:cNvPr id="74" name="타원 73">
-            <a:extLst>
-              <a:ext uri="{FF2B5EF4-FFF2-40B4-BE49-F238E27FC236}">
-                <a16:creationId xmlns:a16="http://schemas.microsoft.com/office/drawing/2014/main" id="{41F245C1-92AD-4CF7-8116-948BE87AA5B6}"/>
-              </a:ext>
-            </a:extLst>
-          </p:cNvPr>
-          <p:cNvSpPr/>
-          <p:nvPr/>
-        </p:nvSpPr>
-        <p:spPr>
-          <a:xfrm>
-            <a:off x="2555776" y="1745588"/>
-            <a:ext cx="288032" cy="288032"/>
-          </a:xfrm>
-          <a:prstGeom prst="ellipse">
-            <a:avLst/>
-          </a:prstGeom>
-          <a:noFill/>
-          <a:ln>
-            <a:solidFill>
-              <a:srgbClr val="C00000"/>
-            </a:solidFill>
-          </a:ln>
-        </p:spPr>
-        <p:style>
-          <a:lnRef idx="2">
-            <a:schemeClr val="accent1">
-              <a:shade val="50000"/>
-            </a:schemeClr>
-          </a:lnRef>
-          <a:fillRef idx="1">
-            <a:schemeClr val="accent1"/>
-          </a:fillRef>
-          <a:effectRef idx="0">
-            <a:schemeClr val="accent1"/>
-          </a:effectRef>
-          <a:fontRef idx="minor">
-            <a:schemeClr val="lt1"/>
-          </a:fontRef>
-        </p:style>
-        <p:txBody>
-          <a:bodyPr rtlCol="0" anchor="ctr"/>
-          <a:lstStyle/>
-          <a:p>
-            <a:pPr algn="ctr"/>
-            <a:r>
-              <a:rPr lang="en-US" altLang="ko-KR" sz="1600" dirty="0">
-                <a:solidFill>
-                  <a:srgbClr val="C00000"/>
-                </a:solidFill>
-              </a:rPr>
-              <a:t>4</a:t>
-            </a:r>
-            <a:endParaRPr lang="ko-KR" altLang="en-US" sz="1600" dirty="0">
-              <a:solidFill>
-                <a:srgbClr val="C00000"/>
-              </a:solidFill>
-            </a:endParaRPr>
-          </a:p>
-        </p:txBody>
-      </p:sp>
       <p:cxnSp>
         <p:nvCxnSpPr>
           <p:cNvPr id="91" name="직선 화살표 연결선 90">
@@ -7342,6 +7169,343 @@
           </a:p>
         </p:txBody>
       </p:sp>
+      <p:sp>
+        <p:nvSpPr>
+          <p:cNvPr id="76" name="모서리가 둥근 직사각형 34">
+            <a:extLst>
+              <a:ext uri="{FF2B5EF4-FFF2-40B4-BE49-F238E27FC236}">
+                <a16:creationId xmlns:a16="http://schemas.microsoft.com/office/drawing/2014/main" id="{4F45E47A-5575-4CC7-AB03-9FCEBF45D24A}"/>
+              </a:ext>
+            </a:extLst>
+          </p:cNvPr>
+          <p:cNvSpPr/>
+          <p:nvPr/>
+        </p:nvSpPr>
+        <p:spPr>
+          <a:xfrm>
+            <a:off x="5176530" y="1751026"/>
+            <a:ext cx="144016" cy="170719"/>
+          </a:xfrm>
+          <a:prstGeom prst="roundRect">
+            <a:avLst>
+              <a:gd name="adj" fmla="val 4069"/>
+            </a:avLst>
+          </a:prstGeom>
+          <a:solidFill>
+            <a:schemeClr val="accent3">
+              <a:lumMod val="60000"/>
+              <a:lumOff val="40000"/>
+            </a:schemeClr>
+          </a:solidFill>
+          <a:ln w="19050"/>
+        </p:spPr>
+        <p:style>
+          <a:lnRef idx="2">
+            <a:schemeClr val="dk1"/>
+          </a:lnRef>
+          <a:fillRef idx="1">
+            <a:schemeClr val="lt1"/>
+          </a:fillRef>
+          <a:effectRef idx="0">
+            <a:schemeClr val="dk1"/>
+          </a:effectRef>
+          <a:fontRef idx="minor">
+            <a:schemeClr val="dk1"/>
+          </a:fontRef>
+        </p:style>
+        <p:txBody>
+          <a:bodyPr rtlCol="0" anchor="b"/>
+          <a:lstStyle/>
+          <a:p>
+            <a:pPr algn="ctr"/>
+            <a:endParaRPr lang="ko-KR" altLang="en-US" sz="1400" dirty="0"/>
+          </a:p>
+        </p:txBody>
+      </p:sp>
+      <p:sp>
+        <p:nvSpPr>
+          <p:cNvPr id="77" name="모서리가 둥근 직사각형 34">
+            <a:extLst>
+              <a:ext uri="{FF2B5EF4-FFF2-40B4-BE49-F238E27FC236}">
+                <a16:creationId xmlns:a16="http://schemas.microsoft.com/office/drawing/2014/main" id="{EE771130-0CA9-49DE-A644-B6809723FF90}"/>
+              </a:ext>
+            </a:extLst>
+          </p:cNvPr>
+          <p:cNvSpPr/>
+          <p:nvPr/>
+        </p:nvSpPr>
+        <p:spPr>
+          <a:xfrm>
+            <a:off x="5176530" y="2125606"/>
+            <a:ext cx="144016" cy="170719"/>
+          </a:xfrm>
+          <a:prstGeom prst="roundRect">
+            <a:avLst>
+              <a:gd name="adj" fmla="val 4069"/>
+            </a:avLst>
+          </a:prstGeom>
+          <a:solidFill>
+            <a:schemeClr val="accent6">
+              <a:lumMod val="60000"/>
+              <a:lumOff val="40000"/>
+            </a:schemeClr>
+          </a:solidFill>
+          <a:ln w="19050"/>
+        </p:spPr>
+        <p:style>
+          <a:lnRef idx="2">
+            <a:schemeClr val="dk1"/>
+          </a:lnRef>
+          <a:fillRef idx="1">
+            <a:schemeClr val="lt1"/>
+          </a:fillRef>
+          <a:effectRef idx="0">
+            <a:schemeClr val="dk1"/>
+          </a:effectRef>
+          <a:fontRef idx="minor">
+            <a:schemeClr val="dk1"/>
+          </a:fontRef>
+        </p:style>
+        <p:txBody>
+          <a:bodyPr rtlCol="0" anchor="b"/>
+          <a:lstStyle/>
+          <a:p>
+            <a:pPr algn="ctr"/>
+            <a:endParaRPr lang="ko-KR" altLang="en-US" sz="1400" dirty="0">
+              <a:solidFill>
+                <a:schemeClr val="accent6">
+                  <a:lumMod val="75000"/>
+                </a:schemeClr>
+              </a:solidFill>
+            </a:endParaRPr>
+          </a:p>
+        </p:txBody>
+      </p:sp>
+      <p:cxnSp>
+        <p:nvCxnSpPr>
+          <p:cNvPr id="79" name="직선 화살표 연결선 78">
+            <a:extLst>
+              <a:ext uri="{FF2B5EF4-FFF2-40B4-BE49-F238E27FC236}">
+                <a16:creationId xmlns:a16="http://schemas.microsoft.com/office/drawing/2014/main" id="{68E72314-C9E1-4A75-B94B-74F69D96B6E9}"/>
+              </a:ext>
+            </a:extLst>
+          </p:cNvPr>
+          <p:cNvCxnSpPr>
+            <a:cxnSpLocks/>
+          </p:cNvCxnSpPr>
+          <p:nvPr/>
+        </p:nvCxnSpPr>
+        <p:spPr>
+          <a:xfrm flipH="1" flipV="1">
+            <a:off x="4774163" y="2853869"/>
+            <a:ext cx="2337167" cy="346210"/>
+          </a:xfrm>
+          <a:prstGeom prst="straightConnector1">
+            <a:avLst/>
+          </a:prstGeom>
+          <a:ln w="28575">
+            <a:solidFill>
+              <a:srgbClr val="C00000"/>
+            </a:solidFill>
+            <a:headEnd type="arrow" w="med" len="med"/>
+            <a:tailEnd type="none" w="med" len="med"/>
+          </a:ln>
+        </p:spPr>
+        <p:style>
+          <a:lnRef idx="1">
+            <a:schemeClr val="accent1"/>
+          </a:lnRef>
+          <a:fillRef idx="0">
+            <a:schemeClr val="accent1"/>
+          </a:fillRef>
+          <a:effectRef idx="0">
+            <a:schemeClr val="accent1"/>
+          </a:effectRef>
+          <a:fontRef idx="minor">
+            <a:schemeClr val="tx1"/>
+          </a:fontRef>
+        </p:style>
+      </p:cxnSp>
+      <p:cxnSp>
+        <p:nvCxnSpPr>
+          <p:cNvPr id="80" name="직선 화살표 연결선 79">
+            <a:extLst>
+              <a:ext uri="{FF2B5EF4-FFF2-40B4-BE49-F238E27FC236}">
+                <a16:creationId xmlns:a16="http://schemas.microsoft.com/office/drawing/2014/main" id="{A3ED1571-F665-44A3-8674-09EA22C3C736}"/>
+              </a:ext>
+            </a:extLst>
+          </p:cNvPr>
+          <p:cNvCxnSpPr>
+            <a:cxnSpLocks/>
+          </p:cNvCxnSpPr>
+          <p:nvPr/>
+        </p:nvCxnSpPr>
+        <p:spPr>
+          <a:xfrm flipH="1" flipV="1">
+            <a:off x="5020940" y="2821226"/>
+            <a:ext cx="2557534" cy="378853"/>
+          </a:xfrm>
+          <a:prstGeom prst="straightConnector1">
+            <a:avLst/>
+          </a:prstGeom>
+          <a:ln w="28575">
+            <a:solidFill>
+              <a:srgbClr val="C00000"/>
+            </a:solidFill>
+            <a:headEnd type="none" w="med" len="med"/>
+            <a:tailEnd type="none" w="med" len="med"/>
+          </a:ln>
+        </p:spPr>
+        <p:style>
+          <a:lnRef idx="1">
+            <a:schemeClr val="accent1"/>
+          </a:lnRef>
+          <a:fillRef idx="0">
+            <a:schemeClr val="accent1"/>
+          </a:fillRef>
+          <a:effectRef idx="0">
+            <a:schemeClr val="accent1"/>
+          </a:effectRef>
+          <a:fontRef idx="minor">
+            <a:schemeClr val="tx1"/>
+          </a:fontRef>
+        </p:style>
+      </p:cxnSp>
+      <p:cxnSp>
+        <p:nvCxnSpPr>
+          <p:cNvPr id="90" name="직선 화살표 연결선 89">
+            <a:extLst>
+              <a:ext uri="{FF2B5EF4-FFF2-40B4-BE49-F238E27FC236}">
+                <a16:creationId xmlns:a16="http://schemas.microsoft.com/office/drawing/2014/main" id="{4D5C5EC7-9816-4DC7-8907-E43A6BF5025D}"/>
+              </a:ext>
+            </a:extLst>
+          </p:cNvPr>
+          <p:cNvCxnSpPr>
+            <a:cxnSpLocks/>
+          </p:cNvCxnSpPr>
+          <p:nvPr/>
+        </p:nvCxnSpPr>
+        <p:spPr>
+          <a:xfrm flipV="1">
+            <a:off x="1763688" y="1491630"/>
+            <a:ext cx="0" cy="288031"/>
+          </a:xfrm>
+          <a:prstGeom prst="straightConnector1">
+            <a:avLst/>
+          </a:prstGeom>
+          <a:ln w="28575">
+            <a:solidFill>
+              <a:srgbClr val="C00000"/>
+            </a:solidFill>
+            <a:headEnd type="none" w="med" len="med"/>
+            <a:tailEnd type="none" w="med" len="med"/>
+          </a:ln>
+        </p:spPr>
+        <p:style>
+          <a:lnRef idx="1">
+            <a:schemeClr val="accent1"/>
+          </a:lnRef>
+          <a:fillRef idx="0">
+            <a:schemeClr val="accent1"/>
+          </a:fillRef>
+          <a:effectRef idx="0">
+            <a:schemeClr val="accent1"/>
+          </a:effectRef>
+          <a:fontRef idx="minor">
+            <a:schemeClr val="tx1"/>
+          </a:fontRef>
+        </p:style>
+      </p:cxnSp>
+      <p:cxnSp>
+        <p:nvCxnSpPr>
+          <p:cNvPr id="95" name="직선 화살표 연결선 94">
+            <a:extLst>
+              <a:ext uri="{FF2B5EF4-FFF2-40B4-BE49-F238E27FC236}">
+                <a16:creationId xmlns:a16="http://schemas.microsoft.com/office/drawing/2014/main" id="{636EED07-18F6-426A-88AF-3718F369FB6B}"/>
+              </a:ext>
+            </a:extLst>
+          </p:cNvPr>
+          <p:cNvCxnSpPr>
+            <a:cxnSpLocks/>
+          </p:cNvCxnSpPr>
+          <p:nvPr/>
+        </p:nvCxnSpPr>
+        <p:spPr>
+          <a:xfrm flipV="1">
+            <a:off x="2020877" y="1491631"/>
+            <a:ext cx="0" cy="288030"/>
+          </a:xfrm>
+          <a:prstGeom prst="straightConnector1">
+            <a:avLst/>
+          </a:prstGeom>
+          <a:ln w="28575">
+            <a:solidFill>
+              <a:srgbClr val="C00000"/>
+            </a:solidFill>
+            <a:headEnd type="none" w="med" len="med"/>
+            <a:tailEnd type="arrow" w="med" len="med"/>
+          </a:ln>
+        </p:spPr>
+        <p:style>
+          <a:lnRef idx="1">
+            <a:schemeClr val="accent1"/>
+          </a:lnRef>
+          <a:fillRef idx="0">
+            <a:schemeClr val="accent1"/>
+          </a:fillRef>
+          <a:effectRef idx="0">
+            <a:schemeClr val="accent1"/>
+          </a:effectRef>
+          <a:fontRef idx="minor">
+            <a:schemeClr val="tx1"/>
+          </a:fontRef>
+        </p:style>
+      </p:cxnSp>
+      <p:cxnSp>
+        <p:nvCxnSpPr>
+          <p:cNvPr id="104" name="직선 화살표 연결선 103">
+            <a:extLst>
+              <a:ext uri="{FF2B5EF4-FFF2-40B4-BE49-F238E27FC236}">
+                <a16:creationId xmlns:a16="http://schemas.microsoft.com/office/drawing/2014/main" id="{0C3B0306-7449-4DF4-A0DD-DA07F705B605}"/>
+              </a:ext>
+            </a:extLst>
+          </p:cNvPr>
+          <p:cNvCxnSpPr>
+            <a:cxnSpLocks/>
+          </p:cNvCxnSpPr>
+          <p:nvPr/>
+        </p:nvCxnSpPr>
+        <p:spPr>
+          <a:xfrm flipV="1">
+            <a:off x="1725583" y="1752600"/>
+            <a:ext cx="293717" cy="1447479"/>
+          </a:xfrm>
+          <a:prstGeom prst="straightConnector1">
+            <a:avLst/>
+          </a:prstGeom>
+          <a:ln w="28575">
+            <a:solidFill>
+              <a:srgbClr val="C00000"/>
+            </a:solidFill>
+            <a:headEnd type="none" w="med" len="med"/>
+            <a:tailEnd type="none" w="med" len="med"/>
+          </a:ln>
+        </p:spPr>
+        <p:style>
+          <a:lnRef idx="1">
+            <a:schemeClr val="accent1"/>
+          </a:lnRef>
+          <a:fillRef idx="0">
+            <a:schemeClr val="accent1"/>
+          </a:fillRef>
+          <a:effectRef idx="0">
+            <a:schemeClr val="accent1"/>
+          </a:effectRef>
+          <a:fontRef idx="minor">
+            <a:schemeClr val="tx1"/>
+          </a:fontRef>
+        </p:style>
+      </p:cxnSp>
     </p:spTree>
     <p:extLst>
       <p:ext uri="{BB962C8B-B14F-4D97-AF65-F5344CB8AC3E}">
